--- a/materials/AngularJS.pptx
+++ b/materials/AngularJS.pptx
@@ -23,6 +23,48 @@
     <p:sldId id="268" r:id="rId17"/>
     <p:sldId id="277" r:id="rId18"/>
     <p:sldId id="278" r:id="rId19"/>
+    <p:sldId id="279" r:id="rId20"/>
+    <p:sldId id="280" r:id="rId21"/>
+    <p:sldId id="281" r:id="rId22"/>
+    <p:sldId id="282" r:id="rId23"/>
+    <p:sldId id="283" r:id="rId24"/>
+    <p:sldId id="284" r:id="rId25"/>
+    <p:sldId id="285" r:id="rId26"/>
+    <p:sldId id="286" r:id="rId27"/>
+    <p:sldId id="287" r:id="rId28"/>
+    <p:sldId id="288" r:id="rId29"/>
+    <p:sldId id="289" r:id="rId30"/>
+    <p:sldId id="290" r:id="rId31"/>
+    <p:sldId id="291" r:id="rId32"/>
+    <p:sldId id="319" r:id="rId33"/>
+    <p:sldId id="292" r:id="rId34"/>
+    <p:sldId id="298" r:id="rId35"/>
+    <p:sldId id="293" r:id="rId36"/>
+    <p:sldId id="294" r:id="rId37"/>
+    <p:sldId id="295" r:id="rId38"/>
+    <p:sldId id="296" r:id="rId39"/>
+    <p:sldId id="297" r:id="rId40"/>
+    <p:sldId id="299" r:id="rId41"/>
+    <p:sldId id="300" r:id="rId42"/>
+    <p:sldId id="304" r:id="rId43"/>
+    <p:sldId id="301" r:id="rId44"/>
+    <p:sldId id="302" r:id="rId45"/>
+    <p:sldId id="303" r:id="rId46"/>
+    <p:sldId id="305" r:id="rId47"/>
+    <p:sldId id="306" r:id="rId48"/>
+    <p:sldId id="307" r:id="rId49"/>
+    <p:sldId id="308" r:id="rId50"/>
+    <p:sldId id="309" r:id="rId51"/>
+    <p:sldId id="310" r:id="rId52"/>
+    <p:sldId id="311" r:id="rId53"/>
+    <p:sldId id="312" r:id="rId54"/>
+    <p:sldId id="313" r:id="rId55"/>
+    <p:sldId id="314" r:id="rId56"/>
+    <p:sldId id="315" r:id="rId57"/>
+    <p:sldId id="316" r:id="rId58"/>
+    <p:sldId id="317" r:id="rId59"/>
+    <p:sldId id="320" r:id="rId60"/>
+    <p:sldId id="318" r:id="rId61"/>
   </p:sldIdLst>
   <p:sldSz cx="12192000" cy="6858000"/>
   <p:notesSz cx="6858000" cy="9144000"/>
@@ -121,17 +163,18 @@
       </a:defRPr>
     </a:lvl9pPr>
   </p:defaultTextStyle>
+  <p:extLst>
+    <p:ext uri="{EFAFB233-063F-42B5-8137-9DF3F51BA10A}">
+      <p15:sldGuideLst xmlns:p15="http://schemas.microsoft.com/office/powerpoint/2012/main"/>
+    </p:ext>
+  </p:extLst>
 </p:presentation>
 </file>
 
 <file path=ppt/commentAuthors.xml><?xml version="1.0" encoding="utf-8"?>
 <p:cmAuthorLst xmlns:a="http://schemas.openxmlformats.org/drawingml/2006/main" xmlns:r="http://schemas.openxmlformats.org/officeDocument/2006/relationships" xmlns:p="http://schemas.openxmlformats.org/presentationml/2006/main">
   <p:cmAuthor id="1" name="Stephen Bechtold" initials="SB" lastIdx="1" clrIdx="0">
-    <p:extLst>
-      <p:ext uri="{19B8F6BF-5375-455C-9EA6-DF929625EA0E}">
-        <p15:presenceInfo xmlns:p15="http://schemas.microsoft.com/office/powerpoint/2012/main" userId="" providerId=""/>
-      </p:ext>
-    </p:extLst>
+    <p:extLst/>
   </p:cmAuthor>
 </p:cmAuthorLst>
 </file>
@@ -3993,60 +4036,39 @@
           <a:bodyPr/>
           <a:lstStyle/>
           <a:p>
-            <a:pPr>
-              <a:buFont typeface="Arial" charset="0"/>
-              <a:buChar char="•"/>
-            </a:pPr>
             <a:r>
               <a:rPr lang="en-US" dirty="0" smtClean="0"/>
               <a:t>As JavaScript interpreters have become more powerful they have enabled the possibility of leveraging design paradigms such as Model View Controller (MVC).</a:t>
             </a:r>
           </a:p>
           <a:p>
-            <a:pPr>
-              <a:buFont typeface="Arial" charset="0"/>
-              <a:buChar char="•"/>
-            </a:pPr>
             <a:r>
               <a:rPr lang="en-US" dirty="0" smtClean="0"/>
               <a:t>What is Model View Controller?</a:t>
             </a:r>
           </a:p>
           <a:p>
-            <a:pPr lvl="1">
-              <a:buFont typeface="Arial" charset="0"/>
-              <a:buChar char="•"/>
-            </a:pPr>
+            <a:pPr lvl="1"/>
             <a:r>
               <a:rPr lang="en-US" dirty="0" smtClean="0"/>
               <a:t>Model = Data</a:t>
             </a:r>
           </a:p>
           <a:p>
-            <a:pPr lvl="1">
-              <a:buFont typeface="Arial" charset="0"/>
-              <a:buChar char="•"/>
-            </a:pPr>
+            <a:pPr lvl="1"/>
             <a:r>
               <a:rPr lang="en-US" dirty="0" smtClean="0"/>
               <a:t>View = What your user sees</a:t>
             </a:r>
           </a:p>
           <a:p>
-            <a:pPr lvl="1">
-              <a:buFont typeface="Arial" charset="0"/>
-              <a:buChar char="•"/>
-            </a:pPr>
+            <a:pPr lvl="1"/>
             <a:r>
               <a:rPr lang="en-US" dirty="0" smtClean="0"/>
               <a:t>Controller = Glue that binds the view to the model and the model to the view</a:t>
             </a:r>
           </a:p>
           <a:p>
-            <a:pPr>
-              <a:buFont typeface="Arial" charset="0"/>
-              <a:buChar char="•"/>
-            </a:pPr>
             <a:r>
               <a:rPr lang="en-US" dirty="0" smtClean="0"/>
               <a:t>There are a number of JavaScript MVC frameworks you can check them out at: </a:t>
@@ -4060,10 +4082,6 @@
             <a:endParaRPr lang="en-US" dirty="0" smtClean="0"/>
           </a:p>
           <a:p>
-            <a:pPr>
-              <a:buFont typeface="Arial" charset="0"/>
-              <a:buChar char="•"/>
-            </a:pPr>
             <a:r>
               <a:rPr lang="en-US" dirty="0"/>
               <a:t>More on MVC: </a:t>
@@ -4083,24 +4101,14 @@
             <a:endParaRPr lang="en-US" dirty="0" smtClean="0"/>
           </a:p>
           <a:p>
-            <a:pPr>
-              <a:buFont typeface="Arial" charset="0"/>
-              <a:buChar char="•"/>
-            </a:pPr>
             <a:endParaRPr lang="en-US" dirty="0" smtClean="0"/>
           </a:p>
           <a:p>
-            <a:pPr lvl="1">
-              <a:buFont typeface="Arial" charset="0"/>
-              <a:buChar char="•"/>
-            </a:pPr>
+            <a:pPr lvl="1"/>
             <a:endParaRPr lang="en-US" dirty="0" smtClean="0"/>
           </a:p>
           <a:p>
-            <a:pPr lvl="1">
-              <a:buFont typeface="Arial" charset="0"/>
-              <a:buChar char="•"/>
-            </a:pPr>
+            <a:pPr lvl="1"/>
             <a:endParaRPr lang="en-US" dirty="0"/>
           </a:p>
         </p:txBody>
@@ -4180,40 +4188,25 @@
           <a:bodyPr/>
           <a:lstStyle/>
           <a:p>
-            <a:pPr>
-              <a:buFont typeface="Arial" charset="0"/>
-              <a:buChar char="•"/>
-            </a:pPr>
             <a:r>
               <a:rPr lang="en-US" dirty="0" smtClean="0"/>
               <a:t>Dependency Injection is, essentially, satisfying your binding your implementations at run time rather than compile time. </a:t>
             </a:r>
           </a:p>
           <a:p>
-            <a:pPr lvl="1">
-              <a:buFont typeface="Arial" charset="0"/>
-              <a:buChar char="•"/>
-            </a:pPr>
+            <a:pPr lvl="1"/>
             <a:r>
               <a:rPr lang="en-US" dirty="0" smtClean="0"/>
               <a:t>Relies on interfaces or contracts being established between the consumers of the dependency as well as the implementation of the </a:t>
             </a:r>
           </a:p>
           <a:p>
-            <a:pPr>
-              <a:buFont typeface="Arial" charset="0"/>
-              <a:buChar char="•"/>
-            </a:pPr>
             <a:r>
               <a:rPr lang="en-US" dirty="0" smtClean="0"/>
               <a:t>Dependency has been traditionally used in strongly typed languages (Java, C#)</a:t>
             </a:r>
           </a:p>
           <a:p>
-            <a:pPr>
-              <a:buFont typeface="Arial" charset="0"/>
-              <a:buChar char="•"/>
-            </a:pPr>
             <a:r>
               <a:rPr lang="en-US" dirty="0" smtClean="0"/>
               <a:t>While it may not seem to be an inherent best practice to a scripting language </a:t>
@@ -4932,10 +4925,6 @@
           <a:bodyPr/>
           <a:lstStyle/>
           <a:p>
-            <a:pPr>
-              <a:buFont typeface="Arial" charset="0"/>
-              <a:buChar char="•"/>
-            </a:pPr>
             <a:r>
               <a:rPr lang="en-US" dirty="0" err="1" smtClean="0"/>
               <a:t>AngularJS</a:t>
@@ -4974,40 +4963,27 @@
             </a:r>
           </a:p>
           <a:p>
-            <a:pPr lvl="1">
-              <a:buFont typeface="Arial" charset="0"/>
-              <a:buChar char="•"/>
-            </a:pPr>
+            <a:pPr lvl="1"/>
             <a:r>
               <a:rPr lang="en-US" dirty="0" smtClean="0"/>
               <a:t>It is licensed under the MIT License</a:t>
             </a:r>
           </a:p>
           <a:p>
-            <a:pPr>
-              <a:buFont typeface="Arial" charset="0"/>
-              <a:buChar char="•"/>
-            </a:pPr>
             <a:r>
               <a:rPr lang="en-US" dirty="0" smtClean="0"/>
               <a:t>Angular is a JavaScript based client side MVC implementation.</a:t>
             </a:r>
           </a:p>
           <a:p>
-            <a:pPr lvl="1">
-              <a:buFont typeface="Arial" charset="0"/>
-              <a:buChar char="•"/>
-            </a:pPr>
+            <a:pPr lvl="1"/>
             <a:r>
               <a:rPr lang="en-US" dirty="0" smtClean="0"/>
               <a:t>Dependency Injection to the Core </a:t>
             </a:r>
           </a:p>
           <a:p>
-            <a:pPr lvl="2">
-              <a:buFont typeface="Arial" charset="0"/>
-              <a:buChar char="•"/>
-            </a:pPr>
+            <a:pPr lvl="2"/>
             <a:r>
               <a:rPr lang="en-US" dirty="0" smtClean="0"/>
               <a:t>Each and every dependency is satisfied through </a:t>
@@ -5022,44 +4998,29 @@
             </a:r>
           </a:p>
           <a:p>
-            <a:pPr lvl="1">
-              <a:buFont typeface="Arial" charset="0"/>
-              <a:buChar char="•"/>
-            </a:pPr>
+            <a:pPr lvl="1"/>
             <a:r>
               <a:rPr lang="en-US" dirty="0" smtClean="0"/>
               <a:t>Strong Object Oriented (OO) concepts and paradigms</a:t>
             </a:r>
           </a:p>
           <a:p>
-            <a:pPr lvl="2">
-              <a:buFont typeface="Arial" charset="0"/>
-              <a:buChar char="•"/>
-            </a:pPr>
+            <a:pPr lvl="2"/>
             <a:r>
               <a:rPr lang="en-US" dirty="0" smtClean="0"/>
               <a:t>Supports light name spacing and modularity</a:t>
             </a:r>
           </a:p>
           <a:p>
-            <a:pPr lvl="1">
-              <a:buFont typeface="Arial" charset="0"/>
-              <a:buChar char="•"/>
-            </a:pPr>
+            <a:pPr lvl="1"/>
             <a:endParaRPr lang="en-US" dirty="0" smtClean="0"/>
           </a:p>
           <a:p>
-            <a:pPr lvl="1">
-              <a:buFont typeface="Arial" charset="0"/>
-              <a:buChar char="•"/>
-            </a:pPr>
+            <a:pPr lvl="1"/>
             <a:endParaRPr lang="en-US" dirty="0"/>
           </a:p>
           <a:p>
-            <a:pPr lvl="1">
-              <a:buFont typeface="Arial" charset="0"/>
-              <a:buChar char="•"/>
-            </a:pPr>
+            <a:pPr lvl="1"/>
             <a:endParaRPr lang="en-US" dirty="0" smtClean="0"/>
           </a:p>
         </p:txBody>
@@ -5139,70 +5100,47 @@
           <a:bodyPr/>
           <a:lstStyle/>
           <a:p>
-            <a:pPr>
-              <a:buFont typeface="Arial" charset="0"/>
-              <a:buChar char="•"/>
-            </a:pPr>
             <a:r>
               <a:rPr lang="en-US" dirty="0" smtClean="0"/>
               <a:t>For starters it’s a clean, simple, and straight forward framework that doesn’t have a tremendous learning curve.</a:t>
             </a:r>
           </a:p>
           <a:p>
-            <a:pPr lvl="1">
-              <a:buFont typeface="Arial" charset="0"/>
-              <a:buChar char="•"/>
-            </a:pPr>
+            <a:pPr lvl="1"/>
             <a:r>
               <a:rPr lang="en-US" dirty="0" smtClean="0"/>
               <a:t>Great separation of concerns</a:t>
             </a:r>
           </a:p>
           <a:p>
-            <a:pPr lvl="1">
-              <a:buFont typeface="Arial" charset="0"/>
-              <a:buChar char="•"/>
-            </a:pPr>
+            <a:pPr lvl="1"/>
             <a:r>
               <a:rPr lang="en-US" dirty="0" smtClean="0"/>
               <a:t>Insanely modular</a:t>
             </a:r>
           </a:p>
           <a:p>
-            <a:pPr>
-              <a:buFont typeface="Arial" charset="0"/>
-              <a:buChar char="•"/>
-            </a:pPr>
             <a:r>
               <a:rPr lang="en-US" dirty="0" smtClean="0"/>
               <a:t>It has some amazing features</a:t>
             </a:r>
           </a:p>
           <a:p>
-            <a:pPr lvl="1">
-              <a:buFont typeface="Arial" charset="0"/>
-              <a:buChar char="•"/>
-            </a:pPr>
+            <a:pPr lvl="1"/>
             <a:r>
               <a:rPr lang="en-US" dirty="0" smtClean="0"/>
               <a:t>Two-way model binding</a:t>
             </a:r>
           </a:p>
           <a:p>
-            <a:pPr lvl="1">
-              <a:buFont typeface="Arial" charset="0"/>
-              <a:buChar char="•"/>
-            </a:pPr>
+            <a:pPr lvl="1"/>
             <a:r>
               <a:rPr lang="en-US" dirty="0" smtClean="0"/>
               <a:t>Dependency Injection</a:t>
             </a:r>
           </a:p>
           <a:p>
-            <a:pPr lvl="1">
-              <a:buFont typeface="Arial" charset="0"/>
-              <a:buChar char="•"/>
-            </a:pPr>
+            <a:pPr lvl="1"/>
             <a:r>
               <a:rPr lang="en-US" dirty="0" smtClean="0"/>
               <a:t>Solid support for Asynchronous Transactions and </a:t>
@@ -5217,10 +5155,6 @@
             </a:r>
           </a:p>
           <a:p>
-            <a:pPr>
-              <a:buFont typeface="Arial" charset="0"/>
-              <a:buChar char="•"/>
-            </a:pPr>
             <a:r>
               <a:rPr lang="en-US" dirty="0" smtClean="0"/>
               <a:t>Past that</a:t>
@@ -5308,20 +5242,12 @@
           <a:bodyPr/>
           <a:lstStyle/>
           <a:p>
-            <a:pPr>
-              <a:buFont typeface="Arial" charset="0"/>
-              <a:buChar char="•"/>
-            </a:pPr>
             <a:r>
               <a:rPr lang="en-US" dirty="0" smtClean="0"/>
               <a:t>Version: 1.4.8 </a:t>
             </a:r>
           </a:p>
           <a:p>
-            <a:pPr>
-              <a:buFont typeface="Arial" charset="0"/>
-              <a:buChar char="•"/>
-            </a:pPr>
             <a:r>
               <a:rPr lang="en-US" dirty="0"/>
               <a:t>Website: </a:t>
@@ -5341,10 +5267,6 @@
             <a:endParaRPr lang="en-US" dirty="0" smtClean="0"/>
           </a:p>
           <a:p>
-            <a:pPr>
-              <a:buFont typeface="Arial" charset="0"/>
-              <a:buChar char="•"/>
-            </a:pPr>
             <a:r>
               <a:rPr lang="en-US" dirty="0" smtClean="0"/>
               <a:t>API Docs: </a:t>
@@ -5880,20 +5802,12 @@
           <a:bodyPr/>
           <a:lstStyle/>
           <a:p>
-            <a:pPr>
-              <a:buFont typeface="Arial" charset="0"/>
-              <a:buChar char="•"/>
-            </a:pPr>
             <a:r>
               <a:rPr lang="en-US" dirty="0" smtClean="0"/>
               <a:t>Angular doesn’t require a ton of stuff to get started. </a:t>
             </a:r>
           </a:p>
           <a:p>
-            <a:pPr>
-              <a:buFont typeface="Arial" charset="0"/>
-              <a:buChar char="•"/>
-            </a:pPr>
             <a:r>
               <a:rPr lang="en-US" dirty="0" smtClean="0"/>
               <a:t>First you’ll need to include the </a:t>
@@ -5916,10 +5830,6 @@
             </a:r>
           </a:p>
           <a:p>
-            <a:pPr>
-              <a:buFont typeface="Arial" charset="0"/>
-              <a:buChar char="•"/>
-            </a:pPr>
             <a:r>
               <a:rPr lang="en-US" dirty="0" smtClean="0"/>
               <a:t>Then, in the opening </a:t>
@@ -5959,10 +5869,6 @@
             <a:endParaRPr lang="en-US" dirty="0"/>
           </a:p>
           <a:p>
-            <a:pPr>
-              <a:buFont typeface="Arial" charset="0"/>
-              <a:buChar char="•"/>
-            </a:pPr>
             <a:r>
               <a:rPr lang="en-US" dirty="0" smtClean="0"/>
               <a:t>And now we’re ready to build our app.</a:t>
@@ -6432,13 +6338,44 @@
               </a:rPr>
               <a:t>&lt;/html&gt;</a:t>
             </a:r>
-            <a:endParaRPr lang="en-US" dirty="0">
-              <a:solidFill>
-                <a:prstClr val="black"/>
-              </a:solidFill>
-              <a:latin typeface="Courier New" pitchFamily="49" charset="0"/>
-              <a:cs typeface="Courier New" pitchFamily="49" charset="0"/>
-            </a:endParaRPr>
+          </a:p>
+        </p:txBody>
+      </p:sp>
+      <p:sp>
+        <p:nvSpPr>
+          <p:cNvPr id="4" name="TextBox 3"/>
+          <p:cNvSpPr txBox="1"/>
+          <p:nvPr/>
+        </p:nvSpPr>
+        <p:spPr>
+          <a:xfrm>
+            <a:off x="1097280" y="5499762"/>
+            <a:ext cx="8453120" cy="369332"/>
+          </a:xfrm>
+          <a:prstGeom prst="rect">
+            <a:avLst/>
+          </a:prstGeom>
+          <a:noFill/>
+        </p:spPr>
+        <p:txBody>
+          <a:bodyPr wrap="square" rtlCol="0">
+            <a:spAutoFit/>
+          </a:bodyPr>
+          <a:lstStyle/>
+          <a:p>
+            <a:r>
+              <a:rPr lang="en-US" dirty="0">
+                <a:hlinkClick r:id="rId2"/>
+              </a:rPr>
+              <a:t>http://</a:t>
+            </a:r>
+            <a:r>
+              <a:rPr lang="en-US" dirty="0" smtClean="0">
+                <a:hlinkClick r:id="rId2"/>
+              </a:rPr>
+              <a:t>localhost:8080/Intro/Samples/angular-template.html</a:t>
+            </a:r>
+            <a:endParaRPr lang="en-US" dirty="0" smtClean="0"/>
           </a:p>
         </p:txBody>
       </p:sp>
@@ -6462,6 +6399,120 @@
 </p:sld>
 </file>
 
+<file path=ppt/slides/slide19.xml><?xml version="1.0" encoding="utf-8"?>
+<p:sld xmlns:a="http://schemas.openxmlformats.org/drawingml/2006/main" xmlns:r="http://schemas.openxmlformats.org/officeDocument/2006/relationships" xmlns:p="http://schemas.openxmlformats.org/presentationml/2006/main">
+  <p:cSld>
+    <p:spTree>
+      <p:nvGrpSpPr>
+        <p:cNvPr id="1" name=""/>
+        <p:cNvGrpSpPr/>
+        <p:nvPr/>
+      </p:nvGrpSpPr>
+      <p:grpSpPr>
+        <a:xfrm>
+          <a:off x="0" y="0"/>
+          <a:ext cx="0" cy="0"/>
+          <a:chOff x="0" y="0"/>
+          <a:chExt cx="0" cy="0"/>
+        </a:xfrm>
+      </p:grpSpPr>
+      <p:sp>
+        <p:nvSpPr>
+          <p:cNvPr id="2" name="Title 1"/>
+          <p:cNvSpPr>
+            <a:spLocks noGrp="1"/>
+          </p:cNvSpPr>
+          <p:nvPr>
+            <p:ph type="title"/>
+          </p:nvPr>
+        </p:nvSpPr>
+        <p:spPr/>
+        <p:txBody>
+          <a:bodyPr/>
+          <a:lstStyle/>
+          <a:p>
+            <a:r>
+              <a:rPr lang="en-US" dirty="0" smtClean="0"/>
+              <a:t>First Example</a:t>
+            </a:r>
+            <a:endParaRPr lang="en-US" dirty="0"/>
+          </a:p>
+        </p:txBody>
+      </p:sp>
+      <p:sp>
+        <p:nvSpPr>
+          <p:cNvPr id="3" name="Content Placeholder 2"/>
+          <p:cNvSpPr>
+            <a:spLocks noGrp="1"/>
+          </p:cNvSpPr>
+          <p:nvPr>
+            <p:ph idx="1"/>
+          </p:nvPr>
+        </p:nvSpPr>
+        <p:spPr/>
+        <p:txBody>
+          <a:bodyPr/>
+          <a:lstStyle/>
+          <a:p>
+            <a:r>
+              <a:rPr lang="en-US" dirty="0" smtClean="0"/>
+              <a:t>Notice how little it took to get us started.</a:t>
+            </a:r>
+          </a:p>
+          <a:p>
+            <a:r>
+              <a:rPr lang="en-US" dirty="0" smtClean="0"/>
+              <a:t>Lets take a look at a simple example that takes advantage of </a:t>
+            </a:r>
+            <a:r>
+              <a:rPr lang="en-US" dirty="0" err="1" smtClean="0"/>
+              <a:t>Angular’s</a:t>
+            </a:r>
+            <a:r>
+              <a:rPr lang="en-US" dirty="0" smtClean="0"/>
+              <a:t> two-way model binding. </a:t>
+            </a:r>
+          </a:p>
+          <a:p>
+            <a:pPr lvl="1"/>
+            <a:r>
+              <a:rPr lang="en-US" dirty="0" smtClean="0">
+                <a:hlinkClick r:id="rId2"/>
+              </a:rPr>
+              <a:t>http</a:t>
+            </a:r>
+            <a:r>
+              <a:rPr lang="en-US" dirty="0">
+                <a:hlinkClick r:id="rId2"/>
+              </a:rPr>
+              <a:t>://</a:t>
+            </a:r>
+            <a:r>
+              <a:rPr lang="en-US" dirty="0" smtClean="0">
+                <a:hlinkClick r:id="rId2"/>
+              </a:rPr>
+              <a:t>localhost:8080/Intro/Samples/first-example.html</a:t>
+            </a:r>
+            <a:endParaRPr lang="en-US" dirty="0" smtClean="0"/>
+          </a:p>
+          <a:p>
+            <a:endParaRPr lang="en-US" dirty="0"/>
+          </a:p>
+        </p:txBody>
+      </p:sp>
+    </p:spTree>
+    <p:extLst>
+      <p:ext uri="{BB962C8B-B14F-4D97-AF65-F5344CB8AC3E}">
+        <p14:creationId xmlns:p14="http://schemas.microsoft.com/office/powerpoint/2010/main" val="495256978"/>
+      </p:ext>
+    </p:extLst>
+  </p:cSld>
+  <p:clrMapOvr>
+    <a:masterClrMapping/>
+  </p:clrMapOvr>
+</p:sld>
+</file>
+
 <file path=ppt/slides/slide2.xml><?xml version="1.0" encoding="utf-8"?>
 <p:sld xmlns:a="http://schemas.openxmlformats.org/drawingml/2006/main" xmlns:r="http://schemas.openxmlformats.org/officeDocument/2006/relationships" xmlns:p="http://schemas.openxmlformats.org/presentationml/2006/main">
   <p:cSld>
@@ -6575,6 +6626,1546 @@
 </p:sld>
 </file>
 
+<file path=ppt/slides/slide20.xml><?xml version="1.0" encoding="utf-8"?>
+<p:sld xmlns:a="http://schemas.openxmlformats.org/drawingml/2006/main" xmlns:r="http://schemas.openxmlformats.org/officeDocument/2006/relationships" xmlns:p="http://schemas.openxmlformats.org/presentationml/2006/main">
+  <p:cSld>
+    <p:spTree>
+      <p:nvGrpSpPr>
+        <p:cNvPr id="1" name=""/>
+        <p:cNvGrpSpPr/>
+        <p:nvPr/>
+      </p:nvGrpSpPr>
+      <p:grpSpPr>
+        <a:xfrm>
+          <a:off x="0" y="0"/>
+          <a:ext cx="0" cy="0"/>
+          <a:chOff x="0" y="0"/>
+          <a:chExt cx="0" cy="0"/>
+        </a:xfrm>
+      </p:grpSpPr>
+      <p:sp>
+        <p:nvSpPr>
+          <p:cNvPr id="2" name="Title 1"/>
+          <p:cNvSpPr>
+            <a:spLocks noGrp="1"/>
+          </p:cNvSpPr>
+          <p:nvPr>
+            <p:ph type="title"/>
+          </p:nvPr>
+        </p:nvSpPr>
+        <p:spPr/>
+        <p:txBody>
+          <a:bodyPr/>
+          <a:lstStyle/>
+          <a:p>
+            <a:r>
+              <a:rPr lang="en-US" dirty="0" smtClean="0"/>
+              <a:t>What just happened</a:t>
+            </a:r>
+            <a:endParaRPr lang="en-US" dirty="0"/>
+          </a:p>
+        </p:txBody>
+      </p:sp>
+      <p:sp>
+        <p:nvSpPr>
+          <p:cNvPr id="3" name="Content Placeholder 2"/>
+          <p:cNvSpPr>
+            <a:spLocks noGrp="1"/>
+          </p:cNvSpPr>
+          <p:nvPr>
+            <p:ph idx="1"/>
+          </p:nvPr>
+        </p:nvSpPr>
+        <p:spPr/>
+        <p:txBody>
+          <a:bodyPr/>
+          <a:lstStyle/>
+          <a:p>
+            <a:r>
+              <a:rPr lang="en-US" dirty="0" smtClean="0"/>
+              <a:t>First let’s look at our input tag</a:t>
+            </a:r>
+          </a:p>
+          <a:p>
+            <a:r>
+              <a:rPr lang="en-US" dirty="0" smtClean="0"/>
+              <a:t>&lt;input </a:t>
+            </a:r>
+            <a:r>
+              <a:rPr lang="en-US" dirty="0"/>
+              <a:t>type="text" ng-model="</a:t>
+            </a:r>
+            <a:r>
+              <a:rPr lang="en-US" dirty="0" err="1"/>
+              <a:t>myField</a:t>
+            </a:r>
+            <a:r>
+              <a:rPr lang="en-US" dirty="0"/>
+              <a:t>" /&gt; </a:t>
+            </a:r>
+          </a:p>
+          <a:p>
+            <a:r>
+              <a:rPr lang="en-US" dirty="0" smtClean="0"/>
+              <a:t>Notice the </a:t>
+            </a:r>
+            <a:r>
+              <a:rPr lang="en-US" b="1" dirty="0" smtClean="0"/>
+              <a:t>ng-model</a:t>
+            </a:r>
+            <a:r>
+              <a:rPr lang="en-US" dirty="0" smtClean="0"/>
+              <a:t> attribute. </a:t>
+            </a:r>
+          </a:p>
+          <a:p>
+            <a:pPr lvl="1"/>
+            <a:r>
+              <a:rPr lang="en-US" dirty="0" smtClean="0"/>
+              <a:t>When the page load angular looks at the DOM for these attributes and creates a variable with the same name (in this case </a:t>
+            </a:r>
+            <a:r>
+              <a:rPr lang="en-US" dirty="0" err="1" smtClean="0"/>
+              <a:t>myField</a:t>
+            </a:r>
+            <a:r>
+              <a:rPr lang="en-US" dirty="0" smtClean="0"/>
+              <a:t>)</a:t>
+            </a:r>
+          </a:p>
+          <a:p>
+            <a:pPr lvl="1"/>
+            <a:r>
+              <a:rPr lang="en-US" dirty="0" smtClean="0"/>
+              <a:t>Angular will take the value of the input and set that to the variable that it has created</a:t>
+            </a:r>
+          </a:p>
+          <a:p>
+            <a:pPr marL="201168" lvl="1" indent="0">
+              <a:buNone/>
+            </a:pPr>
+            <a:r>
+              <a:rPr lang="en-US" dirty="0" smtClean="0"/>
+              <a:t>Second take a look at the double brace notation </a:t>
+            </a:r>
+            <a:r>
+              <a:rPr lang="en-US" b="1" dirty="0" smtClean="0"/>
+              <a:t>{{</a:t>
+            </a:r>
+            <a:r>
+              <a:rPr lang="en-US" b="1" dirty="0" err="1" smtClean="0"/>
+              <a:t>myField</a:t>
+            </a:r>
+            <a:r>
+              <a:rPr lang="en-US" b="1" dirty="0" smtClean="0"/>
+              <a:t>}}</a:t>
+            </a:r>
+            <a:endParaRPr lang="en-US" dirty="0" smtClean="0"/>
+          </a:p>
+          <a:p>
+            <a:pPr lvl="1">
+              <a:buFont typeface="Arial" charset="0"/>
+              <a:buChar char="•"/>
+            </a:pPr>
+            <a:r>
+              <a:rPr lang="en-US" dirty="0" smtClean="0"/>
+              <a:t>Similarly to the ng-model attribute angular will look at the DOM and for all fields that are wrapped between these </a:t>
+            </a:r>
+            <a:r>
+              <a:rPr lang="en-US" b="1" dirty="0" smtClean="0"/>
+              <a:t>{{}}</a:t>
+            </a:r>
+            <a:r>
+              <a:rPr lang="en-US" dirty="0" smtClean="0"/>
+              <a:t> it will take the content between the braces (</a:t>
+            </a:r>
+            <a:r>
+              <a:rPr lang="en-US" dirty="0" err="1" smtClean="0"/>
+              <a:t>myField</a:t>
+            </a:r>
+            <a:r>
+              <a:rPr lang="en-US" dirty="0" smtClean="0"/>
+              <a:t>) and evaluate the expression against it’s internal state</a:t>
+            </a:r>
+          </a:p>
+          <a:p>
+            <a:pPr lvl="2">
+              <a:buFont typeface="Arial" charset="0"/>
+              <a:buChar char="•"/>
+            </a:pPr>
+            <a:r>
+              <a:rPr lang="en-US" dirty="0" smtClean="0"/>
+              <a:t>NOTE: This does not use </a:t>
+            </a:r>
+            <a:r>
+              <a:rPr lang="en-US" dirty="0" err="1" smtClean="0"/>
+              <a:t>JavaScripts</a:t>
+            </a:r>
+            <a:r>
+              <a:rPr lang="en-US" dirty="0" smtClean="0"/>
+              <a:t> </a:t>
+            </a:r>
+            <a:r>
+              <a:rPr lang="en-US" dirty="0" err="1" smtClean="0"/>
+              <a:t>eval</a:t>
+            </a:r>
+            <a:r>
+              <a:rPr lang="en-US" dirty="0" smtClean="0"/>
+              <a:t>(); Angular has it’s own implementation of EVAL</a:t>
+            </a:r>
+            <a:endParaRPr lang="en-US" dirty="0"/>
+          </a:p>
+        </p:txBody>
+      </p:sp>
+    </p:spTree>
+    <p:extLst>
+      <p:ext uri="{BB962C8B-B14F-4D97-AF65-F5344CB8AC3E}">
+        <p14:creationId xmlns:p14="http://schemas.microsoft.com/office/powerpoint/2010/main" val="1450525664"/>
+      </p:ext>
+    </p:extLst>
+  </p:cSld>
+  <p:clrMapOvr>
+    <a:masterClrMapping/>
+  </p:clrMapOvr>
+</p:sld>
+</file>
+
+<file path=ppt/slides/slide21.xml><?xml version="1.0" encoding="utf-8"?>
+<p:sld xmlns:a="http://schemas.openxmlformats.org/drawingml/2006/main" xmlns:r="http://schemas.openxmlformats.org/officeDocument/2006/relationships" xmlns:p="http://schemas.openxmlformats.org/presentationml/2006/main">
+  <p:cSld>
+    <p:spTree>
+      <p:nvGrpSpPr>
+        <p:cNvPr id="1" name=""/>
+        <p:cNvGrpSpPr/>
+        <p:nvPr/>
+      </p:nvGrpSpPr>
+      <p:grpSpPr>
+        <a:xfrm>
+          <a:off x="0" y="0"/>
+          <a:ext cx="0" cy="0"/>
+          <a:chOff x="0" y="0"/>
+          <a:chExt cx="0" cy="0"/>
+        </a:xfrm>
+      </p:grpSpPr>
+      <p:sp>
+        <p:nvSpPr>
+          <p:cNvPr id="2" name="Title 1"/>
+          <p:cNvSpPr>
+            <a:spLocks noGrp="1"/>
+          </p:cNvSpPr>
+          <p:nvPr>
+            <p:ph type="title"/>
+          </p:nvPr>
+        </p:nvSpPr>
+        <p:spPr/>
+        <p:txBody>
+          <a:bodyPr/>
+          <a:lstStyle/>
+          <a:p>
+            <a:r>
+              <a:rPr lang="en-US" dirty="0" smtClean="0"/>
+              <a:t>Angular Expressions</a:t>
+            </a:r>
+            <a:endParaRPr lang="en-US" dirty="0"/>
+          </a:p>
+        </p:txBody>
+      </p:sp>
+      <p:sp>
+        <p:nvSpPr>
+          <p:cNvPr id="3" name="Content Placeholder 2"/>
+          <p:cNvSpPr>
+            <a:spLocks noGrp="1"/>
+          </p:cNvSpPr>
+          <p:nvPr>
+            <p:ph idx="1"/>
+          </p:nvPr>
+        </p:nvSpPr>
+        <p:spPr/>
+        <p:txBody>
+          <a:bodyPr/>
+          <a:lstStyle/>
+          <a:p>
+            <a:r>
+              <a:rPr lang="en-US" dirty="0" smtClean="0"/>
+              <a:t>Angular uses </a:t>
+            </a:r>
+            <a:r>
+              <a:rPr lang="en-US" b="1" dirty="0" smtClean="0"/>
+              <a:t>{{}} </a:t>
+            </a:r>
+            <a:r>
+              <a:rPr lang="en-US" dirty="0" smtClean="0"/>
+              <a:t>to demarcate expressions</a:t>
+            </a:r>
+          </a:p>
+          <a:p>
+            <a:r>
+              <a:rPr lang="en-US" dirty="0" smtClean="0"/>
+              <a:t>JavaScript code in the form of an expression can be evaluated within these blocks</a:t>
+            </a:r>
+          </a:p>
+          <a:p>
+            <a:pPr lvl="1">
+              <a:buFont typeface="Arial" charset="0"/>
+              <a:buChar char="•"/>
+            </a:pPr>
+            <a:r>
+              <a:rPr lang="en-US" dirty="0" smtClean="0"/>
+              <a:t>This is limited to expressions, no conditional logic (switch/if statements), </a:t>
+            </a:r>
+            <a:r>
+              <a:rPr lang="en-US" dirty="0" err="1" smtClean="0"/>
+              <a:t>etc</a:t>
+            </a:r>
+            <a:endParaRPr lang="en-US" dirty="0" smtClean="0"/>
+          </a:p>
+          <a:p>
+            <a:pPr lvl="1">
+              <a:buFont typeface="Arial" charset="0"/>
+              <a:buChar char="•"/>
+            </a:pPr>
+            <a:r>
+              <a:rPr lang="en-US" dirty="0" smtClean="0"/>
+              <a:t>As we said in last slide; this does NOT use </a:t>
+            </a:r>
+            <a:r>
+              <a:rPr lang="en-US" dirty="0" err="1" smtClean="0"/>
+              <a:t>JavaScripts</a:t>
+            </a:r>
+            <a:r>
+              <a:rPr lang="en-US" dirty="0" smtClean="0"/>
+              <a:t> </a:t>
+            </a:r>
+            <a:r>
+              <a:rPr lang="en-US" dirty="0" err="1" smtClean="0"/>
+              <a:t>eval</a:t>
+            </a:r>
+            <a:r>
+              <a:rPr lang="en-US" dirty="0" smtClean="0"/>
+              <a:t>() </a:t>
+            </a:r>
+          </a:p>
+          <a:p>
+            <a:r>
+              <a:rPr lang="en-US" dirty="0" smtClean="0"/>
+              <a:t>It is capable of understanding variables, arrays, objects, and a variety of other data types</a:t>
+            </a:r>
+          </a:p>
+          <a:p>
+            <a:r>
+              <a:rPr lang="en-US" dirty="0" smtClean="0"/>
+              <a:t>Let’s take a look at angular evaluating some expressions: </a:t>
+            </a:r>
+          </a:p>
+          <a:p>
+            <a:pPr lvl="1">
+              <a:buFont typeface="Arial" charset="0"/>
+              <a:buChar char="•"/>
+            </a:pPr>
+            <a:r>
+              <a:rPr lang="en-US" dirty="0">
+                <a:hlinkClick r:id="rId2"/>
+              </a:rPr>
+              <a:t>http://</a:t>
+            </a:r>
+            <a:r>
+              <a:rPr lang="en-US" dirty="0" smtClean="0">
+                <a:hlinkClick r:id="rId2"/>
+              </a:rPr>
+              <a:t>localhost:8080/Intro/Samples/expressions.html</a:t>
+            </a:r>
+            <a:endParaRPr lang="en-US" dirty="0" smtClean="0"/>
+          </a:p>
+        </p:txBody>
+      </p:sp>
+    </p:spTree>
+    <p:extLst>
+      <p:ext uri="{BB962C8B-B14F-4D97-AF65-F5344CB8AC3E}">
+        <p14:creationId xmlns:p14="http://schemas.microsoft.com/office/powerpoint/2010/main" val="29810547"/>
+      </p:ext>
+    </p:extLst>
+  </p:cSld>
+  <p:clrMapOvr>
+    <a:masterClrMapping/>
+  </p:clrMapOvr>
+</p:sld>
+</file>
+
+<file path=ppt/slides/slide22.xml><?xml version="1.0" encoding="utf-8"?>
+<p:sld xmlns:a="http://schemas.openxmlformats.org/drawingml/2006/main" xmlns:r="http://schemas.openxmlformats.org/officeDocument/2006/relationships" xmlns:p="http://schemas.openxmlformats.org/presentationml/2006/main">
+  <p:cSld>
+    <p:spTree>
+      <p:nvGrpSpPr>
+        <p:cNvPr id="1" name=""/>
+        <p:cNvGrpSpPr/>
+        <p:nvPr/>
+      </p:nvGrpSpPr>
+      <p:grpSpPr>
+        <a:xfrm>
+          <a:off x="0" y="0"/>
+          <a:ext cx="0" cy="0"/>
+          <a:chOff x="0" y="0"/>
+          <a:chExt cx="0" cy="0"/>
+        </a:xfrm>
+      </p:grpSpPr>
+      <p:sp>
+        <p:nvSpPr>
+          <p:cNvPr id="2" name="Title 1"/>
+          <p:cNvSpPr>
+            <a:spLocks noGrp="1"/>
+          </p:cNvSpPr>
+          <p:nvPr>
+            <p:ph type="title"/>
+          </p:nvPr>
+        </p:nvSpPr>
+        <p:spPr/>
+        <p:txBody>
+          <a:bodyPr/>
+          <a:lstStyle/>
+          <a:p>
+            <a:r>
+              <a:rPr lang="en-US" dirty="0" smtClean="0"/>
+              <a:t>Conclusion</a:t>
+            </a:r>
+            <a:endParaRPr lang="en-US" dirty="0"/>
+          </a:p>
+        </p:txBody>
+      </p:sp>
+      <p:sp>
+        <p:nvSpPr>
+          <p:cNvPr id="3" name="Content Placeholder 2"/>
+          <p:cNvSpPr>
+            <a:spLocks noGrp="1"/>
+          </p:cNvSpPr>
+          <p:nvPr>
+            <p:ph idx="1"/>
+          </p:nvPr>
+        </p:nvSpPr>
+        <p:spPr/>
+        <p:txBody>
+          <a:bodyPr/>
+          <a:lstStyle/>
+          <a:p>
+            <a:endParaRPr lang="en-US" dirty="0"/>
+          </a:p>
+        </p:txBody>
+      </p:sp>
+    </p:spTree>
+    <p:extLst>
+      <p:ext uri="{BB962C8B-B14F-4D97-AF65-F5344CB8AC3E}">
+        <p14:creationId xmlns:p14="http://schemas.microsoft.com/office/powerpoint/2010/main" val="42515032"/>
+      </p:ext>
+    </p:extLst>
+  </p:cSld>
+  <p:clrMapOvr>
+    <a:masterClrMapping/>
+  </p:clrMapOvr>
+</p:sld>
+</file>
+
+<file path=ppt/slides/slide23.xml><?xml version="1.0" encoding="utf-8"?>
+<p:sld xmlns:a="http://schemas.openxmlformats.org/drawingml/2006/main" xmlns:r="http://schemas.openxmlformats.org/officeDocument/2006/relationships" xmlns:p="http://schemas.openxmlformats.org/presentationml/2006/main">
+  <p:cSld>
+    <p:spTree>
+      <p:nvGrpSpPr>
+        <p:cNvPr id="1" name=""/>
+        <p:cNvGrpSpPr/>
+        <p:nvPr/>
+      </p:nvGrpSpPr>
+      <p:grpSpPr>
+        <a:xfrm>
+          <a:off x="0" y="0"/>
+          <a:ext cx="0" cy="0"/>
+          <a:chOff x="0" y="0"/>
+          <a:chExt cx="0" cy="0"/>
+        </a:xfrm>
+      </p:grpSpPr>
+      <p:sp>
+        <p:nvSpPr>
+          <p:cNvPr id="2" name="Title 1"/>
+          <p:cNvSpPr>
+            <a:spLocks noGrp="1"/>
+          </p:cNvSpPr>
+          <p:nvPr>
+            <p:ph type="title"/>
+          </p:nvPr>
+        </p:nvSpPr>
+        <p:spPr/>
+        <p:txBody>
+          <a:bodyPr/>
+          <a:lstStyle/>
+          <a:p>
+            <a:r>
+              <a:rPr lang="en-US" dirty="0" smtClean="0"/>
+              <a:t>Views and Controllers</a:t>
+            </a:r>
+            <a:endParaRPr lang="en-US" dirty="0"/>
+          </a:p>
+        </p:txBody>
+      </p:sp>
+      <p:sp>
+        <p:nvSpPr>
+          <p:cNvPr id="3" name="Content Placeholder 2"/>
+          <p:cNvSpPr>
+            <a:spLocks noGrp="1"/>
+          </p:cNvSpPr>
+          <p:nvPr>
+            <p:ph idx="1"/>
+          </p:nvPr>
+        </p:nvSpPr>
+        <p:spPr/>
+        <p:txBody>
+          <a:bodyPr/>
+          <a:lstStyle/>
+          <a:p>
+            <a:r>
+              <a:rPr lang="en-US" dirty="0" smtClean="0"/>
+              <a:t>Overview of a module, Binding it to a view</a:t>
+            </a:r>
+          </a:p>
+          <a:p>
+            <a:r>
+              <a:rPr lang="en-US" dirty="0" smtClean="0"/>
+              <a:t>Setting up a controller</a:t>
+            </a:r>
+          </a:p>
+          <a:p>
+            <a:r>
+              <a:rPr lang="en-US" dirty="0" smtClean="0"/>
+              <a:t>Top Level Look at Directives</a:t>
+            </a:r>
+          </a:p>
+          <a:p>
+            <a:pPr lvl="1"/>
+            <a:r>
+              <a:rPr lang="en-US" dirty="0" smtClean="0"/>
+              <a:t>ng-repeat &amp; ng-options</a:t>
+            </a:r>
+          </a:p>
+          <a:p>
+            <a:pPr lvl="1"/>
+            <a:r>
+              <a:rPr lang="en-US" dirty="0" smtClean="0"/>
+              <a:t>Event Handling</a:t>
+            </a:r>
+            <a:endParaRPr lang="en-US" dirty="0" smtClean="0"/>
+          </a:p>
+          <a:p>
+            <a:endParaRPr lang="en-US" dirty="0" smtClean="0"/>
+          </a:p>
+          <a:p>
+            <a:pPr>
+              <a:buFont typeface="Arial" charset="0"/>
+              <a:buChar char="•"/>
+            </a:pPr>
+            <a:endParaRPr lang="en-US" dirty="0" smtClean="0"/>
+          </a:p>
+        </p:txBody>
+      </p:sp>
+    </p:spTree>
+    <p:extLst>
+      <p:ext uri="{BB962C8B-B14F-4D97-AF65-F5344CB8AC3E}">
+        <p14:creationId xmlns:p14="http://schemas.microsoft.com/office/powerpoint/2010/main" val="2144935197"/>
+      </p:ext>
+    </p:extLst>
+  </p:cSld>
+  <p:clrMapOvr>
+    <a:masterClrMapping/>
+  </p:clrMapOvr>
+</p:sld>
+</file>
+
+<file path=ppt/slides/slide24.xml><?xml version="1.0" encoding="utf-8"?>
+<p:sld xmlns:a="http://schemas.openxmlformats.org/drawingml/2006/main" xmlns:r="http://schemas.openxmlformats.org/officeDocument/2006/relationships" xmlns:p="http://schemas.openxmlformats.org/presentationml/2006/main">
+  <p:cSld>
+    <p:spTree>
+      <p:nvGrpSpPr>
+        <p:cNvPr id="1" name=""/>
+        <p:cNvGrpSpPr/>
+        <p:nvPr/>
+      </p:nvGrpSpPr>
+      <p:grpSpPr>
+        <a:xfrm>
+          <a:off x="0" y="0"/>
+          <a:ext cx="0" cy="0"/>
+          <a:chOff x="0" y="0"/>
+          <a:chExt cx="0" cy="0"/>
+        </a:xfrm>
+      </p:grpSpPr>
+      <p:sp>
+        <p:nvSpPr>
+          <p:cNvPr id="2" name="Title 1"/>
+          <p:cNvSpPr>
+            <a:spLocks noGrp="1"/>
+          </p:cNvSpPr>
+          <p:nvPr>
+            <p:ph type="title"/>
+          </p:nvPr>
+        </p:nvSpPr>
+        <p:spPr/>
+        <p:txBody>
+          <a:bodyPr/>
+          <a:lstStyle/>
+          <a:p>
+            <a:r>
+              <a:rPr lang="en-US" dirty="0" smtClean="0"/>
+              <a:t>Modules</a:t>
+            </a:r>
+            <a:endParaRPr lang="en-US" dirty="0"/>
+          </a:p>
+        </p:txBody>
+      </p:sp>
+      <p:sp>
+        <p:nvSpPr>
+          <p:cNvPr id="3" name="Content Placeholder 2"/>
+          <p:cNvSpPr>
+            <a:spLocks noGrp="1"/>
+          </p:cNvSpPr>
+          <p:nvPr>
+            <p:ph idx="1"/>
+          </p:nvPr>
+        </p:nvSpPr>
+        <p:spPr/>
+        <p:txBody>
+          <a:bodyPr/>
+          <a:lstStyle/>
+          <a:p>
+            <a:r>
+              <a:rPr lang="en-US" dirty="0" smtClean="0"/>
+              <a:t>Modules are the backbone of Angular</a:t>
+            </a:r>
+          </a:p>
+          <a:p>
+            <a:r>
+              <a:rPr lang="en-US" dirty="0" smtClean="0"/>
+              <a:t>Every provider needs a module from which to execute</a:t>
+            </a:r>
+          </a:p>
+          <a:p>
+            <a:r>
+              <a:rPr lang="en-US" dirty="0" smtClean="0"/>
+              <a:t>Modules are responsible for the following:</a:t>
+            </a:r>
+          </a:p>
+          <a:p>
+            <a:pPr lvl="1">
+              <a:buFont typeface="Arial" charset="0"/>
+              <a:buChar char="•"/>
+            </a:pPr>
+            <a:r>
+              <a:rPr lang="en-US" dirty="0" smtClean="0"/>
+              <a:t>Application State</a:t>
+            </a:r>
+          </a:p>
+          <a:p>
+            <a:pPr lvl="1">
+              <a:buFont typeface="Arial" charset="0"/>
+              <a:buChar char="•"/>
+            </a:pPr>
+            <a:r>
+              <a:rPr lang="en-US" dirty="0" smtClean="0"/>
+              <a:t>Name-spacing or acting as a container</a:t>
+            </a:r>
+          </a:p>
+          <a:p>
+            <a:r>
+              <a:rPr lang="en-US" dirty="0" smtClean="0"/>
+              <a:t>Defining a module is super simple</a:t>
+            </a:r>
+          </a:p>
+          <a:p>
+            <a:pPr marL="201168" lvl="1" indent="0">
+              <a:buNone/>
+            </a:pPr>
+            <a:r>
+              <a:rPr lang="en-US" b="1" dirty="0" err="1" smtClean="0"/>
+              <a:t>var</a:t>
+            </a:r>
+            <a:r>
+              <a:rPr lang="en-US" b="1" dirty="0" smtClean="0"/>
+              <a:t> app = </a:t>
+            </a:r>
+            <a:r>
+              <a:rPr lang="en-US" b="1" dirty="0" err="1" smtClean="0"/>
+              <a:t>angular.module</a:t>
+            </a:r>
+            <a:r>
+              <a:rPr lang="en-US" b="1" dirty="0" smtClean="0"/>
+              <a:t>(“</a:t>
+            </a:r>
+            <a:r>
+              <a:rPr lang="en-US" b="1" dirty="0" err="1" smtClean="0"/>
+              <a:t>myFirstApp</a:t>
+            </a:r>
+            <a:r>
+              <a:rPr lang="en-US" b="1" dirty="0" smtClean="0"/>
+              <a:t>”, []);</a:t>
+            </a:r>
+          </a:p>
+          <a:p>
+            <a:pPr lvl="1"/>
+            <a:r>
+              <a:rPr lang="en-US" dirty="0" smtClean="0"/>
+              <a:t>The first argument is the name of the module. Module names </a:t>
+            </a:r>
+            <a:r>
+              <a:rPr lang="en-US" b="1" u="sng" dirty="0" smtClean="0"/>
+              <a:t>must be unique</a:t>
+            </a:r>
+            <a:r>
+              <a:rPr lang="en-US" dirty="0" smtClean="0"/>
+              <a:t>.</a:t>
+            </a:r>
+          </a:p>
+          <a:p>
+            <a:pPr lvl="1"/>
+            <a:r>
+              <a:rPr lang="en-US" dirty="0" smtClean="0"/>
+              <a:t>The second argument is an array of module dependencies. So if your module requires external components this is where you references them</a:t>
+            </a:r>
+          </a:p>
+          <a:p>
+            <a:pPr lvl="1"/>
+            <a:endParaRPr lang="en-US" dirty="0" smtClean="0"/>
+          </a:p>
+        </p:txBody>
+      </p:sp>
+    </p:spTree>
+    <p:extLst>
+      <p:ext uri="{BB962C8B-B14F-4D97-AF65-F5344CB8AC3E}">
+        <p14:creationId xmlns:p14="http://schemas.microsoft.com/office/powerpoint/2010/main" val="1636094373"/>
+      </p:ext>
+    </p:extLst>
+  </p:cSld>
+  <p:clrMapOvr>
+    <a:masterClrMapping/>
+  </p:clrMapOvr>
+</p:sld>
+</file>
+
+<file path=ppt/slides/slide25.xml><?xml version="1.0" encoding="utf-8"?>
+<p:sld xmlns:a="http://schemas.openxmlformats.org/drawingml/2006/main" xmlns:r="http://schemas.openxmlformats.org/officeDocument/2006/relationships" xmlns:p="http://schemas.openxmlformats.org/presentationml/2006/main">
+  <p:cSld>
+    <p:spTree>
+      <p:nvGrpSpPr>
+        <p:cNvPr id="1" name=""/>
+        <p:cNvGrpSpPr/>
+        <p:nvPr/>
+      </p:nvGrpSpPr>
+      <p:grpSpPr>
+        <a:xfrm>
+          <a:off x="0" y="0"/>
+          <a:ext cx="0" cy="0"/>
+          <a:chOff x="0" y="0"/>
+          <a:chExt cx="0" cy="0"/>
+        </a:xfrm>
+      </p:grpSpPr>
+      <p:sp>
+        <p:nvSpPr>
+          <p:cNvPr id="2" name="Title 1"/>
+          <p:cNvSpPr>
+            <a:spLocks noGrp="1"/>
+          </p:cNvSpPr>
+          <p:nvPr>
+            <p:ph type="title"/>
+          </p:nvPr>
+        </p:nvSpPr>
+        <p:spPr/>
+        <p:txBody>
+          <a:bodyPr/>
+          <a:lstStyle/>
+          <a:p>
+            <a:r>
+              <a:rPr lang="en-US" dirty="0" smtClean="0"/>
+              <a:t>Wiring your Module to your App</a:t>
+            </a:r>
+            <a:endParaRPr lang="en-US" dirty="0"/>
+          </a:p>
+        </p:txBody>
+      </p:sp>
+      <p:sp>
+        <p:nvSpPr>
+          <p:cNvPr id="3" name="Content Placeholder 2"/>
+          <p:cNvSpPr>
+            <a:spLocks noGrp="1"/>
+          </p:cNvSpPr>
+          <p:nvPr>
+            <p:ph idx="1"/>
+          </p:nvPr>
+        </p:nvSpPr>
+        <p:spPr/>
+        <p:txBody>
+          <a:bodyPr/>
+          <a:lstStyle/>
+          <a:p>
+            <a:r>
+              <a:rPr lang="en-US" dirty="0" smtClean="0"/>
+              <a:t>Going back to our html template we added </a:t>
+            </a:r>
+            <a:r>
+              <a:rPr lang="en-US" b="1" dirty="0" smtClean="0"/>
+              <a:t>ng-app</a:t>
+            </a:r>
+            <a:r>
+              <a:rPr lang="en-US" dirty="0" smtClean="0"/>
+              <a:t> and that is where we told Angular which element should act as the scope container for our app. </a:t>
+            </a:r>
+          </a:p>
+          <a:p>
+            <a:r>
+              <a:rPr lang="en-US" dirty="0" smtClean="0"/>
+              <a:t>We’re going to modify this attribute to now read </a:t>
+            </a:r>
+            <a:r>
+              <a:rPr lang="en-US" b="1" dirty="0" smtClean="0"/>
+              <a:t>ng-app=“</a:t>
+            </a:r>
+            <a:r>
+              <a:rPr lang="en-US" b="1" dirty="0" err="1" smtClean="0"/>
+              <a:t>myFirstApp</a:t>
+            </a:r>
+            <a:r>
+              <a:rPr lang="en-US" b="1" dirty="0" smtClean="0"/>
+              <a:t>” </a:t>
+            </a:r>
+          </a:p>
+          <a:p>
+            <a:pPr lvl="1">
+              <a:buFont typeface="Arial" charset="0"/>
+              <a:buChar char="•"/>
+            </a:pPr>
+            <a:r>
+              <a:rPr lang="en-US" dirty="0" smtClean="0"/>
+              <a:t>Notice that our attribute value is equal to the name of the module in the previous slide. </a:t>
+            </a:r>
+          </a:p>
+          <a:p>
+            <a:r>
+              <a:rPr lang="en-US" dirty="0" smtClean="0"/>
+              <a:t>This now links our module to our application; let’s take a look at some code</a:t>
+            </a:r>
+          </a:p>
+          <a:p>
+            <a:pPr lvl="1">
+              <a:buFont typeface="Arial" charset="0"/>
+              <a:buChar char="•"/>
+            </a:pPr>
+            <a:r>
+              <a:rPr lang="en-US" dirty="0">
+                <a:hlinkClick r:id="rId2"/>
+              </a:rPr>
+              <a:t>http://localhost:8080/Controllers/Samples/FirstModule</a:t>
+            </a:r>
+            <a:r>
+              <a:rPr lang="en-US" dirty="0" smtClean="0">
+                <a:hlinkClick r:id="rId2"/>
+              </a:rPr>
+              <a:t>/</a:t>
+            </a:r>
+            <a:endParaRPr lang="en-US" dirty="0" smtClean="0"/>
+          </a:p>
+          <a:p>
+            <a:pPr lvl="1">
+              <a:buFont typeface="Arial" charset="0"/>
+              <a:buChar char="•"/>
+            </a:pPr>
+            <a:endParaRPr lang="en-US" dirty="0"/>
+          </a:p>
+        </p:txBody>
+      </p:sp>
+    </p:spTree>
+    <p:extLst>
+      <p:ext uri="{BB962C8B-B14F-4D97-AF65-F5344CB8AC3E}">
+        <p14:creationId xmlns:p14="http://schemas.microsoft.com/office/powerpoint/2010/main" val="977037047"/>
+      </p:ext>
+    </p:extLst>
+  </p:cSld>
+  <p:clrMapOvr>
+    <a:masterClrMapping/>
+  </p:clrMapOvr>
+</p:sld>
+</file>
+
+<file path=ppt/slides/slide26.xml><?xml version="1.0" encoding="utf-8"?>
+<p:sld xmlns:a="http://schemas.openxmlformats.org/drawingml/2006/main" xmlns:r="http://schemas.openxmlformats.org/officeDocument/2006/relationships" xmlns:p="http://schemas.openxmlformats.org/presentationml/2006/main">
+  <p:cSld>
+    <p:spTree>
+      <p:nvGrpSpPr>
+        <p:cNvPr id="1" name=""/>
+        <p:cNvGrpSpPr/>
+        <p:nvPr/>
+      </p:nvGrpSpPr>
+      <p:grpSpPr>
+        <a:xfrm>
+          <a:off x="0" y="0"/>
+          <a:ext cx="0" cy="0"/>
+          <a:chOff x="0" y="0"/>
+          <a:chExt cx="0" cy="0"/>
+        </a:xfrm>
+      </p:grpSpPr>
+      <p:sp>
+        <p:nvSpPr>
+          <p:cNvPr id="2" name="Title 1"/>
+          <p:cNvSpPr>
+            <a:spLocks noGrp="1"/>
+          </p:cNvSpPr>
+          <p:nvPr>
+            <p:ph type="title"/>
+          </p:nvPr>
+        </p:nvSpPr>
+        <p:spPr/>
+        <p:txBody>
+          <a:bodyPr/>
+          <a:lstStyle/>
+          <a:p>
+            <a:r>
+              <a:rPr lang="en-US" dirty="0" smtClean="0"/>
+              <a:t>Controllers</a:t>
+            </a:r>
+            <a:endParaRPr lang="en-US" dirty="0"/>
+          </a:p>
+        </p:txBody>
+      </p:sp>
+      <p:sp>
+        <p:nvSpPr>
+          <p:cNvPr id="3" name="Content Placeholder 2"/>
+          <p:cNvSpPr>
+            <a:spLocks noGrp="1"/>
+          </p:cNvSpPr>
+          <p:nvPr>
+            <p:ph idx="1"/>
+          </p:nvPr>
+        </p:nvSpPr>
+        <p:spPr/>
+        <p:txBody>
+          <a:bodyPr/>
+          <a:lstStyle/>
+          <a:p>
+            <a:r>
+              <a:rPr lang="en-US" dirty="0" smtClean="0"/>
+              <a:t>So if we remember the Model View Controller (MVC) paradigm we said that the controller was the glue that held the application together. </a:t>
+            </a:r>
+          </a:p>
+          <a:p>
+            <a:r>
+              <a:rPr lang="en-US" dirty="0" smtClean="0"/>
+              <a:t>In Angular (just like all MVC frameworks) Controllers are used for the following:</a:t>
+            </a:r>
+          </a:p>
+          <a:p>
+            <a:pPr lvl="1">
+              <a:buFont typeface="Arial" charset="0"/>
+              <a:buChar char="•"/>
+            </a:pPr>
+            <a:r>
+              <a:rPr lang="en-US" dirty="0"/>
+              <a:t>D</a:t>
+            </a:r>
+            <a:r>
+              <a:rPr lang="en-US" dirty="0" smtClean="0"/>
+              <a:t>escribing the view state from which the view presents information to the user </a:t>
+            </a:r>
+          </a:p>
+          <a:p>
+            <a:pPr lvl="1">
+              <a:buFont typeface="Arial" charset="0"/>
+              <a:buChar char="•"/>
+            </a:pPr>
+            <a:r>
+              <a:rPr lang="en-US" dirty="0" smtClean="0"/>
+              <a:t>Properly filling the model data so that it can be persisted to a given data store.</a:t>
+            </a:r>
+          </a:p>
+        </p:txBody>
+      </p:sp>
+    </p:spTree>
+    <p:extLst>
+      <p:ext uri="{BB962C8B-B14F-4D97-AF65-F5344CB8AC3E}">
+        <p14:creationId xmlns:p14="http://schemas.microsoft.com/office/powerpoint/2010/main" val="1784611313"/>
+      </p:ext>
+    </p:extLst>
+  </p:cSld>
+  <p:clrMapOvr>
+    <a:masterClrMapping/>
+  </p:clrMapOvr>
+</p:sld>
+</file>
+
+<file path=ppt/slides/slide27.xml><?xml version="1.0" encoding="utf-8"?>
+<p:sld xmlns:a="http://schemas.openxmlformats.org/drawingml/2006/main" xmlns:r="http://schemas.openxmlformats.org/officeDocument/2006/relationships" xmlns:p="http://schemas.openxmlformats.org/presentationml/2006/main">
+  <p:cSld>
+    <p:spTree>
+      <p:nvGrpSpPr>
+        <p:cNvPr id="1" name=""/>
+        <p:cNvGrpSpPr/>
+        <p:nvPr/>
+      </p:nvGrpSpPr>
+      <p:grpSpPr>
+        <a:xfrm>
+          <a:off x="0" y="0"/>
+          <a:ext cx="0" cy="0"/>
+          <a:chOff x="0" y="0"/>
+          <a:chExt cx="0" cy="0"/>
+        </a:xfrm>
+      </p:grpSpPr>
+      <p:sp>
+        <p:nvSpPr>
+          <p:cNvPr id="2" name="Title 1"/>
+          <p:cNvSpPr>
+            <a:spLocks noGrp="1"/>
+          </p:cNvSpPr>
+          <p:nvPr>
+            <p:ph type="title"/>
+          </p:nvPr>
+        </p:nvSpPr>
+        <p:spPr/>
+        <p:txBody>
+          <a:bodyPr/>
+          <a:lstStyle/>
+          <a:p>
+            <a:r>
+              <a:rPr lang="en-US" dirty="0" smtClean="0"/>
+              <a:t>Defining a new controller</a:t>
+            </a:r>
+            <a:endParaRPr lang="en-US" dirty="0"/>
+          </a:p>
+        </p:txBody>
+      </p:sp>
+      <p:sp>
+        <p:nvSpPr>
+          <p:cNvPr id="3" name="Content Placeholder 2"/>
+          <p:cNvSpPr>
+            <a:spLocks noGrp="1"/>
+          </p:cNvSpPr>
+          <p:nvPr>
+            <p:ph idx="1"/>
+          </p:nvPr>
+        </p:nvSpPr>
+        <p:spPr/>
+        <p:txBody>
+          <a:bodyPr/>
+          <a:lstStyle/>
+          <a:p>
+            <a:r>
+              <a:rPr lang="en-US" dirty="0"/>
+              <a:t>In order to define one all we need to do is invoke the </a:t>
+            </a:r>
+            <a:r>
+              <a:rPr lang="en-US" b="1" dirty="0"/>
+              <a:t>.controller </a:t>
+            </a:r>
+            <a:r>
+              <a:rPr lang="en-US" dirty="0"/>
+              <a:t>function off of our module</a:t>
+            </a:r>
+          </a:p>
+          <a:p>
+            <a:pPr marL="201168" lvl="1" indent="0">
+              <a:buNone/>
+            </a:pPr>
+            <a:r>
+              <a:rPr lang="en-US" b="1" dirty="0" err="1"/>
+              <a:t>var</a:t>
+            </a:r>
+            <a:r>
+              <a:rPr lang="en-US" b="1" dirty="0"/>
+              <a:t> app = </a:t>
+            </a:r>
+            <a:r>
+              <a:rPr lang="en-US" b="1" dirty="0" err="1"/>
+              <a:t>angular.module</a:t>
+            </a:r>
+            <a:r>
+              <a:rPr lang="en-US" b="1" dirty="0" smtClean="0"/>
+              <a:t>(“</a:t>
+            </a:r>
+            <a:r>
+              <a:rPr lang="en-US" b="1" dirty="0" err="1" smtClean="0"/>
+              <a:t>myFirstApp</a:t>
+            </a:r>
+            <a:r>
+              <a:rPr lang="en-US" b="1" dirty="0" smtClean="0"/>
+              <a:t>”, </a:t>
+            </a:r>
+            <a:r>
+              <a:rPr lang="en-US" b="1" dirty="0"/>
+              <a:t>[]);</a:t>
+            </a:r>
+          </a:p>
+          <a:p>
+            <a:pPr marL="201168" lvl="1" indent="0">
+              <a:buNone/>
+            </a:pPr>
+            <a:r>
+              <a:rPr lang="en-US" b="1" dirty="0" err="1"/>
+              <a:t>app.controller</a:t>
+            </a:r>
+            <a:r>
+              <a:rPr lang="en-US" b="1" dirty="0"/>
+              <a:t>(“</a:t>
+            </a:r>
+            <a:r>
+              <a:rPr lang="en-US" b="1" dirty="0" err="1"/>
+              <a:t>myController</a:t>
+            </a:r>
+            <a:r>
+              <a:rPr lang="en-US" b="1" dirty="0"/>
+              <a:t>”, function() {  });</a:t>
+            </a:r>
+          </a:p>
+          <a:p>
+            <a:r>
+              <a:rPr lang="en-US" dirty="0" smtClean="0"/>
+              <a:t>The controller takes 2 arguments as part of it’s definition</a:t>
+            </a:r>
+          </a:p>
+          <a:p>
+            <a:pPr lvl="1">
+              <a:buFont typeface="Arial" charset="0"/>
+              <a:buChar char="•"/>
+            </a:pPr>
+            <a:r>
+              <a:rPr lang="en-US" dirty="0" smtClean="0"/>
+              <a:t>The first is the name of the controller which </a:t>
+            </a:r>
+            <a:r>
+              <a:rPr lang="en-US" b="1" i="1" u="sng" dirty="0" smtClean="0"/>
+              <a:t>must be unique</a:t>
+            </a:r>
+            <a:r>
+              <a:rPr lang="en-US" b="1" dirty="0" smtClean="0"/>
+              <a:t> </a:t>
+            </a:r>
+            <a:r>
+              <a:rPr lang="en-US" dirty="0" smtClean="0"/>
+              <a:t>to the module that is being added.</a:t>
+            </a:r>
+          </a:p>
+          <a:p>
+            <a:pPr lvl="1">
+              <a:buFont typeface="Arial" charset="0"/>
+              <a:buChar char="•"/>
+            </a:pPr>
+            <a:r>
+              <a:rPr lang="en-US" dirty="0" smtClean="0"/>
+              <a:t>The second is an </a:t>
+            </a:r>
+            <a:r>
+              <a:rPr lang="en-US" b="1" dirty="0" smtClean="0"/>
+              <a:t>immediately-invoked function expression </a:t>
+            </a:r>
+            <a:r>
+              <a:rPr lang="en-US" dirty="0" smtClean="0"/>
+              <a:t>(IIFE); this function is invoked the second the controller is instantiated into the module.</a:t>
+            </a:r>
+          </a:p>
+        </p:txBody>
+      </p:sp>
+    </p:spTree>
+    <p:extLst>
+      <p:ext uri="{BB962C8B-B14F-4D97-AF65-F5344CB8AC3E}">
+        <p14:creationId xmlns:p14="http://schemas.microsoft.com/office/powerpoint/2010/main" val="944049900"/>
+      </p:ext>
+    </p:extLst>
+  </p:cSld>
+  <p:clrMapOvr>
+    <a:masterClrMapping/>
+  </p:clrMapOvr>
+</p:sld>
+</file>
+
+<file path=ppt/slides/slide28.xml><?xml version="1.0" encoding="utf-8"?>
+<p:sld xmlns:a="http://schemas.openxmlformats.org/drawingml/2006/main" xmlns:r="http://schemas.openxmlformats.org/officeDocument/2006/relationships" xmlns:p="http://schemas.openxmlformats.org/presentationml/2006/main">
+  <p:cSld>
+    <p:spTree>
+      <p:nvGrpSpPr>
+        <p:cNvPr id="1" name=""/>
+        <p:cNvGrpSpPr/>
+        <p:nvPr/>
+      </p:nvGrpSpPr>
+      <p:grpSpPr>
+        <a:xfrm>
+          <a:off x="0" y="0"/>
+          <a:ext cx="0" cy="0"/>
+          <a:chOff x="0" y="0"/>
+          <a:chExt cx="0" cy="0"/>
+        </a:xfrm>
+      </p:grpSpPr>
+      <p:sp>
+        <p:nvSpPr>
+          <p:cNvPr id="2" name="Title 1"/>
+          <p:cNvSpPr>
+            <a:spLocks noGrp="1"/>
+          </p:cNvSpPr>
+          <p:nvPr>
+            <p:ph type="title"/>
+          </p:nvPr>
+        </p:nvSpPr>
+        <p:spPr/>
+        <p:txBody>
+          <a:bodyPr/>
+          <a:lstStyle/>
+          <a:p>
+            <a:r>
+              <a:rPr lang="en-US" dirty="0" smtClean="0"/>
+              <a:t>Linking your controller to your view</a:t>
+            </a:r>
+            <a:endParaRPr lang="en-US" dirty="0"/>
+          </a:p>
+        </p:txBody>
+      </p:sp>
+      <p:sp>
+        <p:nvSpPr>
+          <p:cNvPr id="3" name="Content Placeholder 2"/>
+          <p:cNvSpPr>
+            <a:spLocks noGrp="1"/>
+          </p:cNvSpPr>
+          <p:nvPr>
+            <p:ph idx="1"/>
+          </p:nvPr>
+        </p:nvSpPr>
+        <p:spPr/>
+        <p:txBody>
+          <a:bodyPr/>
+          <a:lstStyle/>
+          <a:p>
+            <a:r>
+              <a:rPr lang="en-US" dirty="0" smtClean="0"/>
+              <a:t>We wire our controller into our view very similarly to how we wired our module to our page.</a:t>
+            </a:r>
+          </a:p>
+          <a:p>
+            <a:r>
+              <a:rPr lang="en-US" dirty="0" smtClean="0"/>
+              <a:t>You will add the </a:t>
+            </a:r>
+            <a:r>
+              <a:rPr lang="en-US" b="1" dirty="0" smtClean="0"/>
+              <a:t>ng-controller=“</a:t>
+            </a:r>
+            <a:r>
+              <a:rPr lang="en-US" b="1" dirty="0" err="1" smtClean="0"/>
+              <a:t>myFirstApp</a:t>
+            </a:r>
+            <a:r>
+              <a:rPr lang="en-US" b="1" dirty="0" smtClean="0"/>
+              <a:t>”</a:t>
+            </a:r>
+            <a:r>
+              <a:rPr lang="en-US" dirty="0" smtClean="0"/>
+              <a:t> attribute to the element you’d like to use as that controller’s scope. </a:t>
+            </a:r>
+          </a:p>
+          <a:p>
+            <a:r>
+              <a:rPr lang="en-US" dirty="0" smtClean="0"/>
+              <a:t>This will bind the element and each of it’s sub-elements to the controller named </a:t>
+            </a:r>
+            <a:r>
+              <a:rPr lang="en-US" b="1" dirty="0" err="1" smtClean="0"/>
+              <a:t>myFirstApp</a:t>
+            </a:r>
+            <a:endParaRPr lang="en-US" dirty="0"/>
+          </a:p>
+          <a:p>
+            <a:pPr lvl="1">
+              <a:buFont typeface="Arial" charset="0"/>
+              <a:buChar char="•"/>
+            </a:pPr>
+            <a:r>
+              <a:rPr lang="en-US" dirty="0">
+                <a:hlinkClick r:id="rId2"/>
+              </a:rPr>
+              <a:t>http://localhost:8080/Controllers/Samples/FirstController</a:t>
+            </a:r>
+            <a:r>
+              <a:rPr lang="en-US" dirty="0" smtClean="0">
+                <a:hlinkClick r:id="rId2"/>
+              </a:rPr>
+              <a:t>/</a:t>
+            </a:r>
+            <a:endParaRPr lang="en-US" dirty="0" smtClean="0"/>
+          </a:p>
+          <a:p>
+            <a:pPr>
+              <a:buFont typeface="Arial" charset="0"/>
+              <a:buChar char="•"/>
+            </a:pPr>
+            <a:endParaRPr lang="en-US" dirty="0" smtClean="0"/>
+          </a:p>
+        </p:txBody>
+      </p:sp>
+    </p:spTree>
+    <p:extLst>
+      <p:ext uri="{BB962C8B-B14F-4D97-AF65-F5344CB8AC3E}">
+        <p14:creationId xmlns:p14="http://schemas.microsoft.com/office/powerpoint/2010/main" val="1479621745"/>
+      </p:ext>
+    </p:extLst>
+  </p:cSld>
+  <p:clrMapOvr>
+    <a:masterClrMapping/>
+  </p:clrMapOvr>
+</p:sld>
+</file>
+
+<file path=ppt/slides/slide29.xml><?xml version="1.0" encoding="utf-8"?>
+<p:sld xmlns:a="http://schemas.openxmlformats.org/drawingml/2006/main" xmlns:r="http://schemas.openxmlformats.org/officeDocument/2006/relationships" xmlns:p="http://schemas.openxmlformats.org/presentationml/2006/main">
+  <p:cSld>
+    <p:spTree>
+      <p:nvGrpSpPr>
+        <p:cNvPr id="1" name=""/>
+        <p:cNvGrpSpPr/>
+        <p:nvPr/>
+      </p:nvGrpSpPr>
+      <p:grpSpPr>
+        <a:xfrm>
+          <a:off x="0" y="0"/>
+          <a:ext cx="0" cy="0"/>
+          <a:chOff x="0" y="0"/>
+          <a:chExt cx="0" cy="0"/>
+        </a:xfrm>
+      </p:grpSpPr>
+      <p:sp>
+        <p:nvSpPr>
+          <p:cNvPr id="2" name="Title 1"/>
+          <p:cNvSpPr>
+            <a:spLocks noGrp="1"/>
+          </p:cNvSpPr>
+          <p:nvPr>
+            <p:ph type="title"/>
+          </p:nvPr>
+        </p:nvSpPr>
+        <p:spPr/>
+        <p:txBody>
+          <a:bodyPr/>
+          <a:lstStyle/>
+          <a:p>
+            <a:r>
+              <a:rPr lang="en-US" dirty="0" smtClean="0"/>
+              <a:t>Communicating with the View</a:t>
+            </a:r>
+            <a:endParaRPr lang="en-US" dirty="0"/>
+          </a:p>
+        </p:txBody>
+      </p:sp>
+      <p:sp>
+        <p:nvSpPr>
+          <p:cNvPr id="3" name="Content Placeholder 2"/>
+          <p:cNvSpPr>
+            <a:spLocks noGrp="1"/>
+          </p:cNvSpPr>
+          <p:nvPr>
+            <p:ph idx="1"/>
+          </p:nvPr>
+        </p:nvSpPr>
+        <p:spPr/>
+        <p:txBody>
+          <a:bodyPr>
+            <a:normAutofit fontScale="92500" lnSpcReduction="10000"/>
+          </a:bodyPr>
+          <a:lstStyle/>
+          <a:p>
+            <a:r>
+              <a:rPr lang="en-US" dirty="0" smtClean="0"/>
+              <a:t>Last thing we need to do is be able to pass data between our view and our controller. We can accomplish this by passing an injected variable into our controller named </a:t>
+            </a:r>
+            <a:r>
+              <a:rPr lang="en-US" b="1" dirty="0" smtClean="0"/>
+              <a:t>$scope</a:t>
+            </a:r>
+            <a:endParaRPr lang="en-US" dirty="0" smtClean="0"/>
+          </a:p>
+          <a:p>
+            <a:r>
+              <a:rPr lang="en-US" b="1" dirty="0" smtClean="0"/>
+              <a:t>$scope</a:t>
+            </a:r>
+            <a:r>
+              <a:rPr lang="en-US" dirty="0" smtClean="0"/>
+              <a:t> – is a variable that gets injected into the controller via the injector service. </a:t>
+            </a:r>
+          </a:p>
+          <a:p>
+            <a:pPr lvl="1">
+              <a:buFont typeface="Arial" charset="0"/>
+              <a:buChar char="•"/>
+            </a:pPr>
+            <a:r>
+              <a:rPr lang="en-US" dirty="0" smtClean="0"/>
+              <a:t>It is manufactured from the injector service which is the backbone to </a:t>
+            </a:r>
+            <a:r>
+              <a:rPr lang="en-US" dirty="0" err="1" smtClean="0"/>
+              <a:t>Angular’s</a:t>
+            </a:r>
+            <a:r>
+              <a:rPr lang="en-US" dirty="0" smtClean="0"/>
+              <a:t> dependency injection framework.</a:t>
+            </a:r>
+          </a:p>
+          <a:p>
+            <a:r>
+              <a:rPr lang="en-US" dirty="0" smtClean="0"/>
+              <a:t>From there we can set variables in our controllers that get passed to our view: </a:t>
+            </a:r>
+          </a:p>
+          <a:p>
+            <a:pPr lvl="1">
+              <a:buFont typeface="Arial" charset="0"/>
+              <a:buChar char="•"/>
+            </a:pPr>
+            <a:r>
+              <a:rPr lang="en-US" b="1" dirty="0" smtClean="0"/>
+              <a:t>$</a:t>
+            </a:r>
+            <a:r>
+              <a:rPr lang="en-US" b="1" dirty="0" err="1" smtClean="0"/>
+              <a:t>scope.foo</a:t>
+            </a:r>
+            <a:r>
+              <a:rPr lang="en-US" b="1" dirty="0" smtClean="0"/>
+              <a:t> = “hello”</a:t>
+            </a:r>
+            <a:r>
+              <a:rPr lang="en-US" dirty="0" smtClean="0"/>
+              <a:t> – This would set a variable foo equal to “hello”; which we could reference from our view;</a:t>
+            </a:r>
+            <a:endParaRPr lang="en-US" dirty="0"/>
+          </a:p>
+          <a:p>
+            <a:r>
+              <a:rPr lang="en-US" dirty="0" smtClean="0"/>
+              <a:t>How we wire it up</a:t>
+            </a:r>
+          </a:p>
+          <a:p>
+            <a:pPr marL="384048" lvl="2" indent="0">
+              <a:buNone/>
+            </a:pPr>
+            <a:r>
+              <a:rPr lang="en-US" b="1" dirty="0" err="1"/>
+              <a:t>var</a:t>
+            </a:r>
+            <a:r>
+              <a:rPr lang="en-US" b="1" dirty="0"/>
+              <a:t> app = </a:t>
+            </a:r>
+            <a:r>
+              <a:rPr lang="en-US" b="1" dirty="0" err="1"/>
+              <a:t>angular.module</a:t>
+            </a:r>
+            <a:r>
+              <a:rPr lang="en-US" b="1" dirty="0"/>
+              <a:t>(“</a:t>
+            </a:r>
+            <a:r>
+              <a:rPr lang="en-US" b="1" dirty="0" err="1"/>
+              <a:t>myFirstApp</a:t>
+            </a:r>
+            <a:r>
+              <a:rPr lang="en-US" b="1" dirty="0"/>
+              <a:t>”, []);</a:t>
+            </a:r>
+          </a:p>
+          <a:p>
+            <a:pPr marL="384048" lvl="2" indent="0">
+              <a:buNone/>
+            </a:pPr>
+            <a:r>
+              <a:rPr lang="en-US" b="1" dirty="0" err="1"/>
+              <a:t>app.controller</a:t>
+            </a:r>
+            <a:r>
+              <a:rPr lang="en-US" b="1" dirty="0"/>
+              <a:t>(“</a:t>
+            </a:r>
+            <a:r>
+              <a:rPr lang="en-US" b="1" dirty="0" err="1"/>
+              <a:t>myController</a:t>
+            </a:r>
+            <a:r>
+              <a:rPr lang="en-US" b="1" dirty="0"/>
+              <a:t>”, function</a:t>
+            </a:r>
+            <a:r>
+              <a:rPr lang="en-US" b="1" dirty="0" smtClean="0"/>
+              <a:t>($scope) </a:t>
+            </a:r>
+            <a:r>
+              <a:rPr lang="en-US" b="1" dirty="0"/>
+              <a:t>{  </a:t>
+            </a:r>
+          </a:p>
+          <a:p>
+            <a:pPr marL="384048" lvl="2" indent="0">
+              <a:buNone/>
+            </a:pPr>
+            <a:r>
+              <a:rPr lang="en-US" b="1" dirty="0" smtClean="0"/>
+              <a:t>	$</a:t>
+            </a:r>
+            <a:r>
+              <a:rPr lang="en-US" b="1" dirty="0" err="1" smtClean="0"/>
+              <a:t>scope.foo</a:t>
+            </a:r>
+            <a:r>
+              <a:rPr lang="en-US" b="1" dirty="0" smtClean="0"/>
+              <a:t> = “hello”;</a:t>
+            </a:r>
+            <a:endParaRPr lang="en-US" b="1" dirty="0"/>
+          </a:p>
+          <a:p>
+            <a:pPr marL="384048" lvl="2" indent="0">
+              <a:buNone/>
+            </a:pPr>
+            <a:r>
+              <a:rPr lang="en-US" b="1" dirty="0" smtClean="0"/>
+              <a:t>});</a:t>
+            </a:r>
+          </a:p>
+          <a:p>
+            <a:pPr lvl="1"/>
+            <a:r>
+              <a:rPr lang="en-US" dirty="0" smtClean="0">
+                <a:hlinkClick r:id="rId2"/>
+              </a:rPr>
+              <a:t>http</a:t>
+            </a:r>
+            <a:r>
+              <a:rPr lang="en-US" dirty="0">
+                <a:hlinkClick r:id="rId2"/>
+              </a:rPr>
+              <a:t>://localhost:8080/Controllers/Samples/FirstControllerWithState</a:t>
+            </a:r>
+            <a:r>
+              <a:rPr lang="en-US" dirty="0" smtClean="0">
+                <a:hlinkClick r:id="rId2"/>
+              </a:rPr>
+              <a:t>/</a:t>
+            </a:r>
+            <a:endParaRPr lang="en-US" dirty="0" smtClean="0"/>
+          </a:p>
+          <a:p>
+            <a:pPr marL="201168" lvl="1" indent="0">
+              <a:buNone/>
+            </a:pPr>
+            <a:endParaRPr lang="en-US" b="1" dirty="0"/>
+          </a:p>
+        </p:txBody>
+      </p:sp>
+    </p:spTree>
+    <p:extLst>
+      <p:ext uri="{BB962C8B-B14F-4D97-AF65-F5344CB8AC3E}">
+        <p14:creationId xmlns:p14="http://schemas.microsoft.com/office/powerpoint/2010/main" val="1297379693"/>
+      </p:ext>
+    </p:extLst>
+  </p:cSld>
+  <p:clrMapOvr>
+    <a:masterClrMapping/>
+  </p:clrMapOvr>
+</p:sld>
+</file>
+
 <file path=ppt/slides/slide3.xml><?xml version="1.0" encoding="utf-8"?>
 <p:sld xmlns:a="http://schemas.openxmlformats.org/drawingml/2006/main" xmlns:r="http://schemas.openxmlformats.org/officeDocument/2006/relationships" xmlns:p="http://schemas.openxmlformats.org/presentationml/2006/main">
   <p:cSld>
@@ -6630,20 +8221,13 @@
           <a:bodyPr/>
           <a:lstStyle/>
           <a:p>
-            <a:pPr>
-              <a:buFont typeface="Arial" charset="0"/>
-              <a:buChar char="•"/>
-            </a:pPr>
             <a:r>
               <a:rPr lang="en-US" dirty="0" smtClean="0"/>
               <a:t>Some kind of code editor or IDE</a:t>
             </a:r>
           </a:p>
           <a:p>
-            <a:pPr lvl="1">
-              <a:buFont typeface="Arial" charset="0"/>
-              <a:buChar char="•"/>
-            </a:pPr>
+            <a:pPr lvl="1"/>
             <a:r>
               <a:rPr lang="en-US" dirty="0" smtClean="0"/>
               <a:t>Visual Studio Code: </a:t>
@@ -6669,10 +8253,7 @@
             <a:endParaRPr lang="en-US" dirty="0" smtClean="0"/>
           </a:p>
           <a:p>
-            <a:pPr lvl="1">
-              <a:buFont typeface="Arial" charset="0"/>
-              <a:buChar char="•"/>
-            </a:pPr>
+            <a:pPr lvl="1"/>
             <a:r>
               <a:rPr lang="en-US" dirty="0" err="1" smtClean="0"/>
               <a:t>WebStorm</a:t>
@@ -6702,10 +8283,7 @@
             <a:endParaRPr lang="en-US" dirty="0" smtClean="0"/>
           </a:p>
           <a:p>
-            <a:pPr lvl="1">
-              <a:buFont typeface="Arial" charset="0"/>
-              <a:buChar char="•"/>
-            </a:pPr>
+            <a:pPr lvl="1"/>
             <a:r>
               <a:rPr lang="en-US" dirty="0" smtClean="0"/>
               <a:t>Atom: </a:t>
@@ -6731,10 +8309,7 @@
             <a:endParaRPr lang="en-US" dirty="0" smtClean="0"/>
           </a:p>
           <a:p>
-            <a:pPr lvl="1">
-              <a:buFont typeface="Arial" charset="0"/>
-              <a:buChar char="•"/>
-            </a:pPr>
+            <a:pPr lvl="1"/>
             <a:r>
               <a:rPr lang="en-US" dirty="0"/>
               <a:t>Sublime: </a:t>
@@ -6754,50 +8329,33 @@
             <a:endParaRPr lang="en-US" dirty="0" smtClean="0"/>
           </a:p>
           <a:p>
-            <a:pPr>
-              <a:buFont typeface="Arial" charset="0"/>
-              <a:buChar char="•"/>
-            </a:pPr>
             <a:r>
               <a:rPr lang="en-US" dirty="0" smtClean="0"/>
               <a:t>A HTML5 Web browser</a:t>
             </a:r>
           </a:p>
           <a:p>
-            <a:pPr lvl="1">
-              <a:buFont typeface="Arial" charset="0"/>
-              <a:buChar char="•"/>
-            </a:pPr>
+            <a:pPr lvl="1"/>
             <a:r>
               <a:rPr lang="en-US" dirty="0" smtClean="0"/>
               <a:t>Firefox 14.x or greater</a:t>
             </a:r>
           </a:p>
           <a:p>
-            <a:pPr lvl="1">
-              <a:buFont typeface="Arial" charset="0"/>
-              <a:buChar char="•"/>
-            </a:pPr>
+            <a:pPr lvl="1"/>
             <a:r>
               <a:rPr lang="en-US" dirty="0" smtClean="0"/>
               <a:t>Chrome 17.x or greater</a:t>
             </a:r>
           </a:p>
           <a:p>
-            <a:pPr lvl="1">
-              <a:buFont typeface="Arial" charset="0"/>
-              <a:buChar char="•"/>
-            </a:pPr>
+            <a:pPr lvl="1"/>
             <a:r>
               <a:rPr lang="en-US" dirty="0" smtClean="0"/>
               <a:t>Internet Explorer 10.x or greater</a:t>
             </a:r>
           </a:p>
           <a:p>
-            <a:pPr>
-              <a:buFont typeface="Arial" charset="0"/>
-              <a:buChar char="•"/>
-            </a:pPr>
             <a:r>
               <a:rPr lang="en-US" dirty="0" err="1" smtClean="0"/>
               <a:t>Node.js</a:t>
@@ -6808,10 +8366,6 @@
             </a:r>
           </a:p>
           <a:p>
-            <a:pPr>
-              <a:buFont typeface="Arial" charset="0"/>
-              <a:buChar char="•"/>
-            </a:pPr>
             <a:r>
               <a:rPr lang="en-US" dirty="0" err="1" smtClean="0"/>
               <a:t>MongoDB</a:t>
@@ -6850,6 +8404,2078 @@
 </p:sld>
 </file>
 
+<file path=ppt/slides/slide30.xml><?xml version="1.0" encoding="utf-8"?>
+<p:sld xmlns:a="http://schemas.openxmlformats.org/drawingml/2006/main" xmlns:r="http://schemas.openxmlformats.org/officeDocument/2006/relationships" xmlns:p="http://schemas.openxmlformats.org/presentationml/2006/main">
+  <p:cSld>
+    <p:spTree>
+      <p:nvGrpSpPr>
+        <p:cNvPr id="1" name=""/>
+        <p:cNvGrpSpPr/>
+        <p:nvPr/>
+      </p:nvGrpSpPr>
+      <p:grpSpPr>
+        <a:xfrm>
+          <a:off x="0" y="0"/>
+          <a:ext cx="0" cy="0"/>
+          <a:chOff x="0" y="0"/>
+          <a:chExt cx="0" cy="0"/>
+        </a:xfrm>
+      </p:grpSpPr>
+      <p:sp>
+        <p:nvSpPr>
+          <p:cNvPr id="2" name="Title 1"/>
+          <p:cNvSpPr>
+            <a:spLocks noGrp="1"/>
+          </p:cNvSpPr>
+          <p:nvPr>
+            <p:ph type="title"/>
+          </p:nvPr>
+        </p:nvSpPr>
+        <p:spPr/>
+        <p:txBody>
+          <a:bodyPr/>
+          <a:lstStyle/>
+          <a:p>
+            <a:r>
+              <a:rPr lang="en-US" dirty="0" smtClean="0"/>
+              <a:t>Quick Recap</a:t>
+            </a:r>
+            <a:endParaRPr lang="en-US" dirty="0"/>
+          </a:p>
+        </p:txBody>
+      </p:sp>
+      <p:sp>
+        <p:nvSpPr>
+          <p:cNvPr id="3" name="Content Placeholder 2"/>
+          <p:cNvSpPr>
+            <a:spLocks noGrp="1"/>
+          </p:cNvSpPr>
+          <p:nvPr>
+            <p:ph idx="1"/>
+          </p:nvPr>
+        </p:nvSpPr>
+        <p:spPr/>
+        <p:txBody>
+          <a:bodyPr/>
+          <a:lstStyle/>
+          <a:p>
+            <a:r>
+              <a:rPr lang="en-US" dirty="0" smtClean="0"/>
+              <a:t>We are able to define our module which is the basic building block of our application</a:t>
+            </a:r>
+          </a:p>
+          <a:p>
+            <a:pPr lvl="1"/>
+            <a:r>
+              <a:rPr lang="en-US" dirty="0" smtClean="0"/>
+              <a:t>All of our controllers will be defined as children that belong to this module</a:t>
+            </a:r>
+          </a:p>
+          <a:p>
+            <a:pPr lvl="1"/>
+            <a:r>
+              <a:rPr lang="en-US" dirty="0" smtClean="0"/>
+              <a:t>The module name must be unique to our application</a:t>
+            </a:r>
+          </a:p>
+          <a:p>
+            <a:pPr lvl="1"/>
+            <a:r>
+              <a:rPr lang="en-US" dirty="0" smtClean="0"/>
+              <a:t>We wire our module up to our application by altering the </a:t>
+            </a:r>
+            <a:r>
+              <a:rPr lang="en-US" b="1" dirty="0" smtClean="0"/>
+              <a:t>ng-app </a:t>
+            </a:r>
+            <a:r>
+              <a:rPr lang="en-US" dirty="0" smtClean="0"/>
+              <a:t> attribute  and setting the attribute value to the name of our module</a:t>
+            </a:r>
+          </a:p>
+          <a:p>
+            <a:r>
+              <a:rPr lang="en-US" dirty="0" smtClean="0"/>
+              <a:t>We then can then define our controller(s) as children to our module</a:t>
+            </a:r>
+          </a:p>
+          <a:p>
+            <a:pPr lvl="1"/>
+            <a:r>
+              <a:rPr lang="en-US" dirty="0" smtClean="0"/>
+              <a:t>We define a controller by providing a name plus a immediately-invoked function expression (IIFE).</a:t>
+            </a:r>
+          </a:p>
+          <a:p>
+            <a:pPr lvl="1"/>
+            <a:r>
+              <a:rPr lang="en-US" dirty="0" smtClean="0"/>
+              <a:t>This function is invoked when the controller is instantiated. </a:t>
+            </a:r>
+          </a:p>
+          <a:p>
+            <a:pPr lvl="1"/>
+            <a:r>
+              <a:rPr lang="en-US" dirty="0" smtClean="0"/>
+              <a:t>We bind our controller to our view by adding the </a:t>
+            </a:r>
+            <a:r>
+              <a:rPr lang="en-US" b="1" dirty="0" smtClean="0"/>
+              <a:t>ng-controller=“</a:t>
+            </a:r>
+            <a:r>
+              <a:rPr lang="en-US" b="1" dirty="0" err="1" smtClean="0"/>
+              <a:t>myController</a:t>
+            </a:r>
+            <a:r>
+              <a:rPr lang="en-US" b="1" dirty="0" smtClean="0"/>
+              <a:t>”</a:t>
+            </a:r>
+            <a:r>
+              <a:rPr lang="en-US" dirty="0" smtClean="0"/>
+              <a:t> attribute this will describe the scope of our controller</a:t>
+            </a:r>
+          </a:p>
+          <a:p>
+            <a:r>
+              <a:rPr lang="en-US" dirty="0" smtClean="0"/>
+              <a:t>Lastly, we pass data between our controller and view by way of the </a:t>
+            </a:r>
+            <a:r>
+              <a:rPr lang="en-US" b="1" dirty="0" smtClean="0"/>
+              <a:t>$scope</a:t>
+            </a:r>
+            <a:r>
+              <a:rPr lang="en-US" dirty="0" smtClean="0"/>
+              <a:t> variable which gets passed into the controller and then the view resolves against that variable to get it’s context</a:t>
+            </a:r>
+          </a:p>
+        </p:txBody>
+      </p:sp>
+    </p:spTree>
+    <p:extLst>
+      <p:ext uri="{BB962C8B-B14F-4D97-AF65-F5344CB8AC3E}">
+        <p14:creationId xmlns:p14="http://schemas.microsoft.com/office/powerpoint/2010/main" val="431759864"/>
+      </p:ext>
+    </p:extLst>
+  </p:cSld>
+  <p:clrMapOvr>
+    <a:masterClrMapping/>
+  </p:clrMapOvr>
+</p:sld>
+</file>
+
+<file path=ppt/slides/slide31.xml><?xml version="1.0" encoding="utf-8"?>
+<p:sld xmlns:a="http://schemas.openxmlformats.org/drawingml/2006/main" xmlns:r="http://schemas.openxmlformats.org/officeDocument/2006/relationships" xmlns:p="http://schemas.openxmlformats.org/presentationml/2006/main">
+  <p:cSld>
+    <p:spTree>
+      <p:nvGrpSpPr>
+        <p:cNvPr id="1" name=""/>
+        <p:cNvGrpSpPr/>
+        <p:nvPr/>
+      </p:nvGrpSpPr>
+      <p:grpSpPr>
+        <a:xfrm>
+          <a:off x="0" y="0"/>
+          <a:ext cx="0" cy="0"/>
+          <a:chOff x="0" y="0"/>
+          <a:chExt cx="0" cy="0"/>
+        </a:xfrm>
+      </p:grpSpPr>
+      <p:sp>
+        <p:nvSpPr>
+          <p:cNvPr id="2" name="Title 1"/>
+          <p:cNvSpPr>
+            <a:spLocks noGrp="1"/>
+          </p:cNvSpPr>
+          <p:nvPr>
+            <p:ph type="title"/>
+          </p:nvPr>
+        </p:nvSpPr>
+        <p:spPr/>
+        <p:txBody>
+          <a:bodyPr/>
+          <a:lstStyle/>
+          <a:p>
+            <a:r>
+              <a:rPr lang="en-US" dirty="0" smtClean="0"/>
+              <a:t>What </a:t>
+            </a:r>
+            <a:r>
+              <a:rPr lang="en-US" b="1" dirty="0" smtClean="0"/>
+              <a:t>$scope</a:t>
+            </a:r>
+            <a:r>
+              <a:rPr lang="en-US" dirty="0" smtClean="0"/>
+              <a:t> does</a:t>
+            </a:r>
+            <a:endParaRPr lang="en-US" dirty="0"/>
+          </a:p>
+        </p:txBody>
+      </p:sp>
+      <p:sp>
+        <p:nvSpPr>
+          <p:cNvPr id="3" name="Content Placeholder 2"/>
+          <p:cNvSpPr>
+            <a:spLocks noGrp="1"/>
+          </p:cNvSpPr>
+          <p:nvPr>
+            <p:ph idx="1"/>
+          </p:nvPr>
+        </p:nvSpPr>
+        <p:spPr/>
+        <p:txBody>
+          <a:bodyPr/>
+          <a:lstStyle/>
+          <a:p>
+            <a:r>
+              <a:rPr lang="en-US" b="1" dirty="0" smtClean="0"/>
+              <a:t>$scope</a:t>
+            </a:r>
+            <a:r>
+              <a:rPr lang="en-US" dirty="0" smtClean="0"/>
+              <a:t> acts as the main vehicle between the controller and the view</a:t>
+            </a:r>
+          </a:p>
+          <a:p>
+            <a:r>
+              <a:rPr lang="en-US" dirty="0" smtClean="0"/>
+              <a:t>It carries all of the functions and variables that will be shared between both the controller and the view</a:t>
+            </a:r>
+          </a:p>
+          <a:p>
+            <a:pPr lvl="1"/>
+            <a:r>
+              <a:rPr lang="en-US" dirty="0" smtClean="0"/>
+              <a:t>We’ve already seen how we can set a variable</a:t>
+            </a:r>
+          </a:p>
+          <a:p>
+            <a:pPr marL="384048" lvl="2" indent="0">
+              <a:buNone/>
+            </a:pPr>
+            <a:r>
+              <a:rPr lang="en-US" b="1" dirty="0" smtClean="0"/>
+              <a:t>$</a:t>
+            </a:r>
+            <a:r>
+              <a:rPr lang="en-US" b="1" dirty="0" err="1" smtClean="0"/>
+              <a:t>scope.myVar</a:t>
+            </a:r>
+            <a:r>
+              <a:rPr lang="en-US" b="1" dirty="0" smtClean="0"/>
+              <a:t> = “hello world”</a:t>
+            </a:r>
+          </a:p>
+          <a:p>
+            <a:pPr lvl="1"/>
+            <a:r>
+              <a:rPr lang="en-US" dirty="0" smtClean="0"/>
+              <a:t>Defining the functions are done exactly the same way</a:t>
+            </a:r>
+          </a:p>
+          <a:p>
+            <a:pPr marL="384048" lvl="2" indent="0">
+              <a:buNone/>
+            </a:pPr>
+            <a:r>
+              <a:rPr lang="en-US" b="1" dirty="0"/>
+              <a:t>$</a:t>
+            </a:r>
+            <a:r>
+              <a:rPr lang="en-US" b="1" dirty="0" err="1"/>
+              <a:t>scope.myFunction</a:t>
+            </a:r>
+            <a:r>
+              <a:rPr lang="en-US" b="1" dirty="0"/>
+              <a:t> = function() {</a:t>
+            </a:r>
+          </a:p>
+          <a:p>
+            <a:pPr marL="384048" lvl="2" indent="0">
+              <a:buNone/>
+            </a:pPr>
+            <a:r>
+              <a:rPr lang="en-US" b="1" dirty="0"/>
+              <a:t>	// Do some work</a:t>
+            </a:r>
+          </a:p>
+          <a:p>
+            <a:pPr marL="384048" lvl="2" indent="0">
+              <a:buNone/>
+            </a:pPr>
+            <a:r>
+              <a:rPr lang="en-US" b="1" dirty="0" smtClean="0"/>
+              <a:t>};</a:t>
+            </a:r>
+            <a:endParaRPr lang="en-US" dirty="0" smtClean="0"/>
+          </a:p>
+          <a:p>
+            <a:r>
+              <a:rPr lang="en-US" dirty="0" smtClean="0"/>
+              <a:t>We can pass complex objects, arrays, functions or any other piece of information we’d like between our view and our controller. </a:t>
+            </a:r>
+          </a:p>
+        </p:txBody>
+      </p:sp>
+    </p:spTree>
+    <p:extLst>
+      <p:ext uri="{BB962C8B-B14F-4D97-AF65-F5344CB8AC3E}">
+        <p14:creationId xmlns:p14="http://schemas.microsoft.com/office/powerpoint/2010/main" val="266283005"/>
+      </p:ext>
+    </p:extLst>
+  </p:cSld>
+  <p:clrMapOvr>
+    <a:masterClrMapping/>
+  </p:clrMapOvr>
+</p:sld>
+</file>
+
+<file path=ppt/slides/slide32.xml><?xml version="1.0" encoding="utf-8"?>
+<p:sld xmlns:a="http://schemas.openxmlformats.org/drawingml/2006/main" xmlns:r="http://schemas.openxmlformats.org/officeDocument/2006/relationships" xmlns:p="http://schemas.openxmlformats.org/presentationml/2006/main">
+  <p:cSld>
+    <p:spTree>
+      <p:nvGrpSpPr>
+        <p:cNvPr id="1" name=""/>
+        <p:cNvGrpSpPr/>
+        <p:nvPr/>
+      </p:nvGrpSpPr>
+      <p:grpSpPr>
+        <a:xfrm>
+          <a:off x="0" y="0"/>
+          <a:ext cx="0" cy="0"/>
+          <a:chOff x="0" y="0"/>
+          <a:chExt cx="0" cy="0"/>
+        </a:xfrm>
+      </p:grpSpPr>
+      <p:sp>
+        <p:nvSpPr>
+          <p:cNvPr id="2" name="Title 1"/>
+          <p:cNvSpPr>
+            <a:spLocks noGrp="1"/>
+          </p:cNvSpPr>
+          <p:nvPr>
+            <p:ph type="title"/>
+          </p:nvPr>
+        </p:nvSpPr>
+        <p:spPr/>
+        <p:txBody>
+          <a:bodyPr/>
+          <a:lstStyle/>
+          <a:p>
+            <a:r>
+              <a:rPr lang="en-US" dirty="0" smtClean="0"/>
+              <a:t>Avoiding the </a:t>
+            </a:r>
+            <a:r>
+              <a:rPr lang="en-US" dirty="0" err="1"/>
+              <a:t>M</a:t>
+            </a:r>
+            <a:r>
+              <a:rPr lang="en-US" dirty="0" err="1" smtClean="0"/>
+              <a:t>inification</a:t>
+            </a:r>
+            <a:endParaRPr lang="en-US" dirty="0"/>
+          </a:p>
+        </p:txBody>
+      </p:sp>
+      <p:sp>
+        <p:nvSpPr>
+          <p:cNvPr id="3" name="Content Placeholder 2"/>
+          <p:cNvSpPr>
+            <a:spLocks noGrp="1"/>
+          </p:cNvSpPr>
+          <p:nvPr>
+            <p:ph idx="1"/>
+          </p:nvPr>
+        </p:nvSpPr>
+        <p:spPr/>
+        <p:txBody>
+          <a:bodyPr>
+            <a:normAutofit lnSpcReduction="10000"/>
+          </a:bodyPr>
+          <a:lstStyle/>
+          <a:p>
+            <a:r>
+              <a:rPr lang="en-US" dirty="0" err="1" smtClean="0"/>
+              <a:t>Angular’s</a:t>
+            </a:r>
+            <a:r>
+              <a:rPr lang="en-US" dirty="0" smtClean="0"/>
+              <a:t> injector is dependent variables being named a certain way (ex </a:t>
+            </a:r>
+            <a:r>
+              <a:rPr lang="en-US" b="1" dirty="0" smtClean="0"/>
+              <a:t>$scope</a:t>
+            </a:r>
+            <a:r>
+              <a:rPr lang="en-US" dirty="0" smtClean="0"/>
+              <a:t>). This means that Angular can’t be run through a </a:t>
+            </a:r>
+            <a:r>
+              <a:rPr lang="en-US" dirty="0" err="1" smtClean="0"/>
+              <a:t>minification</a:t>
+            </a:r>
+            <a:r>
+              <a:rPr lang="en-US" dirty="0" smtClean="0"/>
+              <a:t> framework, at least not the way we’re defining our controllers now. </a:t>
+            </a:r>
+          </a:p>
+          <a:p>
+            <a:r>
+              <a:rPr lang="en-US" dirty="0" smtClean="0"/>
+              <a:t>Fortunately, there is an alternate way (which is the preferred way) to define your controller</a:t>
+            </a:r>
+          </a:p>
+          <a:p>
+            <a:r>
+              <a:rPr lang="en-US" dirty="0" smtClean="0"/>
+              <a:t>From our previous example we defined a controller as follows:</a:t>
+            </a:r>
+          </a:p>
+          <a:p>
+            <a:pPr marL="384048" lvl="2" indent="0">
+              <a:buNone/>
+            </a:pPr>
+            <a:r>
+              <a:rPr lang="en-US" dirty="0" smtClean="0"/>
+              <a:t> </a:t>
+            </a:r>
+            <a:r>
+              <a:rPr lang="en-US" b="1" dirty="0" err="1"/>
+              <a:t>var</a:t>
+            </a:r>
+            <a:r>
+              <a:rPr lang="en-US" b="1" dirty="0"/>
+              <a:t> app = </a:t>
+            </a:r>
+            <a:r>
+              <a:rPr lang="en-US" b="1" dirty="0" err="1"/>
+              <a:t>angular.module</a:t>
+            </a:r>
+            <a:r>
+              <a:rPr lang="en-US" b="1" dirty="0"/>
+              <a:t>(“</a:t>
+            </a:r>
+            <a:r>
+              <a:rPr lang="en-US" b="1" dirty="0" err="1"/>
+              <a:t>myFirstApp</a:t>
+            </a:r>
+            <a:r>
+              <a:rPr lang="en-US" b="1" dirty="0"/>
+              <a:t>”, []);</a:t>
+            </a:r>
+          </a:p>
+          <a:p>
+            <a:pPr marL="384048" lvl="2" indent="0">
+              <a:buNone/>
+            </a:pPr>
+            <a:r>
+              <a:rPr lang="en-US" b="1" dirty="0" err="1"/>
+              <a:t>app.controller</a:t>
+            </a:r>
+            <a:r>
+              <a:rPr lang="en-US" b="1" dirty="0"/>
+              <a:t>(“</a:t>
+            </a:r>
+            <a:r>
+              <a:rPr lang="en-US" b="1" dirty="0" err="1"/>
+              <a:t>myController</a:t>
+            </a:r>
+            <a:r>
+              <a:rPr lang="en-US" b="1" dirty="0"/>
+              <a:t>”, function($scope) </a:t>
+            </a:r>
+            <a:r>
+              <a:rPr lang="en-US" b="1" dirty="0" smtClean="0"/>
+              <a:t>{ });</a:t>
+            </a:r>
+            <a:endParaRPr lang="en-US" b="1" dirty="0"/>
+          </a:p>
+          <a:p>
+            <a:r>
+              <a:rPr lang="en-US" dirty="0" smtClean="0"/>
+              <a:t>By changing the definition of the controller to:</a:t>
+            </a:r>
+          </a:p>
+          <a:p>
+            <a:pPr marL="384048" lvl="2" indent="0">
+              <a:buNone/>
+            </a:pPr>
+            <a:r>
+              <a:rPr lang="en-US" b="1" dirty="0" err="1"/>
+              <a:t>var</a:t>
+            </a:r>
+            <a:r>
+              <a:rPr lang="en-US" b="1" dirty="0"/>
+              <a:t> app = </a:t>
+            </a:r>
+            <a:r>
+              <a:rPr lang="en-US" b="1" dirty="0" err="1"/>
+              <a:t>angular.module</a:t>
+            </a:r>
+            <a:r>
+              <a:rPr lang="en-US" b="1" dirty="0"/>
+              <a:t>(“</a:t>
+            </a:r>
+            <a:r>
+              <a:rPr lang="en-US" b="1" dirty="0" err="1"/>
+              <a:t>myFirstApp</a:t>
+            </a:r>
+            <a:r>
+              <a:rPr lang="en-US" b="1" dirty="0"/>
+              <a:t>”, []);</a:t>
+            </a:r>
+          </a:p>
+          <a:p>
+            <a:pPr marL="384048" lvl="2" indent="0">
+              <a:buNone/>
+            </a:pPr>
+            <a:r>
+              <a:rPr lang="en-US" b="1" dirty="0" err="1"/>
+              <a:t>app.controller</a:t>
+            </a:r>
+            <a:r>
+              <a:rPr lang="en-US" b="1" dirty="0"/>
+              <a:t>(“</a:t>
+            </a:r>
+            <a:r>
+              <a:rPr lang="en-US" b="1" dirty="0" err="1"/>
+              <a:t>myController</a:t>
+            </a:r>
+            <a:r>
+              <a:rPr lang="en-US" b="1" dirty="0"/>
+              <a:t>”, [“$scope”, function($scope) {  }]);</a:t>
+            </a:r>
+            <a:endParaRPr lang="en-US" dirty="0" smtClean="0"/>
+          </a:p>
+          <a:p>
+            <a:r>
+              <a:rPr lang="en-US" dirty="0" smtClean="0"/>
+              <a:t>Notice that the second argument has been changed to be an array with the last element in the array being the IIFE. Angular will use the string value in the array to resolve the variable and use that as the value that is passed into the controllers arguments list. </a:t>
+            </a:r>
+            <a:endParaRPr lang="en-US" dirty="0"/>
+          </a:p>
+        </p:txBody>
+      </p:sp>
+    </p:spTree>
+    <p:extLst>
+      <p:ext uri="{BB962C8B-B14F-4D97-AF65-F5344CB8AC3E}">
+        <p14:creationId xmlns:p14="http://schemas.microsoft.com/office/powerpoint/2010/main" val="1823280719"/>
+      </p:ext>
+    </p:extLst>
+  </p:cSld>
+  <p:clrMapOvr>
+    <a:masterClrMapping/>
+  </p:clrMapOvr>
+</p:sld>
+</file>
+
+<file path=ppt/slides/slide33.xml><?xml version="1.0" encoding="utf-8"?>
+<p:sld xmlns:a="http://schemas.openxmlformats.org/drawingml/2006/main" xmlns:r="http://schemas.openxmlformats.org/officeDocument/2006/relationships" xmlns:p="http://schemas.openxmlformats.org/presentationml/2006/main">
+  <p:cSld>
+    <p:spTree>
+      <p:nvGrpSpPr>
+        <p:cNvPr id="1" name=""/>
+        <p:cNvGrpSpPr/>
+        <p:nvPr/>
+      </p:nvGrpSpPr>
+      <p:grpSpPr>
+        <a:xfrm>
+          <a:off x="0" y="0"/>
+          <a:ext cx="0" cy="0"/>
+          <a:chOff x="0" y="0"/>
+          <a:chExt cx="0" cy="0"/>
+        </a:xfrm>
+      </p:grpSpPr>
+      <p:sp>
+        <p:nvSpPr>
+          <p:cNvPr id="2" name="Title 1"/>
+          <p:cNvSpPr>
+            <a:spLocks noGrp="1"/>
+          </p:cNvSpPr>
+          <p:nvPr>
+            <p:ph type="title"/>
+          </p:nvPr>
+        </p:nvSpPr>
+        <p:spPr/>
+        <p:txBody>
+          <a:bodyPr/>
+          <a:lstStyle/>
+          <a:p>
+            <a:r>
+              <a:rPr lang="en-US" dirty="0" smtClean="0"/>
+              <a:t>Directives from 50,000 feet</a:t>
+            </a:r>
+            <a:endParaRPr lang="en-US" dirty="0"/>
+          </a:p>
+        </p:txBody>
+      </p:sp>
+      <p:sp>
+        <p:nvSpPr>
+          <p:cNvPr id="3" name="Content Placeholder 2"/>
+          <p:cNvSpPr>
+            <a:spLocks noGrp="1"/>
+          </p:cNvSpPr>
+          <p:nvPr>
+            <p:ph idx="1"/>
+          </p:nvPr>
+        </p:nvSpPr>
+        <p:spPr/>
+        <p:txBody>
+          <a:bodyPr/>
+          <a:lstStyle/>
+          <a:p>
+            <a:r>
+              <a:rPr lang="en-US" dirty="0" smtClean="0"/>
+              <a:t>Angular provides some built in components that are exposed through a vehicle known as directives. </a:t>
+            </a:r>
+          </a:p>
+          <a:p>
+            <a:pPr lvl="1"/>
+            <a:r>
+              <a:rPr lang="en-US" dirty="0" smtClean="0"/>
+              <a:t>We’ve already had some exposure to some built-in directives with </a:t>
+            </a:r>
+            <a:r>
+              <a:rPr lang="en-US" b="1" dirty="0" smtClean="0"/>
+              <a:t>ng-app</a:t>
+            </a:r>
+            <a:r>
+              <a:rPr lang="en-US" dirty="0" smtClean="0"/>
+              <a:t>, </a:t>
+            </a:r>
+            <a:r>
+              <a:rPr lang="en-US" b="1" dirty="0" smtClean="0"/>
+              <a:t>ng-controller, </a:t>
+            </a:r>
+            <a:r>
+              <a:rPr lang="en-US" dirty="0" smtClean="0"/>
+              <a:t>and </a:t>
+            </a:r>
+            <a:r>
+              <a:rPr lang="en-US" b="1" dirty="0" smtClean="0"/>
+              <a:t>ng-model</a:t>
+            </a:r>
+            <a:endParaRPr lang="en-US" dirty="0" smtClean="0"/>
+          </a:p>
+          <a:p>
+            <a:r>
+              <a:rPr lang="en-US" dirty="0" smtClean="0"/>
+              <a:t>If modules are the backbone to </a:t>
+            </a:r>
+            <a:r>
+              <a:rPr lang="en-US" dirty="0" err="1" smtClean="0"/>
+              <a:t>Angular’s</a:t>
+            </a:r>
+            <a:r>
+              <a:rPr lang="en-US" dirty="0" smtClean="0"/>
+              <a:t> execution state then directives are the primary vehicle for how angular manipulates and influences your view. </a:t>
+            </a:r>
+          </a:p>
+          <a:p>
+            <a:r>
+              <a:rPr lang="en-US" dirty="0" smtClean="0"/>
+              <a:t>We’re going to get way deeper into directives a little later; however, we’re going to take a look at a couple of directives that are super handy. </a:t>
+            </a:r>
+          </a:p>
+          <a:p>
+            <a:endParaRPr lang="en-US" dirty="0" smtClean="0"/>
+          </a:p>
+        </p:txBody>
+      </p:sp>
+    </p:spTree>
+    <p:extLst>
+      <p:ext uri="{BB962C8B-B14F-4D97-AF65-F5344CB8AC3E}">
+        <p14:creationId xmlns:p14="http://schemas.microsoft.com/office/powerpoint/2010/main" val="1027350924"/>
+      </p:ext>
+    </p:extLst>
+  </p:cSld>
+  <p:clrMapOvr>
+    <a:masterClrMapping/>
+  </p:clrMapOvr>
+</p:sld>
+</file>
+
+<file path=ppt/slides/slide34.xml><?xml version="1.0" encoding="utf-8"?>
+<p:sld xmlns:a="http://schemas.openxmlformats.org/drawingml/2006/main" xmlns:r="http://schemas.openxmlformats.org/officeDocument/2006/relationships" xmlns:p="http://schemas.openxmlformats.org/presentationml/2006/main">
+  <p:cSld>
+    <p:spTree>
+      <p:nvGrpSpPr>
+        <p:cNvPr id="1" name=""/>
+        <p:cNvGrpSpPr/>
+        <p:nvPr/>
+      </p:nvGrpSpPr>
+      <p:grpSpPr>
+        <a:xfrm>
+          <a:off x="0" y="0"/>
+          <a:ext cx="0" cy="0"/>
+          <a:chOff x="0" y="0"/>
+          <a:chExt cx="0" cy="0"/>
+        </a:xfrm>
+      </p:grpSpPr>
+      <p:sp>
+        <p:nvSpPr>
+          <p:cNvPr id="2" name="Title 1"/>
+          <p:cNvSpPr>
+            <a:spLocks noGrp="1"/>
+          </p:cNvSpPr>
+          <p:nvPr>
+            <p:ph type="title"/>
+          </p:nvPr>
+        </p:nvSpPr>
+        <p:spPr/>
+        <p:txBody>
+          <a:bodyPr/>
+          <a:lstStyle/>
+          <a:p>
+            <a:r>
+              <a:rPr lang="en-US" dirty="0" smtClean="0"/>
+              <a:t>ng-model</a:t>
+            </a:r>
+            <a:endParaRPr lang="en-US" dirty="0"/>
+          </a:p>
+        </p:txBody>
+      </p:sp>
+      <p:sp>
+        <p:nvSpPr>
+          <p:cNvPr id="3" name="Content Placeholder 2"/>
+          <p:cNvSpPr>
+            <a:spLocks noGrp="1"/>
+          </p:cNvSpPr>
+          <p:nvPr>
+            <p:ph idx="1"/>
+          </p:nvPr>
+        </p:nvSpPr>
+        <p:spPr/>
+        <p:txBody>
+          <a:bodyPr>
+            <a:normAutofit fontScale="92500" lnSpcReduction="10000"/>
+          </a:bodyPr>
+          <a:lstStyle/>
+          <a:p>
+            <a:r>
+              <a:rPr lang="en-US" dirty="0" smtClean="0"/>
+              <a:t>ng-model is used to bind an angular variable to a tag that is capable of taking input from the client (&lt;input /&gt;, &lt;select /&gt;) </a:t>
+            </a:r>
+          </a:p>
+          <a:p>
+            <a:r>
+              <a:rPr lang="en-US" dirty="0" smtClean="0"/>
+              <a:t>You do </a:t>
+            </a:r>
+            <a:r>
+              <a:rPr lang="en-US" b="1" i="1" u="sng" dirty="0" smtClean="0"/>
+              <a:t>NOT</a:t>
+            </a:r>
+            <a:r>
+              <a:rPr lang="en-US" dirty="0" smtClean="0"/>
+              <a:t> have to have these elements bound to a form in order to have ng-model automatically set these variables up for you. </a:t>
+            </a:r>
+          </a:p>
+          <a:p>
+            <a:r>
+              <a:rPr lang="en-US" dirty="0" smtClean="0"/>
+              <a:t>Consider the following:</a:t>
+            </a:r>
+          </a:p>
+          <a:p>
+            <a:pPr marL="292608" lvl="1" indent="0">
+              <a:buNone/>
+            </a:pPr>
+            <a:r>
+              <a:rPr lang="en-US" b="1" dirty="0" smtClean="0"/>
+              <a:t>&lt;input type=“text” ng-model=“</a:t>
+            </a:r>
+            <a:r>
+              <a:rPr lang="en-US" b="1" dirty="0" err="1" smtClean="0"/>
+              <a:t>MyControlVar</a:t>
+            </a:r>
+            <a:r>
+              <a:rPr lang="en-US" b="1" dirty="0" smtClean="0"/>
+              <a:t>” /&gt;</a:t>
+            </a:r>
+          </a:p>
+          <a:p>
+            <a:r>
+              <a:rPr lang="en-US" dirty="0" smtClean="0"/>
+              <a:t>This will automatically create a variable on our controller’s scope called </a:t>
+            </a:r>
+            <a:r>
+              <a:rPr lang="en-US" dirty="0" err="1" smtClean="0"/>
+              <a:t>MyControl</a:t>
+            </a:r>
+            <a:r>
+              <a:rPr lang="en-US" dirty="0" smtClean="0"/>
+              <a:t> and can be referenced like:</a:t>
+            </a:r>
+          </a:p>
+          <a:p>
+            <a:pPr marL="292608" lvl="1" indent="0">
+              <a:buNone/>
+            </a:pPr>
+            <a:r>
+              <a:rPr lang="en-US" b="1" dirty="0" smtClean="0"/>
+              <a:t>$</a:t>
+            </a:r>
+            <a:r>
+              <a:rPr lang="en-US" b="1" dirty="0" err="1" smtClean="0"/>
+              <a:t>scope.MyControlVar</a:t>
+            </a:r>
+            <a:r>
+              <a:rPr lang="en-US" b="1" dirty="0"/>
+              <a:t> </a:t>
+            </a:r>
+            <a:r>
+              <a:rPr lang="en-US" b="1" dirty="0" smtClean="0"/>
+              <a:t>= “Hello”;</a:t>
+            </a:r>
+          </a:p>
+          <a:p>
+            <a:r>
+              <a:rPr lang="en-US" dirty="0" smtClean="0"/>
+              <a:t>As a result of the 2 way binding you can set the variable from either the client or the controller and the change will be instantly reflected on both.</a:t>
+            </a:r>
+          </a:p>
+          <a:p>
+            <a:r>
+              <a:rPr lang="en-US" dirty="0" smtClean="0"/>
+              <a:t>We’re going to look at ng-model in much more detail later in the week.</a:t>
+            </a:r>
+          </a:p>
+        </p:txBody>
+      </p:sp>
+    </p:spTree>
+    <p:extLst>
+      <p:ext uri="{BB962C8B-B14F-4D97-AF65-F5344CB8AC3E}">
+        <p14:creationId xmlns:p14="http://schemas.microsoft.com/office/powerpoint/2010/main" val="1748470456"/>
+      </p:ext>
+    </p:extLst>
+  </p:cSld>
+  <p:clrMapOvr>
+    <a:masterClrMapping/>
+  </p:clrMapOvr>
+</p:sld>
+</file>
+
+<file path=ppt/slides/slide35.xml><?xml version="1.0" encoding="utf-8"?>
+<p:sld xmlns:a="http://schemas.openxmlformats.org/drawingml/2006/main" xmlns:r="http://schemas.openxmlformats.org/officeDocument/2006/relationships" xmlns:p="http://schemas.openxmlformats.org/presentationml/2006/main">
+  <p:cSld>
+    <p:spTree>
+      <p:nvGrpSpPr>
+        <p:cNvPr id="1" name=""/>
+        <p:cNvGrpSpPr/>
+        <p:nvPr/>
+      </p:nvGrpSpPr>
+      <p:grpSpPr>
+        <a:xfrm>
+          <a:off x="0" y="0"/>
+          <a:ext cx="0" cy="0"/>
+          <a:chOff x="0" y="0"/>
+          <a:chExt cx="0" cy="0"/>
+        </a:xfrm>
+      </p:grpSpPr>
+      <p:sp>
+        <p:nvSpPr>
+          <p:cNvPr id="2" name="Title 1"/>
+          <p:cNvSpPr>
+            <a:spLocks noGrp="1"/>
+          </p:cNvSpPr>
+          <p:nvPr>
+            <p:ph type="title"/>
+          </p:nvPr>
+        </p:nvSpPr>
+        <p:spPr/>
+        <p:txBody>
+          <a:bodyPr/>
+          <a:lstStyle/>
+          <a:p>
+            <a:r>
+              <a:rPr lang="en-US" dirty="0" smtClean="0"/>
+              <a:t>ng-repeat</a:t>
+            </a:r>
+            <a:endParaRPr lang="en-US" dirty="0"/>
+          </a:p>
+        </p:txBody>
+      </p:sp>
+      <p:sp>
+        <p:nvSpPr>
+          <p:cNvPr id="3" name="Content Placeholder 2"/>
+          <p:cNvSpPr>
+            <a:spLocks noGrp="1"/>
+          </p:cNvSpPr>
+          <p:nvPr>
+            <p:ph idx="1"/>
+          </p:nvPr>
+        </p:nvSpPr>
+        <p:spPr/>
+        <p:txBody>
+          <a:bodyPr/>
+          <a:lstStyle/>
+          <a:p>
+            <a:r>
+              <a:rPr lang="en-US" dirty="0" smtClean="0"/>
+              <a:t>Suppose we have an array of data that we’d like to display in the view. Given that array’s may vary in size it is impossible to hardcore the number of views we’d want to display per element. </a:t>
+            </a:r>
+          </a:p>
+          <a:p>
+            <a:r>
+              <a:rPr lang="en-US" dirty="0" smtClean="0"/>
+              <a:t>Angular has a built in vehicle for iterating over an an array of data and displaying a template for each element within that array</a:t>
+            </a:r>
+          </a:p>
+          <a:p>
+            <a:r>
+              <a:rPr lang="en-US" dirty="0" smtClean="0"/>
+              <a:t>Let’s take the following data and look to display it in an unordered list (UL):</a:t>
+            </a:r>
+          </a:p>
+          <a:p>
+            <a:pPr lvl="1"/>
+            <a:r>
+              <a:rPr lang="en-US" dirty="0" smtClean="0"/>
+              <a:t>In our controller: </a:t>
+            </a:r>
+            <a:r>
+              <a:rPr lang="en-US" b="1" dirty="0" smtClean="0"/>
+              <a:t>$</a:t>
+            </a:r>
+            <a:r>
+              <a:rPr lang="en-US" b="1" dirty="0" err="1" smtClean="0"/>
+              <a:t>scope.numbers</a:t>
+            </a:r>
+            <a:r>
+              <a:rPr lang="en-US" b="1" dirty="0" smtClean="0"/>
+              <a:t> = [1, 2, 3, 4, 5, 6];</a:t>
+            </a:r>
+          </a:p>
+          <a:p>
+            <a:pPr lvl="1"/>
+            <a:r>
+              <a:rPr lang="en-US" dirty="0" smtClean="0"/>
+              <a:t>In our view we’re going to add the following</a:t>
+            </a:r>
+          </a:p>
+          <a:p>
+            <a:pPr marL="384048" lvl="2" indent="0">
+              <a:buNone/>
+            </a:pPr>
+            <a:r>
+              <a:rPr lang="en-US" b="1" dirty="0"/>
+              <a:t>&lt;</a:t>
+            </a:r>
+            <a:r>
+              <a:rPr lang="en-US" b="1" dirty="0" err="1"/>
+              <a:t>ul</a:t>
+            </a:r>
+            <a:r>
+              <a:rPr lang="en-US" b="1" dirty="0"/>
+              <a:t>&gt;            </a:t>
+            </a:r>
+            <a:endParaRPr lang="en-US" b="1" dirty="0" smtClean="0"/>
+          </a:p>
+          <a:p>
+            <a:pPr marL="566928" lvl="3" indent="0">
+              <a:buNone/>
+            </a:pPr>
+            <a:r>
+              <a:rPr lang="en-US" b="1" dirty="0" smtClean="0"/>
+              <a:t>&lt;</a:t>
+            </a:r>
+            <a:r>
+              <a:rPr lang="en-US" b="1" dirty="0"/>
+              <a:t>li ng-repeat="one in numbers"&gt;{{one}}&lt;/li&gt;        </a:t>
+            </a:r>
+            <a:endParaRPr lang="en-US" b="1" dirty="0" smtClean="0"/>
+          </a:p>
+          <a:p>
+            <a:pPr marL="384048" lvl="2" indent="0">
+              <a:buNone/>
+            </a:pPr>
+            <a:r>
+              <a:rPr lang="en-US" b="1" dirty="0" smtClean="0"/>
+              <a:t>&lt;/</a:t>
+            </a:r>
+            <a:r>
+              <a:rPr lang="en-US" b="1" dirty="0" err="1"/>
+              <a:t>ul</a:t>
+            </a:r>
+            <a:r>
+              <a:rPr lang="en-US" b="1" dirty="0"/>
+              <a:t>&gt;</a:t>
+            </a:r>
+          </a:p>
+          <a:p>
+            <a:pPr lvl="1"/>
+            <a:r>
+              <a:rPr lang="en-US" dirty="0">
+                <a:hlinkClick r:id="rId2"/>
+              </a:rPr>
+              <a:t>http://localhost:8080/Controllers/Samples/NgRepeat</a:t>
+            </a:r>
+            <a:r>
+              <a:rPr lang="en-US" dirty="0" smtClean="0">
+                <a:hlinkClick r:id="rId2"/>
+              </a:rPr>
+              <a:t>/</a:t>
+            </a:r>
+            <a:endParaRPr lang="en-US" dirty="0" smtClean="0"/>
+          </a:p>
+          <a:p>
+            <a:pPr lvl="1"/>
+            <a:endParaRPr lang="en-US" dirty="0"/>
+          </a:p>
+          <a:p>
+            <a:pPr lvl="1"/>
+            <a:endParaRPr lang="en-US" b="1" dirty="0" smtClean="0"/>
+          </a:p>
+          <a:p>
+            <a:endParaRPr lang="en-US" dirty="0" smtClean="0"/>
+          </a:p>
+        </p:txBody>
+      </p:sp>
+    </p:spTree>
+    <p:extLst>
+      <p:ext uri="{BB962C8B-B14F-4D97-AF65-F5344CB8AC3E}">
+        <p14:creationId xmlns:p14="http://schemas.microsoft.com/office/powerpoint/2010/main" val="1726899622"/>
+      </p:ext>
+    </p:extLst>
+  </p:cSld>
+  <p:clrMapOvr>
+    <a:masterClrMapping/>
+  </p:clrMapOvr>
+</p:sld>
+</file>
+
+<file path=ppt/slides/slide36.xml><?xml version="1.0" encoding="utf-8"?>
+<p:sld xmlns:a="http://schemas.openxmlformats.org/drawingml/2006/main" xmlns:r="http://schemas.openxmlformats.org/officeDocument/2006/relationships" xmlns:p="http://schemas.openxmlformats.org/presentationml/2006/main">
+  <p:cSld>
+    <p:spTree>
+      <p:nvGrpSpPr>
+        <p:cNvPr id="1" name=""/>
+        <p:cNvGrpSpPr/>
+        <p:nvPr/>
+      </p:nvGrpSpPr>
+      <p:grpSpPr>
+        <a:xfrm>
+          <a:off x="0" y="0"/>
+          <a:ext cx="0" cy="0"/>
+          <a:chOff x="0" y="0"/>
+          <a:chExt cx="0" cy="0"/>
+        </a:xfrm>
+      </p:grpSpPr>
+      <p:sp>
+        <p:nvSpPr>
+          <p:cNvPr id="2" name="Title 1"/>
+          <p:cNvSpPr>
+            <a:spLocks noGrp="1"/>
+          </p:cNvSpPr>
+          <p:nvPr>
+            <p:ph type="title"/>
+          </p:nvPr>
+        </p:nvSpPr>
+        <p:spPr/>
+        <p:txBody>
+          <a:bodyPr/>
+          <a:lstStyle/>
+          <a:p>
+            <a:r>
+              <a:rPr lang="en-US" dirty="0" smtClean="0"/>
+              <a:t>ng-repeat (</a:t>
+            </a:r>
+            <a:r>
+              <a:rPr lang="en-US" dirty="0" err="1" smtClean="0"/>
+              <a:t>contd</a:t>
+            </a:r>
+            <a:r>
+              <a:rPr lang="en-US" dirty="0" smtClean="0"/>
+              <a:t>)</a:t>
+            </a:r>
+            <a:endParaRPr lang="en-US" dirty="0"/>
+          </a:p>
+        </p:txBody>
+      </p:sp>
+      <p:sp>
+        <p:nvSpPr>
+          <p:cNvPr id="3" name="Content Placeholder 2"/>
+          <p:cNvSpPr>
+            <a:spLocks noGrp="1"/>
+          </p:cNvSpPr>
+          <p:nvPr>
+            <p:ph idx="1"/>
+          </p:nvPr>
+        </p:nvSpPr>
+        <p:spPr/>
+        <p:txBody>
+          <a:bodyPr/>
+          <a:lstStyle/>
+          <a:p>
+            <a:r>
+              <a:rPr lang="en-US" dirty="0" smtClean="0"/>
+              <a:t>Notice that angular will display all of the elements in the array by repeating the element that the repeater has been placed on.</a:t>
+            </a:r>
+          </a:p>
+          <a:p>
+            <a:pPr lvl="1"/>
+            <a:r>
+              <a:rPr lang="en-US" dirty="0" smtClean="0"/>
+              <a:t>If we view the finished source to the browser we’ll see the &lt; li /&gt; element repeated based on the number of the elements in the array.</a:t>
+            </a:r>
+            <a:endParaRPr lang="en-US" dirty="0"/>
+          </a:p>
+          <a:p>
+            <a:pPr lvl="1"/>
+            <a:endParaRPr lang="en-US" dirty="0"/>
+          </a:p>
+          <a:p>
+            <a:r>
+              <a:rPr lang="en-US" b="1" dirty="0"/>
+              <a:t>n</a:t>
+            </a:r>
+            <a:r>
+              <a:rPr lang="en-US" b="1" dirty="0" smtClean="0"/>
+              <a:t>g-repeat </a:t>
+            </a:r>
+            <a:r>
+              <a:rPr lang="en-US" dirty="0" smtClean="0"/>
+              <a:t>can also be used to iterate over complex objects that need to be bound to complex templates. </a:t>
+            </a:r>
+          </a:p>
+          <a:p>
+            <a:pPr lvl="1"/>
+            <a:r>
+              <a:rPr lang="en-US" dirty="0">
+                <a:hlinkClick r:id="rId2"/>
+              </a:rPr>
+              <a:t>http://localhost:8080/Controllers/Samples/NgRepeatWithObjects</a:t>
+            </a:r>
+            <a:r>
+              <a:rPr lang="en-US" dirty="0" smtClean="0">
+                <a:hlinkClick r:id="rId2"/>
+              </a:rPr>
+              <a:t>/</a:t>
+            </a:r>
+            <a:endParaRPr lang="en-US" dirty="0"/>
+          </a:p>
+          <a:p>
+            <a:r>
+              <a:rPr lang="en-US" dirty="0" smtClean="0"/>
+              <a:t>Notice that the template used in this example use a far more complex template containing sub-elements</a:t>
+            </a:r>
+          </a:p>
+        </p:txBody>
+      </p:sp>
+    </p:spTree>
+    <p:extLst>
+      <p:ext uri="{BB962C8B-B14F-4D97-AF65-F5344CB8AC3E}">
+        <p14:creationId xmlns:p14="http://schemas.microsoft.com/office/powerpoint/2010/main" val="2107700729"/>
+      </p:ext>
+    </p:extLst>
+  </p:cSld>
+  <p:clrMapOvr>
+    <a:masterClrMapping/>
+  </p:clrMapOvr>
+</p:sld>
+</file>
+
+<file path=ppt/slides/slide37.xml><?xml version="1.0" encoding="utf-8"?>
+<p:sld xmlns:a="http://schemas.openxmlformats.org/drawingml/2006/main" xmlns:r="http://schemas.openxmlformats.org/officeDocument/2006/relationships" xmlns:p="http://schemas.openxmlformats.org/presentationml/2006/main">
+  <p:cSld>
+    <p:spTree>
+      <p:nvGrpSpPr>
+        <p:cNvPr id="1" name=""/>
+        <p:cNvGrpSpPr/>
+        <p:nvPr/>
+      </p:nvGrpSpPr>
+      <p:grpSpPr>
+        <a:xfrm>
+          <a:off x="0" y="0"/>
+          <a:ext cx="0" cy="0"/>
+          <a:chOff x="0" y="0"/>
+          <a:chExt cx="0" cy="0"/>
+        </a:xfrm>
+      </p:grpSpPr>
+      <p:sp>
+        <p:nvSpPr>
+          <p:cNvPr id="2" name="Title 1"/>
+          <p:cNvSpPr>
+            <a:spLocks noGrp="1"/>
+          </p:cNvSpPr>
+          <p:nvPr>
+            <p:ph type="title"/>
+          </p:nvPr>
+        </p:nvSpPr>
+        <p:spPr/>
+        <p:txBody>
+          <a:bodyPr/>
+          <a:lstStyle/>
+          <a:p>
+            <a:r>
+              <a:rPr lang="en-US" dirty="0" smtClean="0"/>
+              <a:t>Lab</a:t>
+            </a:r>
+            <a:endParaRPr lang="en-US" dirty="0"/>
+          </a:p>
+        </p:txBody>
+      </p:sp>
+      <p:sp>
+        <p:nvSpPr>
+          <p:cNvPr id="3" name="Content Placeholder 2"/>
+          <p:cNvSpPr>
+            <a:spLocks noGrp="1"/>
+          </p:cNvSpPr>
+          <p:nvPr>
+            <p:ph idx="1"/>
+          </p:nvPr>
+        </p:nvSpPr>
+        <p:spPr/>
+        <p:txBody>
+          <a:bodyPr/>
+          <a:lstStyle/>
+          <a:p>
+            <a:r>
+              <a:rPr lang="en-US" dirty="0" smtClean="0"/>
+              <a:t>Let’s take a shot at building our own page that iterates over a collection of data. </a:t>
+            </a:r>
+          </a:p>
+          <a:p>
+            <a:pPr lvl="1"/>
+            <a:r>
+              <a:rPr lang="en-US" dirty="0">
+                <a:hlinkClick r:id="rId2"/>
+              </a:rPr>
+              <a:t>http://localhost:8080/Controllers/Exercises/Repeater</a:t>
+            </a:r>
+            <a:r>
+              <a:rPr lang="en-US" dirty="0" smtClean="0">
+                <a:hlinkClick r:id="rId2"/>
+              </a:rPr>
+              <a:t>/</a:t>
+            </a:r>
+            <a:endParaRPr lang="en-US" dirty="0" smtClean="0"/>
+          </a:p>
+          <a:p>
+            <a:pPr lvl="1"/>
+            <a:r>
+              <a:rPr lang="en-US" dirty="0" smtClean="0"/>
+              <a:t>Source: /</a:t>
+            </a:r>
+            <a:r>
+              <a:rPr lang="en-US" dirty="0" err="1" smtClean="0"/>
+              <a:t>AngularClass</a:t>
+            </a:r>
+            <a:r>
+              <a:rPr lang="en-US" dirty="0" smtClean="0"/>
+              <a:t>/Controllers/</a:t>
+            </a:r>
+            <a:r>
+              <a:rPr lang="en-US" dirty="0" err="1" smtClean="0"/>
+              <a:t>Exercices</a:t>
+            </a:r>
+            <a:r>
+              <a:rPr lang="en-US" dirty="0" smtClean="0"/>
+              <a:t>/Repeaters </a:t>
+            </a:r>
+          </a:p>
+          <a:p>
+            <a:pPr lvl="1"/>
+            <a:endParaRPr lang="en-US" dirty="0"/>
+          </a:p>
+          <a:p>
+            <a:r>
+              <a:rPr lang="en-US" dirty="0" smtClean="0"/>
+              <a:t>In this Lab you should do the following:</a:t>
+            </a:r>
+          </a:p>
+          <a:p>
+            <a:pPr lvl="1"/>
+            <a:r>
+              <a:rPr lang="en-US" dirty="0" smtClean="0"/>
+              <a:t>Create a new module called </a:t>
+            </a:r>
+            <a:r>
+              <a:rPr lang="en-US" dirty="0" err="1" smtClean="0"/>
+              <a:t>MyApp</a:t>
+            </a:r>
+            <a:endParaRPr lang="en-US" dirty="0" smtClean="0"/>
+          </a:p>
+          <a:p>
+            <a:pPr lvl="1"/>
+            <a:r>
+              <a:rPr lang="en-US" dirty="0" smtClean="0"/>
+              <a:t>Create a new controller called </a:t>
+            </a:r>
+            <a:r>
+              <a:rPr lang="en-US" dirty="0" err="1" smtClean="0"/>
+              <a:t>MainController</a:t>
+            </a:r>
+            <a:endParaRPr lang="en-US" dirty="0" smtClean="0"/>
+          </a:p>
+          <a:p>
+            <a:pPr lvl="2"/>
+            <a:r>
+              <a:rPr lang="en-US" dirty="0" smtClean="0"/>
+              <a:t>Add a variable called teams to the controller that returns the data in the </a:t>
+            </a:r>
+            <a:r>
+              <a:rPr lang="en-US" dirty="0" err="1" smtClean="0"/>
+              <a:t>controller.js</a:t>
+            </a:r>
+            <a:r>
+              <a:rPr lang="en-US" dirty="0" smtClean="0"/>
+              <a:t> file</a:t>
+            </a:r>
+          </a:p>
+          <a:p>
+            <a:pPr lvl="1"/>
+            <a:r>
+              <a:rPr lang="en-US" dirty="0" smtClean="0"/>
+              <a:t>We want to bind our view to our module and controller</a:t>
+            </a:r>
+          </a:p>
+          <a:p>
+            <a:pPr lvl="1"/>
+            <a:r>
+              <a:rPr lang="en-US" dirty="0" smtClean="0"/>
+              <a:t>Add a repeater that shows the teams as a table of information.</a:t>
+            </a:r>
+          </a:p>
+          <a:p>
+            <a:r>
+              <a:rPr lang="en-US" dirty="0" smtClean="0"/>
+              <a:t>This lab should be completed in about 20-25 min.</a:t>
+            </a:r>
+            <a:endParaRPr lang="en-US" dirty="0"/>
+          </a:p>
+        </p:txBody>
+      </p:sp>
+    </p:spTree>
+    <p:extLst>
+      <p:ext uri="{BB962C8B-B14F-4D97-AF65-F5344CB8AC3E}">
+        <p14:creationId xmlns:p14="http://schemas.microsoft.com/office/powerpoint/2010/main" val="916636557"/>
+      </p:ext>
+    </p:extLst>
+  </p:cSld>
+  <p:clrMapOvr>
+    <a:masterClrMapping/>
+  </p:clrMapOvr>
+</p:sld>
+</file>
+
+<file path=ppt/slides/slide38.xml><?xml version="1.0" encoding="utf-8"?>
+<p:sld xmlns:a="http://schemas.openxmlformats.org/drawingml/2006/main" xmlns:r="http://schemas.openxmlformats.org/officeDocument/2006/relationships" xmlns:p="http://schemas.openxmlformats.org/presentationml/2006/main">
+  <p:cSld>
+    <p:spTree>
+      <p:nvGrpSpPr>
+        <p:cNvPr id="1" name=""/>
+        <p:cNvGrpSpPr/>
+        <p:nvPr/>
+      </p:nvGrpSpPr>
+      <p:grpSpPr>
+        <a:xfrm>
+          <a:off x="0" y="0"/>
+          <a:ext cx="0" cy="0"/>
+          <a:chOff x="0" y="0"/>
+          <a:chExt cx="0" cy="0"/>
+        </a:xfrm>
+      </p:grpSpPr>
+      <p:sp>
+        <p:nvSpPr>
+          <p:cNvPr id="2" name="Title 1"/>
+          <p:cNvSpPr>
+            <a:spLocks noGrp="1"/>
+          </p:cNvSpPr>
+          <p:nvPr>
+            <p:ph type="title"/>
+          </p:nvPr>
+        </p:nvSpPr>
+        <p:spPr/>
+        <p:txBody>
+          <a:bodyPr/>
+          <a:lstStyle/>
+          <a:p>
+            <a:r>
+              <a:rPr lang="en-US" dirty="0" smtClean="0"/>
+              <a:t>ng-options</a:t>
+            </a:r>
+            <a:endParaRPr lang="en-US" dirty="0"/>
+          </a:p>
+        </p:txBody>
+      </p:sp>
+      <p:sp>
+        <p:nvSpPr>
+          <p:cNvPr id="3" name="Content Placeholder 2"/>
+          <p:cNvSpPr>
+            <a:spLocks noGrp="1"/>
+          </p:cNvSpPr>
+          <p:nvPr>
+            <p:ph idx="1"/>
+          </p:nvPr>
+        </p:nvSpPr>
+        <p:spPr/>
+        <p:txBody>
+          <a:bodyPr>
+            <a:normAutofit fontScale="92500" lnSpcReduction="20000"/>
+          </a:bodyPr>
+          <a:lstStyle/>
+          <a:p>
+            <a:r>
+              <a:rPr lang="en-US" b="1" dirty="0" smtClean="0"/>
+              <a:t>ng-options</a:t>
+            </a:r>
+            <a:r>
+              <a:rPr lang="en-US" dirty="0" smtClean="0"/>
+              <a:t>, like </a:t>
+            </a:r>
+            <a:r>
+              <a:rPr lang="en-US" b="1" dirty="0" smtClean="0"/>
+              <a:t>ng-repeat</a:t>
+            </a:r>
+            <a:r>
+              <a:rPr lang="en-US" dirty="0" smtClean="0"/>
+              <a:t>, is meant to iterate over a collection of data; however, this directive targets the </a:t>
+            </a:r>
+            <a:r>
+              <a:rPr lang="en-US" b="1" dirty="0" smtClean="0"/>
+              <a:t>&lt;select/&gt; </a:t>
+            </a:r>
+            <a:r>
+              <a:rPr lang="en-US" dirty="0" smtClean="0"/>
+              <a:t>tag specifically because it’s requirements are a little more specific than general iteration. </a:t>
+            </a:r>
+          </a:p>
+          <a:p>
+            <a:r>
+              <a:rPr lang="en-US" dirty="0" smtClean="0"/>
+              <a:t>Consider the </a:t>
+            </a:r>
+            <a:r>
+              <a:rPr lang="en-US" b="1" dirty="0" smtClean="0"/>
+              <a:t>ng-repeat=“one in all” </a:t>
+            </a:r>
+            <a:r>
+              <a:rPr lang="en-US" dirty="0" smtClean="0"/>
+              <a:t>you would need to generate a template like the following:</a:t>
+            </a:r>
+          </a:p>
+          <a:p>
+            <a:pPr marL="292608" lvl="1" indent="0">
+              <a:buNone/>
+            </a:pPr>
+            <a:r>
+              <a:rPr lang="en-US" dirty="0" smtClean="0"/>
+              <a:t>&lt;select name=“</a:t>
+            </a:r>
+            <a:r>
+              <a:rPr lang="en-US" dirty="0" err="1" smtClean="0"/>
+              <a:t>mybox</a:t>
+            </a:r>
+            <a:r>
+              <a:rPr lang="en-US" dirty="0" smtClean="0"/>
+              <a:t>” ng-model=“item”&gt;</a:t>
+            </a:r>
+          </a:p>
+          <a:p>
+            <a:pPr marL="292608" lvl="1" indent="0">
+              <a:buNone/>
+            </a:pPr>
+            <a:r>
+              <a:rPr lang="en-US" dirty="0" smtClean="0"/>
+              <a:t>	&lt;option value=“”&gt;Please Choose&lt;/option&gt;</a:t>
+            </a:r>
+          </a:p>
+          <a:p>
+            <a:pPr marL="292608" lvl="1" indent="0">
+              <a:buNone/>
+            </a:pPr>
+            <a:r>
+              <a:rPr lang="en-US" dirty="0" smtClean="0"/>
+              <a:t>	&lt;option ng-repeat=“one in all” value=“</a:t>
+            </a:r>
+            <a:r>
+              <a:rPr lang="en-US" dirty="0" err="1" smtClean="0"/>
+              <a:t>one.id</a:t>
+            </a:r>
+            <a:r>
+              <a:rPr lang="en-US" dirty="0" smtClean="0"/>
+              <a:t>”&gt;{{</a:t>
+            </a:r>
+            <a:r>
+              <a:rPr lang="en-US" dirty="0" err="1" smtClean="0"/>
+              <a:t>one.name</a:t>
+            </a:r>
+            <a:r>
+              <a:rPr lang="en-US" dirty="0" smtClean="0"/>
+              <a:t>}}&lt;/option&gt;</a:t>
+            </a:r>
+            <a:endParaRPr lang="en-US" dirty="0"/>
+          </a:p>
+          <a:p>
+            <a:pPr marL="292608" lvl="1" indent="0">
+              <a:buNone/>
+            </a:pPr>
+            <a:r>
+              <a:rPr lang="en-US" dirty="0" smtClean="0"/>
+              <a:t>&lt;/select&gt;</a:t>
+            </a:r>
+          </a:p>
+          <a:p>
+            <a:r>
+              <a:rPr lang="en-US" dirty="0" smtClean="0"/>
+              <a:t>Instead using </a:t>
+            </a:r>
+            <a:r>
+              <a:rPr lang="en-US" b="1" dirty="0" smtClean="0"/>
+              <a:t>ng-options=“</a:t>
+            </a:r>
+            <a:r>
+              <a:rPr lang="en-US" b="1" dirty="0" err="1" smtClean="0"/>
+              <a:t>one.name</a:t>
+            </a:r>
+            <a:r>
+              <a:rPr lang="en-US" b="1" dirty="0" smtClean="0"/>
+              <a:t> for one in all track by </a:t>
+            </a:r>
+            <a:r>
+              <a:rPr lang="en-US" b="1" dirty="0" err="1" smtClean="0"/>
+              <a:t>one.id</a:t>
+            </a:r>
+            <a:r>
+              <a:rPr lang="en-US" b="1" dirty="0" smtClean="0"/>
+              <a:t>” </a:t>
+            </a:r>
+            <a:r>
+              <a:rPr lang="en-US" dirty="0" smtClean="0"/>
+              <a:t>enables you to define the same element like:</a:t>
+            </a:r>
+          </a:p>
+          <a:p>
+            <a:pPr marL="292608" lvl="1" indent="0">
+              <a:buNone/>
+            </a:pPr>
+            <a:r>
+              <a:rPr lang="en-US" dirty="0"/>
+              <a:t>&lt;select name=“</a:t>
+            </a:r>
+            <a:r>
+              <a:rPr lang="en-US" dirty="0" err="1"/>
+              <a:t>mybox</a:t>
+            </a:r>
+            <a:r>
+              <a:rPr lang="en-US" dirty="0"/>
+              <a:t>” ng-model=“item</a:t>
+            </a:r>
+            <a:r>
+              <a:rPr lang="en-US" dirty="0" smtClean="0"/>
+              <a:t>” ng-options=“</a:t>
+            </a:r>
+            <a:r>
+              <a:rPr lang="en-US" dirty="0" err="1" smtClean="0"/>
+              <a:t>one.name</a:t>
+            </a:r>
+            <a:r>
+              <a:rPr lang="en-US" dirty="0" smtClean="0"/>
+              <a:t> for one in all track by </a:t>
+            </a:r>
+            <a:r>
+              <a:rPr lang="en-US" dirty="0" err="1" smtClean="0"/>
+              <a:t>one.id</a:t>
+            </a:r>
+            <a:r>
+              <a:rPr lang="en-US" dirty="0" smtClean="0"/>
+              <a:t>”&gt;</a:t>
+            </a:r>
+            <a:endParaRPr lang="en-US" dirty="0"/>
+          </a:p>
+          <a:p>
+            <a:pPr marL="292608" lvl="1" indent="0">
+              <a:buNone/>
+            </a:pPr>
+            <a:r>
+              <a:rPr lang="en-US" dirty="0"/>
+              <a:t>	&lt;option value=“”&gt;Please Choose&lt;/option</a:t>
+            </a:r>
+            <a:r>
+              <a:rPr lang="en-US" dirty="0" smtClean="0"/>
+              <a:t>&gt;</a:t>
+            </a:r>
+            <a:endParaRPr lang="en-US" dirty="0"/>
+          </a:p>
+          <a:p>
+            <a:pPr marL="292608" lvl="1" indent="0">
+              <a:buNone/>
+            </a:pPr>
+            <a:r>
+              <a:rPr lang="en-US" dirty="0"/>
+              <a:t>&lt;/select</a:t>
+            </a:r>
+            <a:r>
+              <a:rPr lang="en-US" dirty="0" smtClean="0"/>
+              <a:t>&gt;</a:t>
+            </a:r>
+          </a:p>
+          <a:p>
+            <a:pPr marL="0" indent="0">
+              <a:buNone/>
+            </a:pPr>
+            <a:r>
+              <a:rPr lang="en-US" dirty="0">
+                <a:hlinkClick r:id="rId2"/>
+              </a:rPr>
+              <a:t>http://</a:t>
+            </a:r>
+            <a:r>
+              <a:rPr lang="en-US" dirty="0" smtClean="0">
+                <a:hlinkClick r:id="rId2"/>
+              </a:rPr>
+              <a:t>localhost:8080/Controllers/Samples/NgOptions/</a:t>
+            </a:r>
+            <a:endParaRPr lang="en-US" dirty="0" smtClean="0"/>
+          </a:p>
+          <a:p>
+            <a:endParaRPr lang="en-US" dirty="0"/>
+          </a:p>
+        </p:txBody>
+      </p:sp>
+    </p:spTree>
+    <p:extLst>
+      <p:ext uri="{BB962C8B-B14F-4D97-AF65-F5344CB8AC3E}">
+        <p14:creationId xmlns:p14="http://schemas.microsoft.com/office/powerpoint/2010/main" val="482522967"/>
+      </p:ext>
+    </p:extLst>
+  </p:cSld>
+  <p:clrMapOvr>
+    <a:masterClrMapping/>
+  </p:clrMapOvr>
+</p:sld>
+</file>
+
+<file path=ppt/slides/slide39.xml><?xml version="1.0" encoding="utf-8"?>
+<p:sld xmlns:a="http://schemas.openxmlformats.org/drawingml/2006/main" xmlns:r="http://schemas.openxmlformats.org/officeDocument/2006/relationships" xmlns:p="http://schemas.openxmlformats.org/presentationml/2006/main">
+  <p:cSld>
+    <p:spTree>
+      <p:nvGrpSpPr>
+        <p:cNvPr id="1" name=""/>
+        <p:cNvGrpSpPr/>
+        <p:nvPr/>
+      </p:nvGrpSpPr>
+      <p:grpSpPr>
+        <a:xfrm>
+          <a:off x="0" y="0"/>
+          <a:ext cx="0" cy="0"/>
+          <a:chOff x="0" y="0"/>
+          <a:chExt cx="0" cy="0"/>
+        </a:xfrm>
+      </p:grpSpPr>
+      <p:sp>
+        <p:nvSpPr>
+          <p:cNvPr id="2" name="Title 1"/>
+          <p:cNvSpPr>
+            <a:spLocks noGrp="1"/>
+          </p:cNvSpPr>
+          <p:nvPr>
+            <p:ph type="title"/>
+          </p:nvPr>
+        </p:nvSpPr>
+        <p:spPr/>
+        <p:txBody>
+          <a:bodyPr/>
+          <a:lstStyle/>
+          <a:p>
+            <a:r>
+              <a:rPr lang="en-US" dirty="0" smtClean="0"/>
+              <a:t>Some other useful Directives</a:t>
+            </a:r>
+            <a:endParaRPr lang="en-US" dirty="0"/>
+          </a:p>
+        </p:txBody>
+      </p:sp>
+      <p:graphicFrame>
+        <p:nvGraphicFramePr>
+          <p:cNvPr id="5" name="Content Placeholder 4"/>
+          <p:cNvGraphicFramePr>
+            <a:graphicFrameLocks noGrp="1"/>
+          </p:cNvGraphicFramePr>
+          <p:nvPr>
+            <p:ph idx="1"/>
+            <p:extLst>
+              <p:ext uri="{D42A27DB-BD31-4B8C-83A1-F6EECF244321}">
+                <p14:modId xmlns:p14="http://schemas.microsoft.com/office/powerpoint/2010/main" val="1023688505"/>
+              </p:ext>
+            </p:extLst>
+          </p:nvPr>
+        </p:nvGraphicFramePr>
+        <p:xfrm>
+          <a:off x="1096963" y="1846263"/>
+          <a:ext cx="10058400" cy="2392680"/>
+        </p:xfrm>
+        <a:graphic>
+          <a:graphicData uri="http://schemas.openxmlformats.org/drawingml/2006/table">
+            <a:tbl>
+              <a:tblPr firstRow="1" bandRow="1">
+                <a:tableStyleId>{5C22544A-7EE6-4342-B048-85BDC9FD1C3A}</a:tableStyleId>
+              </a:tblPr>
+              <a:tblGrid>
+                <a:gridCol w="998537"/>
+                <a:gridCol w="3860800"/>
+                <a:gridCol w="5199063"/>
+              </a:tblGrid>
+              <a:tr h="370840">
+                <a:tc>
+                  <a:txBody>
+                    <a:bodyPr/>
+                    <a:lstStyle/>
+                    <a:p>
+                      <a:r>
+                        <a:rPr lang="en-US" dirty="0" smtClean="0"/>
+                        <a:t>Name</a:t>
+                      </a:r>
+                      <a:endParaRPr lang="en-US" dirty="0"/>
+                    </a:p>
+                  </a:txBody>
+                  <a:tcPr/>
+                </a:tc>
+                <a:tc>
+                  <a:txBody>
+                    <a:bodyPr/>
+                    <a:lstStyle/>
+                    <a:p>
+                      <a:r>
+                        <a:rPr lang="en-US" dirty="0" smtClean="0"/>
+                        <a:t>Usage</a:t>
+                      </a:r>
+                      <a:endParaRPr lang="en-US" dirty="0"/>
+                    </a:p>
+                  </a:txBody>
+                  <a:tcPr/>
+                </a:tc>
+                <a:tc>
+                  <a:txBody>
+                    <a:bodyPr/>
+                    <a:lstStyle/>
+                    <a:p>
+                      <a:r>
+                        <a:rPr lang="en-US" dirty="0" smtClean="0"/>
+                        <a:t>Definition</a:t>
+                      </a:r>
+                      <a:endParaRPr lang="en-US" dirty="0"/>
+                    </a:p>
+                  </a:txBody>
+                  <a:tcPr/>
+                </a:tc>
+              </a:tr>
+              <a:tr h="370840">
+                <a:tc>
+                  <a:txBody>
+                    <a:bodyPr/>
+                    <a:lstStyle/>
+                    <a:p>
+                      <a:r>
+                        <a:rPr lang="en-US" b="0" dirty="0" smtClean="0"/>
+                        <a:t>ng-show</a:t>
+                      </a:r>
+                      <a:endParaRPr lang="en-US" b="0" dirty="0"/>
+                    </a:p>
+                  </a:txBody>
+                  <a:tcPr/>
+                </a:tc>
+                <a:tc>
+                  <a:txBody>
+                    <a:bodyPr/>
+                    <a:lstStyle/>
+                    <a:p>
+                      <a:r>
+                        <a:rPr lang="en-US" dirty="0" smtClean="0"/>
+                        <a:t>&lt;div</a:t>
+                      </a:r>
+                      <a:r>
+                        <a:rPr lang="en-US" baseline="0" dirty="0" smtClean="0"/>
+                        <a:t> ng-show=“variable” /&gt;</a:t>
+                      </a:r>
+                      <a:endParaRPr lang="en-US" dirty="0"/>
+                    </a:p>
+                  </a:txBody>
+                  <a:tcPr/>
+                </a:tc>
+                <a:tc>
+                  <a:txBody>
+                    <a:bodyPr/>
+                    <a:lstStyle/>
+                    <a:p>
+                      <a:r>
+                        <a:rPr lang="en-US" dirty="0" smtClean="0"/>
+                        <a:t>Shows </a:t>
+                      </a:r>
+                      <a:r>
+                        <a:rPr lang="en-US" baseline="0" dirty="0" smtClean="0"/>
+                        <a:t>container if the variable exists</a:t>
+                      </a:r>
+                      <a:endParaRPr lang="en-US" dirty="0"/>
+                    </a:p>
+                  </a:txBody>
+                  <a:tcPr/>
+                </a:tc>
+              </a:tr>
+              <a:tr h="370840">
+                <a:tc>
+                  <a:txBody>
+                    <a:bodyPr/>
+                    <a:lstStyle/>
+                    <a:p>
+                      <a:r>
+                        <a:rPr lang="en-US" b="0" dirty="0" smtClean="0"/>
+                        <a:t>ng-hide</a:t>
+                      </a:r>
+                      <a:endParaRPr lang="en-US" b="0" dirty="0"/>
+                    </a:p>
+                  </a:txBody>
+                  <a:tcPr/>
+                </a:tc>
+                <a:tc>
+                  <a:txBody>
+                    <a:bodyPr/>
+                    <a:lstStyle/>
+                    <a:p>
+                      <a:r>
+                        <a:rPr lang="en-US" dirty="0" smtClean="0"/>
+                        <a:t>&lt;div ng-hide=“variable” /&gt;</a:t>
+                      </a:r>
+                      <a:endParaRPr lang="en-US" dirty="0"/>
+                    </a:p>
+                  </a:txBody>
+                  <a:tcPr/>
+                </a:tc>
+                <a:tc>
+                  <a:txBody>
+                    <a:bodyPr/>
+                    <a:lstStyle/>
+                    <a:p>
+                      <a:pPr marL="0" marR="0" indent="0" algn="l" defTabSz="914400" rtl="0" eaLnBrk="1" fontAlgn="auto" latinLnBrk="0" hangingPunct="1">
+                        <a:lnSpc>
+                          <a:spcPct val="100000"/>
+                        </a:lnSpc>
+                        <a:spcBef>
+                          <a:spcPts val="0"/>
+                        </a:spcBef>
+                        <a:spcAft>
+                          <a:spcPts val="0"/>
+                        </a:spcAft>
+                        <a:buClrTx/>
+                        <a:buSzTx/>
+                        <a:buFontTx/>
+                        <a:buNone/>
+                        <a:tabLst/>
+                        <a:defRPr/>
+                      </a:pPr>
+                      <a:r>
+                        <a:rPr lang="en-US" dirty="0" smtClean="0"/>
+                        <a:t>Hides the</a:t>
+                      </a:r>
+                      <a:r>
+                        <a:rPr lang="en-US" baseline="0" dirty="0" smtClean="0"/>
+                        <a:t> container if the variable exists</a:t>
+                      </a:r>
+                      <a:endParaRPr lang="en-US" dirty="0" smtClean="0"/>
+                    </a:p>
+                  </a:txBody>
+                  <a:tcPr/>
+                </a:tc>
+              </a:tr>
+              <a:tr h="370840">
+                <a:tc>
+                  <a:txBody>
+                    <a:bodyPr/>
+                    <a:lstStyle/>
+                    <a:p>
+                      <a:r>
+                        <a:rPr lang="en-US" b="0" dirty="0" smtClean="0"/>
+                        <a:t>ng-if</a:t>
+                      </a:r>
+                      <a:endParaRPr lang="en-US" b="0" dirty="0"/>
+                    </a:p>
+                  </a:txBody>
+                  <a:tcPr/>
+                </a:tc>
+                <a:tc>
+                  <a:txBody>
+                    <a:bodyPr/>
+                    <a:lstStyle/>
+                    <a:p>
+                      <a:pPr marL="0" marR="0" indent="0" algn="l" defTabSz="914400" rtl="0" eaLnBrk="1" fontAlgn="auto" latinLnBrk="0" hangingPunct="1">
+                        <a:lnSpc>
+                          <a:spcPct val="100000"/>
+                        </a:lnSpc>
+                        <a:spcBef>
+                          <a:spcPts val="0"/>
+                        </a:spcBef>
+                        <a:spcAft>
+                          <a:spcPts val="0"/>
+                        </a:spcAft>
+                        <a:buClrTx/>
+                        <a:buSzTx/>
+                        <a:buFontTx/>
+                        <a:buNone/>
+                        <a:tabLst/>
+                        <a:defRPr/>
+                      </a:pPr>
+                      <a:r>
+                        <a:rPr lang="en-US" dirty="0" smtClean="0"/>
+                        <a:t>&lt;div</a:t>
+                      </a:r>
+                      <a:r>
+                        <a:rPr lang="en-US" baseline="0" dirty="0" smtClean="0"/>
+                        <a:t> ng-if=“</a:t>
+                      </a:r>
+                      <a:r>
+                        <a:rPr lang="en-US" baseline="0" dirty="0" err="1" smtClean="0"/>
+                        <a:t>boolean</a:t>
+                      </a:r>
+                      <a:r>
+                        <a:rPr lang="en-US" baseline="0" dirty="0" smtClean="0"/>
+                        <a:t> condition” /&gt;</a:t>
+                      </a:r>
+                      <a:endParaRPr lang="en-US" dirty="0" smtClean="0"/>
+                    </a:p>
+                  </a:txBody>
+                  <a:tcPr/>
+                </a:tc>
+                <a:tc>
+                  <a:txBody>
+                    <a:bodyPr/>
+                    <a:lstStyle/>
+                    <a:p>
+                      <a:pPr marL="0" marR="0" indent="0" algn="l" defTabSz="914400" rtl="0" eaLnBrk="1" fontAlgn="auto" latinLnBrk="0" hangingPunct="1">
+                        <a:lnSpc>
+                          <a:spcPct val="100000"/>
+                        </a:lnSpc>
+                        <a:spcBef>
+                          <a:spcPts val="0"/>
+                        </a:spcBef>
+                        <a:spcAft>
+                          <a:spcPts val="0"/>
+                        </a:spcAft>
+                        <a:buClrTx/>
+                        <a:buSzTx/>
+                        <a:buFontTx/>
+                        <a:buNone/>
+                        <a:tabLst/>
+                        <a:defRPr/>
+                      </a:pPr>
+                      <a:r>
+                        <a:rPr lang="en-US" dirty="0" smtClean="0"/>
+                        <a:t>Shows or hides the container based on the evaluation of the expression</a:t>
+                      </a:r>
+                    </a:p>
+                  </a:txBody>
+                  <a:tcPr/>
+                </a:tc>
+              </a:tr>
+              <a:tr h="370840">
+                <a:tc>
+                  <a:txBody>
+                    <a:bodyPr/>
+                    <a:lstStyle/>
+                    <a:p>
+                      <a:r>
+                        <a:rPr lang="en-US" b="0" dirty="0" smtClean="0"/>
+                        <a:t>ng-class</a:t>
+                      </a:r>
+                      <a:endParaRPr lang="en-US" b="0" dirty="0"/>
+                    </a:p>
+                  </a:txBody>
+                  <a:tcPr/>
+                </a:tc>
+                <a:tc>
+                  <a:txBody>
+                    <a:bodyPr/>
+                    <a:lstStyle/>
+                    <a:p>
+                      <a:pPr marL="0" marR="0" indent="0" algn="l" defTabSz="914400" rtl="0" eaLnBrk="1" fontAlgn="auto" latinLnBrk="0" hangingPunct="1">
+                        <a:lnSpc>
+                          <a:spcPct val="100000"/>
+                        </a:lnSpc>
+                        <a:spcBef>
+                          <a:spcPts val="0"/>
+                        </a:spcBef>
+                        <a:spcAft>
+                          <a:spcPts val="0"/>
+                        </a:spcAft>
+                        <a:buClrTx/>
+                        <a:buSzTx/>
+                        <a:buFontTx/>
+                        <a:buNone/>
+                        <a:tabLst/>
+                        <a:defRPr/>
+                      </a:pPr>
+                      <a:r>
+                        <a:rPr lang="en-US" dirty="0" smtClean="0"/>
+                        <a:t>&lt;div ng-class=“{‘</a:t>
+                      </a:r>
+                      <a:r>
+                        <a:rPr lang="en-US" dirty="0" err="1" smtClean="0"/>
+                        <a:t>cssClass</a:t>
+                      </a:r>
+                      <a:r>
+                        <a:rPr lang="en-US" dirty="0" smtClean="0"/>
+                        <a:t>’:condition}” /&gt;</a:t>
+                      </a:r>
+                    </a:p>
+                  </a:txBody>
+                  <a:tcPr/>
+                </a:tc>
+                <a:tc>
+                  <a:txBody>
+                    <a:bodyPr/>
+                    <a:lstStyle/>
+                    <a:p>
+                      <a:pPr marL="0" marR="0" indent="0" algn="l" defTabSz="914400" rtl="0" eaLnBrk="1" fontAlgn="auto" latinLnBrk="0" hangingPunct="1">
+                        <a:lnSpc>
+                          <a:spcPct val="100000"/>
+                        </a:lnSpc>
+                        <a:spcBef>
+                          <a:spcPts val="0"/>
+                        </a:spcBef>
+                        <a:spcAft>
+                          <a:spcPts val="0"/>
+                        </a:spcAft>
+                        <a:buClrTx/>
+                        <a:buSzTx/>
+                        <a:buFontTx/>
+                        <a:buNone/>
+                        <a:tabLst/>
+                        <a:defRPr/>
+                      </a:pPr>
+                      <a:r>
+                        <a:rPr lang="en-US" dirty="0" smtClean="0"/>
+                        <a:t>Will place a class on an element if the condition</a:t>
+                      </a:r>
+                      <a:r>
+                        <a:rPr lang="en-US" baseline="0" dirty="0" smtClean="0"/>
+                        <a:t> passes</a:t>
+                      </a:r>
+                      <a:endParaRPr lang="en-US" dirty="0" smtClean="0"/>
+                    </a:p>
+                  </a:txBody>
+                  <a:tcPr/>
+                </a:tc>
+              </a:tr>
+            </a:tbl>
+          </a:graphicData>
+        </a:graphic>
+      </p:graphicFrame>
+    </p:spTree>
+    <p:extLst>
+      <p:ext uri="{BB962C8B-B14F-4D97-AF65-F5344CB8AC3E}">
+        <p14:creationId xmlns:p14="http://schemas.microsoft.com/office/powerpoint/2010/main" val="340088209"/>
+      </p:ext>
+    </p:extLst>
+  </p:cSld>
+  <p:clrMapOvr>
+    <a:masterClrMapping/>
+  </p:clrMapOvr>
+</p:sld>
+</file>
+
 <file path=ppt/slides/slide4.xml><?xml version="1.0" encoding="utf-8"?>
 <p:sld xmlns:a="http://schemas.openxmlformats.org/drawingml/2006/main" xmlns:r="http://schemas.openxmlformats.org/officeDocument/2006/relationships" xmlns:p="http://schemas.openxmlformats.org/presentationml/2006/main">
   <p:cSld>
@@ -6905,30 +10531,20 @@
           <a:bodyPr/>
           <a:lstStyle/>
           <a:p>
-            <a:pPr>
-              <a:buFont typeface="Arial" charset="0"/>
-              <a:buChar char="•"/>
-            </a:pPr>
             <a:r>
               <a:rPr lang="en-US" dirty="0" smtClean="0"/>
               <a:t>You have basic familiarity with HTML (Hyper-Text Markup Language) and CSS (Cascading Style Sheets).  </a:t>
             </a:r>
           </a:p>
           <a:p>
-            <a:pPr lvl="1">
-              <a:buFont typeface="Arial" charset="0"/>
-              <a:buChar char="•"/>
-            </a:pPr>
+            <a:pPr lvl="1"/>
             <a:r>
               <a:rPr lang="en-US" dirty="0" smtClean="0"/>
               <a:t>You understand file structure and basic elements</a:t>
             </a:r>
           </a:p>
           <a:p>
-            <a:pPr lvl="2">
-              <a:buFont typeface="Arial" charset="0"/>
-              <a:buChar char="•"/>
-            </a:pPr>
+            <a:pPr lvl="2"/>
             <a:r>
               <a:rPr lang="en-US" dirty="0" smtClean="0"/>
               <a:t>&lt; html /&gt; &lt;body /&gt; &lt;div /&gt; </a:t>
@@ -6943,40 +10559,26 @@
             </a:r>
           </a:p>
           <a:p>
-            <a:pPr lvl="1">
-              <a:buFont typeface="Arial" charset="0"/>
-              <a:buChar char="•"/>
-            </a:pPr>
+            <a:pPr lvl="1"/>
             <a:r>
               <a:rPr lang="is-IS" dirty="0" smtClean="0"/>
               <a:t>Inline Styles, classes, document styles, and external Style references</a:t>
             </a:r>
           </a:p>
           <a:p>
-            <a:pPr>
-              <a:buFont typeface="Arial" charset="0"/>
-              <a:buChar char="•"/>
-            </a:pPr>
             <a:r>
               <a:rPr lang="is-IS" dirty="0" smtClean="0"/>
               <a:t>You have a basic understand of JavaScript and it’s role within a client side application</a:t>
             </a:r>
           </a:p>
           <a:p>
-            <a:pPr lvl="1">
-              <a:buFont typeface="Arial" charset="0"/>
-              <a:buChar char="•"/>
-            </a:pPr>
+            <a:pPr lvl="1"/>
             <a:r>
               <a:rPr lang="is-IS" dirty="0" smtClean="0"/>
               <a:t>The basics of the langauge; variable and function definitions.</a:t>
             </a:r>
           </a:p>
           <a:p>
-            <a:pPr>
-              <a:buFont typeface="Arial" charset="0"/>
-              <a:buChar char="•"/>
-            </a:pPr>
             <a:r>
               <a:rPr lang="is-IS" dirty="0" smtClean="0"/>
               <a:t>You have a basic understanding of MVC (Model View Controller) and Dependency Injection (DI) design patterns</a:t>
@@ -7005,6 +10607,2662 @@
 </p:sld>
 </file>
 
+<file path=ppt/slides/slide40.xml><?xml version="1.0" encoding="utf-8"?>
+<p:sld xmlns:a="http://schemas.openxmlformats.org/drawingml/2006/main" xmlns:r="http://schemas.openxmlformats.org/officeDocument/2006/relationships" xmlns:p="http://schemas.openxmlformats.org/presentationml/2006/main">
+  <p:cSld>
+    <p:spTree>
+      <p:nvGrpSpPr>
+        <p:cNvPr id="1" name=""/>
+        <p:cNvGrpSpPr/>
+        <p:nvPr/>
+      </p:nvGrpSpPr>
+      <p:grpSpPr>
+        <a:xfrm>
+          <a:off x="0" y="0"/>
+          <a:ext cx="0" cy="0"/>
+          <a:chOff x="0" y="0"/>
+          <a:chExt cx="0" cy="0"/>
+        </a:xfrm>
+      </p:grpSpPr>
+      <p:sp>
+        <p:nvSpPr>
+          <p:cNvPr id="2" name="Title 1"/>
+          <p:cNvSpPr>
+            <a:spLocks noGrp="1"/>
+          </p:cNvSpPr>
+          <p:nvPr>
+            <p:ph type="title"/>
+          </p:nvPr>
+        </p:nvSpPr>
+        <p:spPr/>
+        <p:txBody>
+          <a:bodyPr/>
+          <a:lstStyle/>
+          <a:p>
+            <a:r>
+              <a:rPr lang="en-US" dirty="0" smtClean="0"/>
+              <a:t>Angular Event Handlers</a:t>
+            </a:r>
+            <a:endParaRPr lang="en-US" dirty="0"/>
+          </a:p>
+        </p:txBody>
+      </p:sp>
+      <p:sp>
+        <p:nvSpPr>
+          <p:cNvPr id="3" name="Content Placeholder 2"/>
+          <p:cNvSpPr>
+            <a:spLocks noGrp="1"/>
+          </p:cNvSpPr>
+          <p:nvPr>
+            <p:ph idx="1"/>
+          </p:nvPr>
+        </p:nvSpPr>
+        <p:spPr/>
+        <p:txBody>
+          <a:bodyPr>
+            <a:normAutofit lnSpcReduction="10000"/>
+          </a:bodyPr>
+          <a:lstStyle/>
+          <a:p>
+            <a:r>
+              <a:rPr lang="en-US" dirty="0" smtClean="0"/>
+              <a:t>Just like normal JavaScript angular has a series of event handlers that are used almost example the same as their counterpart with the one key advantage of having access to </a:t>
+            </a:r>
+            <a:r>
+              <a:rPr lang="en-US" dirty="0" err="1" smtClean="0"/>
+              <a:t>Angular’s</a:t>
+            </a:r>
+            <a:r>
+              <a:rPr lang="en-US" dirty="0" smtClean="0"/>
+              <a:t> scope and state.</a:t>
+            </a:r>
+          </a:p>
+          <a:p>
+            <a:r>
+              <a:rPr lang="en-US" dirty="0" smtClean="0"/>
+              <a:t>These event handlers will allow us to respond to actions on the client. </a:t>
+            </a:r>
+          </a:p>
+          <a:p>
+            <a:r>
+              <a:rPr lang="en-US" dirty="0" smtClean="0"/>
+              <a:t>Suppose we want to respond to a click event and do some work our function would be defined on the controller as follows:</a:t>
+            </a:r>
+          </a:p>
+          <a:p>
+            <a:pPr marL="292608" lvl="1" indent="0">
+              <a:buNone/>
+            </a:pPr>
+            <a:r>
+              <a:rPr lang="en-US" b="1" dirty="0" smtClean="0"/>
+              <a:t>$</a:t>
+            </a:r>
+            <a:r>
+              <a:rPr lang="en-US" b="1" dirty="0" err="1" smtClean="0"/>
+              <a:t>scope.respondToClick</a:t>
+            </a:r>
+            <a:r>
+              <a:rPr lang="en-US" b="1" dirty="0" smtClean="0"/>
+              <a:t> = function() { </a:t>
+            </a:r>
+          </a:p>
+          <a:p>
+            <a:pPr marL="292608" lvl="1" indent="0">
+              <a:buNone/>
+            </a:pPr>
+            <a:r>
+              <a:rPr lang="en-US" b="1" dirty="0" smtClean="0"/>
+              <a:t>	// Do Some Work </a:t>
+            </a:r>
+          </a:p>
+          <a:p>
+            <a:pPr marL="292608" lvl="1" indent="0">
+              <a:buNone/>
+            </a:pPr>
+            <a:r>
+              <a:rPr lang="en-US" b="1" dirty="0" smtClean="0"/>
+              <a:t>}</a:t>
+            </a:r>
+          </a:p>
+          <a:p>
+            <a:r>
+              <a:rPr lang="en-US" dirty="0" smtClean="0"/>
+              <a:t>From there all we need to do is wire it up on the markup</a:t>
+            </a:r>
+          </a:p>
+          <a:p>
+            <a:pPr marL="292608" lvl="1" indent="0">
+              <a:buNone/>
+            </a:pPr>
+            <a:r>
+              <a:rPr lang="en-US" b="1" dirty="0" smtClean="0"/>
+              <a:t>&lt;input type=“button” ng-click=“</a:t>
+            </a:r>
+            <a:r>
+              <a:rPr lang="en-US" b="1" dirty="0" err="1" smtClean="0"/>
+              <a:t>respondToClick</a:t>
+            </a:r>
+            <a:r>
+              <a:rPr lang="en-US" b="1" dirty="0" smtClean="0"/>
+              <a:t>()” /&gt;</a:t>
+            </a:r>
+          </a:p>
+          <a:p>
+            <a:r>
+              <a:rPr lang="en-US" dirty="0" smtClean="0"/>
+              <a:t>When the button is clicked it will call into the function that we’ve defined on the controller.</a:t>
+            </a:r>
+          </a:p>
+          <a:p>
+            <a:endParaRPr lang="en-US" dirty="0" smtClean="0"/>
+          </a:p>
+        </p:txBody>
+      </p:sp>
+    </p:spTree>
+    <p:extLst>
+      <p:ext uri="{BB962C8B-B14F-4D97-AF65-F5344CB8AC3E}">
+        <p14:creationId xmlns:p14="http://schemas.microsoft.com/office/powerpoint/2010/main" val="245474323"/>
+      </p:ext>
+    </p:extLst>
+  </p:cSld>
+  <p:clrMapOvr>
+    <a:masterClrMapping/>
+  </p:clrMapOvr>
+</p:sld>
+</file>
+
+<file path=ppt/slides/slide41.xml><?xml version="1.0" encoding="utf-8"?>
+<p:sld xmlns:a="http://schemas.openxmlformats.org/drawingml/2006/main" xmlns:r="http://schemas.openxmlformats.org/officeDocument/2006/relationships" xmlns:p="http://schemas.openxmlformats.org/presentationml/2006/main">
+  <p:cSld>
+    <p:spTree>
+      <p:nvGrpSpPr>
+        <p:cNvPr id="1" name=""/>
+        <p:cNvGrpSpPr/>
+        <p:nvPr/>
+      </p:nvGrpSpPr>
+      <p:grpSpPr>
+        <a:xfrm>
+          <a:off x="0" y="0"/>
+          <a:ext cx="0" cy="0"/>
+          <a:chOff x="0" y="0"/>
+          <a:chExt cx="0" cy="0"/>
+        </a:xfrm>
+      </p:grpSpPr>
+      <p:sp>
+        <p:nvSpPr>
+          <p:cNvPr id="2" name="Title 1"/>
+          <p:cNvSpPr>
+            <a:spLocks noGrp="1"/>
+          </p:cNvSpPr>
+          <p:nvPr>
+            <p:ph type="title"/>
+          </p:nvPr>
+        </p:nvSpPr>
+        <p:spPr/>
+        <p:txBody>
+          <a:bodyPr/>
+          <a:lstStyle/>
+          <a:p>
+            <a:r>
+              <a:rPr lang="en-US" dirty="0"/>
+              <a:t>Angular Event </a:t>
+            </a:r>
+            <a:r>
+              <a:rPr lang="en-US" dirty="0" smtClean="0"/>
+              <a:t>Handlers (</a:t>
+            </a:r>
+            <a:r>
+              <a:rPr lang="en-US" dirty="0" err="1" smtClean="0"/>
+              <a:t>contd</a:t>
+            </a:r>
+            <a:r>
+              <a:rPr lang="en-US" dirty="0" smtClean="0"/>
+              <a:t>)</a:t>
+            </a:r>
+            <a:endParaRPr lang="en-US" dirty="0"/>
+          </a:p>
+        </p:txBody>
+      </p:sp>
+      <p:sp>
+        <p:nvSpPr>
+          <p:cNvPr id="3" name="Content Placeholder 2"/>
+          <p:cNvSpPr>
+            <a:spLocks noGrp="1"/>
+          </p:cNvSpPr>
+          <p:nvPr>
+            <p:ph idx="1"/>
+          </p:nvPr>
+        </p:nvSpPr>
+        <p:spPr/>
+        <p:txBody>
+          <a:bodyPr>
+            <a:normAutofit fontScale="85000" lnSpcReduction="10000"/>
+          </a:bodyPr>
+          <a:lstStyle/>
+          <a:p>
+            <a:r>
+              <a:rPr lang="en-US" dirty="0" smtClean="0"/>
+              <a:t>Unlike normal JavaScript events these event handlers do not pass the event that occurred into the handler. </a:t>
+            </a:r>
+          </a:p>
+          <a:p>
+            <a:r>
+              <a:rPr lang="en-US" dirty="0" smtClean="0"/>
+              <a:t>Should you want to access the event data for the given client action you can do so by passing the </a:t>
+            </a:r>
+            <a:r>
+              <a:rPr lang="en-US" b="1" dirty="0" smtClean="0"/>
+              <a:t>$event</a:t>
+            </a:r>
+            <a:r>
+              <a:rPr lang="en-US" dirty="0" smtClean="0"/>
+              <a:t> object into your method from the client. </a:t>
+            </a:r>
+          </a:p>
+          <a:p>
+            <a:r>
+              <a:rPr lang="en-US" dirty="0" smtClean="0"/>
+              <a:t>So taking the markup from the previous example:</a:t>
+            </a:r>
+          </a:p>
+          <a:p>
+            <a:pPr marL="182880" lvl="2" indent="0">
+              <a:spcBef>
+                <a:spcPts val="1200"/>
+              </a:spcBef>
+              <a:spcAft>
+                <a:spcPts val="200"/>
+              </a:spcAft>
+              <a:buSzPct val="100000"/>
+              <a:buNone/>
+            </a:pPr>
+            <a:r>
+              <a:rPr lang="en-US" b="1" dirty="0"/>
+              <a:t>&lt;input type=“button” ng-click=“</a:t>
+            </a:r>
+            <a:r>
+              <a:rPr lang="en-US" b="1" dirty="0" err="1"/>
+              <a:t>respondToClick</a:t>
+            </a:r>
+            <a:r>
+              <a:rPr lang="en-US" b="1" dirty="0"/>
+              <a:t>()” </a:t>
+            </a:r>
+            <a:r>
+              <a:rPr lang="en-US" b="1" dirty="0" smtClean="0"/>
+              <a:t>/&gt;</a:t>
+            </a:r>
+            <a:endParaRPr lang="en-US" dirty="0" smtClean="0"/>
+          </a:p>
+          <a:p>
+            <a:r>
+              <a:rPr lang="en-US" dirty="0" smtClean="0"/>
+              <a:t>Would be changed to the following:</a:t>
+            </a:r>
+          </a:p>
+          <a:p>
+            <a:pPr marL="182880" lvl="2" indent="0">
+              <a:spcBef>
+                <a:spcPts val="1200"/>
+              </a:spcBef>
+              <a:spcAft>
+                <a:spcPts val="200"/>
+              </a:spcAft>
+              <a:buSzPct val="100000"/>
+              <a:buNone/>
+            </a:pPr>
+            <a:r>
+              <a:rPr lang="en-US" b="1" dirty="0"/>
+              <a:t>&lt;input type=“button” ng-click=“</a:t>
+            </a:r>
+            <a:r>
+              <a:rPr lang="en-US" b="1" dirty="0" err="1"/>
+              <a:t>respondToClick</a:t>
+            </a:r>
+            <a:r>
+              <a:rPr lang="en-US" b="1" dirty="0" smtClean="0"/>
+              <a:t>($event)” /&gt;</a:t>
+            </a:r>
+            <a:endParaRPr lang="en-US" dirty="0" smtClean="0"/>
+          </a:p>
+          <a:p>
+            <a:r>
+              <a:rPr lang="en-US" dirty="0" smtClean="0"/>
+              <a:t>We would then need to add an argument to the function in our controller to accept the event variable to make use of it from your controller:</a:t>
+            </a:r>
+          </a:p>
+          <a:p>
+            <a:pPr marL="292608" lvl="1" indent="0">
+              <a:buNone/>
+            </a:pPr>
+            <a:r>
+              <a:rPr lang="en-US" b="1" dirty="0"/>
+              <a:t>$</a:t>
+            </a:r>
+            <a:r>
+              <a:rPr lang="en-US" b="1" dirty="0" err="1"/>
+              <a:t>scope.respondToClick</a:t>
+            </a:r>
+            <a:r>
+              <a:rPr lang="en-US" b="1" dirty="0"/>
+              <a:t> = </a:t>
+            </a:r>
+            <a:r>
+              <a:rPr lang="en-US" b="1" dirty="0" smtClean="0"/>
+              <a:t>function(</a:t>
+            </a:r>
+            <a:r>
+              <a:rPr lang="en-US" b="1" dirty="0" err="1" smtClean="0"/>
+              <a:t>eventData</a:t>
+            </a:r>
+            <a:r>
+              <a:rPr lang="en-US" b="1" dirty="0" smtClean="0"/>
+              <a:t>) </a:t>
+            </a:r>
+            <a:r>
+              <a:rPr lang="en-US" b="1" dirty="0"/>
+              <a:t>{ </a:t>
+            </a:r>
+          </a:p>
+          <a:p>
+            <a:pPr marL="292608" lvl="1" indent="0">
+              <a:buNone/>
+            </a:pPr>
+            <a:r>
+              <a:rPr lang="en-US" b="1" dirty="0"/>
+              <a:t>	// Do Some Work </a:t>
+            </a:r>
+          </a:p>
+          <a:p>
+            <a:pPr marL="292608" lvl="1" indent="0">
+              <a:buNone/>
+            </a:pPr>
+            <a:r>
+              <a:rPr lang="en-US" b="1" dirty="0" smtClean="0"/>
+              <a:t>}</a:t>
+            </a:r>
+            <a:endParaRPr lang="en-US" dirty="0"/>
+          </a:p>
+          <a:p>
+            <a:pPr lvl="1"/>
+            <a:r>
+              <a:rPr lang="en-US" dirty="0">
+                <a:hlinkClick r:id="rId2"/>
+              </a:rPr>
+              <a:t>http://localhost:8080/Controllers/Samples/NgClick</a:t>
+            </a:r>
+            <a:r>
+              <a:rPr lang="en-US" dirty="0" smtClean="0">
+                <a:hlinkClick r:id="rId2"/>
+              </a:rPr>
+              <a:t>/</a:t>
+            </a:r>
+            <a:endParaRPr lang="en-US" dirty="0" smtClean="0"/>
+          </a:p>
+          <a:p>
+            <a:endParaRPr lang="en-US" dirty="0"/>
+          </a:p>
+        </p:txBody>
+      </p:sp>
+    </p:spTree>
+    <p:extLst>
+      <p:ext uri="{BB962C8B-B14F-4D97-AF65-F5344CB8AC3E}">
+        <p14:creationId xmlns:p14="http://schemas.microsoft.com/office/powerpoint/2010/main" val="849048566"/>
+      </p:ext>
+    </p:extLst>
+  </p:cSld>
+  <p:clrMapOvr>
+    <a:masterClrMapping/>
+  </p:clrMapOvr>
+</p:sld>
+</file>
+
+<file path=ppt/slides/slide42.xml><?xml version="1.0" encoding="utf-8"?>
+<p:sld xmlns:a="http://schemas.openxmlformats.org/drawingml/2006/main" xmlns:r="http://schemas.openxmlformats.org/officeDocument/2006/relationships" xmlns:p="http://schemas.openxmlformats.org/presentationml/2006/main">
+  <p:cSld>
+    <p:spTree>
+      <p:nvGrpSpPr>
+        <p:cNvPr id="1" name=""/>
+        <p:cNvGrpSpPr/>
+        <p:nvPr/>
+      </p:nvGrpSpPr>
+      <p:grpSpPr>
+        <a:xfrm>
+          <a:off x="0" y="0"/>
+          <a:ext cx="0" cy="0"/>
+          <a:chOff x="0" y="0"/>
+          <a:chExt cx="0" cy="0"/>
+        </a:xfrm>
+      </p:grpSpPr>
+      <p:sp>
+        <p:nvSpPr>
+          <p:cNvPr id="2" name="Title 1"/>
+          <p:cNvSpPr>
+            <a:spLocks noGrp="1"/>
+          </p:cNvSpPr>
+          <p:nvPr>
+            <p:ph type="title"/>
+          </p:nvPr>
+        </p:nvSpPr>
+        <p:spPr/>
+        <p:txBody>
+          <a:bodyPr/>
+          <a:lstStyle/>
+          <a:p>
+            <a:r>
+              <a:rPr lang="en-US" dirty="0" smtClean="0"/>
+              <a:t>Some other useful event handlers</a:t>
+            </a:r>
+            <a:endParaRPr lang="en-US" dirty="0"/>
+          </a:p>
+        </p:txBody>
+      </p:sp>
+      <p:graphicFrame>
+        <p:nvGraphicFramePr>
+          <p:cNvPr id="4" name="Content Placeholder 3"/>
+          <p:cNvGraphicFramePr>
+            <a:graphicFrameLocks noGrp="1"/>
+          </p:cNvGraphicFramePr>
+          <p:nvPr>
+            <p:ph idx="1"/>
+            <p:extLst>
+              <p:ext uri="{D42A27DB-BD31-4B8C-83A1-F6EECF244321}">
+                <p14:modId xmlns:p14="http://schemas.microsoft.com/office/powerpoint/2010/main" val="1967065449"/>
+              </p:ext>
+            </p:extLst>
+          </p:nvPr>
+        </p:nvGraphicFramePr>
+        <p:xfrm>
+          <a:off x="1096963" y="1846263"/>
+          <a:ext cx="10058400" cy="2966720"/>
+        </p:xfrm>
+        <a:graphic>
+          <a:graphicData uri="http://schemas.openxmlformats.org/drawingml/2006/table">
+            <a:tbl>
+              <a:tblPr firstRow="1" bandRow="1">
+                <a:tableStyleId>{5C22544A-7EE6-4342-B048-85BDC9FD1C3A}</a:tableStyleId>
+              </a:tblPr>
+              <a:tblGrid>
+                <a:gridCol w="5029200"/>
+                <a:gridCol w="5029200"/>
+              </a:tblGrid>
+              <a:tr h="370840">
+                <a:tc>
+                  <a:txBody>
+                    <a:bodyPr/>
+                    <a:lstStyle/>
+                    <a:p>
+                      <a:r>
+                        <a:rPr lang="en-US" dirty="0" smtClean="0"/>
+                        <a:t>DOM</a:t>
+                      </a:r>
+                      <a:r>
+                        <a:rPr lang="en-US" baseline="0" dirty="0" smtClean="0"/>
+                        <a:t> Event</a:t>
+                      </a:r>
+                      <a:endParaRPr lang="en-US" dirty="0"/>
+                    </a:p>
+                  </a:txBody>
+                  <a:tcPr/>
+                </a:tc>
+                <a:tc>
+                  <a:txBody>
+                    <a:bodyPr/>
+                    <a:lstStyle/>
+                    <a:p>
+                      <a:r>
+                        <a:rPr lang="en-US" dirty="0" smtClean="0"/>
+                        <a:t>Angular Event</a:t>
+                      </a:r>
+                      <a:endParaRPr lang="en-US" dirty="0"/>
+                    </a:p>
+                  </a:txBody>
+                  <a:tcPr/>
+                </a:tc>
+              </a:tr>
+              <a:tr h="370840">
+                <a:tc>
+                  <a:txBody>
+                    <a:bodyPr/>
+                    <a:lstStyle/>
+                    <a:p>
+                      <a:r>
+                        <a:rPr lang="en-US" dirty="0" smtClean="0"/>
+                        <a:t>blur</a:t>
+                      </a:r>
+                      <a:endParaRPr lang="en-US" dirty="0"/>
+                    </a:p>
+                  </a:txBody>
+                  <a:tcPr/>
+                </a:tc>
+                <a:tc>
+                  <a:txBody>
+                    <a:bodyPr/>
+                    <a:lstStyle/>
+                    <a:p>
+                      <a:r>
+                        <a:rPr lang="en-US" dirty="0" smtClean="0"/>
+                        <a:t>ng-blur</a:t>
+                      </a:r>
+                      <a:endParaRPr lang="en-US" dirty="0"/>
+                    </a:p>
+                  </a:txBody>
+                  <a:tcPr/>
+                </a:tc>
+              </a:tr>
+              <a:tr h="370840">
+                <a:tc>
+                  <a:txBody>
+                    <a:bodyPr/>
+                    <a:lstStyle/>
+                    <a:p>
+                      <a:r>
+                        <a:rPr lang="en-US" dirty="0" smtClean="0"/>
+                        <a:t>focus</a:t>
+                      </a:r>
+                      <a:endParaRPr lang="en-US" dirty="0"/>
+                    </a:p>
+                  </a:txBody>
+                  <a:tcPr/>
+                </a:tc>
+                <a:tc>
+                  <a:txBody>
+                    <a:bodyPr/>
+                    <a:lstStyle/>
+                    <a:p>
+                      <a:r>
+                        <a:rPr lang="en-US" dirty="0" smtClean="0"/>
+                        <a:t>ng-focus</a:t>
+                      </a:r>
+                      <a:endParaRPr lang="en-US" dirty="0"/>
+                    </a:p>
+                  </a:txBody>
+                  <a:tcPr/>
+                </a:tc>
+              </a:tr>
+              <a:tr h="370840">
+                <a:tc>
+                  <a:txBody>
+                    <a:bodyPr/>
+                    <a:lstStyle/>
+                    <a:p>
+                      <a:r>
+                        <a:rPr lang="en-US" dirty="0" smtClean="0"/>
+                        <a:t>click</a:t>
+                      </a:r>
+                      <a:endParaRPr lang="en-US" dirty="0"/>
+                    </a:p>
+                  </a:txBody>
+                  <a:tcPr/>
+                </a:tc>
+                <a:tc>
+                  <a:txBody>
+                    <a:bodyPr/>
+                    <a:lstStyle/>
+                    <a:p>
+                      <a:r>
+                        <a:rPr lang="en-US" dirty="0" smtClean="0"/>
+                        <a:t>ng-click</a:t>
+                      </a:r>
+                      <a:endParaRPr lang="en-US" dirty="0"/>
+                    </a:p>
+                  </a:txBody>
+                  <a:tcPr/>
+                </a:tc>
+              </a:tr>
+              <a:tr h="370840">
+                <a:tc>
+                  <a:txBody>
+                    <a:bodyPr/>
+                    <a:lstStyle/>
+                    <a:p>
+                      <a:r>
+                        <a:rPr lang="en-US" dirty="0" smtClean="0"/>
+                        <a:t>copy</a:t>
+                      </a:r>
+                      <a:endParaRPr lang="en-US" dirty="0"/>
+                    </a:p>
+                  </a:txBody>
+                  <a:tcPr/>
+                </a:tc>
+                <a:tc>
+                  <a:txBody>
+                    <a:bodyPr/>
+                    <a:lstStyle/>
+                    <a:p>
+                      <a:r>
+                        <a:rPr lang="en-US" dirty="0" smtClean="0"/>
+                        <a:t>ng-copy</a:t>
+                      </a:r>
+                      <a:endParaRPr lang="en-US" dirty="0"/>
+                    </a:p>
+                  </a:txBody>
+                  <a:tcPr/>
+                </a:tc>
+              </a:tr>
+              <a:tr h="370840">
+                <a:tc>
+                  <a:txBody>
+                    <a:bodyPr/>
+                    <a:lstStyle/>
+                    <a:p>
+                      <a:r>
+                        <a:rPr lang="en-US" dirty="0" smtClean="0"/>
+                        <a:t>cut</a:t>
+                      </a:r>
+                      <a:endParaRPr lang="en-US" dirty="0"/>
+                    </a:p>
+                  </a:txBody>
+                  <a:tcPr/>
+                </a:tc>
+                <a:tc>
+                  <a:txBody>
+                    <a:bodyPr/>
+                    <a:lstStyle/>
+                    <a:p>
+                      <a:r>
+                        <a:rPr lang="en-US" dirty="0" smtClean="0"/>
+                        <a:t>ng-cut</a:t>
+                      </a:r>
+                      <a:endParaRPr lang="en-US" dirty="0"/>
+                    </a:p>
+                  </a:txBody>
+                  <a:tcPr/>
+                </a:tc>
+              </a:tr>
+              <a:tr h="370840">
+                <a:tc>
+                  <a:txBody>
+                    <a:bodyPr/>
+                    <a:lstStyle/>
+                    <a:p>
+                      <a:r>
+                        <a:rPr lang="en-US" dirty="0" smtClean="0"/>
+                        <a:t>change</a:t>
+                      </a:r>
+                      <a:endParaRPr lang="en-US" dirty="0"/>
+                    </a:p>
+                  </a:txBody>
+                  <a:tcPr/>
+                </a:tc>
+                <a:tc>
+                  <a:txBody>
+                    <a:bodyPr/>
+                    <a:lstStyle/>
+                    <a:p>
+                      <a:r>
+                        <a:rPr lang="en-US" dirty="0" smtClean="0"/>
+                        <a:t>ng-change</a:t>
+                      </a:r>
+                      <a:endParaRPr lang="en-US" dirty="0"/>
+                    </a:p>
+                  </a:txBody>
+                  <a:tcPr/>
+                </a:tc>
+              </a:tr>
+              <a:tr h="370840">
+                <a:tc>
+                  <a:txBody>
+                    <a:bodyPr/>
+                    <a:lstStyle/>
+                    <a:p>
+                      <a:r>
+                        <a:rPr lang="en-US" dirty="0" err="1" smtClean="0"/>
+                        <a:t>dblclick</a:t>
+                      </a:r>
+                      <a:endParaRPr lang="en-US" dirty="0"/>
+                    </a:p>
+                  </a:txBody>
+                  <a:tcPr/>
+                </a:tc>
+                <a:tc>
+                  <a:txBody>
+                    <a:bodyPr/>
+                    <a:lstStyle/>
+                    <a:p>
+                      <a:r>
+                        <a:rPr lang="en-US" dirty="0" smtClean="0"/>
+                        <a:t>ng-</a:t>
+                      </a:r>
+                      <a:r>
+                        <a:rPr lang="en-US" dirty="0" err="1" smtClean="0"/>
+                        <a:t>dblclick</a:t>
+                      </a:r>
+                      <a:endParaRPr lang="en-US" dirty="0"/>
+                    </a:p>
+                  </a:txBody>
+                  <a:tcPr/>
+                </a:tc>
+              </a:tr>
+            </a:tbl>
+          </a:graphicData>
+        </a:graphic>
+      </p:graphicFrame>
+      <p:sp>
+        <p:nvSpPr>
+          <p:cNvPr id="5" name="TextBox 4"/>
+          <p:cNvSpPr txBox="1"/>
+          <p:nvPr/>
+        </p:nvSpPr>
+        <p:spPr>
+          <a:xfrm>
+            <a:off x="1096963" y="5105400"/>
+            <a:ext cx="8943026" cy="369332"/>
+          </a:xfrm>
+          <a:prstGeom prst="rect">
+            <a:avLst/>
+          </a:prstGeom>
+          <a:noFill/>
+        </p:spPr>
+        <p:txBody>
+          <a:bodyPr wrap="none" rtlCol="0">
+            <a:spAutoFit/>
+          </a:bodyPr>
+          <a:lstStyle/>
+          <a:p>
+            <a:r>
+              <a:rPr lang="en-US" dirty="0" smtClean="0"/>
+              <a:t>Many more event handlers are available. Check the online Angular Documentation for the rest</a:t>
+            </a:r>
+            <a:endParaRPr lang="en-US" dirty="0"/>
+          </a:p>
+        </p:txBody>
+      </p:sp>
+    </p:spTree>
+    <p:extLst>
+      <p:ext uri="{BB962C8B-B14F-4D97-AF65-F5344CB8AC3E}">
+        <p14:creationId xmlns:p14="http://schemas.microsoft.com/office/powerpoint/2010/main" val="1468207375"/>
+      </p:ext>
+    </p:extLst>
+  </p:cSld>
+  <p:clrMapOvr>
+    <a:masterClrMapping/>
+  </p:clrMapOvr>
+</p:sld>
+</file>
+
+<file path=ppt/slides/slide43.xml><?xml version="1.0" encoding="utf-8"?>
+<p:sld xmlns:a="http://schemas.openxmlformats.org/drawingml/2006/main" xmlns:r="http://schemas.openxmlformats.org/officeDocument/2006/relationships" xmlns:p="http://schemas.openxmlformats.org/presentationml/2006/main">
+  <p:cSld>
+    <p:spTree>
+      <p:nvGrpSpPr>
+        <p:cNvPr id="1" name=""/>
+        <p:cNvGrpSpPr/>
+        <p:nvPr/>
+      </p:nvGrpSpPr>
+      <p:grpSpPr>
+        <a:xfrm>
+          <a:off x="0" y="0"/>
+          <a:ext cx="0" cy="0"/>
+          <a:chOff x="0" y="0"/>
+          <a:chExt cx="0" cy="0"/>
+        </a:xfrm>
+      </p:grpSpPr>
+      <p:sp>
+        <p:nvSpPr>
+          <p:cNvPr id="2" name="Title 1"/>
+          <p:cNvSpPr>
+            <a:spLocks noGrp="1"/>
+          </p:cNvSpPr>
+          <p:nvPr>
+            <p:ph type="title"/>
+          </p:nvPr>
+        </p:nvSpPr>
+        <p:spPr/>
+        <p:txBody>
+          <a:bodyPr/>
+          <a:lstStyle/>
+          <a:p>
+            <a:r>
+              <a:rPr lang="en-US" dirty="0" smtClean="0"/>
+              <a:t>Lab</a:t>
+            </a:r>
+            <a:endParaRPr lang="en-US" dirty="0"/>
+          </a:p>
+        </p:txBody>
+      </p:sp>
+      <p:sp>
+        <p:nvSpPr>
+          <p:cNvPr id="3" name="Content Placeholder 2"/>
+          <p:cNvSpPr>
+            <a:spLocks noGrp="1"/>
+          </p:cNvSpPr>
+          <p:nvPr>
+            <p:ph idx="1"/>
+          </p:nvPr>
+        </p:nvSpPr>
+        <p:spPr/>
+        <p:txBody>
+          <a:bodyPr>
+            <a:normAutofit/>
+          </a:bodyPr>
+          <a:lstStyle/>
+          <a:p>
+            <a:r>
+              <a:rPr lang="en-US" dirty="0"/>
+              <a:t>Let’s take a shot at building our own page that iterates over a collection of data. </a:t>
+            </a:r>
+          </a:p>
+          <a:p>
+            <a:pPr lvl="1"/>
+            <a:r>
+              <a:rPr lang="en-US" dirty="0">
+                <a:hlinkClick r:id="rId2"/>
+              </a:rPr>
+              <a:t>http://localhost:8080/Controllers/Exercises/Events</a:t>
+            </a:r>
+            <a:r>
+              <a:rPr lang="en-US" dirty="0" smtClean="0">
+                <a:hlinkClick r:id="rId2"/>
+              </a:rPr>
+              <a:t>/</a:t>
+            </a:r>
+            <a:endParaRPr lang="en-US" dirty="0" smtClean="0"/>
+          </a:p>
+          <a:p>
+            <a:pPr lvl="1"/>
+            <a:r>
+              <a:rPr lang="en-US" dirty="0" smtClean="0"/>
+              <a:t>Source</a:t>
+            </a:r>
+            <a:r>
+              <a:rPr lang="en-US" dirty="0"/>
+              <a:t>: /</a:t>
+            </a:r>
+            <a:r>
+              <a:rPr lang="en-US" dirty="0" err="1" smtClean="0"/>
+              <a:t>AngularClass</a:t>
+            </a:r>
+            <a:r>
+              <a:rPr lang="en-US" dirty="0" smtClean="0"/>
+              <a:t>/Controllers/</a:t>
+            </a:r>
+            <a:r>
+              <a:rPr lang="en-US" dirty="0" err="1" smtClean="0"/>
+              <a:t>Exercices</a:t>
+            </a:r>
+            <a:r>
+              <a:rPr lang="en-US" dirty="0" smtClean="0"/>
+              <a:t>/Events </a:t>
+            </a:r>
+            <a:endParaRPr lang="en-US" dirty="0"/>
+          </a:p>
+          <a:p>
+            <a:r>
+              <a:rPr lang="en-US" dirty="0"/>
+              <a:t>In this Lab you should do the following</a:t>
+            </a:r>
+            <a:r>
+              <a:rPr lang="en-US" dirty="0" smtClean="0"/>
+              <a:t>:</a:t>
+            </a:r>
+          </a:p>
+          <a:p>
+            <a:pPr lvl="1"/>
+            <a:r>
+              <a:rPr lang="en-US" dirty="0" smtClean="0"/>
+              <a:t>Create new functions in your controller to add, remove, and restore deleted teams</a:t>
+            </a:r>
+          </a:p>
+          <a:p>
+            <a:pPr lvl="1"/>
+            <a:r>
+              <a:rPr lang="en-US" dirty="0" smtClean="0"/>
+              <a:t>Change the markup to do the following:</a:t>
+            </a:r>
+          </a:p>
+          <a:p>
+            <a:pPr lvl="2"/>
+            <a:r>
+              <a:rPr lang="en-US" dirty="0" smtClean="0"/>
+              <a:t>Form to add a new team to the list when a button is clicked</a:t>
+            </a:r>
+          </a:p>
+          <a:p>
+            <a:pPr lvl="2"/>
+            <a:r>
+              <a:rPr lang="en-US" dirty="0" smtClean="0"/>
+              <a:t>Add buttons to remove teams from the list</a:t>
+            </a:r>
+          </a:p>
+          <a:p>
+            <a:pPr lvl="2"/>
+            <a:r>
+              <a:rPr lang="en-US" dirty="0" smtClean="0"/>
+              <a:t>Add a button to restore all teams that have been deleted. </a:t>
+            </a:r>
+            <a:endParaRPr lang="en-US" dirty="0"/>
+          </a:p>
+          <a:p>
+            <a:r>
+              <a:rPr lang="en-US" dirty="0" smtClean="0"/>
+              <a:t>This </a:t>
+            </a:r>
+            <a:r>
+              <a:rPr lang="en-US" dirty="0"/>
+              <a:t>lab should be completed in about 20-25 min.</a:t>
+            </a:r>
+          </a:p>
+          <a:p>
+            <a:endParaRPr lang="en-US" dirty="0"/>
+          </a:p>
+        </p:txBody>
+      </p:sp>
+    </p:spTree>
+    <p:extLst>
+      <p:ext uri="{BB962C8B-B14F-4D97-AF65-F5344CB8AC3E}">
+        <p14:creationId xmlns:p14="http://schemas.microsoft.com/office/powerpoint/2010/main" val="1781272887"/>
+      </p:ext>
+    </p:extLst>
+  </p:cSld>
+  <p:clrMapOvr>
+    <a:masterClrMapping/>
+  </p:clrMapOvr>
+</p:sld>
+</file>
+
+<file path=ppt/slides/slide44.xml><?xml version="1.0" encoding="utf-8"?>
+<p:sld xmlns:a="http://schemas.openxmlformats.org/drawingml/2006/main" xmlns:r="http://schemas.openxmlformats.org/officeDocument/2006/relationships" xmlns:p="http://schemas.openxmlformats.org/presentationml/2006/main">
+  <p:cSld>
+    <p:spTree>
+      <p:nvGrpSpPr>
+        <p:cNvPr id="1" name=""/>
+        <p:cNvGrpSpPr/>
+        <p:nvPr/>
+      </p:nvGrpSpPr>
+      <p:grpSpPr>
+        <a:xfrm>
+          <a:off x="0" y="0"/>
+          <a:ext cx="0" cy="0"/>
+          <a:chOff x="0" y="0"/>
+          <a:chExt cx="0" cy="0"/>
+        </a:xfrm>
+      </p:grpSpPr>
+      <p:sp>
+        <p:nvSpPr>
+          <p:cNvPr id="2" name="Title 1"/>
+          <p:cNvSpPr>
+            <a:spLocks noGrp="1"/>
+          </p:cNvSpPr>
+          <p:nvPr>
+            <p:ph type="title"/>
+          </p:nvPr>
+        </p:nvSpPr>
+        <p:spPr/>
+        <p:txBody>
+          <a:bodyPr/>
+          <a:lstStyle/>
+          <a:p>
+            <a:r>
+              <a:rPr lang="en-US" dirty="0" smtClean="0"/>
+              <a:t>Conclusion</a:t>
+            </a:r>
+            <a:endParaRPr lang="en-US" dirty="0"/>
+          </a:p>
+        </p:txBody>
+      </p:sp>
+      <p:sp>
+        <p:nvSpPr>
+          <p:cNvPr id="3" name="Content Placeholder 2"/>
+          <p:cNvSpPr>
+            <a:spLocks noGrp="1"/>
+          </p:cNvSpPr>
+          <p:nvPr>
+            <p:ph idx="1"/>
+          </p:nvPr>
+        </p:nvSpPr>
+        <p:spPr/>
+        <p:txBody>
+          <a:bodyPr/>
+          <a:lstStyle/>
+          <a:p>
+            <a:endParaRPr lang="en-US" dirty="0"/>
+          </a:p>
+        </p:txBody>
+      </p:sp>
+    </p:spTree>
+    <p:extLst>
+      <p:ext uri="{BB962C8B-B14F-4D97-AF65-F5344CB8AC3E}">
+        <p14:creationId xmlns:p14="http://schemas.microsoft.com/office/powerpoint/2010/main" val="1784914037"/>
+      </p:ext>
+    </p:extLst>
+  </p:cSld>
+  <p:clrMapOvr>
+    <a:masterClrMapping/>
+  </p:clrMapOvr>
+</p:sld>
+</file>
+
+<file path=ppt/slides/slide45.xml><?xml version="1.0" encoding="utf-8"?>
+<p:sld xmlns:a="http://schemas.openxmlformats.org/drawingml/2006/main" xmlns:r="http://schemas.openxmlformats.org/officeDocument/2006/relationships" xmlns:p="http://schemas.openxmlformats.org/presentationml/2006/main">
+  <p:cSld>
+    <p:spTree>
+      <p:nvGrpSpPr>
+        <p:cNvPr id="1" name=""/>
+        <p:cNvGrpSpPr/>
+        <p:nvPr/>
+      </p:nvGrpSpPr>
+      <p:grpSpPr>
+        <a:xfrm>
+          <a:off x="0" y="0"/>
+          <a:ext cx="0" cy="0"/>
+          <a:chOff x="0" y="0"/>
+          <a:chExt cx="0" cy="0"/>
+        </a:xfrm>
+      </p:grpSpPr>
+      <p:sp>
+        <p:nvSpPr>
+          <p:cNvPr id="2" name="Title 1"/>
+          <p:cNvSpPr>
+            <a:spLocks noGrp="1"/>
+          </p:cNvSpPr>
+          <p:nvPr>
+            <p:ph type="title"/>
+          </p:nvPr>
+        </p:nvSpPr>
+        <p:spPr/>
+        <p:txBody>
+          <a:bodyPr/>
+          <a:lstStyle/>
+          <a:p>
+            <a:r>
+              <a:rPr lang="en-US" dirty="0" smtClean="0"/>
+              <a:t>Unit Testing</a:t>
+            </a:r>
+            <a:endParaRPr lang="en-US" dirty="0"/>
+          </a:p>
+        </p:txBody>
+      </p:sp>
+      <p:sp>
+        <p:nvSpPr>
+          <p:cNvPr id="3" name="Content Placeholder 2"/>
+          <p:cNvSpPr>
+            <a:spLocks noGrp="1"/>
+          </p:cNvSpPr>
+          <p:nvPr>
+            <p:ph idx="1"/>
+          </p:nvPr>
+        </p:nvSpPr>
+        <p:spPr/>
+        <p:txBody>
+          <a:bodyPr/>
+          <a:lstStyle/>
+          <a:p>
+            <a:r>
+              <a:rPr lang="en-US" dirty="0" smtClean="0"/>
+              <a:t>Overview of Unit Testing Framework</a:t>
+            </a:r>
+          </a:p>
+          <a:p>
+            <a:r>
+              <a:rPr lang="en-US" dirty="0" smtClean="0"/>
+              <a:t>The importance of Unit testing</a:t>
+            </a:r>
+          </a:p>
+          <a:p>
+            <a:endParaRPr lang="en-US" dirty="0"/>
+          </a:p>
+        </p:txBody>
+      </p:sp>
+    </p:spTree>
+    <p:extLst>
+      <p:ext uri="{BB962C8B-B14F-4D97-AF65-F5344CB8AC3E}">
+        <p14:creationId xmlns:p14="http://schemas.microsoft.com/office/powerpoint/2010/main" val="972100545"/>
+      </p:ext>
+    </p:extLst>
+  </p:cSld>
+  <p:clrMapOvr>
+    <a:masterClrMapping/>
+  </p:clrMapOvr>
+</p:sld>
+</file>
+
+<file path=ppt/slides/slide46.xml><?xml version="1.0" encoding="utf-8"?>
+<p:sld xmlns:a="http://schemas.openxmlformats.org/drawingml/2006/main" xmlns:r="http://schemas.openxmlformats.org/officeDocument/2006/relationships" xmlns:p="http://schemas.openxmlformats.org/presentationml/2006/main">
+  <p:cSld>
+    <p:spTree>
+      <p:nvGrpSpPr>
+        <p:cNvPr id="1" name=""/>
+        <p:cNvGrpSpPr/>
+        <p:nvPr/>
+      </p:nvGrpSpPr>
+      <p:grpSpPr>
+        <a:xfrm>
+          <a:off x="0" y="0"/>
+          <a:ext cx="0" cy="0"/>
+          <a:chOff x="0" y="0"/>
+          <a:chExt cx="0" cy="0"/>
+        </a:xfrm>
+      </p:grpSpPr>
+      <p:sp>
+        <p:nvSpPr>
+          <p:cNvPr id="2" name="Title 1"/>
+          <p:cNvSpPr>
+            <a:spLocks noGrp="1"/>
+          </p:cNvSpPr>
+          <p:nvPr>
+            <p:ph type="title"/>
+          </p:nvPr>
+        </p:nvSpPr>
+        <p:spPr/>
+        <p:txBody>
+          <a:bodyPr/>
+          <a:lstStyle/>
+          <a:p>
+            <a:r>
+              <a:rPr lang="en-US" dirty="0" smtClean="0"/>
+              <a:t>Why Unit Test</a:t>
+            </a:r>
+            <a:endParaRPr lang="en-US" dirty="0"/>
+          </a:p>
+        </p:txBody>
+      </p:sp>
+      <p:sp>
+        <p:nvSpPr>
+          <p:cNvPr id="3" name="Content Placeholder 2"/>
+          <p:cNvSpPr>
+            <a:spLocks noGrp="1"/>
+          </p:cNvSpPr>
+          <p:nvPr>
+            <p:ph idx="1"/>
+          </p:nvPr>
+        </p:nvSpPr>
+        <p:spPr/>
+        <p:txBody>
+          <a:bodyPr/>
+          <a:lstStyle/>
+          <a:p>
+            <a:r>
+              <a:rPr lang="en-US" dirty="0" smtClean="0"/>
+              <a:t>Unit Testing provides the ability to automatically verify that our code does what we </a:t>
+            </a:r>
+            <a:r>
+              <a:rPr lang="en-US" i="1" dirty="0" smtClean="0"/>
+              <a:t>think</a:t>
+            </a:r>
+            <a:r>
+              <a:rPr lang="en-US" dirty="0" smtClean="0"/>
+              <a:t> it does. </a:t>
+            </a:r>
+          </a:p>
+          <a:p>
+            <a:r>
+              <a:rPr lang="en-US" dirty="0" smtClean="0"/>
+              <a:t>Given the modular nature of </a:t>
+            </a:r>
+            <a:r>
+              <a:rPr lang="en-US" dirty="0" err="1" smtClean="0"/>
+              <a:t>Angular’s</a:t>
+            </a:r>
+            <a:r>
+              <a:rPr lang="en-US" dirty="0" smtClean="0"/>
+              <a:t> architecture it makes it challenging to determine modules are being used. </a:t>
+            </a:r>
+          </a:p>
+          <a:p>
+            <a:r>
+              <a:rPr lang="en-US" dirty="0"/>
+              <a:t>Proper unit testing can enable you to quickly understand the impact of changes made to existing code blocks and the effect those changes will have across your module. </a:t>
+            </a:r>
+          </a:p>
+          <a:p>
+            <a:r>
+              <a:rPr lang="en-US" dirty="0" smtClean="0"/>
+              <a:t>Unit Testing will save you time and you should look to develop your tests in parallel with your code. </a:t>
+            </a:r>
+          </a:p>
+          <a:p>
+            <a:pPr lvl="1"/>
+            <a:r>
+              <a:rPr lang="en-US" dirty="0" smtClean="0"/>
+              <a:t>The tests should be built before you begin to write your code so that you can understand the best way implement your new feature or function. </a:t>
+            </a:r>
+            <a:endParaRPr lang="en-US" dirty="0"/>
+          </a:p>
+        </p:txBody>
+      </p:sp>
+    </p:spTree>
+    <p:extLst>
+      <p:ext uri="{BB962C8B-B14F-4D97-AF65-F5344CB8AC3E}">
+        <p14:creationId xmlns:p14="http://schemas.microsoft.com/office/powerpoint/2010/main" val="795347843"/>
+      </p:ext>
+    </p:extLst>
+  </p:cSld>
+  <p:clrMapOvr>
+    <a:masterClrMapping/>
+  </p:clrMapOvr>
+</p:sld>
+</file>
+
+<file path=ppt/slides/slide47.xml><?xml version="1.0" encoding="utf-8"?>
+<p:sld xmlns:a="http://schemas.openxmlformats.org/drawingml/2006/main" xmlns:r="http://schemas.openxmlformats.org/officeDocument/2006/relationships" xmlns:p="http://schemas.openxmlformats.org/presentationml/2006/main">
+  <p:cSld>
+    <p:spTree>
+      <p:nvGrpSpPr>
+        <p:cNvPr id="1" name=""/>
+        <p:cNvGrpSpPr/>
+        <p:nvPr/>
+      </p:nvGrpSpPr>
+      <p:grpSpPr>
+        <a:xfrm>
+          <a:off x="0" y="0"/>
+          <a:ext cx="0" cy="0"/>
+          <a:chOff x="0" y="0"/>
+          <a:chExt cx="0" cy="0"/>
+        </a:xfrm>
+      </p:grpSpPr>
+      <p:sp>
+        <p:nvSpPr>
+          <p:cNvPr id="2" name="Title 1"/>
+          <p:cNvSpPr>
+            <a:spLocks noGrp="1"/>
+          </p:cNvSpPr>
+          <p:nvPr>
+            <p:ph type="title"/>
+          </p:nvPr>
+        </p:nvSpPr>
+        <p:spPr/>
+        <p:txBody>
+          <a:bodyPr/>
+          <a:lstStyle/>
+          <a:p>
+            <a:r>
+              <a:rPr lang="en-US" dirty="0" smtClean="0"/>
+              <a:t>How do we Unit Test?</a:t>
+            </a:r>
+            <a:endParaRPr lang="en-US" dirty="0"/>
+          </a:p>
+        </p:txBody>
+      </p:sp>
+      <p:sp>
+        <p:nvSpPr>
+          <p:cNvPr id="3" name="Content Placeholder 2"/>
+          <p:cNvSpPr>
+            <a:spLocks noGrp="1"/>
+          </p:cNvSpPr>
+          <p:nvPr>
+            <p:ph idx="1"/>
+          </p:nvPr>
+        </p:nvSpPr>
+        <p:spPr/>
+        <p:txBody>
+          <a:bodyPr/>
+          <a:lstStyle/>
+          <a:p>
+            <a:r>
+              <a:rPr lang="en-US" dirty="0" smtClean="0"/>
+              <a:t>Angular was built to be test-framework agnostic; however, most example use a Behavior Driven Development style test fixture</a:t>
+            </a:r>
+          </a:p>
+          <a:p>
+            <a:pPr lvl="1"/>
+            <a:r>
+              <a:rPr lang="en-US" dirty="0" smtClean="0"/>
+              <a:t>Specifically what has been implemented in the Jasmine framework.</a:t>
+            </a:r>
+          </a:p>
+          <a:p>
+            <a:pPr lvl="1"/>
+            <a:endParaRPr lang="en-US" dirty="0"/>
+          </a:p>
+          <a:p>
+            <a:r>
+              <a:rPr lang="en-US" dirty="0" smtClean="0"/>
+              <a:t>In order to run your tests you will need to setup and configure Jasmine</a:t>
+            </a:r>
+          </a:p>
+          <a:p>
+            <a:pPr lvl="1"/>
+            <a:r>
+              <a:rPr lang="en-US" dirty="0" smtClean="0"/>
+              <a:t>It can be downloaded from: </a:t>
+            </a:r>
+            <a:r>
+              <a:rPr lang="en-US" dirty="0">
+                <a:hlinkClick r:id="rId2"/>
+              </a:rPr>
+              <a:t>http://jasmine.github.io</a:t>
+            </a:r>
+            <a:r>
+              <a:rPr lang="en-US" dirty="0" smtClean="0">
+                <a:hlinkClick r:id="rId2"/>
+              </a:rPr>
+              <a:t>/</a:t>
+            </a:r>
+            <a:endParaRPr lang="en-US" dirty="0" smtClean="0"/>
+          </a:p>
+          <a:p>
+            <a:pPr lvl="1"/>
+            <a:r>
+              <a:rPr lang="en-US" dirty="0" smtClean="0"/>
+              <a:t>It provides a default spec-runner</a:t>
+            </a:r>
+          </a:p>
+          <a:p>
+            <a:pPr lvl="1"/>
+            <a:r>
+              <a:rPr lang="en-US" dirty="0" smtClean="0"/>
+              <a:t>You will also need to obtain angular-mocks from </a:t>
+            </a:r>
+            <a:r>
+              <a:rPr lang="en-US" dirty="0" err="1" smtClean="0"/>
+              <a:t>Angular’s</a:t>
+            </a:r>
+            <a:r>
+              <a:rPr lang="en-US" dirty="0" smtClean="0"/>
+              <a:t> site so that you can create mock scopes and instantiate controllers. </a:t>
+            </a:r>
+          </a:p>
+          <a:p>
+            <a:pPr lvl="2"/>
+            <a:r>
+              <a:rPr lang="en-US" dirty="0" smtClean="0"/>
+              <a:t>The mock framework is found in the angular-</a:t>
+            </a:r>
+            <a:r>
+              <a:rPr lang="en-US" dirty="0" err="1" smtClean="0"/>
+              <a:t>mocks.js</a:t>
+            </a:r>
+            <a:r>
+              <a:rPr lang="en-US" dirty="0" smtClean="0"/>
+              <a:t> file in </a:t>
+            </a:r>
+            <a:r>
+              <a:rPr lang="en-US" dirty="0" err="1" smtClean="0"/>
+              <a:t>Angular’s</a:t>
+            </a:r>
+            <a:r>
+              <a:rPr lang="en-US" dirty="0" smtClean="0"/>
+              <a:t> distribution. </a:t>
+            </a:r>
+            <a:endParaRPr lang="en-US" dirty="0"/>
+          </a:p>
+        </p:txBody>
+      </p:sp>
+    </p:spTree>
+    <p:extLst>
+      <p:ext uri="{BB962C8B-B14F-4D97-AF65-F5344CB8AC3E}">
+        <p14:creationId xmlns:p14="http://schemas.microsoft.com/office/powerpoint/2010/main" val="1515178110"/>
+      </p:ext>
+    </p:extLst>
+  </p:cSld>
+  <p:clrMapOvr>
+    <a:masterClrMapping/>
+  </p:clrMapOvr>
+</p:sld>
+</file>
+
+<file path=ppt/slides/slide48.xml><?xml version="1.0" encoding="utf-8"?>
+<p:sld xmlns:a="http://schemas.openxmlformats.org/drawingml/2006/main" xmlns:r="http://schemas.openxmlformats.org/officeDocument/2006/relationships" xmlns:p="http://schemas.openxmlformats.org/presentationml/2006/main">
+  <p:cSld>
+    <p:spTree>
+      <p:nvGrpSpPr>
+        <p:cNvPr id="1" name=""/>
+        <p:cNvGrpSpPr/>
+        <p:nvPr/>
+      </p:nvGrpSpPr>
+      <p:grpSpPr>
+        <a:xfrm>
+          <a:off x="0" y="0"/>
+          <a:ext cx="0" cy="0"/>
+          <a:chOff x="0" y="0"/>
+          <a:chExt cx="0" cy="0"/>
+        </a:xfrm>
+      </p:grpSpPr>
+      <p:sp>
+        <p:nvSpPr>
+          <p:cNvPr id="2" name="Title 1"/>
+          <p:cNvSpPr>
+            <a:spLocks noGrp="1"/>
+          </p:cNvSpPr>
+          <p:nvPr>
+            <p:ph type="title"/>
+          </p:nvPr>
+        </p:nvSpPr>
+        <p:spPr/>
+        <p:txBody>
+          <a:bodyPr/>
+          <a:lstStyle/>
+          <a:p>
+            <a:r>
+              <a:rPr lang="en-US" dirty="0" smtClean="0"/>
+              <a:t>Getting started with Jasmine</a:t>
+            </a:r>
+            <a:endParaRPr lang="en-US" dirty="0"/>
+          </a:p>
+        </p:txBody>
+      </p:sp>
+      <p:sp>
+        <p:nvSpPr>
+          <p:cNvPr id="3" name="Content Placeholder 2"/>
+          <p:cNvSpPr>
+            <a:spLocks noGrp="1"/>
+          </p:cNvSpPr>
+          <p:nvPr>
+            <p:ph idx="1"/>
+          </p:nvPr>
+        </p:nvSpPr>
+        <p:spPr/>
+        <p:txBody>
+          <a:bodyPr>
+            <a:normAutofit lnSpcReduction="10000"/>
+          </a:bodyPr>
+          <a:lstStyle/>
+          <a:p>
+            <a:r>
+              <a:rPr lang="en-US" dirty="0" smtClean="0"/>
+              <a:t>Let’s first example the spec file provided by Jasmine which you will need to modify</a:t>
+            </a:r>
+          </a:p>
+          <a:p>
+            <a:endParaRPr lang="en-US" dirty="0"/>
+          </a:p>
+          <a:p>
+            <a:pPr marL="558430" lvl="0" indent="-484318" defTabSz="992764">
+              <a:lnSpc>
+                <a:spcPct val="100000"/>
+              </a:lnSpc>
+              <a:spcBef>
+                <a:spcPts val="0"/>
+              </a:spcBef>
+              <a:spcAft>
+                <a:spcPts val="0"/>
+              </a:spcAft>
+              <a:buClr>
+                <a:prstClr val="black"/>
+              </a:buClr>
+              <a:buSzPct val="80000"/>
+              <a:buFont typeface="+mj-lt"/>
+              <a:buAutoNum type="arabicPeriod"/>
+              <a:tabLst>
+                <a:tab pos="198553" algn="l"/>
+              </a:tabLst>
+            </a:pPr>
+            <a:r>
+              <a:rPr lang="en-US" sz="1800" dirty="0">
+                <a:solidFill>
+                  <a:prstClr val="black"/>
+                </a:solidFill>
+                <a:latin typeface="Courier New" pitchFamily="49" charset="0"/>
+                <a:cs typeface="Courier New" pitchFamily="49" charset="0"/>
+              </a:rPr>
+              <a:t>&lt;script </a:t>
+            </a:r>
+            <a:r>
+              <a:rPr lang="en-US" sz="1800" dirty="0" err="1">
+                <a:solidFill>
+                  <a:prstClr val="black"/>
+                </a:solidFill>
+                <a:latin typeface="Courier New" pitchFamily="49" charset="0"/>
+                <a:cs typeface="Courier New" pitchFamily="49" charset="0"/>
+              </a:rPr>
+              <a:t>src</a:t>
+            </a:r>
+            <a:r>
+              <a:rPr lang="en-US" sz="1800" dirty="0">
+                <a:solidFill>
+                  <a:prstClr val="black"/>
+                </a:solidFill>
+                <a:latin typeface="Courier New" pitchFamily="49" charset="0"/>
+                <a:cs typeface="Courier New" pitchFamily="49" charset="0"/>
+              </a:rPr>
+              <a:t>="$JASMINE_HOME/</a:t>
+            </a:r>
+            <a:r>
+              <a:rPr lang="en-US" sz="1800" dirty="0" err="1">
+                <a:solidFill>
+                  <a:prstClr val="black"/>
+                </a:solidFill>
+                <a:latin typeface="Courier New" pitchFamily="49" charset="0"/>
+                <a:cs typeface="Courier New" pitchFamily="49" charset="0"/>
+              </a:rPr>
+              <a:t>jasmine.js</a:t>
+            </a:r>
+            <a:r>
+              <a:rPr lang="en-US" sz="1800" dirty="0">
+                <a:solidFill>
+                  <a:prstClr val="black"/>
+                </a:solidFill>
+                <a:latin typeface="Courier New" pitchFamily="49" charset="0"/>
+                <a:cs typeface="Courier New" pitchFamily="49" charset="0"/>
+              </a:rPr>
+              <a:t>"&gt;&lt;/script&gt;</a:t>
+            </a:r>
+          </a:p>
+          <a:p>
+            <a:pPr marL="558430" lvl="0" indent="-484318" defTabSz="992764">
+              <a:lnSpc>
+                <a:spcPct val="100000"/>
+              </a:lnSpc>
+              <a:spcBef>
+                <a:spcPts val="0"/>
+              </a:spcBef>
+              <a:spcAft>
+                <a:spcPts val="0"/>
+              </a:spcAft>
+              <a:buClr>
+                <a:prstClr val="black"/>
+              </a:buClr>
+              <a:buSzPct val="80000"/>
+              <a:buFont typeface="+mj-lt"/>
+              <a:buAutoNum type="arabicPeriod"/>
+              <a:tabLst>
+                <a:tab pos="198553" algn="l"/>
+              </a:tabLst>
+            </a:pPr>
+            <a:r>
+              <a:rPr lang="en-US" sz="1800" dirty="0">
+                <a:solidFill>
+                  <a:prstClr val="black"/>
+                </a:solidFill>
+                <a:latin typeface="Courier New" pitchFamily="49" charset="0"/>
+                <a:cs typeface="Courier New" pitchFamily="49" charset="0"/>
+              </a:rPr>
+              <a:t>&lt;script </a:t>
+            </a:r>
+            <a:r>
+              <a:rPr lang="en-US" sz="1800" dirty="0" err="1">
+                <a:solidFill>
+                  <a:prstClr val="black"/>
+                </a:solidFill>
+                <a:latin typeface="Courier New" pitchFamily="49" charset="0"/>
+                <a:cs typeface="Courier New" pitchFamily="49" charset="0"/>
+              </a:rPr>
+              <a:t>src</a:t>
+            </a:r>
+            <a:r>
+              <a:rPr lang="en-US" sz="1800" dirty="0">
+                <a:solidFill>
+                  <a:prstClr val="black"/>
+                </a:solidFill>
+                <a:latin typeface="Courier New" pitchFamily="49" charset="0"/>
+                <a:cs typeface="Courier New" pitchFamily="49" charset="0"/>
+              </a:rPr>
+              <a:t>="$JASMINE_HOME/jasmine-</a:t>
+            </a:r>
+            <a:r>
+              <a:rPr lang="en-US" sz="1800" dirty="0" err="1">
+                <a:solidFill>
+                  <a:prstClr val="black"/>
+                </a:solidFill>
+                <a:latin typeface="Courier New" pitchFamily="49" charset="0"/>
+                <a:cs typeface="Courier New" pitchFamily="49" charset="0"/>
+              </a:rPr>
+              <a:t>html.js</a:t>
+            </a:r>
+            <a:r>
+              <a:rPr lang="en-US" sz="1800" dirty="0">
+                <a:solidFill>
+                  <a:prstClr val="black"/>
+                </a:solidFill>
+                <a:latin typeface="Courier New" pitchFamily="49" charset="0"/>
+                <a:cs typeface="Courier New" pitchFamily="49" charset="0"/>
+              </a:rPr>
+              <a:t>"&gt;&lt;/script&gt;</a:t>
+            </a:r>
+          </a:p>
+          <a:p>
+            <a:pPr marL="558430" lvl="0" indent="-484318" defTabSz="992764">
+              <a:lnSpc>
+                <a:spcPct val="100000"/>
+              </a:lnSpc>
+              <a:spcBef>
+                <a:spcPts val="0"/>
+              </a:spcBef>
+              <a:spcAft>
+                <a:spcPts val="0"/>
+              </a:spcAft>
+              <a:buClr>
+                <a:prstClr val="black"/>
+              </a:buClr>
+              <a:buSzPct val="80000"/>
+              <a:buFont typeface="+mj-lt"/>
+              <a:buAutoNum type="arabicPeriod"/>
+              <a:tabLst>
+                <a:tab pos="198553" algn="l"/>
+              </a:tabLst>
+            </a:pPr>
+            <a:r>
+              <a:rPr lang="en-US" sz="1800" dirty="0">
+                <a:solidFill>
+                  <a:prstClr val="black"/>
+                </a:solidFill>
+                <a:latin typeface="Courier New" pitchFamily="49" charset="0"/>
+                <a:cs typeface="Courier New" pitchFamily="49" charset="0"/>
+              </a:rPr>
+              <a:t>&lt;script </a:t>
+            </a:r>
+            <a:r>
+              <a:rPr lang="en-US" sz="1800" dirty="0" err="1">
+                <a:solidFill>
+                  <a:prstClr val="black"/>
+                </a:solidFill>
+                <a:latin typeface="Courier New" pitchFamily="49" charset="0"/>
+                <a:cs typeface="Courier New" pitchFamily="49" charset="0"/>
+              </a:rPr>
+              <a:t>src</a:t>
+            </a:r>
+            <a:r>
+              <a:rPr lang="en-US" sz="1800" dirty="0">
+                <a:solidFill>
+                  <a:prstClr val="black"/>
+                </a:solidFill>
+                <a:latin typeface="Courier New" pitchFamily="49" charset="0"/>
+                <a:cs typeface="Courier New" pitchFamily="49" charset="0"/>
+              </a:rPr>
+              <a:t>="$JASMINE_HOME/</a:t>
+            </a:r>
+            <a:r>
+              <a:rPr lang="en-US" sz="1800" dirty="0" err="1">
+                <a:solidFill>
+                  <a:prstClr val="black"/>
+                </a:solidFill>
+                <a:latin typeface="Courier New" pitchFamily="49" charset="0"/>
+                <a:cs typeface="Courier New" pitchFamily="49" charset="0"/>
+              </a:rPr>
+              <a:t>boot.js</a:t>
+            </a:r>
+            <a:r>
+              <a:rPr lang="en-US" sz="1800" dirty="0">
+                <a:solidFill>
+                  <a:prstClr val="black"/>
+                </a:solidFill>
+                <a:latin typeface="Courier New" pitchFamily="49" charset="0"/>
+                <a:cs typeface="Courier New" pitchFamily="49" charset="0"/>
+              </a:rPr>
+              <a:t>"&gt;&lt;/script&gt;</a:t>
+            </a:r>
+          </a:p>
+          <a:p>
+            <a:pPr marL="558430" lvl="0" indent="-484318" defTabSz="992764">
+              <a:lnSpc>
+                <a:spcPct val="100000"/>
+              </a:lnSpc>
+              <a:spcBef>
+                <a:spcPts val="0"/>
+              </a:spcBef>
+              <a:spcAft>
+                <a:spcPts val="0"/>
+              </a:spcAft>
+              <a:buClr>
+                <a:prstClr val="black"/>
+              </a:buClr>
+              <a:buSzPct val="80000"/>
+              <a:buFont typeface="+mj-lt"/>
+              <a:buAutoNum type="arabicPeriod"/>
+              <a:tabLst>
+                <a:tab pos="198553" algn="l"/>
+              </a:tabLst>
+            </a:pPr>
+            <a:endParaRPr lang="en-US" dirty="0">
+              <a:solidFill>
+                <a:prstClr val="black"/>
+              </a:solidFill>
+              <a:latin typeface="Courier New" pitchFamily="49" charset="0"/>
+              <a:cs typeface="Courier New" pitchFamily="49" charset="0"/>
+            </a:endParaRPr>
+          </a:p>
+          <a:p>
+            <a:pPr marL="558430" lvl="0" indent="-484318" defTabSz="992764">
+              <a:lnSpc>
+                <a:spcPct val="100000"/>
+              </a:lnSpc>
+              <a:spcBef>
+                <a:spcPts val="0"/>
+              </a:spcBef>
+              <a:spcAft>
+                <a:spcPts val="0"/>
+              </a:spcAft>
+              <a:buClr>
+                <a:prstClr val="black"/>
+              </a:buClr>
+              <a:buSzPct val="80000"/>
+              <a:buFont typeface="+mj-lt"/>
+              <a:buAutoNum type="arabicPeriod"/>
+              <a:tabLst>
+                <a:tab pos="198553" algn="l"/>
+              </a:tabLst>
+            </a:pPr>
+            <a:r>
+              <a:rPr lang="en-US" sz="1800" dirty="0">
+                <a:solidFill>
+                  <a:prstClr val="black"/>
+                </a:solidFill>
+                <a:latin typeface="Courier New" pitchFamily="49" charset="0"/>
+                <a:cs typeface="Courier New" pitchFamily="49" charset="0"/>
+              </a:rPr>
+              <a:t>&lt;!-- include source files here... --&gt;</a:t>
+            </a:r>
+          </a:p>
+          <a:p>
+            <a:pPr marL="558430" lvl="0" indent="-484318" defTabSz="992764">
+              <a:lnSpc>
+                <a:spcPct val="100000"/>
+              </a:lnSpc>
+              <a:spcBef>
+                <a:spcPts val="0"/>
+              </a:spcBef>
+              <a:spcAft>
+                <a:spcPts val="0"/>
+              </a:spcAft>
+              <a:buClr>
+                <a:prstClr val="black"/>
+              </a:buClr>
+              <a:buSzPct val="80000"/>
+              <a:buFont typeface="+mj-lt"/>
+              <a:buAutoNum type="arabicPeriod"/>
+              <a:tabLst>
+                <a:tab pos="198553" algn="l"/>
+              </a:tabLst>
+            </a:pPr>
+            <a:r>
+              <a:rPr lang="en-US" sz="1800" dirty="0">
+                <a:solidFill>
+                  <a:prstClr val="black"/>
+                </a:solidFill>
+                <a:latin typeface="Courier New" pitchFamily="49" charset="0"/>
+                <a:cs typeface="Courier New" pitchFamily="49" charset="0"/>
+              </a:rPr>
+              <a:t>&lt;script </a:t>
+            </a:r>
+            <a:r>
+              <a:rPr lang="en-US" sz="1800" dirty="0" err="1">
+                <a:solidFill>
+                  <a:prstClr val="black"/>
+                </a:solidFill>
+                <a:latin typeface="Courier New" pitchFamily="49" charset="0"/>
+                <a:cs typeface="Courier New" pitchFamily="49" charset="0"/>
+              </a:rPr>
+              <a:t>src</a:t>
+            </a:r>
+            <a:r>
+              <a:rPr lang="en-US" sz="1800" dirty="0">
+                <a:solidFill>
+                  <a:prstClr val="black"/>
+                </a:solidFill>
+                <a:latin typeface="Courier New" pitchFamily="49" charset="0"/>
+                <a:cs typeface="Courier New" pitchFamily="49" charset="0"/>
+              </a:rPr>
+              <a:t>="</a:t>
+            </a:r>
+            <a:r>
+              <a:rPr lang="en-US" sz="1800" b="1" dirty="0">
+                <a:solidFill>
+                  <a:prstClr val="black"/>
+                </a:solidFill>
+                <a:latin typeface="Courier New" pitchFamily="49" charset="0"/>
+                <a:cs typeface="Courier New" pitchFamily="49" charset="0"/>
+              </a:rPr>
+              <a:t>$JS_LIB_HOME/</a:t>
+            </a:r>
+            <a:r>
+              <a:rPr lang="en-US" sz="1800" b="1" dirty="0" err="1">
+                <a:solidFill>
+                  <a:prstClr val="black"/>
+                </a:solidFill>
+                <a:latin typeface="Courier New" pitchFamily="49" charset="0"/>
+                <a:cs typeface="Courier New" pitchFamily="49" charset="0"/>
+              </a:rPr>
+              <a:t>angular.js</a:t>
+            </a:r>
+            <a:r>
+              <a:rPr lang="en-US" sz="1800" dirty="0">
+                <a:solidFill>
+                  <a:prstClr val="black"/>
+                </a:solidFill>
+                <a:latin typeface="Courier New" pitchFamily="49" charset="0"/>
+                <a:cs typeface="Courier New" pitchFamily="49" charset="0"/>
+              </a:rPr>
+              <a:t>"&gt;&lt;/script&gt;</a:t>
+            </a:r>
+          </a:p>
+          <a:p>
+            <a:pPr marL="558430" lvl="0" indent="-484318" defTabSz="992764">
+              <a:lnSpc>
+                <a:spcPct val="100000"/>
+              </a:lnSpc>
+              <a:spcBef>
+                <a:spcPts val="0"/>
+              </a:spcBef>
+              <a:spcAft>
+                <a:spcPts val="0"/>
+              </a:spcAft>
+              <a:buClr>
+                <a:prstClr val="black"/>
+              </a:buClr>
+              <a:buSzPct val="80000"/>
+              <a:buFont typeface="+mj-lt"/>
+              <a:buAutoNum type="arabicPeriod"/>
+              <a:tabLst>
+                <a:tab pos="198553" algn="l"/>
+              </a:tabLst>
+            </a:pPr>
+            <a:r>
+              <a:rPr lang="en-US" sz="1800" dirty="0">
+                <a:solidFill>
+                  <a:prstClr val="black"/>
+                </a:solidFill>
+                <a:latin typeface="Courier New" pitchFamily="49" charset="0"/>
+                <a:cs typeface="Courier New" pitchFamily="49" charset="0"/>
+              </a:rPr>
+              <a:t>&lt;script </a:t>
+            </a:r>
+            <a:r>
+              <a:rPr lang="en-US" sz="1800" dirty="0" err="1">
+                <a:solidFill>
+                  <a:prstClr val="black"/>
+                </a:solidFill>
+                <a:latin typeface="Courier New" pitchFamily="49" charset="0"/>
+                <a:cs typeface="Courier New" pitchFamily="49" charset="0"/>
+              </a:rPr>
+              <a:t>src</a:t>
+            </a:r>
+            <a:r>
+              <a:rPr lang="en-US" sz="1800" dirty="0">
+                <a:solidFill>
+                  <a:prstClr val="black"/>
+                </a:solidFill>
+                <a:latin typeface="Courier New" pitchFamily="49" charset="0"/>
+                <a:cs typeface="Courier New" pitchFamily="49" charset="0"/>
+              </a:rPr>
+              <a:t>="</a:t>
+            </a:r>
+            <a:r>
+              <a:rPr lang="en-US" sz="1800" b="1" dirty="0">
+                <a:solidFill>
+                  <a:prstClr val="black"/>
+                </a:solidFill>
+                <a:latin typeface="Courier New" pitchFamily="49" charset="0"/>
+                <a:cs typeface="Courier New" pitchFamily="49" charset="0"/>
+              </a:rPr>
+              <a:t>$JS_LIB_HOME/angular-</a:t>
+            </a:r>
+            <a:r>
+              <a:rPr lang="en-US" sz="1800" b="1" dirty="0" err="1">
+                <a:solidFill>
+                  <a:prstClr val="black"/>
+                </a:solidFill>
+                <a:latin typeface="Courier New" pitchFamily="49" charset="0"/>
+                <a:cs typeface="Courier New" pitchFamily="49" charset="0"/>
+              </a:rPr>
+              <a:t>mocks.js</a:t>
+            </a:r>
+            <a:r>
+              <a:rPr lang="en-US" sz="1800" dirty="0">
+                <a:solidFill>
+                  <a:prstClr val="black"/>
+                </a:solidFill>
+                <a:latin typeface="Courier New" pitchFamily="49" charset="0"/>
+                <a:cs typeface="Courier New" pitchFamily="49" charset="0"/>
+              </a:rPr>
+              <a:t>"&gt;&lt;/script&gt;</a:t>
+            </a:r>
+          </a:p>
+          <a:p>
+            <a:pPr marL="558430" lvl="0" indent="-484318" defTabSz="992764">
+              <a:lnSpc>
+                <a:spcPct val="100000"/>
+              </a:lnSpc>
+              <a:spcBef>
+                <a:spcPts val="0"/>
+              </a:spcBef>
+              <a:spcAft>
+                <a:spcPts val="0"/>
+              </a:spcAft>
+              <a:buClr>
+                <a:prstClr val="black"/>
+              </a:buClr>
+              <a:buSzPct val="80000"/>
+              <a:buFont typeface="+mj-lt"/>
+              <a:buAutoNum type="arabicPeriod"/>
+              <a:tabLst>
+                <a:tab pos="198553" algn="l"/>
+              </a:tabLst>
+            </a:pPr>
+            <a:r>
+              <a:rPr lang="en-US" sz="1800" dirty="0">
+                <a:solidFill>
+                  <a:prstClr val="black"/>
+                </a:solidFill>
+                <a:latin typeface="Courier New" pitchFamily="49" charset="0"/>
+                <a:cs typeface="Courier New" pitchFamily="49" charset="0"/>
+              </a:rPr>
+              <a:t>&lt;!-- File under test --&gt;</a:t>
+            </a:r>
+          </a:p>
+          <a:p>
+            <a:pPr marL="558430" lvl="0" indent="-484318" defTabSz="992764">
+              <a:lnSpc>
+                <a:spcPct val="100000"/>
+              </a:lnSpc>
+              <a:spcBef>
+                <a:spcPts val="0"/>
+              </a:spcBef>
+              <a:spcAft>
+                <a:spcPts val="0"/>
+              </a:spcAft>
+              <a:buClr>
+                <a:prstClr val="black"/>
+              </a:buClr>
+              <a:buSzPct val="80000"/>
+              <a:buFont typeface="+mj-lt"/>
+              <a:buAutoNum type="arabicPeriod"/>
+              <a:tabLst>
+                <a:tab pos="198553" algn="l"/>
+              </a:tabLst>
+            </a:pPr>
+            <a:r>
+              <a:rPr lang="en-US" sz="1800" dirty="0">
+                <a:solidFill>
+                  <a:prstClr val="black"/>
+                </a:solidFill>
+                <a:latin typeface="Courier New" pitchFamily="49" charset="0"/>
+                <a:cs typeface="Courier New" pitchFamily="49" charset="0"/>
+              </a:rPr>
+              <a:t>&lt;script </a:t>
+            </a:r>
+            <a:r>
+              <a:rPr lang="en-US" sz="1800" dirty="0" err="1">
+                <a:solidFill>
+                  <a:prstClr val="black"/>
+                </a:solidFill>
+                <a:latin typeface="Courier New" pitchFamily="49" charset="0"/>
+                <a:cs typeface="Courier New" pitchFamily="49" charset="0"/>
+              </a:rPr>
+              <a:t>src</a:t>
+            </a:r>
+            <a:r>
+              <a:rPr lang="en-US" sz="1800" dirty="0" smtClean="0">
+                <a:solidFill>
+                  <a:prstClr val="black"/>
+                </a:solidFill>
+                <a:latin typeface="Courier New" pitchFamily="49" charset="0"/>
+                <a:cs typeface="Courier New" pitchFamily="49" charset="0"/>
+              </a:rPr>
+              <a:t>="</a:t>
+            </a:r>
+            <a:r>
+              <a:rPr lang="en-US" sz="1800" b="1" dirty="0" err="1" smtClean="0">
+                <a:solidFill>
+                  <a:prstClr val="black"/>
+                </a:solidFill>
+                <a:latin typeface="Courier New" pitchFamily="49" charset="0"/>
+                <a:cs typeface="Courier New" pitchFamily="49" charset="0"/>
+              </a:rPr>
+              <a:t>controllers.js</a:t>
+            </a:r>
+            <a:r>
+              <a:rPr lang="en-US" sz="1800" dirty="0">
+                <a:solidFill>
+                  <a:prstClr val="black"/>
+                </a:solidFill>
+                <a:latin typeface="Courier New" pitchFamily="49" charset="0"/>
+                <a:cs typeface="Courier New" pitchFamily="49" charset="0"/>
+              </a:rPr>
+              <a:t>"&gt;&lt;/script&gt;</a:t>
+            </a:r>
+          </a:p>
+          <a:p>
+            <a:pPr marL="558430" lvl="0" indent="-484318" defTabSz="992764">
+              <a:lnSpc>
+                <a:spcPct val="100000"/>
+              </a:lnSpc>
+              <a:spcBef>
+                <a:spcPts val="0"/>
+              </a:spcBef>
+              <a:spcAft>
+                <a:spcPts val="0"/>
+              </a:spcAft>
+              <a:buClr>
+                <a:prstClr val="black"/>
+              </a:buClr>
+              <a:buSzPct val="80000"/>
+              <a:buFont typeface="+mj-lt"/>
+              <a:buAutoNum type="arabicPeriod"/>
+              <a:tabLst>
+                <a:tab pos="198553" algn="l"/>
+              </a:tabLst>
+            </a:pPr>
+            <a:endParaRPr lang="en-US" sz="1800" dirty="0">
+              <a:solidFill>
+                <a:prstClr val="black"/>
+              </a:solidFill>
+              <a:latin typeface="Courier New" pitchFamily="49" charset="0"/>
+              <a:cs typeface="Courier New" pitchFamily="49" charset="0"/>
+            </a:endParaRPr>
+          </a:p>
+          <a:p>
+            <a:pPr marL="558430" lvl="0" indent="-484318" defTabSz="992764">
+              <a:lnSpc>
+                <a:spcPct val="100000"/>
+              </a:lnSpc>
+              <a:spcBef>
+                <a:spcPts val="0"/>
+              </a:spcBef>
+              <a:spcAft>
+                <a:spcPts val="0"/>
+              </a:spcAft>
+              <a:buClr>
+                <a:prstClr val="black"/>
+              </a:buClr>
+              <a:buSzPct val="80000"/>
+              <a:buFont typeface="+mj-lt"/>
+              <a:buAutoNum type="arabicPeriod"/>
+              <a:tabLst>
+                <a:tab pos="198553" algn="l"/>
+              </a:tabLst>
+            </a:pPr>
+            <a:r>
+              <a:rPr lang="en-US" sz="1800" dirty="0">
+                <a:solidFill>
+                  <a:prstClr val="black"/>
+                </a:solidFill>
+                <a:latin typeface="Courier New" pitchFamily="49" charset="0"/>
+                <a:cs typeface="Courier New" pitchFamily="49" charset="0"/>
+              </a:rPr>
+              <a:t>&lt;!-- include spec files here... --&gt;</a:t>
+            </a:r>
+          </a:p>
+          <a:p>
+            <a:pPr marL="558430" lvl="0" indent="-484318" defTabSz="992764">
+              <a:lnSpc>
+                <a:spcPct val="100000"/>
+              </a:lnSpc>
+              <a:spcBef>
+                <a:spcPts val="0"/>
+              </a:spcBef>
+              <a:spcAft>
+                <a:spcPts val="0"/>
+              </a:spcAft>
+              <a:buClr>
+                <a:prstClr val="black"/>
+              </a:buClr>
+              <a:buSzPct val="80000"/>
+              <a:buFont typeface="+mj-lt"/>
+              <a:buAutoNum type="arabicPeriod"/>
+              <a:tabLst>
+                <a:tab pos="198553" algn="l"/>
+              </a:tabLst>
+            </a:pPr>
+            <a:r>
+              <a:rPr lang="en-US" sz="1800" dirty="0">
+                <a:solidFill>
+                  <a:prstClr val="black"/>
+                </a:solidFill>
+                <a:latin typeface="Courier New" pitchFamily="49" charset="0"/>
+                <a:cs typeface="Courier New" pitchFamily="49" charset="0"/>
+              </a:rPr>
+              <a:t>&lt;script </a:t>
+            </a:r>
+            <a:r>
+              <a:rPr lang="en-US" sz="1800" dirty="0" err="1">
+                <a:solidFill>
+                  <a:prstClr val="black"/>
+                </a:solidFill>
+                <a:latin typeface="Courier New" pitchFamily="49" charset="0"/>
+                <a:cs typeface="Courier New" pitchFamily="49" charset="0"/>
+              </a:rPr>
+              <a:t>src</a:t>
+            </a:r>
+            <a:r>
+              <a:rPr lang="en-US" sz="1800" dirty="0" smtClean="0">
+                <a:solidFill>
+                  <a:prstClr val="black"/>
+                </a:solidFill>
+                <a:latin typeface="Courier New" pitchFamily="49" charset="0"/>
+                <a:cs typeface="Courier New" pitchFamily="49" charset="0"/>
+              </a:rPr>
+              <a:t>="</a:t>
+            </a:r>
+            <a:r>
+              <a:rPr lang="en-US" sz="1800" b="1" dirty="0" smtClean="0">
+                <a:solidFill>
+                  <a:prstClr val="black"/>
+                </a:solidFill>
+                <a:latin typeface="Courier New" pitchFamily="49" charset="0"/>
+                <a:cs typeface="Courier New" pitchFamily="49" charset="0"/>
+              </a:rPr>
+              <a:t>controller-</a:t>
+            </a:r>
+            <a:r>
+              <a:rPr lang="en-US" sz="1800" b="1" dirty="0" err="1" smtClean="0">
+                <a:solidFill>
+                  <a:prstClr val="black"/>
+                </a:solidFill>
+                <a:latin typeface="Courier New" pitchFamily="49" charset="0"/>
+                <a:cs typeface="Courier New" pitchFamily="49" charset="0"/>
+              </a:rPr>
+              <a:t>tests.js</a:t>
+            </a:r>
+            <a:r>
+              <a:rPr lang="en-US" sz="1800" dirty="0">
+                <a:solidFill>
+                  <a:prstClr val="black"/>
+                </a:solidFill>
+                <a:latin typeface="Courier New" pitchFamily="49" charset="0"/>
+                <a:cs typeface="Courier New" pitchFamily="49" charset="0"/>
+              </a:rPr>
+              <a:t>"&gt;&lt;/script&gt;</a:t>
+            </a:r>
+          </a:p>
+          <a:p>
+            <a:endParaRPr lang="en-US" dirty="0"/>
+          </a:p>
+        </p:txBody>
+      </p:sp>
+    </p:spTree>
+    <p:extLst>
+      <p:ext uri="{BB962C8B-B14F-4D97-AF65-F5344CB8AC3E}">
+        <p14:creationId xmlns:p14="http://schemas.microsoft.com/office/powerpoint/2010/main" val="422876663"/>
+      </p:ext>
+    </p:extLst>
+  </p:cSld>
+  <p:clrMapOvr>
+    <a:masterClrMapping/>
+  </p:clrMapOvr>
+</p:sld>
+</file>
+
+<file path=ppt/slides/slide49.xml><?xml version="1.0" encoding="utf-8"?>
+<p:sld xmlns:a="http://schemas.openxmlformats.org/drawingml/2006/main" xmlns:r="http://schemas.openxmlformats.org/officeDocument/2006/relationships" xmlns:p="http://schemas.openxmlformats.org/presentationml/2006/main">
+  <p:cSld>
+    <p:spTree>
+      <p:nvGrpSpPr>
+        <p:cNvPr id="1" name=""/>
+        <p:cNvGrpSpPr/>
+        <p:nvPr/>
+      </p:nvGrpSpPr>
+      <p:grpSpPr>
+        <a:xfrm>
+          <a:off x="0" y="0"/>
+          <a:ext cx="0" cy="0"/>
+          <a:chOff x="0" y="0"/>
+          <a:chExt cx="0" cy="0"/>
+        </a:xfrm>
+      </p:grpSpPr>
+      <p:sp>
+        <p:nvSpPr>
+          <p:cNvPr id="2" name="Title 1"/>
+          <p:cNvSpPr>
+            <a:spLocks noGrp="1"/>
+          </p:cNvSpPr>
+          <p:nvPr>
+            <p:ph type="title"/>
+          </p:nvPr>
+        </p:nvSpPr>
+        <p:spPr/>
+        <p:txBody>
+          <a:bodyPr/>
+          <a:lstStyle/>
+          <a:p>
+            <a:r>
+              <a:rPr lang="en-US" dirty="0" smtClean="0"/>
+              <a:t>Anatomy of the Tests</a:t>
+            </a:r>
+            <a:endParaRPr lang="en-US" dirty="0"/>
+          </a:p>
+        </p:txBody>
+      </p:sp>
+      <p:sp>
+        <p:nvSpPr>
+          <p:cNvPr id="3" name="Content Placeholder 2"/>
+          <p:cNvSpPr>
+            <a:spLocks noGrp="1"/>
+          </p:cNvSpPr>
+          <p:nvPr>
+            <p:ph idx="1"/>
+          </p:nvPr>
+        </p:nvSpPr>
+        <p:spPr>
+          <a:xfrm>
+            <a:off x="5613400" y="1845734"/>
+            <a:ext cx="5542280" cy="4023360"/>
+          </a:xfrm>
+        </p:spPr>
+        <p:txBody>
+          <a:bodyPr/>
+          <a:lstStyle/>
+          <a:p>
+            <a:r>
+              <a:rPr lang="en-US" b="1" dirty="0"/>
+              <a:t>d</a:t>
+            </a:r>
+            <a:r>
+              <a:rPr lang="en-US" b="1" dirty="0" smtClean="0"/>
+              <a:t>escribe – </a:t>
+            </a:r>
+            <a:r>
+              <a:rPr lang="en-US" dirty="0" smtClean="0"/>
+              <a:t>Acts as a container and defines the scope of your tests. You can nest describes within describes in order to control what happens before each or all tests within the describe block</a:t>
+            </a:r>
+          </a:p>
+          <a:p>
+            <a:r>
+              <a:rPr lang="en-US" b="1" dirty="0" err="1" smtClean="0"/>
+              <a:t>beforeAll</a:t>
+            </a:r>
+            <a:r>
+              <a:rPr lang="en-US" b="1" dirty="0" smtClean="0"/>
+              <a:t>/</a:t>
+            </a:r>
+            <a:r>
+              <a:rPr lang="en-US" b="1" dirty="0" err="1" smtClean="0"/>
+              <a:t>afterAll</a:t>
+            </a:r>
+            <a:r>
+              <a:rPr lang="en-US" b="1" dirty="0" smtClean="0"/>
+              <a:t> – </a:t>
+            </a:r>
+            <a:r>
+              <a:rPr lang="en-US" dirty="0" smtClean="0"/>
+              <a:t>This will execute one time within the describe statement that they are contained</a:t>
+            </a:r>
+            <a:endParaRPr lang="en-US" dirty="0"/>
+          </a:p>
+          <a:p>
+            <a:r>
+              <a:rPr lang="en-US" b="1" dirty="0" err="1" smtClean="0"/>
+              <a:t>beforeEach</a:t>
+            </a:r>
+            <a:r>
+              <a:rPr lang="en-US" b="1" dirty="0" smtClean="0"/>
+              <a:t>/</a:t>
+            </a:r>
+            <a:r>
+              <a:rPr lang="en-US" b="1" dirty="0" err="1" smtClean="0"/>
+              <a:t>afterAll</a:t>
+            </a:r>
+            <a:r>
+              <a:rPr lang="en-US" dirty="0"/>
+              <a:t> </a:t>
+            </a:r>
+            <a:r>
+              <a:rPr lang="en-US" dirty="0" smtClean="0"/>
+              <a:t>– This will execute before and after each </a:t>
+            </a:r>
+            <a:r>
+              <a:rPr lang="en-US" i="1" dirty="0" smtClean="0"/>
+              <a:t>it</a:t>
+            </a:r>
+            <a:r>
+              <a:rPr lang="en-US" dirty="0"/>
+              <a:t> </a:t>
+            </a:r>
+            <a:r>
+              <a:rPr lang="en-US" dirty="0" smtClean="0"/>
+              <a:t>segment contained within the parent describe</a:t>
+            </a:r>
+          </a:p>
+          <a:p>
+            <a:r>
+              <a:rPr lang="en-US" b="1" dirty="0" smtClean="0"/>
+              <a:t>it – </a:t>
+            </a:r>
+            <a:r>
+              <a:rPr lang="en-US" dirty="0" smtClean="0"/>
+              <a:t>This is the test fixture; the place where your assertions and test logic runs.</a:t>
+            </a:r>
+            <a:endParaRPr lang="en-US" b="1" dirty="0"/>
+          </a:p>
+        </p:txBody>
+      </p:sp>
+      <p:sp>
+        <p:nvSpPr>
+          <p:cNvPr id="4" name="Rectangle 3"/>
+          <p:cNvSpPr/>
+          <p:nvPr/>
+        </p:nvSpPr>
+        <p:spPr>
+          <a:xfrm>
+            <a:off x="1097280" y="2514600"/>
+            <a:ext cx="3271520" cy="2766060"/>
+          </a:xfrm>
+          <a:prstGeom prst="rect">
+            <a:avLst/>
+          </a:prstGeom>
+        </p:spPr>
+        <p:style>
+          <a:lnRef idx="2">
+            <a:schemeClr val="accent1">
+              <a:shade val="50000"/>
+            </a:schemeClr>
+          </a:lnRef>
+          <a:fillRef idx="1">
+            <a:schemeClr val="accent1"/>
+          </a:fillRef>
+          <a:effectRef idx="0">
+            <a:schemeClr val="accent1"/>
+          </a:effectRef>
+          <a:fontRef idx="minor">
+            <a:schemeClr val="lt1"/>
+          </a:fontRef>
+        </p:style>
+        <p:txBody>
+          <a:bodyPr rtlCol="0" anchor="t" anchorCtr="0"/>
+          <a:lstStyle/>
+          <a:p>
+            <a:pPr algn="ctr"/>
+            <a:r>
+              <a:rPr lang="en-US" dirty="0" smtClean="0"/>
+              <a:t>describe(</a:t>
+            </a:r>
+            <a:r>
+              <a:rPr lang="en-US" dirty="0" err="1" smtClean="0"/>
+              <a:t>msg</a:t>
+            </a:r>
+            <a:r>
+              <a:rPr lang="en-US" dirty="0" smtClean="0"/>
+              <a:t>, </a:t>
+            </a:r>
+            <a:r>
+              <a:rPr lang="en-US" dirty="0" err="1" smtClean="0"/>
+              <a:t>fn</a:t>
+            </a:r>
+            <a:r>
+              <a:rPr lang="en-US" dirty="0" smtClean="0"/>
+              <a:t>)</a:t>
+            </a:r>
+            <a:endParaRPr lang="en-US" dirty="0"/>
+          </a:p>
+        </p:txBody>
+      </p:sp>
+      <p:sp>
+        <p:nvSpPr>
+          <p:cNvPr id="5" name="Rectangle 4"/>
+          <p:cNvSpPr/>
+          <p:nvPr/>
+        </p:nvSpPr>
+        <p:spPr>
+          <a:xfrm>
+            <a:off x="1306830" y="2921000"/>
+            <a:ext cx="2852420" cy="393700"/>
+          </a:xfrm>
+          <a:prstGeom prst="rect">
+            <a:avLst/>
+          </a:prstGeom>
+        </p:spPr>
+        <p:style>
+          <a:lnRef idx="2">
+            <a:schemeClr val="accent3">
+              <a:shade val="50000"/>
+            </a:schemeClr>
+          </a:lnRef>
+          <a:fillRef idx="1">
+            <a:schemeClr val="accent3"/>
+          </a:fillRef>
+          <a:effectRef idx="0">
+            <a:schemeClr val="accent3"/>
+          </a:effectRef>
+          <a:fontRef idx="minor">
+            <a:schemeClr val="lt1"/>
+          </a:fontRef>
+        </p:style>
+        <p:txBody>
+          <a:bodyPr rtlCol="0" anchor="ctr"/>
+          <a:lstStyle/>
+          <a:p>
+            <a:pPr algn="ctr"/>
+            <a:r>
+              <a:rPr lang="en-US" dirty="0" err="1" smtClean="0"/>
+              <a:t>beforeAll</a:t>
+            </a:r>
+            <a:r>
+              <a:rPr lang="en-US" dirty="0" smtClean="0"/>
+              <a:t>(</a:t>
+            </a:r>
+            <a:r>
+              <a:rPr lang="en-US" dirty="0" err="1" smtClean="0"/>
+              <a:t>fn</a:t>
+            </a:r>
+            <a:r>
+              <a:rPr lang="en-US" dirty="0" smtClean="0"/>
+              <a:t>)</a:t>
+            </a:r>
+            <a:endParaRPr lang="en-US" dirty="0"/>
+          </a:p>
+        </p:txBody>
+      </p:sp>
+      <p:sp>
+        <p:nvSpPr>
+          <p:cNvPr id="6" name="Rectangle 5"/>
+          <p:cNvSpPr/>
+          <p:nvPr/>
+        </p:nvSpPr>
+        <p:spPr>
+          <a:xfrm>
+            <a:off x="1306830" y="3314700"/>
+            <a:ext cx="2852420" cy="393700"/>
+          </a:xfrm>
+          <a:prstGeom prst="rect">
+            <a:avLst/>
+          </a:prstGeom>
+        </p:spPr>
+        <p:style>
+          <a:lnRef idx="2">
+            <a:schemeClr val="accent4">
+              <a:shade val="50000"/>
+            </a:schemeClr>
+          </a:lnRef>
+          <a:fillRef idx="1">
+            <a:schemeClr val="accent4"/>
+          </a:fillRef>
+          <a:effectRef idx="0">
+            <a:schemeClr val="accent4"/>
+          </a:effectRef>
+          <a:fontRef idx="minor">
+            <a:schemeClr val="lt1"/>
+          </a:fontRef>
+        </p:style>
+        <p:txBody>
+          <a:bodyPr rtlCol="0" anchor="ctr"/>
+          <a:lstStyle/>
+          <a:p>
+            <a:pPr algn="ctr"/>
+            <a:r>
+              <a:rPr lang="en-US" dirty="0" err="1" smtClean="0"/>
+              <a:t>beforeEach</a:t>
+            </a:r>
+            <a:r>
+              <a:rPr lang="en-US" dirty="0" smtClean="0"/>
+              <a:t>(</a:t>
+            </a:r>
+            <a:r>
+              <a:rPr lang="en-US" dirty="0" err="1" smtClean="0"/>
+              <a:t>fn</a:t>
+            </a:r>
+            <a:r>
+              <a:rPr lang="en-US" dirty="0" smtClean="0"/>
+              <a:t>)</a:t>
+            </a:r>
+            <a:endParaRPr lang="en-US" dirty="0"/>
+          </a:p>
+        </p:txBody>
+      </p:sp>
+      <p:sp>
+        <p:nvSpPr>
+          <p:cNvPr id="8" name="Rectangle 7"/>
+          <p:cNvSpPr/>
+          <p:nvPr/>
+        </p:nvSpPr>
+        <p:spPr>
+          <a:xfrm>
+            <a:off x="1313180" y="3710940"/>
+            <a:ext cx="2852420" cy="393700"/>
+          </a:xfrm>
+          <a:prstGeom prst="rect">
+            <a:avLst/>
+          </a:prstGeom>
+        </p:spPr>
+        <p:style>
+          <a:lnRef idx="2">
+            <a:schemeClr val="accent2">
+              <a:shade val="50000"/>
+            </a:schemeClr>
+          </a:lnRef>
+          <a:fillRef idx="1">
+            <a:schemeClr val="accent2"/>
+          </a:fillRef>
+          <a:effectRef idx="0">
+            <a:schemeClr val="accent2"/>
+          </a:effectRef>
+          <a:fontRef idx="minor">
+            <a:schemeClr val="lt1"/>
+          </a:fontRef>
+        </p:style>
+        <p:txBody>
+          <a:bodyPr rtlCol="0" anchor="ctr"/>
+          <a:lstStyle/>
+          <a:p>
+            <a:pPr algn="ctr"/>
+            <a:r>
+              <a:rPr lang="en-US" dirty="0" smtClean="0"/>
+              <a:t>it(</a:t>
+            </a:r>
+            <a:r>
+              <a:rPr lang="en-US" dirty="0" err="1" smtClean="0"/>
+              <a:t>msg</a:t>
+            </a:r>
+            <a:r>
+              <a:rPr lang="en-US" dirty="0" smtClean="0"/>
+              <a:t>, </a:t>
+            </a:r>
+            <a:r>
+              <a:rPr lang="en-US" dirty="0" err="1" smtClean="0"/>
+              <a:t>fn</a:t>
+            </a:r>
+            <a:r>
+              <a:rPr lang="en-US" dirty="0" smtClean="0"/>
+              <a:t>)</a:t>
+            </a:r>
+            <a:endParaRPr lang="en-US" dirty="0"/>
+          </a:p>
+        </p:txBody>
+      </p:sp>
+      <p:sp>
+        <p:nvSpPr>
+          <p:cNvPr id="9" name="Rectangle 8"/>
+          <p:cNvSpPr/>
+          <p:nvPr/>
+        </p:nvSpPr>
+        <p:spPr>
+          <a:xfrm>
+            <a:off x="1313180" y="4102100"/>
+            <a:ext cx="2852420" cy="393700"/>
+          </a:xfrm>
+          <a:prstGeom prst="rect">
+            <a:avLst/>
+          </a:prstGeom>
+        </p:spPr>
+        <p:style>
+          <a:lnRef idx="2">
+            <a:schemeClr val="accent4">
+              <a:shade val="50000"/>
+            </a:schemeClr>
+          </a:lnRef>
+          <a:fillRef idx="1">
+            <a:schemeClr val="accent4"/>
+          </a:fillRef>
+          <a:effectRef idx="0">
+            <a:schemeClr val="accent4"/>
+          </a:effectRef>
+          <a:fontRef idx="minor">
+            <a:schemeClr val="lt1"/>
+          </a:fontRef>
+        </p:style>
+        <p:txBody>
+          <a:bodyPr rtlCol="0" anchor="ctr"/>
+          <a:lstStyle/>
+          <a:p>
+            <a:pPr algn="ctr"/>
+            <a:r>
+              <a:rPr lang="en-US" dirty="0" err="1" smtClean="0"/>
+              <a:t>afterEach</a:t>
+            </a:r>
+            <a:r>
+              <a:rPr lang="en-US" dirty="0" smtClean="0"/>
+              <a:t>(</a:t>
+            </a:r>
+            <a:r>
+              <a:rPr lang="en-US" dirty="0" err="1" smtClean="0"/>
+              <a:t>fn</a:t>
+            </a:r>
+            <a:r>
+              <a:rPr lang="en-US" dirty="0" smtClean="0"/>
+              <a:t>)</a:t>
+            </a:r>
+            <a:endParaRPr lang="en-US" dirty="0"/>
+          </a:p>
+        </p:txBody>
+      </p:sp>
+      <p:sp>
+        <p:nvSpPr>
+          <p:cNvPr id="10" name="Rectangle 9"/>
+          <p:cNvSpPr/>
+          <p:nvPr/>
+        </p:nvSpPr>
+        <p:spPr>
+          <a:xfrm>
+            <a:off x="1313180" y="4495800"/>
+            <a:ext cx="2852420" cy="393700"/>
+          </a:xfrm>
+          <a:prstGeom prst="rect">
+            <a:avLst/>
+          </a:prstGeom>
+        </p:spPr>
+        <p:style>
+          <a:lnRef idx="2">
+            <a:schemeClr val="accent3">
+              <a:shade val="50000"/>
+            </a:schemeClr>
+          </a:lnRef>
+          <a:fillRef idx="1">
+            <a:schemeClr val="accent3"/>
+          </a:fillRef>
+          <a:effectRef idx="0">
+            <a:schemeClr val="accent3"/>
+          </a:effectRef>
+          <a:fontRef idx="minor">
+            <a:schemeClr val="lt1"/>
+          </a:fontRef>
+        </p:style>
+        <p:txBody>
+          <a:bodyPr rtlCol="0" anchor="ctr"/>
+          <a:lstStyle/>
+          <a:p>
+            <a:pPr algn="ctr"/>
+            <a:r>
+              <a:rPr lang="en-US" dirty="0" err="1" smtClean="0"/>
+              <a:t>afterAll</a:t>
+            </a:r>
+            <a:r>
+              <a:rPr lang="en-US" dirty="0" smtClean="0"/>
+              <a:t>(</a:t>
+            </a:r>
+            <a:r>
+              <a:rPr lang="en-US" dirty="0" err="1" smtClean="0"/>
+              <a:t>fn</a:t>
+            </a:r>
+            <a:r>
+              <a:rPr lang="en-US" dirty="0" smtClean="0"/>
+              <a:t>)</a:t>
+            </a:r>
+            <a:endParaRPr lang="en-US" dirty="0"/>
+          </a:p>
+        </p:txBody>
+      </p:sp>
+    </p:spTree>
+    <p:extLst>
+      <p:ext uri="{BB962C8B-B14F-4D97-AF65-F5344CB8AC3E}">
+        <p14:creationId xmlns:p14="http://schemas.microsoft.com/office/powerpoint/2010/main" val="11357543"/>
+      </p:ext>
+    </p:extLst>
+  </p:cSld>
+  <p:clrMapOvr>
+    <a:masterClrMapping/>
+  </p:clrMapOvr>
+</p:sld>
+</file>
+
 <file path=ppt/slides/slide5.xml><?xml version="1.0" encoding="utf-8"?>
 <p:sld xmlns:a="http://schemas.openxmlformats.org/drawingml/2006/main" xmlns:r="http://schemas.openxmlformats.org/officeDocument/2006/relationships" xmlns:p="http://schemas.openxmlformats.org/presentationml/2006/main">
   <p:cSld>
@@ -7060,10 +13318,6 @@
           <a:bodyPr/>
           <a:lstStyle/>
           <a:p>
-            <a:pPr>
-              <a:buFont typeface="Arial" charset="0"/>
-              <a:buChar char="•"/>
-            </a:pPr>
             <a:r>
               <a:rPr lang="en-US" dirty="0" smtClean="0"/>
               <a:t>Following this class you should have a fundamental understanding of </a:t>
@@ -7075,30 +13329,18 @@
             <a:endParaRPr lang="en-US" dirty="0" smtClean="0"/>
           </a:p>
           <a:p>
-            <a:pPr>
-              <a:buFont typeface="Arial" charset="0"/>
-              <a:buChar char="•"/>
-            </a:pPr>
             <a:r>
               <a:rPr lang="en-US" dirty="0" smtClean="0"/>
               <a:t>How it works to help you better rich and more accurate front end applications to your end users</a:t>
             </a:r>
           </a:p>
           <a:p>
-            <a:pPr>
-              <a:buFont typeface="Arial" charset="0"/>
-              <a:buChar char="•"/>
-            </a:pPr>
             <a:r>
               <a:rPr lang="en-US" dirty="0" smtClean="0"/>
               <a:t>What the different components and modules are meant to do and how you can use them to your advantage</a:t>
             </a:r>
           </a:p>
           <a:p>
-            <a:pPr>
-              <a:buFont typeface="Arial" charset="0"/>
-              <a:buChar char="•"/>
-            </a:pPr>
             <a:r>
               <a:rPr lang="en-US" dirty="0" smtClean="0"/>
               <a:t>Why you would want to use </a:t>
@@ -7143,6 +13385,1579 @@
 </p:sld>
 </file>
 
+<file path=ppt/slides/slide50.xml><?xml version="1.0" encoding="utf-8"?>
+<p:sld xmlns:a="http://schemas.openxmlformats.org/drawingml/2006/main" xmlns:r="http://schemas.openxmlformats.org/officeDocument/2006/relationships" xmlns:p="http://schemas.openxmlformats.org/presentationml/2006/main">
+  <p:cSld>
+    <p:spTree>
+      <p:nvGrpSpPr>
+        <p:cNvPr id="1" name=""/>
+        <p:cNvGrpSpPr/>
+        <p:nvPr/>
+      </p:nvGrpSpPr>
+      <p:grpSpPr>
+        <a:xfrm>
+          <a:off x="0" y="0"/>
+          <a:ext cx="0" cy="0"/>
+          <a:chOff x="0" y="0"/>
+          <a:chExt cx="0" cy="0"/>
+        </a:xfrm>
+      </p:grpSpPr>
+      <p:sp>
+        <p:nvSpPr>
+          <p:cNvPr id="2" name="Title 1"/>
+          <p:cNvSpPr>
+            <a:spLocks noGrp="1"/>
+          </p:cNvSpPr>
+          <p:nvPr>
+            <p:ph type="title"/>
+          </p:nvPr>
+        </p:nvSpPr>
+        <p:spPr/>
+        <p:txBody>
+          <a:bodyPr/>
+          <a:lstStyle/>
+          <a:p>
+            <a:r>
+              <a:rPr lang="en-US" dirty="0" smtClean="0"/>
+              <a:t>Assertions</a:t>
+            </a:r>
+            <a:endParaRPr lang="en-US" dirty="0"/>
+          </a:p>
+        </p:txBody>
+      </p:sp>
+      <p:sp>
+        <p:nvSpPr>
+          <p:cNvPr id="3" name="Content Placeholder 2"/>
+          <p:cNvSpPr>
+            <a:spLocks noGrp="1"/>
+          </p:cNvSpPr>
+          <p:nvPr>
+            <p:ph idx="1"/>
+          </p:nvPr>
+        </p:nvSpPr>
+        <p:spPr/>
+        <p:txBody>
+          <a:bodyPr/>
+          <a:lstStyle/>
+          <a:p>
+            <a:r>
+              <a:rPr lang="en-US" dirty="0" smtClean="0"/>
+              <a:t>Within an enclosing </a:t>
+            </a:r>
+            <a:r>
+              <a:rPr lang="en-US" b="1" dirty="0" smtClean="0"/>
+              <a:t>it</a:t>
+            </a:r>
+            <a:r>
+              <a:rPr lang="en-US" dirty="0" smtClean="0"/>
+              <a:t> you will need to use matchers to ensure that the values which are being returned are what is expected. </a:t>
+            </a:r>
+          </a:p>
+          <a:p>
+            <a:r>
+              <a:rPr lang="en-US" dirty="0" smtClean="0"/>
+              <a:t>Lets take a look at an example</a:t>
+            </a:r>
+          </a:p>
+          <a:p>
+            <a:pPr marL="292608" lvl="1" indent="0">
+              <a:buNone/>
+            </a:pPr>
+            <a:r>
+              <a:rPr lang="en-US" b="1" dirty="0"/>
+              <a:t>e</a:t>
+            </a:r>
+            <a:r>
+              <a:rPr lang="en-US" b="1" dirty="0" smtClean="0"/>
+              <a:t>xpect(3  + 1).</a:t>
+            </a:r>
+            <a:r>
+              <a:rPr lang="en-US" b="1" dirty="0" err="1" smtClean="0"/>
+              <a:t>toBe</a:t>
+            </a:r>
+            <a:r>
+              <a:rPr lang="en-US" b="1" dirty="0" smtClean="0"/>
+              <a:t>(4)</a:t>
+            </a:r>
+            <a:endParaRPr lang="en-US" b="1" dirty="0"/>
+          </a:p>
+          <a:p>
+            <a:r>
+              <a:rPr lang="en-US" dirty="0" smtClean="0"/>
+              <a:t>The argument in the </a:t>
+            </a:r>
+            <a:r>
+              <a:rPr lang="en-US" b="1" dirty="0" smtClean="0"/>
+              <a:t>expect </a:t>
+            </a:r>
+            <a:r>
+              <a:rPr lang="en-US" dirty="0" smtClean="0"/>
+              <a:t>clause is the actual value that has been returned. The argument in the </a:t>
+            </a:r>
+            <a:r>
+              <a:rPr lang="en-US" b="1" dirty="0" err="1" smtClean="0"/>
+              <a:t>toBe</a:t>
+            </a:r>
+            <a:r>
+              <a:rPr lang="en-US" dirty="0" smtClean="0"/>
+              <a:t> clause is the expected value.</a:t>
+            </a:r>
+          </a:p>
+          <a:p>
+            <a:pPr lvl="1"/>
+            <a:r>
+              <a:rPr lang="en-US" dirty="0" smtClean="0"/>
+              <a:t>This is backwards to the way most testing frameworks apply their Assertions; however, when we get into other areas of Unit Testing this format will make more sense. </a:t>
+            </a:r>
+            <a:endParaRPr lang="en-US" dirty="0"/>
+          </a:p>
+        </p:txBody>
+      </p:sp>
+    </p:spTree>
+    <p:extLst>
+      <p:ext uri="{BB962C8B-B14F-4D97-AF65-F5344CB8AC3E}">
+        <p14:creationId xmlns:p14="http://schemas.microsoft.com/office/powerpoint/2010/main" val="462059132"/>
+      </p:ext>
+    </p:extLst>
+  </p:cSld>
+  <p:clrMapOvr>
+    <a:masterClrMapping/>
+  </p:clrMapOvr>
+</p:sld>
+</file>
+
+<file path=ppt/slides/slide51.xml><?xml version="1.0" encoding="utf-8"?>
+<p:sld xmlns:a="http://schemas.openxmlformats.org/drawingml/2006/main" xmlns:r="http://schemas.openxmlformats.org/officeDocument/2006/relationships" xmlns:p="http://schemas.openxmlformats.org/presentationml/2006/main">
+  <p:cSld>
+    <p:spTree>
+      <p:nvGrpSpPr>
+        <p:cNvPr id="1" name=""/>
+        <p:cNvGrpSpPr/>
+        <p:nvPr/>
+      </p:nvGrpSpPr>
+      <p:grpSpPr>
+        <a:xfrm>
+          <a:off x="0" y="0"/>
+          <a:ext cx="0" cy="0"/>
+          <a:chOff x="0" y="0"/>
+          <a:chExt cx="0" cy="0"/>
+        </a:xfrm>
+      </p:grpSpPr>
+      <p:sp>
+        <p:nvSpPr>
+          <p:cNvPr id="2" name="Title 1"/>
+          <p:cNvSpPr>
+            <a:spLocks noGrp="1"/>
+          </p:cNvSpPr>
+          <p:nvPr>
+            <p:ph type="title"/>
+          </p:nvPr>
+        </p:nvSpPr>
+        <p:spPr/>
+        <p:txBody>
+          <a:bodyPr/>
+          <a:lstStyle/>
+          <a:p>
+            <a:r>
+              <a:rPr lang="en-US" dirty="0" smtClean="0"/>
+              <a:t>Matchers</a:t>
+            </a:r>
+            <a:endParaRPr lang="en-US" dirty="0"/>
+          </a:p>
+        </p:txBody>
+      </p:sp>
+      <p:graphicFrame>
+        <p:nvGraphicFramePr>
+          <p:cNvPr id="4" name="Content Placeholder 3"/>
+          <p:cNvGraphicFramePr>
+            <a:graphicFrameLocks noGrp="1"/>
+          </p:cNvGraphicFramePr>
+          <p:nvPr>
+            <p:ph idx="1"/>
+            <p:extLst>
+              <p:ext uri="{D42A27DB-BD31-4B8C-83A1-F6EECF244321}">
+                <p14:modId xmlns:p14="http://schemas.microsoft.com/office/powerpoint/2010/main" val="348909235"/>
+              </p:ext>
+            </p:extLst>
+          </p:nvPr>
+        </p:nvGraphicFramePr>
+        <p:xfrm>
+          <a:off x="1096963" y="1846263"/>
+          <a:ext cx="10058400" cy="3037840"/>
+        </p:xfrm>
+        <a:graphic>
+          <a:graphicData uri="http://schemas.openxmlformats.org/drawingml/2006/table">
+            <a:tbl>
+              <a:tblPr firstRow="1" bandRow="1">
+                <a:tableStyleId>{5C22544A-7EE6-4342-B048-85BDC9FD1C3A}</a:tableStyleId>
+              </a:tblPr>
+              <a:tblGrid>
+                <a:gridCol w="2852737"/>
+                <a:gridCol w="7205663"/>
+              </a:tblGrid>
+              <a:tr h="370840">
+                <a:tc>
+                  <a:txBody>
+                    <a:bodyPr/>
+                    <a:lstStyle/>
+                    <a:p>
+                      <a:r>
+                        <a:rPr lang="en-US" dirty="0" smtClean="0"/>
+                        <a:t>Matcher</a:t>
+                      </a:r>
+                      <a:endParaRPr lang="en-US" dirty="0"/>
+                    </a:p>
+                  </a:txBody>
+                  <a:tcPr/>
+                </a:tc>
+                <a:tc>
+                  <a:txBody>
+                    <a:bodyPr/>
+                    <a:lstStyle/>
+                    <a:p>
+                      <a:r>
+                        <a:rPr lang="en-US" dirty="0" smtClean="0"/>
+                        <a:t>Description</a:t>
+                      </a:r>
+                      <a:endParaRPr lang="en-US" dirty="0"/>
+                    </a:p>
+                  </a:txBody>
+                  <a:tcPr/>
+                </a:tc>
+              </a:tr>
+              <a:tr h="370840">
+                <a:tc>
+                  <a:txBody>
+                    <a:bodyPr/>
+                    <a:lstStyle/>
+                    <a:p>
+                      <a:r>
+                        <a:rPr lang="en-US" dirty="0" err="1" smtClean="0"/>
+                        <a:t>toBe</a:t>
+                      </a:r>
+                      <a:endParaRPr lang="en-US" dirty="0"/>
+                    </a:p>
+                  </a:txBody>
+                  <a:tcPr/>
+                </a:tc>
+                <a:tc>
+                  <a:txBody>
+                    <a:bodyPr/>
+                    <a:lstStyle/>
+                    <a:p>
+                      <a:r>
+                        <a:rPr lang="en-US" dirty="0" smtClean="0"/>
+                        <a:t>Comparison with triple-equals (===);</a:t>
+                      </a:r>
+                      <a:r>
+                        <a:rPr lang="en-US" baseline="0" dirty="0" smtClean="0"/>
+                        <a:t> asserts both type and value are equals. A stronger match than ==</a:t>
+                      </a:r>
+                      <a:endParaRPr lang="en-US" dirty="0"/>
+                    </a:p>
+                  </a:txBody>
+                  <a:tcPr/>
+                </a:tc>
+              </a:tr>
+              <a:tr h="370840">
+                <a:tc>
+                  <a:txBody>
+                    <a:bodyPr/>
+                    <a:lstStyle/>
+                    <a:p>
+                      <a:r>
+                        <a:rPr lang="en-US" dirty="0" err="1" smtClean="0"/>
+                        <a:t>toEqual</a:t>
+                      </a:r>
+                      <a:endParaRPr lang="en-US" dirty="0"/>
+                    </a:p>
+                  </a:txBody>
+                  <a:tcPr/>
+                </a:tc>
+                <a:tc>
+                  <a:txBody>
+                    <a:bodyPr/>
+                    <a:lstStyle/>
+                    <a:p>
+                      <a:r>
+                        <a:rPr lang="en-US" dirty="0" smtClean="0"/>
+                        <a:t>Similar to .equals() in other languages.</a:t>
+                      </a:r>
+                      <a:r>
+                        <a:rPr lang="en-US" baseline="0" dirty="0" smtClean="0"/>
+                        <a:t> This allows objects to equal each other if they have the same properties and values even if they are not the same reference (share the same memory space)</a:t>
+                      </a:r>
+                      <a:endParaRPr lang="en-US" dirty="0"/>
+                    </a:p>
+                  </a:txBody>
+                  <a:tcPr/>
+                </a:tc>
+              </a:tr>
+              <a:tr h="370840">
+                <a:tc>
+                  <a:txBody>
+                    <a:bodyPr/>
+                    <a:lstStyle/>
+                    <a:p>
+                      <a:r>
+                        <a:rPr lang="en-US" dirty="0" err="1" smtClean="0"/>
+                        <a:t>toMatch</a:t>
+                      </a:r>
+                      <a:endParaRPr lang="en-US" dirty="0"/>
+                    </a:p>
+                  </a:txBody>
+                  <a:tcPr/>
+                </a:tc>
+                <a:tc>
+                  <a:txBody>
+                    <a:bodyPr/>
+                    <a:lstStyle/>
+                    <a:p>
+                      <a:r>
+                        <a:rPr lang="en-US" dirty="0" smtClean="0"/>
+                        <a:t>Takes</a:t>
+                      </a:r>
+                      <a:r>
+                        <a:rPr lang="en-US" baseline="0" dirty="0" smtClean="0"/>
+                        <a:t> a regular expression as an expected</a:t>
+                      </a:r>
+                      <a:endParaRPr lang="en-US" dirty="0"/>
+                    </a:p>
+                  </a:txBody>
+                  <a:tcPr/>
+                </a:tc>
+              </a:tr>
+              <a:tr h="370840">
+                <a:tc>
+                  <a:txBody>
+                    <a:bodyPr/>
+                    <a:lstStyle/>
+                    <a:p>
+                      <a:r>
+                        <a:rPr lang="en-US" dirty="0" err="1" smtClean="0"/>
+                        <a:t>toContain</a:t>
+                      </a:r>
+                      <a:endParaRPr lang="en-US" dirty="0"/>
+                    </a:p>
+                  </a:txBody>
+                  <a:tcPr/>
+                </a:tc>
+                <a:tc>
+                  <a:txBody>
+                    <a:bodyPr/>
+                    <a:lstStyle/>
+                    <a:p>
+                      <a:r>
+                        <a:rPr lang="en-US" dirty="0" smtClean="0"/>
+                        <a:t>Finds</a:t>
+                      </a:r>
+                      <a:r>
+                        <a:rPr lang="en-US" baseline="0" dirty="0" smtClean="0"/>
+                        <a:t> an element in an array</a:t>
+                      </a:r>
+                      <a:endParaRPr lang="en-US" dirty="0"/>
+                    </a:p>
+                  </a:txBody>
+                  <a:tcPr/>
+                </a:tc>
+              </a:tr>
+              <a:tr h="370840">
+                <a:tc>
+                  <a:txBody>
+                    <a:bodyPr/>
+                    <a:lstStyle/>
+                    <a:p>
+                      <a:r>
+                        <a:rPr lang="en-US" dirty="0" err="1" smtClean="0"/>
+                        <a:t>toThrow</a:t>
+                      </a:r>
+                      <a:endParaRPr lang="en-US" dirty="0"/>
+                    </a:p>
+                  </a:txBody>
+                  <a:tcPr/>
+                </a:tc>
+                <a:tc>
+                  <a:txBody>
+                    <a:bodyPr/>
+                    <a:lstStyle/>
+                    <a:p>
+                      <a:r>
+                        <a:rPr lang="en-US" dirty="0" smtClean="0"/>
+                        <a:t>Expects that an error will be thrown</a:t>
+                      </a:r>
+                      <a:endParaRPr lang="en-US" dirty="0"/>
+                    </a:p>
+                  </a:txBody>
+                  <a:tcPr/>
+                </a:tc>
+              </a:tr>
+            </a:tbl>
+          </a:graphicData>
+        </a:graphic>
+      </p:graphicFrame>
+      <p:sp>
+        <p:nvSpPr>
+          <p:cNvPr id="5" name="TextBox 4"/>
+          <p:cNvSpPr txBox="1"/>
+          <p:nvPr/>
+        </p:nvSpPr>
+        <p:spPr>
+          <a:xfrm>
+            <a:off x="1096963" y="4884103"/>
+            <a:ext cx="9092938" cy="1477328"/>
+          </a:xfrm>
+          <a:prstGeom prst="rect">
+            <a:avLst/>
+          </a:prstGeom>
+          <a:noFill/>
+        </p:spPr>
+        <p:txBody>
+          <a:bodyPr wrap="none" rtlCol="0">
+            <a:spAutoFit/>
+          </a:bodyPr>
+          <a:lstStyle/>
+          <a:p>
+            <a:r>
+              <a:rPr lang="en-US" dirty="0" smtClean="0"/>
+              <a:t>All of these matchers can be negated by using </a:t>
+            </a:r>
+            <a:r>
+              <a:rPr lang="en-US" b="1" dirty="0" smtClean="0"/>
+              <a:t>.not</a:t>
+            </a:r>
+            <a:r>
+              <a:rPr lang="en-US" dirty="0" smtClean="0"/>
+              <a:t> after the </a:t>
+            </a:r>
+            <a:r>
+              <a:rPr lang="en-US" b="1" dirty="0" smtClean="0"/>
+              <a:t>expect </a:t>
+            </a:r>
+            <a:r>
+              <a:rPr lang="en-US" dirty="0" smtClean="0"/>
+              <a:t>and before the matcher</a:t>
+            </a:r>
+          </a:p>
+          <a:p>
+            <a:r>
+              <a:rPr lang="en-US" b="1" dirty="0" smtClean="0"/>
+              <a:t>expect(3+1).</a:t>
+            </a:r>
+            <a:r>
+              <a:rPr lang="en-US" b="1" dirty="0" err="1" smtClean="0"/>
+              <a:t>not.toBe</a:t>
+            </a:r>
+            <a:r>
+              <a:rPr lang="en-US" b="1" dirty="0" smtClean="0"/>
+              <a:t>(5);</a:t>
+            </a:r>
+            <a:endParaRPr lang="en-US" dirty="0" smtClean="0"/>
+          </a:p>
+          <a:p>
+            <a:endParaRPr lang="en-US" b="1" dirty="0"/>
+          </a:p>
+          <a:p>
+            <a:r>
+              <a:rPr lang="en-US" dirty="0" smtClean="0"/>
+              <a:t>More matchers are available on Jasmine’s documentation</a:t>
+            </a:r>
+            <a:endParaRPr lang="en-US" dirty="0"/>
+          </a:p>
+          <a:p>
+            <a:r>
+              <a:rPr lang="en-US" dirty="0" smtClean="0"/>
+              <a:t>(</a:t>
+            </a:r>
+            <a:r>
+              <a:rPr lang="en-US" dirty="0" err="1" smtClean="0"/>
+              <a:t>toBeGreaterThan</a:t>
+            </a:r>
+            <a:r>
+              <a:rPr lang="en-US" dirty="0" smtClean="0"/>
+              <a:t>/</a:t>
+            </a:r>
+            <a:r>
+              <a:rPr lang="en-US" dirty="0" err="1" smtClean="0"/>
+              <a:t>toBeLessThan</a:t>
+            </a:r>
+            <a:r>
+              <a:rPr lang="en-US" dirty="0" smtClean="0"/>
+              <a:t>, </a:t>
+            </a:r>
+            <a:r>
+              <a:rPr lang="en-US" dirty="0" err="1" smtClean="0"/>
+              <a:t>toBeDefined</a:t>
+            </a:r>
+            <a:r>
+              <a:rPr lang="en-US" dirty="0" smtClean="0"/>
+              <a:t>/</a:t>
+            </a:r>
+            <a:r>
+              <a:rPr lang="en-US" dirty="0" err="1" smtClean="0"/>
+              <a:t>toBeUndefined</a:t>
+            </a:r>
+            <a:r>
+              <a:rPr lang="en-US" dirty="0" smtClean="0"/>
+              <a:t>/</a:t>
+            </a:r>
+            <a:r>
+              <a:rPr lang="en-US" dirty="0" err="1" smtClean="0"/>
+              <a:t>toBeNull</a:t>
+            </a:r>
+            <a:r>
+              <a:rPr lang="en-US" dirty="0" smtClean="0"/>
+              <a:t>, </a:t>
+            </a:r>
+            <a:r>
+              <a:rPr lang="en-US" dirty="0" err="1" smtClean="0"/>
+              <a:t>toBeTruthy</a:t>
+            </a:r>
+            <a:r>
+              <a:rPr lang="en-US" dirty="0" smtClean="0"/>
+              <a:t>/</a:t>
+            </a:r>
+            <a:r>
+              <a:rPr lang="en-US" dirty="0" err="1" smtClean="0"/>
+              <a:t>toBeFalsy</a:t>
+            </a:r>
+            <a:r>
+              <a:rPr lang="en-US" dirty="0" smtClean="0"/>
+              <a:t>)</a:t>
+            </a:r>
+          </a:p>
+        </p:txBody>
+      </p:sp>
+    </p:spTree>
+    <p:extLst>
+      <p:ext uri="{BB962C8B-B14F-4D97-AF65-F5344CB8AC3E}">
+        <p14:creationId xmlns:p14="http://schemas.microsoft.com/office/powerpoint/2010/main" val="796643046"/>
+      </p:ext>
+    </p:extLst>
+  </p:cSld>
+  <p:clrMapOvr>
+    <a:masterClrMapping/>
+  </p:clrMapOvr>
+</p:sld>
+</file>
+
+<file path=ppt/slides/slide52.xml><?xml version="1.0" encoding="utf-8"?>
+<p:sld xmlns:a="http://schemas.openxmlformats.org/drawingml/2006/main" xmlns:r="http://schemas.openxmlformats.org/officeDocument/2006/relationships" xmlns:p="http://schemas.openxmlformats.org/presentationml/2006/main">
+  <p:cSld>
+    <p:spTree>
+      <p:nvGrpSpPr>
+        <p:cNvPr id="1" name=""/>
+        <p:cNvGrpSpPr/>
+        <p:nvPr/>
+      </p:nvGrpSpPr>
+      <p:grpSpPr>
+        <a:xfrm>
+          <a:off x="0" y="0"/>
+          <a:ext cx="0" cy="0"/>
+          <a:chOff x="0" y="0"/>
+          <a:chExt cx="0" cy="0"/>
+        </a:xfrm>
+      </p:grpSpPr>
+      <p:sp>
+        <p:nvSpPr>
+          <p:cNvPr id="2" name="Title 1"/>
+          <p:cNvSpPr>
+            <a:spLocks noGrp="1"/>
+          </p:cNvSpPr>
+          <p:nvPr>
+            <p:ph type="title"/>
+          </p:nvPr>
+        </p:nvSpPr>
+        <p:spPr/>
+        <p:txBody>
+          <a:bodyPr/>
+          <a:lstStyle/>
+          <a:p>
+            <a:r>
+              <a:rPr lang="en-US" dirty="0" smtClean="0"/>
+              <a:t>Putting it together</a:t>
+            </a:r>
+            <a:endParaRPr lang="en-US" dirty="0"/>
+          </a:p>
+        </p:txBody>
+      </p:sp>
+      <p:sp>
+        <p:nvSpPr>
+          <p:cNvPr id="3" name="Content Placeholder 2"/>
+          <p:cNvSpPr>
+            <a:spLocks noGrp="1"/>
+          </p:cNvSpPr>
+          <p:nvPr>
+            <p:ph idx="1"/>
+          </p:nvPr>
+        </p:nvSpPr>
+        <p:spPr/>
+        <p:txBody>
+          <a:bodyPr/>
+          <a:lstStyle/>
+          <a:p>
+            <a:r>
+              <a:rPr lang="en-US" dirty="0" smtClean="0"/>
+              <a:t>In order to execute your test with Jasmine you’ll need 3 things</a:t>
+            </a:r>
+          </a:p>
+          <a:p>
+            <a:r>
+              <a:rPr lang="en-US" dirty="0" smtClean="0"/>
+              <a:t>The HTML Spec file that contains the following</a:t>
+            </a:r>
+          </a:p>
+          <a:p>
+            <a:pPr lvl="1"/>
+            <a:r>
+              <a:rPr lang="en-US" dirty="0" smtClean="0"/>
+              <a:t>Jasmine core files to run the tests</a:t>
+            </a:r>
+          </a:p>
+          <a:p>
+            <a:pPr lvl="1"/>
+            <a:r>
+              <a:rPr lang="en-US" dirty="0" smtClean="0"/>
+              <a:t>References to your script files and any dependencies</a:t>
+            </a:r>
+          </a:p>
+          <a:p>
+            <a:pPr lvl="1"/>
+            <a:r>
+              <a:rPr lang="en-US" dirty="0" smtClean="0"/>
+              <a:t>The tests you’ve created</a:t>
+            </a:r>
+          </a:p>
+          <a:p>
+            <a:pPr lvl="1"/>
+            <a:endParaRPr lang="en-US" dirty="0" smtClean="0"/>
+          </a:p>
+          <a:p>
+            <a:r>
+              <a:rPr lang="en-US" dirty="0" smtClean="0"/>
+              <a:t>To execute them you simple need to go to the page in the browser and you will see a page that has the result of your tests</a:t>
+            </a:r>
+          </a:p>
+          <a:p>
+            <a:pPr lvl="1"/>
+            <a:r>
+              <a:rPr lang="en-US" dirty="0">
+                <a:hlinkClick r:id="rId2"/>
+              </a:rPr>
+              <a:t>http://</a:t>
+            </a:r>
+            <a:r>
+              <a:rPr lang="en-US" dirty="0" smtClean="0">
+                <a:hlinkClick r:id="rId2"/>
+              </a:rPr>
+              <a:t>localhost:8080/UnitTesting/Samples/FirstTest/spec.html</a:t>
+            </a:r>
+            <a:endParaRPr lang="en-US" dirty="0" smtClean="0"/>
+          </a:p>
+          <a:p>
+            <a:pPr lvl="1"/>
+            <a:endParaRPr lang="en-US" dirty="0"/>
+          </a:p>
+        </p:txBody>
+      </p:sp>
+    </p:spTree>
+    <p:extLst>
+      <p:ext uri="{BB962C8B-B14F-4D97-AF65-F5344CB8AC3E}">
+        <p14:creationId xmlns:p14="http://schemas.microsoft.com/office/powerpoint/2010/main" val="979831201"/>
+      </p:ext>
+    </p:extLst>
+  </p:cSld>
+  <p:clrMapOvr>
+    <a:masterClrMapping/>
+  </p:clrMapOvr>
+</p:sld>
+</file>
+
+<file path=ppt/slides/slide53.xml><?xml version="1.0" encoding="utf-8"?>
+<p:sld xmlns:a="http://schemas.openxmlformats.org/drawingml/2006/main" xmlns:r="http://schemas.openxmlformats.org/officeDocument/2006/relationships" xmlns:p="http://schemas.openxmlformats.org/presentationml/2006/main">
+  <p:cSld>
+    <p:spTree>
+      <p:nvGrpSpPr>
+        <p:cNvPr id="1" name=""/>
+        <p:cNvGrpSpPr/>
+        <p:nvPr/>
+      </p:nvGrpSpPr>
+      <p:grpSpPr>
+        <a:xfrm>
+          <a:off x="0" y="0"/>
+          <a:ext cx="0" cy="0"/>
+          <a:chOff x="0" y="0"/>
+          <a:chExt cx="0" cy="0"/>
+        </a:xfrm>
+      </p:grpSpPr>
+      <p:sp>
+        <p:nvSpPr>
+          <p:cNvPr id="2" name="Title 1"/>
+          <p:cNvSpPr>
+            <a:spLocks noGrp="1"/>
+          </p:cNvSpPr>
+          <p:nvPr>
+            <p:ph type="title"/>
+          </p:nvPr>
+        </p:nvSpPr>
+        <p:spPr/>
+        <p:txBody>
+          <a:bodyPr/>
+          <a:lstStyle/>
+          <a:p>
+            <a:r>
+              <a:rPr lang="en-US" dirty="0" smtClean="0"/>
+              <a:t>Enter Karma</a:t>
+            </a:r>
+            <a:endParaRPr lang="en-US" dirty="0"/>
+          </a:p>
+        </p:txBody>
+      </p:sp>
+      <p:sp>
+        <p:nvSpPr>
+          <p:cNvPr id="3" name="Content Placeholder 2"/>
+          <p:cNvSpPr>
+            <a:spLocks noGrp="1"/>
+          </p:cNvSpPr>
+          <p:nvPr>
+            <p:ph idx="1"/>
+          </p:nvPr>
+        </p:nvSpPr>
+        <p:spPr/>
+        <p:txBody>
+          <a:bodyPr/>
+          <a:lstStyle/>
+          <a:p>
+            <a:r>
+              <a:rPr lang="en-US" dirty="0" smtClean="0"/>
+              <a:t>While browser based test runs are cool they aren’t very practical and trying to automate them would be very challenging. </a:t>
+            </a:r>
+          </a:p>
+          <a:p>
+            <a:r>
+              <a:rPr lang="en-US" dirty="0" smtClean="0"/>
+              <a:t>The Angular team developed a test runner that was meant to execute your tests from a command line that was eventually spun off into a project called Karma</a:t>
+            </a:r>
+          </a:p>
+          <a:p>
+            <a:r>
+              <a:rPr lang="en-US" dirty="0" smtClean="0"/>
+              <a:t>Much like Jasmine, you will need to reference your logic, their dependencies, and your tests; however, unlike Jasmine you will do this in a configuration file that can be executed from the command line. </a:t>
+            </a:r>
+          </a:p>
+          <a:p>
+            <a:r>
+              <a:rPr lang="en-US" dirty="0" smtClean="0"/>
+              <a:t>This enables you to run your tests from a Continuous Integration Server (or some other automated fashion)</a:t>
+            </a:r>
+            <a:endParaRPr lang="en-US" dirty="0"/>
+          </a:p>
+        </p:txBody>
+      </p:sp>
+    </p:spTree>
+    <p:extLst>
+      <p:ext uri="{BB962C8B-B14F-4D97-AF65-F5344CB8AC3E}">
+        <p14:creationId xmlns:p14="http://schemas.microsoft.com/office/powerpoint/2010/main" val="2053838311"/>
+      </p:ext>
+    </p:extLst>
+  </p:cSld>
+  <p:clrMapOvr>
+    <a:masterClrMapping/>
+  </p:clrMapOvr>
+</p:sld>
+</file>
+
+<file path=ppt/slides/slide54.xml><?xml version="1.0" encoding="utf-8"?>
+<p:sld xmlns:a="http://schemas.openxmlformats.org/drawingml/2006/main" xmlns:r="http://schemas.openxmlformats.org/officeDocument/2006/relationships" xmlns:p="http://schemas.openxmlformats.org/presentationml/2006/main">
+  <p:cSld>
+    <p:spTree>
+      <p:nvGrpSpPr>
+        <p:cNvPr id="1" name=""/>
+        <p:cNvGrpSpPr/>
+        <p:nvPr/>
+      </p:nvGrpSpPr>
+      <p:grpSpPr>
+        <a:xfrm>
+          <a:off x="0" y="0"/>
+          <a:ext cx="0" cy="0"/>
+          <a:chOff x="0" y="0"/>
+          <a:chExt cx="0" cy="0"/>
+        </a:xfrm>
+      </p:grpSpPr>
+      <p:sp>
+        <p:nvSpPr>
+          <p:cNvPr id="2" name="Title 1"/>
+          <p:cNvSpPr>
+            <a:spLocks noGrp="1"/>
+          </p:cNvSpPr>
+          <p:nvPr>
+            <p:ph type="title"/>
+          </p:nvPr>
+        </p:nvSpPr>
+        <p:spPr/>
+        <p:txBody>
+          <a:bodyPr/>
+          <a:lstStyle/>
+          <a:p>
+            <a:r>
+              <a:rPr lang="en-US" dirty="0" smtClean="0"/>
+              <a:t>Setting up Karma</a:t>
+            </a:r>
+            <a:endParaRPr lang="en-US" dirty="0"/>
+          </a:p>
+        </p:txBody>
+      </p:sp>
+      <p:sp>
+        <p:nvSpPr>
+          <p:cNvPr id="3" name="Content Placeholder 2"/>
+          <p:cNvSpPr>
+            <a:spLocks noGrp="1"/>
+          </p:cNvSpPr>
+          <p:nvPr>
+            <p:ph idx="1"/>
+          </p:nvPr>
+        </p:nvSpPr>
+        <p:spPr/>
+        <p:txBody>
+          <a:bodyPr/>
+          <a:lstStyle/>
+          <a:p>
+            <a:r>
+              <a:rPr lang="en-US" dirty="0" smtClean="0"/>
+              <a:t>You will first need to install it</a:t>
+            </a:r>
+          </a:p>
+          <a:p>
+            <a:pPr marL="292608" lvl="1" indent="0">
+              <a:buNone/>
+            </a:pPr>
+            <a:r>
+              <a:rPr lang="en-US" b="1" dirty="0" err="1"/>
+              <a:t>n</a:t>
+            </a:r>
+            <a:r>
+              <a:rPr lang="en-US" b="1" dirty="0" err="1" smtClean="0"/>
+              <a:t>pm</a:t>
+            </a:r>
+            <a:r>
+              <a:rPr lang="en-US" b="1" dirty="0" smtClean="0"/>
+              <a:t> install karma-cli -g</a:t>
+            </a:r>
+            <a:endParaRPr lang="en-US" b="1" dirty="0"/>
+          </a:p>
+          <a:p>
+            <a:r>
+              <a:rPr lang="en-US" dirty="0" smtClean="0"/>
+              <a:t>Once it has been installed you simply run it from a command prompt </a:t>
+            </a:r>
+          </a:p>
+          <a:p>
+            <a:pPr marL="292608" lvl="1" indent="0">
+              <a:buNone/>
+            </a:pPr>
+            <a:r>
+              <a:rPr lang="en-US" b="1" dirty="0" smtClean="0"/>
+              <a:t>karma start karma-</a:t>
+            </a:r>
+            <a:r>
+              <a:rPr lang="en-US" b="1" dirty="0" err="1" smtClean="0"/>
+              <a:t>config.js</a:t>
+            </a:r>
+            <a:endParaRPr lang="en-US" b="1" dirty="0" smtClean="0"/>
+          </a:p>
+          <a:p>
+            <a:r>
+              <a:rPr lang="en-US" dirty="0" smtClean="0"/>
+              <a:t>The test results will be outputted to the console for you to review </a:t>
+            </a:r>
+          </a:p>
+          <a:p>
+            <a:pPr lvl="1"/>
+            <a:r>
+              <a:rPr lang="en-US" dirty="0" smtClean="0"/>
+              <a:t>/</a:t>
+            </a:r>
+            <a:r>
+              <a:rPr lang="en-US" dirty="0" err="1" smtClean="0"/>
+              <a:t>AngularClass</a:t>
+            </a:r>
+            <a:r>
+              <a:rPr lang="en-US" dirty="0" smtClean="0"/>
+              <a:t>/</a:t>
+            </a:r>
+            <a:r>
+              <a:rPr lang="en-US" dirty="0" err="1" smtClean="0"/>
+              <a:t>UnitTesting</a:t>
+            </a:r>
+            <a:r>
+              <a:rPr lang="en-US" dirty="0" smtClean="0"/>
+              <a:t>/</a:t>
+            </a:r>
+            <a:r>
+              <a:rPr lang="en-US" dirty="0" err="1" smtClean="0"/>
+              <a:t>KarmaTests</a:t>
+            </a:r>
+            <a:r>
+              <a:rPr lang="en-US" dirty="0" smtClean="0"/>
+              <a:t>/karma-</a:t>
+            </a:r>
+            <a:r>
+              <a:rPr lang="en-US" dirty="0" err="1" smtClean="0"/>
+              <a:t>config.js</a:t>
+            </a:r>
+            <a:endParaRPr lang="en-US" dirty="0"/>
+          </a:p>
+          <a:p>
+            <a:r>
+              <a:rPr lang="en-US" dirty="0" smtClean="0"/>
+              <a:t>You’ll notice that we used the same </a:t>
+            </a:r>
+            <a:r>
+              <a:rPr lang="en-US" dirty="0" err="1" smtClean="0"/>
+              <a:t>tests.js</a:t>
+            </a:r>
+            <a:r>
+              <a:rPr lang="en-US" dirty="0" smtClean="0"/>
+              <a:t> file that we used to run from our Jasmine </a:t>
+            </a:r>
+            <a:r>
+              <a:rPr lang="en-US" dirty="0" err="1" smtClean="0"/>
+              <a:t>spec.html</a:t>
+            </a:r>
+            <a:r>
+              <a:rPr lang="en-US" dirty="0" smtClean="0"/>
+              <a:t> file. Karma does not replace all of karma just the execution mechanism of the tests themselves. You will still need to use Jasmine to write your tests. </a:t>
+            </a:r>
+          </a:p>
+          <a:p>
+            <a:r>
+              <a:rPr lang="en-US" dirty="0" smtClean="0"/>
+              <a:t> </a:t>
+            </a:r>
+            <a:endParaRPr lang="en-US" dirty="0"/>
+          </a:p>
+        </p:txBody>
+      </p:sp>
+    </p:spTree>
+    <p:extLst>
+      <p:ext uri="{BB962C8B-B14F-4D97-AF65-F5344CB8AC3E}">
+        <p14:creationId xmlns:p14="http://schemas.microsoft.com/office/powerpoint/2010/main" val="325406781"/>
+      </p:ext>
+    </p:extLst>
+  </p:cSld>
+  <p:clrMapOvr>
+    <a:masterClrMapping/>
+  </p:clrMapOvr>
+</p:sld>
+</file>
+
+<file path=ppt/slides/slide55.xml><?xml version="1.0" encoding="utf-8"?>
+<p:sld xmlns:a="http://schemas.openxmlformats.org/drawingml/2006/main" xmlns:r="http://schemas.openxmlformats.org/officeDocument/2006/relationships" xmlns:p="http://schemas.openxmlformats.org/presentationml/2006/main">
+  <p:cSld>
+    <p:spTree>
+      <p:nvGrpSpPr>
+        <p:cNvPr id="1" name=""/>
+        <p:cNvGrpSpPr/>
+        <p:nvPr/>
+      </p:nvGrpSpPr>
+      <p:grpSpPr>
+        <a:xfrm>
+          <a:off x="0" y="0"/>
+          <a:ext cx="0" cy="0"/>
+          <a:chOff x="0" y="0"/>
+          <a:chExt cx="0" cy="0"/>
+        </a:xfrm>
+      </p:grpSpPr>
+      <p:sp>
+        <p:nvSpPr>
+          <p:cNvPr id="2" name="Title 1"/>
+          <p:cNvSpPr>
+            <a:spLocks noGrp="1"/>
+          </p:cNvSpPr>
+          <p:nvPr>
+            <p:ph type="title"/>
+          </p:nvPr>
+        </p:nvSpPr>
+        <p:spPr/>
+        <p:txBody>
+          <a:bodyPr/>
+          <a:lstStyle/>
+          <a:p>
+            <a:r>
+              <a:rPr lang="en-US" dirty="0" smtClean="0"/>
+              <a:t>Unit Testing &amp; Angular</a:t>
+            </a:r>
+            <a:endParaRPr lang="en-US" dirty="0"/>
+          </a:p>
+        </p:txBody>
+      </p:sp>
+      <p:sp>
+        <p:nvSpPr>
+          <p:cNvPr id="3" name="Content Placeholder 2"/>
+          <p:cNvSpPr>
+            <a:spLocks noGrp="1"/>
+          </p:cNvSpPr>
+          <p:nvPr>
+            <p:ph idx="1"/>
+          </p:nvPr>
+        </p:nvSpPr>
+        <p:spPr/>
+        <p:txBody>
+          <a:bodyPr>
+            <a:normAutofit lnSpcReduction="10000"/>
+          </a:bodyPr>
+          <a:lstStyle/>
+          <a:p>
+            <a:r>
+              <a:rPr lang="en-US" dirty="0" smtClean="0"/>
+              <a:t>Until this point we’ve merely been testing straight JavaScript without making references to Angular. While this is cool it seems pointless because we’re here to talk about Angular. </a:t>
+            </a:r>
+          </a:p>
+          <a:p>
+            <a:r>
+              <a:rPr lang="en-US" dirty="0" smtClean="0"/>
+              <a:t>In order to accomplish this we’ll need to understand </a:t>
+            </a:r>
+            <a:r>
+              <a:rPr lang="en-US" dirty="0" err="1" smtClean="0"/>
+              <a:t>angular’s</a:t>
+            </a:r>
+            <a:r>
+              <a:rPr lang="en-US" dirty="0" smtClean="0"/>
+              <a:t> mocking framework. </a:t>
+            </a:r>
+          </a:p>
+          <a:p>
+            <a:r>
+              <a:rPr lang="en-US" dirty="0" smtClean="0"/>
+              <a:t>As we said previously, </a:t>
+            </a:r>
+            <a:r>
+              <a:rPr lang="en-US" b="1" dirty="0" smtClean="0"/>
+              <a:t>angular-</a:t>
+            </a:r>
+            <a:r>
+              <a:rPr lang="en-US" b="1" dirty="0" err="1" smtClean="0"/>
+              <a:t>mock.js</a:t>
+            </a:r>
+            <a:r>
+              <a:rPr lang="en-US" dirty="0" smtClean="0"/>
+              <a:t> is provided within the distribution of Angular and is released with each version of Angular. </a:t>
+            </a:r>
+          </a:p>
+          <a:p>
+            <a:r>
+              <a:rPr lang="en-US" dirty="0" smtClean="0"/>
+              <a:t>The mocking framework provides to critical tools for running tests with Angular</a:t>
+            </a:r>
+          </a:p>
+          <a:p>
+            <a:pPr lvl="1"/>
+            <a:r>
+              <a:rPr lang="en-US" dirty="0" smtClean="0"/>
+              <a:t>Both of these are only available when testing with Jasmine or Mocha</a:t>
+            </a:r>
+            <a:endParaRPr lang="en-US" dirty="0"/>
+          </a:p>
+          <a:p>
+            <a:r>
+              <a:rPr lang="en-US" b="1" dirty="0"/>
+              <a:t>m</a:t>
+            </a:r>
+            <a:r>
+              <a:rPr lang="en-US" b="1" dirty="0" smtClean="0"/>
+              <a:t>odule: </a:t>
+            </a:r>
+            <a:r>
+              <a:rPr lang="en-US" dirty="0" smtClean="0"/>
+              <a:t>This is used in a </a:t>
+            </a:r>
+            <a:r>
+              <a:rPr lang="en-US" b="1" dirty="0" err="1" smtClean="0"/>
+              <a:t>beforeEach</a:t>
+            </a:r>
+            <a:r>
+              <a:rPr lang="en-US" dirty="0" smtClean="0"/>
+              <a:t> to load a particular module into the test context</a:t>
+            </a:r>
+          </a:p>
+          <a:p>
+            <a:r>
+              <a:rPr lang="en-US" b="1" dirty="0"/>
+              <a:t>i</a:t>
+            </a:r>
+            <a:r>
+              <a:rPr lang="en-US" b="1" dirty="0" smtClean="0"/>
+              <a:t>nject: </a:t>
+            </a:r>
+            <a:r>
+              <a:rPr lang="en-US" dirty="0" smtClean="0"/>
+              <a:t>Runs </a:t>
+            </a:r>
+            <a:r>
+              <a:rPr lang="en-US" dirty="0" err="1" smtClean="0"/>
+              <a:t>Angular’s</a:t>
+            </a:r>
+            <a:r>
+              <a:rPr lang="en-US" dirty="0" smtClean="0"/>
+              <a:t> injector service on a provided function enabling you to control when it is loaded. </a:t>
+            </a:r>
+            <a:endParaRPr lang="en-US" b="1" dirty="0"/>
+          </a:p>
+          <a:p>
+            <a:pPr lvl="1"/>
+            <a:r>
+              <a:rPr lang="en-US" dirty="0" smtClean="0"/>
+              <a:t>/</a:t>
+            </a:r>
+            <a:r>
+              <a:rPr lang="en-US" dirty="0" err="1" smtClean="0"/>
+              <a:t>AngularClass</a:t>
+            </a:r>
+            <a:r>
+              <a:rPr lang="en-US" dirty="0" smtClean="0"/>
+              <a:t>/</a:t>
+            </a:r>
+            <a:r>
+              <a:rPr lang="en-US" dirty="0" err="1" smtClean="0"/>
+              <a:t>UnitTesting</a:t>
+            </a:r>
+            <a:r>
+              <a:rPr lang="en-US" dirty="0" smtClean="0"/>
+              <a:t>/Samples/</a:t>
+            </a:r>
+            <a:r>
+              <a:rPr lang="en-US" dirty="0" err="1" smtClean="0"/>
+              <a:t>FirstAngularTest</a:t>
+            </a:r>
+            <a:endParaRPr lang="en-US" dirty="0" smtClean="0"/>
+          </a:p>
+        </p:txBody>
+      </p:sp>
+    </p:spTree>
+    <p:extLst>
+      <p:ext uri="{BB962C8B-B14F-4D97-AF65-F5344CB8AC3E}">
+        <p14:creationId xmlns:p14="http://schemas.microsoft.com/office/powerpoint/2010/main" val="275116512"/>
+      </p:ext>
+    </p:extLst>
+  </p:cSld>
+  <p:clrMapOvr>
+    <a:masterClrMapping/>
+  </p:clrMapOvr>
+</p:sld>
+</file>
+
+<file path=ppt/slides/slide56.xml><?xml version="1.0" encoding="utf-8"?>
+<p:sld xmlns:a="http://schemas.openxmlformats.org/drawingml/2006/main" xmlns:r="http://schemas.openxmlformats.org/officeDocument/2006/relationships" xmlns:p="http://schemas.openxmlformats.org/presentationml/2006/main">
+  <p:cSld>
+    <p:spTree>
+      <p:nvGrpSpPr>
+        <p:cNvPr id="1" name=""/>
+        <p:cNvGrpSpPr/>
+        <p:nvPr/>
+      </p:nvGrpSpPr>
+      <p:grpSpPr>
+        <a:xfrm>
+          <a:off x="0" y="0"/>
+          <a:ext cx="0" cy="0"/>
+          <a:chOff x="0" y="0"/>
+          <a:chExt cx="0" cy="0"/>
+        </a:xfrm>
+      </p:grpSpPr>
+      <p:sp>
+        <p:nvSpPr>
+          <p:cNvPr id="2" name="Title 1"/>
+          <p:cNvSpPr>
+            <a:spLocks noGrp="1"/>
+          </p:cNvSpPr>
+          <p:nvPr>
+            <p:ph type="title"/>
+          </p:nvPr>
+        </p:nvSpPr>
+        <p:spPr/>
+        <p:txBody>
+          <a:bodyPr/>
+          <a:lstStyle/>
+          <a:p>
+            <a:r>
+              <a:rPr lang="en-US" dirty="0" smtClean="0"/>
+              <a:t>What just happened</a:t>
+            </a:r>
+            <a:endParaRPr lang="en-US" dirty="0"/>
+          </a:p>
+        </p:txBody>
+      </p:sp>
+      <p:sp>
+        <p:nvSpPr>
+          <p:cNvPr id="3" name="Content Placeholder 2"/>
+          <p:cNvSpPr>
+            <a:spLocks noGrp="1"/>
+          </p:cNvSpPr>
+          <p:nvPr>
+            <p:ph idx="1"/>
+          </p:nvPr>
+        </p:nvSpPr>
+        <p:spPr/>
+        <p:txBody>
+          <a:bodyPr/>
+          <a:lstStyle/>
+          <a:p>
+            <a:r>
+              <a:rPr lang="en-US" dirty="0" smtClean="0"/>
+              <a:t>In the </a:t>
+            </a:r>
+            <a:r>
+              <a:rPr lang="en-US" b="1" dirty="0" err="1" smtClean="0"/>
+              <a:t>beforeEach</a:t>
+            </a:r>
+            <a:r>
+              <a:rPr lang="en-US" dirty="0" smtClean="0"/>
+              <a:t> you noticed that we invoked two things</a:t>
+            </a:r>
+          </a:p>
+          <a:p>
+            <a:r>
+              <a:rPr lang="en-US" dirty="0" smtClean="0"/>
+              <a:t>First </a:t>
+            </a:r>
+            <a:r>
+              <a:rPr lang="en-US" b="1" dirty="0" smtClean="0"/>
+              <a:t>module(“</a:t>
+            </a:r>
+            <a:r>
+              <a:rPr lang="en-US" b="1" dirty="0" err="1" smtClean="0"/>
+              <a:t>myEventHandlers</a:t>
+            </a:r>
+            <a:r>
+              <a:rPr lang="en-US" b="1" dirty="0" smtClean="0"/>
+              <a:t>”)</a:t>
+            </a:r>
+          </a:p>
+          <a:p>
+            <a:pPr lvl="1"/>
+            <a:r>
+              <a:rPr lang="en-US" dirty="0" smtClean="0"/>
+              <a:t>This instantiated the module of the same name which is located in our </a:t>
+            </a:r>
+            <a:r>
+              <a:rPr lang="en-US" dirty="0" err="1" smtClean="0"/>
+              <a:t>controllers.js</a:t>
+            </a:r>
+            <a:r>
+              <a:rPr lang="en-US" dirty="0" smtClean="0"/>
+              <a:t> file</a:t>
+            </a:r>
+          </a:p>
+          <a:p>
+            <a:r>
+              <a:rPr lang="en-US" dirty="0" smtClean="0"/>
+              <a:t>Second </a:t>
+            </a:r>
+            <a:r>
+              <a:rPr lang="en-US" b="1" dirty="0" smtClean="0"/>
+              <a:t>$controller(“</a:t>
+            </a:r>
+            <a:r>
+              <a:rPr lang="en-US" b="1" dirty="0" err="1" smtClean="0"/>
+              <a:t>MainController</a:t>
+            </a:r>
+            <a:r>
+              <a:rPr lang="en-US" b="1" dirty="0" smtClean="0"/>
+              <a:t>”, { $scope: </a:t>
+            </a:r>
+            <a:r>
+              <a:rPr lang="en-US" b="1" dirty="0" err="1" smtClean="0"/>
+              <a:t>testScope</a:t>
+            </a:r>
+            <a:r>
+              <a:rPr lang="en-US" b="1" dirty="0" smtClean="0"/>
+              <a:t> })</a:t>
+            </a:r>
+            <a:endParaRPr lang="en-US" dirty="0" smtClean="0"/>
+          </a:p>
+          <a:p>
+            <a:pPr lvl="1"/>
+            <a:r>
+              <a:rPr lang="en-US" dirty="0" smtClean="0"/>
+              <a:t>We used </a:t>
+            </a:r>
+            <a:r>
+              <a:rPr lang="en-US" dirty="0" err="1" smtClean="0"/>
+              <a:t>Angular’s</a:t>
+            </a:r>
+            <a:r>
+              <a:rPr lang="en-US" dirty="0" smtClean="0"/>
+              <a:t> injector service to provide the controller</a:t>
+            </a:r>
+          </a:p>
+          <a:p>
+            <a:pPr lvl="1"/>
+            <a:r>
+              <a:rPr lang="en-US" dirty="0" smtClean="0"/>
+              <a:t>We passed a scope into our controller which was used to set all of the functions and variables for us to inspect within the tests themselves</a:t>
+            </a:r>
+          </a:p>
+          <a:p>
+            <a:r>
+              <a:rPr lang="en-US" dirty="0" smtClean="0"/>
+              <a:t>You should also notice that in the first test we deleted an element and when we executed the second test the state was reset back to the original because the injector and module we’re recreated at each test run.</a:t>
+            </a:r>
+            <a:endParaRPr lang="en-US" dirty="0"/>
+          </a:p>
+        </p:txBody>
+      </p:sp>
+    </p:spTree>
+    <p:extLst>
+      <p:ext uri="{BB962C8B-B14F-4D97-AF65-F5344CB8AC3E}">
+        <p14:creationId xmlns:p14="http://schemas.microsoft.com/office/powerpoint/2010/main" val="1137337232"/>
+      </p:ext>
+    </p:extLst>
+  </p:cSld>
+  <p:clrMapOvr>
+    <a:masterClrMapping/>
+  </p:clrMapOvr>
+</p:sld>
+</file>
+
+<file path=ppt/slides/slide57.xml><?xml version="1.0" encoding="utf-8"?>
+<p:sld xmlns:a="http://schemas.openxmlformats.org/drawingml/2006/main" xmlns:r="http://schemas.openxmlformats.org/officeDocument/2006/relationships" xmlns:p="http://schemas.openxmlformats.org/presentationml/2006/main">
+  <p:cSld>
+    <p:spTree>
+      <p:nvGrpSpPr>
+        <p:cNvPr id="1" name=""/>
+        <p:cNvGrpSpPr/>
+        <p:nvPr/>
+      </p:nvGrpSpPr>
+      <p:grpSpPr>
+        <a:xfrm>
+          <a:off x="0" y="0"/>
+          <a:ext cx="0" cy="0"/>
+          <a:chOff x="0" y="0"/>
+          <a:chExt cx="0" cy="0"/>
+        </a:xfrm>
+      </p:grpSpPr>
+      <p:sp>
+        <p:nvSpPr>
+          <p:cNvPr id="2" name="Title 1"/>
+          <p:cNvSpPr>
+            <a:spLocks noGrp="1"/>
+          </p:cNvSpPr>
+          <p:nvPr>
+            <p:ph type="title"/>
+          </p:nvPr>
+        </p:nvSpPr>
+        <p:spPr/>
+        <p:txBody>
+          <a:bodyPr/>
+          <a:lstStyle/>
+          <a:p>
+            <a:r>
+              <a:rPr lang="en-US" dirty="0" smtClean="0"/>
+              <a:t>Lab</a:t>
+            </a:r>
+            <a:endParaRPr lang="en-US" dirty="0"/>
+          </a:p>
+        </p:txBody>
+      </p:sp>
+      <p:sp>
+        <p:nvSpPr>
+          <p:cNvPr id="3" name="Content Placeholder 2"/>
+          <p:cNvSpPr>
+            <a:spLocks noGrp="1"/>
+          </p:cNvSpPr>
+          <p:nvPr>
+            <p:ph idx="1"/>
+          </p:nvPr>
+        </p:nvSpPr>
+        <p:spPr/>
+        <p:txBody>
+          <a:bodyPr/>
+          <a:lstStyle/>
+          <a:p>
+            <a:endParaRPr lang="en-US"/>
+          </a:p>
+        </p:txBody>
+      </p:sp>
+    </p:spTree>
+    <p:extLst>
+      <p:ext uri="{BB962C8B-B14F-4D97-AF65-F5344CB8AC3E}">
+        <p14:creationId xmlns:p14="http://schemas.microsoft.com/office/powerpoint/2010/main" val="1769810198"/>
+      </p:ext>
+    </p:extLst>
+  </p:cSld>
+  <p:clrMapOvr>
+    <a:masterClrMapping/>
+  </p:clrMapOvr>
+</p:sld>
+</file>
+
+<file path=ppt/slides/slide58.xml><?xml version="1.0" encoding="utf-8"?>
+<p:sld xmlns:a="http://schemas.openxmlformats.org/drawingml/2006/main" xmlns:r="http://schemas.openxmlformats.org/officeDocument/2006/relationships" xmlns:p="http://schemas.openxmlformats.org/presentationml/2006/main">
+  <p:cSld>
+    <p:spTree>
+      <p:nvGrpSpPr>
+        <p:cNvPr id="1" name=""/>
+        <p:cNvGrpSpPr/>
+        <p:nvPr/>
+      </p:nvGrpSpPr>
+      <p:grpSpPr>
+        <a:xfrm>
+          <a:off x="0" y="0"/>
+          <a:ext cx="0" cy="0"/>
+          <a:chOff x="0" y="0"/>
+          <a:chExt cx="0" cy="0"/>
+        </a:xfrm>
+      </p:grpSpPr>
+      <p:sp>
+        <p:nvSpPr>
+          <p:cNvPr id="2" name="Title 1"/>
+          <p:cNvSpPr>
+            <a:spLocks noGrp="1"/>
+          </p:cNvSpPr>
+          <p:nvPr>
+            <p:ph type="title"/>
+          </p:nvPr>
+        </p:nvSpPr>
+        <p:spPr/>
+        <p:txBody>
+          <a:bodyPr/>
+          <a:lstStyle/>
+          <a:p>
+            <a:r>
+              <a:rPr lang="en-US" dirty="0" smtClean="0"/>
+              <a:t>Conclusion</a:t>
+            </a:r>
+            <a:endParaRPr lang="en-US" dirty="0"/>
+          </a:p>
+        </p:txBody>
+      </p:sp>
+      <p:sp>
+        <p:nvSpPr>
+          <p:cNvPr id="3" name="Content Placeholder 2"/>
+          <p:cNvSpPr>
+            <a:spLocks noGrp="1"/>
+          </p:cNvSpPr>
+          <p:nvPr>
+            <p:ph idx="1"/>
+          </p:nvPr>
+        </p:nvSpPr>
+        <p:spPr/>
+        <p:txBody>
+          <a:bodyPr/>
+          <a:lstStyle/>
+          <a:p>
+            <a:endParaRPr lang="en-US"/>
+          </a:p>
+        </p:txBody>
+      </p:sp>
+    </p:spTree>
+    <p:extLst>
+      <p:ext uri="{BB962C8B-B14F-4D97-AF65-F5344CB8AC3E}">
+        <p14:creationId xmlns:p14="http://schemas.microsoft.com/office/powerpoint/2010/main" val="2002193957"/>
+      </p:ext>
+    </p:extLst>
+  </p:cSld>
+  <p:clrMapOvr>
+    <a:masterClrMapping/>
+  </p:clrMapOvr>
+</p:sld>
+</file>
+
+<file path=ppt/slides/slide59.xml><?xml version="1.0" encoding="utf-8"?>
+<p:sld xmlns:a="http://schemas.openxmlformats.org/drawingml/2006/main" xmlns:r="http://schemas.openxmlformats.org/officeDocument/2006/relationships" xmlns:p="http://schemas.openxmlformats.org/presentationml/2006/main">
+  <p:cSld>
+    <p:spTree>
+      <p:nvGrpSpPr>
+        <p:cNvPr id="1" name=""/>
+        <p:cNvGrpSpPr/>
+        <p:nvPr/>
+      </p:nvGrpSpPr>
+      <p:grpSpPr>
+        <a:xfrm>
+          <a:off x="0" y="0"/>
+          <a:ext cx="0" cy="0"/>
+          <a:chOff x="0" y="0"/>
+          <a:chExt cx="0" cy="0"/>
+        </a:xfrm>
+      </p:grpSpPr>
+      <p:sp>
+        <p:nvSpPr>
+          <p:cNvPr id="2" name="Title 1"/>
+          <p:cNvSpPr>
+            <a:spLocks noGrp="1"/>
+          </p:cNvSpPr>
+          <p:nvPr>
+            <p:ph type="title"/>
+          </p:nvPr>
+        </p:nvSpPr>
+        <p:spPr/>
+        <p:txBody>
+          <a:bodyPr/>
+          <a:lstStyle/>
+          <a:p>
+            <a:r>
+              <a:rPr lang="en-US" dirty="0" smtClean="0"/>
+              <a:t>Scope</a:t>
+            </a:r>
+            <a:endParaRPr lang="en-US" dirty="0"/>
+          </a:p>
+        </p:txBody>
+      </p:sp>
+      <p:sp>
+        <p:nvSpPr>
+          <p:cNvPr id="3" name="Content Placeholder 2"/>
+          <p:cNvSpPr>
+            <a:spLocks noGrp="1"/>
+          </p:cNvSpPr>
+          <p:nvPr>
+            <p:ph idx="1"/>
+          </p:nvPr>
+        </p:nvSpPr>
+        <p:spPr/>
+        <p:txBody>
+          <a:bodyPr/>
+          <a:lstStyle/>
+          <a:p>
+            <a:r>
+              <a:rPr lang="en-US" dirty="0" smtClean="0"/>
+              <a:t>Hierarchy</a:t>
+            </a:r>
+          </a:p>
+          <a:p>
+            <a:r>
+              <a:rPr lang="en-US" dirty="0" smtClean="0"/>
+              <a:t>Inheritance</a:t>
+            </a:r>
+          </a:p>
+          <a:p>
+            <a:r>
+              <a:rPr lang="en-US" dirty="0" smtClean="0"/>
+              <a:t>Broadcast/Emits</a:t>
+            </a:r>
+          </a:p>
+          <a:p>
+            <a:r>
+              <a:rPr lang="en-US" smtClean="0"/>
+              <a:t>Watches</a:t>
+            </a:r>
+          </a:p>
+          <a:p>
+            <a:endParaRPr lang="en-US" dirty="0"/>
+          </a:p>
+        </p:txBody>
+      </p:sp>
+    </p:spTree>
+    <p:extLst>
+      <p:ext uri="{BB962C8B-B14F-4D97-AF65-F5344CB8AC3E}">
+        <p14:creationId xmlns:p14="http://schemas.microsoft.com/office/powerpoint/2010/main" val="714756902"/>
+      </p:ext>
+    </p:extLst>
+  </p:cSld>
+  <p:clrMapOvr>
+    <a:masterClrMapping/>
+  </p:clrMapOvr>
+</p:sld>
+</file>
+
 <file path=ppt/slides/slide6.xml><?xml version="1.0" encoding="utf-8"?>
 <p:sld xmlns:a="http://schemas.openxmlformats.org/drawingml/2006/main" xmlns:r="http://schemas.openxmlformats.org/officeDocument/2006/relationships" xmlns:p="http://schemas.openxmlformats.org/presentationml/2006/main">
   <p:cSld>
@@ -7198,60 +15013,39 @@
           <a:bodyPr/>
           <a:lstStyle/>
           <a:p>
-            <a:pPr>
-              <a:buFont typeface="Wingdings" charset="2"/>
-              <a:buChar char="§"/>
-            </a:pPr>
             <a:r>
               <a:rPr lang="en-US" dirty="0" smtClean="0"/>
               <a:t>Can you read the slides? Can you hear me? Are you getting the examples done in enough time? Are we moving too fast?</a:t>
             </a:r>
           </a:p>
           <a:p>
-            <a:pPr>
-              <a:buFont typeface="Wingdings" charset="2"/>
-              <a:buChar char="§"/>
-            </a:pPr>
             <a:r>
               <a:rPr lang="en-US" dirty="0" smtClean="0"/>
               <a:t>We’re here today for you</a:t>
             </a:r>
           </a:p>
           <a:p>
-            <a:pPr lvl="1">
-              <a:buFont typeface="Wingdings" charset="2"/>
-              <a:buChar char="§"/>
-            </a:pPr>
+            <a:pPr lvl="1"/>
             <a:r>
               <a:rPr lang="en-US" dirty="0" smtClean="0"/>
               <a:t>Ask Questions and I’ll do my best to answer them </a:t>
             </a:r>
           </a:p>
           <a:p>
-            <a:pPr lvl="1">
-              <a:buFont typeface="Wingdings" charset="2"/>
-              <a:buChar char="§"/>
-            </a:pPr>
+            <a:pPr lvl="1"/>
             <a:r>
               <a:rPr lang="en-US" dirty="0" smtClean="0"/>
               <a:t>If time doesn’t permit to address your question on the spot I will follow up with you either during breaks or labs to better work through your question. </a:t>
             </a:r>
           </a:p>
           <a:p>
-            <a:pPr>
-              <a:buFont typeface="Wingdings" charset="2"/>
-              <a:buChar char="§"/>
-            </a:pPr>
             <a:r>
               <a:rPr lang="en-US" dirty="0" smtClean="0"/>
               <a:t>You are not the only one here.</a:t>
             </a:r>
           </a:p>
           <a:p>
-            <a:pPr lvl="1">
-              <a:buFont typeface="Wingdings" charset="2"/>
-              <a:buChar char="§"/>
-            </a:pPr>
+            <a:pPr lvl="1"/>
             <a:r>
               <a:rPr lang="en-US" dirty="0" smtClean="0"/>
               <a:t>Please </a:t>
@@ -7266,27 +15060,17 @@
             </a:r>
           </a:p>
           <a:p>
-            <a:pPr lvl="1">
-              <a:buFont typeface="Wingdings" charset="2"/>
-              <a:buChar char="§"/>
-            </a:pPr>
+            <a:pPr lvl="1"/>
             <a:r>
               <a:rPr lang="en-US" dirty="0" smtClean="0"/>
               <a:t>Should you need to excuse yourself please do so as quickly and as silently as possible.</a:t>
             </a:r>
           </a:p>
           <a:p>
-            <a:pPr>
-              <a:buFont typeface="Wingdings" charset="2"/>
-              <a:buChar char="§"/>
-            </a:pPr>
             <a:endParaRPr lang="en-US" dirty="0" smtClean="0"/>
           </a:p>
           <a:p>
-            <a:pPr lvl="1">
-              <a:buFont typeface="Wingdings" charset="2"/>
-              <a:buChar char="§"/>
-            </a:pPr>
+            <a:pPr lvl="1"/>
             <a:endParaRPr lang="en-US" dirty="0" smtClean="0"/>
           </a:p>
         </p:txBody>
@@ -7311,6 +15095,128 @@
 </p:sld>
 </file>
 
+<file path=ppt/slides/slide60.xml><?xml version="1.0" encoding="utf-8"?>
+<p:sld xmlns:a="http://schemas.openxmlformats.org/drawingml/2006/main" xmlns:r="http://schemas.openxmlformats.org/officeDocument/2006/relationships" xmlns:p="http://schemas.openxmlformats.org/presentationml/2006/main">
+  <p:cSld>
+    <p:spTree>
+      <p:nvGrpSpPr>
+        <p:cNvPr id="1" name=""/>
+        <p:cNvGrpSpPr/>
+        <p:nvPr/>
+      </p:nvGrpSpPr>
+      <p:grpSpPr>
+        <a:xfrm>
+          <a:off x="0" y="0"/>
+          <a:ext cx="0" cy="0"/>
+          <a:chOff x="0" y="0"/>
+          <a:chExt cx="0" cy="0"/>
+        </a:xfrm>
+      </p:grpSpPr>
+      <p:sp>
+        <p:nvSpPr>
+          <p:cNvPr id="2" name="Title 1"/>
+          <p:cNvSpPr>
+            <a:spLocks noGrp="1"/>
+          </p:cNvSpPr>
+          <p:nvPr>
+            <p:ph type="title"/>
+          </p:nvPr>
+        </p:nvSpPr>
+        <p:spPr/>
+        <p:txBody>
+          <a:bodyPr/>
+          <a:lstStyle/>
+          <a:p>
+            <a:r>
+              <a:rPr lang="en-US" dirty="0" smtClean="0"/>
+              <a:t>Filters</a:t>
+            </a:r>
+            <a:endParaRPr lang="en-US" dirty="0"/>
+          </a:p>
+        </p:txBody>
+      </p:sp>
+      <p:sp>
+        <p:nvSpPr>
+          <p:cNvPr id="3" name="Content Placeholder 2"/>
+          <p:cNvSpPr>
+            <a:spLocks noGrp="1"/>
+          </p:cNvSpPr>
+          <p:nvPr>
+            <p:ph idx="1"/>
+          </p:nvPr>
+        </p:nvSpPr>
+        <p:spPr/>
+        <p:txBody>
+          <a:bodyPr/>
+          <a:lstStyle/>
+          <a:p>
+            <a:r>
+              <a:rPr lang="en-US" dirty="0" smtClean="0"/>
+              <a:t>What are Filters</a:t>
+            </a:r>
+          </a:p>
+          <a:p>
+            <a:pPr lvl="1"/>
+            <a:r>
+              <a:rPr lang="en-US" dirty="0" smtClean="0"/>
+              <a:t>Data Filtering</a:t>
+            </a:r>
+          </a:p>
+          <a:p>
+            <a:pPr lvl="1"/>
+            <a:r>
+              <a:rPr lang="en-US" dirty="0" smtClean="0"/>
+              <a:t>Data Formatting</a:t>
+            </a:r>
+          </a:p>
+          <a:p>
+            <a:r>
+              <a:rPr lang="en-US" dirty="0" smtClean="0"/>
+              <a:t>Accessing Filters in our controller</a:t>
+            </a:r>
+          </a:p>
+          <a:p>
+            <a:r>
+              <a:rPr lang="en-US" dirty="0" smtClean="0"/>
+              <a:t>Building our Own Filters</a:t>
+            </a:r>
+          </a:p>
+          <a:p>
+            <a:pPr lvl="1"/>
+            <a:r>
+              <a:rPr lang="en-US" dirty="0" smtClean="0"/>
+              <a:t>Filters in our Controllers</a:t>
+            </a:r>
+          </a:p>
+          <a:p>
+            <a:pPr lvl="1"/>
+            <a:r>
+              <a:rPr lang="en-US" dirty="0" smtClean="0"/>
+              <a:t>Filters that are reusable</a:t>
+            </a:r>
+          </a:p>
+          <a:p>
+            <a:r>
+              <a:rPr lang="en-US" dirty="0" smtClean="0"/>
+              <a:t>Testing Filters</a:t>
+            </a:r>
+            <a:endParaRPr lang="en-US" dirty="0"/>
+          </a:p>
+        </p:txBody>
+      </p:sp>
+    </p:spTree>
+    <p:extLst>
+      <p:ext uri="{BB962C8B-B14F-4D97-AF65-F5344CB8AC3E}">
+        <p14:creationId xmlns:p14="http://schemas.microsoft.com/office/powerpoint/2010/main" val="690034218"/>
+      </p:ext>
+    </p:extLst>
+  </p:cSld>
+  <p:clrMapOvr>
+    <a:masterClrMapping/>
+  </p:clrMapOvr>
+</p:sld>
+</file>
+
 <file path=ppt/slides/slide7.xml><?xml version="1.0" encoding="utf-8"?>
 <p:sld xmlns:a="http://schemas.openxmlformats.org/drawingml/2006/main" xmlns:r="http://schemas.openxmlformats.org/officeDocument/2006/relationships" xmlns:p="http://schemas.openxmlformats.org/presentationml/2006/main">
   <p:cSld>
@@ -7366,50 +15272,30 @@
           <a:bodyPr/>
           <a:lstStyle/>
           <a:p>
-            <a:pPr>
-              <a:buFont typeface="Arial" charset="0"/>
-              <a:buChar char="•"/>
-            </a:pPr>
             <a:r>
               <a:rPr lang="en-US" dirty="0" smtClean="0"/>
               <a:t>We have a lot of content to cover in a very limited amount of time to do so. (Roughly 75-100 slides per day) </a:t>
             </a:r>
           </a:p>
           <a:p>
-            <a:pPr>
-              <a:buFont typeface="Arial" charset="0"/>
-              <a:buChar char="•"/>
-            </a:pPr>
             <a:r>
               <a:rPr lang="en-US" dirty="0" smtClean="0"/>
               <a:t>We will look to start at 9:00A each morning. </a:t>
             </a:r>
           </a:p>
           <a:p>
-            <a:pPr>
-              <a:buFont typeface="Arial" charset="0"/>
-              <a:buChar char="•"/>
-            </a:pPr>
             <a:r>
               <a:rPr lang="en-US" dirty="0" smtClean="0"/>
               <a:t>We will look to break 5-10 minutes each hour </a:t>
             </a:r>
           </a:p>
           <a:p>
-            <a:pPr>
-              <a:buFont typeface="Arial" charset="0"/>
-              <a:buChar char="•"/>
-            </a:pPr>
             <a:r>
               <a:rPr lang="en-US" dirty="0" smtClean="0"/>
               <a:t>We will also look to take 60 minutes for lunch</a:t>
             </a:r>
           </a:p>
           <a:p>
-            <a:pPr>
-              <a:buFont typeface="Arial" charset="0"/>
-              <a:buChar char="•"/>
-            </a:pPr>
             <a:r>
               <a:rPr lang="en-US" dirty="0" smtClean="0"/>
               <a:t>Please do your best to start and return as promptly as possible so that we can get through this material. </a:t>
@@ -7622,30 +15508,19 @@
           <a:bodyPr/>
           <a:lstStyle/>
           <a:p>
-            <a:pPr>
-              <a:buFont typeface="Arial" charset="0"/>
-              <a:buChar char="•"/>
-            </a:pPr>
             <a:r>
               <a:rPr lang="en-US" dirty="0" smtClean="0"/>
               <a:t>JavaScript came into being to create a cleaner and richer client experience. </a:t>
             </a:r>
           </a:p>
           <a:p>
-            <a:pPr>
-              <a:buFont typeface="Arial" charset="0"/>
-              <a:buChar char="•"/>
-            </a:pPr>
             <a:r>
               <a:rPr lang="en-US" dirty="0" smtClean="0"/>
               <a:t>JavaScript interpreters are browser specific</a:t>
             </a:r>
           </a:p>
           <a:p>
-            <a:pPr lvl="1">
-              <a:buFont typeface="Arial" charset="0"/>
-              <a:buChar char="•"/>
-            </a:pPr>
+            <a:pPr lvl="1"/>
             <a:r>
               <a:rPr lang="en-US" dirty="0" err="1" smtClean="0"/>
               <a:t>WebKit</a:t>
@@ -7661,20 +15536,13 @@
             <a:endParaRPr lang="en-US" dirty="0" smtClean="0"/>
           </a:p>
           <a:p>
-            <a:pPr>
-              <a:buFont typeface="Arial" charset="0"/>
-              <a:buChar char="•"/>
-            </a:pPr>
             <a:r>
               <a:rPr lang="en-US" dirty="0" smtClean="0"/>
               <a:t>Over the last decade there have been a number of different client libraries built on top of JavaScript to enable quicker development and target multiple browsers.</a:t>
             </a:r>
           </a:p>
           <a:p>
-            <a:pPr lvl="1">
-              <a:buFont typeface="Arial" charset="0"/>
-              <a:buChar char="•"/>
-            </a:pPr>
+            <a:pPr lvl="1"/>
             <a:r>
               <a:rPr lang="en-US" dirty="0" smtClean="0"/>
               <a:t>Ex: </a:t>
@@ -7697,17 +15565,13 @@
             </a:r>
           </a:p>
           <a:p>
-            <a:pPr>
-              <a:buFont typeface="Arial" charset="0"/>
-              <a:buChar char="•"/>
-            </a:pPr>
-            <a:r>
-              <a:rPr lang="en-US" dirty="0" err="1" smtClean="0"/>
-              <a:t>JavasScript</a:t>
-            </a:r>
-            <a:r>
-              <a:rPr lang="en-US" dirty="0" smtClean="0"/>
-              <a:t> is quickly becoming, if not already, the most popular programming language in the world.</a:t>
+            <a:r>
+              <a:rPr lang="en-US" dirty="0" smtClean="0"/>
+              <a:t>JavaScript </a:t>
+            </a:r>
+            <a:r>
+              <a:rPr lang="en-US" dirty="0" smtClean="0"/>
+              <a:t>is quickly becoming, if not already, the most popular programming language in the world.</a:t>
             </a:r>
           </a:p>
         </p:txBody>

--- a/materials/AngularJS.pptx
+++ b/materials/AngularJS.pptx
@@ -11468,7 +11468,6 @@
               <a:rPr lang="en-US" dirty="0" smtClean="0"/>
               <a:t>– a pattern used to decouple resources so that they can be supplied at run time rather than compile time.</a:t>
             </a:r>
-            <a:endParaRPr lang="en-US" dirty="0" smtClean="0"/>
           </a:p>
         </p:txBody>
       </p:sp>
@@ -43448,11 +43447,7 @@
             </a:r>
             <a:r>
               <a:rPr lang="en-US" dirty="0" smtClean="0"/>
-              <a:t>create </a:t>
-            </a:r>
-            <a:r>
-              <a:rPr lang="en-US" dirty="0" smtClean="0"/>
-              <a:t>a unit test to verify the methods we added in the last exercise in the controllers section. </a:t>
+              <a:t>create a unit test to verify the methods we added in the last exercise in the controllers section. </a:t>
             </a:r>
           </a:p>
           <a:p>
@@ -44780,7 +44775,6 @@
               <a:rPr lang="en-US" dirty="0" smtClean="0"/>
               <a:t>Let’s take a shot at setting up messaging within our controllers using scope. </a:t>
             </a:r>
-            <a:endParaRPr lang="en-US" dirty="0" smtClean="0"/>
           </a:p>
           <a:p>
             <a:pPr lvl="1"/>
@@ -47157,17 +47151,8 @@
             <a:pPr lvl="2"/>
             <a:r>
               <a:rPr lang="en-US" dirty="0" smtClean="0"/>
-              <a:t>You will need to add the filter </a:t>
-            </a:r>
-            <a:r>
-              <a:rPr lang="en-US" dirty="0" smtClean="0"/>
-              <a:t>dependency (either by nam</a:t>
-            </a:r>
-            <a:r>
-              <a:rPr lang="en-US" dirty="0" smtClean="0"/>
-              <a:t>e or service)</a:t>
-            </a:r>
-            <a:endParaRPr lang="en-US" dirty="0" smtClean="0"/>
+              <a:t>You will need to add the filter dependency (either by name or service)</a:t>
+            </a:r>
           </a:p>
           <a:p>
             <a:pPr lvl="2"/>
@@ -47786,11 +47771,7 @@
             </a:r>
             <a:r>
               <a:rPr lang="en-US" b="1" dirty="0" smtClean="0"/>
-              <a:t>.filter(name</a:t>
-            </a:r>
-            <a:r>
-              <a:rPr lang="en-US" b="1" dirty="0" smtClean="0"/>
-              <a:t>, [</a:t>
+              <a:t>.filter(name, [</a:t>
             </a:r>
             <a:r>
               <a:rPr lang="en-US" b="1" dirty="0" err="1" smtClean="0"/>
@@ -47860,7 +47841,6 @@
               <a:rPr lang="en-US" dirty="0" smtClean="0"/>
               <a:t>This will contain the logic to your filter. It should accept an array as input and return an array as its output. </a:t>
             </a:r>
-            <a:endParaRPr lang="en-US" dirty="0" smtClean="0"/>
           </a:p>
           <a:p>
             <a:pPr lvl="1"/>
@@ -47991,7 +47971,6 @@
               <a:rPr lang="en-US" dirty="0" smtClean="0"/>
               <a:t>Setting these filters up is pretty straight forward; however, it is likely we’re going to need to pass some data to them.</a:t>
             </a:r>
-            <a:endParaRPr lang="en-US" dirty="0" smtClean="0"/>
           </a:p>
           <a:p>
             <a:r>
@@ -48155,7 +48134,6 @@
               <a:rPr lang="en-US" dirty="0" smtClean="0"/>
               <a:t>The filter is now wired up to accept a parameter so that we can check the array to see if it begins with that value. </a:t>
             </a:r>
-            <a:endParaRPr lang="en-US" dirty="0" smtClean="0"/>
           </a:p>
           <a:p>
             <a:r>
@@ -48280,14 +48258,10 @@
           <a:p>
             <a:r>
               <a:rPr lang="en-US" dirty="0"/>
-              <a:t>Let’s setup </a:t>
-            </a:r>
-            <a:r>
-              <a:rPr lang="en-US"/>
-              <a:t>a </a:t>
-            </a:r>
-            <a:r>
-              <a:rPr lang="en-US" smtClean="0"/>
+              <a:t>Let’s setup a </a:t>
+            </a:r>
+            <a:r>
+              <a:rPr lang="en-US" dirty="0" smtClean="0"/>
               <a:t>reusable filter to </a:t>
             </a:r>
             <a:r>
@@ -48392,32 +48366,6 @@
               <a:t>86</a:t>
             </a:fld>
             <a:endParaRPr lang="en-US"/>
-          </a:p>
-        </p:txBody>
-      </p:sp>
-      <p:sp>
-        <p:nvSpPr>
-          <p:cNvPr id="5" name="TextBox 4"/>
-          <p:cNvSpPr txBox="1"/>
-          <p:nvPr/>
-        </p:nvSpPr>
-        <p:spPr>
-          <a:xfrm>
-            <a:off x="6384758" y="2021305"/>
-            <a:ext cx="184731" cy="369332"/>
-          </a:xfrm>
-          <a:prstGeom prst="rect">
-            <a:avLst/>
-          </a:prstGeom>
-          <a:noFill/>
-        </p:spPr>
-        <p:txBody>
-          <a:bodyPr wrap="none" rtlCol="0">
-            <a:spAutoFit/>
-          </a:bodyPr>
-          <a:lstStyle/>
-          <a:p>
-            <a:endParaRPr lang="en-US" dirty="0"/>
           </a:p>
         </p:txBody>
       </p:sp>
@@ -48537,18 +48485,26 @@
             <a:pPr lvl="1"/>
             <a:r>
               <a:rPr lang="en-US" dirty="0" smtClean="0"/>
-              <a:t>This will insatiate the filter and provide whatever state is needed to run the filter</a:t>
-            </a:r>
-          </a:p>
-          <a:p>
-            <a:pPr lvl="1"/>
-            <a:endParaRPr lang="en-US" dirty="0"/>
-          </a:p>
-          <a:p>
-            <a:pPr lvl="1"/>
-            <a:r>
-              <a:rPr lang="en-US" dirty="0" smtClean="0"/>
-              <a:t>EXAMPLE</a:t>
+              <a:t>This will insatiate the filter and provide whatever state is needed to run the </a:t>
+            </a:r>
+            <a:r>
+              <a:rPr lang="en-US" dirty="0" smtClean="0"/>
+              <a:t>filter</a:t>
+            </a:r>
+            <a:endParaRPr lang="en-US" dirty="0"/>
+          </a:p>
+          <a:p>
+            <a:r>
+              <a:rPr lang="en-US" dirty="0" smtClean="0"/>
+              <a:t>/</a:t>
+            </a:r>
+            <a:r>
+              <a:rPr lang="en-US" dirty="0" err="1" smtClean="0"/>
+              <a:t>AngularClass</a:t>
+            </a:r>
+            <a:r>
+              <a:rPr lang="en-US" dirty="0" smtClean="0"/>
+              <a:t>/Filters/Samples/Testing</a:t>
             </a:r>
             <a:endParaRPr lang="en-US" dirty="0"/>
           </a:p>
@@ -48652,7 +48608,57 @@
           <a:bodyPr/>
           <a:lstStyle/>
           <a:p>
-            <a:endParaRPr lang="en-US"/>
+            <a:r>
+              <a:rPr lang="en-US" dirty="0"/>
+              <a:t>Let’s </a:t>
+            </a:r>
+            <a:r>
+              <a:rPr lang="en-US" dirty="0" smtClean="0"/>
+              <a:t>create unit tests for the two filters that we created in the last two labs</a:t>
+            </a:r>
+          </a:p>
+          <a:p>
+            <a:pPr lvl="1"/>
+            <a:r>
+              <a:rPr lang="en-US" dirty="0" smtClean="0"/>
+              <a:t>Source: /</a:t>
+            </a:r>
+            <a:r>
+              <a:rPr lang="en-US" dirty="0" err="1" smtClean="0"/>
+              <a:t>AngularClass</a:t>
+            </a:r>
+            <a:r>
+              <a:rPr lang="en-US" dirty="0" smtClean="0"/>
+              <a:t>/Filters/Exercises/Testing</a:t>
+            </a:r>
+          </a:p>
+          <a:p>
+            <a:r>
+              <a:rPr lang="en-US" dirty="0" smtClean="0"/>
+              <a:t>In </a:t>
+            </a:r>
+            <a:r>
+              <a:rPr lang="en-US" dirty="0"/>
+              <a:t>this Lab, you should do the following:</a:t>
+            </a:r>
+          </a:p>
+          <a:p>
+            <a:pPr lvl="1"/>
+            <a:r>
+              <a:rPr lang="en-US" dirty="0" smtClean="0"/>
+              <a:t>Create test cases to cover the various use cases for both your local filter and </a:t>
+            </a:r>
+            <a:r>
+              <a:rPr lang="en-US" smtClean="0"/>
+              <a:t>your reusable filter (the one’s you created in the last two labs)</a:t>
+            </a:r>
+            <a:endParaRPr lang="en-US" dirty="0"/>
+          </a:p>
+          <a:p>
+            <a:endParaRPr lang="en-US" dirty="0"/>
+          </a:p>
+          <a:p>
+            <a:endParaRPr lang="en-US" dirty="0"/>
           </a:p>
         </p:txBody>
       </p:sp>

--- a/materials/AngularJS.pptx
+++ b/materials/AngularJS.pptx
@@ -4979,9 +4979,27 @@
             </a:r>
             <a:r>
               <a:rPr lang="en-US" dirty="0" smtClean="0"/>
-              <a:t>include it in your route path</a:t>
-            </a:r>
-            <a:endParaRPr lang="en-US" dirty="0"/>
+              <a:t>include it in your route </a:t>
+            </a:r>
+            <a:r>
+              <a:rPr lang="en-US" dirty="0" smtClean="0"/>
+              <a:t>path</a:t>
+            </a:r>
+          </a:p>
+          <a:p>
+            <a:r>
+              <a:rPr lang="en-US" dirty="0">
+                <a:hlinkClick r:id="rId2"/>
+              </a:rPr>
+              <a:t>http://localhost:9080/Routing/Samples/NgRouteLocation</a:t>
+            </a:r>
+            <a:r>
+              <a:rPr lang="en-US" dirty="0" smtClean="0">
+                <a:hlinkClick r:id="rId2"/>
+              </a:rPr>
+              <a:t>/</a:t>
+            </a:r>
+            <a:endParaRPr lang="en-US" dirty="0" smtClean="0"/>
           </a:p>
         </p:txBody>
       </p:sp>
@@ -5083,7 +5101,76 @@
           <a:bodyPr/>
           <a:lstStyle/>
           <a:p>
-            <a:endParaRPr lang="en-US"/>
+            <a:r>
+              <a:rPr lang="en-US" dirty="0">
+                <a:hlinkClick r:id="rId2"/>
+              </a:rPr>
+              <a:t>http://</a:t>
+            </a:r>
+            <a:r>
+              <a:rPr lang="en-US" dirty="0" smtClean="0">
+                <a:hlinkClick r:id="rId2"/>
+              </a:rPr>
+              <a:t>localhost:9080/Routing/Exercises/NgRouteLocation/</a:t>
+            </a:r>
+            <a:endParaRPr lang="en-US" dirty="0" smtClean="0"/>
+          </a:p>
+          <a:p>
+            <a:pPr lvl="1"/>
+            <a:r>
+              <a:rPr lang="en-US" dirty="0" smtClean="0"/>
+              <a:t>Source: /</a:t>
+            </a:r>
+            <a:r>
+              <a:rPr lang="en-US" dirty="0" err="1" smtClean="0"/>
+              <a:t>AngularClass</a:t>
+            </a:r>
+            <a:r>
+              <a:rPr lang="en-US" dirty="0" smtClean="0"/>
+              <a:t>/Routing/Exercises/</a:t>
+            </a:r>
+            <a:r>
+              <a:rPr lang="en-US" dirty="0" err="1" smtClean="0"/>
+              <a:t>NgRouteLocation</a:t>
+            </a:r>
+            <a:endParaRPr lang="en-US" dirty="0" smtClean="0"/>
+          </a:p>
+          <a:p>
+            <a:endParaRPr lang="en-US" dirty="0"/>
+          </a:p>
+          <a:p>
+            <a:r>
+              <a:rPr lang="en-US" dirty="0"/>
+              <a:t>In this Lab, you should do the following:</a:t>
+            </a:r>
+          </a:p>
+          <a:p>
+            <a:pPr lvl="1"/>
+            <a:r>
+              <a:rPr lang="en-US" dirty="0" smtClean="0"/>
+              <a:t>You will refactor your previous lab to move using the $location variable as opposed to the </a:t>
+            </a:r>
+            <a:r>
+              <a:rPr lang="en-US" dirty="0" err="1" smtClean="0"/>
+              <a:t>href</a:t>
+            </a:r>
+            <a:r>
+              <a:rPr lang="en-US" dirty="0" smtClean="0"/>
+              <a:t> tags</a:t>
+            </a:r>
+            <a:endParaRPr lang="en-US" dirty="0"/>
+          </a:p>
+          <a:p>
+            <a:endParaRPr lang="en-US" dirty="0"/>
+          </a:p>
+          <a:p>
+            <a:endParaRPr lang="en-US" dirty="0"/>
+          </a:p>
+          <a:p>
+            <a:endParaRPr lang="en-US" dirty="0" smtClean="0"/>
+          </a:p>
+          <a:p>
+            <a:endParaRPr lang="en-US" dirty="0"/>
           </a:p>
         </p:txBody>
       </p:sp>
@@ -5421,8 +5508,34 @@
             <a:pPr lvl="1"/>
             <a:r>
               <a:rPr lang="en-US" dirty="0" smtClean="0"/>
-              <a:t>This enables Angular to properly resolve your URLs.</a:t>
-            </a:r>
+              <a:t>This enables Angular to properly resolve </a:t>
+            </a:r>
+            <a:r>
+              <a:rPr lang="en-US" smtClean="0"/>
+              <a:t>your </a:t>
+            </a:r>
+            <a:r>
+              <a:rPr lang="en-US" smtClean="0"/>
+              <a:t>URLs.</a:t>
+            </a:r>
+            <a:endParaRPr lang="en-US" dirty="0" smtClean="0"/>
+          </a:p>
+          <a:p>
+            <a:r>
+              <a:rPr lang="en-US" dirty="0">
+                <a:hlinkClick r:id="rId2"/>
+              </a:rPr>
+              <a:t>http://localhost:9080/Routing/Samples/NgRouteNoHash</a:t>
+            </a:r>
+            <a:r>
+              <a:rPr lang="en-US" dirty="0" smtClean="0">
+                <a:hlinkClick r:id="rId2"/>
+              </a:rPr>
+              <a:t>/</a:t>
+            </a:r>
+            <a:endParaRPr lang="en-US" dirty="0" smtClean="0"/>
+          </a:p>
+          <a:p>
             <a:endParaRPr lang="en-US" dirty="0"/>
           </a:p>
         </p:txBody>
@@ -48646,12 +48759,11 @@
             <a:pPr lvl="1"/>
             <a:r>
               <a:rPr lang="en-US" dirty="0" smtClean="0"/>
-              <a:t>Create test cases to cover the various use cases for both your local filter and </a:t>
-            </a:r>
-            <a:r>
-              <a:rPr lang="en-US" smtClean="0"/>
-              <a:t>your reusable filter (the one’s you created in the last two labs)</a:t>
-            </a:r>
+              <a:t>Create test cases to cover the various use cases for both your local filter and your reusable filter (the one’s you created in the last two labs)</a:t>
+            </a:r>
+            <a:endParaRPr lang="en-US" dirty="0"/>
+          </a:p>
+          <a:p>
             <a:endParaRPr lang="en-US" dirty="0"/>
           </a:p>
           <a:p>
@@ -50516,7 +50628,11 @@
             </a:r>
             <a:r>
               <a:rPr lang="en-US" b="1" dirty="0" smtClean="0"/>
-              <a:t>”, “$</a:t>
+              <a:t>”, </a:t>
+            </a:r>
+            <a:r>
+              <a:rPr lang="en-US" b="1" dirty="0" smtClean="0"/>
+              <a:t>“$</a:t>
             </a:r>
             <a:r>
               <a:rPr lang="en-US" b="1" dirty="0" err="1" smtClean="0"/>
@@ -50582,7 +50698,7 @@
               <a:buNone/>
             </a:pPr>
             <a:r>
-              <a:rPr lang="en-US" b="1" dirty="0"/>
+              <a:rPr lang="en-US" b="1" dirty="0" smtClean="0"/>
               <a:t>});</a:t>
             </a:r>
           </a:p>
@@ -50590,15 +50706,33 @@
             <a:pPr marL="292608" lvl="1" indent="0">
               <a:buNone/>
             </a:pPr>
+            <a:endParaRPr lang="en-US" b="1" dirty="0">
+              <a:hlinkClick r:id="rId2"/>
+            </a:endParaRPr>
+          </a:p>
+          <a:p>
+            <a:pPr marL="292608" lvl="1" indent="0">
+              <a:buNone/>
+            </a:pPr>
+            <a:r>
+              <a:rPr lang="en-US" dirty="0" smtClean="0">
+                <a:hlinkClick r:id="rId2"/>
+              </a:rPr>
+              <a:t>http</a:t>
+            </a:r>
+            <a:r>
+              <a:rPr lang="en-US" dirty="0">
+                <a:hlinkClick r:id="rId2"/>
+              </a:rPr>
+              <a:t>://</a:t>
+            </a:r>
+            <a:r>
+              <a:rPr lang="en-US" dirty="0" smtClean="0">
+                <a:hlinkClick r:id="rId2"/>
+              </a:rPr>
+              <a:t>localhost:9080/Routing/Samples/NgRoute</a:t>
+            </a:r>
             <a:endParaRPr lang="en-US" dirty="0" smtClean="0"/>
-          </a:p>
-          <a:p>
-            <a:pPr lvl="1"/>
-            <a:r>
-              <a:rPr lang="en-US" dirty="0" smtClean="0"/>
-              <a:t>EXAMPLE</a:t>
-            </a:r>
-            <a:endParaRPr lang="en-US" dirty="0"/>
           </a:p>
         </p:txBody>
       </p:sp>
@@ -50699,6 +50833,93 @@
         <p:txBody>
           <a:bodyPr/>
           <a:lstStyle/>
+          <a:p>
+            <a:r>
+              <a:rPr lang="en-US" dirty="0" smtClean="0">
+                <a:hlinkClick r:id="rId2"/>
+              </a:rPr>
+              <a:t>http</a:t>
+            </a:r>
+            <a:r>
+              <a:rPr lang="en-US" dirty="0">
+                <a:hlinkClick r:id="rId2"/>
+              </a:rPr>
+              <a:t>://localhost:9080/Routing/Exercises/NgRoute</a:t>
+            </a:r>
+            <a:r>
+              <a:rPr lang="en-US" dirty="0" smtClean="0">
+                <a:hlinkClick r:id="rId2"/>
+              </a:rPr>
+              <a:t>/</a:t>
+            </a:r>
+            <a:endParaRPr lang="en-US" dirty="0"/>
+          </a:p>
+          <a:p>
+            <a:pPr lvl="1"/>
+            <a:r>
+              <a:rPr lang="en-US" dirty="0"/>
+              <a:t>Source: /</a:t>
+            </a:r>
+            <a:r>
+              <a:rPr lang="en-US" dirty="0" err="1" smtClean="0"/>
+              <a:t>AngularClass</a:t>
+            </a:r>
+            <a:r>
+              <a:rPr lang="en-US" dirty="0" smtClean="0"/>
+              <a:t>/Routing/Exercises/</a:t>
+            </a:r>
+            <a:r>
+              <a:rPr lang="en-US" dirty="0" err="1" smtClean="0"/>
+              <a:t>NgRoute</a:t>
+            </a:r>
+            <a:endParaRPr lang="en-US" dirty="0" smtClean="0"/>
+          </a:p>
+          <a:p>
+            <a:endParaRPr lang="en-US" dirty="0" smtClean="0"/>
+          </a:p>
+          <a:p>
+            <a:r>
+              <a:rPr lang="en-US" dirty="0" smtClean="0"/>
+              <a:t>In this Lab, you should do the following:</a:t>
+            </a:r>
+          </a:p>
+          <a:p>
+            <a:pPr lvl="1"/>
+            <a:r>
+              <a:rPr lang="en-US" dirty="0" smtClean="0"/>
+              <a:t>You will need to setup the route configuration in your main app module</a:t>
+            </a:r>
+            <a:endParaRPr lang="en-US" dirty="0"/>
+          </a:p>
+          <a:p>
+            <a:pPr lvl="1"/>
+            <a:r>
+              <a:rPr lang="en-US" dirty="0"/>
+              <a:t>In your controller you will need to add a module dependency to your filter module</a:t>
+            </a:r>
+          </a:p>
+          <a:p>
+            <a:pPr lvl="1"/>
+            <a:r>
+              <a:rPr lang="en-US" dirty="0" smtClean="0"/>
+              <a:t>Fill in your templates for your List and Detail Pages</a:t>
+            </a:r>
+          </a:p>
+          <a:p>
+            <a:pPr lvl="1"/>
+            <a:r>
+              <a:rPr lang="en-US" dirty="0" smtClean="0"/>
+              <a:t>Wire your index view up to work with </a:t>
+            </a:r>
+            <a:r>
+              <a:rPr lang="en-US" dirty="0" err="1" smtClean="0"/>
+              <a:t>ngRoute</a:t>
+            </a:r>
+            <a:endParaRPr lang="en-US" dirty="0"/>
+          </a:p>
+          <a:p>
+            <a:endParaRPr lang="en-US" dirty="0"/>
+          </a:p>
           <a:p>
             <a:endParaRPr lang="en-US" dirty="0"/>
           </a:p>

--- a/materials/AngularJS.pptx
+++ b/materials/AngularJS.pptx
@@ -7,6 +7,9 @@
   <p:notesMasterIdLst>
     <p:notesMasterId r:id="rId242"/>
   </p:notesMasterIdLst>
+  <p:handoutMasterIdLst>
+    <p:handoutMasterId r:id="rId243"/>
+  </p:handoutMasterIdLst>
   <p:sldIdLst>
     <p:sldId id="256" r:id="rId2"/>
     <p:sldId id="269" r:id="rId3"/>
@@ -371,6 +374,171 @@
     <p:extLst/>
   </p:cmAuthor>
 </p:cmAuthorLst>
+</file>
+
+<file path=ppt/handoutMasters/handoutMaster1.xml><?xml version="1.0" encoding="utf-8"?>
+<p:handoutMaster xmlns:a="http://schemas.openxmlformats.org/drawingml/2006/main" xmlns:r="http://schemas.openxmlformats.org/officeDocument/2006/relationships" xmlns:p="http://schemas.openxmlformats.org/presentationml/2006/main">
+  <p:cSld>
+    <p:bg>
+      <p:bgRef idx="1001">
+        <a:schemeClr val="bg1"/>
+      </p:bgRef>
+    </p:bg>
+    <p:spTree>
+      <p:nvGrpSpPr>
+        <p:cNvPr id="1" name=""/>
+        <p:cNvGrpSpPr/>
+        <p:nvPr/>
+      </p:nvGrpSpPr>
+      <p:grpSpPr>
+        <a:xfrm>
+          <a:off x="0" y="0"/>
+          <a:ext cx="0" cy="0"/>
+          <a:chOff x="0" y="0"/>
+          <a:chExt cx="0" cy="0"/>
+        </a:xfrm>
+      </p:grpSpPr>
+      <p:sp>
+        <p:nvSpPr>
+          <p:cNvPr id="2" name="Header Placeholder 1"/>
+          <p:cNvSpPr>
+            <a:spLocks noGrp="1"/>
+          </p:cNvSpPr>
+          <p:nvPr>
+            <p:ph type="hdr" sz="quarter"/>
+          </p:nvPr>
+        </p:nvSpPr>
+        <p:spPr>
+          <a:xfrm>
+            <a:off x="0" y="0"/>
+            <a:ext cx="2971800" cy="458788"/>
+          </a:xfrm>
+          <a:prstGeom prst="rect">
+            <a:avLst/>
+          </a:prstGeom>
+        </p:spPr>
+        <p:txBody>
+          <a:bodyPr vert="horz" lIns="91440" tIns="45720" rIns="91440" bIns="45720" rtlCol="0"/>
+          <a:lstStyle>
+            <a:lvl1pPr algn="l">
+              <a:defRPr sz="1200"/>
+            </a:lvl1pPr>
+          </a:lstStyle>
+          <a:p>
+            <a:endParaRPr lang="en-US"/>
+          </a:p>
+        </p:txBody>
+      </p:sp>
+      <p:sp>
+        <p:nvSpPr>
+          <p:cNvPr id="3" name="Date Placeholder 2"/>
+          <p:cNvSpPr>
+            <a:spLocks noGrp="1"/>
+          </p:cNvSpPr>
+          <p:nvPr>
+            <p:ph type="dt" sz="quarter" idx="1"/>
+          </p:nvPr>
+        </p:nvSpPr>
+        <p:spPr>
+          <a:xfrm>
+            <a:off x="3884613" y="0"/>
+            <a:ext cx="2971800" cy="458788"/>
+          </a:xfrm>
+          <a:prstGeom prst="rect">
+            <a:avLst/>
+          </a:prstGeom>
+        </p:spPr>
+        <p:txBody>
+          <a:bodyPr vert="horz" lIns="91440" tIns="45720" rIns="91440" bIns="45720" rtlCol="0"/>
+          <a:lstStyle>
+            <a:lvl1pPr algn="r">
+              <a:defRPr sz="1200"/>
+            </a:lvl1pPr>
+          </a:lstStyle>
+          <a:p>
+            <a:fld id="{3EED33BA-F7FE-3846-90E5-586BB4D95682}" type="datetimeFigureOut">
+              <a:rPr lang="en-US" smtClean="0"/>
+              <a:t>3/1/16</a:t>
+            </a:fld>
+            <a:endParaRPr lang="en-US"/>
+          </a:p>
+        </p:txBody>
+      </p:sp>
+      <p:sp>
+        <p:nvSpPr>
+          <p:cNvPr id="4" name="Footer Placeholder 3"/>
+          <p:cNvSpPr>
+            <a:spLocks noGrp="1"/>
+          </p:cNvSpPr>
+          <p:nvPr>
+            <p:ph type="ftr" sz="quarter" idx="2"/>
+          </p:nvPr>
+        </p:nvSpPr>
+        <p:spPr>
+          <a:xfrm>
+            <a:off x="0" y="8685213"/>
+            <a:ext cx="2971800" cy="458787"/>
+          </a:xfrm>
+          <a:prstGeom prst="rect">
+            <a:avLst/>
+          </a:prstGeom>
+        </p:spPr>
+        <p:txBody>
+          <a:bodyPr vert="horz" lIns="91440" tIns="45720" rIns="91440" bIns="45720" rtlCol="0" anchor="b"/>
+          <a:lstStyle>
+            <a:lvl1pPr algn="l">
+              <a:defRPr sz="1200"/>
+            </a:lvl1pPr>
+          </a:lstStyle>
+          <a:p>
+            <a:endParaRPr lang="en-US"/>
+          </a:p>
+        </p:txBody>
+      </p:sp>
+      <p:sp>
+        <p:nvSpPr>
+          <p:cNvPr id="5" name="Slide Number Placeholder 4"/>
+          <p:cNvSpPr>
+            <a:spLocks noGrp="1"/>
+          </p:cNvSpPr>
+          <p:nvPr>
+            <p:ph type="sldNum" sz="quarter" idx="3"/>
+          </p:nvPr>
+        </p:nvSpPr>
+        <p:spPr>
+          <a:xfrm>
+            <a:off x="3884613" y="8685213"/>
+            <a:ext cx="2971800" cy="458787"/>
+          </a:xfrm>
+          <a:prstGeom prst="rect">
+            <a:avLst/>
+          </a:prstGeom>
+        </p:spPr>
+        <p:txBody>
+          <a:bodyPr vert="horz" lIns="91440" tIns="45720" rIns="91440" bIns="45720" rtlCol="0" anchor="b"/>
+          <a:lstStyle>
+            <a:lvl1pPr algn="r">
+              <a:defRPr sz="1200"/>
+            </a:lvl1pPr>
+          </a:lstStyle>
+          <a:p>
+            <a:fld id="{D9C15D29-3B79-4446-9F36-91ED3E213BB6}" type="slidenum">
+              <a:rPr lang="en-US" smtClean="0"/>
+              <a:t>‹#›</a:t>
+            </a:fld>
+            <a:endParaRPr lang="en-US"/>
+          </a:p>
+        </p:txBody>
+      </p:sp>
+    </p:spTree>
+    <p:extLst>
+      <p:ext uri="{BB962C8B-B14F-4D97-AF65-F5344CB8AC3E}">
+        <p14:creationId xmlns:p14="http://schemas.microsoft.com/office/powerpoint/2010/main" val="1387831557"/>
+      </p:ext>
+    </p:extLst>
+  </p:cSld>
+  <p:clrMap bg1="lt1" tx1="dk1" bg2="lt2" tx2="dk2" accent1="accent1" accent2="accent2" accent3="accent3" accent4="accent4" accent5="accent5" accent6="accent6" hlink="hlink" folHlink="folHlink"/>
+</p:handoutMaster>
 </file>
 
 <file path=ppt/notesMasters/notesMaster1.xml><?xml version="1.0" encoding="utf-8"?>
@@ -5508,16 +5676,19 @@
             <a:pPr lvl="1"/>
             <a:r>
               <a:rPr lang="en-US" dirty="0" smtClean="0"/>
-              <a:t>This enables Angular to properly resolve </a:t>
-            </a:r>
-            <a:r>
-              <a:rPr lang="en-US" smtClean="0"/>
-              <a:t>your </a:t>
-            </a:r>
-            <a:r>
-              <a:rPr lang="en-US" smtClean="0"/>
+              <a:t>This enables Angular to properly resolve your </a:t>
+            </a:r>
+            <a:r>
+              <a:rPr lang="en-US" dirty="0" smtClean="0"/>
               <a:t>URLs.</a:t>
             </a:r>
+          </a:p>
+          <a:p>
+            <a:pPr lvl="1"/>
+            <a:endParaRPr lang="en-US" dirty="0"/>
+          </a:p>
+          <a:p>
+            <a:pPr lvl="1"/>
             <a:endParaRPr lang="en-US" dirty="0" smtClean="0"/>
           </a:p>
           <a:p>
@@ -8023,8 +8194,30 @@
           <a:p>
             <a:r>
               <a:rPr lang="en-US" dirty="0" smtClean="0"/>
-              <a:t>They might present a different combination of the view components based on the current state of the application</a:t>
-            </a:r>
+              <a:t>They might present a different combination of the view components based on the current state of the </a:t>
+            </a:r>
+            <a:r>
+              <a:rPr lang="en-US" dirty="0" smtClean="0"/>
+              <a:t>application</a:t>
+            </a:r>
+          </a:p>
+          <a:p>
+            <a:endParaRPr lang="en-US" dirty="0"/>
+          </a:p>
+          <a:p>
+            <a:r>
+              <a:rPr lang="en-US" dirty="0">
+                <a:hlinkClick r:id="rId2"/>
+              </a:rPr>
+              <a:t>http://localhost:9080/Routing/Solutions/UIRouter</a:t>
+            </a:r>
+            <a:r>
+              <a:rPr lang="en-US" dirty="0" smtClean="0">
+                <a:hlinkClick r:id="rId2"/>
+              </a:rPr>
+              <a:t>/</a:t>
+            </a:r>
+            <a:endParaRPr lang="en-US" dirty="0" smtClean="0"/>
           </a:p>
         </p:txBody>
       </p:sp>
@@ -8126,7 +8319,104 @@
           <a:bodyPr/>
           <a:lstStyle/>
           <a:p>
-            <a:endParaRPr lang="en-US"/>
+            <a:r>
+              <a:rPr lang="en-US" dirty="0">
+                <a:hlinkClick r:id="rId2"/>
+              </a:rPr>
+              <a:t>http://localhost:9080/Routing/Exercises/UIRouter</a:t>
+            </a:r>
+            <a:r>
+              <a:rPr lang="en-US" dirty="0" smtClean="0">
+                <a:hlinkClick r:id="rId2"/>
+              </a:rPr>
+              <a:t>/</a:t>
+            </a:r>
+            <a:endParaRPr lang="en-US" dirty="0" smtClean="0"/>
+          </a:p>
+          <a:p>
+            <a:r>
+              <a:rPr lang="en-US" dirty="0" smtClean="0"/>
+              <a:t>Source</a:t>
+            </a:r>
+            <a:r>
+              <a:rPr lang="en-US" dirty="0"/>
+              <a:t>: /</a:t>
+            </a:r>
+            <a:r>
+              <a:rPr lang="en-US" dirty="0" err="1" smtClean="0"/>
+              <a:t>AngularClass</a:t>
+            </a:r>
+            <a:r>
+              <a:rPr lang="en-US" dirty="0" smtClean="0"/>
+              <a:t>/Routing/Exercises/</a:t>
+            </a:r>
+            <a:r>
+              <a:rPr lang="en-US" dirty="0" err="1" smtClean="0"/>
+              <a:t>UIRouter</a:t>
+            </a:r>
+            <a:endParaRPr lang="en-US" dirty="0"/>
+          </a:p>
+          <a:p>
+            <a:endParaRPr lang="en-US" dirty="0"/>
+          </a:p>
+          <a:p>
+            <a:r>
+              <a:rPr lang="en-US" dirty="0"/>
+              <a:t>In this Lab, you should do the following:</a:t>
+            </a:r>
+          </a:p>
+          <a:p>
+            <a:pPr lvl="1"/>
+            <a:r>
+              <a:rPr lang="en-US" dirty="0" smtClean="0"/>
+              <a:t>You will need to configure your views to support states</a:t>
+            </a:r>
+          </a:p>
+          <a:p>
+            <a:pPr lvl="1"/>
+            <a:r>
+              <a:rPr lang="en-US" dirty="0" smtClean="0"/>
+              <a:t>Setup your state configuration in your app module </a:t>
+            </a:r>
+            <a:r>
+              <a:rPr lang="en-US" dirty="0" err="1" smtClean="0"/>
+              <a:t>config</a:t>
+            </a:r>
+            <a:r>
+              <a:rPr lang="en-US" dirty="0" smtClean="0"/>
+              <a:t> </a:t>
+            </a:r>
+          </a:p>
+          <a:p>
+            <a:pPr lvl="1"/>
+            <a:r>
+              <a:rPr lang="en-US" dirty="0" smtClean="0"/>
+              <a:t>Wire your index page to support </a:t>
+            </a:r>
+            <a:r>
+              <a:rPr lang="en-US" dirty="0" err="1" smtClean="0"/>
+              <a:t>ui</a:t>
+            </a:r>
+            <a:r>
+              <a:rPr lang="en-US" dirty="0" smtClean="0"/>
+              <a:t>-view</a:t>
+            </a:r>
+            <a:endParaRPr lang="en-US" dirty="0"/>
+          </a:p>
+          <a:p>
+            <a:endParaRPr lang="en-US" dirty="0"/>
+          </a:p>
+          <a:p>
+            <a:endParaRPr lang="en-US" dirty="0"/>
+          </a:p>
+          <a:p>
+            <a:endParaRPr lang="en-US" dirty="0"/>
+          </a:p>
+          <a:p>
+            <a:endParaRPr lang="en-US" dirty="0"/>
+          </a:p>
+          <a:p>
+            <a:endParaRPr lang="en-US" dirty="0"/>
           </a:p>
         </p:txBody>
       </p:sp>
@@ -8753,6 +9043,80 @@
         <p:txBody>
           <a:bodyPr/>
           <a:lstStyle/>
+          <a:p>
+            <a:r>
+              <a:rPr lang="en-US" dirty="0">
+                <a:hlinkClick r:id="rId2"/>
+              </a:rPr>
+              <a:t>http://localhost:9080/Routing/Exercises/UIRouterNamed</a:t>
+            </a:r>
+            <a:r>
+              <a:rPr lang="en-US" dirty="0" smtClean="0">
+                <a:hlinkClick r:id="rId2"/>
+              </a:rPr>
+              <a:t>/</a:t>
+            </a:r>
+            <a:endParaRPr lang="en-US" dirty="0" smtClean="0"/>
+          </a:p>
+          <a:p>
+            <a:r>
+              <a:rPr lang="en-US" dirty="0" smtClean="0"/>
+              <a:t>Source</a:t>
+            </a:r>
+            <a:r>
+              <a:rPr lang="en-US" dirty="0"/>
+              <a:t>: /</a:t>
+            </a:r>
+            <a:r>
+              <a:rPr lang="en-US" dirty="0" err="1" smtClean="0"/>
+              <a:t>AngularClass</a:t>
+            </a:r>
+            <a:r>
+              <a:rPr lang="en-US" dirty="0" smtClean="0"/>
+              <a:t>/Routing/Exercises/</a:t>
+            </a:r>
+            <a:r>
+              <a:rPr lang="en-US" dirty="0" err="1" smtClean="0"/>
+              <a:t>UIRouterNamed</a:t>
+            </a:r>
+            <a:endParaRPr lang="en-US" dirty="0"/>
+          </a:p>
+          <a:p>
+            <a:endParaRPr lang="en-US" dirty="0"/>
+          </a:p>
+          <a:p>
+            <a:r>
+              <a:rPr lang="en-US" dirty="0"/>
+              <a:t>In this Lab, you should do the following:</a:t>
+            </a:r>
+          </a:p>
+          <a:p>
+            <a:pPr lvl="1"/>
+            <a:r>
+              <a:rPr lang="en-US" dirty="0" smtClean="0"/>
+              <a:t>Change your app to use name views for the </a:t>
+            </a:r>
+            <a:r>
+              <a:rPr lang="en-US" smtClean="0"/>
+              <a:t>default state</a:t>
+            </a:r>
+            <a:endParaRPr lang="en-US" dirty="0"/>
+          </a:p>
+          <a:p>
+            <a:endParaRPr lang="en-US" dirty="0"/>
+          </a:p>
+          <a:p>
+            <a:endParaRPr lang="en-US" dirty="0"/>
+          </a:p>
+          <a:p>
+            <a:endParaRPr lang="en-US" dirty="0"/>
+          </a:p>
+          <a:p>
+            <a:endParaRPr lang="en-US" dirty="0"/>
+          </a:p>
+          <a:p>
+            <a:endParaRPr lang="en-US" dirty="0"/>
+          </a:p>
           <a:p>
             <a:endParaRPr lang="en-US" dirty="0"/>
           </a:p>
@@ -51644,4 +52008,265 @@
     </a:ext>
   </a:extLst>
 </a:theme>
+</file>
+
+<file path=ppt/theme/theme3.xml><?xml version="1.0" encoding="utf-8"?>
+<a:theme xmlns:a="http://schemas.openxmlformats.org/drawingml/2006/main" name="Office Theme">
+  <a:themeElements>
+    <a:clrScheme name="Office">
+      <a:dk1>
+        <a:sysClr val="windowText" lastClr="000000"/>
+      </a:dk1>
+      <a:lt1>
+        <a:sysClr val="window" lastClr="FFFFFF"/>
+      </a:lt1>
+      <a:dk2>
+        <a:srgbClr val="44546A"/>
+      </a:dk2>
+      <a:lt2>
+        <a:srgbClr val="E7E6E6"/>
+      </a:lt2>
+      <a:accent1>
+        <a:srgbClr val="5B9BD5"/>
+      </a:accent1>
+      <a:accent2>
+        <a:srgbClr val="ED7D31"/>
+      </a:accent2>
+      <a:accent3>
+        <a:srgbClr val="A5A5A5"/>
+      </a:accent3>
+      <a:accent4>
+        <a:srgbClr val="FFC000"/>
+      </a:accent4>
+      <a:accent5>
+        <a:srgbClr val="4472C4"/>
+      </a:accent5>
+      <a:accent6>
+        <a:srgbClr val="70AD47"/>
+      </a:accent6>
+      <a:hlink>
+        <a:srgbClr val="0563C1"/>
+      </a:hlink>
+      <a:folHlink>
+        <a:srgbClr val="954F72"/>
+      </a:folHlink>
+    </a:clrScheme>
+    <a:fontScheme name="Office">
+      <a:majorFont>
+        <a:latin typeface="Calibri Light" panose="020F0302020204030204"/>
+        <a:ea typeface=""/>
+        <a:cs typeface=""/>
+        <a:font script="Jpan" typeface="Yu Gothic Light"/>
+        <a:font script="Hang" typeface="맑은 고딕"/>
+        <a:font script="Hans" typeface="DengXian Light"/>
+        <a:font script="Hant" typeface="新細明體"/>
+        <a:font script="Arab" typeface="Times New Roman"/>
+        <a:font script="Hebr" typeface="Times New Roman"/>
+        <a:font script="Thai" typeface="Angsana New"/>
+        <a:font script="Ethi" typeface="Nyala"/>
+        <a:font script="Beng" typeface="Vrinda"/>
+        <a:font script="Gujr" typeface="Shruti"/>
+        <a:font script="Khmr" typeface="MoolBoran"/>
+        <a:font script="Knda" typeface="Tunga"/>
+        <a:font script="Guru" typeface="Raavi"/>
+        <a:font script="Cans" typeface="Euphemia"/>
+        <a:font script="Cher" typeface="Plantagenet Cherokee"/>
+        <a:font script="Yiii" typeface="Microsoft Yi Baiti"/>
+        <a:font script="Tibt" typeface="Microsoft Himalaya"/>
+        <a:font script="Thaa" typeface="MV Boli"/>
+        <a:font script="Deva" typeface="Mangal"/>
+        <a:font script="Telu" typeface="Gautami"/>
+        <a:font script="Taml" typeface="Latha"/>
+        <a:font script="Syrc" typeface="Estrangelo Edessa"/>
+        <a:font script="Orya" typeface="Kalinga"/>
+        <a:font script="Mlym" typeface="Kartika"/>
+        <a:font script="Laoo" typeface="DokChampa"/>
+        <a:font script="Sinh" typeface="Iskoola Pota"/>
+        <a:font script="Mong" typeface="Mongolian Baiti"/>
+        <a:font script="Viet" typeface="Times New Roman"/>
+        <a:font script="Uigh" typeface="Microsoft Uighur"/>
+        <a:font script="Geor" typeface="Sylfaen"/>
+      </a:majorFont>
+      <a:minorFont>
+        <a:latin typeface="Calibri" panose="020F0502020204030204"/>
+        <a:ea typeface=""/>
+        <a:cs typeface=""/>
+        <a:font script="Jpan" typeface="Yu Gothic"/>
+        <a:font script="Hang" typeface="맑은 고딕"/>
+        <a:font script="Hans" typeface="DengXian"/>
+        <a:font script="Hant" typeface="新細明體"/>
+        <a:font script="Arab" typeface="Arial"/>
+        <a:font script="Hebr" typeface="Arial"/>
+        <a:font script="Thai" typeface="Cordia New"/>
+        <a:font script="Ethi" typeface="Nyala"/>
+        <a:font script="Beng" typeface="Vrinda"/>
+        <a:font script="Gujr" typeface="Shruti"/>
+        <a:font script="Khmr" typeface="DaunPenh"/>
+        <a:font script="Knda" typeface="Tunga"/>
+        <a:font script="Guru" typeface="Raavi"/>
+        <a:font script="Cans" typeface="Euphemia"/>
+        <a:font script="Cher" typeface="Plantagenet Cherokee"/>
+        <a:font script="Yiii" typeface="Microsoft Yi Baiti"/>
+        <a:font script="Tibt" typeface="Microsoft Himalaya"/>
+        <a:font script="Thaa" typeface="MV Boli"/>
+        <a:font script="Deva" typeface="Mangal"/>
+        <a:font script="Telu" typeface="Gautami"/>
+        <a:font script="Taml" typeface="Latha"/>
+        <a:font script="Syrc" typeface="Estrangelo Edessa"/>
+        <a:font script="Orya" typeface="Kalinga"/>
+        <a:font script="Mlym" typeface="Kartika"/>
+        <a:font script="Laoo" typeface="DokChampa"/>
+        <a:font script="Sinh" typeface="Iskoola Pota"/>
+        <a:font script="Mong" typeface="Mongolian Baiti"/>
+        <a:font script="Viet" typeface="Arial"/>
+        <a:font script="Uigh" typeface="Microsoft Uighur"/>
+        <a:font script="Geor" typeface="Sylfaen"/>
+      </a:minorFont>
+    </a:fontScheme>
+    <a:fmtScheme name="Office">
+      <a:fillStyleLst>
+        <a:solidFill>
+          <a:schemeClr val="phClr"/>
+        </a:solidFill>
+        <a:gradFill rotWithShape="1">
+          <a:gsLst>
+            <a:gs pos="0">
+              <a:schemeClr val="phClr">
+                <a:lumMod val="110000"/>
+                <a:satMod val="105000"/>
+                <a:tint val="67000"/>
+              </a:schemeClr>
+            </a:gs>
+            <a:gs pos="50000">
+              <a:schemeClr val="phClr">
+                <a:lumMod val="105000"/>
+                <a:satMod val="103000"/>
+                <a:tint val="73000"/>
+              </a:schemeClr>
+            </a:gs>
+            <a:gs pos="100000">
+              <a:schemeClr val="phClr">
+                <a:lumMod val="105000"/>
+                <a:satMod val="109000"/>
+                <a:tint val="81000"/>
+              </a:schemeClr>
+            </a:gs>
+          </a:gsLst>
+          <a:lin ang="5400000" scaled="0"/>
+        </a:gradFill>
+        <a:gradFill rotWithShape="1">
+          <a:gsLst>
+            <a:gs pos="0">
+              <a:schemeClr val="phClr">
+                <a:satMod val="103000"/>
+                <a:lumMod val="102000"/>
+                <a:tint val="94000"/>
+              </a:schemeClr>
+            </a:gs>
+            <a:gs pos="50000">
+              <a:schemeClr val="phClr">
+                <a:satMod val="110000"/>
+                <a:lumMod val="100000"/>
+                <a:shade val="100000"/>
+              </a:schemeClr>
+            </a:gs>
+            <a:gs pos="100000">
+              <a:schemeClr val="phClr">
+                <a:lumMod val="99000"/>
+                <a:satMod val="120000"/>
+                <a:shade val="78000"/>
+              </a:schemeClr>
+            </a:gs>
+          </a:gsLst>
+          <a:lin ang="5400000" scaled="0"/>
+        </a:gradFill>
+      </a:fillStyleLst>
+      <a:lnStyleLst>
+        <a:ln w="6350" cap="flat" cmpd="sng" algn="ctr">
+          <a:solidFill>
+            <a:schemeClr val="phClr"/>
+          </a:solidFill>
+          <a:prstDash val="solid"/>
+          <a:miter lim="800000"/>
+        </a:ln>
+        <a:ln w="12700" cap="flat" cmpd="sng" algn="ctr">
+          <a:solidFill>
+            <a:schemeClr val="phClr"/>
+          </a:solidFill>
+          <a:prstDash val="solid"/>
+          <a:miter lim="800000"/>
+        </a:ln>
+        <a:ln w="19050" cap="flat" cmpd="sng" algn="ctr">
+          <a:solidFill>
+            <a:schemeClr val="phClr"/>
+          </a:solidFill>
+          <a:prstDash val="solid"/>
+          <a:miter lim="800000"/>
+        </a:ln>
+      </a:lnStyleLst>
+      <a:effectStyleLst>
+        <a:effectStyle>
+          <a:effectLst/>
+        </a:effectStyle>
+        <a:effectStyle>
+          <a:effectLst/>
+        </a:effectStyle>
+        <a:effectStyle>
+          <a:effectLst>
+            <a:outerShdw blurRad="57150" dist="19050" dir="5400000" algn="ctr" rotWithShape="0">
+              <a:srgbClr val="000000">
+                <a:alpha val="63000"/>
+              </a:srgbClr>
+            </a:outerShdw>
+          </a:effectLst>
+        </a:effectStyle>
+      </a:effectStyleLst>
+      <a:bgFillStyleLst>
+        <a:solidFill>
+          <a:schemeClr val="phClr"/>
+        </a:solidFill>
+        <a:solidFill>
+          <a:schemeClr val="phClr">
+            <a:tint val="95000"/>
+            <a:satMod val="170000"/>
+          </a:schemeClr>
+        </a:solidFill>
+        <a:gradFill rotWithShape="1">
+          <a:gsLst>
+            <a:gs pos="0">
+              <a:schemeClr val="phClr">
+                <a:tint val="93000"/>
+                <a:satMod val="150000"/>
+                <a:shade val="98000"/>
+                <a:lumMod val="102000"/>
+              </a:schemeClr>
+            </a:gs>
+            <a:gs pos="50000">
+              <a:schemeClr val="phClr">
+                <a:tint val="98000"/>
+                <a:satMod val="130000"/>
+                <a:shade val="90000"/>
+                <a:lumMod val="103000"/>
+              </a:schemeClr>
+            </a:gs>
+            <a:gs pos="100000">
+              <a:schemeClr val="phClr">
+                <a:shade val="63000"/>
+                <a:satMod val="120000"/>
+              </a:schemeClr>
+            </a:gs>
+          </a:gsLst>
+          <a:lin ang="5400000" scaled="0"/>
+        </a:gradFill>
+      </a:bgFillStyleLst>
+    </a:fmtScheme>
+  </a:themeElements>
+  <a:objectDefaults/>
+  <a:extraClrSchemeLst/>
+  <a:extLst>
+    <a:ext uri="{05A4C25C-085E-4340-85A3-A5531E510DB2}">
+      <thm15:themeFamily xmlns:thm15="http://schemas.microsoft.com/office/thememl/2012/main" name="Office Theme" id="{62F939B6-93AF-4DB8-9C6B-D6C7DFDC589F}" vid="{4A3C46E8-61CC-4603-A589-7422A47A8E4A}"/>
+    </a:ext>
+  </a:extLst>
+</a:theme>
 </file>
--- a/materials/AngularJS.pptx
+++ b/materials/AngularJS.pptx
@@ -976,6 +976,90 @@
 </file>
 
 <file path=ppt/notesSlides/notesSlide2.xml><?xml version="1.0" encoding="utf-8"?>
+<p:notes xmlns:a="http://schemas.openxmlformats.org/drawingml/2006/main" xmlns:r="http://schemas.openxmlformats.org/officeDocument/2006/relationships" xmlns:p="http://schemas.openxmlformats.org/presentationml/2006/main">
+  <p:cSld>
+    <p:spTree>
+      <p:nvGrpSpPr>
+        <p:cNvPr id="1" name=""/>
+        <p:cNvGrpSpPr/>
+        <p:nvPr/>
+      </p:nvGrpSpPr>
+      <p:grpSpPr>
+        <a:xfrm>
+          <a:off x="0" y="0"/>
+          <a:ext cx="0" cy="0"/>
+          <a:chOff x="0" y="0"/>
+          <a:chExt cx="0" cy="0"/>
+        </a:xfrm>
+      </p:grpSpPr>
+      <p:sp>
+        <p:nvSpPr>
+          <p:cNvPr id="2" name="Slide Image Placeholder 1"/>
+          <p:cNvSpPr>
+            <a:spLocks noGrp="1" noRot="1" noChangeAspect="1"/>
+          </p:cNvSpPr>
+          <p:nvPr>
+            <p:ph type="sldImg"/>
+          </p:nvPr>
+        </p:nvSpPr>
+        <p:spPr/>
+      </p:sp>
+      <p:sp>
+        <p:nvSpPr>
+          <p:cNvPr id="3" name="Notes Placeholder 2"/>
+          <p:cNvSpPr>
+            <a:spLocks noGrp="1"/>
+          </p:cNvSpPr>
+          <p:nvPr>
+            <p:ph type="body" idx="1"/>
+          </p:nvPr>
+        </p:nvSpPr>
+        <p:spPr/>
+        <p:txBody>
+          <a:bodyPr/>
+          <a:lstStyle/>
+          <a:p>
+            <a:endParaRPr lang="en-US" dirty="0"/>
+          </a:p>
+        </p:txBody>
+      </p:sp>
+      <p:sp>
+        <p:nvSpPr>
+          <p:cNvPr id="4" name="Slide Number Placeholder 3"/>
+          <p:cNvSpPr>
+            <a:spLocks noGrp="1"/>
+          </p:cNvSpPr>
+          <p:nvPr>
+            <p:ph type="sldNum" sz="quarter" idx="10"/>
+          </p:nvPr>
+        </p:nvSpPr>
+        <p:spPr/>
+        <p:txBody>
+          <a:bodyPr/>
+          <a:lstStyle/>
+          <a:p>
+            <a:fld id="{96E0C481-39FA-644C-9AAA-5FF319C01BC2}" type="slidenum">
+              <a:rPr lang="en-US" smtClean="0"/>
+              <a:t>88</a:t>
+            </a:fld>
+            <a:endParaRPr lang="en-US"/>
+          </a:p>
+        </p:txBody>
+      </p:sp>
+    </p:spTree>
+    <p:extLst>
+      <p:ext uri="{BB962C8B-B14F-4D97-AF65-F5344CB8AC3E}">
+        <p14:creationId xmlns:p14="http://schemas.microsoft.com/office/powerpoint/2010/main" val="835959901"/>
+      </p:ext>
+    </p:extLst>
+  </p:cSld>
+  <p:clrMapOvr>
+    <a:masterClrMapping/>
+  </p:clrMapOvr>
+</p:notes>
+</file>
+
+<file path=ppt/notesSlides/notesSlide3.xml><?xml version="1.0" encoding="utf-8"?>
 <p:notes xmlns:a="http://schemas.openxmlformats.org/drawingml/2006/main" xmlns:r="http://schemas.openxmlformats.org/officeDocument/2006/relationships" xmlns:p="http://schemas.openxmlformats.org/presentationml/2006/main">
   <p:cSld>
     <p:spTree>
@@ -8209,13 +8293,13 @@
               <a:rPr lang="en-US" dirty="0">
                 <a:hlinkClick r:id="rId2"/>
               </a:rPr>
-              <a:t>http://localhost:9080/Routing/Solutions/UIRouter</a:t>
+              <a:t>http://</a:t>
             </a:r>
             <a:r>
               <a:rPr lang="en-US" dirty="0" smtClean="0">
                 <a:hlinkClick r:id="rId2"/>
               </a:rPr>
-              <a:t>/</a:t>
+              <a:t>localhost:9080/Routing/Samples/UIRouter/</a:t>
             </a:r>
             <a:endParaRPr lang="en-US" dirty="0" smtClean="0"/>
           </a:p>
@@ -9094,11 +9178,7 @@
             <a:pPr lvl="1"/>
             <a:r>
               <a:rPr lang="en-US" dirty="0" smtClean="0"/>
-              <a:t>Change your app to use name views for the </a:t>
-            </a:r>
-            <a:r>
-              <a:rPr lang="en-US" smtClean="0"/>
-              <a:t>default state</a:t>
+              <a:t>Change your app to use name views for the default state</a:t>
             </a:r>
             <a:endParaRPr lang="en-US" dirty="0"/>
           </a:p>
@@ -10528,9 +10608,9 @@
         <p:grpSpPr>
           <a:xfrm>
             <a:off x="1097280" y="2707876"/>
-            <a:ext cx="2715491" cy="3415146"/>
+            <a:ext cx="2715490" cy="3415146"/>
             <a:chOff x="1048789" y="2126672"/>
-            <a:chExt cx="2715491" cy="3415146"/>
+            <a:chExt cx="2715490" cy="3415146"/>
           </a:xfrm>
         </p:grpSpPr>
         <p:sp>
@@ -10572,62 +10652,6 @@
               <a:r>
                 <a:rPr lang="en-US" dirty="0" smtClean="0"/>
                 <a:t>main()</a:t>
-              </a:r>
-              <a:endParaRPr lang="en-US" dirty="0"/>
-            </a:p>
-          </p:txBody>
-        </p:sp>
-        <p:sp>
-          <p:nvSpPr>
-            <p:cNvPr id="15" name="Rectangle 14"/>
-            <p:cNvSpPr/>
-            <p:nvPr/>
-          </p:nvSpPr>
-          <p:spPr>
-            <a:xfrm>
-              <a:off x="1201189" y="2583872"/>
-              <a:ext cx="2563091" cy="568037"/>
-            </a:xfrm>
-            <a:prstGeom prst="rect">
-              <a:avLst/>
-            </a:prstGeom>
-          </p:spPr>
-          <p:style>
-            <a:lnRef idx="2">
-              <a:schemeClr val="accent3">
-                <a:shade val="50000"/>
-              </a:schemeClr>
-            </a:lnRef>
-            <a:fillRef idx="1">
-              <a:schemeClr val="accent3"/>
-            </a:fillRef>
-            <a:effectRef idx="0">
-              <a:schemeClr val="accent3"/>
-            </a:effectRef>
-            <a:fontRef idx="minor">
-              <a:schemeClr val="lt1"/>
-            </a:fontRef>
-          </p:style>
-          <p:txBody>
-            <a:bodyPr rtlCol="0" anchor="ctr"/>
-            <a:lstStyle/>
-            <a:p>
-              <a:pPr algn="ctr"/>
-              <a:r>
-                <a:rPr lang="en-US" dirty="0" err="1" smtClean="0"/>
-                <a:t>var</a:t>
-              </a:r>
-              <a:r>
-                <a:rPr lang="en-US" dirty="0" smtClean="0"/>
-                <a:t> deferred = $</a:t>
-              </a:r>
-              <a:r>
-                <a:rPr lang="en-US" dirty="0" err="1" smtClean="0"/>
-                <a:t>q.defer</a:t>
-              </a:r>
-              <a:r>
-                <a:rPr lang="en-US" dirty="0" smtClean="0"/>
-                <a:t>();</a:t>
               </a:r>
               <a:endParaRPr lang="en-US" dirty="0"/>
             </a:p>
@@ -12044,7 +12068,7 @@
         <p:spPr/>
         <p:txBody>
           <a:bodyPr>
-            <a:normAutofit lnSpcReduction="10000"/>
+            <a:normAutofit/>
           </a:bodyPr>
           <a:lstStyle/>
           <a:p>
@@ -12155,22 +12179,6 @@
           </a:p>
           <a:p>
             <a:pPr lvl="1"/>
-            <a:endParaRPr lang="en-US" dirty="0"/>
-          </a:p>
-          <a:p>
-            <a:pPr lvl="1"/>
-            <a:endParaRPr lang="en-US" dirty="0" smtClean="0"/>
-          </a:p>
-          <a:p>
-            <a:pPr lvl="1"/>
-            <a:endParaRPr lang="en-US" dirty="0"/>
-          </a:p>
-          <a:p>
-            <a:pPr lvl="1"/>
-            <a:r>
-              <a:rPr lang="en-US" dirty="0" smtClean="0"/>
-              <a:t>EXAMPLE</a:t>
-            </a:r>
             <a:endParaRPr lang="en-US" dirty="0"/>
           </a:p>
           <a:p>
@@ -12498,6 +12506,27 @@
             <a:endParaRPr lang="en-US" b="1" dirty="0"/>
           </a:p>
           <a:p>
+            <a:endParaRPr lang="en-US" dirty="0" smtClean="0"/>
+          </a:p>
+          <a:p>
+            <a:endParaRPr lang="en-US" dirty="0"/>
+          </a:p>
+          <a:p>
+            <a:r>
+              <a:rPr lang="en-US" dirty="0">
+                <a:hlinkClick r:id="rId2"/>
+              </a:rPr>
+              <a:t>http://localhost:9080/HTTP/Solutions/Basic</a:t>
+            </a:r>
+            <a:r>
+              <a:rPr lang="en-US" dirty="0" smtClean="0">
+                <a:hlinkClick r:id="rId2"/>
+              </a:rPr>
+              <a:t>/</a:t>
+            </a:r>
+            <a:endParaRPr lang="en-US" dirty="0" smtClean="0"/>
+          </a:p>
+          <a:p>
             <a:endParaRPr lang="en-US" dirty="0"/>
           </a:p>
         </p:txBody>
@@ -12600,7 +12629,67 @@
           <a:bodyPr/>
           <a:lstStyle/>
           <a:p>
-            <a:endParaRPr lang="en-US"/>
+            <a:r>
+              <a:rPr lang="en-US" dirty="0">
+                <a:hlinkClick r:id="rId2"/>
+              </a:rPr>
+              <a:t>http://localhost:9080/HTTP/Exercises/Basic</a:t>
+            </a:r>
+            <a:r>
+              <a:rPr lang="en-US" dirty="0" smtClean="0">
+                <a:hlinkClick r:id="rId2"/>
+              </a:rPr>
+              <a:t>/</a:t>
+            </a:r>
+            <a:endParaRPr lang="en-US" dirty="0"/>
+          </a:p>
+          <a:p>
+            <a:r>
+              <a:rPr lang="en-US" dirty="0"/>
+              <a:t>Source: /</a:t>
+            </a:r>
+            <a:r>
+              <a:rPr lang="en-US" dirty="0" err="1" smtClean="0"/>
+              <a:t>AngularClass</a:t>
+            </a:r>
+            <a:r>
+              <a:rPr lang="en-US" dirty="0" smtClean="0"/>
+              <a:t>/HTTP/Exercises/Basic</a:t>
+            </a:r>
+            <a:endParaRPr lang="en-US" dirty="0"/>
+          </a:p>
+          <a:p>
+            <a:endParaRPr lang="en-US" dirty="0"/>
+          </a:p>
+          <a:p>
+            <a:r>
+              <a:rPr lang="en-US" dirty="0"/>
+              <a:t>In this Lab, you should do the following:</a:t>
+            </a:r>
+          </a:p>
+          <a:p>
+            <a:pPr lvl="1"/>
+            <a:r>
+              <a:rPr lang="en-US" dirty="0"/>
+              <a:t>Invoke an HTTP Get to the </a:t>
+            </a:r>
+            <a:r>
+              <a:rPr lang="en-US" dirty="0">
+                <a:hlinkClick r:id="rId3"/>
+              </a:rPr>
+              <a:t>http://</a:t>
+            </a:r>
+            <a:r>
+              <a:rPr lang="en-US" dirty="0" smtClean="0">
+                <a:hlinkClick r:id="rId3"/>
+              </a:rPr>
+              <a:t>localhost:9081/Products</a:t>
+            </a:r>
+            <a:r>
+              <a:rPr lang="en-US" dirty="0" smtClean="0"/>
+              <a:t> endpoint then set that data to a variable to be displayed on the client</a:t>
+            </a:r>
+            <a:endParaRPr lang="en-US" dirty="0"/>
           </a:p>
         </p:txBody>
       </p:sp>
@@ -14394,7 +14483,56 @@
           <a:bodyPr/>
           <a:lstStyle/>
           <a:p>
-            <a:endParaRPr lang="en-US"/>
+            <a:r>
+              <a:rPr lang="en-US" dirty="0" smtClean="0"/>
+              <a:t>Source</a:t>
+            </a:r>
+            <a:r>
+              <a:rPr lang="en-US" dirty="0"/>
+              <a:t>: /</a:t>
+            </a:r>
+            <a:r>
+              <a:rPr lang="en-US" dirty="0" err="1" smtClean="0"/>
+              <a:t>AngularClass</a:t>
+            </a:r>
+            <a:r>
+              <a:rPr lang="en-US" dirty="0" smtClean="0"/>
+              <a:t>/HTTP/Exercises/Testing</a:t>
+            </a:r>
+            <a:endParaRPr lang="en-US" dirty="0"/>
+          </a:p>
+          <a:p>
+            <a:r>
+              <a:rPr lang="en-US" dirty="0"/>
+              <a:t>In this Lab, you should do the following:</a:t>
+            </a:r>
+          </a:p>
+          <a:p>
+            <a:pPr lvl="1"/>
+            <a:r>
+              <a:rPr lang="en-US" dirty="0" smtClean="0"/>
+              <a:t>Setup the HTTP Backend and mock the call to the Product Service that we did from the last exercise</a:t>
+            </a:r>
+          </a:p>
+          <a:p>
+            <a:pPr lvl="1"/>
+            <a:r>
+              <a:rPr lang="en-US" dirty="0" smtClean="0"/>
+              <a:t>You should return a controlled set of data and verify that you are receiving your provided data set</a:t>
+            </a:r>
+            <a:endParaRPr lang="en-US" dirty="0"/>
+          </a:p>
+          <a:p>
+            <a:endParaRPr lang="en-US" dirty="0"/>
+          </a:p>
+          <a:p>
+            <a:endParaRPr lang="en-US" dirty="0"/>
+          </a:p>
+          <a:p>
+            <a:endParaRPr lang="en-US" dirty="0"/>
+          </a:p>
+          <a:p>
+            <a:endParaRPr lang="en-US" dirty="0"/>
           </a:p>
         </p:txBody>
       </p:sp>
@@ -14934,7 +15072,25 @@
             <a:endParaRPr lang="en-US" dirty="0"/>
           </a:p>
           <a:p>
-            <a:endParaRPr lang="en-US" dirty="0"/>
+            <a:endParaRPr lang="en-US" dirty="0" smtClean="0"/>
+          </a:p>
+          <a:p>
+            <a:endParaRPr lang="en-US" dirty="0"/>
+          </a:p>
+          <a:p>
+            <a:r>
+              <a:rPr lang="en-US" dirty="0">
+                <a:hlinkClick r:id="rId2"/>
+              </a:rPr>
+              <a:t>http://localhost:9080/HTTP/Samples/Caching</a:t>
+            </a:r>
+            <a:r>
+              <a:rPr lang="en-US" dirty="0" smtClean="0">
+                <a:hlinkClick r:id="rId2"/>
+              </a:rPr>
+              <a:t>/#/</a:t>
+            </a:r>
+            <a:endParaRPr lang="en-US" dirty="0" smtClean="0"/>
           </a:p>
         </p:txBody>
       </p:sp>
@@ -15036,7 +15192,93 @@
           <a:bodyPr/>
           <a:lstStyle/>
           <a:p>
-            <a:endParaRPr lang="en-US"/>
+            <a:r>
+              <a:rPr lang="en-US" dirty="0">
+                <a:hlinkClick r:id="rId2"/>
+              </a:rPr>
+              <a:t>http://localhost:9080/HTTP/Exercises/Caching</a:t>
+            </a:r>
+            <a:r>
+              <a:rPr lang="en-US" dirty="0" smtClean="0">
+                <a:hlinkClick r:id="rId2"/>
+              </a:rPr>
+              <a:t>/#/</a:t>
+            </a:r>
+            <a:endParaRPr lang="en-US" dirty="0" smtClean="0"/>
+          </a:p>
+          <a:p>
+            <a:r>
+              <a:rPr lang="en-US" dirty="0" smtClean="0"/>
+              <a:t>Source</a:t>
+            </a:r>
+            <a:r>
+              <a:rPr lang="en-US" dirty="0"/>
+              <a:t>: /</a:t>
+            </a:r>
+            <a:r>
+              <a:rPr lang="en-US" dirty="0" err="1" smtClean="0"/>
+              <a:t>AngularClass</a:t>
+            </a:r>
+            <a:r>
+              <a:rPr lang="en-US" dirty="0" smtClean="0"/>
+              <a:t>/HTTP/Exercises/Caching</a:t>
+            </a:r>
+            <a:endParaRPr lang="en-US" dirty="0"/>
+          </a:p>
+          <a:p>
+            <a:endParaRPr lang="en-US" dirty="0"/>
+          </a:p>
+          <a:p>
+            <a:r>
+              <a:rPr lang="en-US" dirty="0"/>
+              <a:t>In this Lab, you should do the following:</a:t>
+            </a:r>
+          </a:p>
+          <a:p>
+            <a:pPr lvl="1"/>
+            <a:r>
+              <a:rPr lang="en-US" dirty="0" smtClean="0"/>
+              <a:t>We will wire our controller up to make a HTTP call to the Products Service</a:t>
+            </a:r>
+          </a:p>
+          <a:p>
+            <a:pPr lvl="2"/>
+            <a:r>
+              <a:rPr lang="en-US" dirty="0" smtClean="0"/>
+              <a:t>One call to get all products</a:t>
+            </a:r>
+          </a:p>
+          <a:p>
+            <a:pPr lvl="2"/>
+            <a:r>
+              <a:rPr lang="en-US" dirty="0" smtClean="0"/>
+              <a:t>One call to get all products by Id</a:t>
+            </a:r>
+          </a:p>
+          <a:p>
+            <a:pPr lvl="1"/>
+            <a:r>
+              <a:rPr lang="en-US" dirty="0" smtClean="0"/>
+              <a:t>Additionally, we want to use caching for each call</a:t>
+            </a:r>
+          </a:p>
+          <a:p>
+            <a:pPr lvl="2"/>
+            <a:r>
+              <a:rPr lang="en-US" dirty="0" smtClean="0"/>
+              <a:t>A custom cache factory for the get by ID call </a:t>
+            </a:r>
+          </a:p>
+          <a:p>
+            <a:pPr lvl="2"/>
+            <a:r>
+              <a:rPr lang="en-US" dirty="0" smtClean="0"/>
+              <a:t>The default cache for the Get All Call</a:t>
+            </a:r>
+            <a:endParaRPr lang="en-US" dirty="0"/>
+          </a:p>
+          <a:p>
+            <a:endParaRPr lang="en-US" dirty="0"/>
           </a:p>
         </p:txBody>
       </p:sp>
@@ -16316,11 +16558,22 @@
             </a:r>
           </a:p>
           <a:p>
+            <a:r>
+              <a:rPr lang="en-US" dirty="0">
+                <a:hlinkClick r:id="rId2"/>
+              </a:rPr>
+              <a:t>http://</a:t>
+            </a:r>
+            <a:r>
+              <a:rPr lang="en-US" dirty="0" smtClean="0">
+                <a:hlinkClick r:id="rId2"/>
+              </a:rPr>
+              <a:t>localhost:9080/HTTP/Samples/NgResource</a:t>
+            </a:r>
+            <a:endParaRPr lang="en-US" dirty="0"/>
+          </a:p>
+          <a:p>
             <a:pPr lvl="1"/>
-            <a:r>
-              <a:rPr lang="en-US" dirty="0" smtClean="0"/>
-              <a:t>Example</a:t>
-            </a:r>
             <a:endParaRPr lang="en-US" dirty="0"/>
           </a:p>
         </p:txBody>
@@ -16423,7 +16676,90 @@
           <a:bodyPr/>
           <a:lstStyle/>
           <a:p>
-            <a:endParaRPr lang="en-US"/>
+            <a:r>
+              <a:rPr lang="en-US" dirty="0">
+                <a:hlinkClick r:id="rId2"/>
+              </a:rPr>
+              <a:t>http://localhost:9080/HTTP/Exercises/NgResource</a:t>
+            </a:r>
+            <a:r>
+              <a:rPr lang="en-US" dirty="0" smtClean="0">
+                <a:hlinkClick r:id="rId2"/>
+              </a:rPr>
+              <a:t>/</a:t>
+            </a:r>
+            <a:endParaRPr lang="en-US" dirty="0" smtClean="0"/>
+          </a:p>
+          <a:p>
+            <a:r>
+              <a:rPr lang="en-US" dirty="0" smtClean="0"/>
+              <a:t>Source: /</a:t>
+            </a:r>
+            <a:r>
+              <a:rPr lang="en-US" dirty="0" err="1" smtClean="0"/>
+              <a:t>AngularClass</a:t>
+            </a:r>
+            <a:r>
+              <a:rPr lang="en-US" dirty="0" smtClean="0"/>
+              <a:t>/HTTP/Exercises/</a:t>
+            </a:r>
+            <a:r>
+              <a:rPr lang="en-US" dirty="0" err="1" smtClean="0"/>
+              <a:t>NgResource</a:t>
+            </a:r>
+            <a:endParaRPr lang="en-US" dirty="0" smtClean="0"/>
+          </a:p>
+          <a:p>
+            <a:endParaRPr lang="en-US" dirty="0" smtClean="0"/>
+          </a:p>
+          <a:p>
+            <a:r>
+              <a:rPr lang="en-US" dirty="0" smtClean="0"/>
+              <a:t>In </a:t>
+            </a:r>
+            <a:r>
+              <a:rPr lang="en-US" dirty="0"/>
+              <a:t>this Lab, you should do the following:</a:t>
+            </a:r>
+          </a:p>
+          <a:p>
+            <a:pPr lvl="1"/>
+            <a:r>
+              <a:rPr lang="en-US" dirty="0" smtClean="0"/>
+              <a:t>We will create a resource that points to our </a:t>
+            </a:r>
+            <a:r>
+              <a:rPr lang="en-US" dirty="0" err="1" smtClean="0"/>
+              <a:t>ProductService</a:t>
+            </a:r>
+            <a:endParaRPr lang="en-US" dirty="0" smtClean="0"/>
+          </a:p>
+          <a:p>
+            <a:pPr lvl="2"/>
+            <a:r>
+              <a:rPr lang="en-US" dirty="0" smtClean="0"/>
+              <a:t>We will need to add a custom method for updating</a:t>
+            </a:r>
+          </a:p>
+          <a:p>
+            <a:pPr lvl="1"/>
+            <a:r>
+              <a:rPr lang="en-US" dirty="0" smtClean="0"/>
+              <a:t>We will wire the resource to supply a list of all available products</a:t>
+            </a:r>
+          </a:p>
+          <a:p>
+            <a:pPr lvl="1"/>
+            <a:r>
+              <a:rPr lang="en-US" dirty="0" smtClean="0"/>
+              <a:t>We will also wire the resource to save/update/delete/create new Products</a:t>
+            </a:r>
+          </a:p>
+          <a:p>
+            <a:endParaRPr lang="en-US" dirty="0" smtClean="0"/>
+          </a:p>
+          <a:p>
+            <a:endParaRPr lang="en-US" dirty="0"/>
           </a:p>
         </p:txBody>
       </p:sp>
@@ -19057,7 +19393,22 @@
             </a:r>
           </a:p>
           <a:p>
-            <a:endParaRPr lang="en-US" dirty="0"/>
+            <a:endParaRPr lang="en-US" dirty="0" smtClean="0"/>
+          </a:p>
+          <a:p>
+            <a:r>
+              <a:rPr lang="en-US" dirty="0">
+                <a:hlinkClick r:id="rId2"/>
+              </a:rPr>
+              <a:t>http://localhost:9080/Providers/Samples/Values</a:t>
+            </a:r>
+            <a:r>
+              <a:rPr lang="en-US" dirty="0" smtClean="0">
+                <a:hlinkClick r:id="rId2"/>
+              </a:rPr>
+              <a:t>/</a:t>
+            </a:r>
+            <a:endParaRPr lang="en-US" dirty="0" smtClean="0"/>
           </a:p>
         </p:txBody>
       </p:sp>
@@ -19374,6 +19725,27 @@
             <a:endParaRPr lang="en-US" dirty="0"/>
           </a:p>
           <a:p>
+            <a:endParaRPr lang="en-US" dirty="0" smtClean="0"/>
+          </a:p>
+          <a:p>
+            <a:endParaRPr lang="en-US" dirty="0" smtClean="0"/>
+          </a:p>
+          <a:p>
+            <a:r>
+              <a:rPr lang="en-US" dirty="0">
+                <a:hlinkClick r:id="rId2"/>
+              </a:rPr>
+              <a:t>http://localhost:9080/Providers/Samples/Factories</a:t>
+            </a:r>
+            <a:r>
+              <a:rPr lang="en-US" dirty="0" smtClean="0">
+                <a:hlinkClick r:id="rId2"/>
+              </a:rPr>
+              <a:t>/</a:t>
+            </a:r>
+            <a:endParaRPr lang="en-US" dirty="0" smtClean="0"/>
+          </a:p>
+          <a:p>
             <a:endParaRPr lang="en-US" dirty="0"/>
           </a:p>
         </p:txBody>
@@ -19476,7 +19848,72 @@
           <a:bodyPr/>
           <a:lstStyle/>
           <a:p>
-            <a:endParaRPr lang="en-US"/>
+            <a:r>
+              <a:rPr lang="en-US" dirty="0">
+                <a:hlinkClick r:id="rId2"/>
+              </a:rPr>
+              <a:t>http://</a:t>
+            </a:r>
+            <a:r>
+              <a:rPr lang="en-US" dirty="0" smtClean="0">
+                <a:hlinkClick r:id="rId2"/>
+              </a:rPr>
+              <a:t>localhost:9080/Providers/Exercises/Factories/</a:t>
+            </a:r>
+            <a:endParaRPr lang="en-US" dirty="0" smtClean="0"/>
+          </a:p>
+          <a:p>
+            <a:r>
+              <a:rPr lang="en-US" dirty="0" smtClean="0"/>
+              <a:t>Source</a:t>
+            </a:r>
+            <a:r>
+              <a:rPr lang="en-US" dirty="0"/>
+              <a:t>: /</a:t>
+            </a:r>
+            <a:r>
+              <a:rPr lang="en-US" dirty="0" err="1" smtClean="0"/>
+              <a:t>AngularClass</a:t>
+            </a:r>
+            <a:r>
+              <a:rPr lang="en-US" dirty="0" smtClean="0"/>
+              <a:t>/Providers/Exercises/Factories</a:t>
+            </a:r>
+            <a:endParaRPr lang="en-US" dirty="0"/>
+          </a:p>
+          <a:p>
+            <a:endParaRPr lang="en-US" dirty="0"/>
+          </a:p>
+          <a:p>
+            <a:r>
+              <a:rPr lang="en-US" dirty="0"/>
+              <a:t>In this Lab, you should do the following:</a:t>
+            </a:r>
+          </a:p>
+          <a:p>
+            <a:pPr lvl="1"/>
+            <a:r>
+              <a:rPr lang="en-US" dirty="0" smtClean="0"/>
+              <a:t>We want to build a factory to wrap our resource call</a:t>
+            </a:r>
+          </a:p>
+          <a:p>
+            <a:pPr lvl="2"/>
+            <a:r>
+              <a:rPr lang="en-US" dirty="0" smtClean="0"/>
+              <a:t>Make sure your factory also takes care of the update method</a:t>
+            </a:r>
+          </a:p>
+          <a:p>
+            <a:pPr lvl="1"/>
+            <a:r>
+              <a:rPr lang="en-US" dirty="0" smtClean="0"/>
+              <a:t>Change all of your $resource references in your controller to use the factory you built</a:t>
+            </a:r>
+            <a:endParaRPr lang="en-US" dirty="0"/>
+          </a:p>
+          <a:p>
+            <a:endParaRPr lang="en-US" dirty="0"/>
           </a:p>
         </p:txBody>
       </p:sp>
@@ -19756,7 +20193,67 @@
           <a:bodyPr/>
           <a:lstStyle/>
           <a:p>
-            <a:endParaRPr lang="en-US"/>
+            <a:r>
+              <a:rPr lang="en-US" dirty="0">
+                <a:hlinkClick r:id="rId2"/>
+              </a:rPr>
+              <a:t>http://</a:t>
+            </a:r>
+            <a:r>
+              <a:rPr lang="en-US" dirty="0" smtClean="0">
+                <a:hlinkClick r:id="rId2"/>
+              </a:rPr>
+              <a:t>localhost:9080/Providers/Exercises/Services</a:t>
+            </a:r>
+            <a:endParaRPr lang="en-US" dirty="0" smtClean="0"/>
+          </a:p>
+          <a:p>
+            <a:r>
+              <a:rPr lang="en-US" dirty="0" smtClean="0"/>
+              <a:t>Source: /</a:t>
+            </a:r>
+            <a:r>
+              <a:rPr lang="en-US" dirty="0" err="1" smtClean="0"/>
+              <a:t>AngularClass</a:t>
+            </a:r>
+            <a:r>
+              <a:rPr lang="en-US" dirty="0" smtClean="0"/>
+              <a:t>/Providers/Exercises/Services</a:t>
+            </a:r>
+          </a:p>
+          <a:p>
+            <a:endParaRPr lang="en-US" dirty="0"/>
+          </a:p>
+          <a:p>
+            <a:r>
+              <a:rPr lang="en-US" dirty="0"/>
+              <a:t>In this Lab, you should do the following:</a:t>
+            </a:r>
+          </a:p>
+          <a:p>
+            <a:pPr lvl="1"/>
+            <a:r>
+              <a:rPr lang="en-US" dirty="0" smtClean="0"/>
+              <a:t>You want to implement a service that wraps the factory </a:t>
+            </a:r>
+          </a:p>
+          <a:p>
+            <a:pPr lvl="1"/>
+            <a:r>
+              <a:rPr lang="en-US" dirty="0" smtClean="0"/>
+              <a:t>Refactor your factory calls in favor of </a:t>
+            </a:r>
+            <a:r>
+              <a:rPr lang="en-US" smtClean="0"/>
+              <a:t>your service calls</a:t>
+            </a:r>
+            <a:endParaRPr lang="en-US" dirty="0"/>
+          </a:p>
+          <a:p>
+            <a:endParaRPr lang="en-US" dirty="0" smtClean="0"/>
+          </a:p>
+          <a:p>
+            <a:endParaRPr lang="en-US" dirty="0"/>
           </a:p>
         </p:txBody>
       </p:sp>

--- a/materials/AngularJS.pptx
+++ b/materials/AngularJS.pptx
@@ -5,10 +5,10 @@
     <p:sldMasterId id="2147483916" r:id="rId1"/>
   </p:sldMasterIdLst>
   <p:notesMasterIdLst>
-    <p:notesMasterId r:id="rId243"/>
+    <p:notesMasterId r:id="rId242"/>
   </p:notesMasterIdLst>
   <p:handoutMasterIdLst>
-    <p:handoutMasterId r:id="rId244"/>
+    <p:handoutMasterId r:id="rId243"/>
   </p:handoutMasterIdLst>
   <p:sldIdLst>
     <p:sldId id="256" r:id="rId2"/>
@@ -211,47 +211,46 @@
     <p:sldId id="432" r:id="rId199"/>
     <p:sldId id="433" r:id="rId200"/>
     <p:sldId id="435" r:id="rId201"/>
-    <p:sldId id="436" r:id="rId202"/>
-    <p:sldId id="437" r:id="rId203"/>
-    <p:sldId id="438" r:id="rId204"/>
-    <p:sldId id="440" r:id="rId205"/>
-    <p:sldId id="441" r:id="rId206"/>
-    <p:sldId id="442" r:id="rId207"/>
-    <p:sldId id="443" r:id="rId208"/>
-    <p:sldId id="444" r:id="rId209"/>
-    <p:sldId id="445" r:id="rId210"/>
-    <p:sldId id="447" r:id="rId211"/>
-    <p:sldId id="448" r:id="rId212"/>
-    <p:sldId id="449" r:id="rId213"/>
-    <p:sldId id="450" r:id="rId214"/>
-    <p:sldId id="451" r:id="rId215"/>
-    <p:sldId id="452" r:id="rId216"/>
-    <p:sldId id="453" r:id="rId217"/>
-    <p:sldId id="454" r:id="rId218"/>
-    <p:sldId id="455" r:id="rId219"/>
-    <p:sldId id="456" r:id="rId220"/>
-    <p:sldId id="460" r:id="rId221"/>
-    <p:sldId id="459" r:id="rId222"/>
-    <p:sldId id="457" r:id="rId223"/>
-    <p:sldId id="458" r:id="rId224"/>
-    <p:sldId id="462" r:id="rId225"/>
-    <p:sldId id="461" r:id="rId226"/>
-    <p:sldId id="463" r:id="rId227"/>
-    <p:sldId id="464" r:id="rId228"/>
-    <p:sldId id="465" r:id="rId229"/>
-    <p:sldId id="466" r:id="rId230"/>
-    <p:sldId id="467" r:id="rId231"/>
-    <p:sldId id="468" r:id="rId232"/>
-    <p:sldId id="469" r:id="rId233"/>
-    <p:sldId id="470" r:id="rId234"/>
-    <p:sldId id="471" r:id="rId235"/>
-    <p:sldId id="472" r:id="rId236"/>
-    <p:sldId id="473" r:id="rId237"/>
-    <p:sldId id="474" r:id="rId238"/>
-    <p:sldId id="475" r:id="rId239"/>
-    <p:sldId id="476" r:id="rId240"/>
-    <p:sldId id="477" r:id="rId241"/>
-    <p:sldId id="478" r:id="rId242"/>
+    <p:sldId id="437" r:id="rId202"/>
+    <p:sldId id="438" r:id="rId203"/>
+    <p:sldId id="440" r:id="rId204"/>
+    <p:sldId id="441" r:id="rId205"/>
+    <p:sldId id="442" r:id="rId206"/>
+    <p:sldId id="443" r:id="rId207"/>
+    <p:sldId id="444" r:id="rId208"/>
+    <p:sldId id="445" r:id="rId209"/>
+    <p:sldId id="447" r:id="rId210"/>
+    <p:sldId id="448" r:id="rId211"/>
+    <p:sldId id="449" r:id="rId212"/>
+    <p:sldId id="450" r:id="rId213"/>
+    <p:sldId id="451" r:id="rId214"/>
+    <p:sldId id="452" r:id="rId215"/>
+    <p:sldId id="453" r:id="rId216"/>
+    <p:sldId id="454" r:id="rId217"/>
+    <p:sldId id="455" r:id="rId218"/>
+    <p:sldId id="456" r:id="rId219"/>
+    <p:sldId id="460" r:id="rId220"/>
+    <p:sldId id="459" r:id="rId221"/>
+    <p:sldId id="457" r:id="rId222"/>
+    <p:sldId id="458" r:id="rId223"/>
+    <p:sldId id="462" r:id="rId224"/>
+    <p:sldId id="461" r:id="rId225"/>
+    <p:sldId id="463" r:id="rId226"/>
+    <p:sldId id="464" r:id="rId227"/>
+    <p:sldId id="465" r:id="rId228"/>
+    <p:sldId id="466" r:id="rId229"/>
+    <p:sldId id="467" r:id="rId230"/>
+    <p:sldId id="468" r:id="rId231"/>
+    <p:sldId id="469" r:id="rId232"/>
+    <p:sldId id="470" r:id="rId233"/>
+    <p:sldId id="471" r:id="rId234"/>
+    <p:sldId id="472" r:id="rId235"/>
+    <p:sldId id="473" r:id="rId236"/>
+    <p:sldId id="474" r:id="rId237"/>
+    <p:sldId id="475" r:id="rId238"/>
+    <p:sldId id="476" r:id="rId239"/>
+    <p:sldId id="477" r:id="rId240"/>
+    <p:sldId id="478" r:id="rId241"/>
   </p:sldIdLst>
   <p:sldSz cx="12192000" cy="6858000"/>
   <p:notesSz cx="6858000" cy="9144000"/>
@@ -1135,6 +1134,252 @@
     <p:extLst>
       <p:ext uri="{BB962C8B-B14F-4D97-AF65-F5344CB8AC3E}">
         <p14:creationId xmlns:p14="http://schemas.microsoft.com/office/powerpoint/2010/main" val="841247856"/>
+      </p:ext>
+    </p:extLst>
+  </p:cSld>
+  <p:clrMapOvr>
+    <a:masterClrMapping/>
+  </p:clrMapOvr>
+</p:notes>
+</file>
+
+<file path=ppt/notesSlides/notesSlide4.xml><?xml version="1.0" encoding="utf-8"?>
+<p:notes xmlns:a="http://schemas.openxmlformats.org/drawingml/2006/main" xmlns:r="http://schemas.openxmlformats.org/officeDocument/2006/relationships" xmlns:p="http://schemas.openxmlformats.org/presentationml/2006/main">
+  <p:cSld>
+    <p:spTree>
+      <p:nvGrpSpPr>
+        <p:cNvPr id="1" name=""/>
+        <p:cNvGrpSpPr/>
+        <p:nvPr/>
+      </p:nvGrpSpPr>
+      <p:grpSpPr>
+        <a:xfrm>
+          <a:off x="0" y="0"/>
+          <a:ext cx="0" cy="0"/>
+          <a:chOff x="0" y="0"/>
+          <a:chExt cx="0" cy="0"/>
+        </a:xfrm>
+      </p:grpSpPr>
+      <p:sp>
+        <p:nvSpPr>
+          <p:cNvPr id="2" name="Slide Image Placeholder 1"/>
+          <p:cNvSpPr>
+            <a:spLocks noGrp="1" noRot="1" noChangeAspect="1"/>
+          </p:cNvSpPr>
+          <p:nvPr>
+            <p:ph type="sldImg"/>
+          </p:nvPr>
+        </p:nvSpPr>
+        <p:spPr/>
+      </p:sp>
+      <p:sp>
+        <p:nvSpPr>
+          <p:cNvPr id="3" name="Notes Placeholder 2"/>
+          <p:cNvSpPr>
+            <a:spLocks noGrp="1"/>
+          </p:cNvSpPr>
+          <p:nvPr>
+            <p:ph type="body" idx="1"/>
+          </p:nvPr>
+        </p:nvSpPr>
+        <p:spPr/>
+        <p:txBody>
+          <a:bodyPr/>
+          <a:lstStyle/>
+          <a:p>
+            <a:r>
+              <a:rPr lang="en-US" dirty="0" smtClean="0"/>
+              <a:t>Use</a:t>
+            </a:r>
+            <a:r>
+              <a:rPr lang="en-US" baseline="0" dirty="0" smtClean="0"/>
+              <a:t> $</a:t>
+            </a:r>
+            <a:r>
+              <a:rPr lang="en-US" baseline="0" dirty="0" err="1" smtClean="0"/>
+              <a:t>provide.factory</a:t>
+            </a:r>
+            <a:r>
+              <a:rPr lang="en-US" baseline="0" dirty="0" smtClean="0"/>
+              <a:t> in both</a:t>
+            </a:r>
+          </a:p>
+          <a:p>
+            <a:r>
+              <a:rPr lang="en-US" baseline="0" dirty="0" smtClean="0"/>
+              <a:t>Takes 2 </a:t>
+            </a:r>
+            <a:r>
+              <a:rPr lang="en-US" baseline="0" dirty="0" err="1" smtClean="0"/>
+              <a:t>args</a:t>
+            </a:r>
+            <a:endParaRPr lang="en-US" baseline="0" dirty="0" smtClean="0"/>
+          </a:p>
+          <a:p>
+            <a:endParaRPr lang="en-US" baseline="0" dirty="0" smtClean="0"/>
+          </a:p>
+          <a:p>
+            <a:r>
+              <a:rPr lang="en-US" baseline="0" dirty="0" smtClean="0"/>
+              <a:t>Provider should only do what is needed</a:t>
+            </a:r>
+          </a:p>
+          <a:p>
+            <a:endParaRPr lang="en-US" baseline="0" dirty="0" smtClean="0"/>
+          </a:p>
+          <a:p>
+            <a:r>
+              <a:rPr lang="en-US" baseline="0" dirty="0" smtClean="0"/>
+              <a:t>(demo) &gt; Underscore format</a:t>
+            </a:r>
+          </a:p>
+        </p:txBody>
+      </p:sp>
+      <p:sp>
+        <p:nvSpPr>
+          <p:cNvPr id="4" name="Slide Number Placeholder 3"/>
+          <p:cNvSpPr>
+            <a:spLocks noGrp="1"/>
+          </p:cNvSpPr>
+          <p:nvPr>
+            <p:ph type="sldNum" sz="quarter" idx="10"/>
+          </p:nvPr>
+        </p:nvSpPr>
+        <p:spPr/>
+        <p:txBody>
+          <a:bodyPr/>
+          <a:lstStyle/>
+          <a:p>
+            <a:fld id="{96E0C481-39FA-644C-9AAA-5FF319C01BC2}" type="slidenum">
+              <a:rPr lang="en-US" smtClean="0"/>
+              <a:t>171</a:t>
+            </a:fld>
+            <a:endParaRPr lang="en-US"/>
+          </a:p>
+        </p:txBody>
+      </p:sp>
+    </p:spTree>
+    <p:extLst>
+      <p:ext uri="{BB962C8B-B14F-4D97-AF65-F5344CB8AC3E}">
+        <p14:creationId xmlns:p14="http://schemas.microsoft.com/office/powerpoint/2010/main" val="383973629"/>
+      </p:ext>
+    </p:extLst>
+  </p:cSld>
+  <p:clrMapOvr>
+    <a:masterClrMapping/>
+  </p:clrMapOvr>
+</p:notes>
+</file>
+
+<file path=ppt/notesSlides/notesSlide5.xml><?xml version="1.0" encoding="utf-8"?>
+<p:notes xmlns:a="http://schemas.openxmlformats.org/drawingml/2006/main" xmlns:r="http://schemas.openxmlformats.org/officeDocument/2006/relationships" xmlns:p="http://schemas.openxmlformats.org/presentationml/2006/main">
+  <p:cSld>
+    <p:spTree>
+      <p:nvGrpSpPr>
+        <p:cNvPr id="1" name=""/>
+        <p:cNvGrpSpPr/>
+        <p:nvPr/>
+      </p:nvGrpSpPr>
+      <p:grpSpPr>
+        <a:xfrm>
+          <a:off x="0" y="0"/>
+          <a:ext cx="0" cy="0"/>
+          <a:chOff x="0" y="0"/>
+          <a:chExt cx="0" cy="0"/>
+        </a:xfrm>
+      </p:grpSpPr>
+      <p:sp>
+        <p:nvSpPr>
+          <p:cNvPr id="2" name="Slide Image Placeholder 1"/>
+          <p:cNvSpPr>
+            <a:spLocks noGrp="1" noRot="1" noChangeAspect="1"/>
+          </p:cNvSpPr>
+          <p:nvPr>
+            <p:ph type="sldImg"/>
+          </p:nvPr>
+        </p:nvSpPr>
+        <p:spPr/>
+      </p:sp>
+      <p:sp>
+        <p:nvSpPr>
+          <p:cNvPr id="3" name="Notes Placeholder 2"/>
+          <p:cNvSpPr>
+            <a:spLocks noGrp="1"/>
+          </p:cNvSpPr>
+          <p:nvPr>
+            <p:ph type="body" idx="1"/>
+          </p:nvPr>
+        </p:nvSpPr>
+        <p:spPr/>
+        <p:txBody>
+          <a:bodyPr/>
+          <a:lstStyle/>
+          <a:p>
+            <a:r>
+              <a:rPr lang="en-US" dirty="0" smtClean="0"/>
+              <a:t>Jasmine uses $</a:t>
+            </a:r>
+            <a:r>
+              <a:rPr lang="en-US" dirty="0" err="1" smtClean="0"/>
+              <a:t>provide.factory</a:t>
+            </a:r>
+            <a:endParaRPr lang="en-US" dirty="0" smtClean="0"/>
+          </a:p>
+          <a:p>
+            <a:r>
+              <a:rPr lang="en-US" dirty="0" smtClean="0"/>
+              <a:t>Simplistic</a:t>
+            </a:r>
+          </a:p>
+          <a:p>
+            <a:r>
+              <a:rPr lang="en-US" dirty="0" smtClean="0"/>
+              <a:t>Talk</a:t>
+            </a:r>
+            <a:r>
+              <a:rPr lang="en-US" baseline="0" dirty="0" smtClean="0"/>
+              <a:t> through a spy</a:t>
+            </a:r>
+          </a:p>
+          <a:p>
+            <a:endParaRPr lang="en-US" baseline="0" dirty="0" smtClean="0"/>
+          </a:p>
+          <a:p>
+            <a:r>
+              <a:rPr lang="en-US" baseline="0" dirty="0" smtClean="0"/>
+              <a:t>(demo)</a:t>
+            </a:r>
+            <a:endParaRPr lang="en-US" dirty="0" smtClean="0"/>
+          </a:p>
+        </p:txBody>
+      </p:sp>
+      <p:sp>
+        <p:nvSpPr>
+          <p:cNvPr id="4" name="Slide Number Placeholder 3"/>
+          <p:cNvSpPr>
+            <a:spLocks noGrp="1"/>
+          </p:cNvSpPr>
+          <p:nvPr>
+            <p:ph type="sldNum" sz="quarter" idx="10"/>
+          </p:nvPr>
+        </p:nvSpPr>
+        <p:spPr/>
+        <p:txBody>
+          <a:bodyPr/>
+          <a:lstStyle/>
+          <a:p>
+            <a:fld id="{96E0C481-39FA-644C-9AAA-5FF319C01BC2}" type="slidenum">
+              <a:rPr lang="en-US" smtClean="0"/>
+              <a:t>173</a:t>
+            </a:fld>
+            <a:endParaRPr lang="en-US"/>
+          </a:p>
+        </p:txBody>
+      </p:sp>
+    </p:spTree>
+    <p:extLst>
+      <p:ext uri="{BB962C8B-B14F-4D97-AF65-F5344CB8AC3E}">
+        <p14:creationId xmlns:p14="http://schemas.microsoft.com/office/powerpoint/2010/main" val="1528444310"/>
       </p:ext>
     </p:extLst>
   </p:cSld>
@@ -25684,11 +25929,7 @@
             <a:pPr lvl="1"/>
             <a:r>
               <a:rPr lang="en-US" dirty="0" smtClean="0"/>
-              <a:t>Configure messages to display to the user depending on whether or not your input </a:t>
-            </a:r>
-            <a:r>
-              <a:rPr lang="en-US" smtClean="0"/>
-              <a:t>is valid</a:t>
+              <a:t>Configure messages to display to the user depending on whether or not your input is valid</a:t>
             </a:r>
             <a:endParaRPr lang="en-US" dirty="0"/>
           </a:p>
@@ -27299,8 +27540,27 @@
             </a:r>
             <a:r>
               <a:rPr lang="en-US" dirty="0"/>
-              <a:t>combine two or more if desired</a:t>
-            </a:r>
+              <a:t>combine two or more if </a:t>
+            </a:r>
+            <a:r>
+              <a:rPr lang="en-US" dirty="0" smtClean="0"/>
+              <a:t>desired</a:t>
+            </a:r>
+          </a:p>
+          <a:p>
+            <a:r>
+              <a:rPr lang="en-US" dirty="0">
+                <a:hlinkClick r:id="rId2"/>
+              </a:rPr>
+              <a:t>http://localhost:9080/Directives/Samples/Simple</a:t>
+            </a:r>
+            <a:r>
+              <a:rPr lang="en-US" dirty="0" smtClean="0">
+                <a:hlinkClick r:id="rId2"/>
+              </a:rPr>
+              <a:t>/</a:t>
+            </a:r>
+            <a:endParaRPr lang="en-US" dirty="0" smtClean="0"/>
           </a:p>
         </p:txBody>
       </p:sp>
@@ -27381,7 +27641,7 @@
           <a:p>
             <a:r>
               <a:rPr lang="en-US" dirty="0" smtClean="0"/>
-              <a:t>LAB</a:t>
+              <a:t>Working With Variables</a:t>
             </a:r>
             <a:endParaRPr lang="en-US" dirty="0"/>
           </a:p>
@@ -27402,7 +27662,36 @@
           <a:bodyPr/>
           <a:lstStyle/>
           <a:p>
-            <a:endParaRPr lang="en-US"/>
+            <a:r>
+              <a:rPr lang="en-US" dirty="0" smtClean="0"/>
+              <a:t>Up to this point we’ve only worked with self-contained data. It is likely that this won’t work when you are trying to build your own directive</a:t>
+            </a:r>
+          </a:p>
+          <a:p>
+            <a:r>
+              <a:rPr lang="en-US" dirty="0" smtClean="0"/>
+              <a:t>In a real-world scenario, it is probable that we are going to want to use variables.</a:t>
+            </a:r>
+          </a:p>
+          <a:p>
+            <a:r>
+              <a:rPr lang="en-US" dirty="0" smtClean="0"/>
+              <a:t>The default evaluation of variables occurs against the scope which the directive is contained</a:t>
+            </a:r>
+          </a:p>
+          <a:p>
+            <a:r>
+              <a:rPr lang="en-US" dirty="0" smtClean="0"/>
+              <a:t>This might be ok in some cases; however, this would severely limit the reusability of the </a:t>
+            </a:r>
+            <a:r>
+              <a:rPr lang="en-US" dirty="0" smtClean="0"/>
+              <a:t>directive</a:t>
+            </a:r>
+            <a:endParaRPr lang="en-US" dirty="0"/>
+          </a:p>
+          <a:p>
+            <a:endParaRPr lang="en-US" dirty="0"/>
           </a:p>
         </p:txBody>
       </p:sp>
@@ -27432,7 +27721,7 @@
     </p:spTree>
     <p:extLst>
       <p:ext uri="{BB962C8B-B14F-4D97-AF65-F5344CB8AC3E}">
-        <p14:creationId xmlns:p14="http://schemas.microsoft.com/office/powerpoint/2010/main" val="1144672560"/>
+        <p14:creationId xmlns:p14="http://schemas.microsoft.com/office/powerpoint/2010/main" val="1143997861"/>
       </p:ext>
     </p:extLst>
   </p:cSld>
@@ -27483,7 +27772,7 @@
           <a:p>
             <a:r>
               <a:rPr lang="en-US" dirty="0" smtClean="0"/>
-              <a:t>Working With Variables</a:t>
+              <a:t>Isolate Scope</a:t>
             </a:r>
             <a:endParaRPr lang="en-US" dirty="0"/>
           </a:p>
@@ -27501,31 +27790,137 @@
         </p:nvSpPr>
         <p:spPr/>
         <p:txBody>
-          <a:bodyPr/>
-          <a:lstStyle/>
-          <a:p>
-            <a:r>
-              <a:rPr lang="en-US" dirty="0" smtClean="0"/>
-              <a:t>Up to this point we’ve only worked with self-contained data. It is likely that this won’t work when you are trying to build your own directive</a:t>
-            </a:r>
-          </a:p>
-          <a:p>
-            <a:r>
-              <a:rPr lang="en-US" dirty="0" smtClean="0"/>
-              <a:t>In a real-world scenario, it is probable that we are going to want to use variables.</a:t>
-            </a:r>
-          </a:p>
-          <a:p>
-            <a:r>
-              <a:rPr lang="en-US" dirty="0" smtClean="0"/>
-              <a:t>The default evaluation of variables occurs against the scope which the directive is contained</a:t>
-            </a:r>
-          </a:p>
-          <a:p>
-            <a:r>
-              <a:rPr lang="en-US" dirty="0" smtClean="0"/>
-              <a:t>This might be ok in some cases; however, this would severely limit the reusability of the directive</a:t>
-            </a:r>
+          <a:bodyPr>
+            <a:normAutofit/>
+          </a:bodyPr>
+          <a:lstStyle/>
+          <a:p>
+            <a:r>
+              <a:rPr lang="en-US" dirty="0"/>
+              <a:t>Directives can have their own scope, called an isolate </a:t>
+            </a:r>
+            <a:r>
+              <a:rPr lang="en-US" dirty="0" smtClean="0"/>
+              <a:t>scope. </a:t>
+            </a:r>
+            <a:r>
+              <a:rPr lang="en-US" dirty="0" smtClean="0"/>
+              <a:t>An isolate scope is created by setting a scope section within your configuration</a:t>
+            </a:r>
+          </a:p>
+          <a:p>
+            <a:r>
+              <a:rPr lang="en-US" dirty="0" smtClean="0"/>
+              <a:t>There are two ways that your variables can be referenced</a:t>
+            </a:r>
+          </a:p>
+          <a:p>
+            <a:pPr lvl="1"/>
+            <a:r>
+              <a:rPr lang="en-US" dirty="0" smtClean="0"/>
+              <a:t>Variables prefixed with a “@” are interpreted as a literal (or un-evaluated) value.</a:t>
+            </a:r>
+          </a:p>
+          <a:p>
+            <a:pPr lvl="1"/>
+            <a:r>
+              <a:rPr lang="en-US" dirty="0" smtClean="0"/>
+              <a:t>Variables prefixed with a “=“ are evaluated prior to being set to the associated scope variable</a:t>
+            </a:r>
+            <a:endParaRPr lang="en-US" dirty="0"/>
+          </a:p>
+          <a:p>
+            <a:r>
+              <a:rPr lang="en-US" dirty="0"/>
+              <a:t>Your variables are typically passed into your directive via the attributes on your HTML tag. You can either accept the name of your attribute </a:t>
+            </a:r>
+            <a:r>
+              <a:rPr lang="en-US" dirty="0" smtClean="0"/>
+              <a:t>as your variable by specifying the reference type with no name, or you can choose to change the name of your variable</a:t>
+            </a:r>
+          </a:p>
+          <a:p>
+            <a:pPr lvl="1"/>
+            <a:r>
+              <a:rPr lang="en-US" dirty="0" smtClean="0"/>
+              <a:t>scope { </a:t>
+            </a:r>
+            <a:r>
+              <a:rPr lang="en-US" dirty="0" err="1" smtClean="0"/>
+              <a:t>myVar</a:t>
+            </a:r>
+            <a:r>
+              <a:rPr lang="en-US" dirty="0" smtClean="0"/>
+              <a:t>:”@”, </a:t>
+            </a:r>
+            <a:r>
+              <a:rPr lang="en-US" dirty="0" err="1" smtClean="0"/>
+              <a:t>someOther</a:t>
+            </a:r>
+            <a:r>
+              <a:rPr lang="en-US" dirty="0" smtClean="0"/>
+              <a:t>:”@</a:t>
+            </a:r>
+            <a:r>
+              <a:rPr lang="en-US" dirty="0" err="1" smtClean="0"/>
+              <a:t>myVar</a:t>
+            </a:r>
+            <a:r>
+              <a:rPr lang="en-US" dirty="0" smtClean="0"/>
+              <a:t>” }</a:t>
+            </a:r>
+          </a:p>
+          <a:p>
+            <a:pPr lvl="2"/>
+            <a:r>
+              <a:rPr lang="en-US" dirty="0" smtClean="0"/>
+              <a:t>Each variable will point at the same attribute on your html called “</a:t>
+            </a:r>
+            <a:r>
+              <a:rPr lang="en-US" dirty="0" err="1" smtClean="0"/>
+              <a:t>myVar</a:t>
+            </a:r>
+            <a:r>
+              <a:rPr lang="en-US" dirty="0" smtClean="0"/>
+              <a:t>” both of which will be referenced as literals because they are </a:t>
+            </a:r>
+            <a:r>
+              <a:rPr lang="en-US" smtClean="0"/>
+              <a:t>prefixed with a </a:t>
+            </a:r>
+            <a:r>
+              <a:rPr lang="en-US"/>
+              <a:t>”@”</a:t>
+            </a:r>
+            <a:endParaRPr lang="en-US" b="1" dirty="0" smtClean="0">
+              <a:hlinkClick r:id="rId2"/>
+            </a:endParaRPr>
+          </a:p>
+          <a:p>
+            <a:r>
+              <a:rPr lang="en-US" dirty="0" smtClean="0">
+                <a:hlinkClick r:id="rId2"/>
+              </a:rPr>
+              <a:t>http://</a:t>
+            </a:r>
+            <a:r>
+              <a:rPr lang="en-US" dirty="0">
+                <a:hlinkClick r:id="rId2"/>
+              </a:rPr>
+              <a:t>localhost:9080/Directives/Samples/Variables</a:t>
+            </a:r>
+            <a:r>
+              <a:rPr lang="en-US" dirty="0" smtClean="0">
+                <a:hlinkClick r:id="rId2"/>
+              </a:rPr>
+              <a:t>/</a:t>
+            </a:r>
+            <a:endParaRPr lang="en-US" dirty="0" smtClean="0"/>
+          </a:p>
+          <a:p>
+            <a:endParaRPr lang="en-US" dirty="0"/>
+          </a:p>
+          <a:p>
             <a:endParaRPr lang="en-US" dirty="0"/>
           </a:p>
           <a:p>
@@ -27559,7 +27954,7 @@
     </p:spTree>
     <p:extLst>
       <p:ext uri="{BB962C8B-B14F-4D97-AF65-F5344CB8AC3E}">
-        <p14:creationId xmlns:p14="http://schemas.microsoft.com/office/powerpoint/2010/main" val="1143997861"/>
+        <p14:creationId xmlns:p14="http://schemas.microsoft.com/office/powerpoint/2010/main" val="1539001429"/>
       </p:ext>
     </p:extLst>
   </p:cSld>
@@ -27610,7 +28005,15 @@
           <a:p>
             <a:r>
               <a:rPr lang="en-US" dirty="0" smtClean="0"/>
-              <a:t>Isolate Scope</a:t>
+              <a:t>Interacting With </a:t>
+            </a:r>
+            <a:r>
+              <a:rPr lang="en-US" dirty="0"/>
+              <a:t>T</a:t>
+            </a:r>
+            <a:r>
+              <a:rPr lang="en-US" dirty="0" smtClean="0"/>
+              <a:t>he DOM</a:t>
             </a:r>
             <a:endParaRPr lang="en-US" dirty="0"/>
           </a:p>
@@ -27628,57 +28031,119 @@
         </p:nvSpPr>
         <p:spPr/>
         <p:txBody>
-          <a:bodyPr>
-            <a:normAutofit/>
-          </a:bodyPr>
-          <a:lstStyle/>
-          <a:p>
-            <a:r>
-              <a:rPr lang="en-US" dirty="0"/>
-              <a:t>Directives can have their own scope, called an isolate scope</a:t>
-            </a:r>
-          </a:p>
-          <a:p>
-            <a:r>
-              <a:rPr lang="en-US" dirty="0"/>
-              <a:t>Specify a scope configuration when defining the directive</a:t>
-            </a:r>
-          </a:p>
-          <a:p>
-            <a:r>
-              <a:rPr lang="en-US" dirty="0"/>
-              <a:t>Scope configurations are simply key-value pairs...</a:t>
-            </a:r>
-          </a:p>
-          <a:p>
-            <a:r>
-              <a:rPr lang="en-US" dirty="0"/>
-              <a:t>BUT! If your value starts with an '@', it is presumed to come from the actual value of the attribute</a:t>
-            </a:r>
-          </a:p>
-          <a:p>
-            <a:r>
-              <a:rPr lang="en-US" dirty="0"/>
-              <a:t>If your value starts with an '=', it is assumed to be a reference to a variable on the scope and should be resolved </a:t>
-            </a:r>
-            <a:r>
-              <a:rPr lang="en-US" dirty="0" smtClean="0"/>
-              <a:t>accordingly</a:t>
-            </a:r>
-          </a:p>
-          <a:p>
-            <a:endParaRPr lang="en-US" dirty="0" smtClean="0"/>
+          <a:bodyPr/>
+          <a:lstStyle/>
+          <a:p>
+            <a:r>
+              <a:rPr lang="en-US" dirty="0"/>
+              <a:t>If you want to manipulate the DOM with your directive, you will need to use the </a:t>
+            </a:r>
+            <a:r>
+              <a:rPr lang="en-US" b="1" dirty="0"/>
+              <a:t>link</a:t>
+            </a:r>
+            <a:r>
+              <a:rPr lang="en-US" dirty="0"/>
+              <a:t> configuration option</a:t>
+            </a:r>
+          </a:p>
+          <a:p>
+            <a:r>
+              <a:rPr lang="en-US" b="1" dirty="0"/>
+              <a:t>link</a:t>
+            </a:r>
+            <a:r>
+              <a:rPr lang="en-US" dirty="0"/>
+              <a:t> takes a function as a value</a:t>
+            </a:r>
+          </a:p>
+          <a:p>
+            <a:r>
+              <a:rPr lang="en-US" dirty="0"/>
+              <a:t>The function takes three arguments:</a:t>
+            </a:r>
           </a:p>
           <a:p>
             <a:pPr lvl="1"/>
             <a:r>
-              <a:rPr lang="en-US" dirty="0" smtClean="0"/>
-              <a:t>EXAMPLE</a:t>
-            </a:r>
-            <a:endParaRPr lang="en-US" dirty="0"/>
-          </a:p>
-          <a:p>
-            <a:endParaRPr lang="en-US" dirty="0"/>
+              <a:rPr lang="en-US" b="1" dirty="0"/>
+              <a:t>scope</a:t>
+            </a:r>
+            <a:r>
+              <a:rPr lang="en-US" dirty="0"/>
+              <a:t>: An Angular scope object</a:t>
+            </a:r>
+          </a:p>
+          <a:p>
+            <a:pPr lvl="1"/>
+            <a:r>
+              <a:rPr lang="en-US" b="1" dirty="0"/>
+              <a:t>element</a:t>
+            </a:r>
+            <a:r>
+              <a:rPr lang="en-US" dirty="0"/>
+              <a:t>: The element that this directive matches, already wrapped by </a:t>
+            </a:r>
+            <a:r>
+              <a:rPr lang="en-US" b="1" dirty="0" err="1"/>
+              <a:t>jqLite</a:t>
+            </a:r>
+            <a:endParaRPr lang="en-US" b="1" dirty="0"/>
+          </a:p>
+          <a:p>
+            <a:pPr lvl="1"/>
+            <a:r>
+              <a:rPr lang="en-US" b="1" dirty="0" err="1"/>
+              <a:t>attrs</a:t>
+            </a:r>
+            <a:r>
+              <a:rPr lang="en-US" dirty="0"/>
+              <a:t>: A hash of attributes and their </a:t>
+            </a:r>
+            <a:r>
+              <a:rPr lang="en-US" dirty="0" smtClean="0"/>
+              <a:t>values</a:t>
+            </a:r>
+          </a:p>
+          <a:p>
+            <a:r>
+              <a:rPr lang="en-US" dirty="0" smtClean="0"/>
+              <a:t>If your directive registers any interval's, or created data that might exist, we should make sure we dispose of those resources</a:t>
+            </a:r>
+          </a:p>
+          <a:p>
+            <a:r>
+              <a:rPr lang="en-US" dirty="0" smtClean="0"/>
+              <a:t>This can be done by attaching </a:t>
+            </a:r>
+            <a:r>
+              <a:rPr lang="en-US" dirty="0"/>
+              <a:t>to the </a:t>
+            </a:r>
+            <a:r>
+              <a:rPr lang="en-US" b="1" dirty="0"/>
+              <a:t>destroy</a:t>
+            </a:r>
+            <a:r>
+              <a:rPr lang="en-US" dirty="0"/>
+              <a:t> event of the </a:t>
+            </a:r>
+            <a:r>
+              <a:rPr lang="en-US" b="1" dirty="0"/>
+              <a:t>element</a:t>
+            </a:r>
+            <a:r>
+              <a:rPr lang="en-US" dirty="0"/>
+              <a:t> or the </a:t>
+            </a:r>
+            <a:r>
+              <a:rPr lang="en-US" b="1" dirty="0"/>
+              <a:t>scope</a:t>
+            </a:r>
+            <a:r>
+              <a:rPr lang="en-US" dirty="0"/>
+              <a:t> allows us to free up resources associated with either</a:t>
+            </a:r>
           </a:p>
           <a:p>
             <a:endParaRPr lang="en-US" dirty="0"/>
@@ -27711,7 +28176,7 @@
     </p:spTree>
     <p:extLst>
       <p:ext uri="{BB962C8B-B14F-4D97-AF65-F5344CB8AC3E}">
-        <p14:creationId xmlns:p14="http://schemas.microsoft.com/office/powerpoint/2010/main" val="1539001429"/>
+        <p14:creationId xmlns:p14="http://schemas.microsoft.com/office/powerpoint/2010/main" val="1711511024"/>
       </p:ext>
     </p:extLst>
   </p:cSld>
@@ -27762,15 +28227,7 @@
           <a:p>
             <a:r>
               <a:rPr lang="en-US" dirty="0" smtClean="0"/>
-              <a:t>Interacting With </a:t>
-            </a:r>
-            <a:r>
-              <a:rPr lang="en-US" dirty="0"/>
-              <a:t>T</a:t>
-            </a:r>
-            <a:r>
-              <a:rPr lang="en-US" dirty="0" smtClean="0"/>
-              <a:t>he DOM</a:t>
+              <a:t>LAB</a:t>
             </a:r>
             <a:endParaRPr lang="en-US" dirty="0"/>
           </a:p>
@@ -27791,119 +28248,7 @@
           <a:bodyPr/>
           <a:lstStyle/>
           <a:p>
-            <a:r>
-              <a:rPr lang="en-US" dirty="0"/>
-              <a:t>If you want to manipulate the DOM with your directive, you will need to use the </a:t>
-            </a:r>
-            <a:r>
-              <a:rPr lang="en-US" b="1" dirty="0"/>
-              <a:t>link</a:t>
-            </a:r>
-            <a:r>
-              <a:rPr lang="en-US" dirty="0"/>
-              <a:t> configuration option</a:t>
-            </a:r>
-          </a:p>
-          <a:p>
-            <a:r>
-              <a:rPr lang="en-US" b="1" dirty="0"/>
-              <a:t>link</a:t>
-            </a:r>
-            <a:r>
-              <a:rPr lang="en-US" dirty="0"/>
-              <a:t> takes a function as a value</a:t>
-            </a:r>
-          </a:p>
-          <a:p>
-            <a:r>
-              <a:rPr lang="en-US" dirty="0"/>
-              <a:t>The function takes three arguments:</a:t>
-            </a:r>
-          </a:p>
-          <a:p>
-            <a:pPr lvl="1"/>
-            <a:r>
-              <a:rPr lang="en-US" b="1" dirty="0"/>
-              <a:t>scope</a:t>
-            </a:r>
-            <a:r>
-              <a:rPr lang="en-US" dirty="0"/>
-              <a:t>: An Angular scope object</a:t>
-            </a:r>
-          </a:p>
-          <a:p>
-            <a:pPr lvl="1"/>
-            <a:r>
-              <a:rPr lang="en-US" b="1" dirty="0"/>
-              <a:t>element</a:t>
-            </a:r>
-            <a:r>
-              <a:rPr lang="en-US" dirty="0"/>
-              <a:t>: The element that this directive matches, already wrapped by </a:t>
-            </a:r>
-            <a:r>
-              <a:rPr lang="en-US" b="1" dirty="0" err="1"/>
-              <a:t>jqLite</a:t>
-            </a:r>
-            <a:endParaRPr lang="en-US" b="1" dirty="0"/>
-          </a:p>
-          <a:p>
-            <a:pPr lvl="1"/>
-            <a:r>
-              <a:rPr lang="en-US" b="1" dirty="0" err="1"/>
-              <a:t>attrs</a:t>
-            </a:r>
-            <a:r>
-              <a:rPr lang="en-US" dirty="0"/>
-              <a:t>: A hash of attributes and their </a:t>
-            </a:r>
-            <a:r>
-              <a:rPr lang="en-US" dirty="0" smtClean="0"/>
-              <a:t>values</a:t>
-            </a:r>
-          </a:p>
-          <a:p>
-            <a:r>
-              <a:rPr lang="en-US" dirty="0" smtClean="0"/>
-              <a:t>If your directive registers any interval's, or created data that might exist, we should make sure we dispose of those resources</a:t>
-            </a:r>
-          </a:p>
-          <a:p>
-            <a:r>
-              <a:rPr lang="en-US" dirty="0" smtClean="0"/>
-              <a:t>This can be done by attaching </a:t>
-            </a:r>
-            <a:r>
-              <a:rPr lang="en-US" dirty="0"/>
-              <a:t>to the </a:t>
-            </a:r>
-            <a:r>
-              <a:rPr lang="en-US" b="1" dirty="0"/>
-              <a:t>destroy</a:t>
-            </a:r>
-            <a:r>
-              <a:rPr lang="en-US" dirty="0"/>
-              <a:t> event of the </a:t>
-            </a:r>
-            <a:r>
-              <a:rPr lang="en-US" b="1" dirty="0"/>
-              <a:t>element</a:t>
-            </a:r>
-            <a:r>
-              <a:rPr lang="en-US" dirty="0"/>
-              <a:t> or the </a:t>
-            </a:r>
-            <a:r>
-              <a:rPr lang="en-US" b="1" dirty="0"/>
-              <a:t>scope</a:t>
-            </a:r>
-            <a:r>
-              <a:rPr lang="en-US" dirty="0"/>
-              <a:t> allows us to free up resources associated with either</a:t>
-            </a:r>
-          </a:p>
-          <a:p>
-            <a:endParaRPr lang="en-US" dirty="0"/>
+            <a:endParaRPr lang="en-US"/>
           </a:p>
         </p:txBody>
       </p:sp>
@@ -27933,7 +28278,7 @@
     </p:spTree>
     <p:extLst>
       <p:ext uri="{BB962C8B-B14F-4D97-AF65-F5344CB8AC3E}">
-        <p14:creationId xmlns:p14="http://schemas.microsoft.com/office/powerpoint/2010/main" val="1711511024"/>
+        <p14:creationId xmlns:p14="http://schemas.microsoft.com/office/powerpoint/2010/main" val="1088638124"/>
       </p:ext>
     </p:extLst>
   </p:cSld>
@@ -27983,8 +28328,8 @@
           <a:lstStyle/>
           <a:p>
             <a:r>
-              <a:rPr lang="en-US" dirty="0" smtClean="0"/>
-              <a:t>LAB</a:t>
+              <a:rPr lang="en-US" dirty="0" err="1" smtClean="0"/>
+              <a:t>Transclusion</a:t>
             </a:r>
             <a:endParaRPr lang="en-US" dirty="0"/>
           </a:p>
@@ -28005,7 +28350,100 @@
           <a:bodyPr/>
           <a:lstStyle/>
           <a:p>
-            <a:endParaRPr lang="en-US"/>
+            <a:r>
+              <a:rPr lang="en-US" dirty="0" smtClean="0"/>
+              <a:t>Setting up </a:t>
+            </a:r>
+            <a:r>
+              <a:rPr lang="en-US" dirty="0" err="1" smtClean="0"/>
+              <a:t>transclusion</a:t>
+            </a:r>
+            <a:r>
+              <a:rPr lang="en-US" dirty="0" smtClean="0"/>
+              <a:t> is pretty straight forward; in the directive set the </a:t>
+            </a:r>
+            <a:r>
+              <a:rPr lang="en-US" b="1" dirty="0" err="1" smtClean="0"/>
+              <a:t>transclude</a:t>
+            </a:r>
+            <a:r>
+              <a:rPr lang="en-US" dirty="0" smtClean="0"/>
+              <a:t> option to </a:t>
+            </a:r>
+            <a:r>
+              <a:rPr lang="en-US" b="1" dirty="0" smtClean="0"/>
+              <a:t>true</a:t>
+            </a:r>
+            <a:endParaRPr lang="en-US" dirty="0"/>
+          </a:p>
+          <a:p>
+            <a:r>
+              <a:rPr lang="en-US" dirty="0" smtClean="0"/>
+              <a:t>This will invert </a:t>
+            </a:r>
+            <a:r>
+              <a:rPr lang="en-US" dirty="0"/>
+              <a:t>scope </a:t>
+            </a:r>
+            <a:r>
+              <a:rPr lang="en-US" dirty="0" smtClean="0"/>
+              <a:t>resolution on certain variables within the directive</a:t>
+            </a:r>
+          </a:p>
+          <a:p>
+            <a:r>
+              <a:rPr lang="en-US" dirty="0" smtClean="0"/>
+              <a:t>Instead of resolving against the scope option (as configuration or as an argument to a </a:t>
+            </a:r>
+            <a:r>
+              <a:rPr lang="en-US" b="1" dirty="0" smtClean="0"/>
+              <a:t>link</a:t>
+            </a:r>
+            <a:r>
+              <a:rPr lang="en-US" dirty="0" smtClean="0"/>
+              <a:t> function)</a:t>
+            </a:r>
+          </a:p>
+          <a:p>
+            <a:r>
+              <a:rPr lang="en-US" dirty="0" smtClean="0"/>
+              <a:t>Variables and functions are </a:t>
+            </a:r>
+            <a:r>
+              <a:rPr lang="en-US" dirty="0"/>
+              <a:t>resolved against the outer/containing  </a:t>
+            </a:r>
+            <a:r>
+              <a:rPr lang="en-US" dirty="0" smtClean="0"/>
+              <a:t>scope of the directive rather than the isolate scope within the directive</a:t>
+            </a:r>
+            <a:endParaRPr lang="en-US" dirty="0"/>
+          </a:p>
+          <a:p>
+            <a:r>
+              <a:rPr lang="en-US" dirty="0" smtClean="0"/>
+              <a:t>This technique is how </a:t>
+            </a:r>
+            <a:r>
+              <a:rPr lang="en-US" b="1" dirty="0" smtClean="0"/>
+              <a:t>ng-repeat</a:t>
+            </a:r>
+            <a:r>
+              <a:rPr lang="en-US" dirty="0" smtClean="0"/>
+              <a:t> and </a:t>
+            </a:r>
+            <a:r>
+              <a:rPr lang="en-US" b="1" dirty="0" smtClean="0"/>
+              <a:t>ng-options </a:t>
+            </a:r>
+            <a:r>
+              <a:rPr lang="en-US" dirty="0" smtClean="0"/>
+              <a:t>are able to work</a:t>
+            </a:r>
+            <a:endParaRPr lang="en-US" dirty="0"/>
+          </a:p>
+          <a:p>
+            <a:endParaRPr lang="en-US" dirty="0"/>
           </a:p>
         </p:txBody>
       </p:sp>
@@ -28035,7 +28473,7 @@
     </p:spTree>
     <p:extLst>
       <p:ext uri="{BB962C8B-B14F-4D97-AF65-F5344CB8AC3E}">
-        <p14:creationId xmlns:p14="http://schemas.microsoft.com/office/powerpoint/2010/main" val="1088638124"/>
+        <p14:creationId xmlns:p14="http://schemas.microsoft.com/office/powerpoint/2010/main" val="1763766755"/>
       </p:ext>
     </p:extLst>
   </p:cSld>
@@ -28088,6 +28526,10 @@
               <a:rPr lang="en-US" dirty="0" err="1" smtClean="0"/>
               <a:t>Transclusion</a:t>
             </a:r>
+            <a:r>
+              <a:rPr lang="en-US" dirty="0" smtClean="0"/>
+              <a:t> Explained</a:t>
+            </a:r>
             <a:endParaRPr lang="en-US" dirty="0"/>
           </a:p>
         </p:txBody>
@@ -28108,96 +28550,55 @@
           <a:lstStyle/>
           <a:p>
             <a:r>
-              <a:rPr lang="en-US" dirty="0" smtClean="0"/>
-              <a:t>Setting up </a:t>
-            </a:r>
-            <a:r>
-              <a:rPr lang="en-US" dirty="0" err="1" smtClean="0"/>
+              <a:rPr lang="en-US" dirty="0"/>
+              <a:t>What does </a:t>
+            </a:r>
+            <a:r>
+              <a:rPr lang="en-US" dirty="0" err="1"/>
               <a:t>transclusion</a:t>
             </a:r>
             <a:r>
-              <a:rPr lang="en-US" dirty="0" smtClean="0"/>
-              <a:t> is pretty straight forward; in the directive set the </a:t>
-            </a:r>
-            <a:r>
-              <a:rPr lang="en-US" b="1" dirty="0" err="1" smtClean="0"/>
-              <a:t>transclude</a:t>
-            </a:r>
-            <a:r>
-              <a:rPr lang="en-US" dirty="0" smtClean="0"/>
-              <a:t> option to </a:t>
-            </a:r>
-            <a:r>
-              <a:rPr lang="en-US" b="1" dirty="0" smtClean="0"/>
-              <a:t>true</a:t>
-            </a:r>
-            <a:endParaRPr lang="en-US" dirty="0"/>
-          </a:p>
-          <a:p>
-            <a:r>
-              <a:rPr lang="en-US" dirty="0" smtClean="0"/>
-              <a:t>This will invert </a:t>
-            </a:r>
-            <a:r>
-              <a:rPr lang="en-US" dirty="0"/>
-              <a:t>scope </a:t>
-            </a:r>
-            <a:r>
-              <a:rPr lang="en-US" dirty="0" smtClean="0"/>
-              <a:t>resolution on certain variables within the directive</a:t>
-            </a:r>
-          </a:p>
-          <a:p>
-            <a:r>
-              <a:rPr lang="en-US" dirty="0" smtClean="0"/>
-              <a:t>Instead of resolving against the scope option (as configuration or as an argument to a </a:t>
-            </a:r>
-            <a:r>
-              <a:rPr lang="en-US" b="1" dirty="0" smtClean="0"/>
-              <a:t>link</a:t>
-            </a:r>
-            <a:r>
-              <a:rPr lang="en-US" dirty="0" smtClean="0"/>
-              <a:t> function)</a:t>
-            </a:r>
-          </a:p>
-          <a:p>
-            <a:r>
-              <a:rPr lang="en-US" dirty="0" smtClean="0"/>
-              <a:t>Variables and functions are </a:t>
-            </a:r>
-            <a:r>
-              <a:rPr lang="en-US" dirty="0"/>
-              <a:t>resolved against the outer/containing  </a:t>
-            </a:r>
-            <a:r>
-              <a:rPr lang="en-US" dirty="0" smtClean="0"/>
-              <a:t>scope of the directive rather than the isolate scope within the directive</a:t>
-            </a:r>
-            <a:endParaRPr lang="en-US" dirty="0"/>
-          </a:p>
-          <a:p>
-            <a:r>
-              <a:rPr lang="en-US" dirty="0" smtClean="0"/>
-              <a:t>This technique is how </a:t>
-            </a:r>
-            <a:r>
-              <a:rPr lang="en-US" b="1" dirty="0" smtClean="0"/>
-              <a:t>ng-repeat</a:t>
-            </a:r>
-            <a:r>
-              <a:rPr lang="en-US" dirty="0" smtClean="0"/>
-              <a:t> and </a:t>
-            </a:r>
-            <a:r>
-              <a:rPr lang="en-US" b="1" dirty="0" smtClean="0"/>
-              <a:t>ng-options </a:t>
-            </a:r>
-            <a:r>
-              <a:rPr lang="en-US" dirty="0" smtClean="0"/>
-              <a:t>are able to work</a:t>
-            </a:r>
-            <a:endParaRPr lang="en-US" dirty="0"/>
+              <a:rPr lang="en-US" dirty="0"/>
+              <a:t> do for us, really?</a:t>
+            </a:r>
+          </a:p>
+          <a:p>
+            <a:r>
+              <a:rPr lang="en-US" dirty="0"/>
+              <a:t>In addition to wrapping arbitrary code, </a:t>
+            </a:r>
+            <a:r>
+              <a:rPr lang="en-US" dirty="0" err="1"/>
+              <a:t>transclusion</a:t>
+            </a:r>
+            <a:r>
+              <a:rPr lang="en-US" dirty="0"/>
+              <a:t> allows us to choose how variables are resolved in our directives</a:t>
+            </a:r>
+          </a:p>
+          <a:p>
+            <a:r>
+              <a:rPr lang="en-US" dirty="0" err="1"/>
+              <a:t>Transcluded</a:t>
+            </a:r>
+            <a:r>
+              <a:rPr lang="en-US" dirty="0"/>
+              <a:t> elements can still resolve against the containing scope (usually provided by the controller)</a:t>
+            </a:r>
+          </a:p>
+          <a:p>
+            <a:r>
+              <a:rPr lang="en-US" dirty="0"/>
+              <a:t>The non-</a:t>
+            </a:r>
+            <a:r>
+              <a:rPr lang="en-US" dirty="0" err="1"/>
+              <a:t>transcluded</a:t>
+            </a:r>
+            <a:r>
+              <a:rPr lang="en-US" dirty="0"/>
+              <a:t> code can resolve against the isolate scope of your custom directive</a:t>
+            </a:r>
           </a:p>
           <a:p>
             <a:endParaRPr lang="en-US" dirty="0"/>
@@ -28230,7 +28631,7 @@
     </p:spTree>
     <p:extLst>
       <p:ext uri="{BB962C8B-B14F-4D97-AF65-F5344CB8AC3E}">
-        <p14:creationId xmlns:p14="http://schemas.microsoft.com/office/powerpoint/2010/main" val="1763766755"/>
+        <p14:creationId xmlns:p14="http://schemas.microsoft.com/office/powerpoint/2010/main" val="546558299"/>
       </p:ext>
     </p:extLst>
   </p:cSld>
@@ -28280,12 +28681,8 @@
           <a:lstStyle/>
           <a:p>
             <a:r>
-              <a:rPr lang="en-US" dirty="0" err="1" smtClean="0"/>
-              <a:t>Transclusion</a:t>
-            </a:r>
-            <a:r>
-              <a:rPr lang="en-US" dirty="0" smtClean="0"/>
-              <a:t> Explained</a:t>
+              <a:rPr lang="en-US" dirty="0" smtClean="0"/>
+              <a:t>LAB</a:t>
             </a:r>
             <a:endParaRPr lang="en-US" dirty="0"/>
           </a:p>
@@ -28306,59 +28703,7 @@
           <a:bodyPr/>
           <a:lstStyle/>
           <a:p>
-            <a:r>
-              <a:rPr lang="en-US" dirty="0"/>
-              <a:t>What does </a:t>
-            </a:r>
-            <a:r>
-              <a:rPr lang="en-US" dirty="0" err="1"/>
-              <a:t>transclusion</a:t>
-            </a:r>
-            <a:r>
-              <a:rPr lang="en-US" dirty="0"/>
-              <a:t> do for us, really?</a:t>
-            </a:r>
-          </a:p>
-          <a:p>
-            <a:r>
-              <a:rPr lang="en-US" dirty="0"/>
-              <a:t>In addition to wrapping arbitrary code, </a:t>
-            </a:r>
-            <a:r>
-              <a:rPr lang="en-US" dirty="0" err="1"/>
-              <a:t>transclusion</a:t>
-            </a:r>
-            <a:r>
-              <a:rPr lang="en-US" dirty="0"/>
-              <a:t> allows us to choose how variables are resolved in our directives</a:t>
-            </a:r>
-          </a:p>
-          <a:p>
-            <a:r>
-              <a:rPr lang="en-US" dirty="0" err="1"/>
-              <a:t>Transcluded</a:t>
-            </a:r>
-            <a:r>
-              <a:rPr lang="en-US" dirty="0"/>
-              <a:t> elements can still resolve against the containing scope (usually provided by the controller)</a:t>
-            </a:r>
-          </a:p>
-          <a:p>
-            <a:r>
-              <a:rPr lang="en-US" dirty="0"/>
-              <a:t>The non-</a:t>
-            </a:r>
-            <a:r>
-              <a:rPr lang="en-US" dirty="0" err="1"/>
-              <a:t>transcluded</a:t>
-            </a:r>
-            <a:r>
-              <a:rPr lang="en-US" dirty="0"/>
-              <a:t> code can resolve against the isolate scope of your custom directive</a:t>
-            </a:r>
-          </a:p>
-          <a:p>
-            <a:endParaRPr lang="en-US" dirty="0"/>
+            <a:endParaRPr lang="en-US"/>
           </a:p>
         </p:txBody>
       </p:sp>
@@ -28388,7 +28733,7 @@
     </p:spTree>
     <p:extLst>
       <p:ext uri="{BB962C8B-B14F-4D97-AF65-F5344CB8AC3E}">
-        <p14:creationId xmlns:p14="http://schemas.microsoft.com/office/powerpoint/2010/main" val="546558299"/>
+        <p14:creationId xmlns:p14="http://schemas.microsoft.com/office/powerpoint/2010/main" val="216079142"/>
       </p:ext>
     </p:extLst>
   </p:cSld>
@@ -28439,7 +28784,7 @@
           <a:p>
             <a:r>
               <a:rPr lang="en-US" dirty="0" smtClean="0"/>
-              <a:t>LAB</a:t>
+              <a:t>Testing Our Directives</a:t>
             </a:r>
             <a:endParaRPr lang="en-US" dirty="0"/>
           </a:p>
@@ -28457,10 +28802,224 @@
         </p:nvSpPr>
         <p:spPr/>
         <p:txBody>
-          <a:bodyPr/>
-          <a:lstStyle/>
-          <a:p>
-            <a:endParaRPr lang="en-US"/>
+          <a:bodyPr>
+            <a:normAutofit/>
+          </a:bodyPr>
+          <a:lstStyle/>
+          <a:p>
+            <a:r>
+              <a:rPr lang="en-US" b="1" dirty="0" smtClean="0"/>
+              <a:t>$</a:t>
+            </a:r>
+            <a:r>
+              <a:rPr lang="en-US" b="1" dirty="0"/>
+              <a:t>compile</a:t>
+            </a:r>
+            <a:r>
+              <a:rPr lang="en-US" dirty="0"/>
+              <a:t> and </a:t>
+            </a:r>
+            <a:r>
+              <a:rPr lang="en-US" b="1" dirty="0"/>
+              <a:t>$</a:t>
+            </a:r>
+            <a:r>
+              <a:rPr lang="en-US" b="1" dirty="0" err="1"/>
+              <a:t>rootScope</a:t>
+            </a:r>
+            <a:r>
+              <a:rPr lang="en-US" dirty="0"/>
+              <a:t> </a:t>
+            </a:r>
+            <a:r>
+              <a:rPr lang="en-US" dirty="0" smtClean="0"/>
+              <a:t>will need to be declared and injected into the test</a:t>
+            </a:r>
+            <a:endParaRPr lang="en-US" dirty="0"/>
+          </a:p>
+          <a:p>
+            <a:pPr>
+              <a:spcBef>
+                <a:spcPts val="1500"/>
+              </a:spcBef>
+            </a:pPr>
+            <a:r>
+              <a:rPr lang="en-US" dirty="0" smtClean="0"/>
+              <a:t>You will build and pass </a:t>
+            </a:r>
+            <a:r>
+              <a:rPr lang="en-US" dirty="0"/>
+              <a:t>the </a:t>
+            </a:r>
+            <a:r>
+              <a:rPr lang="en-US" dirty="0" smtClean="0"/>
+              <a:t>expected directive HTML string </a:t>
+            </a:r>
+            <a:r>
+              <a:rPr lang="en-US" dirty="0"/>
+              <a:t>to </a:t>
+            </a:r>
+            <a:r>
+              <a:rPr lang="en-US" b="1" dirty="0"/>
+              <a:t>$compile</a:t>
+            </a:r>
+            <a:r>
+              <a:rPr lang="en-US" dirty="0"/>
+              <a:t>, using </a:t>
+            </a:r>
+            <a:r>
+              <a:rPr lang="en-US" b="1" dirty="0"/>
+              <a:t>$</a:t>
+            </a:r>
+            <a:r>
+              <a:rPr lang="en-US" b="1" dirty="0" err="1"/>
+              <a:t>rootScope</a:t>
+            </a:r>
+            <a:r>
+              <a:rPr lang="en-US" dirty="0"/>
+              <a:t> as the </a:t>
+            </a:r>
+            <a:r>
+              <a:rPr lang="en-US" dirty="0" smtClean="0"/>
+              <a:t>containing scope </a:t>
+            </a:r>
+            <a:r>
+              <a:rPr lang="en-US" dirty="0"/>
+              <a:t>scope</a:t>
+            </a:r>
+          </a:p>
+          <a:p>
+            <a:pPr lvl="1"/>
+            <a:r>
+              <a:rPr lang="en-US" dirty="0" smtClean="0"/>
+              <a:t>Alternatively, you can create a reference </a:t>
+            </a:r>
+            <a:r>
+              <a:rPr lang="en-US" dirty="0"/>
+              <a:t>by calling </a:t>
+            </a:r>
+            <a:r>
+              <a:rPr lang="en-US" dirty="0" err="1"/>
+              <a:t>angular.element</a:t>
+            </a:r>
+            <a:r>
+              <a:rPr lang="en-US" dirty="0"/>
+              <a:t> on the HTML string and then passing the result to $compile</a:t>
+            </a:r>
+          </a:p>
+          <a:p>
+            <a:pPr>
+              <a:spcBef>
+                <a:spcPts val="1500"/>
+              </a:spcBef>
+            </a:pPr>
+            <a:r>
+              <a:rPr lang="en-US" dirty="0" smtClean="0"/>
+              <a:t>Following the </a:t>
+            </a:r>
+            <a:r>
+              <a:rPr lang="en-US" b="1" dirty="0" smtClean="0"/>
+              <a:t>$compile</a:t>
+            </a:r>
+            <a:r>
+              <a:rPr lang="en-US" dirty="0" smtClean="0"/>
+              <a:t>,</a:t>
+            </a:r>
+            <a:r>
+              <a:rPr lang="en-US" b="1" dirty="0" smtClean="0"/>
+              <a:t> </a:t>
+            </a:r>
+            <a:r>
+              <a:rPr lang="en-US" dirty="0" smtClean="0"/>
+              <a:t>the result will return </a:t>
+            </a:r>
+            <a:r>
+              <a:rPr lang="en-US" dirty="0"/>
+              <a:t>as an </a:t>
+            </a:r>
+            <a:r>
+              <a:rPr lang="en-US" b="1" dirty="0" err="1" smtClean="0"/>
+              <a:t>angular.element</a:t>
+            </a:r>
+            <a:endParaRPr lang="en-US" dirty="0"/>
+          </a:p>
+          <a:p>
+            <a:pPr>
+              <a:spcBef>
+                <a:spcPts val="1500"/>
+              </a:spcBef>
+            </a:pPr>
+            <a:r>
+              <a:rPr lang="en-US" dirty="0" smtClean="0"/>
+              <a:t>From there, invoke </a:t>
+            </a:r>
+            <a:r>
+              <a:rPr lang="en-US" b="1" dirty="0" smtClean="0"/>
+              <a:t>$digest</a:t>
+            </a:r>
+            <a:r>
+              <a:rPr lang="en-US" dirty="0" smtClean="0"/>
+              <a:t> </a:t>
+            </a:r>
+            <a:r>
+              <a:rPr lang="en-US" dirty="0"/>
+              <a:t>on </a:t>
+            </a:r>
+            <a:r>
+              <a:rPr lang="en-US" b="1" dirty="0"/>
+              <a:t>$</a:t>
+            </a:r>
+            <a:r>
+              <a:rPr lang="en-US" b="1" dirty="0" err="1"/>
+              <a:t>rootScope</a:t>
+            </a:r>
+            <a:r>
+              <a:rPr lang="en-US" dirty="0"/>
+              <a:t> to </a:t>
+            </a:r>
+            <a:r>
+              <a:rPr lang="en-US" dirty="0" smtClean="0"/>
+              <a:t>ensure that any scope functions have been executed (watches / expressions)</a:t>
+            </a:r>
+            <a:endParaRPr lang="en-US" dirty="0"/>
+          </a:p>
+          <a:p>
+            <a:pPr>
+              <a:spcBef>
+                <a:spcPts val="1500"/>
+              </a:spcBef>
+            </a:pPr>
+            <a:r>
+              <a:rPr lang="en-US" dirty="0" smtClean="0"/>
+              <a:t>Generate expectations </a:t>
+            </a:r>
+            <a:r>
+              <a:rPr lang="en-US" dirty="0"/>
+              <a:t>based on </a:t>
+            </a:r>
+            <a:r>
+              <a:rPr lang="en-US" dirty="0" smtClean="0"/>
+              <a:t>the </a:t>
+            </a:r>
+            <a:r>
+              <a:rPr lang="en-US" dirty="0"/>
+              <a:t>directive's </a:t>
+            </a:r>
+            <a:r>
+              <a:rPr lang="en-US" dirty="0" smtClean="0"/>
+              <a:t>output</a:t>
+            </a:r>
+          </a:p>
+          <a:p>
+            <a:pPr>
+              <a:spcBef>
+                <a:spcPts val="1500"/>
+              </a:spcBef>
+            </a:pPr>
+            <a:r>
+              <a:rPr lang="en-US" dirty="0"/>
+              <a:t>EXAMPLE</a:t>
+            </a:r>
           </a:p>
         </p:txBody>
       </p:sp>
@@ -28490,7 +29049,7 @@
     </p:spTree>
     <p:extLst>
       <p:ext uri="{BB962C8B-B14F-4D97-AF65-F5344CB8AC3E}">
-        <p14:creationId xmlns:p14="http://schemas.microsoft.com/office/powerpoint/2010/main" val="216079142"/>
+        <p14:creationId xmlns:p14="http://schemas.microsoft.com/office/powerpoint/2010/main" val="2041293048"/>
       </p:ext>
     </p:extLst>
   </p:cSld>
@@ -28541,7 +29100,7 @@
           <a:p>
             <a:r>
               <a:rPr lang="en-US" dirty="0" smtClean="0"/>
-              <a:t>Testing Our Directives</a:t>
+              <a:t>LAB</a:t>
             </a:r>
             <a:endParaRPr lang="en-US" dirty="0"/>
           </a:p>
@@ -28559,224 +29118,10 @@
         </p:nvSpPr>
         <p:spPr/>
         <p:txBody>
-          <a:bodyPr>
-            <a:normAutofit/>
-          </a:bodyPr>
-          <a:lstStyle/>
-          <a:p>
-            <a:r>
-              <a:rPr lang="en-US" b="1" dirty="0" smtClean="0"/>
-              <a:t>$</a:t>
-            </a:r>
-            <a:r>
-              <a:rPr lang="en-US" b="1" dirty="0"/>
-              <a:t>compile</a:t>
-            </a:r>
-            <a:r>
-              <a:rPr lang="en-US" dirty="0"/>
-              <a:t> and </a:t>
-            </a:r>
-            <a:r>
-              <a:rPr lang="en-US" b="1" dirty="0"/>
-              <a:t>$</a:t>
-            </a:r>
-            <a:r>
-              <a:rPr lang="en-US" b="1" dirty="0" err="1"/>
-              <a:t>rootScope</a:t>
-            </a:r>
-            <a:r>
-              <a:rPr lang="en-US" dirty="0"/>
-              <a:t> </a:t>
-            </a:r>
-            <a:r>
-              <a:rPr lang="en-US" dirty="0" smtClean="0"/>
-              <a:t>will need to be declared and injected into the test</a:t>
-            </a:r>
-            <a:endParaRPr lang="en-US" dirty="0"/>
-          </a:p>
-          <a:p>
-            <a:pPr>
-              <a:spcBef>
-                <a:spcPts val="1500"/>
-              </a:spcBef>
-            </a:pPr>
-            <a:r>
-              <a:rPr lang="en-US" dirty="0" smtClean="0"/>
-              <a:t>You will build and pass </a:t>
-            </a:r>
-            <a:r>
-              <a:rPr lang="en-US" dirty="0"/>
-              <a:t>the </a:t>
-            </a:r>
-            <a:r>
-              <a:rPr lang="en-US" dirty="0" smtClean="0"/>
-              <a:t>expected directive HTML string </a:t>
-            </a:r>
-            <a:r>
-              <a:rPr lang="en-US" dirty="0"/>
-              <a:t>to </a:t>
-            </a:r>
-            <a:r>
-              <a:rPr lang="en-US" b="1" dirty="0"/>
-              <a:t>$compile</a:t>
-            </a:r>
-            <a:r>
-              <a:rPr lang="en-US" dirty="0"/>
-              <a:t>, using </a:t>
-            </a:r>
-            <a:r>
-              <a:rPr lang="en-US" b="1" dirty="0"/>
-              <a:t>$</a:t>
-            </a:r>
-            <a:r>
-              <a:rPr lang="en-US" b="1" dirty="0" err="1"/>
-              <a:t>rootScope</a:t>
-            </a:r>
-            <a:r>
-              <a:rPr lang="en-US" dirty="0"/>
-              <a:t> as the </a:t>
-            </a:r>
-            <a:r>
-              <a:rPr lang="en-US" dirty="0" smtClean="0"/>
-              <a:t>containing scope </a:t>
-            </a:r>
-            <a:r>
-              <a:rPr lang="en-US" dirty="0"/>
-              <a:t>scope</a:t>
-            </a:r>
-          </a:p>
-          <a:p>
-            <a:pPr lvl="1"/>
-            <a:r>
-              <a:rPr lang="en-US" dirty="0" smtClean="0"/>
-              <a:t>Alternatively, you can create a reference </a:t>
-            </a:r>
-            <a:r>
-              <a:rPr lang="en-US" dirty="0"/>
-              <a:t>by calling </a:t>
-            </a:r>
-            <a:r>
-              <a:rPr lang="en-US" dirty="0" err="1"/>
-              <a:t>angular.element</a:t>
-            </a:r>
-            <a:r>
-              <a:rPr lang="en-US" dirty="0"/>
-              <a:t> on the HTML string and then passing the result to $compile</a:t>
-            </a:r>
-          </a:p>
-          <a:p>
-            <a:pPr>
-              <a:spcBef>
-                <a:spcPts val="1500"/>
-              </a:spcBef>
-            </a:pPr>
-            <a:r>
-              <a:rPr lang="en-US" dirty="0" smtClean="0"/>
-              <a:t>Following the </a:t>
-            </a:r>
-            <a:r>
-              <a:rPr lang="en-US" b="1" dirty="0" smtClean="0"/>
-              <a:t>$compile</a:t>
-            </a:r>
-            <a:r>
-              <a:rPr lang="en-US" dirty="0" smtClean="0"/>
-              <a:t>,</a:t>
-            </a:r>
-            <a:r>
-              <a:rPr lang="en-US" b="1" dirty="0" smtClean="0"/>
-              <a:t> </a:t>
-            </a:r>
-            <a:r>
-              <a:rPr lang="en-US" dirty="0" smtClean="0"/>
-              <a:t>the result will return </a:t>
-            </a:r>
-            <a:r>
-              <a:rPr lang="en-US" dirty="0"/>
-              <a:t>as an </a:t>
-            </a:r>
-            <a:r>
-              <a:rPr lang="en-US" b="1" dirty="0" err="1" smtClean="0"/>
-              <a:t>angular.element</a:t>
-            </a:r>
-            <a:endParaRPr lang="en-US" dirty="0"/>
-          </a:p>
-          <a:p>
-            <a:pPr>
-              <a:spcBef>
-                <a:spcPts val="1500"/>
-              </a:spcBef>
-            </a:pPr>
-            <a:r>
-              <a:rPr lang="en-US" dirty="0" smtClean="0"/>
-              <a:t>From there, invoke </a:t>
-            </a:r>
-            <a:r>
-              <a:rPr lang="en-US" b="1" dirty="0" smtClean="0"/>
-              <a:t>$digest</a:t>
-            </a:r>
-            <a:r>
-              <a:rPr lang="en-US" dirty="0" smtClean="0"/>
-              <a:t> </a:t>
-            </a:r>
-            <a:r>
-              <a:rPr lang="en-US" dirty="0"/>
-              <a:t>on </a:t>
-            </a:r>
-            <a:r>
-              <a:rPr lang="en-US" b="1" dirty="0"/>
-              <a:t>$</a:t>
-            </a:r>
-            <a:r>
-              <a:rPr lang="en-US" b="1" dirty="0" err="1"/>
-              <a:t>rootScope</a:t>
-            </a:r>
-            <a:r>
-              <a:rPr lang="en-US" dirty="0"/>
-              <a:t> to </a:t>
-            </a:r>
-            <a:r>
-              <a:rPr lang="en-US" dirty="0" smtClean="0"/>
-              <a:t>ensure that any scope functions have been executed (watches / expressions)</a:t>
-            </a:r>
-            <a:endParaRPr lang="en-US" dirty="0"/>
-          </a:p>
-          <a:p>
-            <a:pPr>
-              <a:spcBef>
-                <a:spcPts val="1500"/>
-              </a:spcBef>
-            </a:pPr>
-            <a:r>
-              <a:rPr lang="en-US" dirty="0" smtClean="0"/>
-              <a:t>Generate expectations </a:t>
-            </a:r>
-            <a:r>
-              <a:rPr lang="en-US" dirty="0"/>
-              <a:t>based on </a:t>
-            </a:r>
-            <a:r>
-              <a:rPr lang="en-US" dirty="0" smtClean="0"/>
-              <a:t>the </a:t>
-            </a:r>
-            <a:r>
-              <a:rPr lang="en-US" dirty="0"/>
-              <a:t>directive's </a:t>
-            </a:r>
-            <a:r>
-              <a:rPr lang="en-US" dirty="0" smtClean="0"/>
-              <a:t>output</a:t>
-            </a:r>
-          </a:p>
-          <a:p>
-            <a:pPr>
-              <a:spcBef>
-                <a:spcPts val="1500"/>
-              </a:spcBef>
-            </a:pPr>
-            <a:r>
-              <a:rPr lang="en-US" dirty="0"/>
-              <a:t>EXAMPLE</a:t>
-            </a:r>
+          <a:bodyPr/>
+          <a:lstStyle/>
+          <a:p>
+            <a:endParaRPr lang="en-US"/>
           </a:p>
         </p:txBody>
       </p:sp>
@@ -28806,7 +29151,7 @@
     </p:spTree>
     <p:extLst>
       <p:ext uri="{BB962C8B-B14F-4D97-AF65-F5344CB8AC3E}">
-        <p14:creationId xmlns:p14="http://schemas.microsoft.com/office/powerpoint/2010/main" val="2041293048"/>
+        <p14:creationId xmlns:p14="http://schemas.microsoft.com/office/powerpoint/2010/main" val="1131205067"/>
       </p:ext>
     </p:extLst>
   </p:cSld>
@@ -29030,7 +29375,7 @@
           <a:p>
             <a:r>
               <a:rPr lang="en-US" dirty="0" smtClean="0"/>
-              <a:t>LAB</a:t>
+              <a:t>Cross Directive Communication</a:t>
             </a:r>
             <a:endParaRPr lang="en-US" dirty="0"/>
           </a:p>
@@ -29051,7 +29396,66 @@
           <a:bodyPr/>
           <a:lstStyle/>
           <a:p>
-            <a:endParaRPr lang="en-US"/>
+            <a:r>
+              <a:rPr lang="en-US" dirty="0" smtClean="0"/>
+              <a:t>Directives may have a need to communicate with one another in order to do their work.</a:t>
+            </a:r>
+            <a:endParaRPr lang="en-US" dirty="0"/>
+          </a:p>
+          <a:p>
+            <a:r>
+              <a:rPr lang="en-US" dirty="0" smtClean="0"/>
+              <a:t>There </a:t>
+            </a:r>
+            <a:r>
+              <a:rPr lang="en-US" dirty="0"/>
+              <a:t>are two </a:t>
+            </a:r>
+            <a:r>
+              <a:rPr lang="en-US" dirty="0" smtClean="0"/>
+              <a:t>primary ways </a:t>
+            </a:r>
+            <a:r>
+              <a:rPr lang="en-US" dirty="0"/>
+              <a:t>that directives can communicate with one another: </a:t>
+            </a:r>
+            <a:endParaRPr lang="en-US" dirty="0" smtClean="0"/>
+          </a:p>
+          <a:p>
+            <a:pPr lvl="1"/>
+            <a:r>
+              <a:rPr lang="en-US" dirty="0" smtClean="0"/>
+              <a:t>the </a:t>
+            </a:r>
+            <a:r>
+              <a:rPr lang="en-US" dirty="0"/>
+              <a:t>attributes </a:t>
+            </a:r>
+            <a:r>
+              <a:rPr lang="en-US" dirty="0" smtClean="0"/>
+              <a:t>on the element that the directives are present</a:t>
+            </a:r>
+          </a:p>
+          <a:p>
+            <a:pPr lvl="1"/>
+            <a:r>
+              <a:rPr lang="en-US" dirty="0" smtClean="0"/>
+              <a:t>shared controller</a:t>
+            </a:r>
+            <a:endParaRPr lang="en-US" dirty="0"/>
+          </a:p>
+          <a:p>
+            <a:r>
+              <a:rPr lang="en-US" dirty="0" smtClean="0"/>
+              <a:t>While we can use the attribute hash to provide state, it is more feasible to leverage </a:t>
+            </a:r>
+            <a:r>
+              <a:rPr lang="en-US" dirty="0"/>
+              <a:t>capabilities of a controller, though</a:t>
+            </a:r>
+          </a:p>
+          <a:p>
+            <a:endParaRPr lang="en-US" dirty="0"/>
           </a:p>
         </p:txBody>
       </p:sp>
@@ -29081,7 +29485,7 @@
     </p:spTree>
     <p:extLst>
       <p:ext uri="{BB962C8B-B14F-4D97-AF65-F5344CB8AC3E}">
-        <p14:creationId xmlns:p14="http://schemas.microsoft.com/office/powerpoint/2010/main" val="1131205067"/>
+        <p14:creationId xmlns:p14="http://schemas.microsoft.com/office/powerpoint/2010/main" val="768436900"/>
       </p:ext>
     </p:extLst>
   </p:cSld>
@@ -29132,7 +29536,7 @@
           <a:p>
             <a:r>
               <a:rPr lang="en-US" dirty="0" smtClean="0"/>
-              <a:t>Cross Directive Communication</a:t>
+              <a:t>Controllers And Directives</a:t>
             </a:r>
             <a:endParaRPr lang="en-US" dirty="0"/>
           </a:p>
@@ -29150,66 +29554,75 @@
         </p:nvSpPr>
         <p:spPr/>
         <p:txBody>
-          <a:bodyPr/>
-          <a:lstStyle/>
-          <a:p>
-            <a:r>
-              <a:rPr lang="en-US" dirty="0" smtClean="0"/>
-              <a:t>Directives may have a need to communicate with one another in order to do their work.</a:t>
-            </a:r>
-            <a:endParaRPr lang="en-US" dirty="0"/>
-          </a:p>
-          <a:p>
-            <a:r>
-              <a:rPr lang="en-US" dirty="0" smtClean="0"/>
-              <a:t>There </a:t>
-            </a:r>
-            <a:r>
-              <a:rPr lang="en-US" dirty="0"/>
-              <a:t>are two </a:t>
-            </a:r>
-            <a:r>
-              <a:rPr lang="en-US" dirty="0" smtClean="0"/>
-              <a:t>primary ways </a:t>
-            </a:r>
-            <a:r>
-              <a:rPr lang="en-US" dirty="0"/>
-              <a:t>that directives can communicate with one another: </a:t>
-            </a:r>
-            <a:endParaRPr lang="en-US" dirty="0" smtClean="0"/>
-          </a:p>
-          <a:p>
-            <a:pPr lvl="1"/>
-            <a:r>
-              <a:rPr lang="en-US" dirty="0" smtClean="0"/>
-              <a:t>the </a:t>
-            </a:r>
-            <a:r>
-              <a:rPr lang="en-US" dirty="0"/>
-              <a:t>attributes </a:t>
-            </a:r>
-            <a:r>
-              <a:rPr lang="en-US" dirty="0" smtClean="0"/>
-              <a:t>on the element that the directives are present</a:t>
-            </a:r>
-          </a:p>
-          <a:p>
-            <a:pPr lvl="1"/>
-            <a:r>
-              <a:rPr lang="en-US" dirty="0" smtClean="0"/>
-              <a:t>shared controller</a:t>
-            </a:r>
-            <a:endParaRPr lang="en-US" dirty="0"/>
-          </a:p>
-          <a:p>
-            <a:r>
-              <a:rPr lang="en-US" dirty="0" smtClean="0"/>
-              <a:t>While we can use the attribute hash to provide state, it is more feasible to leverage </a:t>
-            </a:r>
-            <a:r>
-              <a:rPr lang="en-US" dirty="0"/>
-              <a:t>capabilities of a controller, though</a:t>
-            </a:r>
+          <a:bodyPr>
+            <a:normAutofit/>
+          </a:bodyPr>
+          <a:lstStyle/>
+          <a:p>
+            <a:r>
+              <a:rPr lang="en-US" dirty="0" smtClean="0"/>
+              <a:t>Registering a controller is straight forward. It just needs to be defined as part of the directives configuration (no different than the link function)</a:t>
+            </a:r>
+            <a:endParaRPr lang="en-US" dirty="0"/>
+          </a:p>
+          <a:p>
+            <a:r>
+              <a:rPr lang="en-US" dirty="0" smtClean="0"/>
+              <a:t>Controllers for directives serve the same purpose as controllers do for views</a:t>
+            </a:r>
+            <a:endParaRPr lang="en-US" dirty="0"/>
+          </a:p>
+          <a:p>
+            <a:r>
+              <a:rPr lang="en-US" dirty="0" smtClean="0"/>
+              <a:t>Controllers become more relevant when used with the </a:t>
+            </a:r>
+            <a:r>
+              <a:rPr lang="en-US" b="1" dirty="0" smtClean="0"/>
+              <a:t>require </a:t>
+            </a:r>
+            <a:r>
+              <a:rPr lang="en-US" dirty="0" smtClean="0"/>
+              <a:t>option in a directive’s configuration</a:t>
+            </a:r>
+          </a:p>
+          <a:p>
+            <a:r>
+              <a:rPr lang="en-US" b="1" dirty="0" smtClean="0"/>
+              <a:t>require</a:t>
+            </a:r>
+            <a:r>
+              <a:rPr lang="en-US" dirty="0" smtClean="0"/>
+              <a:t> </a:t>
+            </a:r>
+            <a:r>
+              <a:rPr lang="en-US" dirty="0"/>
+              <a:t>allows you to specify other directives </a:t>
+            </a:r>
+            <a:r>
+              <a:rPr lang="en-US" dirty="0" smtClean="0"/>
+              <a:t>which should be used in conjunction with the directive that is being built</a:t>
+            </a:r>
+            <a:endParaRPr lang="en-US" dirty="0"/>
+          </a:p>
+          <a:p>
+            <a:r>
+              <a:rPr lang="en-US" dirty="0"/>
+              <a:t>The </a:t>
+            </a:r>
+            <a:r>
+              <a:rPr lang="en-US" dirty="0" smtClean="0"/>
+              <a:t>required directives are then </a:t>
+            </a:r>
+            <a:r>
+              <a:rPr lang="en-US" dirty="0"/>
+              <a:t>passed, as an array, to the link function </a:t>
+            </a:r>
+            <a:r>
+              <a:rPr lang="en-US" dirty="0" smtClean="0"/>
+              <a:t>of the directive</a:t>
+            </a:r>
+            <a:endParaRPr lang="en-US" dirty="0"/>
           </a:p>
           <a:p>
             <a:endParaRPr lang="en-US" dirty="0"/>
@@ -29242,7 +29655,7 @@
     </p:spTree>
     <p:extLst>
       <p:ext uri="{BB962C8B-B14F-4D97-AF65-F5344CB8AC3E}">
-        <p14:creationId xmlns:p14="http://schemas.microsoft.com/office/powerpoint/2010/main" val="768436900"/>
+        <p14:creationId xmlns:p14="http://schemas.microsoft.com/office/powerpoint/2010/main" val="1946178064"/>
       </p:ext>
     </p:extLst>
   </p:cSld>
@@ -29293,7 +29706,7 @@
           <a:p>
             <a:r>
               <a:rPr lang="en-US" dirty="0" smtClean="0"/>
-              <a:t>Controllers And Directives</a:t>
+              <a:t>Describing Our Challenge</a:t>
             </a:r>
             <a:endParaRPr lang="en-US" dirty="0"/>
           </a:p>
@@ -29311,77 +29724,91 @@
         </p:nvSpPr>
         <p:spPr/>
         <p:txBody>
-          <a:bodyPr>
-            <a:normAutofit/>
-          </a:bodyPr>
-          <a:lstStyle/>
-          <a:p>
-            <a:r>
-              <a:rPr lang="en-US" dirty="0" smtClean="0"/>
-              <a:t>Registering a controller is straight forward. It just needs to be defined as part of the directives configuration (no different than the link function)</a:t>
-            </a:r>
-            <a:endParaRPr lang="en-US" dirty="0"/>
-          </a:p>
-          <a:p>
-            <a:r>
-              <a:rPr lang="en-US" dirty="0" smtClean="0"/>
-              <a:t>Controllers for directives serve the same purpose as controllers do for views</a:t>
-            </a:r>
-            <a:endParaRPr lang="en-US" dirty="0"/>
-          </a:p>
-          <a:p>
-            <a:r>
-              <a:rPr lang="en-US" dirty="0" smtClean="0"/>
-              <a:t>Controllers become more relevant when used with the </a:t>
-            </a:r>
-            <a:r>
-              <a:rPr lang="en-US" b="1" dirty="0" smtClean="0"/>
-              <a:t>require </a:t>
-            </a:r>
-            <a:r>
-              <a:rPr lang="en-US" dirty="0" smtClean="0"/>
-              <a:t>option in a directive’s configuration</a:t>
-            </a:r>
-          </a:p>
-          <a:p>
-            <a:r>
-              <a:rPr lang="en-US" b="1" dirty="0" smtClean="0"/>
-              <a:t>require</a:t>
-            </a:r>
-            <a:r>
-              <a:rPr lang="en-US" dirty="0" smtClean="0"/>
+          <a:bodyPr/>
+          <a:lstStyle/>
+          <a:p>
+            <a:r>
+              <a:rPr lang="en-US" dirty="0" smtClean="0"/>
+              <a:t>Suppose </a:t>
+            </a:r>
+            <a:r>
+              <a:rPr lang="en-US" dirty="0" err="1"/>
+              <a:t>parentDirective</a:t>
+            </a:r>
+            <a:r>
+              <a:rPr lang="en-US" dirty="0"/>
               <a:t> </a:t>
             </a:r>
             <a:r>
-              <a:rPr lang="en-US" dirty="0"/>
-              <a:t>allows you to specify other directives </a:t>
-            </a:r>
-            <a:r>
-              <a:rPr lang="en-US" dirty="0" smtClean="0"/>
-              <a:t>which should be used in conjunction with the directive that is being built</a:t>
-            </a:r>
-            <a:endParaRPr lang="en-US" dirty="0"/>
-          </a:p>
-          <a:p>
-            <a:r>
-              <a:rPr lang="en-US" dirty="0"/>
-              <a:t>The </a:t>
-            </a:r>
-            <a:r>
-              <a:rPr lang="en-US" dirty="0" smtClean="0"/>
-              <a:t>required directives are then </a:t>
-            </a:r>
-            <a:r>
-              <a:rPr lang="en-US" dirty="0"/>
-              <a:t>passed, as an array, to the link function </a:t>
-            </a:r>
-            <a:r>
-              <a:rPr lang="en-US" dirty="0" smtClean="0"/>
-              <a:t>of the directive</a:t>
-            </a:r>
-            <a:endParaRPr lang="en-US" dirty="0"/>
-          </a:p>
-          <a:p>
+              <a:rPr lang="en-US" dirty="0" smtClean="0"/>
+              <a:t>provides some core functionality </a:t>
+            </a:r>
+            <a:endParaRPr lang="en-US" dirty="0"/>
+          </a:p>
+          <a:p>
+            <a:r>
+              <a:rPr lang="en-US" dirty="0"/>
+              <a:t>Then, </a:t>
+            </a:r>
+            <a:r>
+              <a:rPr lang="en-US" dirty="0" err="1"/>
+              <a:t>childDirective</a:t>
+            </a:r>
+            <a:r>
+              <a:rPr lang="en-US" dirty="0"/>
+              <a:t> </a:t>
+            </a:r>
+            <a:r>
+              <a:rPr lang="en-US" dirty="0" smtClean="0"/>
+              <a:t>requires </a:t>
+            </a:r>
+            <a:r>
+              <a:rPr lang="en-US" dirty="0" err="1"/>
+              <a:t>parentDirective</a:t>
+            </a:r>
+            <a:r>
+              <a:rPr lang="en-US" dirty="0"/>
+              <a:t> </a:t>
+            </a:r>
+            <a:endParaRPr lang="en-US" dirty="0" smtClean="0"/>
+          </a:p>
+          <a:p>
+            <a:pPr lvl="1"/>
+            <a:r>
+              <a:rPr lang="en-US" dirty="0" smtClean="0"/>
+              <a:t>This enables the </a:t>
+            </a:r>
+            <a:r>
+              <a:rPr lang="en-US" dirty="0" err="1" smtClean="0"/>
+              <a:t>childDirective</a:t>
+            </a:r>
+            <a:r>
+              <a:rPr lang="en-US" dirty="0" smtClean="0"/>
+              <a:t> to be exposed to the functionality and state of the </a:t>
+            </a:r>
+            <a:r>
+              <a:rPr lang="en-US" dirty="0" err="1" smtClean="0"/>
+              <a:t>parentDirective</a:t>
+            </a:r>
+            <a:endParaRPr lang="en-US" dirty="0"/>
+          </a:p>
+          <a:p>
+            <a:r>
+              <a:rPr lang="en-US" dirty="0" err="1" smtClean="0"/>
+              <a:t>FormController</a:t>
+            </a:r>
+            <a:r>
+              <a:rPr lang="en-US" dirty="0" smtClean="0"/>
+              <a:t> and </a:t>
+            </a:r>
+            <a:r>
+              <a:rPr lang="en-US" dirty="0" err="1" smtClean="0"/>
+              <a:t>NgModelController</a:t>
+            </a:r>
+            <a:r>
+              <a:rPr lang="en-US" dirty="0" smtClean="0"/>
+              <a:t> are examples of this relationship</a:t>
+            </a:r>
             <a:endParaRPr lang="en-US" dirty="0"/>
           </a:p>
         </p:txBody>
@@ -29412,7 +29839,7 @@
     </p:spTree>
     <p:extLst>
       <p:ext uri="{BB962C8B-B14F-4D97-AF65-F5344CB8AC3E}">
-        <p14:creationId xmlns:p14="http://schemas.microsoft.com/office/powerpoint/2010/main" val="1946178064"/>
+        <p14:creationId xmlns:p14="http://schemas.microsoft.com/office/powerpoint/2010/main" val="565030615"/>
       </p:ext>
     </p:extLst>
   </p:cSld>
@@ -29463,7 +29890,7 @@
           <a:p>
             <a:r>
               <a:rPr lang="en-US" dirty="0" smtClean="0"/>
-              <a:t>Describing Our Challenge</a:t>
+              <a:t>Deeper Dive Into Forms And Inputs</a:t>
             </a:r>
             <a:endParaRPr lang="en-US" dirty="0"/>
           </a:p>
@@ -29486,77 +29913,38 @@
           <a:p>
             <a:r>
               <a:rPr lang="en-US" dirty="0" smtClean="0"/>
-              <a:t>Suppose </a:t>
-            </a:r>
-            <a:r>
-              <a:rPr lang="en-US" dirty="0" err="1"/>
-              <a:t>parentDirective</a:t>
-            </a:r>
-            <a:r>
-              <a:rPr lang="en-US" dirty="0"/>
-              <a:t> </a:t>
-            </a:r>
-            <a:r>
-              <a:rPr lang="en-US" dirty="0" smtClean="0"/>
-              <a:t>provides some core functionality </a:t>
-            </a:r>
-            <a:endParaRPr lang="en-US" dirty="0"/>
-          </a:p>
-          <a:p>
-            <a:r>
-              <a:rPr lang="en-US" dirty="0"/>
-              <a:t>Then, </a:t>
-            </a:r>
-            <a:r>
-              <a:rPr lang="en-US" dirty="0" err="1"/>
-              <a:t>childDirective</a:t>
-            </a:r>
-            <a:r>
-              <a:rPr lang="en-US" dirty="0"/>
-              <a:t> </a:t>
-            </a:r>
-            <a:r>
-              <a:rPr lang="en-US" dirty="0" smtClean="0"/>
-              <a:t>requires </a:t>
-            </a:r>
-            <a:r>
-              <a:rPr lang="en-US" dirty="0" err="1"/>
-              <a:t>parentDirective</a:t>
-            </a:r>
-            <a:r>
-              <a:rPr lang="en-US" dirty="0"/>
-              <a:t> </a:t>
-            </a:r>
-            <a:endParaRPr lang="en-US" dirty="0" smtClean="0"/>
-          </a:p>
-          <a:p>
-            <a:pPr lvl="1"/>
-            <a:r>
-              <a:rPr lang="en-US" dirty="0" smtClean="0"/>
-              <a:t>This enables the </a:t>
+              <a:t>Both forms and models have </a:t>
             </a:r>
             <a:r>
               <a:rPr lang="en-US" dirty="0" err="1" smtClean="0"/>
-              <a:t>childDirective</a:t>
-            </a:r>
-            <a:r>
-              <a:rPr lang="en-US" dirty="0" smtClean="0"/>
-              <a:t> to be exposed to the functionality and state of the </a:t>
+              <a:t>FormControllers</a:t>
+            </a:r>
+            <a:r>
+              <a:rPr lang="en-US" dirty="0" smtClean="0"/>
+              <a:t> and </a:t>
             </a:r>
             <a:r>
               <a:rPr lang="en-US" dirty="0" err="1" smtClean="0"/>
-              <a:t>parentDirective</a:t>
-            </a:r>
-            <a:endParaRPr lang="en-US" dirty="0"/>
-          </a:p>
-          <a:p>
+              <a:t>NgModelControllers</a:t>
+            </a:r>
+            <a:r>
+              <a:rPr lang="en-US" dirty="0" smtClean="0"/>
+              <a:t> automatically defined for them.</a:t>
+            </a:r>
+            <a:endParaRPr lang="en-US" dirty="0"/>
+          </a:p>
+          <a:p>
+            <a:r>
+              <a:rPr lang="en-US" dirty="0" smtClean="0"/>
+              <a:t>When </a:t>
+            </a:r>
             <a:r>
               <a:rPr lang="en-US" dirty="0" err="1" smtClean="0"/>
-              <a:t>FormController</a:t>
-            </a:r>
-            <a:r>
-              <a:rPr lang="en-US" dirty="0" smtClean="0"/>
-              <a:t> and </a:t>
+              <a:t>FromControllers</a:t>
+            </a:r>
+            <a:r>
+              <a:rPr lang="en-US" dirty="0" smtClean="0"/>
+              <a:t> look to describe their state (valid or not) they rely on the the </a:t>
             </a:r>
             <a:r>
               <a:rPr lang="en-US" dirty="0" err="1" smtClean="0"/>
@@ -29564,8 +29952,10 @@
             </a:r>
             <a:r>
               <a:rPr lang="en-US" dirty="0" smtClean="0"/>
-              <a:t> are examples of this relationship</a:t>
-            </a:r>
+              <a:t> to describe their validity</a:t>
+            </a:r>
+          </a:p>
+          <a:p>
             <a:endParaRPr lang="en-US" dirty="0"/>
           </a:p>
         </p:txBody>
@@ -29596,7 +29986,7 @@
     </p:spTree>
     <p:extLst>
       <p:ext uri="{BB962C8B-B14F-4D97-AF65-F5344CB8AC3E}">
-        <p14:creationId xmlns:p14="http://schemas.microsoft.com/office/powerpoint/2010/main" val="565030615"/>
+        <p14:creationId xmlns:p14="http://schemas.microsoft.com/office/powerpoint/2010/main" val="589929885"/>
       </p:ext>
     </p:extLst>
   </p:cSld>
@@ -29647,7 +30037,7 @@
           <a:p>
             <a:r>
               <a:rPr lang="en-US" dirty="0" smtClean="0"/>
-              <a:t>Deeper Dive Into Forms And Inputs</a:t>
+              <a:t>Defining A Directive Controller</a:t>
             </a:r>
             <a:endParaRPr lang="en-US" dirty="0"/>
           </a:p>
@@ -29665,54 +30055,78 @@
         </p:nvSpPr>
         <p:spPr/>
         <p:txBody>
-          <a:bodyPr/>
-          <a:lstStyle/>
-          <a:p>
-            <a:r>
-              <a:rPr lang="en-US" dirty="0" smtClean="0"/>
-              <a:t>Both forms and models have </a:t>
-            </a:r>
-            <a:r>
-              <a:rPr lang="en-US" dirty="0" err="1" smtClean="0"/>
-              <a:t>FormControllers</a:t>
-            </a:r>
-            <a:r>
-              <a:rPr lang="en-US" dirty="0" smtClean="0"/>
-              <a:t> and </a:t>
-            </a:r>
-            <a:r>
-              <a:rPr lang="en-US" dirty="0" err="1" smtClean="0"/>
-              <a:t>NgModelControllers</a:t>
-            </a:r>
-            <a:r>
-              <a:rPr lang="en-US" dirty="0" smtClean="0"/>
-              <a:t> automatically defined for them.</a:t>
-            </a:r>
-            <a:endParaRPr lang="en-US" dirty="0"/>
-          </a:p>
-          <a:p>
-            <a:r>
-              <a:rPr lang="en-US" dirty="0" smtClean="0"/>
-              <a:t>When </a:t>
-            </a:r>
-            <a:r>
-              <a:rPr lang="en-US" dirty="0" err="1" smtClean="0"/>
-              <a:t>FromControllers</a:t>
-            </a:r>
-            <a:r>
-              <a:rPr lang="en-US" dirty="0" smtClean="0"/>
-              <a:t> look to describe their state (valid or not) they rely on the the </a:t>
-            </a:r>
-            <a:r>
-              <a:rPr lang="en-US" dirty="0" err="1" smtClean="0"/>
-              <a:t>NgModelController</a:t>
-            </a:r>
-            <a:r>
-              <a:rPr lang="en-US" dirty="0" smtClean="0"/>
-              <a:t> to describe their validity</a:t>
-            </a:r>
-          </a:p>
-          <a:p>
+          <a:bodyPr>
+            <a:normAutofit/>
+          </a:bodyPr>
+          <a:lstStyle/>
+          <a:p>
+            <a:r>
+              <a:rPr lang="en-US" dirty="0" smtClean="0"/>
+              <a:t>You will add your controller as another option in the directives configuration object (just like the link function)</a:t>
+            </a:r>
+          </a:p>
+          <a:p>
+            <a:r>
+              <a:rPr lang="en-US" dirty="0" smtClean="0"/>
+              <a:t>If you want to make a value/method public, you can do so by attaching the value/method to </a:t>
+            </a:r>
+            <a:r>
+              <a:rPr lang="en-US" b="1" dirty="0" smtClean="0"/>
+              <a:t>this</a:t>
+            </a:r>
+          </a:p>
+          <a:p>
+            <a:pPr lvl="1"/>
+            <a:r>
+              <a:rPr lang="en-US" dirty="0" smtClean="0"/>
+              <a:t>Think about the how we added public methods to our services.</a:t>
+            </a:r>
+          </a:p>
+          <a:p>
+            <a:r>
+              <a:rPr lang="en-US" dirty="0" smtClean="0"/>
+              <a:t>The </a:t>
+            </a:r>
+            <a:r>
+              <a:rPr lang="en-US" dirty="0"/>
+              <a:t>require </a:t>
+            </a:r>
+            <a:r>
+              <a:rPr lang="en-US" dirty="0" err="1"/>
+              <a:t>config</a:t>
+            </a:r>
+            <a:r>
+              <a:rPr lang="en-US" dirty="0"/>
+              <a:t> for </a:t>
+            </a:r>
+            <a:r>
+              <a:rPr lang="en-US" dirty="0" smtClean="0"/>
+              <a:t>a </a:t>
+            </a:r>
+            <a:r>
+              <a:rPr lang="en-US" dirty="0"/>
+              <a:t>directive can </a:t>
+            </a:r>
+            <a:r>
+              <a:rPr lang="en-US" dirty="0" smtClean="0"/>
+              <a:t>be either </a:t>
+            </a:r>
+            <a:r>
+              <a:rPr lang="en-US" dirty="0"/>
+              <a:t>a string (looking for a </a:t>
+            </a:r>
+            <a:r>
+              <a:rPr lang="en-US" dirty="0" smtClean="0"/>
+              <a:t>one other directive) </a:t>
+            </a:r>
+            <a:r>
+              <a:rPr lang="en-US" dirty="0"/>
+              <a:t>or an array (looking for </a:t>
+            </a:r>
+            <a:r>
+              <a:rPr lang="en-US" dirty="0" smtClean="0"/>
+              <a:t>multiple other directives)</a:t>
+            </a:r>
             <a:endParaRPr lang="en-US" dirty="0"/>
           </a:p>
         </p:txBody>
@@ -29743,7 +30157,7 @@
     </p:spTree>
     <p:extLst>
       <p:ext uri="{BB962C8B-B14F-4D97-AF65-F5344CB8AC3E}">
-        <p14:creationId xmlns:p14="http://schemas.microsoft.com/office/powerpoint/2010/main" val="589929885"/>
+        <p14:creationId xmlns:p14="http://schemas.microsoft.com/office/powerpoint/2010/main" val="1615507225"/>
       </p:ext>
     </p:extLst>
   </p:cSld>
@@ -29794,7 +30208,7 @@
           <a:p>
             <a:r>
               <a:rPr lang="en-US" dirty="0" smtClean="0"/>
-              <a:t>Defining A Directive Controller</a:t>
+              <a:t>Require Configuration</a:t>
             </a:r>
             <a:endParaRPr lang="en-US" dirty="0"/>
           </a:p>
@@ -29818,73 +30232,95 @@
           <a:lstStyle/>
           <a:p>
             <a:r>
-              <a:rPr lang="en-US" dirty="0" smtClean="0"/>
-              <a:t>You will add your controller as another option in the directives configuration object (just like the link function)</a:t>
-            </a:r>
-          </a:p>
-          <a:p>
-            <a:r>
-              <a:rPr lang="en-US" dirty="0" smtClean="0"/>
-              <a:t>If you want to make a value/method public, you can do so by attaching the value/method to </a:t>
-            </a:r>
+              <a:rPr lang="en-US" dirty="0"/>
+              <a:t>When requiring another controller from a directive, we may need to </a:t>
+            </a:r>
+            <a:r>
+              <a:rPr lang="en-US" dirty="0" smtClean="0"/>
+              <a:t>help Angular find other </a:t>
+            </a:r>
+            <a:r>
+              <a:rPr lang="en-US" dirty="0"/>
+              <a:t>directive(s)</a:t>
+            </a:r>
+          </a:p>
+          <a:p>
             <a:r>
               <a:rPr lang="en-US" b="1" dirty="0" smtClean="0"/>
-              <a:t>this</a:t>
-            </a:r>
-          </a:p>
-          <a:p>
-            <a:pPr lvl="1"/>
-            <a:r>
-              <a:rPr lang="en-US" dirty="0" smtClean="0"/>
-              <a:t>Think about the how we added public methods to our services.</a:t>
-            </a:r>
-          </a:p>
-          <a:p>
-            <a:r>
-              <a:rPr lang="en-US" dirty="0" smtClean="0"/>
-              <a:t>The </a:t>
-            </a:r>
-            <a:r>
-              <a:rPr lang="en-US" dirty="0"/>
-              <a:t>require </a:t>
-            </a:r>
-            <a:r>
-              <a:rPr lang="en-US" dirty="0" err="1"/>
-              <a:t>config</a:t>
-            </a:r>
-            <a:r>
-              <a:rPr lang="en-US" dirty="0"/>
-              <a:t> for </a:t>
-            </a:r>
-            <a:r>
-              <a:rPr lang="en-US" dirty="0" smtClean="0"/>
-              <a:t>a </a:t>
-            </a:r>
-            <a:r>
-              <a:rPr lang="en-US" dirty="0"/>
-              <a:t>directive can </a:t>
-            </a:r>
-            <a:r>
-              <a:rPr lang="en-US" dirty="0" smtClean="0"/>
-              <a:t>be either </a:t>
-            </a:r>
-            <a:r>
-              <a:rPr lang="en-US" dirty="0"/>
-              <a:t>a string (looking for a </a:t>
-            </a:r>
-            <a:r>
-              <a:rPr lang="en-US" dirty="0" smtClean="0"/>
-              <a:t>one other directive) </a:t>
-            </a:r>
-            <a:r>
-              <a:rPr lang="en-US" dirty="0"/>
-              <a:t>or an array (looking for </a:t>
-            </a:r>
-            <a:r>
-              <a:rPr lang="en-US" dirty="0" smtClean="0"/>
-              <a:t>multiple other directives)</a:t>
-            </a:r>
-            <a:endParaRPr lang="en-US" dirty="0"/>
+              <a:t>‘</a:t>
+            </a:r>
+            <a:r>
+              <a:rPr lang="en-US" b="1" dirty="0" err="1" smtClean="0"/>
+              <a:t>customDirective</a:t>
+            </a:r>
+            <a:r>
+              <a:rPr lang="en-US" dirty="0" smtClean="0"/>
+              <a:t>': Should be on the current element; error if not found</a:t>
+            </a:r>
+          </a:p>
+          <a:p>
+            <a:r>
+              <a:rPr lang="en-US" dirty="0" smtClean="0"/>
+              <a:t>'</a:t>
+            </a:r>
+            <a:r>
+              <a:rPr lang="en-US" b="1" dirty="0" smtClean="0"/>
+              <a:t>^</a:t>
+            </a:r>
+            <a:r>
+              <a:rPr lang="en-US" b="1" dirty="0" err="1" smtClean="0"/>
+              <a:t>customDirective</a:t>
+            </a:r>
+            <a:r>
+              <a:rPr lang="en-US" dirty="0" smtClean="0"/>
+              <a:t>': </a:t>
+            </a:r>
+            <a:r>
+              <a:rPr lang="en-US" dirty="0"/>
+              <a:t>Should be </a:t>
+            </a:r>
+            <a:r>
+              <a:rPr lang="en-US" dirty="0" smtClean="0"/>
+              <a:t>on this or any parent/ancestor elements; error if not found</a:t>
+            </a:r>
+          </a:p>
+          <a:p>
+            <a:r>
+              <a:rPr lang="en-US" dirty="0" smtClean="0"/>
+              <a:t>'</a:t>
+            </a:r>
+            <a:r>
+              <a:rPr lang="en-US" b="1" dirty="0" smtClean="0"/>
+              <a:t>^^</a:t>
+            </a:r>
+            <a:r>
+              <a:rPr lang="en-US" b="1" dirty="0" err="1" smtClean="0"/>
+              <a:t>customDirective</a:t>
+            </a:r>
+            <a:r>
+              <a:rPr lang="en-US" dirty="0" smtClean="0"/>
+              <a:t>': </a:t>
+            </a:r>
+            <a:r>
+              <a:rPr lang="en-US" dirty="0"/>
+              <a:t>Should be </a:t>
+            </a:r>
+            <a:r>
+              <a:rPr lang="en-US" dirty="0" smtClean="0"/>
+              <a:t>on parent elements; error if not found</a:t>
+            </a:r>
+            <a:endParaRPr lang="en-US" dirty="0"/>
+          </a:p>
+          <a:p>
+            <a:r>
+              <a:rPr lang="en-US" dirty="0" smtClean="0"/>
+              <a:t>Prefixing any of these with a ? will specify that the directive is optional and will provide a null value to the link function instead of </a:t>
+            </a:r>
+            <a:r>
+              <a:rPr lang="en-US" dirty="0" err="1" smtClean="0"/>
+              <a:t>erroring</a:t>
+            </a:r>
+            <a:endParaRPr lang="en-US" dirty="0" smtClean="0"/>
           </a:p>
         </p:txBody>
       </p:sp>
@@ -29914,7 +30350,7 @@
     </p:spTree>
     <p:extLst>
       <p:ext uri="{BB962C8B-B14F-4D97-AF65-F5344CB8AC3E}">
-        <p14:creationId xmlns:p14="http://schemas.microsoft.com/office/powerpoint/2010/main" val="1615507225"/>
+        <p14:creationId xmlns:p14="http://schemas.microsoft.com/office/powerpoint/2010/main" val="1913611706"/>
       </p:ext>
     </p:extLst>
   </p:cSld>
@@ -29965,7 +30401,7 @@
           <a:p>
             <a:r>
               <a:rPr lang="en-US" dirty="0" smtClean="0"/>
-              <a:t>Require Configuration</a:t>
+              <a:t>LAB</a:t>
             </a:r>
             <a:endParaRPr lang="en-US" dirty="0"/>
           </a:p>
@@ -29983,101 +30419,10 @@
         </p:nvSpPr>
         <p:spPr/>
         <p:txBody>
-          <a:bodyPr>
-            <a:normAutofit/>
-          </a:bodyPr>
-          <a:lstStyle/>
-          <a:p>
-            <a:r>
-              <a:rPr lang="en-US" dirty="0"/>
-              <a:t>When requiring another controller from a directive, we may need to </a:t>
-            </a:r>
-            <a:r>
-              <a:rPr lang="en-US" dirty="0" smtClean="0"/>
-              <a:t>help Angular find other </a:t>
-            </a:r>
-            <a:r>
-              <a:rPr lang="en-US" dirty="0"/>
-              <a:t>directive(s)</a:t>
-            </a:r>
-          </a:p>
-          <a:p>
-            <a:r>
-              <a:rPr lang="en-US" b="1" dirty="0" smtClean="0"/>
-              <a:t>‘</a:t>
-            </a:r>
-            <a:r>
-              <a:rPr lang="en-US" b="1" dirty="0" err="1" smtClean="0"/>
-              <a:t>customDirective</a:t>
-            </a:r>
-            <a:r>
-              <a:rPr lang="en-US" dirty="0" smtClean="0"/>
-              <a:t>': Should be on the current element; error if not found</a:t>
-            </a:r>
-          </a:p>
-          <a:p>
-            <a:r>
-              <a:rPr lang="en-US" dirty="0" smtClean="0"/>
-              <a:t>'</a:t>
-            </a:r>
-            <a:r>
-              <a:rPr lang="en-US" b="1" dirty="0" smtClean="0"/>
-              <a:t>^</a:t>
-            </a:r>
-            <a:r>
-              <a:rPr lang="en-US" b="1" dirty="0" err="1" smtClean="0"/>
-              <a:t>customDirective</a:t>
-            </a:r>
-            <a:r>
-              <a:rPr lang="en-US" dirty="0" smtClean="0"/>
-              <a:t>': </a:t>
-            </a:r>
-            <a:r>
-              <a:rPr lang="en-US" dirty="0"/>
-              <a:t>Should be </a:t>
-            </a:r>
-            <a:r>
-              <a:rPr lang="en-US" dirty="0" smtClean="0"/>
-              <a:t>on this or any parent/ancestor elements; error if not found</a:t>
-            </a:r>
-          </a:p>
-          <a:p>
-            <a:r>
-              <a:rPr lang="en-US" dirty="0" smtClean="0"/>
-              <a:t>'</a:t>
-            </a:r>
-            <a:r>
-              <a:rPr lang="en-US" b="1" dirty="0" smtClean="0"/>
-              <a:t>^^</a:t>
-            </a:r>
-            <a:r>
-              <a:rPr lang="en-US" b="1" dirty="0" err="1" smtClean="0"/>
-              <a:t>customDirective</a:t>
-            </a:r>
-            <a:r>
-              <a:rPr lang="en-US" dirty="0" smtClean="0"/>
-              <a:t>': </a:t>
-            </a:r>
-            <a:r>
-              <a:rPr lang="en-US" dirty="0"/>
-              <a:t>Should be </a:t>
-            </a:r>
-            <a:r>
-              <a:rPr lang="en-US" dirty="0" smtClean="0"/>
-              <a:t>on parent elements; error if not found</a:t>
-            </a:r>
-            <a:endParaRPr lang="en-US" dirty="0"/>
-          </a:p>
-          <a:p>
-            <a:r>
-              <a:rPr lang="en-US" dirty="0" smtClean="0"/>
-              <a:t>Prefixing any of these with a ? will specify that the directive is optional and will provide a null value to the link function instead of </a:t>
-            </a:r>
-            <a:r>
-              <a:rPr lang="en-US" dirty="0" err="1" smtClean="0"/>
-              <a:t>erroring</a:t>
-            </a:r>
-            <a:endParaRPr lang="en-US" dirty="0" smtClean="0"/>
+          <a:bodyPr/>
+          <a:lstStyle/>
+          <a:p>
+            <a:endParaRPr lang="en-US"/>
           </a:p>
         </p:txBody>
       </p:sp>
@@ -30107,7 +30452,7 @@
     </p:spTree>
     <p:extLst>
       <p:ext uri="{BB962C8B-B14F-4D97-AF65-F5344CB8AC3E}">
-        <p14:creationId xmlns:p14="http://schemas.microsoft.com/office/powerpoint/2010/main" val="1913611706"/>
+        <p14:creationId xmlns:p14="http://schemas.microsoft.com/office/powerpoint/2010/main" val="108596599"/>
       </p:ext>
     </p:extLst>
   </p:cSld>
@@ -30158,7 +30503,7 @@
           <a:p>
             <a:r>
               <a:rPr lang="en-US" dirty="0" smtClean="0"/>
-              <a:t>LAB</a:t>
+              <a:t>Custom Validators As Directives</a:t>
             </a:r>
             <a:endParaRPr lang="en-US" dirty="0"/>
           </a:p>
@@ -30179,7 +30524,71 @@
           <a:bodyPr/>
           <a:lstStyle/>
           <a:p>
-            <a:endParaRPr lang="en-US"/>
+            <a:r>
+              <a:rPr lang="en-US" dirty="0" smtClean="0"/>
+              <a:t>Now that we can have directives communicate with one another, we can look into extending/customizing </a:t>
+            </a:r>
+            <a:r>
+              <a:rPr lang="en-US" dirty="0" err="1" smtClean="0"/>
+              <a:t>ngModel’s</a:t>
+            </a:r>
+            <a:r>
+              <a:rPr lang="en-US" dirty="0" smtClean="0"/>
+              <a:t> validators</a:t>
+            </a:r>
+          </a:p>
+          <a:p>
+            <a:r>
+              <a:rPr lang="en-US" dirty="0" smtClean="0"/>
+              <a:t>You’ll first need to decide whether or not you are overriding/overwriting  an existing validator or building something completely new</a:t>
+            </a:r>
+          </a:p>
+          <a:p>
+            <a:r>
+              <a:rPr lang="en-US" dirty="0" smtClean="0"/>
+              <a:t>To change an </a:t>
+            </a:r>
+            <a:r>
+              <a:rPr lang="en-US" dirty="0"/>
+              <a:t>existing </a:t>
+            </a:r>
+            <a:r>
+              <a:rPr lang="en-US" dirty="0" smtClean="0"/>
+              <a:t>validator(</a:t>
+            </a:r>
+            <a:r>
+              <a:rPr lang="en-US" dirty="0" err="1" smtClean="0"/>
+              <a:t>url</a:t>
+            </a:r>
+            <a:r>
+              <a:rPr lang="en-US" dirty="0" smtClean="0"/>
+              <a:t>, </a:t>
+            </a:r>
+            <a:r>
+              <a:rPr lang="en-US" dirty="0"/>
+              <a:t>for example), you will need to require the </a:t>
+            </a:r>
+            <a:r>
+              <a:rPr lang="en-US" dirty="0" err="1"/>
+              <a:t>NgModelController</a:t>
+            </a:r>
+            <a:r>
+              <a:rPr lang="en-US" dirty="0"/>
+              <a:t> (as </a:t>
+            </a:r>
+            <a:r>
+              <a:rPr lang="en-US" dirty="0" err="1"/>
+              <a:t>ngModel</a:t>
+            </a:r>
+            <a:r>
+              <a:rPr lang="en-US" dirty="0"/>
+              <a:t>) and then interact with </a:t>
+            </a:r>
+            <a:r>
+              <a:rPr lang="en-US" dirty="0" smtClean="0"/>
+              <a:t>the provided validator</a:t>
+            </a:r>
+            <a:endParaRPr lang="en-US" dirty="0"/>
           </a:p>
         </p:txBody>
       </p:sp>
@@ -30209,7 +30618,7 @@
     </p:spTree>
     <p:extLst>
       <p:ext uri="{BB962C8B-B14F-4D97-AF65-F5344CB8AC3E}">
-        <p14:creationId xmlns:p14="http://schemas.microsoft.com/office/powerpoint/2010/main" val="108596599"/>
+        <p14:creationId xmlns:p14="http://schemas.microsoft.com/office/powerpoint/2010/main" val="780991423"/>
       </p:ext>
     </p:extLst>
   </p:cSld>
@@ -30260,7 +30669,11 @@
           <a:p>
             <a:r>
               <a:rPr lang="en-US" dirty="0" smtClean="0"/>
-              <a:t>Custom Validators As Directives</a:t>
+              <a:t>Revising </a:t>
+            </a:r>
+            <a:r>
+              <a:rPr lang="en-US" dirty="0" err="1" smtClean="0"/>
+              <a:t>ngModelController</a:t>
             </a:r>
             <a:endParaRPr lang="en-US" dirty="0"/>
           </a:p>
@@ -30278,73 +30691,126 @@
         </p:nvSpPr>
         <p:spPr/>
         <p:txBody>
-          <a:bodyPr/>
-          <a:lstStyle/>
-          <a:p>
-            <a:r>
-              <a:rPr lang="en-US" dirty="0" smtClean="0"/>
-              <a:t>Now that we can have directives communicate with one another, we can look into extending/customizing </a:t>
-            </a:r>
-            <a:r>
-              <a:rPr lang="en-US" dirty="0" err="1" smtClean="0"/>
-              <a:t>ngModel’s</a:t>
-            </a:r>
-            <a:r>
-              <a:rPr lang="en-US" dirty="0" smtClean="0"/>
-              <a:t> validators</a:t>
-            </a:r>
-          </a:p>
-          <a:p>
-            <a:r>
-              <a:rPr lang="en-US" dirty="0" smtClean="0"/>
-              <a:t>You’ll first need to decide whether or not you are overriding/overwriting  an existing validator or building something completely new</a:t>
-            </a:r>
-          </a:p>
-          <a:p>
-            <a:r>
-              <a:rPr lang="en-US" dirty="0" smtClean="0"/>
-              <a:t>To change an </a:t>
-            </a:r>
-            <a:r>
-              <a:rPr lang="en-US" dirty="0"/>
-              <a:t>existing </a:t>
-            </a:r>
-            <a:r>
-              <a:rPr lang="en-US" dirty="0" smtClean="0"/>
-              <a:t>validator(</a:t>
-            </a:r>
-            <a:r>
-              <a:rPr lang="en-US" dirty="0" err="1" smtClean="0"/>
-              <a:t>url</a:t>
-            </a:r>
-            <a:r>
-              <a:rPr lang="en-US" dirty="0" smtClean="0"/>
-              <a:t>, </a:t>
-            </a:r>
-            <a:r>
-              <a:rPr lang="en-US" dirty="0"/>
-              <a:t>for example), you will need to require the </a:t>
-            </a:r>
-            <a:r>
-              <a:rPr lang="en-US" dirty="0" err="1"/>
-              <a:t>NgModelController</a:t>
-            </a:r>
-            <a:r>
-              <a:rPr lang="en-US" dirty="0"/>
-              <a:t> (as </a:t>
-            </a:r>
-            <a:r>
-              <a:rPr lang="en-US" dirty="0" err="1"/>
-              <a:t>ngModel</a:t>
-            </a:r>
-            <a:r>
-              <a:rPr lang="en-US" dirty="0"/>
-              <a:t>) and then interact with </a:t>
-            </a:r>
-            <a:r>
-              <a:rPr lang="en-US" dirty="0" smtClean="0"/>
-              <a:t>the provided validator</a:t>
-            </a:r>
+          <a:bodyPr>
+            <a:normAutofit/>
+          </a:bodyPr>
+          <a:lstStyle/>
+          <a:p>
+            <a:r>
+              <a:rPr lang="en-US" dirty="0"/>
+              <a:t>Angular form </a:t>
+            </a:r>
+            <a:r>
+              <a:rPr lang="en-US" dirty="0" smtClean="0"/>
+              <a:t>inputs have </a:t>
+            </a:r>
+            <a:r>
+              <a:rPr lang="en-US" dirty="0"/>
+              <a:t>a </a:t>
+            </a:r>
+            <a:r>
+              <a:rPr lang="en-US" b="1" dirty="0"/>
+              <a:t>$validators</a:t>
+            </a:r>
+            <a:r>
+              <a:rPr lang="en-US" dirty="0"/>
+              <a:t> </a:t>
+            </a:r>
+            <a:r>
+              <a:rPr lang="en-US" dirty="0" smtClean="0"/>
+              <a:t>property as a result of using the </a:t>
+            </a:r>
+            <a:r>
+              <a:rPr lang="en-US" b="1" dirty="0" smtClean="0"/>
+              <a:t>ng-model</a:t>
+            </a:r>
+            <a:r>
+              <a:rPr lang="en-US" dirty="0"/>
+              <a:t> </a:t>
+            </a:r>
+            <a:r>
+              <a:rPr lang="en-US" dirty="0" smtClean="0"/>
+              <a:t>directive</a:t>
+            </a:r>
+            <a:endParaRPr lang="en-US" dirty="0"/>
+          </a:p>
+          <a:p>
+            <a:r>
+              <a:rPr lang="en-US" dirty="0"/>
+              <a:t>Members of the </a:t>
+            </a:r>
+            <a:r>
+              <a:rPr lang="en-US" b="1" dirty="0"/>
+              <a:t>$validators</a:t>
+            </a:r>
+            <a:r>
+              <a:rPr lang="en-US" dirty="0"/>
+              <a:t> object are functions which return true for valid and false for invalid</a:t>
+            </a:r>
+          </a:p>
+          <a:p>
+            <a:r>
+              <a:rPr lang="en-US" dirty="0"/>
+              <a:t>The function is passed, in order, the </a:t>
+            </a:r>
+            <a:r>
+              <a:rPr lang="en-US" b="1" dirty="0" err="1"/>
+              <a:t>modelValue</a:t>
+            </a:r>
+            <a:r>
+              <a:rPr lang="en-US" b="1" dirty="0"/>
+              <a:t> </a:t>
+            </a:r>
+            <a:r>
+              <a:rPr lang="en-US" dirty="0"/>
+              <a:t>and the </a:t>
+            </a:r>
+            <a:r>
+              <a:rPr lang="en-US" b="1" dirty="0" err="1"/>
+              <a:t>viewValue</a:t>
+            </a:r>
+            <a:r>
+              <a:rPr lang="en-US" b="1" dirty="0"/>
+              <a:t> </a:t>
+            </a:r>
+            <a:r>
+              <a:rPr lang="en-US" dirty="0"/>
+              <a:t>for the form widget</a:t>
+            </a:r>
+          </a:p>
+          <a:p>
+            <a:r>
+              <a:rPr lang="en-US" dirty="0"/>
+              <a:t>When the form widget's validation is checked, Angular iterates over all the elements in </a:t>
+            </a:r>
+            <a:r>
+              <a:rPr lang="en-US" b="1" dirty="0"/>
+              <a:t>$validators</a:t>
+            </a:r>
+            <a:r>
+              <a:rPr lang="en-US" dirty="0"/>
+              <a:t>, invoking each one</a:t>
+            </a:r>
+          </a:p>
+          <a:p>
+            <a:r>
+              <a:rPr lang="en-US" dirty="0"/>
+              <a:t>Any false (invalid) values wind up in </a:t>
+            </a:r>
+            <a:r>
+              <a:rPr lang="en-US" b="1" dirty="0" err="1" smtClean="0"/>
+              <a:t>input.$</a:t>
+            </a:r>
+            <a:r>
+              <a:rPr lang="en-US" b="1" dirty="0" err="1"/>
+              <a:t>error</a:t>
+            </a:r>
+            <a:endParaRPr lang="en-US" b="1" dirty="0"/>
+          </a:p>
+          <a:p>
+            <a:endParaRPr lang="en-US" dirty="0"/>
+          </a:p>
+          <a:p>
             <a:endParaRPr lang="en-US" dirty="0"/>
           </a:p>
         </p:txBody>
@@ -30375,7 +30841,7 @@
     </p:spTree>
     <p:extLst>
       <p:ext uri="{BB962C8B-B14F-4D97-AF65-F5344CB8AC3E}">
-        <p14:creationId xmlns:p14="http://schemas.microsoft.com/office/powerpoint/2010/main" val="780991423"/>
+        <p14:creationId xmlns:p14="http://schemas.microsoft.com/office/powerpoint/2010/main" val="1538676927"/>
       </p:ext>
     </p:extLst>
   </p:cSld>
@@ -30425,12 +30891,12 @@
           <a:lstStyle/>
           <a:p>
             <a:r>
-              <a:rPr lang="en-US" dirty="0" smtClean="0"/>
-              <a:t>Revising </a:t>
-            </a:r>
-            <a:r>
               <a:rPr lang="en-US" dirty="0" err="1" smtClean="0"/>
-              <a:t>ngModelController</a:t>
+              <a:t>Async</a:t>
+            </a:r>
+            <a:r>
+              <a:rPr lang="en-US" dirty="0" smtClean="0"/>
+              <a:t> Validators</a:t>
             </a:r>
             <a:endParaRPr lang="en-US" dirty="0"/>
           </a:p>
@@ -30455,117 +30921,140 @@
           <a:p>
             <a:r>
               <a:rPr lang="en-US" dirty="0"/>
-              <a:t>Angular form </a:t>
-            </a:r>
-            <a:r>
-              <a:rPr lang="en-US" dirty="0" smtClean="0"/>
-              <a:t>inputs have </a:t>
-            </a:r>
-            <a:r>
-              <a:rPr lang="en-US" dirty="0"/>
-              <a:t>a </a:t>
+              <a:t>It is also possible to have asynchronous validators (think of a form field which needs to check values against the </a:t>
+            </a:r>
+            <a:r>
+              <a:rPr lang="en-US" dirty="0" smtClean="0"/>
+              <a:t>server for </a:t>
+            </a:r>
+            <a:r>
+              <a:rPr lang="en-US" dirty="0"/>
+              <a:t>instance</a:t>
+            </a:r>
+            <a:r>
+              <a:rPr lang="en-US" dirty="0" smtClean="0"/>
+              <a:t>)</a:t>
+            </a:r>
+          </a:p>
+          <a:p>
+            <a:r>
+              <a:rPr lang="en-US" dirty="0" smtClean="0"/>
+              <a:t>In the event your validation requires data from the server, you can leverage the </a:t>
+            </a:r>
+            <a:r>
+              <a:rPr lang="en-US" b="1" dirty="0" smtClean="0"/>
+              <a:t>$</a:t>
+            </a:r>
+            <a:r>
+              <a:rPr lang="en-US" b="1" dirty="0" err="1" smtClean="0"/>
+              <a:t>asyncValidators</a:t>
+            </a:r>
+            <a:r>
+              <a:rPr lang="en-US" b="1" dirty="0" smtClean="0"/>
+              <a:t> </a:t>
+            </a:r>
+            <a:r>
+              <a:rPr lang="en-US" dirty="0" smtClean="0"/>
+              <a:t>property instead of the </a:t>
+            </a:r>
+            <a:r>
+              <a:rPr lang="en-US" b="1" dirty="0" smtClean="0"/>
+              <a:t>$validators</a:t>
+            </a:r>
+            <a:r>
+              <a:rPr lang="en-US" dirty="0" smtClean="0"/>
+              <a:t> property.</a:t>
+            </a:r>
+          </a:p>
+          <a:p>
+            <a:r>
+              <a:rPr lang="en-US" dirty="0" smtClean="0"/>
+              <a:t>The major difference is that we return a promise object instead </a:t>
+            </a:r>
+            <a:r>
+              <a:rPr lang="en-US" dirty="0"/>
+              <a:t>of returning true or </a:t>
+            </a:r>
+            <a:r>
+              <a:rPr lang="en-US" dirty="0" smtClean="0"/>
+              <a:t>false</a:t>
+            </a:r>
+          </a:p>
+          <a:p>
+            <a:r>
+              <a:rPr lang="en-US" dirty="0" smtClean="0"/>
+              <a:t>The </a:t>
+            </a:r>
+            <a:r>
+              <a:rPr lang="en-US" dirty="0"/>
+              <a:t>promise </a:t>
+            </a:r>
+            <a:r>
+              <a:rPr lang="en-US" dirty="0" smtClean="0"/>
+              <a:t>will invoke </a:t>
+            </a:r>
+            <a:r>
+              <a:rPr lang="en-US" b="1" dirty="0" smtClean="0"/>
+              <a:t>resolve</a:t>
             </a:r>
             <a:r>
               <a:rPr lang="en-US" b="1" dirty="0"/>
-              <a:t>$validators</a:t>
-            </a:r>
-            <a:r>
-              <a:rPr lang="en-US" dirty="0"/>
+              <a:t>()</a:t>
+            </a:r>
+            <a:r>
+              <a:rPr lang="en-US" dirty="0"/>
+              <a:t> when </a:t>
+            </a:r>
+            <a:r>
+              <a:rPr lang="en-US" dirty="0" smtClean="0"/>
+              <a:t>valid </a:t>
+            </a:r>
+            <a:r>
+              <a:rPr lang="en-US" dirty="0"/>
+              <a:t>and </a:t>
+            </a:r>
+            <a:r>
+              <a:rPr lang="en-US" b="1" dirty="0"/>
+              <a:t>reject()</a:t>
+            </a:r>
+            <a:r>
+              <a:rPr lang="en-US" dirty="0"/>
+              <a:t> when invalid</a:t>
+            </a:r>
+          </a:p>
+          <a:p>
+            <a:r>
+              <a:rPr lang="en-US" dirty="0" smtClean="0"/>
+              <a:t>Any pending </a:t>
+            </a:r>
+            <a:r>
+              <a:rPr lang="en-US" b="1" dirty="0" smtClean="0"/>
+              <a:t>$</a:t>
+            </a:r>
+            <a:r>
+              <a:rPr lang="en-US" b="1" dirty="0" err="1" smtClean="0"/>
+              <a:t>asyncValidators</a:t>
+            </a:r>
+            <a:r>
+              <a:rPr lang="en-US" b="1" dirty="0" smtClean="0"/>
               <a:t> </a:t>
             </a:r>
             <a:r>
               <a:rPr lang="en-US" dirty="0" smtClean="0"/>
-              <a:t>property as a result of using the </a:t>
-            </a:r>
-            <a:r>
-              <a:rPr lang="en-US" b="1" dirty="0" smtClean="0"/>
-              <a:t>ng-model</a:t>
-            </a:r>
-            <a:r>
-              <a:rPr lang="en-US" dirty="0"/>
-              <a:t> </a:t>
-            </a:r>
-            <a:r>
-              <a:rPr lang="en-US" dirty="0" smtClean="0"/>
-              <a:t>directive</a:t>
-            </a:r>
-            <a:endParaRPr lang="en-US" dirty="0"/>
-          </a:p>
-          <a:p>
-            <a:r>
-              <a:rPr lang="en-US" dirty="0"/>
-              <a:t>Members of the </a:t>
+              <a:t>can </a:t>
+            </a:r>
+            <a:r>
+              <a:rPr lang="en-US" dirty="0"/>
+              <a:t>be accessed on </a:t>
+            </a:r>
+            <a:r>
+              <a:rPr lang="en-US" b="1" dirty="0" err="1"/>
+              <a:t>NgModelController</a:t>
             </a:r>
             <a:r>
               <a:rPr lang="en-US" b="1" dirty="0"/>
-              <a:t>$validators</a:t>
-            </a:r>
-            <a:r>
-              <a:rPr lang="en-US" dirty="0"/>
-              <a:t> object are functions which return true for valid and false for invalid</a:t>
-            </a:r>
-          </a:p>
-          <a:p>
-            <a:r>
-              <a:rPr lang="en-US" dirty="0"/>
-              <a:t>The function is passed, in order, the </a:t>
-            </a:r>
-            <a:r>
-              <a:rPr lang="en-US" b="1" dirty="0" err="1"/>
-              <a:t>modelValue</a:t>
-            </a:r>
-            <a:r>
-              <a:rPr lang="en-US" b="1" dirty="0"/>
-              <a:t> </a:t>
-            </a:r>
-            <a:r>
-              <a:rPr lang="en-US" dirty="0"/>
-              <a:t>and the </a:t>
-            </a:r>
-            <a:r>
-              <a:rPr lang="en-US" b="1" dirty="0" err="1"/>
-              <a:t>viewValue</a:t>
-            </a:r>
-            <a:r>
-              <a:rPr lang="en-US" b="1" dirty="0"/>
-              <a:t> </a:t>
-            </a:r>
-            <a:r>
-              <a:rPr lang="en-US" dirty="0"/>
-              <a:t>for the form widget</a:t>
-            </a:r>
-          </a:p>
-          <a:p>
-            <a:r>
-              <a:rPr lang="en-US" dirty="0"/>
-              <a:t>When the form widget's validation is checked, Angular iterates over all the elements in </a:t>
-            </a:r>
-            <a:r>
-              <a:rPr lang="en-US" b="1" dirty="0"/>
-              <a:t>$validators</a:t>
-            </a:r>
-            <a:r>
-              <a:rPr lang="en-US" dirty="0"/>
-              <a:t>, invoking each one</a:t>
-            </a:r>
-          </a:p>
-          <a:p>
-            <a:r>
-              <a:rPr lang="en-US" dirty="0"/>
-              <a:t>Any false (invalid) values wind up in </a:t>
-            </a:r>
-            <a:r>
-              <a:rPr lang="en-US" b="1" dirty="0" err="1" smtClean="0"/>
-              <a:t>input.$</a:t>
-            </a:r>
-            <a:r>
-              <a:rPr lang="en-US" b="1" dirty="0" err="1"/>
-              <a:t>error</a:t>
-            </a:r>
-            <a:endParaRPr lang="en-US" b="1" dirty="0"/>
-          </a:p>
-          <a:p>
-            <a:endParaRPr lang="en-US" dirty="0"/>
+              <a:t>.$pending</a:t>
+            </a:r>
           </a:p>
           <a:p>
             <a:endParaRPr lang="en-US" dirty="0"/>
@@ -30598,7 +31087,7 @@
     </p:spTree>
     <p:extLst>
       <p:ext uri="{BB962C8B-B14F-4D97-AF65-F5344CB8AC3E}">
-        <p14:creationId xmlns:p14="http://schemas.microsoft.com/office/powerpoint/2010/main" val="1538676927"/>
+        <p14:creationId xmlns:p14="http://schemas.microsoft.com/office/powerpoint/2010/main" val="848223534"/>
       </p:ext>
     </p:extLst>
   </p:cSld>
@@ -31173,12 +31662,16 @@
           <a:lstStyle/>
           <a:p>
             <a:r>
-              <a:rPr lang="en-US" dirty="0" err="1" smtClean="0"/>
-              <a:t>Async</a:t>
-            </a:r>
-            <a:r>
-              <a:rPr lang="en-US" dirty="0" smtClean="0"/>
-              <a:t> Validators</a:t>
+              <a:rPr lang="en-US" dirty="0" smtClean="0"/>
+              <a:t>Building A Custom </a:t>
+            </a:r>
+            <a:r>
+              <a:rPr lang="en-US" dirty="0"/>
+              <a:t>V</a:t>
+            </a:r>
+            <a:r>
+              <a:rPr lang="en-US" dirty="0" smtClean="0"/>
+              <a:t>alidator</a:t>
             </a:r>
             <a:endParaRPr lang="en-US" dirty="0"/>
           </a:p>
@@ -31203,143 +31696,95 @@
           <a:p>
             <a:r>
               <a:rPr lang="en-US" dirty="0"/>
-              <a:t>It is also possible to have asynchronous validators (think of a form field which needs to check values against the </a:t>
-            </a:r>
-            <a:r>
-              <a:rPr lang="en-US" dirty="0" smtClean="0"/>
-              <a:t>server for </a:t>
-            </a:r>
-            <a:r>
-              <a:rPr lang="en-US" dirty="0"/>
-              <a:t>instance</a:t>
-            </a:r>
-            <a:r>
-              <a:rPr lang="en-US" dirty="0" smtClean="0"/>
-              <a:t>)</a:t>
-            </a:r>
-          </a:p>
-          <a:p>
-            <a:r>
-              <a:rPr lang="en-US" dirty="0" smtClean="0"/>
-              <a:t>In the event your validation requires data from the server, you can leverage the </a:t>
-            </a:r>
-            <a:r>
-              <a:rPr lang="en-US" b="1" dirty="0" smtClean="0"/>
-              <a:t>$</a:t>
-            </a:r>
-            <a:r>
-              <a:rPr lang="en-US" b="1" dirty="0" err="1" smtClean="0"/>
-              <a:t>asyncValidators</a:t>
-            </a:r>
-            <a:r>
-              <a:rPr lang="en-US" b="1" dirty="0" smtClean="0"/>
-              <a:t> </a:t>
-            </a:r>
-            <a:r>
-              <a:rPr lang="en-US" dirty="0" smtClean="0"/>
-              <a:t>property instead of the </a:t>
-            </a:r>
-            <a:r>
-              <a:rPr lang="en-US" b="1" dirty="0" smtClean="0"/>
+              <a:t>You will need to build a directive that has a requirement </a:t>
+            </a:r>
+            <a:r>
+              <a:rPr lang="en-US" b="1" dirty="0" err="1"/>
+              <a:t>ngModel</a:t>
+            </a:r>
+            <a:r>
+              <a:rPr lang="en-US" dirty="0"/>
+              <a:t> (which is where standard validations live)</a:t>
+            </a:r>
+          </a:p>
+          <a:p>
+            <a:r>
+              <a:rPr lang="en-US" dirty="0" smtClean="0"/>
+              <a:t>You </a:t>
+            </a:r>
+            <a:r>
+              <a:rPr lang="en-US" dirty="0"/>
+              <a:t>don't even have to define a controller on your directive</a:t>
+            </a:r>
+          </a:p>
+          <a:p>
+            <a:r>
+              <a:rPr lang="en-US" dirty="0"/>
+              <a:t>Just look for the </a:t>
+            </a:r>
+            <a:r>
+              <a:rPr lang="en-US" b="1" dirty="0" err="1"/>
+              <a:t>ngModel</a:t>
+            </a:r>
+            <a:r>
+              <a:rPr lang="en-US" dirty="0"/>
+              <a:t> directive in your </a:t>
+            </a:r>
+            <a:r>
+              <a:rPr lang="en-US" b="1" dirty="0"/>
+              <a:t>link</a:t>
+            </a:r>
+            <a:r>
+              <a:rPr lang="en-US" dirty="0"/>
+              <a:t> function</a:t>
+            </a:r>
+          </a:p>
+          <a:p>
+            <a:r>
+              <a:rPr lang="en-US" dirty="0"/>
+              <a:t>Define a new property on that controller's </a:t>
+            </a:r>
+            <a:r>
+              <a:rPr lang="en-US" b="1" dirty="0"/>
               <a:t>$validators</a:t>
             </a:r>
             <a:r>
-              <a:rPr lang="en-US" dirty="0" smtClean="0"/>
-              <a:t> property.</a:t>
-            </a:r>
-          </a:p>
-          <a:p>
-            <a:r>
-              <a:rPr lang="en-US" dirty="0" smtClean="0"/>
-              <a:t>The major difference is that we return a promise object instead </a:t>
-            </a:r>
-            <a:r>
-              <a:rPr lang="en-US" dirty="0"/>
-              <a:t>of returning true or </a:t>
-            </a:r>
-            <a:r>
-              <a:rPr lang="en-US" dirty="0" smtClean="0"/>
-              <a:t>false</a:t>
-            </a:r>
-          </a:p>
-          <a:p>
-            <a:r>
-              <a:rPr lang="en-US" dirty="0" smtClean="0"/>
-              <a:t>The </a:t>
-            </a:r>
-            <a:r>
-              <a:rPr lang="en-US" dirty="0"/>
-              <a:t>promise </a:t>
-            </a:r>
-            <a:r>
-              <a:rPr lang="en-US" dirty="0" smtClean="0"/>
-              <a:t>will invoke </a:t>
-            </a:r>
-            <a:r>
-              <a:rPr lang="en-US" b="1" dirty="0" smtClean="0"/>
-              <a:t>resolve</a:t>
-            </a:r>
-            <a:r>
-              <a:rPr lang="en-US" b="1" dirty="0"/>
-              <a:t>()</a:t>
-            </a:r>
-            <a:r>
-              <a:rPr lang="en-US" dirty="0"/>
-              <a:t> when </a:t>
-            </a:r>
-            <a:r>
-              <a:rPr lang="en-US" dirty="0" smtClean="0"/>
-              <a:t>valid </a:t>
-            </a:r>
-            <a:r>
-              <a:rPr lang="en-US" dirty="0"/>
-              <a:t>and </a:t>
-            </a:r>
-            <a:r>
-              <a:rPr lang="en-US" b="1" dirty="0"/>
-              <a:t>reject()</a:t>
-            </a:r>
-            <a:r>
-              <a:rPr lang="en-US" dirty="0"/>
-              <a:t> when invalid</a:t>
-            </a:r>
-          </a:p>
-          <a:p>
-            <a:r>
-              <a:rPr lang="en-US" dirty="0" smtClean="0"/>
-              <a:t>Any pending </a:t>
-            </a:r>
-            <a:r>
-              <a:rPr lang="en-US" b="1" dirty="0" smtClean="0"/>
-              <a:t>$</a:t>
-            </a:r>
-            <a:r>
-              <a:rPr lang="en-US" b="1" dirty="0" err="1" smtClean="0"/>
-              <a:t>asyncValidators</a:t>
-            </a:r>
-            <a:r>
-              <a:rPr lang="en-US" b="1" dirty="0" smtClean="0"/>
-              <a:t> </a:t>
-            </a:r>
-            <a:r>
-              <a:rPr lang="en-US" dirty="0" smtClean="0"/>
-              <a:t>can </a:t>
-            </a:r>
-            <a:r>
-              <a:rPr lang="en-US" dirty="0"/>
-              <a:t>be accessed on </a:t>
+              <a:rPr lang="en-US" dirty="0"/>
+              <a:t> hash</a:t>
+            </a:r>
+          </a:p>
+          <a:p>
+            <a:r>
+              <a:rPr lang="en-US" dirty="0"/>
+              <a:t>Name it </a:t>
+            </a:r>
+            <a:r>
+              <a:rPr lang="en-US" dirty="0" smtClean="0"/>
+              <a:t>appropriately.  Have </a:t>
+            </a:r>
+            <a:r>
+              <a:rPr lang="en-US" dirty="0"/>
+              <a:t>it expect a </a:t>
             </a:r>
             <a:r>
               <a:rPr lang="en-US" b="1" dirty="0" err="1"/>
-              <a:t>NgModelController</a:t>
-            </a:r>
-            <a:r>
-              <a:rPr lang="en-US" b="1" dirty="0"/>
-              <a:t>.$pending</a:t>
-            </a:r>
-          </a:p>
-          <a:p>
-            <a:endParaRPr lang="en-US" dirty="0"/>
+              <a:t>modelValue</a:t>
+            </a:r>
+            <a:r>
+              <a:rPr lang="en-US" dirty="0"/>
+              <a:t> and </a:t>
+            </a:r>
+            <a:r>
+              <a:rPr lang="en-US" b="1" dirty="0" err="1"/>
+              <a:t>viewValue</a:t>
+            </a:r>
+            <a:endParaRPr lang="en-US" b="1" dirty="0"/>
+          </a:p>
+          <a:p>
+            <a:r>
+              <a:rPr lang="en-US" dirty="0"/>
+              <a:t>It should return true or false according to whether it passes validity tests</a:t>
+            </a:r>
           </a:p>
         </p:txBody>
       </p:sp>
@@ -31369,7 +31814,7 @@
     </p:spTree>
     <p:extLst>
       <p:ext uri="{BB962C8B-B14F-4D97-AF65-F5344CB8AC3E}">
-        <p14:creationId xmlns:p14="http://schemas.microsoft.com/office/powerpoint/2010/main" val="848223534"/>
+        <p14:creationId xmlns:p14="http://schemas.microsoft.com/office/powerpoint/2010/main" val="243936035"/>
       </p:ext>
     </p:extLst>
   </p:cSld>
@@ -31420,15 +31865,7 @@
           <a:p>
             <a:r>
               <a:rPr lang="en-US" dirty="0" smtClean="0"/>
-              <a:t>Building A Custom </a:t>
-            </a:r>
-            <a:r>
-              <a:rPr lang="en-US" dirty="0"/>
-              <a:t>V</a:t>
-            </a:r>
-            <a:r>
-              <a:rPr lang="en-US" dirty="0" smtClean="0"/>
-              <a:t>alidator</a:t>
+              <a:t>Overriding Existing Validations</a:t>
             </a:r>
             <a:endParaRPr lang="en-US" dirty="0"/>
           </a:p>
@@ -31452,8 +31889,8 @@
           <a:lstStyle/>
           <a:p>
             <a:r>
-              <a:rPr lang="en-US" dirty="0"/>
-              <a:t>You will need to build a directive that has a requirement </a:t>
+              <a:rPr lang="en-US" dirty="0" smtClean="0"/>
+              <a:t>You will need to make sure that your directive has a requirement </a:t>
             </a:r>
             <a:r>
               <a:rPr lang="en-US" b="1" dirty="0" err="1"/>
@@ -31466,40 +31903,16 @@
           </a:p>
           <a:p>
             <a:r>
-              <a:rPr lang="en-US" dirty="0" smtClean="0"/>
-              <a:t>You </a:t>
-            </a:r>
-            <a:r>
-              <a:rPr lang="en-US" dirty="0"/>
-              <a:t>don't even have to define a controller on your directive</a:t>
-            </a:r>
-          </a:p>
-          <a:p>
-            <a:r>
-              <a:rPr lang="en-US" dirty="0"/>
-              <a:t>Just look for the </a:t>
-            </a:r>
-            <a:r>
-              <a:rPr lang="en-US" b="1" dirty="0" err="1"/>
-              <a:t>ngModel</a:t>
-            </a:r>
-            <a:r>
-              <a:rPr lang="en-US" dirty="0"/>
-              <a:t> directive in your </a:t>
-            </a:r>
-            <a:r>
-              <a:rPr lang="en-US" b="1" dirty="0"/>
-              <a:t>link</a:t>
-            </a:r>
-            <a:r>
-              <a:rPr lang="en-US" dirty="0"/>
-              <a:t> function</a:t>
-            </a:r>
-          </a:p>
-          <a:p>
-            <a:r>
-              <a:rPr lang="en-US" dirty="0"/>
-              <a:t>Define a new property on that controller's </a:t>
+              <a:rPr lang="en-US" dirty="0"/>
+              <a:t>In the linking functions, check for the </a:t>
+            </a:r>
+            <a:r>
+              <a:rPr lang="en-US" dirty="0" smtClean="0"/>
+              <a:t>controller </a:t>
+            </a:r>
+            <a:r>
+              <a:rPr lang="en-US" dirty="0"/>
+              <a:t>and then look for the controller's </a:t>
             </a:r>
             <a:r>
               <a:rPr lang="en-US" b="1" dirty="0"/>
@@ -31507,41 +31920,23 @@
             </a:r>
             <a:r>
               <a:rPr lang="en-US" dirty="0"/>
-              <a:t> hash</a:t>
-            </a:r>
-          </a:p>
-          <a:p>
-            <a:r>
-              <a:rPr lang="en-US" dirty="0"/>
-              <a:t>Name it </a:t>
-            </a:r>
-            <a:r>
-              <a:rPr lang="en-US" dirty="0" smtClean="0"/>
-              <a:t>appropriately.  Have </a:t>
-            </a:r>
-            <a:r>
-              <a:rPr lang="en-US" dirty="0"/>
-              <a:t>it expect a </a:t>
-            </a:r>
-            <a:r>
-              <a:rPr lang="en-US" b="1" dirty="0" err="1"/>
-              <a:t>modelValue</a:t>
-            </a:r>
-            <a:r>
-              <a:rPr lang="en-US" dirty="0"/>
-              <a:t> and </a:t>
-            </a:r>
-            <a:r>
-              <a:rPr lang="en-US" b="1" dirty="0" err="1"/>
-              <a:t>viewValue</a:t>
-            </a:r>
-            <a:endParaRPr lang="en-US" b="1" dirty="0"/>
-          </a:p>
-          <a:p>
-            <a:r>
-              <a:rPr lang="en-US" dirty="0"/>
-              <a:t>It should return true or false according to whether it passes validity tests</a:t>
-            </a:r>
+              <a:t> property</a:t>
+            </a:r>
+          </a:p>
+          <a:p>
+            <a:r>
+              <a:rPr lang="en-US" dirty="0"/>
+              <a:t>Override the appropriate named validator ('email' in this case)</a:t>
+            </a:r>
+          </a:p>
+          <a:p>
+            <a:r>
+              <a:rPr lang="en-US" dirty="0"/>
+              <a:t>Provide a function which returns true or false based on validity</a:t>
+            </a:r>
+          </a:p>
+          <a:p>
+            <a:endParaRPr lang="en-US" dirty="0"/>
           </a:p>
         </p:txBody>
       </p:sp>
@@ -31571,7 +31966,7 @@
     </p:spTree>
     <p:extLst>
       <p:ext uri="{BB962C8B-B14F-4D97-AF65-F5344CB8AC3E}">
-        <p14:creationId xmlns:p14="http://schemas.microsoft.com/office/powerpoint/2010/main" val="243936035"/>
+        <p14:creationId xmlns:p14="http://schemas.microsoft.com/office/powerpoint/2010/main" val="161047231"/>
       </p:ext>
     </p:extLst>
   </p:cSld>
@@ -31622,7 +32017,7 @@
           <a:p>
             <a:r>
               <a:rPr lang="en-US" dirty="0" smtClean="0"/>
-              <a:t>Overriding Existing Validations</a:t>
+              <a:t>LAB</a:t>
             </a:r>
             <a:endParaRPr lang="en-US" dirty="0"/>
           </a:p>
@@ -31640,60 +32035,10 @@
         </p:nvSpPr>
         <p:spPr/>
         <p:txBody>
-          <a:bodyPr>
-            <a:normAutofit/>
-          </a:bodyPr>
-          <a:lstStyle/>
-          <a:p>
-            <a:r>
-              <a:rPr lang="en-US" dirty="0" smtClean="0"/>
-              <a:t>You will need to make sure that your directive has a requirement </a:t>
-            </a:r>
-            <a:r>
-              <a:rPr lang="en-US" b="1" dirty="0" err="1"/>
-              <a:t>ngModel</a:t>
-            </a:r>
-            <a:r>
-              <a:rPr lang="en-US" dirty="0"/>
-              <a:t> (which is where standard validations live)</a:t>
-            </a:r>
-          </a:p>
-          <a:p>
-            <a:r>
-              <a:rPr lang="en-US" dirty="0"/>
-              <a:t>In the linking functions, check for the </a:t>
-            </a:r>
-            <a:r>
-              <a:rPr lang="en-US" dirty="0" smtClean="0"/>
-              <a:t>controller </a:t>
-            </a:r>
-            <a:r>
-              <a:rPr lang="en-US" dirty="0"/>
-              <a:t>and then look for the controller's </a:t>
-            </a:r>
-            <a:r>
-              <a:rPr lang="en-US" b="1" dirty="0"/>
-              <a:t>$validators</a:t>
-            </a:r>
-            <a:r>
-              <a:rPr lang="en-US" dirty="0"/>
-              <a:t> property</a:t>
-            </a:r>
-          </a:p>
-          <a:p>
-            <a:r>
-              <a:rPr lang="en-US" dirty="0"/>
-              <a:t>Override the appropriate named validator ('email' in this case)</a:t>
-            </a:r>
-          </a:p>
-          <a:p>
-            <a:r>
-              <a:rPr lang="en-US" dirty="0"/>
-              <a:t>Provide a function which returns true or false based on validity</a:t>
-            </a:r>
-          </a:p>
-          <a:p>
-            <a:endParaRPr lang="en-US" dirty="0"/>
+          <a:bodyPr/>
+          <a:lstStyle/>
+          <a:p>
+            <a:endParaRPr lang="en-US"/>
           </a:p>
         </p:txBody>
       </p:sp>
@@ -31723,7 +32068,7 @@
     </p:spTree>
     <p:extLst>
       <p:ext uri="{BB962C8B-B14F-4D97-AF65-F5344CB8AC3E}">
-        <p14:creationId xmlns:p14="http://schemas.microsoft.com/office/powerpoint/2010/main" val="161047231"/>
+        <p14:creationId xmlns:p14="http://schemas.microsoft.com/office/powerpoint/2010/main" val="53138365"/>
       </p:ext>
     </p:extLst>
   </p:cSld>
@@ -31774,7 +32119,7 @@
           <a:p>
             <a:r>
               <a:rPr lang="en-US" dirty="0" smtClean="0"/>
-              <a:t>LAB</a:t>
+              <a:t>Conclusion</a:t>
             </a:r>
             <a:endParaRPr lang="en-US" dirty="0"/>
           </a:p>
@@ -31825,7 +32170,7 @@
     </p:spTree>
     <p:extLst>
       <p:ext uri="{BB962C8B-B14F-4D97-AF65-F5344CB8AC3E}">
-        <p14:creationId xmlns:p14="http://schemas.microsoft.com/office/powerpoint/2010/main" val="53138365"/>
+        <p14:creationId xmlns:p14="http://schemas.microsoft.com/office/powerpoint/2010/main" val="594997604"/>
       </p:ext>
     </p:extLst>
   </p:cSld>
@@ -31876,7 +32221,7 @@
           <a:p>
             <a:r>
               <a:rPr lang="en-US" dirty="0" smtClean="0"/>
-              <a:t>Conclusion</a:t>
+              <a:t>End-to-End Testing</a:t>
             </a:r>
             <a:endParaRPr lang="en-US" dirty="0"/>
           </a:p>
@@ -31897,7 +32242,7 @@
           <a:bodyPr/>
           <a:lstStyle/>
           <a:p>
-            <a:endParaRPr lang="en-US"/>
+            <a:endParaRPr lang="en-US" dirty="0"/>
           </a:p>
         </p:txBody>
       </p:sp>
@@ -31927,7 +32272,7 @@
     </p:spTree>
     <p:extLst>
       <p:ext uri="{BB962C8B-B14F-4D97-AF65-F5344CB8AC3E}">
-        <p14:creationId xmlns:p14="http://schemas.microsoft.com/office/powerpoint/2010/main" val="594997604"/>
+        <p14:creationId xmlns:p14="http://schemas.microsoft.com/office/powerpoint/2010/main" val="523248619"/>
       </p:ext>
     </p:extLst>
   </p:cSld>
@@ -31996,8 +32341,71 @@
         </p:nvSpPr>
         <p:spPr/>
         <p:txBody>
-          <a:bodyPr/>
-          <a:lstStyle/>
+          <a:bodyPr>
+            <a:normAutofit/>
+          </a:bodyPr>
+          <a:lstStyle/>
+          <a:p>
+            <a:r>
+              <a:rPr lang="en-US" dirty="0" smtClean="0"/>
+              <a:t>Protractor</a:t>
+            </a:r>
+            <a:r>
+              <a:rPr lang="en-US" dirty="0"/>
+              <a:t>, which is now the standard UI tester for Angular </a:t>
+            </a:r>
+            <a:r>
+              <a:rPr lang="en-US" dirty="0" smtClean="0"/>
+              <a:t>apps, was originally developed by the Angular team and has now been spun off into its own project</a:t>
+            </a:r>
+          </a:p>
+          <a:p>
+            <a:r>
+              <a:rPr lang="en-US" dirty="0" smtClean="0"/>
+              <a:t>Protractor requires the following:</a:t>
+            </a:r>
+          </a:p>
+          <a:p>
+            <a:pPr lvl="1"/>
+            <a:r>
+              <a:rPr lang="en-US" dirty="0" err="1" smtClean="0"/>
+              <a:t>Node.js</a:t>
+            </a:r>
+            <a:endParaRPr lang="en-US" dirty="0" smtClean="0"/>
+          </a:p>
+          <a:p>
+            <a:pPr lvl="1"/>
+            <a:r>
+              <a:rPr lang="en-US" dirty="0" smtClean="0"/>
+              <a:t>Java 1.7 being installed and available on your PATH</a:t>
+            </a:r>
+          </a:p>
+          <a:p>
+            <a:pPr lvl="1"/>
+            <a:r>
+              <a:rPr lang="en-US" dirty="0" smtClean="0"/>
+              <a:t>Selenium Server</a:t>
+            </a:r>
+            <a:endParaRPr lang="en-US" dirty="0"/>
+          </a:p>
+          <a:p>
+            <a:r>
+              <a:rPr lang="en-US" dirty="0" smtClean="0"/>
+              <a:t>Protractor </a:t>
+            </a:r>
+            <a:r>
+              <a:rPr lang="en-US" dirty="0"/>
+              <a:t>provides drivers for </a:t>
+            </a:r>
+            <a:r>
+              <a:rPr lang="en-US" dirty="0" smtClean="0"/>
+              <a:t>working with </a:t>
+            </a:r>
+            <a:r>
+              <a:rPr lang="en-US" dirty="0"/>
+              <a:t>Chrome, Firefox, and Internet Explorer</a:t>
+            </a:r>
+          </a:p>
           <a:p>
             <a:endParaRPr lang="en-US" dirty="0"/>
           </a:p>
@@ -32029,7 +32437,7 @@
     </p:spTree>
     <p:extLst>
       <p:ext uri="{BB962C8B-B14F-4D97-AF65-F5344CB8AC3E}">
-        <p14:creationId xmlns:p14="http://schemas.microsoft.com/office/powerpoint/2010/main" val="523248619"/>
+        <p14:creationId xmlns:p14="http://schemas.microsoft.com/office/powerpoint/2010/main" val="1844270748"/>
       </p:ext>
     </p:extLst>
   </p:cSld>
@@ -32080,7 +32488,7 @@
           <a:p>
             <a:r>
               <a:rPr lang="en-US" dirty="0" smtClean="0"/>
-              <a:t>End-to-End Testing</a:t>
+              <a:t>Setting Up Protractor</a:t>
             </a:r>
             <a:endParaRPr lang="en-US" dirty="0"/>
           </a:p>
@@ -32098,70 +32506,103 @@
         </p:nvSpPr>
         <p:spPr/>
         <p:txBody>
-          <a:bodyPr>
-            <a:normAutofit/>
-          </a:bodyPr>
-          <a:lstStyle/>
-          <a:p>
-            <a:r>
-              <a:rPr lang="en-US" dirty="0" smtClean="0"/>
-              <a:t>Protractor</a:t>
-            </a:r>
-            <a:r>
-              <a:rPr lang="en-US" dirty="0"/>
-              <a:t>, which is now the standard UI tester for Angular </a:t>
-            </a:r>
-            <a:r>
-              <a:rPr lang="en-US" dirty="0" smtClean="0"/>
-              <a:t>apps, was originally developed by the Angular team and has now been spun off into its own project</a:t>
-            </a:r>
-          </a:p>
-          <a:p>
-            <a:r>
-              <a:rPr lang="en-US" dirty="0" smtClean="0"/>
-              <a:t>Protractor requires the following:</a:t>
+          <a:bodyPr/>
+          <a:lstStyle/>
+          <a:p>
+            <a:r>
+              <a:rPr lang="en-US" dirty="0" smtClean="0"/>
+              <a:t>You will first need to make sure that you’ve installed </a:t>
+            </a:r>
+            <a:r>
+              <a:rPr lang="en-US" dirty="0"/>
+              <a:t>Node.js and </a:t>
+            </a:r>
+            <a:r>
+              <a:rPr lang="en-US" dirty="0" smtClean="0"/>
+              <a:t>java</a:t>
+            </a:r>
+          </a:p>
+          <a:p>
+            <a:pPr marL="292608" lvl="1" indent="0">
+              <a:buNone/>
+            </a:pPr>
+            <a:r>
+              <a:rPr lang="en-US" sz="2200" b="1" dirty="0" err="1" smtClean="0"/>
+              <a:t>npm</a:t>
+            </a:r>
+            <a:r>
+              <a:rPr lang="en-US" sz="2200" b="1" dirty="0" smtClean="0"/>
+              <a:t> </a:t>
+            </a:r>
+            <a:r>
+              <a:rPr lang="en-US" sz="2200" b="1" dirty="0"/>
+              <a:t>install protractor -g</a:t>
+            </a:r>
+            <a:endParaRPr lang="en-US" b="1" dirty="0"/>
+          </a:p>
+          <a:p>
+            <a:r>
+              <a:rPr lang="en-US" dirty="0" smtClean="0"/>
+              <a:t>After the install, you will have access to the </a:t>
+            </a:r>
+            <a:r>
+              <a:rPr lang="en-US" b="1" dirty="0" err="1" smtClean="0"/>
+              <a:t>webdriver</a:t>
+            </a:r>
+            <a:r>
+              <a:rPr lang="en-US" b="1" dirty="0" smtClean="0"/>
+              <a:t>-manager </a:t>
+            </a:r>
+            <a:r>
+              <a:rPr lang="en-US" dirty="0" smtClean="0"/>
+              <a:t>script which is the wrapper for Selenium Server</a:t>
             </a:r>
           </a:p>
           <a:p>
             <a:pPr lvl="1"/>
             <a:r>
-              <a:rPr lang="en-US" dirty="0" err="1" smtClean="0"/>
-              <a:t>Node.js</a:t>
-            </a:r>
-            <a:endParaRPr lang="en-US" dirty="0" smtClean="0"/>
-          </a:p>
-          <a:p>
-            <a:pPr lvl="1"/>
-            <a:r>
-              <a:rPr lang="en-US" dirty="0" smtClean="0"/>
-              <a:t>Java 1.7 being installed and available on your PATH</a:t>
-            </a:r>
-          </a:p>
-          <a:p>
-            <a:pPr lvl="1"/>
-            <a:r>
-              <a:rPr lang="en-US" dirty="0" smtClean="0"/>
-              <a:t>Selenium Server</a:t>
-            </a:r>
-            <a:endParaRPr lang="en-US" dirty="0"/>
-          </a:p>
-          <a:p>
-            <a:r>
-              <a:rPr lang="en-US" dirty="0" smtClean="0"/>
-              <a:t>Protractor </a:t>
-            </a:r>
-            <a:r>
-              <a:rPr lang="en-US" dirty="0"/>
-              <a:t>provides drivers for </a:t>
-            </a:r>
-            <a:r>
-              <a:rPr lang="en-US" dirty="0" smtClean="0"/>
-              <a:t>working with </a:t>
-            </a:r>
-            <a:r>
-              <a:rPr lang="en-US" dirty="0"/>
-              <a:t>Chrome, Firefox, and Internet Explorer</a:t>
-            </a:r>
+              <a:rPr lang="en-US" dirty="0" smtClean="0"/>
+              <a:t>In order to update the server, you will need to run; </a:t>
+            </a:r>
+            <a:r>
+              <a:rPr lang="en-US" b="1" dirty="0" err="1" smtClean="0"/>
+              <a:t>webdriver</a:t>
+            </a:r>
+            <a:r>
+              <a:rPr lang="en-US" b="1" dirty="0" smtClean="0"/>
+              <a:t>-manager </a:t>
+            </a:r>
+            <a:r>
+              <a:rPr lang="en-US" b="1" dirty="0"/>
+              <a:t>update</a:t>
+            </a:r>
+          </a:p>
+          <a:p>
+            <a:r>
+              <a:rPr lang="en-US" dirty="0"/>
+              <a:t>You </a:t>
+            </a:r>
+            <a:r>
+              <a:rPr lang="en-US" u="sng" dirty="0"/>
+              <a:t>must</a:t>
+            </a:r>
+            <a:r>
+              <a:rPr lang="en-US" dirty="0"/>
+              <a:t> </a:t>
+            </a:r>
+            <a:r>
+              <a:rPr lang="en-US" dirty="0" smtClean="0"/>
+              <a:t> run the update as </a:t>
+            </a:r>
+            <a:r>
+              <a:rPr lang="en-US" dirty="0"/>
+              <a:t>part of Protractor's </a:t>
+            </a:r>
+            <a:r>
+              <a:rPr lang="en-US" dirty="0" smtClean="0"/>
+              <a:t>setup.  It sets up Selenium and Chrome </a:t>
+            </a:r>
+            <a:endParaRPr lang="en-US" dirty="0"/>
           </a:p>
           <a:p>
             <a:endParaRPr lang="en-US" dirty="0"/>
@@ -32194,7 +32635,7 @@
     </p:spTree>
     <p:extLst>
       <p:ext uri="{BB962C8B-B14F-4D97-AF65-F5344CB8AC3E}">
-        <p14:creationId xmlns:p14="http://schemas.microsoft.com/office/powerpoint/2010/main" val="1844270748"/>
+        <p14:creationId xmlns:p14="http://schemas.microsoft.com/office/powerpoint/2010/main" val="2076924090"/>
       </p:ext>
     </p:extLst>
   </p:cSld>
@@ -32245,7 +32686,7 @@
           <a:p>
             <a:r>
               <a:rPr lang="en-US" dirty="0" smtClean="0"/>
-              <a:t>Setting Up Protractor</a:t>
+              <a:t>Running Protractor</a:t>
             </a:r>
             <a:endParaRPr lang="en-US" dirty="0"/>
           </a:p>
@@ -32263,20 +32704,18 @@
         </p:nvSpPr>
         <p:spPr/>
         <p:txBody>
-          <a:bodyPr/>
-          <a:lstStyle/>
-          <a:p>
-            <a:r>
-              <a:rPr lang="en-US" dirty="0" smtClean="0"/>
-              <a:t>You will first need to make sure that you’ve installed </a:t>
-            </a:r>
-            <a:r>
-              <a:rPr lang="en-US" dirty="0"/>
-              <a:t>Node.js and </a:t>
-            </a:r>
-            <a:r>
-              <a:rPr lang="en-US" dirty="0" smtClean="0"/>
-              <a:t>java</a:t>
+          <a:bodyPr>
+            <a:normAutofit/>
+          </a:bodyPr>
+          <a:lstStyle/>
+          <a:p>
+            <a:r>
+              <a:rPr lang="en-US" dirty="0"/>
+              <a:t>Once Selenium has updated, you can </a:t>
+            </a:r>
+            <a:r>
+              <a:rPr lang="en-US" dirty="0" smtClean="0"/>
+              <a:t>launch it using the following command:</a:t>
             </a:r>
           </a:p>
           <a:p>
@@ -32284,64 +32723,59 @@
               <a:buNone/>
             </a:pPr>
             <a:r>
-              <a:rPr lang="en-US" sz="2200" b="1" dirty="0" err="1" smtClean="0"/>
-              <a:t>npm</a:t>
-            </a:r>
-            <a:r>
-              <a:rPr lang="en-US" sz="2200" b="1" dirty="0" smtClean="0"/>
-              <a:t> </a:t>
-            </a:r>
-            <a:r>
-              <a:rPr lang="en-US" sz="2200" b="1" dirty="0"/>
-              <a:t>install protractor -g</a:t>
-            </a:r>
-            <a:endParaRPr lang="en-US" b="1" dirty="0"/>
-          </a:p>
-          <a:p>
-            <a:r>
-              <a:rPr lang="en-US" dirty="0" smtClean="0"/>
-              <a:t>After the install, you will have access to the </a:t>
-            </a:r>
-            <a:r>
               <a:rPr lang="en-US" b="1" dirty="0" err="1" smtClean="0"/>
               <a:t>webdriver</a:t>
             </a:r>
             <a:r>
               <a:rPr lang="en-US" b="1" dirty="0" smtClean="0"/>
-              <a:t>-manager </a:t>
-            </a:r>
-            <a:r>
-              <a:rPr lang="en-US" dirty="0" smtClean="0"/>
-              <a:t>script which is the wrapper for Selenium Server</a:t>
-            </a:r>
-          </a:p>
-          <a:p>
-            <a:pPr lvl="1"/>
-            <a:r>
-              <a:rPr lang="en-US" dirty="0" smtClean="0"/>
-              <a:t>In order to update the server, you will need to run; </a:t>
-            </a:r>
-            <a:r>
-              <a:rPr lang="en-US" b="1" dirty="0" err="1" smtClean="0"/>
-              <a:t>webdriver</a:t>
-            </a:r>
-            <a:r>
-              <a:rPr lang="en-US" b="1" dirty="0" smtClean="0"/>
-              <a:t>-manager </a:t>
-            </a:r>
+              <a:t>-manager start</a:t>
+            </a:r>
+            <a:endParaRPr lang="en-US" dirty="0" smtClean="0"/>
+          </a:p>
+          <a:p>
+            <a:r>
+              <a:rPr lang="en-US" dirty="0" smtClean="0"/>
+              <a:t>Next, launch protractor by executing the following:</a:t>
+            </a:r>
+            <a:endParaRPr lang="en-US" dirty="0"/>
+          </a:p>
+          <a:p>
+            <a:pPr marL="292608" lvl="1" indent="0">
+              <a:buNone/>
+            </a:pPr>
             <a:r>
               <a:rPr lang="en-US" b="1" dirty="0"/>
-              <a:t>update</a:t>
-            </a:r>
-          </a:p>
-          <a:p>
-            <a:r>
-              <a:rPr lang="en-US" dirty="0"/>
-              <a:t>You </a:t>
-            </a:r>
-            <a:r>
-              <a:rPr lang="en-US" u="sng" dirty="0"/>
-              <a:t>must</a:t>
+              <a:t>protractor &lt;</a:t>
+            </a:r>
+            <a:r>
+              <a:rPr lang="en-US" b="1" dirty="0" err="1"/>
+              <a:t>config</a:t>
+            </a:r>
+            <a:r>
+              <a:rPr lang="en-US" b="1" dirty="0"/>
+              <a:t> file&gt;</a:t>
+            </a:r>
+          </a:p>
+          <a:p>
+            <a:r>
+              <a:rPr lang="en-US" dirty="0" smtClean="0"/>
+              <a:t>Protractor does </a:t>
+            </a:r>
+            <a:r>
+              <a:rPr lang="en-US" dirty="0"/>
+              <a:t>not </a:t>
+            </a:r>
+            <a:r>
+              <a:rPr lang="en-US" dirty="0" smtClean="0"/>
+              <a:t>have </a:t>
+            </a:r>
+            <a:r>
+              <a:rPr lang="en-US" dirty="0"/>
+              <a:t>a tool for generating a </a:t>
+            </a:r>
+            <a:r>
+              <a:rPr lang="en-US" dirty="0" err="1"/>
+              <a:t>config</a:t>
             </a:r>
             <a:r>
               <a:rPr lang="en-US" dirty="0"/>
@@ -32349,19 +32783,43 @@
             </a:r>
             <a:r>
               <a:rPr lang="en-US" dirty="0" smtClean="0"/>
-              <a:t> run the update as </a:t>
-            </a:r>
-            <a:r>
-              <a:rPr lang="en-US" dirty="0"/>
-              <a:t>part of Protractor's </a:t>
-            </a:r>
-            <a:r>
-              <a:rPr lang="en-US" dirty="0" smtClean="0"/>
-              <a:t>setup.  It sets up Selenium and Chrome </a:t>
-            </a:r>
-            <a:endParaRPr lang="en-US" dirty="0"/>
-          </a:p>
-          <a:p>
+              <a:t>file </a:t>
+            </a:r>
+            <a:endParaRPr lang="en-US" dirty="0"/>
+          </a:p>
+          <a:p>
+            <a:r>
+              <a:rPr lang="en-US" dirty="0" smtClean="0"/>
+              <a:t>It is recommended that you check out/copy </a:t>
+            </a:r>
+            <a:r>
+              <a:rPr lang="en-US" dirty="0"/>
+              <a:t>the reference </a:t>
+            </a:r>
+            <a:r>
+              <a:rPr lang="en-US" dirty="0" err="1"/>
+              <a:t>config</a:t>
+            </a:r>
+            <a:r>
+              <a:rPr lang="en-US" dirty="0"/>
+              <a:t> file (</a:t>
+            </a:r>
+            <a:r>
+              <a:rPr lang="en-US" b="1" dirty="0"/>
+              <a:t>protractor/docs/</a:t>
+            </a:r>
+            <a:r>
+              <a:rPr lang="en-US" b="1" dirty="0" err="1"/>
+              <a:t>referenceConf.js</a:t>
+            </a:r>
+            <a:r>
+              <a:rPr lang="en-US" dirty="0"/>
+              <a:t>) from </a:t>
+            </a:r>
+            <a:r>
+              <a:rPr lang="en-US" dirty="0" err="1"/>
+              <a:t>GitHub</a:t>
+            </a:r>
             <a:endParaRPr lang="en-US" dirty="0"/>
           </a:p>
         </p:txBody>
@@ -32392,7 +32850,7 @@
     </p:spTree>
     <p:extLst>
       <p:ext uri="{BB962C8B-B14F-4D97-AF65-F5344CB8AC3E}">
-        <p14:creationId xmlns:p14="http://schemas.microsoft.com/office/powerpoint/2010/main" val="2076924090"/>
+        <p14:creationId xmlns:p14="http://schemas.microsoft.com/office/powerpoint/2010/main" val="287696398"/>
       </p:ext>
     </p:extLst>
   </p:cSld>
@@ -32443,7 +32901,7 @@
           <a:p>
             <a:r>
               <a:rPr lang="en-US" dirty="0" smtClean="0"/>
-              <a:t>Running Protractor</a:t>
+              <a:t>Protractor And Jasmine</a:t>
             </a:r>
             <a:endParaRPr lang="en-US" dirty="0"/>
           </a:p>
@@ -32461,74 +32919,52 @@
         </p:nvSpPr>
         <p:spPr/>
         <p:txBody>
-          <a:bodyPr>
-            <a:normAutofit/>
-          </a:bodyPr>
-          <a:lstStyle/>
-          <a:p>
-            <a:r>
-              <a:rPr lang="en-US" dirty="0"/>
-              <a:t>Once Selenium has updated, you can </a:t>
-            </a:r>
-            <a:r>
-              <a:rPr lang="en-US" dirty="0" smtClean="0"/>
-              <a:t>launch it using the following command:</a:t>
-            </a:r>
-          </a:p>
-          <a:p>
-            <a:pPr marL="292608" lvl="1" indent="0">
-              <a:buNone/>
-            </a:pPr>
-            <a:r>
-              <a:rPr lang="en-US" b="1" dirty="0" err="1" smtClean="0"/>
-              <a:t>webdriver</a:t>
-            </a:r>
-            <a:r>
-              <a:rPr lang="en-US" b="1" dirty="0" smtClean="0"/>
-              <a:t>-manager start</a:t>
-            </a:r>
-            <a:endParaRPr lang="en-US" dirty="0" smtClean="0"/>
-          </a:p>
-          <a:p>
-            <a:r>
-              <a:rPr lang="en-US" dirty="0" smtClean="0"/>
-              <a:t>Next, launch protractor by executing the following:</a:t>
-            </a:r>
-            <a:endParaRPr lang="en-US" dirty="0"/>
-          </a:p>
-          <a:p>
-            <a:pPr marL="292608" lvl="1" indent="0">
-              <a:buNone/>
-            </a:pPr>
-            <a:r>
-              <a:rPr lang="en-US" b="1" dirty="0"/>
-              <a:t>protractor &lt;</a:t>
-            </a:r>
-            <a:r>
-              <a:rPr lang="en-US" b="1" dirty="0" err="1"/>
+          <a:bodyPr/>
+          <a:lstStyle/>
+          <a:p>
+            <a:r>
+              <a:rPr lang="en-US" dirty="0" smtClean="0"/>
+              <a:t>Protractor, by default, uses Jasmine 1.3 </a:t>
+            </a:r>
+            <a:r>
+              <a:rPr lang="en-US" dirty="0"/>
+              <a:t>to write Protractor tests</a:t>
+            </a:r>
+          </a:p>
+          <a:p>
+            <a:r>
+              <a:rPr lang="en-US" dirty="0" smtClean="0"/>
+              <a:t>If you’d like to use a newer version of Jasmine, you can specify this in the </a:t>
+            </a:r>
+            <a:r>
+              <a:rPr lang="en-US" dirty="0" err="1" smtClean="0"/>
               <a:t>config</a:t>
             </a:r>
             <a:r>
-              <a:rPr lang="en-US" b="1" dirty="0"/>
-              <a:t> file&gt;</a:t>
-            </a:r>
-          </a:p>
-          <a:p>
-            <a:r>
-              <a:rPr lang="en-US" dirty="0" smtClean="0"/>
-              <a:t>Protractor does </a:t>
-            </a:r>
-            <a:r>
-              <a:rPr lang="en-US" dirty="0"/>
-              <a:t>not </a:t>
-            </a:r>
-            <a:r>
-              <a:rPr lang="en-US" dirty="0" smtClean="0"/>
-              <a:t>have </a:t>
-            </a:r>
-            <a:r>
-              <a:rPr lang="en-US" dirty="0"/>
-              <a:t>a tool for generating a </a:t>
+              <a:rPr lang="en-US" dirty="0" smtClean="0"/>
+              <a:t> file</a:t>
+            </a:r>
+          </a:p>
+          <a:p>
+            <a:pPr lvl="1"/>
+            <a:r>
+              <a:rPr lang="en-US" dirty="0" smtClean="0"/>
+              <a:t>This will provide you the ability to access newer features</a:t>
+            </a:r>
+            <a:endParaRPr lang="en-US" dirty="0"/>
+          </a:p>
+          <a:p>
+            <a:r>
+              <a:rPr lang="en-US" dirty="0"/>
+              <a:t>Set options for Jasmine by passing a </a:t>
+            </a:r>
+            <a:r>
+              <a:rPr lang="en-US" dirty="0" err="1"/>
+              <a:t>jasmineNodeOpts</a:t>
+            </a:r>
+            <a:r>
+              <a:rPr lang="en-US" dirty="0"/>
+              <a:t> </a:t>
             </a:r>
             <a:r>
               <a:rPr lang="en-US" dirty="0" err="1"/>
@@ -32536,47 +32972,10 @@
             </a:r>
             <a:r>
               <a:rPr lang="en-US" dirty="0"/>
-              <a:t> </a:t>
-            </a:r>
-            <a:r>
-              <a:rPr lang="en-US" dirty="0" smtClean="0"/>
-              <a:t>file </a:t>
-            </a:r>
-            <a:endParaRPr lang="en-US" dirty="0"/>
-          </a:p>
-          <a:p>
-            <a:r>
-              <a:rPr lang="en-US" dirty="0" smtClean="0"/>
-              <a:t>It is recommended that you check out/copy </a:t>
-            </a:r>
-            <a:r>
-              <a:rPr lang="en-US" dirty="0"/>
-              <a:t>the reference </a:t>
-            </a:r>
-            <a:r>
-              <a:rPr lang="en-US" dirty="0" err="1"/>
-              <a:t>config</a:t>
-            </a:r>
-            <a:r>
-              <a:rPr lang="en-US" dirty="0"/>
-              <a:t> file (</a:t>
-            </a:r>
-            <a:r>
-              <a:rPr lang="en-US" b="1" dirty="0"/>
-              <a:t>protractor/docs/</a:t>
-            </a:r>
-            <a:r>
-              <a:rPr lang="en-US" b="1" dirty="0" err="1"/>
-              <a:t>referenceConf.js</a:t>
-            </a:r>
-            <a:r>
-              <a:rPr lang="en-US" dirty="0"/>
-              <a:t>) from </a:t>
-            </a:r>
-            <a:r>
-              <a:rPr lang="en-US" dirty="0" err="1"/>
-              <a:t>GitHub</a:t>
-            </a:r>
+              <a:t> object</a:t>
+            </a:r>
+          </a:p>
+          <a:p>
             <a:endParaRPr lang="en-US" dirty="0"/>
           </a:p>
         </p:txBody>
@@ -32607,7 +33006,7 @@
     </p:spTree>
     <p:extLst>
       <p:ext uri="{BB962C8B-B14F-4D97-AF65-F5344CB8AC3E}">
-        <p14:creationId xmlns:p14="http://schemas.microsoft.com/office/powerpoint/2010/main" val="287696398"/>
+        <p14:creationId xmlns:p14="http://schemas.microsoft.com/office/powerpoint/2010/main" val="1590964283"/>
       </p:ext>
     </p:extLst>
   </p:cSld>
@@ -32658,7 +33057,23 @@
           <a:p>
             <a:r>
               <a:rPr lang="en-US" dirty="0" smtClean="0"/>
-              <a:t>Protractor And Jasmine</a:t>
+              <a:t>Setting Up </a:t>
+            </a:r>
+            <a:r>
+              <a:rPr lang="en-US" dirty="0"/>
+              <a:t>T</a:t>
+            </a:r>
+            <a:r>
+              <a:rPr lang="en-US" dirty="0" smtClean="0"/>
+              <a:t>he </a:t>
+            </a:r>
+            <a:r>
+              <a:rPr lang="en-US" dirty="0" err="1"/>
+              <a:t>C</a:t>
+            </a:r>
+            <a:r>
+              <a:rPr lang="en-US" dirty="0" err="1" smtClean="0"/>
+              <a:t>onfig</a:t>
             </a:r>
             <a:endParaRPr lang="en-US" dirty="0"/>
           </a:p>
@@ -32676,61 +33091,96 @@
         </p:nvSpPr>
         <p:spPr/>
         <p:txBody>
-          <a:bodyPr/>
-          <a:lstStyle/>
-          <a:p>
-            <a:r>
-              <a:rPr lang="en-US" dirty="0" smtClean="0"/>
-              <a:t>Protractor, by default, uses Jasmine 1.3 </a:t>
-            </a:r>
-            <a:r>
-              <a:rPr lang="en-US" dirty="0"/>
-              <a:t>to write Protractor tests</a:t>
-            </a:r>
-          </a:p>
-          <a:p>
-            <a:r>
-              <a:rPr lang="en-US" dirty="0" smtClean="0"/>
-              <a:t>If you’d like to use a newer version of Jasmine, you can specify this in the </a:t>
-            </a:r>
-            <a:r>
-              <a:rPr lang="en-US" dirty="0" err="1" smtClean="0"/>
-              <a:t>config</a:t>
-            </a:r>
-            <a:r>
-              <a:rPr lang="en-US" dirty="0" smtClean="0"/>
-              <a:t> file</a:t>
+          <a:bodyPr>
+            <a:normAutofit/>
+          </a:bodyPr>
+          <a:lstStyle/>
+          <a:p>
+            <a:r>
+              <a:rPr lang="en-US" dirty="0" smtClean="0"/>
+              <a:t>The configuration only requires that two options be setup:</a:t>
+            </a:r>
+            <a:endParaRPr lang="en-US" dirty="0"/>
+          </a:p>
+          <a:p>
+            <a:r>
+              <a:rPr lang="en-US" b="1" dirty="0" err="1"/>
+              <a:t>seleniumAddress</a:t>
+            </a:r>
+            <a:r>
+              <a:rPr lang="en-US" dirty="0"/>
+              <a:t>: The URL </a:t>
+            </a:r>
+            <a:r>
+              <a:rPr lang="en-US" dirty="0" smtClean="0"/>
+              <a:t>address that the selenium server is running at</a:t>
+            </a:r>
+            <a:endParaRPr lang="en-US" dirty="0"/>
+          </a:p>
+          <a:p>
+            <a:r>
+              <a:rPr lang="en-US" b="1" dirty="0"/>
+              <a:t>specs</a:t>
+            </a:r>
+            <a:r>
+              <a:rPr lang="en-US" dirty="0"/>
+              <a:t>: An array of file paths </a:t>
+            </a:r>
+            <a:r>
+              <a:rPr lang="en-US" dirty="0" smtClean="0"/>
+              <a:t>to to the test files</a:t>
+            </a:r>
+            <a:endParaRPr lang="en-US" dirty="0"/>
+          </a:p>
+          <a:p>
+            <a:r>
+              <a:rPr lang="en-US" b="1" dirty="0"/>
+              <a:t>f</a:t>
+            </a:r>
+            <a:r>
+              <a:rPr lang="en-US" b="1" dirty="0" smtClean="0"/>
+              <a:t>ramework: (optional) </a:t>
             </a:r>
           </a:p>
           <a:p>
             <a:pPr lvl="1"/>
             <a:r>
               <a:rPr lang="en-US" dirty="0" smtClean="0"/>
-              <a:t>This will provide you the ability to access newer features</a:t>
-            </a:r>
-            <a:endParaRPr lang="en-US" dirty="0"/>
-          </a:p>
-          <a:p>
-            <a:r>
-              <a:rPr lang="en-US" dirty="0"/>
-              <a:t>Set options for Jasmine by passing a </a:t>
-            </a:r>
-            <a:r>
-              <a:rPr lang="en-US" dirty="0" err="1"/>
-              <a:t>jasmineNodeOpts</a:t>
-            </a:r>
-            <a:r>
-              <a:rPr lang="en-US" dirty="0"/>
-              <a:t> </a:t>
-            </a:r>
-            <a:r>
-              <a:rPr lang="en-US" dirty="0" err="1"/>
-              <a:t>config</a:t>
-            </a:r>
-            <a:r>
-              <a:rPr lang="en-US" dirty="0"/>
-              <a:t> object</a:t>
-            </a:r>
+              <a:t>Full support for jasmine</a:t>
+            </a:r>
+            <a:r>
+              <a:rPr lang="en-US" dirty="0"/>
+              <a:t>, jasmine2 </a:t>
+            </a:r>
+          </a:p>
+          <a:p>
+            <a:pPr lvl="1"/>
+            <a:r>
+              <a:rPr lang="en-US" dirty="0" smtClean="0"/>
+              <a:t>Limited support for mocha </a:t>
+            </a:r>
+            <a:r>
+              <a:rPr lang="en-US" dirty="0"/>
+              <a:t>and </a:t>
+            </a:r>
+            <a:r>
+              <a:rPr lang="en-US" dirty="0" smtClean="0"/>
+              <a:t>cucumber</a:t>
+            </a:r>
+            <a:endParaRPr lang="en-US" dirty="0"/>
+          </a:p>
+          <a:p>
+            <a:endParaRPr lang="en-US" dirty="0"/>
+          </a:p>
+          <a:p>
+            <a:r>
+              <a:rPr lang="en-US" dirty="0" smtClean="0"/>
+              <a:t>Exercise</a:t>
+            </a:r>
+            <a:endParaRPr lang="en-US" dirty="0"/>
+          </a:p>
+          <a:p>
+            <a:endParaRPr lang="en-US" dirty="0"/>
           </a:p>
           <a:p>
             <a:endParaRPr lang="en-US" dirty="0"/>
@@ -32763,7 +33213,7 @@
     </p:spTree>
     <p:extLst>
       <p:ext uri="{BB962C8B-B14F-4D97-AF65-F5344CB8AC3E}">
-        <p14:creationId xmlns:p14="http://schemas.microsoft.com/office/powerpoint/2010/main" val="1590964283"/>
+        <p14:creationId xmlns:p14="http://schemas.microsoft.com/office/powerpoint/2010/main" val="2134387010"/>
       </p:ext>
     </p:extLst>
   </p:cSld>
@@ -32958,23 +33408,15 @@
           <a:p>
             <a:r>
               <a:rPr lang="en-US" dirty="0" smtClean="0"/>
-              <a:t>Setting Up </a:t>
-            </a:r>
-            <a:r>
-              <a:rPr lang="en-US" dirty="0"/>
-              <a:t>T</a:t>
-            </a:r>
-            <a:r>
-              <a:rPr lang="en-US" dirty="0" smtClean="0"/>
-              <a:t>he </a:t>
-            </a:r>
-            <a:r>
-              <a:rPr lang="en-US" dirty="0" err="1"/>
-              <a:t>C</a:t>
-            </a:r>
-            <a:r>
-              <a:rPr lang="en-US" dirty="0" err="1" smtClean="0"/>
-              <a:t>onfig</a:t>
+              <a:t>Variables Exposed </a:t>
+            </a:r>
+            <a:r>
+              <a:rPr lang="en-US" dirty="0"/>
+              <a:t>B</a:t>
+            </a:r>
+            <a:r>
+              <a:rPr lang="en-US" dirty="0" smtClean="0"/>
+              <a:t>y Protractor</a:t>
             </a:r>
             <a:endParaRPr lang="en-US" dirty="0"/>
           </a:p>
@@ -32998,92 +33440,98 @@
           <a:lstStyle/>
           <a:p>
             <a:r>
-              <a:rPr lang="en-US" dirty="0" smtClean="0"/>
-              <a:t>The configuration only requires that two options be setup:</a:t>
-            </a:r>
-            <a:endParaRPr lang="en-US" dirty="0"/>
-          </a:p>
-          <a:p>
-            <a:r>
-              <a:rPr lang="en-US" b="1" dirty="0" err="1"/>
-              <a:t>seleniumAddress</a:t>
-            </a:r>
-            <a:r>
-              <a:rPr lang="en-US" dirty="0"/>
-              <a:t>: The URL </a:t>
-            </a:r>
-            <a:r>
-              <a:rPr lang="en-US" dirty="0" smtClean="0"/>
-              <a:t>address that the selenium server is running at</a:t>
-            </a:r>
-            <a:endParaRPr lang="en-US" dirty="0"/>
-          </a:p>
-          <a:p>
-            <a:r>
               <a:rPr lang="en-US" b="1" dirty="0"/>
-              <a:t>specs</a:t>
-            </a:r>
-            <a:r>
-              <a:rPr lang="en-US" dirty="0"/>
-              <a:t>: An array of file paths </a:t>
-            </a:r>
-            <a:r>
-              <a:rPr lang="en-US" dirty="0" smtClean="0"/>
-              <a:t>to to the test files</a:t>
+              <a:t>browser</a:t>
+            </a:r>
+            <a:r>
+              <a:rPr lang="en-US" dirty="0"/>
+              <a:t>: </a:t>
+            </a:r>
+            <a:r>
+              <a:rPr lang="en-US" dirty="0" smtClean="0"/>
+              <a:t>How you work with the browser that is executing your tests</a:t>
+            </a:r>
+            <a:endParaRPr lang="en-US" dirty="0"/>
+          </a:p>
+          <a:p>
+            <a:pPr lvl="1"/>
+            <a:r>
+              <a:rPr lang="en-US" dirty="0" smtClean="0"/>
+              <a:t>EX. </a:t>
+            </a:r>
+            <a:r>
+              <a:rPr lang="en-US" b="1" dirty="0" err="1" smtClean="0"/>
+              <a:t>browser.get</a:t>
+            </a:r>
+            <a:r>
+              <a:rPr lang="en-US" b="1" dirty="0" smtClean="0"/>
+              <a:t>(</a:t>
+            </a:r>
+            <a:r>
+              <a:rPr lang="en-US" b="1" dirty="0" err="1" smtClean="0"/>
+              <a:t>uri</a:t>
+            </a:r>
+            <a:r>
+              <a:rPr lang="en-US" b="1" dirty="0" smtClean="0"/>
+              <a:t>)</a:t>
+            </a:r>
+            <a:r>
+              <a:rPr lang="en-US" dirty="0" smtClean="0"/>
+              <a:t> </a:t>
+            </a:r>
+            <a:r>
+              <a:rPr lang="en-US" dirty="0"/>
+              <a:t>to load a </a:t>
+            </a:r>
+            <a:r>
+              <a:rPr lang="en-US" dirty="0" smtClean="0"/>
+              <a:t>page</a:t>
             </a:r>
             <a:endParaRPr lang="en-US" dirty="0"/>
           </a:p>
           <a:p>
             <a:r>
               <a:rPr lang="en-US" b="1" dirty="0"/>
-              <a:t>f</a:t>
-            </a:r>
-            <a:r>
-              <a:rPr lang="en-US" b="1" dirty="0" smtClean="0"/>
-              <a:t>ramework: (optional) </a:t>
-            </a:r>
-          </a:p>
-          <a:p>
-            <a:pPr lvl="1"/>
-            <a:r>
-              <a:rPr lang="en-US" dirty="0" smtClean="0"/>
-              <a:t>Full support for jasmine</a:t>
-            </a:r>
-            <a:r>
-              <a:rPr lang="en-US" dirty="0"/>
-              <a:t>, jasmine2 </a:t>
-            </a:r>
-          </a:p>
-          <a:p>
-            <a:pPr lvl="1"/>
-            <a:r>
-              <a:rPr lang="en-US" dirty="0" smtClean="0"/>
-              <a:t>Limited support for mocha </a:t>
-            </a:r>
-            <a:r>
-              <a:rPr lang="en-US" dirty="0"/>
-              <a:t>and </a:t>
-            </a:r>
-            <a:r>
-              <a:rPr lang="en-US" dirty="0" smtClean="0"/>
-              <a:t>cucumber</a:t>
-            </a:r>
-            <a:endParaRPr lang="en-US" dirty="0"/>
-          </a:p>
-          <a:p>
-            <a:endParaRPr lang="en-US" dirty="0"/>
-          </a:p>
-          <a:p>
-            <a:r>
-              <a:rPr lang="en-US" dirty="0" smtClean="0"/>
-              <a:t>Exercise</a:t>
-            </a:r>
-            <a:endParaRPr lang="en-US" dirty="0"/>
-          </a:p>
-          <a:p>
-            <a:endParaRPr lang="en-US" dirty="0"/>
-          </a:p>
-          <a:p>
+              <a:t>element</a:t>
+            </a:r>
+            <a:r>
+              <a:rPr lang="en-US" dirty="0"/>
+              <a:t>: </a:t>
+            </a:r>
+            <a:r>
+              <a:rPr lang="en-US" dirty="0" smtClean="0"/>
+              <a:t>Locates/represents elements within a page</a:t>
+            </a:r>
+            <a:endParaRPr lang="en-US" dirty="0"/>
+          </a:p>
+          <a:p>
+            <a:r>
+              <a:rPr lang="en-US" b="1" dirty="0"/>
+              <a:t>by</a:t>
+            </a:r>
+            <a:r>
+              <a:rPr lang="en-US" dirty="0"/>
+              <a:t>: </a:t>
+            </a:r>
+            <a:r>
+              <a:rPr lang="en-US" dirty="0" smtClean="0"/>
+              <a:t>Search for a series of elements by a given selector</a:t>
+            </a:r>
+            <a:endParaRPr lang="en-US" dirty="0"/>
+          </a:p>
+          <a:p>
+            <a:r>
+              <a:rPr lang="en-US" b="1" dirty="0"/>
+              <a:t>protractor</a:t>
+            </a:r>
+            <a:r>
+              <a:rPr lang="en-US" dirty="0"/>
+              <a:t>: </a:t>
+            </a:r>
+            <a:r>
+              <a:rPr lang="en-US" dirty="0" smtClean="0"/>
+              <a:t>wrapper for the Selenium Server</a:t>
+            </a:r>
             <a:endParaRPr lang="en-US" dirty="0"/>
           </a:p>
         </p:txBody>
@@ -33114,7 +33562,7 @@
     </p:spTree>
     <p:extLst>
       <p:ext uri="{BB962C8B-B14F-4D97-AF65-F5344CB8AC3E}">
-        <p14:creationId xmlns:p14="http://schemas.microsoft.com/office/powerpoint/2010/main" val="2134387010"/>
+        <p14:creationId xmlns:p14="http://schemas.microsoft.com/office/powerpoint/2010/main" val="1902102816"/>
       </p:ext>
     </p:extLst>
   </p:cSld>
@@ -33165,15 +33613,7 @@
           <a:p>
             <a:r>
               <a:rPr lang="en-US" dirty="0" smtClean="0"/>
-              <a:t>Variables Exposed </a:t>
-            </a:r>
-            <a:r>
-              <a:rPr lang="en-US" dirty="0"/>
-              <a:t>B</a:t>
-            </a:r>
-            <a:r>
-              <a:rPr lang="en-US" dirty="0" smtClean="0"/>
-              <a:t>y Protractor</a:t>
+              <a:t>Finding Elements</a:t>
             </a:r>
             <a:endParaRPr lang="en-US" dirty="0"/>
           </a:p>
@@ -33197,98 +33637,201 @@
           <a:lstStyle/>
           <a:p>
             <a:r>
+              <a:rPr lang="en-US" dirty="0"/>
+              <a:t>If you want a single element, call </a:t>
+            </a:r>
+            <a:r>
+              <a:rPr lang="en-US" sz="1800" b="1" dirty="0"/>
+              <a:t>element()</a:t>
+            </a:r>
+            <a:r>
+              <a:rPr lang="en-US" dirty="0"/>
+              <a:t> and pass it a locator</a:t>
+            </a:r>
+          </a:p>
+          <a:p>
+            <a:r>
+              <a:rPr lang="en-US" dirty="0"/>
+              <a:t>If you want all matching elements, call </a:t>
+            </a:r>
+            <a:r>
+              <a:rPr lang="en-US" sz="1800" b="1" dirty="0" err="1"/>
+              <a:t>element.all</a:t>
+            </a:r>
+            <a:r>
+              <a:rPr lang="en-US" sz="1800" b="1" dirty="0"/>
+              <a:t>()</a:t>
+            </a:r>
+            <a:r>
+              <a:rPr lang="en-US" dirty="0"/>
+              <a:t> and pass it a locator</a:t>
+            </a:r>
+          </a:p>
+          <a:p>
+            <a:r>
+              <a:rPr lang="en-US" dirty="0"/>
+              <a:t>Both return an </a:t>
+            </a:r>
+            <a:r>
+              <a:rPr lang="en-US" sz="1800" b="1" dirty="0" err="1"/>
+              <a:t>ElementFinder</a:t>
+            </a:r>
+            <a:r>
+              <a:rPr lang="en-US" sz="1800" dirty="0"/>
+              <a:t> </a:t>
+            </a:r>
+            <a:r>
+              <a:rPr lang="en-US" dirty="0" smtClean="0"/>
+              <a:t>object which has the following functions</a:t>
+            </a:r>
+          </a:p>
+          <a:p>
+            <a:pPr lvl="1"/>
+            <a:r>
+              <a:rPr lang="en-US" b="1" dirty="0" smtClean="0"/>
+              <a:t>filter(</a:t>
+            </a:r>
+            <a:r>
+              <a:rPr lang="en-US" b="1" dirty="0" err="1" smtClean="0"/>
+              <a:t>fn</a:t>
+            </a:r>
+            <a:r>
               <a:rPr lang="en-US" b="1" dirty="0"/>
-              <a:t>browser</a:t>
-            </a:r>
-            <a:r>
-              <a:rPr lang="en-US" dirty="0"/>
-              <a:t>: </a:t>
-            </a:r>
-            <a:r>
-              <a:rPr lang="en-US" dirty="0" smtClean="0"/>
-              <a:t>How you work with the browser that is executing your tests</a:t>
-            </a:r>
-            <a:endParaRPr lang="en-US" dirty="0"/>
+              <a:t>)</a:t>
+            </a:r>
+            <a:r>
+              <a:rPr lang="en-US" dirty="0"/>
+              <a:t>: Filter elements in the </a:t>
+            </a:r>
+            <a:r>
+              <a:rPr lang="en-US" dirty="0" err="1"/>
+              <a:t>ElementFinder</a:t>
+            </a:r>
+            <a:r>
+              <a:rPr lang="en-US" dirty="0"/>
+              <a:t> by calling </a:t>
+            </a:r>
+            <a:r>
+              <a:rPr lang="en-US" b="1" dirty="0" err="1"/>
+              <a:t>fn</a:t>
+            </a:r>
+            <a:endParaRPr lang="en-US" b="1" dirty="0"/>
           </a:p>
           <a:p>
             <a:pPr lvl="1"/>
             <a:r>
-              <a:rPr lang="en-US" dirty="0" smtClean="0"/>
-              <a:t>EX. </a:t>
-            </a:r>
-            <a:r>
-              <a:rPr lang="en-US" b="1" dirty="0" err="1" smtClean="0"/>
-              <a:t>browser.get</a:t>
-            </a:r>
-            <a:r>
-              <a:rPr lang="en-US" b="1" dirty="0" smtClean="0"/>
-              <a:t>(</a:t>
-            </a:r>
-            <a:r>
-              <a:rPr lang="en-US" b="1" dirty="0" err="1" smtClean="0"/>
-              <a:t>uri</a:t>
-            </a:r>
-            <a:r>
-              <a:rPr lang="en-US" b="1" dirty="0" smtClean="0"/>
+              <a:rPr lang="en-US" b="1" dirty="0"/>
+              <a:t>each(</a:t>
+            </a:r>
+            <a:r>
+              <a:rPr lang="en-US" b="1" dirty="0" err="1"/>
+              <a:t>fn</a:t>
+            </a:r>
+            <a:r>
+              <a:rPr lang="en-US" b="1" dirty="0"/>
               <a:t>)</a:t>
             </a:r>
             <a:r>
-              <a:rPr lang="en-US" dirty="0" smtClean="0"/>
+              <a:rPr lang="en-US" dirty="0"/>
+              <a:t>: Iterate over the elements, calling </a:t>
+            </a:r>
+            <a:r>
+              <a:rPr lang="en-US" b="1" dirty="0" err="1"/>
+              <a:t>fn</a:t>
+            </a:r>
+            <a:r>
+              <a:rPr lang="en-US" dirty="0"/>
+              <a:t> on each one</a:t>
+            </a:r>
+          </a:p>
+          <a:p>
+            <a:pPr lvl="1"/>
+            <a:r>
+              <a:rPr lang="en-US" b="1" dirty="0"/>
+              <a:t>map(</a:t>
+            </a:r>
+            <a:r>
+              <a:rPr lang="en-US" b="1" dirty="0" err="1"/>
+              <a:t>fn</a:t>
+            </a:r>
+            <a:r>
+              <a:rPr lang="en-US" b="1" dirty="0"/>
+              <a:t>)</a:t>
+            </a:r>
+            <a:r>
+              <a:rPr lang="en-US" dirty="0"/>
+              <a:t>: Map a function, </a:t>
+            </a:r>
+            <a:r>
+              <a:rPr lang="en-US" b="1" dirty="0" err="1"/>
+              <a:t>fn</a:t>
+            </a:r>
+            <a:r>
+              <a:rPr lang="en-US" b="1" dirty="0"/>
               <a:t> </a:t>
             </a:r>
             <a:r>
               <a:rPr lang="en-US" dirty="0"/>
-              <a:t>to load a </a:t>
-            </a:r>
-            <a:r>
-              <a:rPr lang="en-US" dirty="0" smtClean="0"/>
-              <a:t>page</a:t>
-            </a:r>
-            <a:endParaRPr lang="en-US" dirty="0"/>
-          </a:p>
-          <a:p>
+              <a:t>to each of the </a:t>
+            </a:r>
+            <a:r>
+              <a:rPr lang="en-US" dirty="0" smtClean="0"/>
+              <a:t>elements</a:t>
+            </a:r>
+          </a:p>
+          <a:p>
+            <a:pPr lvl="1"/>
+            <a:r>
+              <a:rPr lang="en-US" dirty="0" smtClean="0"/>
+              <a:t>The </a:t>
+            </a:r>
+            <a:r>
+              <a:rPr lang="en-US" dirty="0"/>
+              <a:t>predicate functions for filter, map, and each take two arguments: element and index</a:t>
+            </a:r>
+          </a:p>
+          <a:p>
+            <a:pPr lvl="1"/>
             <a:r>
               <a:rPr lang="en-US" b="1" dirty="0"/>
-              <a:t>element</a:t>
-            </a:r>
-            <a:r>
-              <a:rPr lang="en-US" dirty="0"/>
-              <a:t>: </a:t>
-            </a:r>
-            <a:r>
-              <a:rPr lang="en-US" dirty="0" smtClean="0"/>
-              <a:t>Locates/represents elements within a page</a:t>
-            </a:r>
-            <a:endParaRPr lang="en-US" dirty="0"/>
-          </a:p>
-          <a:p>
+              <a:t>get(index)</a:t>
+            </a:r>
+            <a:r>
+              <a:rPr lang="en-US" dirty="0"/>
+              <a:t>: Get the element at index</a:t>
+            </a:r>
+          </a:p>
+          <a:p>
+            <a:pPr lvl="1"/>
             <a:r>
               <a:rPr lang="en-US" b="1" dirty="0"/>
-              <a:t>by</a:t>
-            </a:r>
-            <a:r>
-              <a:rPr lang="en-US" dirty="0"/>
-              <a:t>: </a:t>
-            </a:r>
-            <a:r>
-              <a:rPr lang="en-US" dirty="0" smtClean="0"/>
-              <a:t>Search for a series of elements by a given selector</a:t>
-            </a:r>
-            <a:endParaRPr lang="en-US" dirty="0"/>
-          </a:p>
-          <a:p>
+              <a:t>first()</a:t>
+            </a:r>
+            <a:r>
+              <a:rPr lang="en-US" dirty="0"/>
+              <a:t> / </a:t>
+            </a:r>
             <a:r>
               <a:rPr lang="en-US" b="1" dirty="0"/>
-              <a:t>protractor</a:t>
-            </a:r>
-            <a:r>
-              <a:rPr lang="en-US" dirty="0"/>
-              <a:t>: </a:t>
-            </a:r>
-            <a:r>
-              <a:rPr lang="en-US" dirty="0" smtClean="0"/>
-              <a:t>wrapper for the Selenium Server</a:t>
-            </a:r>
+              <a:t>last()</a:t>
+            </a:r>
+            <a:r>
+              <a:rPr lang="en-US" dirty="0"/>
+              <a:t>: Self-explanatory</a:t>
+            </a:r>
+          </a:p>
+          <a:p>
+            <a:pPr lvl="1"/>
+            <a:r>
+              <a:rPr lang="en-US" b="1" dirty="0"/>
+              <a:t>count()</a:t>
+            </a:r>
+            <a:r>
+              <a:rPr lang="en-US" dirty="0"/>
+              <a:t>: How many elements are there?</a:t>
+            </a:r>
+          </a:p>
+          <a:p>
             <a:endParaRPr lang="en-US" dirty="0"/>
           </a:p>
         </p:txBody>
@@ -33319,7 +33862,7 @@
     </p:spTree>
     <p:extLst>
       <p:ext uri="{BB962C8B-B14F-4D97-AF65-F5344CB8AC3E}">
-        <p14:creationId xmlns:p14="http://schemas.microsoft.com/office/powerpoint/2010/main" val="1902102816"/>
+        <p14:creationId xmlns:p14="http://schemas.microsoft.com/office/powerpoint/2010/main" val="1364530077"/>
       </p:ext>
     </p:extLst>
   </p:cSld>
@@ -33370,7 +33913,15 @@
           <a:p>
             <a:r>
               <a:rPr lang="en-US" dirty="0" smtClean="0"/>
-              <a:t>Finding Elements</a:t>
+              <a:t>Additional </a:t>
+            </a:r>
+            <a:r>
+              <a:rPr lang="en-US" dirty="0" err="1" smtClean="0"/>
+              <a:t>ElementFinder</a:t>
+            </a:r>
+            <a:r>
+              <a:rPr lang="en-US" dirty="0" smtClean="0"/>
+              <a:t> Methods</a:t>
             </a:r>
             <a:endParaRPr lang="en-US" dirty="0"/>
           </a:p>
@@ -33388,208 +33939,82 @@
         </p:nvSpPr>
         <p:spPr/>
         <p:txBody>
-          <a:bodyPr>
-            <a:normAutofit/>
-          </a:bodyPr>
-          <a:lstStyle/>
-          <a:p>
-            <a:r>
-              <a:rPr lang="en-US" dirty="0"/>
-              <a:t>If you want a single element, call </a:t>
-            </a:r>
-            <a:r>
-              <a:rPr lang="en-US" sz="1800" b="1" dirty="0"/>
-              <a:t>element()</a:t>
-            </a:r>
-            <a:r>
-              <a:rPr lang="en-US" dirty="0"/>
-              <a:t> and pass it a locator</a:t>
-            </a:r>
-          </a:p>
-          <a:p>
-            <a:r>
-              <a:rPr lang="en-US" dirty="0"/>
-              <a:t>If you want all matching elements, call </a:t>
-            </a:r>
-            <a:r>
-              <a:rPr lang="en-US" sz="1800" b="1" dirty="0" err="1"/>
-              <a:t>element.all</a:t>
-            </a:r>
-            <a:r>
-              <a:rPr lang="en-US" sz="1800" b="1" dirty="0"/>
-              <a:t>()</a:t>
-            </a:r>
-            <a:r>
-              <a:rPr lang="en-US" dirty="0"/>
-              <a:t> and pass it a locator</a:t>
-            </a:r>
-          </a:p>
-          <a:p>
-            <a:r>
-              <a:rPr lang="en-US" dirty="0"/>
-              <a:t>Both return an </a:t>
-            </a:r>
-            <a:r>
-              <a:rPr lang="en-US" sz="1800" b="1" dirty="0" err="1"/>
-              <a:t>ElementFinder</a:t>
-            </a:r>
-            <a:r>
-              <a:rPr lang="en-US" sz="1800" dirty="0"/>
-              <a:t> </a:t>
-            </a:r>
-            <a:r>
-              <a:rPr lang="en-US" dirty="0" smtClean="0"/>
-              <a:t>object which has the following functions</a:t>
-            </a:r>
-          </a:p>
-          <a:p>
-            <a:pPr lvl="1"/>
-            <a:r>
-              <a:rPr lang="en-US" b="1" dirty="0" smtClean="0"/>
-              <a:t>filter(</a:t>
-            </a:r>
-            <a:r>
-              <a:rPr lang="en-US" b="1" dirty="0" err="1" smtClean="0"/>
-              <a:t>fn</a:t>
-            </a:r>
+          <a:bodyPr/>
+          <a:lstStyle/>
+          <a:p>
             <a:r>
               <a:rPr lang="en-US" b="1" dirty="0"/>
-              <a:t>)</a:t>
-            </a:r>
-            <a:r>
-              <a:rPr lang="en-US" dirty="0"/>
-              <a:t>: Filter elements in the </a:t>
+              <a:t>$()</a:t>
+            </a:r>
+            <a:r>
+              <a:rPr lang="en-US" dirty="0"/>
+              <a:t>: Call a sub-select based on CSS selectors rooted in the </a:t>
             </a:r>
             <a:r>
               <a:rPr lang="en-US" dirty="0" err="1"/>
               <a:t>ElementFinder</a:t>
             </a:r>
-            <a:r>
-              <a:rPr lang="en-US" dirty="0"/>
-              <a:t> by calling </a:t>
-            </a:r>
+            <a:endParaRPr lang="en-US" dirty="0"/>
+          </a:p>
+          <a:p>
             <a:r>
               <a:rPr lang="en-US" b="1" dirty="0" err="1"/>
-              <a:t>fn</a:t>
-            </a:r>
-            <a:endParaRPr lang="en-US" b="1" dirty="0"/>
-          </a:p>
-          <a:p>
-            <a:pPr lvl="1"/>
+              <a:t>getId</a:t>
+            </a:r>
             <a:r>
               <a:rPr lang="en-US" b="1" dirty="0"/>
-              <a:t>each(</a:t>
-            </a:r>
+              <a:t>()</a:t>
+            </a:r>
+          </a:p>
+          <a:p>
             <a:r>
               <a:rPr lang="en-US" b="1" dirty="0" err="1"/>
-              <a:t>fn</a:t>
+              <a:t>getTagName</a:t>
             </a:r>
             <a:r>
               <a:rPr lang="en-US" b="1" dirty="0"/>
-              <a:t>)</a:t>
-            </a:r>
-            <a:r>
-              <a:rPr lang="en-US" dirty="0"/>
-              <a:t>: Iterate over the elements, calling </a:t>
-            </a:r>
+              <a:t>()</a:t>
+            </a:r>
+          </a:p>
+          <a:p>
             <a:r>
               <a:rPr lang="en-US" b="1" dirty="0" err="1"/>
-              <a:t>fn</a:t>
-            </a:r>
-            <a:r>
-              <a:rPr lang="en-US" dirty="0"/>
-              <a:t> on each one</a:t>
-            </a:r>
-          </a:p>
-          <a:p>
-            <a:pPr lvl="1"/>
+              <a:t>getCssValue</a:t>
+            </a:r>
             <a:r>
               <a:rPr lang="en-US" b="1" dirty="0"/>
-              <a:t>map(</a:t>
-            </a:r>
+              <a:t>()</a:t>
+            </a:r>
+          </a:p>
+          <a:p>
             <a:r>
               <a:rPr lang="en-US" b="1" dirty="0" err="1"/>
-              <a:t>fn</a:t>
+              <a:t>getAttribute</a:t>
             </a:r>
             <a:r>
               <a:rPr lang="en-US" b="1" dirty="0"/>
-              <a:t>)</a:t>
-            </a:r>
-            <a:r>
-              <a:rPr lang="en-US" dirty="0"/>
-              <a:t>: Map a function, </a:t>
-            </a:r>
+              <a:t>()</a:t>
+            </a:r>
+          </a:p>
+          <a:p>
             <a:r>
               <a:rPr lang="en-US" b="1" dirty="0" err="1"/>
-              <a:t>fn</a:t>
+              <a:t>getText</a:t>
             </a:r>
             <a:r>
               <a:rPr lang="en-US" b="1" dirty="0"/>
-              <a:t> </a:t>
-            </a:r>
-            <a:r>
-              <a:rPr lang="en-US" dirty="0"/>
-              <a:t>to each of the </a:t>
-            </a:r>
-            <a:r>
-              <a:rPr lang="en-US" dirty="0" smtClean="0"/>
-              <a:t>elements</a:t>
-            </a:r>
-          </a:p>
-          <a:p>
-            <a:pPr lvl="1"/>
-            <a:r>
-              <a:rPr lang="en-US" dirty="0" smtClean="0"/>
-              <a:t>The </a:t>
-            </a:r>
-            <a:r>
-              <a:rPr lang="en-US" dirty="0"/>
-              <a:t>predicate functions for filter, map, and each take two arguments: element and index</a:t>
-            </a:r>
-          </a:p>
-          <a:p>
-            <a:pPr lvl="1"/>
+              <a:t>()</a:t>
+            </a:r>
+          </a:p>
+          <a:p>
+            <a:r>
+              <a:rPr lang="en-US" b="1" dirty="0" err="1"/>
+              <a:t>getInnerHtml</a:t>
+            </a:r>
             <a:r>
               <a:rPr lang="en-US" b="1" dirty="0"/>
-              <a:t>get(index)</a:t>
-            </a:r>
-            <a:r>
-              <a:rPr lang="en-US" dirty="0"/>
-              <a:t>: Get the element at index</a:t>
-            </a:r>
-          </a:p>
-          <a:p>
-            <a:pPr lvl="1"/>
-            <a:r>
-              <a:rPr lang="en-US" b="1" dirty="0"/>
-              <a:t>first()</a:t>
-            </a:r>
-            <a:r>
-              <a:rPr lang="en-US" dirty="0"/>
-              <a:t> / </a:t>
-            </a:r>
-            <a:r>
-              <a:rPr lang="en-US" b="1" dirty="0"/>
-              <a:t>last()</a:t>
-            </a:r>
-            <a:r>
-              <a:rPr lang="en-US" dirty="0"/>
-              <a:t>: Self-explanatory</a:t>
-            </a:r>
-          </a:p>
-          <a:p>
-            <a:pPr lvl="1"/>
-            <a:r>
-              <a:rPr lang="en-US" b="1" dirty="0"/>
-              <a:t>count()</a:t>
-            </a:r>
-            <a:r>
-              <a:rPr lang="en-US" dirty="0"/>
-              <a:t>: How many elements are there?</a:t>
-            </a:r>
-          </a:p>
-          <a:p>
-            <a:endParaRPr lang="en-US" dirty="0"/>
+              <a:t>()</a:t>
+            </a:r>
           </a:p>
         </p:txBody>
       </p:sp>
@@ -33619,7 +34044,7 @@
     </p:spTree>
     <p:extLst>
       <p:ext uri="{BB962C8B-B14F-4D97-AF65-F5344CB8AC3E}">
-        <p14:creationId xmlns:p14="http://schemas.microsoft.com/office/powerpoint/2010/main" val="1364530077"/>
+        <p14:creationId xmlns:p14="http://schemas.microsoft.com/office/powerpoint/2010/main" val="103043165"/>
       </p:ext>
     </p:extLst>
   </p:cSld>
@@ -33670,108 +34095,90 @@
           <a:p>
             <a:r>
               <a:rPr lang="en-US" dirty="0" smtClean="0"/>
-              <a:t>Additional </a:t>
-            </a:r>
-            <a:r>
-              <a:rPr lang="en-US" dirty="0" err="1" smtClean="0"/>
+              <a:t>Element And Actions</a:t>
+            </a:r>
+            <a:endParaRPr lang="en-US" dirty="0"/>
+          </a:p>
+        </p:txBody>
+      </p:sp>
+      <p:sp>
+        <p:nvSpPr>
+          <p:cNvPr id="3" name="Content Placeholder 2"/>
+          <p:cNvSpPr>
+            <a:spLocks noGrp="1"/>
+          </p:cNvSpPr>
+          <p:nvPr>
+            <p:ph idx="1"/>
+          </p:nvPr>
+        </p:nvSpPr>
+        <p:spPr/>
+        <p:txBody>
+          <a:bodyPr/>
+          <a:lstStyle/>
+          <a:p>
+            <a:r>
+              <a:rPr lang="en-US" dirty="0" smtClean="0"/>
+              <a:t>At some point you will need to simulate button presses and filling input values in. In order to do this, the </a:t>
+            </a:r>
+            <a:r>
+              <a:rPr lang="en-US" b="1" dirty="0" err="1" smtClean="0"/>
               <a:t>ElementFinder</a:t>
             </a:r>
             <a:r>
-              <a:rPr lang="en-US" dirty="0" smtClean="0"/>
-              <a:t> Methods</a:t>
-            </a:r>
-            <a:endParaRPr lang="en-US" dirty="0"/>
-          </a:p>
-        </p:txBody>
-      </p:sp>
-      <p:sp>
-        <p:nvSpPr>
-          <p:cNvPr id="3" name="Content Placeholder 2"/>
-          <p:cNvSpPr>
-            <a:spLocks noGrp="1"/>
-          </p:cNvSpPr>
-          <p:nvPr>
-            <p:ph idx="1"/>
-          </p:nvPr>
-        </p:nvSpPr>
-        <p:spPr/>
-        <p:txBody>
-          <a:bodyPr/>
-          <a:lstStyle/>
+              <a:rPr lang="en-US" b="1" dirty="0" smtClean="0"/>
+              <a:t> </a:t>
+            </a:r>
+            <a:r>
+              <a:rPr lang="en-US" dirty="0" smtClean="0"/>
+              <a:t>object exposes the following functions</a:t>
+            </a:r>
+          </a:p>
           <a:p>
             <a:r>
               <a:rPr lang="en-US" b="1" dirty="0"/>
-              <a:t>$()</a:t>
-            </a:r>
-            <a:r>
-              <a:rPr lang="en-US" dirty="0"/>
-              <a:t>: Call a sub-select based on CSS selectors rooted in the </a:t>
-            </a:r>
-            <a:r>
-              <a:rPr lang="en-US" dirty="0" err="1"/>
-              <a:t>ElementFinder</a:t>
-            </a:r>
-            <a:endParaRPr lang="en-US" dirty="0"/>
+              <a:t>click()</a:t>
+            </a:r>
+            <a:r>
+              <a:rPr lang="en-US" dirty="0"/>
+              <a:t>: Click on the element</a:t>
+            </a:r>
           </a:p>
           <a:p>
             <a:r>
               <a:rPr lang="en-US" b="1" dirty="0" err="1"/>
-              <a:t>getId</a:t>
+              <a:t>sendKeys</a:t>
             </a:r>
             <a:r>
               <a:rPr lang="en-US" b="1" dirty="0"/>
-              <a:t>()</a:t>
-            </a:r>
-          </a:p>
-          <a:p>
-            <a:r>
-              <a:rPr lang="en-US" b="1" dirty="0" err="1"/>
-              <a:t>getTagName</a:t>
-            </a:r>
+              <a:t>(text)</a:t>
+            </a:r>
+            <a:r>
+              <a:rPr lang="en-US" dirty="0"/>
+              <a:t>: Send text to the element</a:t>
+            </a:r>
+          </a:p>
+          <a:p>
             <a:r>
               <a:rPr lang="en-US" b="1" dirty="0"/>
-              <a:t>()</a:t>
-            </a:r>
-          </a:p>
-          <a:p>
-            <a:r>
-              <a:rPr lang="en-US" b="1" dirty="0" err="1"/>
-              <a:t>getCssValue</a:t>
-            </a:r>
+              <a:t>submit()</a:t>
+            </a:r>
+            <a:r>
+              <a:rPr lang="en-US" dirty="0"/>
+              <a:t>: Submit the element </a:t>
+            </a:r>
+          </a:p>
+          <a:p>
             <a:r>
               <a:rPr lang="en-US" b="1" dirty="0"/>
-              <a:t>()</a:t>
-            </a:r>
-          </a:p>
-          <a:p>
-            <a:r>
-              <a:rPr lang="en-US" b="1" dirty="0" err="1"/>
-              <a:t>getAttribute</a:t>
-            </a:r>
-            <a:r>
-              <a:rPr lang="en-US" b="1" dirty="0"/>
-              <a:t>()</a:t>
-            </a:r>
-          </a:p>
-          <a:p>
-            <a:r>
-              <a:rPr lang="en-US" b="1" dirty="0" err="1"/>
-              <a:t>getText</a:t>
-            </a:r>
-            <a:r>
-              <a:rPr lang="en-US" b="1" dirty="0"/>
-              <a:t>()</a:t>
-            </a:r>
-          </a:p>
-          <a:p>
-            <a:r>
-              <a:rPr lang="en-US" b="1" dirty="0" err="1"/>
-              <a:t>getInnerHtml</a:t>
-            </a:r>
-            <a:r>
-              <a:rPr lang="en-US" b="1" dirty="0"/>
-              <a:t>()</a:t>
-            </a:r>
+              <a:t>clear()</a:t>
+            </a:r>
+            <a:r>
+              <a:rPr lang="en-US" dirty="0"/>
+              <a:t>: Clears the value of the element </a:t>
+            </a:r>
+          </a:p>
+          <a:p>
+            <a:endParaRPr lang="en-US" dirty="0"/>
           </a:p>
         </p:txBody>
       </p:sp>
@@ -33801,7 +34208,7 @@
     </p:spTree>
     <p:extLst>
       <p:ext uri="{BB962C8B-B14F-4D97-AF65-F5344CB8AC3E}">
-        <p14:creationId xmlns:p14="http://schemas.microsoft.com/office/powerpoint/2010/main" val="103043165"/>
+        <p14:creationId xmlns:p14="http://schemas.microsoft.com/office/powerpoint/2010/main" val="1024437540"/>
       </p:ext>
     </p:extLst>
   </p:cSld>
@@ -33852,7 +34259,7 @@
           <a:p>
             <a:r>
               <a:rPr lang="en-US" dirty="0" smtClean="0"/>
-              <a:t>Element And Actions</a:t>
+              <a:t>Locators</a:t>
             </a:r>
             <a:endParaRPr lang="en-US" dirty="0"/>
           </a:p>
@@ -33870,72 +34277,147 @@
         </p:nvSpPr>
         <p:spPr/>
         <p:txBody>
-          <a:bodyPr/>
-          <a:lstStyle/>
-          <a:p>
-            <a:r>
-              <a:rPr lang="en-US" dirty="0" smtClean="0"/>
-              <a:t>At some point you will need to simulate button presses and filling input values in. In order to do this, the </a:t>
-            </a:r>
-            <a:r>
-              <a:rPr lang="en-US" b="1" dirty="0" err="1" smtClean="0"/>
-              <a:t>ElementFinder</a:t>
-            </a:r>
-            <a:r>
-              <a:rPr lang="en-US" b="1" dirty="0" smtClean="0"/>
-              <a:t> </a:t>
-            </a:r>
-            <a:r>
-              <a:rPr lang="en-US" dirty="0" smtClean="0"/>
-              <a:t>object exposes the following functions</a:t>
-            </a:r>
-          </a:p>
-          <a:p>
+          <a:bodyPr>
+            <a:noAutofit/>
+          </a:bodyPr>
+          <a:lstStyle/>
+          <a:p>
+            <a:r>
+              <a:rPr lang="en-US" dirty="0"/>
+              <a:t>Locators tell element() calls how to find </a:t>
+            </a:r>
+            <a:r>
+              <a:rPr lang="en-US" dirty="0" smtClean="0"/>
+              <a:t>elements within the HTML</a:t>
+            </a:r>
+            <a:endParaRPr lang="en-US" dirty="0"/>
+          </a:p>
+          <a:p>
+            <a:r>
+              <a:rPr lang="en-US" dirty="0" smtClean="0"/>
+              <a:t>Some examples of locators:</a:t>
+            </a:r>
+            <a:endParaRPr lang="en-US" dirty="0"/>
+          </a:p>
+          <a:p>
+            <a:pPr lvl="1"/>
+            <a:r>
+              <a:rPr lang="en-US" b="1" dirty="0" err="1"/>
+              <a:t>by.model</a:t>
+            </a:r>
             <a:r>
               <a:rPr lang="en-US" b="1" dirty="0"/>
-              <a:t>click()</a:t>
-            </a:r>
-            <a:r>
-              <a:rPr lang="en-US" dirty="0"/>
-              <a:t>: Click on the element</a:t>
-            </a:r>
-          </a:p>
-          <a:p>
+              <a:t>(</a:t>
+            </a:r>
             <a:r>
               <a:rPr lang="en-US" b="1" dirty="0" err="1"/>
-              <a:t>sendKeys</a:t>
+              <a:t>modelName</a:t>
             </a:r>
             <a:r>
               <a:rPr lang="en-US" b="1" dirty="0"/>
-              <a:t>(text)</a:t>
-            </a:r>
-            <a:r>
-              <a:rPr lang="en-US" dirty="0"/>
-              <a:t>: Send text to the element</a:t>
-            </a:r>
-          </a:p>
-          <a:p>
+              <a:t>)</a:t>
+            </a:r>
+          </a:p>
+          <a:p>
+            <a:pPr lvl="1"/>
+            <a:r>
+              <a:rPr lang="en-US" b="1" dirty="0" err="1"/>
+              <a:t>by.buttonText</a:t>
+            </a:r>
             <a:r>
               <a:rPr lang="en-US" b="1" dirty="0"/>
-              <a:t>submit()</a:t>
-            </a:r>
-            <a:r>
-              <a:rPr lang="en-US" dirty="0"/>
-              <a:t>: Submit the element </a:t>
-            </a:r>
-          </a:p>
-          <a:p>
+              <a:t>(</a:t>
+            </a:r>
+            <a:r>
+              <a:rPr lang="en-US" b="1" dirty="0" err="1"/>
+              <a:t>buttonText</a:t>
+            </a:r>
             <a:r>
               <a:rPr lang="en-US" b="1" dirty="0"/>
-              <a:t>clear()</a:t>
-            </a:r>
-            <a:r>
-              <a:rPr lang="en-US" dirty="0"/>
-              <a:t>: Clears the value of the element </a:t>
-            </a:r>
-          </a:p>
-          <a:p>
-            <a:endParaRPr lang="en-US" dirty="0"/>
+              <a:t>)</a:t>
+            </a:r>
+          </a:p>
+          <a:p>
+            <a:pPr lvl="1"/>
+            <a:r>
+              <a:rPr lang="en-US" b="1" dirty="0" err="1"/>
+              <a:t>by.repeater</a:t>
+            </a:r>
+            <a:r>
+              <a:rPr lang="en-US" b="1" dirty="0"/>
+              <a:t>(repeater phrase)</a:t>
+            </a:r>
+          </a:p>
+          <a:p>
+            <a:pPr lvl="1"/>
+            <a:r>
+              <a:rPr lang="en-US" b="1" dirty="0" err="1"/>
+              <a:t>by.exactRepeater</a:t>
+            </a:r>
+            <a:r>
+              <a:rPr lang="en-US" b="1" dirty="0"/>
+              <a:t>(repeater phrase)</a:t>
+            </a:r>
+          </a:p>
+          <a:p>
+            <a:r>
+              <a:rPr lang="en-US" dirty="0" err="1" smtClean="0"/>
+              <a:t>WebDriver</a:t>
+            </a:r>
+            <a:r>
+              <a:rPr lang="en-US" dirty="0" smtClean="0"/>
+              <a:t>/Selenium provides the following</a:t>
+            </a:r>
+            <a:endParaRPr lang="en-US" dirty="0"/>
+          </a:p>
+          <a:p>
+            <a:pPr lvl="1"/>
+            <a:r>
+              <a:rPr lang="en-US" b="1" dirty="0" err="1"/>
+              <a:t>by.className</a:t>
+            </a:r>
+            <a:r>
+              <a:rPr lang="en-US" b="1" dirty="0"/>
+              <a:t>(</a:t>
+            </a:r>
+            <a:r>
+              <a:rPr lang="en-US" b="1" dirty="0" err="1"/>
+              <a:t>className</a:t>
+            </a:r>
+            <a:r>
+              <a:rPr lang="en-US" b="1" dirty="0"/>
+              <a:t>)</a:t>
+            </a:r>
+          </a:p>
+          <a:p>
+            <a:pPr lvl="1"/>
+            <a:r>
+              <a:rPr lang="en-US" b="1" dirty="0" err="1"/>
+              <a:t>by.css</a:t>
+            </a:r>
+            <a:r>
+              <a:rPr lang="en-US" b="1" dirty="0"/>
+              <a:t>(</a:t>
+            </a:r>
+            <a:r>
+              <a:rPr lang="en-US" b="1" dirty="0" err="1"/>
+              <a:t>css</a:t>
+            </a:r>
+            <a:r>
+              <a:rPr lang="en-US" b="1" dirty="0"/>
+              <a:t> selector)</a:t>
+            </a:r>
+          </a:p>
+          <a:p>
+            <a:pPr lvl="1"/>
+            <a:r>
+              <a:rPr lang="en-US" b="1" dirty="0" err="1"/>
+              <a:t>by.id</a:t>
+            </a:r>
+            <a:r>
+              <a:rPr lang="en-US" b="1" dirty="0"/>
+              <a:t>(id)</a:t>
+            </a:r>
           </a:p>
         </p:txBody>
       </p:sp>
@@ -33965,7 +34447,7 @@
     </p:spTree>
     <p:extLst>
       <p:ext uri="{BB962C8B-B14F-4D97-AF65-F5344CB8AC3E}">
-        <p14:creationId xmlns:p14="http://schemas.microsoft.com/office/powerpoint/2010/main" val="1024437540"/>
+        <p14:creationId xmlns:p14="http://schemas.microsoft.com/office/powerpoint/2010/main" val="1773923627"/>
       </p:ext>
     </p:extLst>
   </p:cSld>
@@ -34016,7 +34498,7 @@
           <a:p>
             <a:r>
               <a:rPr lang="en-US" dirty="0" smtClean="0"/>
-              <a:t>Locators</a:t>
+              <a:t>How It Works</a:t>
             </a:r>
             <a:endParaRPr lang="en-US" dirty="0"/>
           </a:p>
@@ -34035,146 +34517,64 @@
         <p:spPr/>
         <p:txBody>
           <a:bodyPr>
-            <a:noAutofit/>
+            <a:normAutofit/>
           </a:bodyPr>
           <a:lstStyle/>
           <a:p>
             <a:r>
               <a:rPr lang="en-US" dirty="0"/>
-              <a:t>Locators tell element() calls how to find </a:t>
-            </a:r>
-            <a:r>
-              <a:rPr lang="en-US" dirty="0" smtClean="0"/>
-              <a:t>elements within the HTML</a:t>
-            </a:r>
-            <a:endParaRPr lang="en-US" dirty="0"/>
-          </a:p>
-          <a:p>
-            <a:r>
-              <a:rPr lang="en-US" dirty="0" smtClean="0"/>
-              <a:t>Some examples of locators:</a:t>
-            </a:r>
-            <a:endParaRPr lang="en-US" dirty="0"/>
-          </a:p>
-          <a:p>
-            <a:pPr lvl="1"/>
-            <a:r>
-              <a:rPr lang="en-US" b="1" dirty="0" err="1"/>
-              <a:t>by.model</a:t>
-            </a:r>
-            <a:r>
-              <a:rPr lang="en-US" b="1" dirty="0"/>
-              <a:t>(</a:t>
-            </a:r>
-            <a:r>
-              <a:rPr lang="en-US" b="1" dirty="0" err="1"/>
-              <a:t>modelName</a:t>
-            </a:r>
-            <a:r>
-              <a:rPr lang="en-US" b="1" dirty="0"/>
-              <a:t>)</a:t>
-            </a:r>
-          </a:p>
-          <a:p>
-            <a:pPr lvl="1"/>
-            <a:r>
-              <a:rPr lang="en-US" b="1" dirty="0" err="1"/>
-              <a:t>by.buttonText</a:t>
-            </a:r>
-            <a:r>
-              <a:rPr lang="en-US" b="1" dirty="0"/>
-              <a:t>(</a:t>
-            </a:r>
-            <a:r>
-              <a:rPr lang="en-US" b="1" dirty="0" err="1"/>
-              <a:t>buttonText</a:t>
-            </a:r>
-            <a:r>
-              <a:rPr lang="en-US" b="1" dirty="0"/>
-              <a:t>)</a:t>
-            </a:r>
-          </a:p>
-          <a:p>
-            <a:pPr lvl="1"/>
-            <a:r>
-              <a:rPr lang="en-US" b="1" dirty="0" err="1"/>
-              <a:t>by.repeater</a:t>
-            </a:r>
-            <a:r>
-              <a:rPr lang="en-US" b="1" dirty="0"/>
-              <a:t>(repeater phrase)</a:t>
-            </a:r>
-          </a:p>
-          <a:p>
-            <a:pPr lvl="1"/>
-            <a:r>
-              <a:rPr lang="en-US" b="1" dirty="0" err="1"/>
-              <a:t>by.exactRepeater</a:t>
-            </a:r>
-            <a:r>
-              <a:rPr lang="en-US" b="1" dirty="0"/>
-              <a:t>(repeater phrase)</a:t>
-            </a:r>
-          </a:p>
-          <a:p>
-            <a:r>
-              <a:rPr lang="en-US" dirty="0" err="1" smtClean="0"/>
-              <a:t>WebDriver</a:t>
-            </a:r>
-            <a:r>
-              <a:rPr lang="en-US" dirty="0" smtClean="0"/>
-              <a:t>/Selenium provides the following</a:t>
-            </a:r>
-            <a:endParaRPr lang="en-US" dirty="0"/>
-          </a:p>
-          <a:p>
-            <a:pPr lvl="1"/>
-            <a:r>
-              <a:rPr lang="en-US" b="1" dirty="0" err="1"/>
-              <a:t>by.className</a:t>
-            </a:r>
-            <a:r>
-              <a:rPr lang="en-US" b="1" dirty="0"/>
-              <a:t>(</a:t>
-            </a:r>
-            <a:r>
-              <a:rPr lang="en-US" b="1" dirty="0" err="1"/>
-              <a:t>className</a:t>
-            </a:r>
-            <a:r>
-              <a:rPr lang="en-US" b="1" dirty="0"/>
-              <a:t>)</a:t>
-            </a:r>
-          </a:p>
-          <a:p>
-            <a:pPr lvl="1"/>
-            <a:r>
-              <a:rPr lang="en-US" b="1" dirty="0" err="1"/>
-              <a:t>by.css</a:t>
-            </a:r>
-            <a:r>
-              <a:rPr lang="en-US" b="1" dirty="0"/>
-              <a:t>(</a:t>
-            </a:r>
-            <a:r>
-              <a:rPr lang="en-US" b="1" dirty="0" err="1"/>
-              <a:t>css</a:t>
-            </a:r>
-            <a:r>
-              <a:rPr lang="en-US" b="1" dirty="0"/>
-              <a:t> selector)</a:t>
-            </a:r>
-          </a:p>
-          <a:p>
-            <a:pPr lvl="1"/>
-            <a:r>
-              <a:rPr lang="en-US" b="1" dirty="0" err="1"/>
-              <a:t>by.id</a:t>
-            </a:r>
-            <a:r>
-              <a:rPr lang="en-US" b="1" dirty="0"/>
-              <a:t>(id)</a:t>
-            </a:r>
+              <a:t>The </a:t>
+            </a:r>
+            <a:r>
+              <a:rPr lang="en-US" dirty="0" err="1"/>
+              <a:t>WebDriverJS</a:t>
+            </a:r>
+            <a:r>
+              <a:rPr lang="en-US" dirty="0"/>
+              <a:t> API (provided by Selenium) is based on promises</a:t>
+            </a:r>
+          </a:p>
+          <a:p>
+            <a:r>
+              <a:rPr lang="en-US" dirty="0"/>
+              <a:t>Protractor manages these promises into </a:t>
+            </a:r>
+            <a:r>
+              <a:rPr lang="en-US" dirty="0" smtClean="0"/>
+              <a:t>a sequence and </a:t>
+            </a:r>
+            <a:r>
+              <a:rPr lang="en-US" dirty="0"/>
+              <a:t>then adapts that to </a:t>
+            </a:r>
+            <a:r>
+              <a:rPr lang="en-US" dirty="0" smtClean="0"/>
+              <a:t>Jasmin’s implementation</a:t>
+            </a:r>
+            <a:endParaRPr lang="en-US" dirty="0"/>
+          </a:p>
+          <a:p>
+            <a:r>
+              <a:rPr lang="en-US" dirty="0" smtClean="0"/>
+              <a:t>This means that each promise is resolved in the order that it has been issued, ensuring that we’re not trying to resolve or take action on values before they are available.</a:t>
+            </a:r>
+            <a:endParaRPr lang="en-US" dirty="0"/>
+          </a:p>
+          <a:p>
+            <a:endParaRPr lang="en-US" dirty="0" smtClean="0"/>
+          </a:p>
+          <a:p>
+            <a:endParaRPr lang="en-US" dirty="0" smtClean="0"/>
+          </a:p>
+          <a:p>
+            <a:endParaRPr lang="en-US" dirty="0"/>
+          </a:p>
+          <a:p>
+            <a:r>
+              <a:rPr lang="en-US" dirty="0" smtClean="0"/>
+              <a:t>Example</a:t>
+            </a:r>
+            <a:endParaRPr lang="en-US" dirty="0"/>
           </a:p>
         </p:txBody>
       </p:sp>
@@ -34204,7 +34604,7 @@
     </p:spTree>
     <p:extLst>
       <p:ext uri="{BB962C8B-B14F-4D97-AF65-F5344CB8AC3E}">
-        <p14:creationId xmlns:p14="http://schemas.microsoft.com/office/powerpoint/2010/main" val="1773923627"/>
+        <p14:creationId xmlns:p14="http://schemas.microsoft.com/office/powerpoint/2010/main" val="984148087"/>
       </p:ext>
     </p:extLst>
   </p:cSld>
@@ -34255,7 +34655,7 @@
           <a:p>
             <a:r>
               <a:rPr lang="en-US" dirty="0" smtClean="0"/>
-              <a:t>How It Works</a:t>
+              <a:t>LAB</a:t>
             </a:r>
             <a:endParaRPr lang="en-US" dirty="0"/>
           </a:p>
@@ -34273,64 +34673,9 @@
         </p:nvSpPr>
         <p:spPr/>
         <p:txBody>
-          <a:bodyPr>
-            <a:normAutofit/>
-          </a:bodyPr>
-          <a:lstStyle/>
-          <a:p>
-            <a:r>
-              <a:rPr lang="en-US" dirty="0"/>
-              <a:t>The </a:t>
-            </a:r>
-            <a:r>
-              <a:rPr lang="en-US" dirty="0" err="1"/>
-              <a:t>WebDriverJS</a:t>
-            </a:r>
-            <a:r>
-              <a:rPr lang="en-US" dirty="0"/>
-              <a:t> API (provided by Selenium) is based on promises</a:t>
-            </a:r>
-          </a:p>
-          <a:p>
-            <a:r>
-              <a:rPr lang="en-US" dirty="0"/>
-              <a:t>Protractor manages these promises into </a:t>
-            </a:r>
-            <a:r>
-              <a:rPr lang="en-US" dirty="0" smtClean="0"/>
-              <a:t>a sequence and </a:t>
-            </a:r>
-            <a:r>
-              <a:rPr lang="en-US" dirty="0"/>
-              <a:t>then adapts that to </a:t>
-            </a:r>
-            <a:r>
-              <a:rPr lang="en-US" dirty="0" smtClean="0"/>
-              <a:t>Jasmin’s implementation</a:t>
-            </a:r>
-            <a:endParaRPr lang="en-US" dirty="0"/>
-          </a:p>
-          <a:p>
-            <a:r>
-              <a:rPr lang="en-US" dirty="0" smtClean="0"/>
-              <a:t>This means that each promise is resolved in the order that it has been issued, ensuring that we’re not trying to resolve or take action on values before they are available.</a:t>
-            </a:r>
-            <a:endParaRPr lang="en-US" dirty="0"/>
-          </a:p>
-          <a:p>
-            <a:endParaRPr lang="en-US" dirty="0" smtClean="0"/>
-          </a:p>
-          <a:p>
-            <a:endParaRPr lang="en-US" dirty="0" smtClean="0"/>
-          </a:p>
-          <a:p>
-            <a:endParaRPr lang="en-US" dirty="0"/>
-          </a:p>
-          <a:p>
-            <a:r>
-              <a:rPr lang="en-US" dirty="0" smtClean="0"/>
-              <a:t>Example</a:t>
-            </a:r>
+          <a:bodyPr/>
+          <a:lstStyle/>
+          <a:p>
             <a:endParaRPr lang="en-US" dirty="0"/>
           </a:p>
         </p:txBody>
@@ -34361,7 +34706,7 @@
     </p:spTree>
     <p:extLst>
       <p:ext uri="{BB962C8B-B14F-4D97-AF65-F5344CB8AC3E}">
-        <p14:creationId xmlns:p14="http://schemas.microsoft.com/office/powerpoint/2010/main" val="984148087"/>
+        <p14:creationId xmlns:p14="http://schemas.microsoft.com/office/powerpoint/2010/main" val="255150464"/>
       </p:ext>
     </p:extLst>
   </p:cSld>
@@ -34412,7 +34757,7 @@
           <a:p>
             <a:r>
               <a:rPr lang="en-US" dirty="0" smtClean="0"/>
-              <a:t>LAB</a:t>
+              <a:t>Ajax And Protractor</a:t>
             </a:r>
             <a:endParaRPr lang="en-US" dirty="0"/>
           </a:p>
@@ -34430,8 +34775,71 @@
         </p:nvSpPr>
         <p:spPr/>
         <p:txBody>
-          <a:bodyPr/>
-          <a:lstStyle/>
+          <a:bodyPr>
+            <a:normAutofit/>
+          </a:bodyPr>
+          <a:lstStyle/>
+          <a:p>
+            <a:r>
+              <a:rPr lang="en-US" dirty="0" smtClean="0"/>
+              <a:t>It is very likely that your application will require some sort of backend. </a:t>
+            </a:r>
+          </a:p>
+          <a:p>
+            <a:r>
+              <a:rPr lang="en-US" dirty="0" smtClean="0"/>
+              <a:t>It is also probable that you will want to ensure your tests operate in a controlled manner which means you will need a mechanism to mock out your backend so that your tests can operate independent of the </a:t>
+            </a:r>
+            <a:r>
+              <a:rPr lang="en-US" dirty="0" err="1" smtClean="0"/>
+              <a:t>backend’s</a:t>
+            </a:r>
+            <a:r>
+              <a:rPr lang="en-US" dirty="0" smtClean="0"/>
+              <a:t> availability </a:t>
+            </a:r>
+          </a:p>
+          <a:p>
+            <a:pPr lvl="1"/>
+            <a:r>
+              <a:rPr lang="en-US" dirty="0" smtClean="0"/>
+              <a:t>Keep in mind there may be times where you would want to pass these calls through</a:t>
+            </a:r>
+          </a:p>
+          <a:p>
+            <a:pPr lvl="1"/>
+            <a:endParaRPr lang="en-US" dirty="0"/>
+          </a:p>
+          <a:p>
+            <a:r>
+              <a:rPr lang="en-US" dirty="0" err="1" smtClean="0"/>
+              <a:t>Angular's</a:t>
+            </a:r>
+            <a:r>
+              <a:rPr lang="en-US" dirty="0" smtClean="0"/>
+              <a:t> </a:t>
+            </a:r>
+            <a:r>
+              <a:rPr lang="en-US" dirty="0"/>
+              <a:t>ngMockE2E module provides an $</a:t>
+            </a:r>
+            <a:r>
+              <a:rPr lang="en-US" dirty="0" err="1"/>
+              <a:t>httpBackend</a:t>
+            </a:r>
+            <a:r>
+              <a:rPr lang="en-US" dirty="0"/>
+              <a:t> </a:t>
+            </a:r>
+            <a:r>
+              <a:rPr lang="en-US" dirty="0" smtClean="0"/>
+              <a:t> mock implementation for </a:t>
+            </a:r>
+            <a:r>
+              <a:rPr lang="en-US" dirty="0"/>
+              <a:t>UI testing with Protractor</a:t>
+            </a:r>
+          </a:p>
           <a:p>
             <a:endParaRPr lang="en-US" dirty="0"/>
           </a:p>
@@ -34463,7 +34871,7 @@
     </p:spTree>
     <p:extLst>
       <p:ext uri="{BB962C8B-B14F-4D97-AF65-F5344CB8AC3E}">
-        <p14:creationId xmlns:p14="http://schemas.microsoft.com/office/powerpoint/2010/main" val="255150464"/>
+        <p14:creationId xmlns:p14="http://schemas.microsoft.com/office/powerpoint/2010/main" val="1781795391"/>
       </p:ext>
     </p:extLst>
   </p:cSld>
@@ -34514,7 +34922,11 @@
           <a:p>
             <a:r>
               <a:rPr lang="en-US" dirty="0" smtClean="0"/>
-              <a:t>Ajax And Protractor</a:t>
+              <a:t>Setting Up $</a:t>
+            </a:r>
+            <a:r>
+              <a:rPr lang="en-US" dirty="0" err="1" smtClean="0"/>
+              <a:t>httpBackend</a:t>
             </a:r>
             <a:endParaRPr lang="en-US" dirty="0"/>
           </a:p>
@@ -34538,63 +34950,107 @@
           <a:lstStyle/>
           <a:p>
             <a:r>
-              <a:rPr lang="en-US" dirty="0" smtClean="0"/>
-              <a:t>It is very likely that your application will require some sort of backend. </a:t>
-            </a:r>
-          </a:p>
-          <a:p>
-            <a:r>
-              <a:rPr lang="en-US" dirty="0" smtClean="0"/>
-              <a:t>It is also probable that you will want to ensure your tests operate in a controlled manner which means you will need a mechanism to mock out your backend so that your tests can operate independent of the </a:t>
-            </a:r>
-            <a:r>
-              <a:rPr lang="en-US" dirty="0" err="1" smtClean="0"/>
-              <a:t>backend’s</a:t>
-            </a:r>
-            <a:r>
-              <a:rPr lang="en-US" dirty="0" smtClean="0"/>
-              <a:t> availability </a:t>
-            </a:r>
-          </a:p>
-          <a:p>
-            <a:pPr lvl="1"/>
-            <a:r>
-              <a:rPr lang="en-US" dirty="0" smtClean="0"/>
-              <a:t>Keep in mind there may be times where you would want to pass these calls through</a:t>
-            </a:r>
-          </a:p>
-          <a:p>
-            <a:pPr lvl="1"/>
-            <a:endParaRPr lang="en-US" dirty="0"/>
-          </a:p>
-          <a:p>
-            <a:r>
-              <a:rPr lang="en-US" dirty="0" err="1" smtClean="0"/>
-              <a:t>Angular's</a:t>
-            </a:r>
-            <a:r>
-              <a:rPr lang="en-US" dirty="0" smtClean="0"/>
-              <a:t> </a:t>
-            </a:r>
-            <a:r>
-              <a:rPr lang="en-US" dirty="0"/>
-              <a:t>ngMockE2E module provides an $</a:t>
+              <a:rPr lang="en-US" dirty="0"/>
+              <a:t>Unlike unit </a:t>
+            </a:r>
+            <a:r>
+              <a:rPr lang="en-US" dirty="0" smtClean="0"/>
+              <a:t>tests </a:t>
+            </a:r>
+            <a:r>
+              <a:rPr lang="en-US" dirty="0"/>
+              <a:t>where </a:t>
+            </a:r>
+            <a:r>
+              <a:rPr lang="en-US" b="1" dirty="0"/>
+              <a:t>$</a:t>
+            </a:r>
+            <a:r>
+              <a:rPr lang="en-US" b="1" dirty="0" err="1"/>
+              <a:t>httpBackend</a:t>
+            </a:r>
+            <a:r>
+              <a:rPr lang="en-US" dirty="0"/>
+              <a:t> could be </a:t>
+            </a:r>
+            <a:r>
+              <a:rPr lang="en-US" dirty="0" smtClean="0"/>
+              <a:t>injected as </a:t>
+            </a:r>
+            <a:r>
+              <a:rPr lang="en-US" dirty="0"/>
+              <a:t>part of the unit </a:t>
+            </a:r>
+            <a:r>
+              <a:rPr lang="en-US" dirty="0" smtClean="0"/>
+              <a:t>test leveraging, ngMockE2E's backend is way more involved</a:t>
+            </a:r>
+            <a:endParaRPr lang="en-US" dirty="0"/>
+          </a:p>
+          <a:p>
+            <a:r>
+              <a:rPr lang="en-US" dirty="0"/>
+              <a:t>You will need to build a </a:t>
+            </a:r>
+            <a:r>
+              <a:rPr lang="en-US" dirty="0" smtClean="0"/>
+              <a:t>separate module </a:t>
+            </a:r>
+            <a:r>
+              <a:rPr lang="en-US" dirty="0"/>
+              <a:t>that </a:t>
+            </a:r>
+            <a:r>
+              <a:rPr lang="en-US" dirty="0" smtClean="0"/>
+              <a:t>has the </a:t>
+            </a:r>
+            <a:r>
+              <a:rPr lang="en-US" dirty="0"/>
+              <a:t>various URLs and their responses</a:t>
+            </a:r>
+          </a:p>
+          <a:p>
+            <a:r>
+              <a:rPr lang="en-US" dirty="0"/>
+              <a:t>This module </a:t>
+            </a:r>
+            <a:r>
+              <a:rPr lang="en-US" dirty="0" smtClean="0"/>
+              <a:t>needs to depend </a:t>
+            </a:r>
+            <a:r>
+              <a:rPr lang="en-US" dirty="0"/>
+              <a:t>on your </a:t>
+            </a:r>
+            <a:r>
+              <a:rPr lang="en-US" dirty="0" smtClean="0"/>
+              <a:t>applications module </a:t>
+            </a:r>
+            <a:r>
+              <a:rPr lang="en-US" dirty="0"/>
+              <a:t>as well as </a:t>
+            </a:r>
+            <a:r>
+              <a:rPr lang="en-US" b="1" dirty="0"/>
+              <a:t>ngMockE2E</a:t>
+            </a:r>
+          </a:p>
+          <a:p>
+            <a:r>
+              <a:rPr lang="en-US" dirty="0" smtClean="0"/>
+              <a:t>In the event you want to pass through to the backend, you can </a:t>
+            </a:r>
+            <a:r>
+              <a:rPr lang="en-US" dirty="0"/>
+              <a:t>invoke when(...).</a:t>
             </a:r>
             <a:r>
               <a:rPr lang="en-US" dirty="0" err="1"/>
-              <a:t>httpBackend</a:t>
-            </a:r>
-            <a:r>
-              <a:rPr lang="en-US" dirty="0"/>
-              <a:t> </a:t>
-            </a:r>
-            <a:r>
-              <a:rPr lang="en-US" dirty="0" smtClean="0"/>
-              <a:t> mock implementation for </a:t>
-            </a:r>
-            <a:r>
-              <a:rPr lang="en-US" dirty="0"/>
-              <a:t>UI testing with Protractor</a:t>
+              <a:t>passThrough</a:t>
+            </a:r>
+            <a:r>
+              <a:rPr lang="en-US" dirty="0"/>
+              <a:t>()</a:t>
             </a:r>
           </a:p>
           <a:p>
@@ -34628,7 +35084,7 @@
     </p:spTree>
     <p:extLst>
       <p:ext uri="{BB962C8B-B14F-4D97-AF65-F5344CB8AC3E}">
-        <p14:creationId xmlns:p14="http://schemas.microsoft.com/office/powerpoint/2010/main" val="1781795391"/>
+        <p14:creationId xmlns:p14="http://schemas.microsoft.com/office/powerpoint/2010/main" val="1632858400"/>
       </p:ext>
     </p:extLst>
   </p:cSld>
@@ -34679,136 +35135,198 @@
           <a:p>
             <a:r>
               <a:rPr lang="en-US" dirty="0" smtClean="0"/>
-              <a:t>Setting Up $</a:t>
+              <a:t>ngMockE2E </a:t>
             </a:r>
             <a:r>
               <a:rPr lang="en-US" dirty="0" err="1" smtClean="0"/>
+              <a:t>api</a:t>
+            </a:r>
+            <a:endParaRPr lang="en-US" dirty="0"/>
+          </a:p>
+        </p:txBody>
+      </p:sp>
+      <p:sp>
+        <p:nvSpPr>
+          <p:cNvPr id="3" name="Content Placeholder 2"/>
+          <p:cNvSpPr>
+            <a:spLocks noGrp="1"/>
+          </p:cNvSpPr>
+          <p:nvPr>
+            <p:ph idx="1"/>
+          </p:nvPr>
+        </p:nvSpPr>
+        <p:spPr/>
+        <p:txBody>
+          <a:bodyPr/>
+          <a:lstStyle/>
+          <a:p>
+            <a:r>
+              <a:rPr lang="en-US" dirty="0"/>
+              <a:t>Call everything off of </a:t>
+            </a:r>
+            <a:r>
+              <a:rPr lang="en-US" sz="2400" b="1" dirty="0"/>
+              <a:t>$</a:t>
+            </a:r>
+            <a:r>
+              <a:rPr lang="en-US" sz="2400" b="1" dirty="0" err="1" smtClean="0"/>
               <a:t>httpBackend</a:t>
             </a:r>
-            <a:endParaRPr lang="en-US" dirty="0"/>
-          </a:p>
-        </p:txBody>
-      </p:sp>
-      <p:sp>
-        <p:nvSpPr>
-          <p:cNvPr id="3" name="Content Placeholder 2"/>
-          <p:cNvSpPr>
-            <a:spLocks noGrp="1"/>
-          </p:cNvSpPr>
-          <p:nvPr>
-            <p:ph idx="1"/>
-          </p:nvPr>
-        </p:nvSpPr>
-        <p:spPr/>
-        <p:txBody>
-          <a:bodyPr>
-            <a:normAutofit/>
-          </a:bodyPr>
-          <a:lstStyle/>
-          <a:p>
-            <a:r>
-              <a:rPr lang="en-US" dirty="0"/>
-              <a:t>Unlike unit </a:t>
-            </a:r>
-            <a:r>
-              <a:rPr lang="en-US" dirty="0" smtClean="0"/>
-              <a:t>tests </a:t>
-            </a:r>
-            <a:r>
-              <a:rPr lang="en-US" dirty="0"/>
-              <a:t>where </a:t>
-            </a:r>
-            <a:r>
-              <a:rPr lang="en-US" b="1" dirty="0"/>
-              <a:t>$</a:t>
-            </a:r>
-            <a:r>
-              <a:rPr lang="en-US" b="1" dirty="0" err="1"/>
-              <a:t>httpBackend</a:t>
-            </a:r>
-            <a:r>
-              <a:rPr lang="en-US" dirty="0"/>
-              <a:t> could be </a:t>
-            </a:r>
-            <a:r>
-              <a:rPr lang="en-US" dirty="0" smtClean="0"/>
-              <a:t>injected as </a:t>
-            </a:r>
-            <a:r>
-              <a:rPr lang="en-US" dirty="0"/>
-              <a:t>part of the unit </a:t>
-            </a:r>
-            <a:r>
-              <a:rPr lang="en-US" dirty="0" smtClean="0"/>
-              <a:t>test leveraging, ngMockE2E's backend is way more involved</a:t>
-            </a:r>
-            <a:endParaRPr lang="en-US" dirty="0"/>
-          </a:p>
-          <a:p>
-            <a:r>
-              <a:rPr lang="en-US" dirty="0"/>
-              <a:t>You will need to build a </a:t>
-            </a:r>
-            <a:r>
-              <a:rPr lang="en-US" dirty="0" smtClean="0"/>
-              <a:t>separate module </a:t>
-            </a:r>
-            <a:r>
-              <a:rPr lang="en-US" dirty="0"/>
-              <a:t>that </a:t>
-            </a:r>
-            <a:r>
-              <a:rPr lang="en-US" dirty="0" smtClean="0"/>
-              <a:t>has the </a:t>
-            </a:r>
-            <a:r>
-              <a:rPr lang="en-US" dirty="0"/>
-              <a:t>various URLs and their responses</a:t>
-            </a:r>
-          </a:p>
-          <a:p>
-            <a:r>
-              <a:rPr lang="en-US" dirty="0"/>
-              <a:t>This module </a:t>
-            </a:r>
-            <a:r>
-              <a:rPr lang="en-US" dirty="0" smtClean="0"/>
-              <a:t>needs to depend </a:t>
-            </a:r>
-            <a:r>
-              <a:rPr lang="en-US" dirty="0"/>
-              <a:t>on your </a:t>
-            </a:r>
-            <a:r>
-              <a:rPr lang="en-US" dirty="0" smtClean="0"/>
-              <a:t>applications module </a:t>
-            </a:r>
-            <a:r>
-              <a:rPr lang="en-US" dirty="0"/>
-              <a:t>as well as </a:t>
-            </a:r>
-            <a:r>
-              <a:rPr lang="en-US" b="1" dirty="0"/>
-              <a:t>ngMockE2E</a:t>
-            </a:r>
-          </a:p>
-          <a:p>
-            <a:r>
-              <a:rPr lang="en-US" dirty="0" smtClean="0"/>
-              <a:t>In the event you want to pass through to the backend, you can </a:t>
-            </a:r>
-            <a:r>
-              <a:rPr lang="en-US" dirty="0"/>
-              <a:t>invoke when(...).</a:t>
+            <a:endParaRPr lang="en-US" b="1" dirty="0" smtClean="0"/>
+          </a:p>
+          <a:p>
+            <a:r>
+              <a:rPr lang="en-US" sz="2400" b="1" dirty="0" smtClean="0"/>
+              <a:t>when(method</a:t>
+            </a:r>
+            <a:r>
+              <a:rPr lang="en-US" sz="2400" b="1" dirty="0"/>
+              <a:t>, </a:t>
+            </a:r>
+            <a:r>
+              <a:rPr lang="en-US" sz="2400" b="1" dirty="0" err="1"/>
+              <a:t>url</a:t>
+            </a:r>
+            <a:r>
+              <a:rPr lang="en-US" sz="2400" b="1" dirty="0"/>
+              <a:t>/</a:t>
+            </a:r>
+            <a:r>
+              <a:rPr lang="en-US" sz="2400" b="1" dirty="0" err="1"/>
+              <a:t>RegExp</a:t>
+            </a:r>
+            <a:r>
+              <a:rPr lang="en-US" sz="2400" b="1" dirty="0"/>
+              <a:t>, [data, headers</a:t>
+            </a:r>
+            <a:r>
+              <a:rPr lang="en-US" sz="2400" b="1" dirty="0" smtClean="0"/>
+              <a:t>])</a:t>
+            </a:r>
+            <a:endParaRPr lang="en-US" dirty="0" smtClean="0"/>
+          </a:p>
+          <a:p>
+            <a:pPr lvl="1"/>
+            <a:r>
+              <a:rPr lang="en-US" dirty="0" smtClean="0"/>
+              <a:t>Respond </a:t>
+            </a:r>
+            <a:r>
+              <a:rPr lang="en-US" dirty="0"/>
+              <a:t>to a specific URL or a matched pattern</a:t>
+            </a:r>
+          </a:p>
+          <a:p>
+            <a:r>
+              <a:rPr lang="en-US" sz="2400" b="1" dirty="0" err="1"/>
+              <a:t>whenGET</a:t>
+            </a:r>
+            <a:r>
+              <a:rPr lang="en-US" dirty="0"/>
+              <a:t>, </a:t>
+            </a:r>
+            <a:r>
+              <a:rPr lang="en-US" sz="2400" b="1" dirty="0" err="1"/>
+              <a:t>whenPOST</a:t>
+            </a:r>
+            <a:r>
+              <a:rPr lang="en-US" dirty="0"/>
+              <a:t>, </a:t>
+            </a:r>
+            <a:r>
+              <a:rPr lang="en-US" sz="2400" b="1" dirty="0" err="1"/>
+              <a:t>whenPUT</a:t>
+            </a:r>
+            <a:r>
+              <a:rPr lang="en-US" dirty="0"/>
+              <a:t>, </a:t>
+            </a:r>
+            <a:r>
+              <a:rPr lang="en-US" sz="2400" b="1" dirty="0" err="1" smtClean="0"/>
+              <a:t>whenDELETE</a:t>
+            </a:r>
+            <a:r>
+              <a:rPr lang="en-US" dirty="0" smtClean="0"/>
+              <a:t>.</a:t>
+            </a:r>
+            <a:endParaRPr lang="en-US" dirty="0"/>
+          </a:p>
+          <a:p>
+            <a:pPr lvl="1"/>
+            <a:r>
+              <a:rPr lang="en-US" dirty="0"/>
+              <a:t>All take two arguments: a </a:t>
+            </a:r>
+            <a:r>
+              <a:rPr lang="en-US" sz="2400" b="1" dirty="0" err="1"/>
+              <a:t>url</a:t>
+            </a:r>
+            <a:r>
+              <a:rPr lang="en-US" sz="2400" dirty="0"/>
+              <a:t> </a:t>
+            </a:r>
+            <a:r>
+              <a:rPr lang="en-US" dirty="0"/>
+              <a:t>(a String or a </a:t>
             </a:r>
             <a:r>
               <a:rPr lang="en-US" dirty="0" err="1"/>
+              <a:t>RegExp</a:t>
+            </a:r>
+            <a:r>
+              <a:rPr lang="en-US" dirty="0"/>
+              <a:t>) and a </a:t>
+            </a:r>
+            <a:r>
+              <a:rPr lang="en-US" sz="2400" b="1" dirty="0"/>
+              <a:t>headers</a:t>
+            </a:r>
+            <a:r>
+              <a:rPr lang="en-US" sz="2400" dirty="0"/>
+              <a:t> </a:t>
+            </a:r>
+            <a:r>
+              <a:rPr lang="en-US" dirty="0"/>
+              <a:t>object</a:t>
+            </a:r>
+          </a:p>
+          <a:p>
+            <a:r>
+              <a:rPr lang="en-US" sz="2400" b="1" dirty="0"/>
+              <a:t>when().respond(function([status], data, [headers, </a:t>
+            </a:r>
+            <a:r>
+              <a:rPr lang="en-US" sz="2400" b="1" dirty="0" err="1"/>
+              <a:t>statusText</a:t>
+            </a:r>
+            <a:r>
+              <a:rPr lang="en-US" sz="2400" b="1" dirty="0"/>
+              <a:t>])</a:t>
+            </a:r>
+            <a:endParaRPr lang="en-US" b="1" dirty="0"/>
+          </a:p>
+          <a:p>
+            <a:r>
+              <a:rPr lang="en-US" sz="2400" b="1" dirty="0"/>
+              <a:t>when().</a:t>
+            </a:r>
+            <a:r>
+              <a:rPr lang="en-US" sz="2400" b="1" dirty="0" err="1"/>
               <a:t>passThrough</a:t>
             </a:r>
             <a:r>
-              <a:rPr lang="en-US" dirty="0"/>
-              <a:t>()</a:t>
-            </a:r>
+              <a:rPr lang="en-US" sz="2400" b="1" dirty="0"/>
+              <a:t>(</a:t>
+            </a:r>
+            <a:r>
+              <a:rPr lang="en-US" sz="2400" b="1" dirty="0" err="1"/>
+              <a:t>fn</a:t>
+            </a:r>
+            <a:r>
+              <a:rPr lang="en-US" sz="2400" b="1" dirty="0"/>
+              <a:t>)</a:t>
+            </a:r>
+            <a:endParaRPr lang="en-US" b="1" dirty="0"/>
           </a:p>
           <a:p>
             <a:endParaRPr lang="en-US" dirty="0"/>
@@ -34841,7 +35359,7 @@
     </p:spTree>
     <p:extLst>
       <p:ext uri="{BB962C8B-B14F-4D97-AF65-F5344CB8AC3E}">
-        <p14:creationId xmlns:p14="http://schemas.microsoft.com/office/powerpoint/2010/main" val="1632858400"/>
+        <p14:creationId xmlns:p14="http://schemas.microsoft.com/office/powerpoint/2010/main" val="491177932"/>
       </p:ext>
     </p:extLst>
   </p:cSld>
@@ -35126,11 +35644,7 @@
           <a:p>
             <a:r>
               <a:rPr lang="en-US" dirty="0" smtClean="0"/>
-              <a:t>ngMockE2E </a:t>
-            </a:r>
-            <a:r>
-              <a:rPr lang="en-US" dirty="0" err="1" smtClean="0"/>
-              <a:t>api</a:t>
+              <a:t>LAB</a:t>
             </a:r>
             <a:endParaRPr lang="en-US" dirty="0"/>
           </a:p>
@@ -35151,176 +35665,7 @@
           <a:bodyPr/>
           <a:lstStyle/>
           <a:p>
-            <a:r>
-              <a:rPr lang="en-US" dirty="0"/>
-              <a:t>Call everything off of </a:t>
-            </a:r>
-            <a:r>
-              <a:rPr lang="en-US" sz="2400" b="1" dirty="0"/>
-              <a:t>$</a:t>
-            </a:r>
-            <a:r>
-              <a:rPr lang="en-US" sz="2400" b="1" dirty="0" err="1" smtClean="0"/>
-              <a:t>httpBackend</a:t>
-            </a:r>
-            <a:endParaRPr lang="en-US" b="1" dirty="0" smtClean="0"/>
-          </a:p>
-          <a:p>
-            <a:r>
-              <a:rPr lang="en-US" sz="2400" b="1" dirty="0" smtClean="0"/>
-              <a:t>when(method</a:t>
-            </a:r>
-            <a:r>
-              <a:rPr lang="en-US" sz="2400" b="1" dirty="0"/>
-              <a:t>, </a:t>
-            </a:r>
-            <a:r>
-              <a:rPr lang="en-US" sz="2400" b="1" dirty="0" err="1"/>
-              <a:t>url</a:t>
-            </a:r>
-            <a:r>
-              <a:rPr lang="en-US" sz="2400" b="1" dirty="0"/>
-              <a:t>/</a:t>
-            </a:r>
-            <a:r>
-              <a:rPr lang="en-US" sz="2400" b="1" dirty="0" err="1"/>
-              <a:t>RegExp</a:t>
-            </a:r>
-            <a:r>
-              <a:rPr lang="en-US" sz="2400" b="1" dirty="0"/>
-              <a:t>, [data, headers</a:t>
-            </a:r>
-            <a:r>
-              <a:rPr lang="en-US" sz="2400" b="1" dirty="0" smtClean="0"/>
-              <a:t>])</a:t>
-            </a:r>
-            <a:endParaRPr lang="en-US" dirty="0" smtClean="0"/>
-          </a:p>
-          <a:p>
-            <a:pPr lvl="1"/>
-            <a:r>
-              <a:rPr lang="en-US" dirty="0" smtClean="0"/>
-              <a:t>Respond </a:t>
-            </a:r>
-            <a:r>
-              <a:rPr lang="en-US" dirty="0"/>
-              <a:t>to a specific URL or a matched pattern</a:t>
-            </a:r>
-          </a:p>
-          <a:p>
-            <a:r>
-              <a:rPr lang="en-US" sz="2400" b="1" dirty="0" err="1"/>
-              <a:t>whenGET</a:t>
-            </a:r>
-            <a:r>
-              <a:rPr lang="en-US" dirty="0"/>
-              <a:t>, </a:t>
-            </a:r>
-            <a:r>
-              <a:rPr lang="en-US" sz="2400" b="1" dirty="0" err="1"/>
-              <a:t>whenPOST</a:t>
-            </a:r>
-            <a:r>
-              <a:rPr lang="en-US" dirty="0"/>
-              <a:t>, </a:t>
-            </a:r>
-            <a:r>
-              <a:rPr lang="en-US" sz="2400" b="1" dirty="0" err="1"/>
-              <a:t>whenPUT</a:t>
-            </a:r>
-            <a:r>
-              <a:rPr lang="en-US" dirty="0"/>
-              <a:t>, </a:t>
-            </a:r>
-            <a:r>
-              <a:rPr lang="en-US" sz="2400" b="1" dirty="0" err="1" smtClean="0"/>
-              <a:t>whenDELETE</a:t>
-            </a:r>
-            <a:r>
-              <a:rPr lang="en-US" dirty="0" smtClean="0"/>
-              <a:t>.</a:t>
-            </a:r>
-            <a:endParaRPr lang="en-US" dirty="0"/>
-          </a:p>
-          <a:p>
-            <a:pPr lvl="1"/>
-            <a:r>
-              <a:rPr lang="en-US" dirty="0"/>
-              <a:t>All take two arguments: a </a:t>
-            </a:r>
-            <a:r>
-              <a:rPr lang="en-US" sz="2400" b="1" dirty="0" err="1"/>
-              <a:t>url</a:t>
-            </a:r>
-            <a:r>
-              <a:rPr lang="en-US" sz="2400" dirty="0"/>
-              <a:t> </a:t>
-            </a:r>
-            <a:r>
-              <a:rPr lang="en-US" dirty="0"/>
-              <a:t>(a String or a </a:t>
-            </a:r>
-            <a:r>
-              <a:rPr lang="en-US" dirty="0" err="1"/>
-              <a:t>RegExp</a:t>
-            </a:r>
-            <a:r>
-              <a:rPr lang="en-US" dirty="0"/>
-              <a:t>) and a </a:t>
-            </a:r>
-            <a:r>
-              <a:rPr lang="en-US" sz="2400" b="1" dirty="0"/>
-              <a:t>headers</a:t>
-            </a:r>
-            <a:r>
-              <a:rPr lang="en-US" sz="2400" dirty="0"/>
-              <a:t> </a:t>
-            </a:r>
-            <a:r>
-              <a:rPr lang="en-US" dirty="0"/>
-              <a:t>object</a:t>
-            </a:r>
-          </a:p>
-          <a:p>
-            <a:r>
-              <a:rPr lang="en-US" sz="2400" b="1" dirty="0"/>
-              <a:t>when().respond(function([status], data, [headers, </a:t>
-            </a:r>
-            <a:r>
-              <a:rPr lang="en-US" sz="2400" b="1" dirty="0" err="1"/>
-              <a:t>statusText</a:t>
-            </a:r>
-            <a:r>
-              <a:rPr lang="en-US" sz="2400" b="1" dirty="0"/>
-              <a:t>])</a:t>
-            </a:r>
-            <a:endParaRPr lang="en-US" b="1" dirty="0"/>
-          </a:p>
-          <a:p>
-            <a:r>
-              <a:rPr lang="en-US" sz="2400" b="1" dirty="0"/>
-              <a:t>when().</a:t>
-            </a:r>
-            <a:r>
-              <a:rPr lang="en-US" sz="2400" b="1" dirty="0" err="1"/>
-              <a:t>passThrough</a:t>
-            </a:r>
-            <a:r>
-              <a:rPr lang="en-US" sz="2400" b="1" dirty="0"/>
-              <a:t>(</a:t>
-            </a:r>
-            <a:r>
-              <a:rPr lang="en-US" sz="2400" b="1" dirty="0" err="1"/>
-              <a:t>fn</a:t>
-            </a:r>
-            <a:r>
-              <a:rPr lang="en-US" sz="2400" b="1" dirty="0"/>
-              <a:t>)</a:t>
-            </a:r>
-            <a:endParaRPr lang="en-US" b="1" dirty="0"/>
-          </a:p>
-          <a:p>
-            <a:endParaRPr lang="en-US" dirty="0"/>
+            <a:endParaRPr lang="en-US"/>
           </a:p>
         </p:txBody>
       </p:sp>
@@ -35342,108 +35687,6 @@
             <a:fld id="{B4835A8B-4C3B-9C46-9281-F5EB1FED4738}" type="slidenum">
               <a:rPr lang="en-US" smtClean="0"/>
               <a:t>240</a:t>
-            </a:fld>
-            <a:endParaRPr lang="en-US"/>
-          </a:p>
-        </p:txBody>
-      </p:sp>
-    </p:spTree>
-    <p:extLst>
-      <p:ext uri="{BB962C8B-B14F-4D97-AF65-F5344CB8AC3E}">
-        <p14:creationId xmlns:p14="http://schemas.microsoft.com/office/powerpoint/2010/main" val="491177932"/>
-      </p:ext>
-    </p:extLst>
-  </p:cSld>
-  <p:clrMapOvr>
-    <a:masterClrMapping/>
-  </p:clrMapOvr>
-  <p:timing>
-    <p:tnLst>
-      <p:par>
-        <p:cTn id="1" dur="indefinite" restart="never" nodeType="tmRoot"/>
-      </p:par>
-    </p:tnLst>
-  </p:timing>
-</p:sld>
-</file>
-
-<file path=ppt/slides/slide241.xml><?xml version="1.0" encoding="utf-8"?>
-<p:sld xmlns:a="http://schemas.openxmlformats.org/drawingml/2006/main" xmlns:r="http://schemas.openxmlformats.org/officeDocument/2006/relationships" xmlns:p="http://schemas.openxmlformats.org/presentationml/2006/main">
-  <p:cSld>
-    <p:spTree>
-      <p:nvGrpSpPr>
-        <p:cNvPr id="1" name=""/>
-        <p:cNvGrpSpPr/>
-        <p:nvPr/>
-      </p:nvGrpSpPr>
-      <p:grpSpPr>
-        <a:xfrm>
-          <a:off x="0" y="0"/>
-          <a:ext cx="0" cy="0"/>
-          <a:chOff x="0" y="0"/>
-          <a:chExt cx="0" cy="0"/>
-        </a:xfrm>
-      </p:grpSpPr>
-      <p:sp>
-        <p:nvSpPr>
-          <p:cNvPr id="2" name="Title 1"/>
-          <p:cNvSpPr>
-            <a:spLocks noGrp="1"/>
-          </p:cNvSpPr>
-          <p:nvPr>
-            <p:ph type="title"/>
-          </p:nvPr>
-        </p:nvSpPr>
-        <p:spPr/>
-        <p:txBody>
-          <a:bodyPr/>
-          <a:lstStyle/>
-          <a:p>
-            <a:r>
-              <a:rPr lang="en-US" dirty="0" smtClean="0"/>
-              <a:t>LAB</a:t>
-            </a:r>
-            <a:endParaRPr lang="en-US" dirty="0"/>
-          </a:p>
-        </p:txBody>
-      </p:sp>
-      <p:sp>
-        <p:nvSpPr>
-          <p:cNvPr id="3" name="Content Placeholder 2"/>
-          <p:cNvSpPr>
-            <a:spLocks noGrp="1"/>
-          </p:cNvSpPr>
-          <p:nvPr>
-            <p:ph idx="1"/>
-          </p:nvPr>
-        </p:nvSpPr>
-        <p:spPr/>
-        <p:txBody>
-          <a:bodyPr/>
-          <a:lstStyle/>
-          <a:p>
-            <a:endParaRPr lang="en-US"/>
-          </a:p>
-        </p:txBody>
-      </p:sp>
-      <p:sp>
-        <p:nvSpPr>
-          <p:cNvPr id="4" name="Slide Number Placeholder 3"/>
-          <p:cNvSpPr>
-            <a:spLocks noGrp="1"/>
-          </p:cNvSpPr>
-          <p:nvPr>
-            <p:ph type="sldNum" sz="quarter" idx="12"/>
-          </p:nvPr>
-        </p:nvSpPr>
-        <p:spPr/>
-        <p:txBody>
-          <a:bodyPr/>
-          <a:lstStyle/>
-          <a:p>
-            <a:fld id="{B4835A8B-4C3B-9C46-9281-F5EB1FED4738}" type="slidenum">
-              <a:rPr lang="en-US" smtClean="0"/>
-              <a:t>241</a:t>
             </a:fld>
             <a:endParaRPr lang="en-US"/>
           </a:p>

--- a/materials/AngularJS.pptx
+++ b/materials/AngularJS.pptx
@@ -27882,14 +27882,10 @@
             </a:r>
             <a:r>
               <a:rPr lang="en-US" dirty="0" smtClean="0"/>
-              <a:t>” both of which will be referenced as literals because they are </a:t>
-            </a:r>
-            <a:r>
-              <a:rPr lang="en-US" smtClean="0"/>
-              <a:t>prefixed with a </a:t>
-            </a:r>
-            <a:r>
-              <a:rPr lang="en-US"/>
+              <a:t>” both of which will be referenced as literals because they are prefixed with a </a:t>
+            </a:r>
+            <a:r>
+              <a:rPr lang="en-US" dirty="0"/>
               <a:t>”@”</a:t>
             </a:r>
             <a:endParaRPr lang="en-US" b="1" dirty="0" smtClean="0">
@@ -28031,7 +28027,9 @@
         </p:nvSpPr>
         <p:spPr/>
         <p:txBody>
-          <a:bodyPr/>
+          <a:bodyPr>
+            <a:normAutofit fontScale="92500" lnSpcReduction="10000"/>
+          </a:bodyPr>
           <a:lstStyle/>
           <a:p>
             <a:r>
@@ -28142,8 +28140,30 @@
             </a:r>
             <a:r>
               <a:rPr lang="en-US" dirty="0"/>
-              <a:t> allows us to free up resources associated with either</a:t>
-            </a:r>
+              <a:t> allows us to free up resources associated with </a:t>
+            </a:r>
+            <a:r>
+              <a:rPr lang="en-US" dirty="0" smtClean="0"/>
+              <a:t>either</a:t>
+            </a:r>
+          </a:p>
+          <a:p>
+            <a:r>
+              <a:rPr lang="en-US" dirty="0">
+                <a:hlinkClick r:id="rId2"/>
+              </a:rPr>
+              <a:t>http://localhost:9080/Directives/Samples/Variables</a:t>
+            </a:r>
+            <a:r>
+              <a:rPr lang="en-US" dirty="0" smtClean="0">
+                <a:hlinkClick r:id="rId2"/>
+              </a:rPr>
+              <a:t>/</a:t>
+            </a:r>
+            <a:endParaRPr lang="en-US" dirty="0" smtClean="0"/>
+          </a:p>
+          <a:p>
+            <a:endParaRPr lang="en-US" dirty="0"/>
           </a:p>
           <a:p>
             <a:endParaRPr lang="en-US" dirty="0"/>
@@ -28248,7 +28268,68 @@
           <a:bodyPr/>
           <a:lstStyle/>
           <a:p>
-            <a:endParaRPr lang="en-US"/>
+            <a:r>
+              <a:rPr lang="en-US" dirty="0">
+                <a:hlinkClick r:id="rId2"/>
+              </a:rPr>
+              <a:t>http://localhost:9080/Directives/Exercises/Variables</a:t>
+            </a:r>
+            <a:r>
+              <a:rPr lang="en-US" dirty="0" smtClean="0">
+                <a:hlinkClick r:id="rId2"/>
+              </a:rPr>
+              <a:t>/</a:t>
+            </a:r>
+            <a:endParaRPr lang="en-US" dirty="0" smtClean="0"/>
+          </a:p>
+          <a:p>
+            <a:r>
+              <a:rPr lang="en-US" dirty="0"/>
+              <a:t>Source: /</a:t>
+            </a:r>
+            <a:r>
+              <a:rPr lang="en-US" dirty="0" err="1" smtClean="0"/>
+              <a:t>AngularClass</a:t>
+            </a:r>
+            <a:r>
+              <a:rPr lang="en-US" dirty="0" smtClean="0"/>
+              <a:t>/Directives/Exercises/Variables</a:t>
+            </a:r>
+            <a:endParaRPr lang="en-US" dirty="0"/>
+          </a:p>
+          <a:p>
+            <a:endParaRPr lang="en-US" dirty="0"/>
+          </a:p>
+          <a:p>
+            <a:r>
+              <a:rPr lang="en-US" dirty="0"/>
+              <a:t>In this Lab, you should do the following:</a:t>
+            </a:r>
+          </a:p>
+          <a:p>
+            <a:pPr lvl="1"/>
+            <a:r>
+              <a:rPr lang="en-US" dirty="0" smtClean="0"/>
+              <a:t>Create a timer directive that can be started, stopped, and reset</a:t>
+            </a:r>
+          </a:p>
+          <a:p>
+            <a:pPr lvl="2"/>
+            <a:r>
+              <a:rPr lang="en-US" dirty="0" smtClean="0"/>
+              <a:t>This lab relies on the use of $interval; it works similar to JavaScript's interval object</a:t>
+            </a:r>
+          </a:p>
+          <a:p>
+            <a:pPr lvl="1"/>
+            <a:r>
+              <a:rPr lang="en-US" dirty="0" smtClean="0"/>
+              <a:t>Will need to add it to the view so that it can look to increment the ticks variable on the controller</a:t>
+            </a:r>
+            <a:endParaRPr lang="en-US" dirty="0"/>
+          </a:p>
+          <a:p>
+            <a:endParaRPr lang="en-US" dirty="0"/>
           </a:p>
         </p:txBody>
       </p:sp>
@@ -28597,8 +28678,39 @@
             </a:r>
             <a:r>
               <a:rPr lang="en-US" dirty="0"/>
-              <a:t> code can resolve against the isolate scope of your custom directive</a:t>
-            </a:r>
+              <a:t> code can resolve against the isolate scope of your custom </a:t>
+            </a:r>
+            <a:r>
+              <a:rPr lang="en-US" dirty="0" smtClean="0"/>
+              <a:t>directive</a:t>
+            </a:r>
+          </a:p>
+          <a:p>
+            <a:endParaRPr lang="en-US" dirty="0"/>
+          </a:p>
+          <a:p>
+            <a:endParaRPr lang="en-US" dirty="0" smtClean="0"/>
+          </a:p>
+          <a:p>
+            <a:r>
+              <a:rPr lang="en-US" dirty="0">
+                <a:hlinkClick r:id="rId2"/>
+              </a:rPr>
+              <a:t>http://</a:t>
+            </a:r>
+            <a:r>
+              <a:rPr lang="en-US">
+                <a:hlinkClick r:id="rId2"/>
+              </a:rPr>
+              <a:t>localhost:9080/Directives/Samples/Transclusion</a:t>
+            </a:r>
+            <a:r>
+              <a:rPr lang="en-US" smtClean="0">
+                <a:hlinkClick r:id="rId2"/>
+              </a:rPr>
+              <a:t>/</a:t>
+            </a:r>
+            <a:endParaRPr lang="en-US" dirty="0"/>
           </a:p>
           <a:p>
             <a:endParaRPr lang="en-US" dirty="0"/>

--- a/materials/AngularJS.pptx
+++ b/materials/AngularJS.pptx
@@ -28696,16 +28696,10 @@
               <a:rPr lang="en-US" dirty="0">
                 <a:hlinkClick r:id="rId2"/>
               </a:rPr>
-              <a:t>http://</a:t>
-            </a:r>
-            <a:r>
-              <a:rPr lang="en-US">
-                <a:hlinkClick r:id="rId2"/>
-              </a:rPr>
-              <a:t>localhost:9080/Directives/Samples/Transclusion</a:t>
-            </a:r>
-            <a:r>
-              <a:rPr lang="en-US" smtClean="0">
+              <a:t>http://localhost:9080/Directives/Samples/Transclusion</a:t>
+            </a:r>
+            <a:r>
+              <a:rPr lang="en-US" dirty="0" smtClean="0">
                 <a:hlinkClick r:id="rId2"/>
               </a:rPr>
               <a:t>/</a:t>
@@ -28815,7 +28809,82 @@
           <a:bodyPr/>
           <a:lstStyle/>
           <a:p>
-            <a:endParaRPr lang="en-US"/>
+            <a:r>
+              <a:rPr lang="en-US" dirty="0">
+                <a:hlinkClick r:id="rId2"/>
+              </a:rPr>
+              <a:t>http://</a:t>
+            </a:r>
+            <a:r>
+              <a:rPr lang="en-US" dirty="0" smtClean="0">
+                <a:hlinkClick r:id="rId2"/>
+              </a:rPr>
+              <a:t>localhost:9080/Directives/Exercises/Transclusion</a:t>
+            </a:r>
+            <a:endParaRPr lang="en-US" dirty="0"/>
+          </a:p>
+          <a:p>
+            <a:r>
+              <a:rPr lang="en-US" dirty="0"/>
+              <a:t>Source: /</a:t>
+            </a:r>
+            <a:r>
+              <a:rPr lang="en-US" dirty="0" err="1" smtClean="0"/>
+              <a:t>AngularClass</a:t>
+            </a:r>
+            <a:r>
+              <a:rPr lang="en-US" dirty="0" smtClean="0"/>
+              <a:t>/Directives/Exercises/</a:t>
+            </a:r>
+            <a:r>
+              <a:rPr lang="en-US" dirty="0" err="1" smtClean="0"/>
+              <a:t>Transclusion</a:t>
+            </a:r>
+            <a:endParaRPr lang="en-US" dirty="0"/>
+          </a:p>
+          <a:p>
+            <a:endParaRPr lang="en-US" dirty="0"/>
+          </a:p>
+          <a:p>
+            <a:r>
+              <a:rPr lang="en-US" dirty="0"/>
+              <a:t>In this Lab, you should do the following:</a:t>
+            </a:r>
+          </a:p>
+          <a:p>
+            <a:pPr lvl="1"/>
+            <a:r>
+              <a:rPr lang="en-US" dirty="0" smtClean="0"/>
+              <a:t>Create a pane directive that takes a header and display information from the controller’s scope</a:t>
+            </a:r>
+            <a:endParaRPr lang="en-US" dirty="0"/>
+          </a:p>
+          <a:p>
+            <a:pPr lvl="1"/>
+            <a:r>
+              <a:rPr lang="en-US" dirty="0" smtClean="0"/>
+              <a:t>Setup your template (remember to set it up so that </a:t>
+            </a:r>
+            <a:r>
+              <a:rPr lang="en-US" dirty="0" err="1" smtClean="0"/>
+              <a:t>transcluded</a:t>
+            </a:r>
+            <a:r>
+              <a:rPr lang="en-US" dirty="0" smtClean="0"/>
+              <a:t> data can be injected)</a:t>
+            </a:r>
+          </a:p>
+          <a:p>
+            <a:pPr lvl="1"/>
+            <a:r>
+              <a:rPr lang="en-US" dirty="0" smtClean="0"/>
+              <a:t>Add the directive/template to your </a:t>
+            </a:r>
+            <a:r>
+              <a:rPr lang="en-US" dirty="0" err="1" smtClean="0"/>
+              <a:t>index.html</a:t>
+            </a:r>
+            <a:endParaRPr lang="en-US" dirty="0"/>
           </a:p>
         </p:txBody>
       </p:sp>
@@ -29129,9 +29198,29 @@
               </a:spcBef>
             </a:pPr>
             <a:r>
-              <a:rPr lang="en-US" dirty="0"/>
-              <a:t>EXAMPLE</a:t>
-            </a:r>
+              <a:rPr lang="en-US" dirty="0" smtClean="0"/>
+              <a:t>/</a:t>
+            </a:r>
+            <a:r>
+              <a:rPr lang="en-US" dirty="0" err="1" smtClean="0"/>
+              <a:t>AngularClass</a:t>
+            </a:r>
+            <a:r>
+              <a:rPr lang="en-US" dirty="0" smtClean="0"/>
+              <a:t>/</a:t>
+            </a:r>
+            <a:r>
+              <a:rPr lang="en-US" dirty="0"/>
+              <a:t>Directives/Samples/Testing</a:t>
+            </a:r>
+          </a:p>
+          <a:p>
+            <a:pPr>
+              <a:spcBef>
+                <a:spcPts val="1500"/>
+              </a:spcBef>
+            </a:pPr>
+            <a:endParaRPr lang="en-US" dirty="0"/>
           </a:p>
         </p:txBody>
       </p:sp>
@@ -29233,7 +29322,53 @@
           <a:bodyPr/>
           <a:lstStyle/>
           <a:p>
-            <a:endParaRPr lang="en-US"/>
+            <a:r>
+              <a:rPr lang="en-US" dirty="0" smtClean="0"/>
+              <a:t>/</a:t>
+            </a:r>
+            <a:r>
+              <a:rPr lang="en-US" dirty="0" err="1" smtClean="0"/>
+              <a:t>AngularClass</a:t>
+            </a:r>
+            <a:r>
+              <a:rPr lang="en-US" dirty="0" smtClean="0"/>
+              <a:t>/Directives/Exercises/Testing</a:t>
+            </a:r>
+          </a:p>
+          <a:p>
+            <a:endParaRPr lang="en-US" dirty="0" smtClean="0"/>
+          </a:p>
+          <a:p>
+            <a:r>
+              <a:rPr lang="en-US" dirty="0" smtClean="0"/>
+              <a:t>In </a:t>
+            </a:r>
+            <a:r>
+              <a:rPr lang="en-US" dirty="0"/>
+              <a:t>this Lab, you should do the following:</a:t>
+            </a:r>
+          </a:p>
+          <a:p>
+            <a:pPr lvl="1"/>
+            <a:r>
+              <a:rPr lang="en-US" dirty="0" smtClean="0"/>
+              <a:t>You should create a unit test around verifying the positive or negative directive</a:t>
+            </a:r>
+          </a:p>
+          <a:p>
+            <a:pPr lvl="1"/>
+            <a:r>
+              <a:rPr lang="en-US" dirty="0" smtClean="0"/>
+              <a:t>You should have 2 test cases; one for positive and one for </a:t>
+            </a:r>
+            <a:r>
+              <a:rPr lang="en-US" smtClean="0"/>
+              <a:t>negative numbers</a:t>
+            </a:r>
+            <a:endParaRPr lang="en-US" dirty="0"/>
+          </a:p>
+          <a:p>
+            <a:endParaRPr lang="en-US" dirty="0"/>
           </a:p>
         </p:txBody>
       </p:sp>

--- a/materials/AngularJS.pptx
+++ b/materials/AngularJS.pptx
@@ -29359,11 +29359,7 @@
             <a:pPr lvl="1"/>
             <a:r>
               <a:rPr lang="en-US" dirty="0" smtClean="0"/>
-              <a:t>You should have 2 test cases; one for positive and one for </a:t>
-            </a:r>
-            <a:r>
-              <a:rPr lang="en-US" smtClean="0"/>
-              <a:t>negative numbers</a:t>
+              <a:t>You should have 2 test cases; one for positive and one for negative numbers</a:t>
             </a:r>
             <a:endParaRPr lang="en-US" dirty="0"/>
           </a:p>
@@ -30669,7 +30665,72 @@
           <a:bodyPr/>
           <a:lstStyle/>
           <a:p>
-            <a:endParaRPr lang="en-US"/>
+            <a:r>
+              <a:rPr lang="en-US" dirty="0">
+                <a:hlinkClick r:id="rId2"/>
+              </a:rPr>
+              <a:t>http://localhost:9080/Directives/Exercises/Requires</a:t>
+            </a:r>
+            <a:r>
+              <a:rPr lang="en-US" dirty="0" smtClean="0">
+                <a:hlinkClick r:id="rId2"/>
+              </a:rPr>
+              <a:t>/</a:t>
+            </a:r>
+            <a:endParaRPr lang="en-US" dirty="0" smtClean="0"/>
+          </a:p>
+          <a:p>
+            <a:r>
+              <a:rPr lang="en-US" dirty="0"/>
+              <a:t>Source: /</a:t>
+            </a:r>
+            <a:r>
+              <a:rPr lang="en-US" dirty="0" err="1" smtClean="0"/>
+              <a:t>AngularClass</a:t>
+            </a:r>
+            <a:r>
+              <a:rPr lang="en-US" dirty="0" smtClean="0"/>
+              <a:t>/Directives/Exercises/Requires</a:t>
+            </a:r>
+            <a:endParaRPr lang="en-US" dirty="0"/>
+          </a:p>
+          <a:p>
+            <a:endParaRPr lang="en-US" dirty="0"/>
+          </a:p>
+          <a:p>
+            <a:r>
+              <a:rPr lang="en-US" dirty="0"/>
+              <a:t>In this Lab, you should do the following:</a:t>
+            </a:r>
+          </a:p>
+          <a:p>
+            <a:pPr lvl="1"/>
+            <a:r>
+              <a:rPr lang="en-US" dirty="0" smtClean="0"/>
+              <a:t>Modify the pane directive to work with the container directive</a:t>
+            </a:r>
+          </a:p>
+          <a:p>
+            <a:pPr lvl="1"/>
+            <a:r>
+              <a:rPr lang="en-US" dirty="0" smtClean="0"/>
+              <a:t>Create a container directive that shows a list of panes available</a:t>
+            </a:r>
+          </a:p>
+          <a:p>
+            <a:pPr lvl="1"/>
+            <a:r>
+              <a:rPr lang="en-US" dirty="0" smtClean="0"/>
+              <a:t>Modify your view so that you are using </a:t>
+            </a:r>
+            <a:r>
+              <a:rPr lang="en-US" smtClean="0"/>
+              <a:t>the newly created pane directive</a:t>
+            </a:r>
+            <a:endParaRPr lang="en-US" dirty="0"/>
+          </a:p>
+          <a:p>
+            <a:endParaRPr lang="en-US" dirty="0"/>
           </a:p>
         </p:txBody>
       </p:sp>

--- a/materials/AngularJS.pptx
+++ b/materials/AngularJS.pptx
@@ -5,10 +5,10 @@
     <p:sldMasterId id="2147483916" r:id="rId1"/>
   </p:sldMasterIdLst>
   <p:notesMasterIdLst>
-    <p:notesMasterId r:id="rId242"/>
+    <p:notesMasterId r:id="rId243"/>
   </p:notesMasterIdLst>
   <p:handoutMasterIdLst>
-    <p:handoutMasterId r:id="rId243"/>
+    <p:handoutMasterId r:id="rId244"/>
   </p:handoutMasterIdLst>
   <p:sldIdLst>
     <p:sldId id="256" r:id="rId2"/>
@@ -251,6 +251,7 @@
     <p:sldId id="476" r:id="rId239"/>
     <p:sldId id="477" r:id="rId240"/>
     <p:sldId id="478" r:id="rId241"/>
+    <p:sldId id="511" r:id="rId242"/>
   </p:sldIdLst>
   <p:sldSz cx="12192000" cy="6858000"/>
   <p:notesSz cx="6858000" cy="9144000"/>
@@ -30721,11 +30722,7 @@
             <a:pPr lvl="1"/>
             <a:r>
               <a:rPr lang="en-US" dirty="0" smtClean="0"/>
-              <a:t>Modify your view so that you are using </a:t>
-            </a:r>
-            <a:r>
-              <a:rPr lang="en-US" smtClean="0"/>
-              <a:t>the newly created pane directive</a:t>
+              <a:t>Modify your view so that you are using the newly created pane directive</a:t>
             </a:r>
             <a:endParaRPr lang="en-US" dirty="0"/>
           </a:p>
@@ -32234,14 +32231,39 @@
           <a:p>
             <a:r>
               <a:rPr lang="en-US" dirty="0"/>
-              <a:t>Override the appropriate named validator ('email' in this case)</a:t>
-            </a:r>
-          </a:p>
-          <a:p>
-            <a:r>
-              <a:rPr lang="en-US" dirty="0"/>
-              <a:t>Provide a function which returns true or false based on validity</a:t>
-            </a:r>
+              <a:t>Override the appropriate named validator </a:t>
+            </a:r>
+            <a:r>
+              <a:rPr lang="en-US" dirty="0" smtClean="0"/>
+              <a:t>(number' </a:t>
+            </a:r>
+            <a:r>
+              <a:rPr lang="en-US" dirty="0"/>
+              <a:t>in this case)</a:t>
+            </a:r>
+          </a:p>
+          <a:p>
+            <a:r>
+              <a:rPr lang="en-US" dirty="0"/>
+              <a:t>Provide a function which returns true or false based on </a:t>
+            </a:r>
+            <a:r>
+              <a:rPr lang="en-US" dirty="0" smtClean="0"/>
+              <a:t>validity</a:t>
+            </a:r>
+          </a:p>
+          <a:p>
+            <a:endParaRPr lang="en-US" dirty="0"/>
+          </a:p>
+          <a:p>
+            <a:endParaRPr lang="en-US" dirty="0" smtClean="0"/>
+          </a:p>
+          <a:p>
+            <a:r>
+              <a:rPr lang="en-US" dirty="0"/>
+              <a:t>http://localhost:9080/Directives/Samples/Validators/#/</a:t>
+            </a:r>
+            <a:endParaRPr lang="en-US" dirty="0"/>
           </a:p>
           <a:p>
             <a:endParaRPr lang="en-US" dirty="0"/>
@@ -32346,7 +32368,93 @@
           <a:bodyPr/>
           <a:lstStyle/>
           <a:p>
-            <a:endParaRPr lang="en-US"/>
+            <a:r>
+              <a:rPr lang="en-US" dirty="0">
+                <a:hlinkClick r:id="rId2"/>
+              </a:rPr>
+              <a:t>http://localhost:9080/Directives/Exercises/Validators</a:t>
+            </a:r>
+            <a:r>
+              <a:rPr lang="en-US" dirty="0" smtClean="0">
+                <a:hlinkClick r:id="rId2"/>
+              </a:rPr>
+              <a:t>/</a:t>
+            </a:r>
+            <a:endParaRPr lang="en-US" dirty="0" smtClean="0"/>
+          </a:p>
+          <a:p>
+            <a:r>
+              <a:rPr lang="en-US" dirty="0"/>
+              <a:t>Source: /</a:t>
+            </a:r>
+            <a:r>
+              <a:rPr lang="en-US" dirty="0" err="1" smtClean="0"/>
+              <a:t>AngularClass</a:t>
+            </a:r>
+            <a:r>
+              <a:rPr lang="en-US" dirty="0" smtClean="0"/>
+              <a:t>/Directives/Exercises/Validators</a:t>
+            </a:r>
+            <a:endParaRPr lang="en-US" dirty="0"/>
+          </a:p>
+          <a:p>
+            <a:endParaRPr lang="en-US" dirty="0"/>
+          </a:p>
+          <a:p>
+            <a:r>
+              <a:rPr lang="en-US" dirty="0"/>
+              <a:t>In this Lab, you should do the following:</a:t>
+            </a:r>
+          </a:p>
+          <a:p>
+            <a:pPr lvl="1"/>
+            <a:r>
+              <a:rPr lang="en-US" dirty="0" smtClean="0"/>
+              <a:t>You will create 3 directives used for validation</a:t>
+            </a:r>
+          </a:p>
+          <a:p>
+            <a:pPr lvl="2"/>
+            <a:r>
+              <a:rPr lang="en-US" dirty="0" smtClean="0"/>
+              <a:t>Override the number validator</a:t>
+            </a:r>
+          </a:p>
+          <a:p>
+            <a:pPr lvl="2"/>
+            <a:r>
+              <a:rPr lang="en-US" dirty="0" smtClean="0"/>
+              <a:t>Add a range validator</a:t>
+            </a:r>
+          </a:p>
+          <a:p>
+            <a:pPr lvl="2"/>
+            <a:r>
+              <a:rPr lang="en-US" dirty="0" smtClean="0"/>
+              <a:t>Check the product id </a:t>
+            </a:r>
+            <a:r>
+              <a:rPr lang="en-US" dirty="0" err="1" smtClean="0"/>
+              <a:t>asyncValidator</a:t>
+            </a:r>
+            <a:endParaRPr lang="en-US" dirty="0"/>
+          </a:p>
+          <a:p>
+            <a:pPr lvl="1"/>
+            <a:r>
+              <a:rPr lang="en-US" dirty="0" smtClean="0"/>
+              <a:t>You will modify the form to use these validators</a:t>
+            </a:r>
+          </a:p>
+          <a:p>
+            <a:pPr lvl="1"/>
+            <a:r>
+              <a:rPr lang="en-US" dirty="0" smtClean="0"/>
+              <a:t>Make sure you add a dependency to your directives module</a:t>
+            </a:r>
+          </a:p>
+          <a:p>
+            <a:endParaRPr lang="en-US" dirty="0"/>
           </a:p>
         </p:txBody>
       </p:sp>
@@ -34879,9 +34987,20 @@
           </a:p>
           <a:p>
             <a:r>
-              <a:rPr lang="en-US" dirty="0" smtClean="0"/>
-              <a:t>Example</a:t>
-            </a:r>
+              <a:rPr lang="en-US" dirty="0"/>
+              <a:t>/</a:t>
+            </a:r>
+            <a:r>
+              <a:rPr lang="en-US" dirty="0" err="1" smtClean="0"/>
+              <a:t>AngularClass</a:t>
+            </a:r>
+            <a:r>
+              <a:rPr lang="en-US" dirty="0" smtClean="0"/>
+              <a:t>/End2EndTesting/Samples/Basic</a:t>
+            </a:r>
+            <a:endParaRPr lang="en-US" dirty="0"/>
+          </a:p>
+          <a:p>
             <a:endParaRPr lang="en-US" dirty="0"/>
           </a:p>
         </p:txBody>
@@ -34984,6 +35103,38 @@
           <a:bodyPr/>
           <a:lstStyle/>
           <a:p>
+            <a:r>
+              <a:rPr lang="en-US" dirty="0"/>
+              <a:t>/</a:t>
+            </a:r>
+            <a:r>
+              <a:rPr lang="en-US" dirty="0" err="1" smtClean="0"/>
+              <a:t>AngularClass</a:t>
+            </a:r>
+            <a:r>
+              <a:rPr lang="en-US" dirty="0" smtClean="0"/>
+              <a:t>/End2EndTesting/Exercises/Basic</a:t>
+            </a:r>
+            <a:endParaRPr lang="en-US" dirty="0"/>
+          </a:p>
+          <a:p>
+            <a:endParaRPr lang="en-US" dirty="0"/>
+          </a:p>
+          <a:p>
+            <a:r>
+              <a:rPr lang="en-US" dirty="0"/>
+              <a:t>In this Lab, you should do the following:</a:t>
+            </a:r>
+          </a:p>
+          <a:p>
+            <a:pPr lvl="1"/>
+            <a:r>
+              <a:rPr lang="en-US" dirty="0" smtClean="0"/>
+              <a:t>Write a simple end to end test that verifies your Product Page has loaded and (At minimum) you have verified that all your product elements are on the page.</a:t>
+            </a:r>
+            <a:endParaRPr lang="en-US" dirty="0"/>
+          </a:p>
+          <a:p>
             <a:endParaRPr lang="en-US" dirty="0"/>
           </a:p>
         </p:txBody>
@@ -35465,7 +35616,9 @@
         </p:nvSpPr>
         <p:spPr/>
         <p:txBody>
-          <a:bodyPr/>
+          <a:bodyPr>
+            <a:normAutofit lnSpcReduction="10000"/>
+          </a:bodyPr>
           <a:lstStyle/>
           <a:p>
             <a:r>
@@ -35631,9 +35784,30 @@
               <a:t>fn</a:t>
             </a:r>
             <a:r>
-              <a:rPr lang="en-US" sz="2400" b="1" dirty="0"/>
+              <a:rPr lang="en-US" sz="2400" b="1" dirty="0" smtClean="0"/>
               <a:t>)</a:t>
             </a:r>
+            <a:endParaRPr lang="en-US" sz="2400" b="1" dirty="0"/>
+          </a:p>
+          <a:p>
+            <a:endParaRPr lang="en-US" dirty="0" smtClean="0"/>
+          </a:p>
+          <a:p>
+            <a:r>
+              <a:rPr lang="en-US" dirty="0" smtClean="0"/>
+              <a:t>/</a:t>
+            </a:r>
+            <a:r>
+              <a:rPr lang="en-US" dirty="0" err="1" smtClean="0"/>
+              <a:t>AngularClass</a:t>
+            </a:r>
+            <a:r>
+              <a:rPr lang="en-US" dirty="0" smtClean="0"/>
+              <a:t>/End2EndTesting/Samples/Mocked</a:t>
+            </a:r>
+            <a:endParaRPr lang="en-US" dirty="0"/>
+          </a:p>
+          <a:p>
             <a:endParaRPr lang="en-US" b="1" dirty="0"/>
           </a:p>
           <a:p>
@@ -35973,7 +36147,53 @@
           <a:bodyPr/>
           <a:lstStyle/>
           <a:p>
-            <a:endParaRPr lang="en-US"/>
+            <a:r>
+              <a:rPr lang="en-US" dirty="0"/>
+              <a:t>/</a:t>
+            </a:r>
+            <a:r>
+              <a:rPr lang="en-US" dirty="0" err="1" smtClean="0"/>
+              <a:t>AngularClass</a:t>
+            </a:r>
+            <a:r>
+              <a:rPr lang="en-US" dirty="0" smtClean="0"/>
+              <a:t>/End2EndTesting/Exercises/Mocked</a:t>
+            </a:r>
+            <a:endParaRPr lang="en-US" dirty="0"/>
+          </a:p>
+          <a:p>
+            <a:endParaRPr lang="en-US" dirty="0"/>
+          </a:p>
+          <a:p>
+            <a:r>
+              <a:rPr lang="en-US" dirty="0"/>
+              <a:t>In this Lab, you should do the following:</a:t>
+            </a:r>
+          </a:p>
+          <a:p>
+            <a:pPr lvl="1"/>
+            <a:r>
+              <a:rPr lang="en-US" dirty="0" smtClean="0"/>
+              <a:t>You should look to create a mock backend and respond to the Products endpoint with a static data set</a:t>
+            </a:r>
+          </a:p>
+          <a:p>
+            <a:pPr lvl="1"/>
+            <a:r>
+              <a:rPr lang="en-US" dirty="0" smtClean="0"/>
+              <a:t>Switch your HTML page over to use your mocking module</a:t>
+            </a:r>
+          </a:p>
+          <a:p>
+            <a:pPr lvl="1"/>
+            <a:r>
+              <a:rPr lang="en-US" dirty="0" smtClean="0"/>
+              <a:t>Write your tests</a:t>
+            </a:r>
+            <a:endParaRPr lang="en-US" dirty="0"/>
+          </a:p>
+          <a:p>
+            <a:endParaRPr lang="en-US" dirty="0"/>
           </a:p>
         </p:txBody>
       </p:sp>
@@ -36004,6 +36224,165 @@
     <p:extLst>
       <p:ext uri="{BB962C8B-B14F-4D97-AF65-F5344CB8AC3E}">
         <p14:creationId xmlns:p14="http://schemas.microsoft.com/office/powerpoint/2010/main" val="444608758"/>
+      </p:ext>
+    </p:extLst>
+  </p:cSld>
+  <p:clrMapOvr>
+    <a:masterClrMapping/>
+  </p:clrMapOvr>
+  <p:timing>
+    <p:tnLst>
+      <p:par>
+        <p:cTn id="1" dur="indefinite" restart="never" nodeType="tmRoot"/>
+      </p:par>
+    </p:tnLst>
+  </p:timing>
+</p:sld>
+</file>
+
+<file path=ppt/slides/slide241.xml><?xml version="1.0" encoding="utf-8"?>
+<p:sld xmlns:a="http://schemas.openxmlformats.org/drawingml/2006/main" xmlns:r="http://schemas.openxmlformats.org/officeDocument/2006/relationships" xmlns:p="http://schemas.openxmlformats.org/presentationml/2006/main">
+  <p:cSld>
+    <p:spTree>
+      <p:nvGrpSpPr>
+        <p:cNvPr id="1" name=""/>
+        <p:cNvGrpSpPr/>
+        <p:nvPr/>
+      </p:nvGrpSpPr>
+      <p:grpSpPr>
+        <a:xfrm>
+          <a:off x="0" y="0"/>
+          <a:ext cx="0" cy="0"/>
+          <a:chOff x="0" y="0"/>
+          <a:chExt cx="0" cy="0"/>
+        </a:xfrm>
+      </p:grpSpPr>
+      <p:sp>
+        <p:nvSpPr>
+          <p:cNvPr id="2" name="Title 1"/>
+          <p:cNvSpPr>
+            <a:spLocks noGrp="1"/>
+          </p:cNvSpPr>
+          <p:nvPr>
+            <p:ph type="title"/>
+          </p:nvPr>
+        </p:nvSpPr>
+        <p:spPr/>
+        <p:txBody>
+          <a:bodyPr/>
+          <a:lstStyle/>
+          <a:p>
+            <a:r>
+              <a:rPr lang="en-US" dirty="0" smtClean="0"/>
+              <a:t>Thanks and last Questions?</a:t>
+            </a:r>
+            <a:endParaRPr lang="en-US" dirty="0"/>
+          </a:p>
+        </p:txBody>
+      </p:sp>
+      <p:sp>
+        <p:nvSpPr>
+          <p:cNvPr id="3" name="Content Placeholder 2"/>
+          <p:cNvSpPr>
+            <a:spLocks noGrp="1"/>
+          </p:cNvSpPr>
+          <p:nvPr>
+            <p:ph idx="1"/>
+          </p:nvPr>
+        </p:nvSpPr>
+        <p:spPr/>
+        <p:txBody>
+          <a:bodyPr/>
+          <a:lstStyle/>
+          <a:p>
+            <a:endParaRPr lang="en-US" dirty="0" smtClean="0"/>
+          </a:p>
+          <a:p>
+            <a:r>
+              <a:rPr lang="en-US" dirty="0" smtClean="0"/>
+              <a:t>It’s been a great couple of days. Thanks very much for your time and I hope you found this course valuable.</a:t>
+            </a:r>
+            <a:endParaRPr lang="en-US" dirty="0"/>
+          </a:p>
+          <a:p>
+            <a:endParaRPr lang="en-US" dirty="0"/>
+          </a:p>
+          <a:p>
+            <a:r>
+              <a:rPr lang="en-US" dirty="0" smtClean="0"/>
+              <a:t>Contact Info</a:t>
+            </a:r>
+          </a:p>
+          <a:p>
+            <a:pPr lvl="1"/>
+            <a:r>
+              <a:rPr lang="en-US" dirty="0" smtClean="0"/>
+              <a:t>Stephen Bechtold</a:t>
+            </a:r>
+          </a:p>
+          <a:p>
+            <a:pPr lvl="1"/>
+            <a:r>
+              <a:rPr lang="en-US" dirty="0" smtClean="0"/>
+              <a:t>Email: </a:t>
+            </a:r>
+            <a:r>
+              <a:rPr lang="en-US" dirty="0" smtClean="0">
+                <a:hlinkClick r:id="rId2"/>
+              </a:rPr>
+              <a:t>sbechtold@buildinmotion.com</a:t>
+            </a:r>
+            <a:endParaRPr lang="en-US" dirty="0" smtClean="0"/>
+          </a:p>
+          <a:p>
+            <a:pPr lvl="1"/>
+            <a:r>
+              <a:rPr lang="en-US" dirty="0" smtClean="0"/>
+              <a:t>Phone: (412) 449-1939 x 101</a:t>
+            </a:r>
+          </a:p>
+          <a:p>
+            <a:pPr lvl="1"/>
+            <a:r>
+              <a:rPr lang="en-US" dirty="0" smtClean="0"/>
+              <a:t>Cell: (412) 223-7346</a:t>
+            </a:r>
+          </a:p>
+          <a:p>
+            <a:endParaRPr lang="en-US" dirty="0"/>
+          </a:p>
+          <a:p>
+            <a:endParaRPr lang="en-US" dirty="0"/>
+          </a:p>
+        </p:txBody>
+      </p:sp>
+      <p:sp>
+        <p:nvSpPr>
+          <p:cNvPr id="4" name="Slide Number Placeholder 3"/>
+          <p:cNvSpPr>
+            <a:spLocks noGrp="1"/>
+          </p:cNvSpPr>
+          <p:nvPr>
+            <p:ph type="sldNum" sz="quarter" idx="12"/>
+          </p:nvPr>
+        </p:nvSpPr>
+        <p:spPr/>
+        <p:txBody>
+          <a:bodyPr/>
+          <a:lstStyle/>
+          <a:p>
+            <a:fld id="{B4835A8B-4C3B-9C46-9281-F5EB1FED4738}" type="slidenum">
+              <a:rPr lang="en-US" smtClean="0"/>
+              <a:t>241</a:t>
+            </a:fld>
+            <a:endParaRPr lang="en-US"/>
+          </a:p>
+        </p:txBody>
+      </p:sp>
+    </p:spTree>
+    <p:extLst>
+      <p:ext uri="{BB962C8B-B14F-4D97-AF65-F5344CB8AC3E}">
+        <p14:creationId xmlns:p14="http://schemas.microsoft.com/office/powerpoint/2010/main" val="631412501"/>
       </p:ext>
     </p:extLst>
   </p:cSld>

--- a/materials/AngularJS.pptx
+++ b/materials/AngularJS.pptx
@@ -16912,27 +16912,94 @@
           <a:lstStyle/>
           <a:p>
             <a:r>
-              <a:rPr lang="en-US" dirty="0" smtClean="0">
-                <a:hlinkClick r:id="rId2"/>
-              </a:rPr>
-              <a:t>http</a:t>
-            </a:r>
+              <a:rPr lang="en-US" dirty="0" smtClean="0"/>
+              <a:t>What if your </a:t>
+            </a:r>
+            <a:r>
+              <a:rPr lang="en-US" dirty="0" err="1" smtClean="0"/>
+              <a:t>RESTful</a:t>
+            </a:r>
+            <a:r>
+              <a:rPr lang="en-US" dirty="0" smtClean="0"/>
+              <a:t> service doesn’t implement REST the same way as your backend? What if you there are other HTTP calls that you’d like to associate with a single resource?</a:t>
+            </a:r>
+          </a:p>
+          <a:p>
+            <a:r>
+              <a:rPr lang="en-US" dirty="0" smtClean="0"/>
+              <a:t>Fortunately ng-resource supports adding custom methods. You do so by specifying it in an optional configuration value</a:t>
+            </a:r>
+          </a:p>
+          <a:p>
+            <a:pPr lvl="1"/>
+            <a:r>
+              <a:rPr lang="en-US" b="1" dirty="0" smtClean="0"/>
+              <a:t>$</a:t>
+            </a:r>
+            <a:r>
+              <a:rPr lang="en-US" b="1" dirty="0" err="1" smtClean="0"/>
+              <a:t>resouce</a:t>
+            </a:r>
+            <a:r>
+              <a:rPr lang="en-US" b="1" dirty="0" smtClean="0"/>
+              <a:t>(</a:t>
+            </a:r>
+            <a:r>
+              <a:rPr lang="en-US" b="1" dirty="0" err="1" smtClean="0"/>
+              <a:t>url</a:t>
+            </a:r>
+            <a:r>
+              <a:rPr lang="en-US" b="1" dirty="0" smtClean="0"/>
+              <a:t>, </a:t>
+            </a:r>
+            <a:r>
+              <a:rPr lang="en-US" b="1" dirty="0" err="1" smtClean="0"/>
+              <a:t>parameterConifg</a:t>
+            </a:r>
+            <a:r>
+              <a:rPr lang="en-US" b="1" dirty="0" smtClean="0"/>
+              <a:t>, </a:t>
+            </a:r>
+            <a:r>
+              <a:rPr lang="en-US" b="1" dirty="0" err="1" smtClean="0"/>
+              <a:t>methodConfig</a:t>
+            </a:r>
+            <a:r>
+              <a:rPr lang="en-US" b="1" dirty="0" smtClean="0"/>
+              <a:t>)</a:t>
+            </a:r>
+          </a:p>
+          <a:p>
+            <a:r>
+              <a:rPr lang="en-US" dirty="0" smtClean="0"/>
+              <a:t>In order to leverage this you just need to create an object where the keys are the method names and their values is the methods configuration</a:t>
+            </a:r>
+          </a:p>
+          <a:p>
+            <a:pPr lvl="1"/>
+            <a:r>
+              <a:rPr lang="en-US" dirty="0" smtClean="0"/>
+              <a:t>You can use this to set </a:t>
+            </a:r>
+            <a:r>
+              <a:rPr lang="en-US" smtClean="0"/>
+              <a:t>the Method</a:t>
+            </a:r>
+            <a:r>
+              <a:rPr lang="en-US" dirty="0" smtClean="0"/>
+              <a:t>, URL, Optional Parameters (pretty much anything that’s been configured in the ng-resource method)</a:t>
+            </a:r>
+          </a:p>
+          <a:p>
+            <a:endParaRPr lang="en-US" dirty="0"/>
+          </a:p>
+          <a:p>
             <a:r>
               <a:rPr lang="en-US" dirty="0">
                 <a:hlinkClick r:id="rId2"/>
               </a:rPr>
-              <a:t>://</a:t>
-            </a:r>
-            <a:r>
-              <a:rPr lang="en-US" dirty="0" smtClean="0">
-                <a:hlinkClick r:id="rId2"/>
-              </a:rPr>
-              <a:t>localhost:9080/HTTP/Samples/NgResource</a:t>
-            </a:r>
-            <a:endParaRPr lang="en-US" dirty="0"/>
-          </a:p>
-          <a:p>
-            <a:pPr lvl="1"/>
+              <a:t>http://localhost:9080/HTTP/Samples/NgResource</a:t>
+            </a:r>
             <a:endParaRPr lang="en-US" dirty="0"/>
           </a:p>
         </p:txBody>

--- a/materials/AngularJS.pptx
+++ b/materials/AngularJS.pptx
@@ -49728,7 +49728,7 @@
               <a:t>&lt;div ng-repeat=“one in all | </a:t>
             </a:r>
             <a:r>
-              <a:rPr lang="en-US" b="1" smtClean="0"/>
+              <a:rPr lang="en-US" b="1" dirty="0" err="1" smtClean="0"/>
               <a:t>filter:myFilter</a:t>
             </a:r>
             <a:r>
@@ -52451,22 +52451,11 @@
           <a:p>
             <a:r>
               <a:rPr lang="en-US" dirty="0" smtClean="0"/>
-              <a:t>You’ll notice in the </a:t>
-            </a:r>
-            <a:r>
-              <a:rPr lang="en-US" dirty="0" err="1" smtClean="0"/>
-              <a:t>DetailController</a:t>
-            </a:r>
-            <a:r>
-              <a:rPr lang="en-US" dirty="0" smtClean="0"/>
-              <a:t> configuration the route was set to the following ”/:Id”</a:t>
-            </a:r>
-            <a:endParaRPr lang="en-US" b="1" dirty="0" smtClean="0"/>
-          </a:p>
-          <a:p>
-            <a:r>
-              <a:rPr lang="en-US" dirty="0" smtClean="0"/>
-              <a:t>The routing framework supports named parameters within your URL that start with a colon (</a:t>
+              <a:t>The </a:t>
+            </a:r>
+            <a:r>
+              <a:rPr lang="en-US" dirty="0" smtClean="0"/>
+              <a:t>routing framework supports named parameters within your URL that start with a colon (</a:t>
             </a:r>
             <a:r>
               <a:rPr lang="en-US" dirty="0" smtClean="0">
@@ -52727,27 +52716,29 @@
         <p:spPr/>
         <p:txBody>
           <a:bodyPr>
-            <a:normAutofit fontScale="92500" lnSpcReduction="20000"/>
+            <a:normAutofit lnSpcReduction="10000"/>
           </a:bodyPr>
           <a:lstStyle/>
           <a:p>
             <a:r>
               <a:rPr lang="en-US" dirty="0" smtClean="0"/>
-              <a:t>The last thing we’ll need to do is access our route parameters from our controllers. Going back to the example, you’ll notice that the Detail Controller took an </a:t>
-            </a:r>
-            <a:r>
-              <a:rPr lang="en-US" b="1" dirty="0" smtClean="0"/>
-              <a:t>Id</a:t>
-            </a:r>
-            <a:r>
-              <a:rPr lang="en-US" dirty="0" smtClean="0"/>
-              <a:t> parameter from the URL</a:t>
-            </a:r>
-          </a:p>
-          <a:p>
-            <a:r>
-              <a:rPr lang="en-US" dirty="0" smtClean="0"/>
-              <a:t>To reference this value all we need to do is add the </a:t>
+              <a:t>The last thing we’ll need to do is access our route parameters from our controllers. </a:t>
+            </a:r>
+            <a:r>
+              <a:rPr lang="en-US" dirty="0" smtClean="0"/>
+              <a:t>To </a:t>
+            </a:r>
+            <a:r>
+              <a:rPr lang="en-US" dirty="0" smtClean="0"/>
+              <a:t>reference </a:t>
+            </a:r>
+            <a:r>
+              <a:rPr lang="en-US" dirty="0" smtClean="0"/>
+              <a:t>our values </a:t>
+            </a:r>
+            <a:r>
+              <a:rPr lang="en-US" dirty="0" smtClean="0"/>
+              <a:t>all we need to do is add the </a:t>
             </a:r>
             <a:r>
               <a:rPr lang="en-US" b="1" dirty="0" smtClean="0"/>
@@ -52765,8 +52756,17 @@
           <a:p>
             <a:r>
               <a:rPr lang="en-US" dirty="0" smtClean="0"/>
-              <a:t>Suppose this controller:</a:t>
-            </a:r>
+              <a:t>Supposing we have a route parameter named </a:t>
+            </a:r>
+            <a:r>
+              <a:rPr lang="en-US" b="1" dirty="0" smtClean="0"/>
+              <a:t>:id </a:t>
+            </a:r>
+            <a:r>
+              <a:rPr lang="en-US" dirty="0" smtClean="0"/>
+              <a:t>and our controller is defined as:</a:t>
+            </a:r>
+            <a:endParaRPr lang="en-US" dirty="0" smtClean="0"/>
           </a:p>
           <a:p>
             <a:pPr marL="292608" lvl="1" indent="0">
@@ -52807,8 +52807,21 @@
           <a:p>
             <a:r>
               <a:rPr lang="en-US" dirty="0" smtClean="0"/>
-              <a:t>We need to change it to this:</a:t>
-            </a:r>
+              <a:t>In order to access the </a:t>
+            </a:r>
+            <a:r>
+              <a:rPr lang="en-US" b="1" dirty="0" smtClean="0"/>
+              <a:t>id </a:t>
+            </a:r>
+            <a:r>
+              <a:rPr lang="en-US" dirty="0" smtClean="0"/>
+              <a:t>property we  would need to change it to </a:t>
+            </a:r>
+            <a:r>
+              <a:rPr lang="en-US" smtClean="0"/>
+              <a:t>the following:</a:t>
+            </a:r>
+            <a:endParaRPr lang="en-US" dirty="0" smtClean="0"/>
           </a:p>
           <a:p>
             <a:pPr marL="292608" lvl="1" indent="0">

--- a/materials/AngularJS.pptx
+++ b/materials/AngularJS.pptx
@@ -1275,7 +1275,15 @@
           <a:bodyPr/>
           <a:lstStyle/>
           <a:p>
-            <a:endParaRPr lang="en-US"/>
+            <a:r>
+              <a:rPr lang="en-US" dirty="0" smtClean="0"/>
+              <a:t>Pause here for questions</a:t>
+            </a:r>
+            <a:r>
+              <a:rPr lang="en-US" baseline="0" dirty="0" smtClean="0"/>
+              <a:t> about types or </a:t>
+            </a:r>
+            <a:endParaRPr lang="en-US" dirty="0"/>
           </a:p>
         </p:txBody>
       </p:sp>
@@ -1296,7 +1304,7 @@
           <a:p>
             <a:fld id="{96E0C481-39FA-644C-9AAA-5FF319C01BC2}" type="slidenum">
               <a:rPr lang="en-US" smtClean="0"/>
-              <a:t>116</a:t>
+              <a:t>111</a:t>
             </a:fld>
             <a:endParaRPr lang="en-US"/>
           </a:p>
@@ -1305,7 +1313,7 @@
     </p:spTree>
     <p:extLst>
       <p:ext uri="{BB962C8B-B14F-4D97-AF65-F5344CB8AC3E}">
-        <p14:creationId xmlns:p14="http://schemas.microsoft.com/office/powerpoint/2010/main" val="841247856"/>
+        <p14:creationId xmlns:p14="http://schemas.microsoft.com/office/powerpoint/2010/main" val="1363681726"/>
       </p:ext>
     </p:extLst>
   </p:cSld>
@@ -1359,6 +1367,90 @@
           <a:bodyPr/>
           <a:lstStyle/>
           <a:p>
+            <a:endParaRPr lang="en-US"/>
+          </a:p>
+        </p:txBody>
+      </p:sp>
+      <p:sp>
+        <p:nvSpPr>
+          <p:cNvPr id="4" name="Slide Number Placeholder 3"/>
+          <p:cNvSpPr>
+            <a:spLocks noGrp="1"/>
+          </p:cNvSpPr>
+          <p:nvPr>
+            <p:ph type="sldNum" sz="quarter" idx="10"/>
+          </p:nvPr>
+        </p:nvSpPr>
+        <p:spPr/>
+        <p:txBody>
+          <a:bodyPr/>
+          <a:lstStyle/>
+          <a:p>
+            <a:fld id="{96E0C481-39FA-644C-9AAA-5FF319C01BC2}" type="slidenum">
+              <a:rPr lang="en-US" smtClean="0"/>
+              <a:t>116</a:t>
+            </a:fld>
+            <a:endParaRPr lang="en-US"/>
+          </a:p>
+        </p:txBody>
+      </p:sp>
+    </p:spTree>
+    <p:extLst>
+      <p:ext uri="{BB962C8B-B14F-4D97-AF65-F5344CB8AC3E}">
+        <p14:creationId xmlns:p14="http://schemas.microsoft.com/office/powerpoint/2010/main" val="841247856"/>
+      </p:ext>
+    </p:extLst>
+  </p:cSld>
+  <p:clrMapOvr>
+    <a:masterClrMapping/>
+  </p:clrMapOvr>
+</p:notes>
+</file>
+
+<file path=ppt/notesSlides/notesSlide7.xml><?xml version="1.0" encoding="utf-8"?>
+<p:notes xmlns:a="http://schemas.openxmlformats.org/drawingml/2006/main" xmlns:r="http://schemas.openxmlformats.org/officeDocument/2006/relationships" xmlns:p="http://schemas.openxmlformats.org/presentationml/2006/main">
+  <p:cSld>
+    <p:spTree>
+      <p:nvGrpSpPr>
+        <p:cNvPr id="1" name=""/>
+        <p:cNvGrpSpPr/>
+        <p:nvPr/>
+      </p:nvGrpSpPr>
+      <p:grpSpPr>
+        <a:xfrm>
+          <a:off x="0" y="0"/>
+          <a:ext cx="0" cy="0"/>
+          <a:chOff x="0" y="0"/>
+          <a:chExt cx="0" cy="0"/>
+        </a:xfrm>
+      </p:grpSpPr>
+      <p:sp>
+        <p:nvSpPr>
+          <p:cNvPr id="2" name="Slide Image Placeholder 1"/>
+          <p:cNvSpPr>
+            <a:spLocks noGrp="1" noRot="1" noChangeAspect="1"/>
+          </p:cNvSpPr>
+          <p:nvPr>
+            <p:ph type="sldImg"/>
+          </p:nvPr>
+        </p:nvSpPr>
+        <p:spPr/>
+      </p:sp>
+      <p:sp>
+        <p:nvSpPr>
+          <p:cNvPr id="3" name="Notes Placeholder 2"/>
+          <p:cNvSpPr>
+            <a:spLocks noGrp="1"/>
+          </p:cNvSpPr>
+          <p:nvPr>
+            <p:ph type="body" idx="1"/>
+          </p:nvPr>
+        </p:nvSpPr>
+        <p:spPr/>
+        <p:txBody>
+          <a:bodyPr/>
+          <a:lstStyle/>
+          <a:p>
             <a:r>
               <a:rPr lang="en-US" dirty="0" smtClean="0"/>
               <a:t>Use</a:t>
@@ -1443,7 +1535,7 @@
 </p:notes>
 </file>
 
-<file path=ppt/notesSlides/notesSlide7.xml><?xml version="1.0" encoding="utf-8"?>
+<file path=ppt/notesSlides/notesSlide8.xml><?xml version="1.0" encoding="utf-8"?>
 <p:notes xmlns:a="http://schemas.openxmlformats.org/drawingml/2006/main" xmlns:r="http://schemas.openxmlformats.org/officeDocument/2006/relationships" xmlns:p="http://schemas.openxmlformats.org/presentationml/2006/main">
   <p:cSld>
     <p:spTree>
@@ -52815,11 +52907,7 @@
             </a:r>
             <a:r>
               <a:rPr lang="en-US" dirty="0" smtClean="0"/>
-              <a:t>property we  would need to change it to </a:t>
-            </a:r>
-            <a:r>
-              <a:rPr lang="en-US" smtClean="0"/>
-              <a:t>the following:</a:t>
+              <a:t>property we  would need to change it to the following:</a:t>
             </a:r>
             <a:endParaRPr lang="en-US" dirty="0" smtClean="0"/>
           </a:p>

--- a/materials/AngularJS.pptx
+++ b/materials/AngularJS.pptx
@@ -458,7 +458,7 @@
           <a:p>
             <a:fld id="{3EED33BA-F7FE-3846-90E5-586BB4D95682}" type="datetimeFigureOut">
               <a:rPr lang="en-US" smtClean="0"/>
-              <a:t>3/8/16</a:t>
+              <a:t>3/9/16</a:t>
             </a:fld>
             <a:endParaRPr lang="en-US"/>
           </a:p>
@@ -623,7 +623,7 @@
           <a:p>
             <a:fld id="{79A26C4C-ED93-5E40-B7EC-1A7ABE57B733}" type="datetimeFigureOut">
               <a:rPr lang="en-US" smtClean="0"/>
-              <a:t>3/8/16</a:t>
+              <a:t>3/9/16</a:t>
             </a:fld>
             <a:endParaRPr lang="en-US"/>
           </a:p>
@@ -1653,6 +1653,98 @@
 </p:notes>
 </file>
 
+<file path=ppt/notesSlides/notesSlide9.xml><?xml version="1.0" encoding="utf-8"?>
+<p:notes xmlns:a="http://schemas.openxmlformats.org/drawingml/2006/main" xmlns:r="http://schemas.openxmlformats.org/officeDocument/2006/relationships" xmlns:p="http://schemas.openxmlformats.org/presentationml/2006/main">
+  <p:cSld>
+    <p:spTree>
+      <p:nvGrpSpPr>
+        <p:cNvPr id="1" name=""/>
+        <p:cNvGrpSpPr/>
+        <p:nvPr/>
+      </p:nvGrpSpPr>
+      <p:grpSpPr>
+        <a:xfrm>
+          <a:off x="0" y="0"/>
+          <a:ext cx="0" cy="0"/>
+          <a:chOff x="0" y="0"/>
+          <a:chExt cx="0" cy="0"/>
+        </a:xfrm>
+      </p:grpSpPr>
+      <p:sp>
+        <p:nvSpPr>
+          <p:cNvPr id="2" name="Slide Image Placeholder 1"/>
+          <p:cNvSpPr>
+            <a:spLocks noGrp="1" noRot="1" noChangeAspect="1"/>
+          </p:cNvSpPr>
+          <p:nvPr>
+            <p:ph type="sldImg"/>
+          </p:nvPr>
+        </p:nvSpPr>
+        <p:spPr/>
+      </p:sp>
+      <p:sp>
+        <p:nvSpPr>
+          <p:cNvPr id="3" name="Notes Placeholder 2"/>
+          <p:cNvSpPr>
+            <a:spLocks noGrp="1"/>
+          </p:cNvSpPr>
+          <p:nvPr>
+            <p:ph type="body" idx="1"/>
+          </p:nvPr>
+        </p:nvSpPr>
+        <p:spPr/>
+        <p:txBody>
+          <a:bodyPr/>
+          <a:lstStyle/>
+          <a:p>
+            <a:r>
+              <a:rPr lang="en-US" dirty="0" smtClean="0"/>
+              <a:t>End of Day</a:t>
+            </a:r>
+            <a:r>
+              <a:rPr lang="en-US" baseline="0" dirty="0" smtClean="0"/>
+              <a:t> 3</a:t>
+            </a:r>
+            <a:endParaRPr lang="en-US" dirty="0"/>
+          </a:p>
+        </p:txBody>
+      </p:sp>
+      <p:sp>
+        <p:nvSpPr>
+          <p:cNvPr id="4" name="Slide Number Placeholder 3"/>
+          <p:cNvSpPr>
+            <a:spLocks noGrp="1"/>
+          </p:cNvSpPr>
+          <p:nvPr>
+            <p:ph type="sldNum" sz="quarter" idx="10"/>
+          </p:nvPr>
+        </p:nvSpPr>
+        <p:spPr/>
+        <p:txBody>
+          <a:bodyPr/>
+          <a:lstStyle/>
+          <a:p>
+            <a:fld id="{96E0C481-39FA-644C-9AAA-5FF319C01BC2}" type="slidenum">
+              <a:rPr lang="en-US" smtClean="0"/>
+              <a:t>193</a:t>
+            </a:fld>
+            <a:endParaRPr lang="en-US"/>
+          </a:p>
+        </p:txBody>
+      </p:sp>
+    </p:spTree>
+    <p:extLst>
+      <p:ext uri="{BB962C8B-B14F-4D97-AF65-F5344CB8AC3E}">
+        <p14:creationId xmlns:p14="http://schemas.microsoft.com/office/powerpoint/2010/main" val="90613362"/>
+      </p:ext>
+    </p:extLst>
+  </p:cSld>
+  <p:clrMapOvr>
+    <a:masterClrMapping/>
+  </p:clrMapOvr>
+</p:notes>
+</file>
+
 <file path=ppt/slideLayouts/slideLayout1.xml><?xml version="1.0" encoding="utf-8"?>
 <p:sldLayout xmlns:a="http://schemas.openxmlformats.org/drawingml/2006/main" xmlns:r="http://schemas.openxmlformats.org/officeDocument/2006/relationships" xmlns:p="http://schemas.openxmlformats.org/presentationml/2006/main" showMasterSp="0" type="title" preserve="1">
   <p:cSld name="Title Slide">
@@ -1879,7 +1971,7 @@
           <a:p>
             <a:fld id="{8E98D209-F362-B44D-97CF-AFBA74F88441}" type="datetime1">
               <a:rPr lang="en-US" smtClean="0"/>
-              <a:t>3/8/16</a:t>
+              <a:t>3/9/16</a:t>
             </a:fld>
             <a:endParaRPr lang="en-US"/>
           </a:p>
@@ -2092,7 +2184,7 @@
           <a:p>
             <a:fld id="{11286818-5C76-9546-B410-9A9D828819A5}" type="datetime1">
               <a:rPr lang="en-US" smtClean="0"/>
-              <a:t>3/8/16</a:t>
+              <a:t>3/9/16</a:t>
             </a:fld>
             <a:endParaRPr lang="en-US"/>
           </a:p>
@@ -2348,7 +2440,7 @@
           <a:p>
             <a:fld id="{C055C5EF-2E56-A44B-8597-3375D9DFAB8A}" type="datetime1">
               <a:rPr lang="en-US" smtClean="0"/>
-              <a:t>3/8/16</a:t>
+              <a:t>3/9/16</a:t>
             </a:fld>
             <a:endParaRPr lang="en-US"/>
           </a:p>
@@ -2527,7 +2619,7 @@
           <a:p>
             <a:fld id="{12B6ED30-0850-1347-BD90-917B5585DEBB}" type="datetime1">
               <a:rPr lang="en-US" smtClean="0"/>
-              <a:t>3/8/16</a:t>
+              <a:t>3/9/16</a:t>
             </a:fld>
             <a:endParaRPr lang="en-US"/>
           </a:p>
@@ -2870,7 +2962,7 @@
           <a:p>
             <a:fld id="{AEFA16D7-52E9-D246-963E-B14067688DE6}" type="datetime1">
               <a:rPr lang="en-US" smtClean="0"/>
-              <a:t>3/8/16</a:t>
+              <a:t>3/9/16</a:t>
             </a:fld>
             <a:endParaRPr lang="en-US"/>
           </a:p>
@@ -3150,7 +3242,7 @@
           <a:p>
             <a:fld id="{9F1BDAAA-F027-1549-9BE8-E1ACF710FF5D}" type="datetime1">
               <a:rPr lang="en-US" smtClean="0"/>
-              <a:t>3/8/16</a:t>
+              <a:t>3/9/16</a:t>
             </a:fld>
             <a:endParaRPr lang="en-US"/>
           </a:p>
@@ -3529,7 +3621,7 @@
           <a:p>
             <a:fld id="{BDE0685A-E973-374C-849D-02B7207C1E7D}" type="datetime1">
               <a:rPr lang="en-US" smtClean="0"/>
-              <a:t>3/8/16</a:t>
+              <a:t>3/9/16</a:t>
             </a:fld>
             <a:endParaRPr lang="en-US"/>
           </a:p>
@@ -3647,7 +3739,7 @@
           <a:p>
             <a:fld id="{7A608878-9225-9B4B-8E3E-165829353C70}" type="datetime1">
               <a:rPr lang="en-US" smtClean="0"/>
-              <a:t>3/8/16</a:t>
+              <a:t>3/9/16</a:t>
             </a:fld>
             <a:endParaRPr lang="en-US"/>
           </a:p>
@@ -3818,7 +3910,7 @@
           <a:p>
             <a:fld id="{2542FA2B-8C7B-804D-A79B-894EE20EDCE4}" type="datetime1">
               <a:rPr lang="en-US" smtClean="0"/>
-              <a:t>3/8/16</a:t>
+              <a:t>3/9/16</a:t>
             </a:fld>
             <a:endParaRPr lang="en-US"/>
           </a:p>
@@ -4177,7 +4269,7 @@
           <a:p>
             <a:fld id="{93CC10F7-50DE-9448-AB3A-4E7876BC288D}" type="datetime1">
               <a:rPr lang="en-US" smtClean="0"/>
-              <a:t>3/8/16</a:t>
+              <a:t>3/9/16</a:t>
             </a:fld>
             <a:endParaRPr lang="en-US"/>
           </a:p>
@@ -4564,7 +4656,7 @@
           <a:p>
             <a:fld id="{AF65105B-CC8E-3D4E-9293-479129E31B0C}" type="datetime1">
               <a:rPr lang="en-US" smtClean="0"/>
-              <a:t>3/8/16</a:t>
+              <a:t>3/9/16</a:t>
             </a:fld>
             <a:endParaRPr lang="en-US"/>
           </a:p>
@@ -4851,7 +4943,7 @@
           <a:p>
             <a:fld id="{FBCC4294-156C-024A-BF41-3CA81B92D962}" type="datetime1">
               <a:rPr lang="en-US" smtClean="0"/>
-              <a:t>3/8/16</a:t>
+              <a:t>3/9/16</a:t>
             </a:fld>
             <a:endParaRPr lang="en-US"/>
           </a:p>
@@ -23676,8 +23768,8 @@
           <a:p>
             <a:pPr lvl="1"/>
             <a:r>
-              <a:rPr lang="en-US" b="1" dirty="0" err="1" smtClean="0"/>
-              <a:t>debouce</a:t>
+              <a:rPr lang="en-US" b="1" smtClean="0"/>
+              <a:t>debounce</a:t>
             </a:r>
             <a:r>
               <a:rPr lang="en-US" b="1" dirty="0" smtClean="0"/>
@@ -26302,13 +26394,13 @@
           <a:p>
             <a:r>
               <a:rPr lang="en-US" dirty="0">
-                <a:hlinkClick r:id="rId2"/>
+                <a:hlinkClick r:id="rId3"/>
               </a:rPr>
               <a:t>http://</a:t>
             </a:r>
             <a:r>
               <a:rPr lang="en-US" dirty="0" smtClean="0">
-                <a:hlinkClick r:id="rId2"/>
+                <a:hlinkClick r:id="rId3"/>
               </a:rPr>
               <a:t>localhost:9080/Forms/Exercises/NgMessages/</a:t>
             </a:r>
@@ -52543,11 +52635,7 @@
           <a:p>
             <a:r>
               <a:rPr lang="en-US" dirty="0" smtClean="0"/>
-              <a:t>The </a:t>
-            </a:r>
-            <a:r>
-              <a:rPr lang="en-US" dirty="0" smtClean="0"/>
-              <a:t>routing framework supports named parameters within your URL that start with a colon (</a:t>
+              <a:t>The routing framework supports named parameters within your URL that start with a colon (</a:t>
             </a:r>
             <a:r>
               <a:rPr lang="en-US" dirty="0" smtClean="0">
@@ -52814,23 +52902,7 @@
           <a:p>
             <a:r>
               <a:rPr lang="en-US" dirty="0" smtClean="0"/>
-              <a:t>The last thing we’ll need to do is access our route parameters from our controllers. </a:t>
-            </a:r>
-            <a:r>
-              <a:rPr lang="en-US" dirty="0" smtClean="0"/>
-              <a:t>To </a:t>
-            </a:r>
-            <a:r>
-              <a:rPr lang="en-US" dirty="0" smtClean="0"/>
-              <a:t>reference </a:t>
-            </a:r>
-            <a:r>
-              <a:rPr lang="en-US" dirty="0" smtClean="0"/>
-              <a:t>our values </a:t>
-            </a:r>
-            <a:r>
-              <a:rPr lang="en-US" dirty="0" smtClean="0"/>
-              <a:t>all we need to do is add the </a:t>
+              <a:t>The last thing we’ll need to do is access our route parameters from our controllers. To reference our values all we need to do is add the </a:t>
             </a:r>
             <a:r>
               <a:rPr lang="en-US" b="1" dirty="0" smtClean="0"/>
@@ -52858,7 +52930,6 @@
               <a:rPr lang="en-US" dirty="0" smtClean="0"/>
               <a:t>and our controller is defined as:</a:t>
             </a:r>
-            <a:endParaRPr lang="en-US" dirty="0" smtClean="0"/>
           </a:p>
           <a:p>
             <a:pPr marL="292608" lvl="1" indent="0">
@@ -52909,7 +52980,6 @@
               <a:rPr lang="en-US" dirty="0" smtClean="0"/>
               <a:t>property we  would need to change it to the following:</a:t>
             </a:r>
-            <a:endParaRPr lang="en-US" dirty="0" smtClean="0"/>
           </a:p>
           <a:p>
             <a:pPr marL="292608" lvl="1" indent="0">

--- a/materials/AngularJS.pptx
+++ b/materials/AngularJS.pptx
@@ -23768,7 +23768,7 @@
           <a:p>
             <a:pPr lvl="1"/>
             <a:r>
-              <a:rPr lang="en-US" b="1" smtClean="0"/>
+              <a:rPr lang="en-US" b="1" dirty="0" err="1" smtClean="0"/>
               <a:t>debounce</a:t>
             </a:r>
             <a:r>
@@ -28062,7 +28062,22 @@
             <a:pPr lvl="1"/>
             <a:r>
               <a:rPr lang="en-US" dirty="0" smtClean="0"/>
-              <a:t>Variables prefixed with a “=“ are evaluated prior to being set to the associated scope variable</a:t>
+              <a:t>Variables prefixed with a “=“ are evaluated prior to being set to the associated scope </a:t>
+            </a:r>
+            <a:r>
+              <a:rPr lang="en-US" dirty="0" smtClean="0"/>
+              <a:t>variable</a:t>
+            </a:r>
+          </a:p>
+          <a:p>
+            <a:pPr lvl="1"/>
+            <a:r>
+              <a:rPr lang="en-US" dirty="0" smtClean="0"/>
+              <a:t>Variables prefixed with a </a:t>
+            </a:r>
+            <a:r>
+              <a:rPr lang="en-US" smtClean="0"/>
+              <a:t>“&amp;” are </a:t>
             </a:r>
             <a:endParaRPr lang="en-US" dirty="0"/>
           </a:p>
@@ -28122,35 +28137,9 @@
               <a:t>” both of which will be referenced as literals because they are prefixed with a </a:t>
             </a:r>
             <a:r>
-              <a:rPr lang="en-US" dirty="0"/>
+              <a:rPr lang="en-US" dirty="0" smtClean="0"/>
               <a:t>”@”</a:t>
             </a:r>
-            <a:endParaRPr lang="en-US" b="1" dirty="0" smtClean="0">
-              <a:hlinkClick r:id="rId2"/>
-            </a:endParaRPr>
-          </a:p>
-          <a:p>
-            <a:r>
-              <a:rPr lang="en-US" dirty="0" smtClean="0">
-                <a:hlinkClick r:id="rId2"/>
-              </a:rPr>
-              <a:t>http://</a:t>
-            </a:r>
-            <a:r>
-              <a:rPr lang="en-US" dirty="0">
-                <a:hlinkClick r:id="rId2"/>
-              </a:rPr>
-              <a:t>localhost:9080/Directives/Samples/Variables</a:t>
-            </a:r>
-            <a:r>
-              <a:rPr lang="en-US" dirty="0" smtClean="0">
-                <a:hlinkClick r:id="rId2"/>
-              </a:rPr>
-              <a:t>/</a:t>
-            </a:r>
-            <a:endParaRPr lang="en-US" dirty="0" smtClean="0"/>
-          </a:p>
-          <a:p>
             <a:endParaRPr lang="en-US" dirty="0"/>
           </a:p>
           <a:p>

--- a/materials/AngularJS.pptx
+++ b/materials/AngularJS.pptx
@@ -28073,11 +28073,11 @@
             <a:pPr lvl="1"/>
             <a:r>
               <a:rPr lang="en-US" dirty="0" smtClean="0"/>
-              <a:t>Variables prefixed with a </a:t>
+              <a:t>Variables prefixed with a “&amp;” </a:t>
             </a:r>
             <a:r>
               <a:rPr lang="en-US" smtClean="0"/>
-              <a:t>“&amp;” are </a:t>
+              <a:t>are meant to act as function pointers</a:t>
             </a:r>
             <a:endParaRPr lang="en-US" dirty="0"/>
           </a:p>

--- a/materials/AngularJS.pptx
+++ b/materials/AngularJS.pptx
@@ -28073,11 +28073,7 @@
             <a:pPr lvl="1"/>
             <a:r>
               <a:rPr lang="en-US" dirty="0" smtClean="0"/>
-              <a:t>Variables prefixed with a “&amp;” </a:t>
-            </a:r>
-            <a:r>
-              <a:rPr lang="en-US" smtClean="0"/>
-              <a:t>are meant to act as function pointers</a:t>
+              <a:t>Variables prefixed with a “&amp;” are meant to act as function pointers</a:t>
             </a:r>
             <a:endParaRPr lang="en-US" dirty="0"/>
           </a:p>
@@ -33781,13 +33777,6 @@
             <a:endParaRPr lang="en-US" dirty="0"/>
           </a:p>
           <a:p>
-            <a:endParaRPr lang="en-US" dirty="0"/>
-          </a:p>
-          <a:p>
-            <a:r>
-              <a:rPr lang="en-US" dirty="0" smtClean="0"/>
-              <a:t>Exercise</a:t>
-            </a:r>
             <a:endParaRPr lang="en-US" dirty="0"/>
           </a:p>
           <a:p>

--- a/materials/AngularJS.pptx
+++ b/materials/AngularJS.pptx
@@ -70,7 +70,7 @@
     <p:sldId id="311" r:id="rId58"/>
     <p:sldId id="312" r:id="rId59"/>
     <p:sldId id="313" r:id="rId60"/>
-    <p:sldId id="509" r:id="rId61"/>
+    <p:sldId id="514" r:id="rId61"/>
     <p:sldId id="314" r:id="rId62"/>
     <p:sldId id="315" r:id="rId63"/>
     <p:sldId id="316" r:id="rId64"/>
@@ -46044,7 +46044,7 @@
           <a:p>
             <a:r>
               <a:rPr lang="en-US" dirty="0" smtClean="0"/>
-              <a:t>Karma’s Configuration</a:t>
+              <a:t>Configuration</a:t>
             </a:r>
             <a:endParaRPr lang="en-US" dirty="0"/>
           </a:p>
@@ -46067,9 +46067,69 @@
           <a:p>
             <a:r>
               <a:rPr lang="en-US" dirty="0" smtClean="0"/>
-              <a:t> </a:t>
-            </a:r>
-            <a:endParaRPr lang="en-US" dirty="0"/>
+              <a:t>Like with most things we’re going to need to understand karma’s configuration a bit so that we know how to run our tests</a:t>
+            </a:r>
+          </a:p>
+          <a:p>
+            <a:r>
+              <a:rPr lang="en-US" dirty="0" smtClean="0"/>
+              <a:t>The configuration itself is the export of an object that has certain properties:</a:t>
+            </a:r>
+          </a:p>
+          <a:p>
+            <a:pPr lvl="1"/>
+            <a:r>
+              <a:rPr lang="en-US" b="1" dirty="0" smtClean="0"/>
+              <a:t>files</a:t>
+            </a:r>
+            <a:r>
+              <a:rPr lang="en-US" dirty="0" smtClean="0"/>
+              <a:t> – An array with file path’s relative to the configuration of all tests and dependencies</a:t>
+            </a:r>
+          </a:p>
+          <a:p>
+            <a:pPr lvl="1"/>
+            <a:r>
+              <a:rPr lang="en-US" b="1" dirty="0" smtClean="0"/>
+              <a:t>browsers – </a:t>
+            </a:r>
+            <a:r>
+              <a:rPr lang="en-US" dirty="0" smtClean="0"/>
+              <a:t>Which browsers should be used to execute the tests</a:t>
+            </a:r>
+          </a:p>
+          <a:p>
+            <a:pPr lvl="1"/>
+            <a:r>
+              <a:rPr lang="en-US" b="1" dirty="0" smtClean="0"/>
+              <a:t>preprocessors – </a:t>
+            </a:r>
+            <a:r>
+              <a:rPr lang="en-US" dirty="0" smtClean="0"/>
+              <a:t>Any files that should run before the start of the tests</a:t>
+            </a:r>
+          </a:p>
+          <a:p>
+            <a:pPr lvl="1"/>
+            <a:r>
+              <a:rPr lang="en-US" b="1" dirty="0" smtClean="0"/>
+              <a:t>frameworks  - </a:t>
+            </a:r>
+            <a:r>
+              <a:rPr lang="en-US" dirty="0" smtClean="0"/>
+              <a:t>An array of frameworks that should be included</a:t>
+            </a:r>
+          </a:p>
+          <a:p>
+            <a:pPr lvl="2"/>
+            <a:r>
+              <a:rPr lang="en-US" dirty="0" smtClean="0"/>
+              <a:t>Typically this will be limited to just your testing framework i.e. Jasmine</a:t>
+            </a:r>
+          </a:p>
+          <a:p>
+            <a:pPr lvl="1"/>
+            <a:endParaRPr lang="en-US" b="1" dirty="0"/>
           </a:p>
         </p:txBody>
       </p:sp>
@@ -46099,20 +46159,13 @@
     </p:spTree>
     <p:extLst>
       <p:ext uri="{BB962C8B-B14F-4D97-AF65-F5344CB8AC3E}">
-        <p14:creationId xmlns:p14="http://schemas.microsoft.com/office/powerpoint/2010/main" val="1815366463"/>
+        <p14:creationId xmlns:p14="http://schemas.microsoft.com/office/powerpoint/2010/main" val="1892799829"/>
       </p:ext>
     </p:extLst>
   </p:cSld>
   <p:clrMapOvr>
     <a:masterClrMapping/>
   </p:clrMapOvr>
-  <p:timing>
-    <p:tnLst>
-      <p:par>
-        <p:cTn id="1" dur="indefinite" restart="never" nodeType="tmRoot"/>
-      </p:par>
-    </p:tnLst>
-  </p:timing>
 </p:sld>
 </file>
 

--- a/materials/AngularJS.pptx
+++ b/materials/AngularJS.pptx
@@ -937,7 +937,7 @@
           <a:bodyPr/>
           <a:lstStyle/>
           <a:p>
-            <a:endParaRPr lang="en-US" dirty="0"/>
+            <a:endParaRPr lang="en-US"/>
           </a:p>
         </p:txBody>
       </p:sp>
@@ -958,7 +958,7 @@
           <a:p>
             <a:fld id="{96E0C481-39FA-644C-9AAA-5FF319C01BC2}" type="slidenum">
               <a:rPr lang="en-US" smtClean="0"/>
-              <a:t>43</a:t>
+              <a:t>1</a:t>
             </a:fld>
             <a:endParaRPr lang="en-US"/>
           </a:p>
@@ -967,7 +967,99 @@
     </p:spTree>
     <p:extLst>
       <p:ext uri="{BB962C8B-B14F-4D97-AF65-F5344CB8AC3E}">
-        <p14:creationId xmlns:p14="http://schemas.microsoft.com/office/powerpoint/2010/main" val="1998951280"/>
+        <p14:creationId xmlns:p14="http://schemas.microsoft.com/office/powerpoint/2010/main" val="1499193713"/>
+      </p:ext>
+    </p:extLst>
+  </p:cSld>
+  <p:clrMapOvr>
+    <a:masterClrMapping/>
+  </p:clrMapOvr>
+</p:notes>
+</file>
+
+<file path=ppt/notesSlides/notesSlide10.xml><?xml version="1.0" encoding="utf-8"?>
+<p:notes xmlns:a="http://schemas.openxmlformats.org/drawingml/2006/main" xmlns:r="http://schemas.openxmlformats.org/officeDocument/2006/relationships" xmlns:p="http://schemas.openxmlformats.org/presentationml/2006/main">
+  <p:cSld>
+    <p:spTree>
+      <p:nvGrpSpPr>
+        <p:cNvPr id="1" name=""/>
+        <p:cNvGrpSpPr/>
+        <p:nvPr/>
+      </p:nvGrpSpPr>
+      <p:grpSpPr>
+        <a:xfrm>
+          <a:off x="0" y="0"/>
+          <a:ext cx="0" cy="0"/>
+          <a:chOff x="0" y="0"/>
+          <a:chExt cx="0" cy="0"/>
+        </a:xfrm>
+      </p:grpSpPr>
+      <p:sp>
+        <p:nvSpPr>
+          <p:cNvPr id="2" name="Slide Image Placeholder 1"/>
+          <p:cNvSpPr>
+            <a:spLocks noGrp="1" noRot="1" noChangeAspect="1"/>
+          </p:cNvSpPr>
+          <p:nvPr>
+            <p:ph type="sldImg"/>
+          </p:nvPr>
+        </p:nvSpPr>
+        <p:spPr/>
+      </p:sp>
+      <p:sp>
+        <p:nvSpPr>
+          <p:cNvPr id="3" name="Notes Placeholder 2"/>
+          <p:cNvSpPr>
+            <a:spLocks noGrp="1"/>
+          </p:cNvSpPr>
+          <p:nvPr>
+            <p:ph type="body" idx="1"/>
+          </p:nvPr>
+        </p:nvSpPr>
+        <p:spPr/>
+        <p:txBody>
+          <a:bodyPr/>
+          <a:lstStyle/>
+          <a:p>
+            <a:r>
+              <a:rPr lang="en-US" dirty="0" smtClean="0"/>
+              <a:t>End of Day</a:t>
+            </a:r>
+            <a:r>
+              <a:rPr lang="en-US" baseline="0" dirty="0" smtClean="0"/>
+              <a:t> 3</a:t>
+            </a:r>
+            <a:endParaRPr lang="en-US" dirty="0"/>
+          </a:p>
+        </p:txBody>
+      </p:sp>
+      <p:sp>
+        <p:nvSpPr>
+          <p:cNvPr id="4" name="Slide Number Placeholder 3"/>
+          <p:cNvSpPr>
+            <a:spLocks noGrp="1"/>
+          </p:cNvSpPr>
+          <p:nvPr>
+            <p:ph type="sldNum" sz="quarter" idx="10"/>
+          </p:nvPr>
+        </p:nvSpPr>
+        <p:spPr/>
+        <p:txBody>
+          <a:bodyPr/>
+          <a:lstStyle/>
+          <a:p>
+            <a:fld id="{96E0C481-39FA-644C-9AAA-5FF319C01BC2}" type="slidenum">
+              <a:rPr lang="en-US" smtClean="0"/>
+              <a:t>194</a:t>
+            </a:fld>
+            <a:endParaRPr lang="en-US"/>
+          </a:p>
+        </p:txBody>
+      </p:sp>
+    </p:spTree>
+    <p:extLst>
+      <p:ext uri="{BB962C8B-B14F-4D97-AF65-F5344CB8AC3E}">
+        <p14:creationId xmlns:p14="http://schemas.microsoft.com/office/powerpoint/2010/main" val="90613362"/>
       </p:ext>
     </p:extLst>
   </p:cSld>
@@ -1042,7 +1134,7 @@
           <a:p>
             <a:fld id="{96E0C481-39FA-644C-9AAA-5FF319C01BC2}" type="slidenum">
               <a:rPr lang="en-US" smtClean="0"/>
-              <a:t>63</a:t>
+              <a:t>43</a:t>
             </a:fld>
             <a:endParaRPr lang="en-US"/>
           </a:p>
@@ -1051,7 +1143,7 @@
     </p:spTree>
     <p:extLst>
       <p:ext uri="{BB962C8B-B14F-4D97-AF65-F5344CB8AC3E}">
-        <p14:creationId xmlns:p14="http://schemas.microsoft.com/office/powerpoint/2010/main" val="1367646801"/>
+        <p14:creationId xmlns:p14="http://schemas.microsoft.com/office/powerpoint/2010/main" val="1998951280"/>
       </p:ext>
     </p:extLst>
   </p:cSld>
@@ -1105,10 +1197,6 @@
           <a:bodyPr/>
           <a:lstStyle/>
           <a:p>
-            <a:r>
-              <a:rPr lang="en-US" dirty="0" smtClean="0"/>
-              <a:t>This is normally where Day 1 ends</a:t>
-            </a:r>
             <a:endParaRPr lang="en-US" dirty="0"/>
           </a:p>
         </p:txBody>
@@ -1130,7 +1218,7 @@
           <a:p>
             <a:fld id="{96E0C481-39FA-644C-9AAA-5FF319C01BC2}" type="slidenum">
               <a:rPr lang="en-US" smtClean="0"/>
-              <a:t>80</a:t>
+              <a:t>63</a:t>
             </a:fld>
             <a:endParaRPr lang="en-US"/>
           </a:p>
@@ -1139,7 +1227,7 @@
     </p:spTree>
     <p:extLst>
       <p:ext uri="{BB962C8B-B14F-4D97-AF65-F5344CB8AC3E}">
-        <p14:creationId xmlns:p14="http://schemas.microsoft.com/office/powerpoint/2010/main" val="224150902"/>
+        <p14:creationId xmlns:p14="http://schemas.microsoft.com/office/powerpoint/2010/main" val="1367646801"/>
       </p:ext>
     </p:extLst>
   </p:cSld>
@@ -1193,6 +1281,10 @@
           <a:bodyPr/>
           <a:lstStyle/>
           <a:p>
+            <a:r>
+              <a:rPr lang="en-US" dirty="0" smtClean="0"/>
+              <a:t>This is normally where Day 1 ends</a:t>
+            </a:r>
             <a:endParaRPr lang="en-US" dirty="0"/>
           </a:p>
         </p:txBody>
@@ -1214,7 +1306,7 @@
           <a:p>
             <a:fld id="{96E0C481-39FA-644C-9AAA-5FF319C01BC2}" type="slidenum">
               <a:rPr lang="en-US" smtClean="0"/>
-              <a:t>88</a:t>
+              <a:t>80</a:t>
             </a:fld>
             <a:endParaRPr lang="en-US"/>
           </a:p>
@@ -1223,7 +1315,7 @@
     </p:spTree>
     <p:extLst>
       <p:ext uri="{BB962C8B-B14F-4D97-AF65-F5344CB8AC3E}">
-        <p14:creationId xmlns:p14="http://schemas.microsoft.com/office/powerpoint/2010/main" val="835959901"/>
+        <p14:creationId xmlns:p14="http://schemas.microsoft.com/office/powerpoint/2010/main" val="224150902"/>
       </p:ext>
     </p:extLst>
   </p:cSld>
@@ -1277,14 +1369,6 @@
           <a:bodyPr/>
           <a:lstStyle/>
           <a:p>
-            <a:r>
-              <a:rPr lang="en-US" dirty="0" smtClean="0"/>
-              <a:t>Pause here for questions</a:t>
-            </a:r>
-            <a:r>
-              <a:rPr lang="en-US" baseline="0" dirty="0" smtClean="0"/>
-              <a:t> about types or </a:t>
-            </a:r>
             <a:endParaRPr lang="en-US" dirty="0"/>
           </a:p>
         </p:txBody>
@@ -1306,7 +1390,7 @@
           <a:p>
             <a:fld id="{96E0C481-39FA-644C-9AAA-5FF319C01BC2}" type="slidenum">
               <a:rPr lang="en-US" smtClean="0"/>
-              <a:t>112</a:t>
+              <a:t>88</a:t>
             </a:fld>
             <a:endParaRPr lang="en-US"/>
           </a:p>
@@ -1315,7 +1399,7 @@
     </p:spTree>
     <p:extLst>
       <p:ext uri="{BB962C8B-B14F-4D97-AF65-F5344CB8AC3E}">
-        <p14:creationId xmlns:p14="http://schemas.microsoft.com/office/powerpoint/2010/main" val="1363681726"/>
+        <p14:creationId xmlns:p14="http://schemas.microsoft.com/office/powerpoint/2010/main" val="835959901"/>
       </p:ext>
     </p:extLst>
   </p:cSld>
@@ -1369,7 +1453,15 @@
           <a:bodyPr/>
           <a:lstStyle/>
           <a:p>
-            <a:endParaRPr lang="en-US"/>
+            <a:r>
+              <a:rPr lang="en-US" dirty="0" smtClean="0"/>
+              <a:t>Pause here for questions</a:t>
+            </a:r>
+            <a:r>
+              <a:rPr lang="en-US" baseline="0" dirty="0" smtClean="0"/>
+              <a:t> about types or </a:t>
+            </a:r>
+            <a:endParaRPr lang="en-US" dirty="0"/>
           </a:p>
         </p:txBody>
       </p:sp>
@@ -1390,7 +1482,7 @@
           <a:p>
             <a:fld id="{96E0C481-39FA-644C-9AAA-5FF319C01BC2}" type="slidenum">
               <a:rPr lang="en-US" smtClean="0"/>
-              <a:t>117</a:t>
+              <a:t>112</a:t>
             </a:fld>
             <a:endParaRPr lang="en-US"/>
           </a:p>
@@ -1399,7 +1491,7 @@
     </p:spTree>
     <p:extLst>
       <p:ext uri="{BB962C8B-B14F-4D97-AF65-F5344CB8AC3E}">
-        <p14:creationId xmlns:p14="http://schemas.microsoft.com/office/powerpoint/2010/main" val="841247856"/>
+        <p14:creationId xmlns:p14="http://schemas.microsoft.com/office/powerpoint/2010/main" val="1363681726"/>
       </p:ext>
     </p:extLst>
   </p:cSld>
@@ -1453,51 +1545,7 @@
           <a:bodyPr/>
           <a:lstStyle/>
           <a:p>
-            <a:r>
-              <a:rPr lang="en-US" dirty="0" smtClean="0"/>
-              <a:t>Use</a:t>
-            </a:r>
-            <a:r>
-              <a:rPr lang="en-US" baseline="0" dirty="0" smtClean="0"/>
-              <a:t> $</a:t>
-            </a:r>
-            <a:r>
-              <a:rPr lang="en-US" baseline="0" dirty="0" err="1" smtClean="0"/>
-              <a:t>provide.factory</a:t>
-            </a:r>
-            <a:r>
-              <a:rPr lang="en-US" baseline="0" dirty="0" smtClean="0"/>
-              <a:t> in both</a:t>
-            </a:r>
-          </a:p>
-          <a:p>
-            <a:r>
-              <a:rPr lang="en-US" baseline="0" dirty="0" smtClean="0"/>
-              <a:t>Takes 2 </a:t>
-            </a:r>
-            <a:r>
-              <a:rPr lang="en-US" baseline="0" dirty="0" err="1" smtClean="0"/>
-              <a:t>args</a:t>
-            </a:r>
-            <a:endParaRPr lang="en-US" baseline="0" dirty="0" smtClean="0"/>
-          </a:p>
-          <a:p>
-            <a:endParaRPr lang="en-US" baseline="0" dirty="0" smtClean="0"/>
-          </a:p>
-          <a:p>
-            <a:r>
-              <a:rPr lang="en-US" baseline="0" dirty="0" smtClean="0"/>
-              <a:t>Provider should only do what is needed</a:t>
-            </a:r>
-          </a:p>
-          <a:p>
-            <a:endParaRPr lang="en-US" baseline="0" dirty="0" smtClean="0"/>
-          </a:p>
-          <a:p>
-            <a:r>
-              <a:rPr lang="en-US" baseline="0" dirty="0" smtClean="0"/>
-              <a:t>(demo) &gt; Underscore format</a:t>
-            </a:r>
+            <a:endParaRPr lang="en-US"/>
           </a:p>
         </p:txBody>
       </p:sp>
@@ -1518,7 +1566,7 @@
           <a:p>
             <a:fld id="{96E0C481-39FA-644C-9AAA-5FF319C01BC2}" type="slidenum">
               <a:rPr lang="en-US" smtClean="0"/>
-              <a:t>171</a:t>
+              <a:t>117</a:t>
             </a:fld>
             <a:endParaRPr lang="en-US"/>
           </a:p>
@@ -1527,7 +1575,7 @@
     </p:spTree>
     <p:extLst>
       <p:ext uri="{BB962C8B-B14F-4D97-AF65-F5344CB8AC3E}">
-        <p14:creationId xmlns:p14="http://schemas.microsoft.com/office/powerpoint/2010/main" val="383973629"/>
+        <p14:creationId xmlns:p14="http://schemas.microsoft.com/office/powerpoint/2010/main" val="841247856"/>
       </p:ext>
     </p:extLst>
   </p:cSld>
@@ -1583,39 +1631,49 @@
           <a:p>
             <a:r>
               <a:rPr lang="en-US" dirty="0" smtClean="0"/>
-              <a:t>Jasmine uses $</a:t>
-            </a:r>
-            <a:r>
-              <a:rPr lang="en-US" dirty="0" err="1" smtClean="0"/>
+              <a:t>Use</a:t>
+            </a:r>
+            <a:r>
+              <a:rPr lang="en-US" baseline="0" dirty="0" smtClean="0"/>
+              <a:t> $</a:t>
+            </a:r>
+            <a:r>
+              <a:rPr lang="en-US" baseline="0" dirty="0" err="1" smtClean="0"/>
               <a:t>provide.factory</a:t>
             </a:r>
-            <a:endParaRPr lang="en-US" dirty="0" smtClean="0"/>
-          </a:p>
-          <a:p>
-            <a:r>
-              <a:rPr lang="en-US" dirty="0" smtClean="0"/>
-              <a:t>Simplistic</a:t>
-            </a:r>
-          </a:p>
-          <a:p>
-            <a:r>
-              <a:rPr lang="en-US" dirty="0" smtClean="0"/>
-              <a:t>Talk</a:t>
-            </a:r>
             <a:r>
               <a:rPr lang="en-US" baseline="0" dirty="0" smtClean="0"/>
-              <a:t> through a spy</a:t>
-            </a:r>
-          </a:p>
-          <a:p>
+              <a:t> in both</a:t>
+            </a:r>
+          </a:p>
+          <a:p>
+            <a:r>
+              <a:rPr lang="en-US" baseline="0" dirty="0" smtClean="0"/>
+              <a:t>Takes 2 </a:t>
+            </a:r>
+            <a:r>
+              <a:rPr lang="en-US" baseline="0" dirty="0" err="1" smtClean="0"/>
+              <a:t>args</a:t>
+            </a:r>
             <a:endParaRPr lang="en-US" baseline="0" dirty="0" smtClean="0"/>
           </a:p>
           <a:p>
+            <a:endParaRPr lang="en-US" baseline="0" dirty="0" smtClean="0"/>
+          </a:p>
+          <a:p>
             <a:r>
               <a:rPr lang="en-US" baseline="0" dirty="0" smtClean="0"/>
-              <a:t>(demo)</a:t>
-            </a:r>
-            <a:endParaRPr lang="en-US" dirty="0" smtClean="0"/>
+              <a:t>Provider should only do what is needed</a:t>
+            </a:r>
+          </a:p>
+          <a:p>
+            <a:endParaRPr lang="en-US" baseline="0" dirty="0" smtClean="0"/>
+          </a:p>
+          <a:p>
+            <a:r>
+              <a:rPr lang="en-US" baseline="0" dirty="0" smtClean="0"/>
+              <a:t>(demo) &gt; Underscore format</a:t>
+            </a:r>
           </a:p>
         </p:txBody>
       </p:sp>
@@ -1636,7 +1694,7 @@
           <a:p>
             <a:fld id="{96E0C481-39FA-644C-9AAA-5FF319C01BC2}" type="slidenum">
               <a:rPr lang="en-US" smtClean="0"/>
-              <a:t>173</a:t>
+              <a:t>171</a:t>
             </a:fld>
             <a:endParaRPr lang="en-US"/>
           </a:p>
@@ -1645,7 +1703,7 @@
     </p:spTree>
     <p:extLst>
       <p:ext uri="{BB962C8B-B14F-4D97-AF65-F5344CB8AC3E}">
-        <p14:creationId xmlns:p14="http://schemas.microsoft.com/office/powerpoint/2010/main" val="1528444310"/>
+        <p14:creationId xmlns:p14="http://schemas.microsoft.com/office/powerpoint/2010/main" val="383973629"/>
       </p:ext>
     </p:extLst>
   </p:cSld>
@@ -1701,13 +1759,39 @@
           <a:p>
             <a:r>
               <a:rPr lang="en-US" dirty="0" smtClean="0"/>
-              <a:t>End of Day</a:t>
+              <a:t>Jasmine uses $</a:t>
+            </a:r>
+            <a:r>
+              <a:rPr lang="en-US" dirty="0" err="1" smtClean="0"/>
+              <a:t>provide.factory</a:t>
+            </a:r>
+            <a:endParaRPr lang="en-US" dirty="0" smtClean="0"/>
+          </a:p>
+          <a:p>
+            <a:r>
+              <a:rPr lang="en-US" dirty="0" smtClean="0"/>
+              <a:t>Simplistic</a:t>
+            </a:r>
+          </a:p>
+          <a:p>
+            <a:r>
+              <a:rPr lang="en-US" dirty="0" smtClean="0"/>
+              <a:t>Talk</a:t>
             </a:r>
             <a:r>
               <a:rPr lang="en-US" baseline="0" dirty="0" smtClean="0"/>
-              <a:t> 3</a:t>
-            </a:r>
-            <a:endParaRPr lang="en-US" dirty="0"/>
+              <a:t> through a spy</a:t>
+            </a:r>
+          </a:p>
+          <a:p>
+            <a:endParaRPr lang="en-US" baseline="0" dirty="0" smtClean="0"/>
+          </a:p>
+          <a:p>
+            <a:r>
+              <a:rPr lang="en-US" baseline="0" dirty="0" smtClean="0"/>
+              <a:t>(demo)</a:t>
+            </a:r>
+            <a:endParaRPr lang="en-US" dirty="0" smtClean="0"/>
           </a:p>
         </p:txBody>
       </p:sp>
@@ -1728,7 +1812,7 @@
           <a:p>
             <a:fld id="{96E0C481-39FA-644C-9AAA-5FF319C01BC2}" type="slidenum">
               <a:rPr lang="en-US" smtClean="0"/>
-              <a:t>194</a:t>
+              <a:t>173</a:t>
             </a:fld>
             <a:endParaRPr lang="en-US"/>
           </a:p>
@@ -1737,7 +1821,7 @@
     </p:spTree>
     <p:extLst>
       <p:ext uri="{BB962C8B-B14F-4D97-AF65-F5344CB8AC3E}">
-        <p14:creationId xmlns:p14="http://schemas.microsoft.com/office/powerpoint/2010/main" val="90613362"/>
+        <p14:creationId xmlns:p14="http://schemas.microsoft.com/office/powerpoint/2010/main" val="1528444310"/>
       </p:ext>
     </p:extLst>
   </p:cSld>
@@ -1971,9 +2055,9 @@
           <a:bodyPr/>
           <a:lstStyle/>
           <a:p>
-            <a:fld id="{8E98D209-F362-B44D-97CF-AFBA74F88441}" type="datetime1">
+            <a:fld id="{F3C8E9A7-7025-2A47-B9EF-5C49D6F42573}" type="datetime1">
               <a:rPr lang="en-US" smtClean="0"/>
-              <a:t>3/17/16</a:t>
+              <a:t>3/22/16</a:t>
             </a:fld>
             <a:endParaRPr lang="en-US"/>
           </a:p>
@@ -1994,6 +2078,10 @@
           <a:bodyPr/>
           <a:lstStyle/>
           <a:p>
+            <a:r>
+              <a:rPr lang="en-US" smtClean="0"/>
+              <a:t>Copyright © 2016 ProTech Professional Technical Services, Inc.</a:t>
+            </a:r>
             <a:endParaRPr lang="en-US"/>
           </a:p>
         </p:txBody>
@@ -2184,9 +2272,9 @@
           <a:bodyPr/>
           <a:lstStyle/>
           <a:p>
-            <a:fld id="{11286818-5C76-9546-B410-9A9D828819A5}" type="datetime1">
+            <a:fld id="{7692C5D1-4322-544A-AB9D-0276EF4E36B1}" type="datetime1">
               <a:rPr lang="en-US" smtClean="0"/>
-              <a:t>3/17/16</a:t>
+              <a:t>3/22/16</a:t>
             </a:fld>
             <a:endParaRPr lang="en-US"/>
           </a:p>
@@ -2207,6 +2295,10 @@
           <a:bodyPr/>
           <a:lstStyle/>
           <a:p>
+            <a:r>
+              <a:rPr lang="en-US" smtClean="0"/>
+              <a:t>Copyright © 2016 ProTech Professional Technical Services, Inc.</a:t>
+            </a:r>
             <a:endParaRPr lang="en-US"/>
           </a:p>
         </p:txBody>
@@ -2440,9 +2532,9 @@
           <a:bodyPr/>
           <a:lstStyle/>
           <a:p>
-            <a:fld id="{C055C5EF-2E56-A44B-8597-3375D9DFAB8A}" type="datetime1">
+            <a:fld id="{F4A88B96-E4F0-694C-8E4D-E5AF42F67533}" type="datetime1">
               <a:rPr lang="en-US" smtClean="0"/>
-              <a:t>3/17/16</a:t>
+              <a:t>3/22/16</a:t>
             </a:fld>
             <a:endParaRPr lang="en-US"/>
           </a:p>
@@ -2463,6 +2555,10 @@
           <a:bodyPr/>
           <a:lstStyle/>
           <a:p>
+            <a:r>
+              <a:rPr lang="en-US" smtClean="0"/>
+              <a:t>Copyright © 2016 ProTech Professional Technical Services, Inc.</a:t>
+            </a:r>
             <a:endParaRPr lang="en-US"/>
           </a:p>
         </p:txBody>
@@ -2619,9 +2715,9 @@
           <a:bodyPr/>
           <a:lstStyle/>
           <a:p>
-            <a:fld id="{12B6ED30-0850-1347-BD90-917B5585DEBB}" type="datetime1">
+            <a:fld id="{BDF4D48D-75FC-5D40-B2ED-B56F21CE2CA4}" type="datetime1">
               <a:rPr lang="en-US" smtClean="0"/>
-              <a:t>3/17/16</a:t>
+              <a:t>3/22/16</a:t>
             </a:fld>
             <a:endParaRPr lang="en-US"/>
           </a:p>
@@ -2642,7 +2738,19 @@
           <a:bodyPr/>
           <a:lstStyle/>
           <a:p>
-            <a:endParaRPr lang="en-US"/>
+            <a:r>
+              <a:rPr lang="en-US" dirty="0" smtClean="0"/>
+              <a:t>Copyright © 2016 </a:t>
+            </a:r>
+            <a:r>
+              <a:rPr lang="en-US" dirty="0" err="1" smtClean="0"/>
+              <a:t>ProTech</a:t>
+            </a:r>
+            <a:r>
+              <a:rPr lang="en-US" dirty="0" smtClean="0"/>
+              <a:t> Professional Technical Services, Inc.</a:t>
+            </a:r>
+            <a:endParaRPr lang="en-US" dirty="0"/>
           </a:p>
         </p:txBody>
       </p:sp>
@@ -2679,6 +2787,13 @@
   <p:clrMapOvr>
     <a:masterClrMapping/>
   </p:clrMapOvr>
+  <p:timing>
+    <p:tnLst>
+      <p:par>
+        <p:cTn id="1" dur="indefinite" restart="never" nodeType="tmRoot"/>
+      </p:par>
+    </p:tnLst>
+  </p:timing>
 </p:sldLayout>
 </file>
 
@@ -2962,9 +3077,9 @@
           <a:bodyPr/>
           <a:lstStyle/>
           <a:p>
-            <a:fld id="{AEFA16D7-52E9-D246-963E-B14067688DE6}" type="datetime1">
+            <a:fld id="{56E07B24-3E1B-8B41-ABAC-1F12F01533E9}" type="datetime1">
               <a:rPr lang="en-US" smtClean="0"/>
-              <a:t>3/17/16</a:t>
+              <a:t>3/22/16</a:t>
             </a:fld>
             <a:endParaRPr lang="en-US"/>
           </a:p>
@@ -2985,6 +3100,10 @@
           <a:bodyPr/>
           <a:lstStyle/>
           <a:p>
+            <a:r>
+              <a:rPr lang="en-US" smtClean="0"/>
+              <a:t>Copyright © 2016 ProTech Professional Technical Services, Inc.</a:t>
+            </a:r>
             <a:endParaRPr lang="en-US"/>
           </a:p>
         </p:txBody>
@@ -3242,9 +3361,9 @@
           <a:bodyPr/>
           <a:lstStyle/>
           <a:p>
-            <a:fld id="{9F1BDAAA-F027-1549-9BE8-E1ACF710FF5D}" type="datetime1">
+            <a:fld id="{E380AAA1-D0A2-394A-84E1-5382E5F44E49}" type="datetime1">
               <a:rPr lang="en-US" smtClean="0"/>
-              <a:t>3/17/16</a:t>
+              <a:t>3/22/16</a:t>
             </a:fld>
             <a:endParaRPr lang="en-US"/>
           </a:p>
@@ -3265,6 +3384,10 @@
           <a:bodyPr/>
           <a:lstStyle/>
           <a:p>
+            <a:r>
+              <a:rPr lang="en-US" smtClean="0"/>
+              <a:t>Copyright © 2016 ProTech Professional Technical Services, Inc.</a:t>
+            </a:r>
             <a:endParaRPr lang="en-US"/>
           </a:p>
         </p:txBody>
@@ -3621,9 +3744,9 @@
           <a:bodyPr/>
           <a:lstStyle/>
           <a:p>
-            <a:fld id="{BDE0685A-E973-374C-849D-02B7207C1E7D}" type="datetime1">
+            <a:fld id="{DB2BDC29-7B4D-BC41-9FA6-3D5239F23862}" type="datetime1">
               <a:rPr lang="en-US" smtClean="0"/>
-              <a:t>3/17/16</a:t>
+              <a:t>3/22/16</a:t>
             </a:fld>
             <a:endParaRPr lang="en-US"/>
           </a:p>
@@ -3644,6 +3767,10 @@
           <a:bodyPr/>
           <a:lstStyle/>
           <a:p>
+            <a:r>
+              <a:rPr lang="en-US" smtClean="0"/>
+              <a:t>Copyright © 2016 ProTech Professional Technical Services, Inc.</a:t>
+            </a:r>
             <a:endParaRPr lang="en-US"/>
           </a:p>
         </p:txBody>
@@ -3739,9 +3866,9 @@
           <a:bodyPr/>
           <a:lstStyle/>
           <a:p>
-            <a:fld id="{7A608878-9225-9B4B-8E3E-165829353C70}" type="datetime1">
+            <a:fld id="{B4E042C6-3B3E-904E-944E-E3505AA72594}" type="datetime1">
               <a:rPr lang="en-US" smtClean="0"/>
-              <a:t>3/17/16</a:t>
+              <a:t>3/22/16</a:t>
             </a:fld>
             <a:endParaRPr lang="en-US"/>
           </a:p>
@@ -3762,6 +3889,10 @@
           <a:bodyPr/>
           <a:lstStyle/>
           <a:p>
+            <a:r>
+              <a:rPr lang="en-US" smtClean="0"/>
+              <a:t>Copyright © 2016 ProTech Professional Technical Services, Inc.</a:t>
+            </a:r>
             <a:endParaRPr lang="en-US"/>
           </a:p>
         </p:txBody>
@@ -3910,9 +4041,9 @@
           <a:bodyPr/>
           <a:lstStyle/>
           <a:p>
-            <a:fld id="{2542FA2B-8C7B-804D-A79B-894EE20EDCE4}" type="datetime1">
+            <a:fld id="{FD53590D-33FE-6846-A9F1-4618C43293E4}" type="datetime1">
               <a:rPr lang="en-US" smtClean="0"/>
-              <a:t>3/17/16</a:t>
+              <a:t>3/22/16</a:t>
             </a:fld>
             <a:endParaRPr lang="en-US"/>
           </a:p>
@@ -3941,6 +4072,10 @@
             </a:lvl1pPr>
           </a:lstStyle>
           <a:p>
+            <a:r>
+              <a:rPr lang="en-US" smtClean="0"/>
+              <a:t>Copyright © 2016 ProTech Professional Technical Services, Inc.</a:t>
+            </a:r>
             <a:endParaRPr lang="en-US"/>
           </a:p>
         </p:txBody>
@@ -4269,9 +4404,9 @@
             </a:lvl1pPr>
           </a:lstStyle>
           <a:p>
-            <a:fld id="{93CC10F7-50DE-9448-AB3A-4E7876BC288D}" type="datetime1">
+            <a:fld id="{5EFACB18-4E89-BD43-ACE3-C2403DE3BD17}" type="datetime1">
               <a:rPr lang="en-US" smtClean="0"/>
-              <a:t>3/17/16</a:t>
+              <a:t>3/22/16</a:t>
             </a:fld>
             <a:endParaRPr lang="en-US"/>
           </a:p>
@@ -4305,6 +4440,10 @@
             </a:lvl1pPr>
           </a:lstStyle>
           <a:p>
+            <a:r>
+              <a:rPr lang="en-US" smtClean="0"/>
+              <a:t>Copyright © 2016 ProTech Professional Technical Services, Inc.</a:t>
+            </a:r>
             <a:endParaRPr lang="en-US"/>
           </a:p>
         </p:txBody>
@@ -4656,9 +4795,9 @@
           <a:bodyPr/>
           <a:lstStyle/>
           <a:p>
-            <a:fld id="{AF65105B-CC8E-3D4E-9293-479129E31B0C}" type="datetime1">
+            <a:fld id="{59AC080D-8600-7747-A974-4BE1CD218CC7}" type="datetime1">
               <a:rPr lang="en-US" smtClean="0"/>
-              <a:t>3/17/16</a:t>
+              <a:t>3/22/16</a:t>
             </a:fld>
             <a:endParaRPr lang="en-US"/>
           </a:p>
@@ -4679,6 +4818,10 @@
           <a:bodyPr/>
           <a:lstStyle/>
           <a:p>
+            <a:r>
+              <a:rPr lang="en-US" smtClean="0"/>
+              <a:t>Copyright © 2016 ProTech Professional Technical Services, Inc.</a:t>
+            </a:r>
             <a:endParaRPr lang="en-US" dirty="0"/>
           </a:p>
         </p:txBody>
@@ -4943,9 +5086,9 @@
             </a:lvl1pPr>
           </a:lstStyle>
           <a:p>
-            <a:fld id="{FBCC4294-156C-024A-BF41-3CA81B92D962}" type="datetime1">
+            <a:fld id="{F94F2FDC-6F64-8F49-9AEA-8831C54B0366}" type="datetime1">
               <a:rPr lang="en-US" smtClean="0"/>
-              <a:t>3/17/16</a:t>
+              <a:t>3/22/16</a:t>
             </a:fld>
             <a:endParaRPr lang="en-US"/>
           </a:p>
@@ -4982,6 +5125,10 @@
             </a:lvl1pPr>
           </a:lstStyle>
           <a:p>
+            <a:r>
+              <a:rPr lang="en-US" smtClean="0"/>
+              <a:t>Copyright © 2016 ProTech Professional Technical Services, Inc.</a:t>
+            </a:r>
             <a:endParaRPr lang="en-US"/>
           </a:p>
         </p:txBody>
@@ -5084,7 +5231,14 @@
     <p:sldLayoutId id="2147483926" r:id="rId10"/>
     <p:sldLayoutId id="2147483927" r:id="rId11"/>
   </p:sldLayoutIdLst>
-  <p:hf hdr="0" ftr="0" dt="0"/>
+  <p:timing>
+    <p:tnLst>
+      <p:par>
+        <p:cTn id="1" dur="indefinite" restart="never" nodeType="tmRoot"/>
+      </p:par>
+    </p:tnLst>
+  </p:timing>
+  <p:hf hdr="0" dt="0"/>
   <p:txStyles>
     <p:titleStyle>
       <a:lvl1pPr algn="l" defTabSz="914400" rtl="0" eaLnBrk="1" latinLnBrk="0" hangingPunct="1">
@@ -5548,6 +5702,29 @@
           </a:p>
         </p:txBody>
       </p:sp>
+      <p:sp>
+        <p:nvSpPr>
+          <p:cNvPr id="5" name="Footer Placeholder 4"/>
+          <p:cNvSpPr>
+            <a:spLocks noGrp="1"/>
+          </p:cNvSpPr>
+          <p:nvPr>
+            <p:ph type="ftr" sz="quarter" idx="11"/>
+          </p:nvPr>
+        </p:nvSpPr>
+        <p:spPr/>
+        <p:txBody>
+          <a:bodyPr/>
+          <a:lstStyle/>
+          <a:p>
+            <a:r>
+              <a:rPr lang="en-US" smtClean="0"/>
+              <a:t>Copyright © 2016 ProTech Professional Technical Services, Inc.</a:t>
+            </a:r>
+            <a:endParaRPr lang="en-US"/>
+          </a:p>
+        </p:txBody>
+      </p:sp>
     </p:spTree>
     <p:extLst>
       <p:ext uri="{BB962C8B-B14F-4D97-AF65-F5344CB8AC3E}">
@@ -5766,6 +5943,29 @@
           </a:p>
         </p:txBody>
       </p:sp>
+      <p:sp>
+        <p:nvSpPr>
+          <p:cNvPr id="5" name="Footer Placeholder 4"/>
+          <p:cNvSpPr>
+            <a:spLocks noGrp="1"/>
+          </p:cNvSpPr>
+          <p:nvPr>
+            <p:ph type="ftr" sz="quarter" idx="11"/>
+          </p:nvPr>
+        </p:nvSpPr>
+        <p:spPr/>
+        <p:txBody>
+          <a:bodyPr/>
+          <a:lstStyle/>
+          <a:p>
+            <a:r>
+              <a:rPr lang="en-US" smtClean="0"/>
+              <a:t>Copyright © 2016 ProTech Professional Technical Services, Inc.</a:t>
+            </a:r>
+            <a:endParaRPr lang="en-US" dirty="0"/>
+          </a:p>
+        </p:txBody>
+      </p:sp>
     </p:spTree>
     <p:extLst>
       <p:ext uri="{BB962C8B-B14F-4D97-AF65-F5344CB8AC3E}">
@@ -5980,6 +6180,29 @@
               <a:t>100</a:t>
             </a:fld>
             <a:endParaRPr lang="en-US"/>
+          </a:p>
+        </p:txBody>
+      </p:sp>
+      <p:sp>
+        <p:nvSpPr>
+          <p:cNvPr id="5" name="Footer Placeholder 4"/>
+          <p:cNvSpPr>
+            <a:spLocks noGrp="1"/>
+          </p:cNvSpPr>
+          <p:nvPr>
+            <p:ph type="ftr" sz="quarter" idx="11"/>
+          </p:nvPr>
+        </p:nvSpPr>
+        <p:spPr/>
+        <p:txBody>
+          <a:bodyPr/>
+          <a:lstStyle/>
+          <a:p>
+            <a:r>
+              <a:rPr lang="en-US" smtClean="0"/>
+              <a:t>Copyright © 2016 ProTech Professional Technical Services, Inc.</a:t>
+            </a:r>
+            <a:endParaRPr lang="en-US" dirty="0"/>
           </a:p>
         </p:txBody>
       </p:sp>
@@ -6154,6 +6377,29 @@
           </a:p>
         </p:txBody>
       </p:sp>
+      <p:sp>
+        <p:nvSpPr>
+          <p:cNvPr id="5" name="Footer Placeholder 4"/>
+          <p:cNvSpPr>
+            <a:spLocks noGrp="1"/>
+          </p:cNvSpPr>
+          <p:nvPr>
+            <p:ph type="ftr" sz="quarter" idx="11"/>
+          </p:nvPr>
+        </p:nvSpPr>
+        <p:spPr/>
+        <p:txBody>
+          <a:bodyPr/>
+          <a:lstStyle/>
+          <a:p>
+            <a:r>
+              <a:rPr lang="en-US" smtClean="0"/>
+              <a:t>Copyright © 2016 ProTech Professional Technical Services, Inc.</a:t>
+            </a:r>
+            <a:endParaRPr lang="en-US" dirty="0"/>
+          </a:p>
+        </p:txBody>
+      </p:sp>
     </p:spTree>
     <p:extLst>
       <p:ext uri="{BB962C8B-B14F-4D97-AF65-F5344CB8AC3E}">
@@ -6309,6 +6555,29 @@
           </a:p>
         </p:txBody>
       </p:sp>
+      <p:sp>
+        <p:nvSpPr>
+          <p:cNvPr id="5" name="Footer Placeholder 4"/>
+          <p:cNvSpPr>
+            <a:spLocks noGrp="1"/>
+          </p:cNvSpPr>
+          <p:nvPr>
+            <p:ph type="ftr" sz="quarter" idx="11"/>
+          </p:nvPr>
+        </p:nvSpPr>
+        <p:spPr/>
+        <p:txBody>
+          <a:bodyPr/>
+          <a:lstStyle/>
+          <a:p>
+            <a:r>
+              <a:rPr lang="en-US" smtClean="0"/>
+              <a:t>Copyright © 2016 ProTech Professional Technical Services, Inc.</a:t>
+            </a:r>
+            <a:endParaRPr lang="en-US" dirty="0"/>
+          </a:p>
+        </p:txBody>
+      </p:sp>
     </p:spTree>
     <p:extLst>
       <p:ext uri="{BB962C8B-B14F-4D97-AF65-F5344CB8AC3E}">
@@ -6519,6 +6788,29 @@
           </a:p>
         </p:txBody>
       </p:sp>
+      <p:sp>
+        <p:nvSpPr>
+          <p:cNvPr id="5" name="Footer Placeholder 4"/>
+          <p:cNvSpPr>
+            <a:spLocks noGrp="1"/>
+          </p:cNvSpPr>
+          <p:nvPr>
+            <p:ph type="ftr" sz="quarter" idx="11"/>
+          </p:nvPr>
+        </p:nvSpPr>
+        <p:spPr/>
+        <p:txBody>
+          <a:bodyPr/>
+          <a:lstStyle/>
+          <a:p>
+            <a:r>
+              <a:rPr lang="en-US" smtClean="0"/>
+              <a:t>Copyright © 2016 ProTech Professional Technical Services, Inc.</a:t>
+            </a:r>
+            <a:endParaRPr lang="en-US" dirty="0"/>
+          </a:p>
+        </p:txBody>
+      </p:sp>
     </p:spTree>
     <p:extLst>
       <p:ext uri="{BB962C8B-B14F-4D97-AF65-F5344CB8AC3E}">
@@ -6655,6 +6947,29 @@
           </a:p>
         </p:txBody>
       </p:sp>
+      <p:sp>
+        <p:nvSpPr>
+          <p:cNvPr id="5" name="Footer Placeholder 4"/>
+          <p:cNvSpPr>
+            <a:spLocks noGrp="1"/>
+          </p:cNvSpPr>
+          <p:nvPr>
+            <p:ph type="ftr" sz="quarter" idx="11"/>
+          </p:nvPr>
+        </p:nvSpPr>
+        <p:spPr/>
+        <p:txBody>
+          <a:bodyPr/>
+          <a:lstStyle/>
+          <a:p>
+            <a:r>
+              <a:rPr lang="en-US" smtClean="0"/>
+              <a:t>Copyright © 2016 ProTech Professional Technical Services, Inc.</a:t>
+            </a:r>
+            <a:endParaRPr lang="en-US" dirty="0"/>
+          </a:p>
+        </p:txBody>
+      </p:sp>
     </p:spTree>
     <p:extLst>
       <p:ext uri="{BB962C8B-B14F-4D97-AF65-F5344CB8AC3E}">
@@ -6815,6 +7130,29 @@
           </a:p>
         </p:txBody>
       </p:sp>
+      <p:sp>
+        <p:nvSpPr>
+          <p:cNvPr id="5" name="Footer Placeholder 4"/>
+          <p:cNvSpPr>
+            <a:spLocks noGrp="1"/>
+          </p:cNvSpPr>
+          <p:nvPr>
+            <p:ph type="ftr" sz="quarter" idx="11"/>
+          </p:nvPr>
+        </p:nvSpPr>
+        <p:spPr/>
+        <p:txBody>
+          <a:bodyPr/>
+          <a:lstStyle/>
+          <a:p>
+            <a:r>
+              <a:rPr lang="en-US" smtClean="0"/>
+              <a:t>Copyright © 2016 ProTech Professional Technical Services, Inc.</a:t>
+            </a:r>
+            <a:endParaRPr lang="en-US" dirty="0"/>
+          </a:p>
+        </p:txBody>
+      </p:sp>
     </p:spTree>
     <p:extLst>
       <p:ext uri="{BB962C8B-B14F-4D97-AF65-F5344CB8AC3E}">
@@ -6964,6 +7302,29 @@
           </a:p>
         </p:txBody>
       </p:sp>
+      <p:sp>
+        <p:nvSpPr>
+          <p:cNvPr id="5" name="Footer Placeholder 4"/>
+          <p:cNvSpPr>
+            <a:spLocks noGrp="1"/>
+          </p:cNvSpPr>
+          <p:nvPr>
+            <p:ph type="ftr" sz="quarter" idx="11"/>
+          </p:nvPr>
+        </p:nvSpPr>
+        <p:spPr/>
+        <p:txBody>
+          <a:bodyPr/>
+          <a:lstStyle/>
+          <a:p>
+            <a:r>
+              <a:rPr lang="en-US" smtClean="0"/>
+              <a:t>Copyright © 2016 ProTech Professional Technical Services, Inc.</a:t>
+            </a:r>
+            <a:endParaRPr lang="en-US" dirty="0"/>
+          </a:p>
+        </p:txBody>
+      </p:sp>
     </p:spTree>
     <p:extLst>
       <p:ext uri="{BB962C8B-B14F-4D97-AF65-F5344CB8AC3E}">
@@ -7135,6 +7496,29 @@
           </a:p>
         </p:txBody>
       </p:sp>
+      <p:sp>
+        <p:nvSpPr>
+          <p:cNvPr id="5" name="Footer Placeholder 4"/>
+          <p:cNvSpPr>
+            <a:spLocks noGrp="1"/>
+          </p:cNvSpPr>
+          <p:nvPr>
+            <p:ph type="ftr" sz="quarter" idx="11"/>
+          </p:nvPr>
+        </p:nvSpPr>
+        <p:spPr/>
+        <p:txBody>
+          <a:bodyPr/>
+          <a:lstStyle/>
+          <a:p>
+            <a:r>
+              <a:rPr lang="en-US" smtClean="0"/>
+              <a:t>Copyright © 2016 ProTech Professional Technical Services, Inc.</a:t>
+            </a:r>
+            <a:endParaRPr lang="en-US" dirty="0"/>
+          </a:p>
+        </p:txBody>
+      </p:sp>
     </p:spTree>
     <p:extLst>
       <p:ext uri="{BB962C8B-B14F-4D97-AF65-F5344CB8AC3E}">
@@ -7287,6 +7671,29 @@
           </a:p>
         </p:txBody>
       </p:sp>
+      <p:sp>
+        <p:nvSpPr>
+          <p:cNvPr id="5" name="Footer Placeholder 4"/>
+          <p:cNvSpPr>
+            <a:spLocks noGrp="1"/>
+          </p:cNvSpPr>
+          <p:nvPr>
+            <p:ph type="ftr" sz="quarter" idx="11"/>
+          </p:nvPr>
+        </p:nvSpPr>
+        <p:spPr/>
+        <p:txBody>
+          <a:bodyPr/>
+          <a:lstStyle/>
+          <a:p>
+            <a:r>
+              <a:rPr lang="en-US" smtClean="0"/>
+              <a:t>Copyright © 2016 ProTech Professional Technical Services, Inc.</a:t>
+            </a:r>
+            <a:endParaRPr lang="en-US" dirty="0"/>
+          </a:p>
+        </p:txBody>
+      </p:sp>
     </p:spTree>
     <p:extLst>
       <p:ext uri="{BB962C8B-B14F-4D97-AF65-F5344CB8AC3E}">
@@ -7521,6 +7928,29 @@
           </a:p>
         </p:txBody>
       </p:sp>
+      <p:sp>
+        <p:nvSpPr>
+          <p:cNvPr id="5" name="Footer Placeholder 4"/>
+          <p:cNvSpPr>
+            <a:spLocks noGrp="1"/>
+          </p:cNvSpPr>
+          <p:nvPr>
+            <p:ph type="ftr" sz="quarter" idx="11"/>
+          </p:nvPr>
+        </p:nvSpPr>
+        <p:spPr/>
+        <p:txBody>
+          <a:bodyPr/>
+          <a:lstStyle/>
+          <a:p>
+            <a:r>
+              <a:rPr lang="en-US" smtClean="0"/>
+              <a:t>Copyright © 2016 ProTech Professional Technical Services, Inc.</a:t>
+            </a:r>
+            <a:endParaRPr lang="en-US" dirty="0"/>
+          </a:p>
+        </p:txBody>
+      </p:sp>
     </p:spTree>
     <p:extLst>
       <p:ext uri="{BB962C8B-B14F-4D97-AF65-F5344CB8AC3E}">
@@ -7673,6 +8103,29 @@
           </a:p>
         </p:txBody>
       </p:sp>
+      <p:sp>
+        <p:nvSpPr>
+          <p:cNvPr id="5" name="Footer Placeholder 4"/>
+          <p:cNvSpPr>
+            <a:spLocks noGrp="1"/>
+          </p:cNvSpPr>
+          <p:nvPr>
+            <p:ph type="ftr" sz="quarter" idx="11"/>
+          </p:nvPr>
+        </p:nvSpPr>
+        <p:spPr/>
+        <p:txBody>
+          <a:bodyPr/>
+          <a:lstStyle/>
+          <a:p>
+            <a:r>
+              <a:rPr lang="en-US" smtClean="0"/>
+              <a:t>Copyright © 2016 ProTech Professional Technical Services, Inc.</a:t>
+            </a:r>
+            <a:endParaRPr lang="en-US" dirty="0"/>
+          </a:p>
+        </p:txBody>
+      </p:sp>
     </p:spTree>
     <p:extLst>
       <p:ext uri="{BB962C8B-B14F-4D97-AF65-F5344CB8AC3E}">
@@ -7930,6 +8383,29 @@
           </a:p>
         </p:txBody>
       </p:sp>
+      <p:sp>
+        <p:nvSpPr>
+          <p:cNvPr id="5" name="Footer Placeholder 4"/>
+          <p:cNvSpPr>
+            <a:spLocks noGrp="1"/>
+          </p:cNvSpPr>
+          <p:nvPr>
+            <p:ph type="ftr" sz="quarter" idx="11"/>
+          </p:nvPr>
+        </p:nvSpPr>
+        <p:spPr/>
+        <p:txBody>
+          <a:bodyPr/>
+          <a:lstStyle/>
+          <a:p>
+            <a:r>
+              <a:rPr lang="en-US" smtClean="0"/>
+              <a:t>Copyright © 2016 ProTech Professional Technical Services, Inc.</a:t>
+            </a:r>
+            <a:endParaRPr lang="en-US" dirty="0"/>
+          </a:p>
+        </p:txBody>
+      </p:sp>
     </p:spTree>
     <p:extLst>
       <p:ext uri="{BB962C8B-B14F-4D97-AF65-F5344CB8AC3E}">
@@ -8127,6 +8603,29 @@
           </a:p>
         </p:txBody>
       </p:sp>
+      <p:sp>
+        <p:nvSpPr>
+          <p:cNvPr id="5" name="Footer Placeholder 4"/>
+          <p:cNvSpPr>
+            <a:spLocks noGrp="1"/>
+          </p:cNvSpPr>
+          <p:nvPr>
+            <p:ph type="ftr" sz="quarter" idx="11"/>
+          </p:nvPr>
+        </p:nvSpPr>
+        <p:spPr/>
+        <p:txBody>
+          <a:bodyPr/>
+          <a:lstStyle/>
+          <a:p>
+            <a:r>
+              <a:rPr lang="en-US" smtClean="0"/>
+              <a:t>Copyright © 2016 ProTech Professional Technical Services, Inc.</a:t>
+            </a:r>
+            <a:endParaRPr lang="en-US" dirty="0"/>
+          </a:p>
+        </p:txBody>
+      </p:sp>
     </p:spTree>
     <p:extLst>
       <p:ext uri="{BB962C8B-B14F-4D97-AF65-F5344CB8AC3E}">
@@ -8327,6 +8826,29 @@
           </a:p>
         </p:txBody>
       </p:sp>
+      <p:sp>
+        <p:nvSpPr>
+          <p:cNvPr id="5" name="Footer Placeholder 4"/>
+          <p:cNvSpPr>
+            <a:spLocks noGrp="1"/>
+          </p:cNvSpPr>
+          <p:nvPr>
+            <p:ph type="ftr" sz="quarter" idx="11"/>
+          </p:nvPr>
+        </p:nvSpPr>
+        <p:spPr/>
+        <p:txBody>
+          <a:bodyPr/>
+          <a:lstStyle/>
+          <a:p>
+            <a:r>
+              <a:rPr lang="en-US" smtClean="0"/>
+              <a:t>Copyright © 2016 ProTech Professional Technical Services, Inc.</a:t>
+            </a:r>
+            <a:endParaRPr lang="en-US" dirty="0"/>
+          </a:p>
+        </p:txBody>
+      </p:sp>
     </p:spTree>
     <p:extLst>
       <p:ext uri="{BB962C8B-B14F-4D97-AF65-F5344CB8AC3E}">
@@ -8604,6 +9126,29 @@
           </a:p>
         </p:txBody>
       </p:sp>
+      <p:sp>
+        <p:nvSpPr>
+          <p:cNvPr id="5" name="Footer Placeholder 4"/>
+          <p:cNvSpPr>
+            <a:spLocks noGrp="1"/>
+          </p:cNvSpPr>
+          <p:nvPr>
+            <p:ph type="ftr" sz="quarter" idx="11"/>
+          </p:nvPr>
+        </p:nvSpPr>
+        <p:spPr/>
+        <p:txBody>
+          <a:bodyPr/>
+          <a:lstStyle/>
+          <a:p>
+            <a:r>
+              <a:rPr lang="en-US" smtClean="0"/>
+              <a:t>Copyright © 2016 ProTech Professional Technical Services, Inc.</a:t>
+            </a:r>
+            <a:endParaRPr lang="en-US" dirty="0"/>
+          </a:p>
+        </p:txBody>
+      </p:sp>
     </p:spTree>
     <p:extLst>
       <p:ext uri="{BB962C8B-B14F-4D97-AF65-F5344CB8AC3E}">
@@ -8884,6 +9429,29 @@
           </a:p>
         </p:txBody>
       </p:sp>
+      <p:sp>
+        <p:nvSpPr>
+          <p:cNvPr id="5" name="Footer Placeholder 4"/>
+          <p:cNvSpPr>
+            <a:spLocks noGrp="1"/>
+          </p:cNvSpPr>
+          <p:nvPr>
+            <p:ph type="ftr" sz="quarter" idx="11"/>
+          </p:nvPr>
+        </p:nvSpPr>
+        <p:spPr/>
+        <p:txBody>
+          <a:bodyPr/>
+          <a:lstStyle/>
+          <a:p>
+            <a:r>
+              <a:rPr lang="en-US" smtClean="0"/>
+              <a:t>Copyright © 2016 ProTech Professional Technical Services, Inc.</a:t>
+            </a:r>
+            <a:endParaRPr lang="en-US" dirty="0"/>
+          </a:p>
+        </p:txBody>
+      </p:sp>
     </p:spTree>
     <p:extLst>
       <p:ext uri="{BB962C8B-B14F-4D97-AF65-F5344CB8AC3E}">
@@ -9025,6 +9593,29 @@
           </a:p>
         </p:txBody>
       </p:sp>
+      <p:sp>
+        <p:nvSpPr>
+          <p:cNvPr id="5" name="Footer Placeholder 4"/>
+          <p:cNvSpPr>
+            <a:spLocks noGrp="1"/>
+          </p:cNvSpPr>
+          <p:nvPr>
+            <p:ph type="ftr" sz="quarter" idx="11"/>
+          </p:nvPr>
+        </p:nvSpPr>
+        <p:spPr/>
+        <p:txBody>
+          <a:bodyPr/>
+          <a:lstStyle/>
+          <a:p>
+            <a:r>
+              <a:rPr lang="en-US" smtClean="0"/>
+              <a:t>Copyright © 2016 ProTech Professional Technical Services, Inc.</a:t>
+            </a:r>
+            <a:endParaRPr lang="en-US" dirty="0"/>
+          </a:p>
+        </p:txBody>
+      </p:sp>
     </p:spTree>
     <p:extLst>
       <p:ext uri="{BB962C8B-B14F-4D97-AF65-F5344CB8AC3E}">
@@ -9224,6 +9815,29 @@
           </a:p>
         </p:txBody>
       </p:sp>
+      <p:sp>
+        <p:nvSpPr>
+          <p:cNvPr id="5" name="Footer Placeholder 4"/>
+          <p:cNvSpPr>
+            <a:spLocks noGrp="1"/>
+          </p:cNvSpPr>
+          <p:nvPr>
+            <p:ph type="ftr" sz="quarter" idx="11"/>
+          </p:nvPr>
+        </p:nvSpPr>
+        <p:spPr/>
+        <p:txBody>
+          <a:bodyPr/>
+          <a:lstStyle/>
+          <a:p>
+            <a:r>
+              <a:rPr lang="en-US" smtClean="0"/>
+              <a:t>Copyright © 2016 ProTech Professional Technical Services, Inc.</a:t>
+            </a:r>
+            <a:endParaRPr lang="en-US" dirty="0"/>
+          </a:p>
+        </p:txBody>
+      </p:sp>
     </p:spTree>
     <p:extLst>
       <p:ext uri="{BB962C8B-B14F-4D97-AF65-F5344CB8AC3E}">
@@ -9451,6 +10065,29 @@
           </a:p>
         </p:txBody>
       </p:sp>
+      <p:sp>
+        <p:nvSpPr>
+          <p:cNvPr id="5" name="Footer Placeholder 4"/>
+          <p:cNvSpPr>
+            <a:spLocks noGrp="1"/>
+          </p:cNvSpPr>
+          <p:nvPr>
+            <p:ph type="ftr" sz="quarter" idx="11"/>
+          </p:nvPr>
+        </p:nvSpPr>
+        <p:spPr/>
+        <p:txBody>
+          <a:bodyPr/>
+          <a:lstStyle/>
+          <a:p>
+            <a:r>
+              <a:rPr lang="en-US" smtClean="0"/>
+              <a:t>Copyright © 2016 ProTech Professional Technical Services, Inc.</a:t>
+            </a:r>
+            <a:endParaRPr lang="en-US" dirty="0"/>
+          </a:p>
+        </p:txBody>
+      </p:sp>
     </p:spTree>
     <p:extLst>
       <p:ext uri="{BB962C8B-B14F-4D97-AF65-F5344CB8AC3E}">
@@ -9750,6 +10387,29 @@
           </a:p>
         </p:txBody>
       </p:sp>
+      <p:sp>
+        <p:nvSpPr>
+          <p:cNvPr id="5" name="Footer Placeholder 4"/>
+          <p:cNvSpPr>
+            <a:spLocks noGrp="1"/>
+          </p:cNvSpPr>
+          <p:nvPr>
+            <p:ph type="ftr" sz="quarter" idx="11"/>
+          </p:nvPr>
+        </p:nvSpPr>
+        <p:spPr/>
+        <p:txBody>
+          <a:bodyPr/>
+          <a:lstStyle/>
+          <a:p>
+            <a:r>
+              <a:rPr lang="en-US" smtClean="0"/>
+              <a:t>Copyright © 2016 ProTech Professional Technical Services, Inc.</a:t>
+            </a:r>
+            <a:endParaRPr lang="en-US" dirty="0"/>
+          </a:p>
+        </p:txBody>
+      </p:sp>
     </p:spTree>
     <p:extLst>
       <p:ext uri="{BB962C8B-B14F-4D97-AF65-F5344CB8AC3E}">
@@ -9922,6 +10582,29 @@
           </a:p>
         </p:txBody>
       </p:sp>
+      <p:sp>
+        <p:nvSpPr>
+          <p:cNvPr id="5" name="Footer Placeholder 4"/>
+          <p:cNvSpPr>
+            <a:spLocks noGrp="1"/>
+          </p:cNvSpPr>
+          <p:nvPr>
+            <p:ph type="ftr" sz="quarter" idx="11"/>
+          </p:nvPr>
+        </p:nvSpPr>
+        <p:spPr/>
+        <p:txBody>
+          <a:bodyPr/>
+          <a:lstStyle/>
+          <a:p>
+            <a:r>
+              <a:rPr lang="en-US" smtClean="0"/>
+              <a:t>Copyright © 2016 ProTech Professional Technical Services, Inc.</a:t>
+            </a:r>
+            <a:endParaRPr lang="en-US" dirty="0"/>
+          </a:p>
+        </p:txBody>
+      </p:sp>
     </p:spTree>
     <p:extLst>
       <p:ext uri="{BB962C8B-B14F-4D97-AF65-F5344CB8AC3E}">
@@ -10084,6 +10767,29 @@
           </a:p>
         </p:txBody>
       </p:sp>
+      <p:sp>
+        <p:nvSpPr>
+          <p:cNvPr id="5" name="Footer Placeholder 4"/>
+          <p:cNvSpPr>
+            <a:spLocks noGrp="1"/>
+          </p:cNvSpPr>
+          <p:nvPr>
+            <p:ph type="ftr" sz="quarter" idx="11"/>
+          </p:nvPr>
+        </p:nvSpPr>
+        <p:spPr/>
+        <p:txBody>
+          <a:bodyPr/>
+          <a:lstStyle/>
+          <a:p>
+            <a:r>
+              <a:rPr lang="en-US" smtClean="0"/>
+              <a:t>Copyright © 2016 ProTech Professional Technical Services, Inc.</a:t>
+            </a:r>
+            <a:endParaRPr lang="en-US" dirty="0"/>
+          </a:p>
+        </p:txBody>
+      </p:sp>
     </p:spTree>
     <p:extLst>
       <p:ext uri="{BB962C8B-B14F-4D97-AF65-F5344CB8AC3E}">
@@ -10235,6 +10941,29 @@
           </a:p>
         </p:txBody>
       </p:sp>
+      <p:sp>
+        <p:nvSpPr>
+          <p:cNvPr id="5" name="Footer Placeholder 4"/>
+          <p:cNvSpPr>
+            <a:spLocks noGrp="1"/>
+          </p:cNvSpPr>
+          <p:nvPr>
+            <p:ph type="ftr" sz="quarter" idx="11"/>
+          </p:nvPr>
+        </p:nvSpPr>
+        <p:spPr/>
+        <p:txBody>
+          <a:bodyPr/>
+          <a:lstStyle/>
+          <a:p>
+            <a:r>
+              <a:rPr lang="en-US" smtClean="0"/>
+              <a:t>Copyright © 2016 ProTech Professional Technical Services, Inc.</a:t>
+            </a:r>
+            <a:endParaRPr lang="en-US" dirty="0"/>
+          </a:p>
+        </p:txBody>
+      </p:sp>
     </p:spTree>
     <p:extLst>
       <p:ext uri="{BB962C8B-B14F-4D97-AF65-F5344CB8AC3E}">
@@ -10359,6 +11088,29 @@
           </a:p>
         </p:txBody>
       </p:sp>
+      <p:sp>
+        <p:nvSpPr>
+          <p:cNvPr id="5" name="Footer Placeholder 4"/>
+          <p:cNvSpPr>
+            <a:spLocks noGrp="1"/>
+          </p:cNvSpPr>
+          <p:nvPr>
+            <p:ph type="ftr" sz="quarter" idx="11"/>
+          </p:nvPr>
+        </p:nvSpPr>
+        <p:spPr/>
+        <p:txBody>
+          <a:bodyPr/>
+          <a:lstStyle/>
+          <a:p>
+            <a:r>
+              <a:rPr lang="en-US" smtClean="0"/>
+              <a:t>Copyright © 2016 ProTech Professional Technical Services, Inc.</a:t>
+            </a:r>
+            <a:endParaRPr lang="en-US" dirty="0"/>
+          </a:p>
+        </p:txBody>
+      </p:sp>
     </p:spTree>
     <p:extLst>
       <p:ext uri="{BB962C8B-B14F-4D97-AF65-F5344CB8AC3E}">
@@ -10475,6 +11227,29 @@
           </a:p>
         </p:txBody>
       </p:sp>
+      <p:sp>
+        <p:nvSpPr>
+          <p:cNvPr id="5" name="Footer Placeholder 4"/>
+          <p:cNvSpPr>
+            <a:spLocks noGrp="1"/>
+          </p:cNvSpPr>
+          <p:nvPr>
+            <p:ph type="ftr" sz="quarter" idx="11"/>
+          </p:nvPr>
+        </p:nvSpPr>
+        <p:spPr/>
+        <p:txBody>
+          <a:bodyPr/>
+          <a:lstStyle/>
+          <a:p>
+            <a:r>
+              <a:rPr lang="en-US" smtClean="0"/>
+              <a:t>Copyright © 2016 ProTech Professional Technical Services, Inc.</a:t>
+            </a:r>
+            <a:endParaRPr lang="en-US" dirty="0"/>
+          </a:p>
+        </p:txBody>
+      </p:sp>
     </p:spTree>
     <p:extLst>
       <p:ext uri="{BB962C8B-B14F-4D97-AF65-F5344CB8AC3E}">
@@ -10607,6 +11382,29 @@
           </a:p>
         </p:txBody>
       </p:sp>
+      <p:sp>
+        <p:nvSpPr>
+          <p:cNvPr id="5" name="Footer Placeholder 4"/>
+          <p:cNvSpPr>
+            <a:spLocks noGrp="1"/>
+          </p:cNvSpPr>
+          <p:nvPr>
+            <p:ph type="ftr" sz="quarter" idx="11"/>
+          </p:nvPr>
+        </p:nvSpPr>
+        <p:spPr/>
+        <p:txBody>
+          <a:bodyPr/>
+          <a:lstStyle/>
+          <a:p>
+            <a:r>
+              <a:rPr lang="en-US" smtClean="0"/>
+              <a:t>Copyright © 2016 ProTech Professional Technical Services, Inc.</a:t>
+            </a:r>
+            <a:endParaRPr lang="en-US" dirty="0"/>
+          </a:p>
+        </p:txBody>
+      </p:sp>
     </p:spTree>
     <p:extLst>
       <p:ext uri="{BB962C8B-B14F-4D97-AF65-F5344CB8AC3E}">
@@ -10804,6 +11602,29 @@
           </a:p>
         </p:txBody>
       </p:sp>
+      <p:sp>
+        <p:nvSpPr>
+          <p:cNvPr id="5" name="Footer Placeholder 4"/>
+          <p:cNvSpPr>
+            <a:spLocks noGrp="1"/>
+          </p:cNvSpPr>
+          <p:nvPr>
+            <p:ph type="ftr" sz="quarter" idx="11"/>
+          </p:nvPr>
+        </p:nvSpPr>
+        <p:spPr/>
+        <p:txBody>
+          <a:bodyPr/>
+          <a:lstStyle/>
+          <a:p>
+            <a:r>
+              <a:rPr lang="en-US" smtClean="0"/>
+              <a:t>Copyright © 2016 ProTech Professional Technical Services, Inc.</a:t>
+            </a:r>
+            <a:endParaRPr lang="en-US" dirty="0"/>
+          </a:p>
+        </p:txBody>
+      </p:sp>
     </p:spTree>
     <p:extLst>
       <p:ext uri="{BB962C8B-B14F-4D97-AF65-F5344CB8AC3E}">
@@ -11067,6 +11888,29 @@
               <a:t>125</a:t>
             </a:fld>
             <a:endParaRPr lang="en-US"/>
+          </a:p>
+        </p:txBody>
+      </p:sp>
+      <p:sp>
+        <p:nvSpPr>
+          <p:cNvPr id="5" name="Footer Placeholder 4"/>
+          <p:cNvSpPr>
+            <a:spLocks noGrp="1"/>
+          </p:cNvSpPr>
+          <p:nvPr>
+            <p:ph type="ftr" sz="quarter" idx="11"/>
+          </p:nvPr>
+        </p:nvSpPr>
+        <p:spPr/>
+        <p:txBody>
+          <a:bodyPr/>
+          <a:lstStyle/>
+          <a:p>
+            <a:r>
+              <a:rPr lang="en-US" smtClean="0"/>
+              <a:t>Copyright © 2016 ProTech Professional Technical Services, Inc.</a:t>
+            </a:r>
+            <a:endParaRPr lang="en-US" dirty="0"/>
           </a:p>
         </p:txBody>
       </p:sp>
@@ -12012,6 +12856,29 @@
           </a:p>
         </p:txBody>
       </p:sp>
+      <p:sp>
+        <p:nvSpPr>
+          <p:cNvPr id="3" name="Footer Placeholder 2"/>
+          <p:cNvSpPr>
+            <a:spLocks noGrp="1"/>
+          </p:cNvSpPr>
+          <p:nvPr>
+            <p:ph type="ftr" sz="quarter" idx="11"/>
+          </p:nvPr>
+        </p:nvSpPr>
+        <p:spPr/>
+        <p:txBody>
+          <a:bodyPr/>
+          <a:lstStyle/>
+          <a:p>
+            <a:r>
+              <a:rPr lang="en-US" smtClean="0"/>
+              <a:t>Copyright © 2016 ProTech Professional Technical Services, Inc.</a:t>
+            </a:r>
+            <a:endParaRPr lang="en-US" dirty="0"/>
+          </a:p>
+        </p:txBody>
+      </p:sp>
     </p:spTree>
     <p:extLst>
       <p:ext uri="{BB962C8B-B14F-4D97-AF65-F5344CB8AC3E}">
@@ -12190,6 +13057,29 @@
           </a:p>
         </p:txBody>
       </p:sp>
+      <p:sp>
+        <p:nvSpPr>
+          <p:cNvPr id="5" name="Footer Placeholder 4"/>
+          <p:cNvSpPr>
+            <a:spLocks noGrp="1"/>
+          </p:cNvSpPr>
+          <p:nvPr>
+            <p:ph type="ftr" sz="quarter" idx="11"/>
+          </p:nvPr>
+        </p:nvSpPr>
+        <p:spPr/>
+        <p:txBody>
+          <a:bodyPr/>
+          <a:lstStyle/>
+          <a:p>
+            <a:r>
+              <a:rPr lang="en-US" smtClean="0"/>
+              <a:t>Copyright © 2016 ProTech Professional Technical Services, Inc.</a:t>
+            </a:r>
+            <a:endParaRPr lang="en-US" dirty="0"/>
+          </a:p>
+        </p:txBody>
+      </p:sp>
     </p:spTree>
     <p:extLst>
       <p:ext uri="{BB962C8B-B14F-4D97-AF65-F5344CB8AC3E}">
@@ -12385,6 +13275,29 @@
           </a:p>
         </p:txBody>
       </p:sp>
+      <p:sp>
+        <p:nvSpPr>
+          <p:cNvPr id="5" name="Footer Placeholder 4"/>
+          <p:cNvSpPr>
+            <a:spLocks noGrp="1"/>
+          </p:cNvSpPr>
+          <p:nvPr>
+            <p:ph type="ftr" sz="quarter" idx="11"/>
+          </p:nvPr>
+        </p:nvSpPr>
+        <p:spPr/>
+        <p:txBody>
+          <a:bodyPr/>
+          <a:lstStyle/>
+          <a:p>
+            <a:r>
+              <a:rPr lang="en-US" smtClean="0"/>
+              <a:t>Copyright © 2016 ProTech Professional Technical Services, Inc.</a:t>
+            </a:r>
+            <a:endParaRPr lang="en-US" dirty="0"/>
+          </a:p>
+        </p:txBody>
+      </p:sp>
     </p:spTree>
     <p:extLst>
       <p:ext uri="{BB962C8B-B14F-4D97-AF65-F5344CB8AC3E}">
@@ -12608,6 +13521,29 @@
           </a:p>
         </p:txBody>
       </p:sp>
+      <p:sp>
+        <p:nvSpPr>
+          <p:cNvPr id="5" name="Footer Placeholder 4"/>
+          <p:cNvSpPr>
+            <a:spLocks noGrp="1"/>
+          </p:cNvSpPr>
+          <p:nvPr>
+            <p:ph type="ftr" sz="quarter" idx="11"/>
+          </p:nvPr>
+        </p:nvSpPr>
+        <p:spPr/>
+        <p:txBody>
+          <a:bodyPr/>
+          <a:lstStyle/>
+          <a:p>
+            <a:r>
+              <a:rPr lang="en-US" smtClean="0"/>
+              <a:t>Copyright © 2016 ProTech Professional Technical Services, Inc.</a:t>
+            </a:r>
+            <a:endParaRPr lang="en-US" dirty="0"/>
+          </a:p>
+        </p:txBody>
+      </p:sp>
     </p:spTree>
     <p:extLst>
       <p:ext uri="{BB962C8B-B14F-4D97-AF65-F5344CB8AC3E}">
@@ -12741,6 +13677,29 @@
           </a:p>
         </p:txBody>
       </p:sp>
+      <p:sp>
+        <p:nvSpPr>
+          <p:cNvPr id="5" name="Footer Placeholder 4"/>
+          <p:cNvSpPr>
+            <a:spLocks noGrp="1"/>
+          </p:cNvSpPr>
+          <p:nvPr>
+            <p:ph type="ftr" sz="quarter" idx="11"/>
+          </p:nvPr>
+        </p:nvSpPr>
+        <p:spPr/>
+        <p:txBody>
+          <a:bodyPr/>
+          <a:lstStyle/>
+          <a:p>
+            <a:r>
+              <a:rPr lang="en-US" smtClean="0"/>
+              <a:t>Copyright © 2016 ProTech Professional Technical Services, Inc.</a:t>
+            </a:r>
+            <a:endParaRPr lang="en-US" dirty="0"/>
+          </a:p>
+        </p:txBody>
+      </p:sp>
     </p:spTree>
     <p:extLst>
       <p:ext uri="{BB962C8B-B14F-4D97-AF65-F5344CB8AC3E}">
@@ -12955,6 +13914,29 @@
           </a:p>
         </p:txBody>
       </p:sp>
+      <p:sp>
+        <p:nvSpPr>
+          <p:cNvPr id="5" name="Footer Placeholder 4"/>
+          <p:cNvSpPr>
+            <a:spLocks noGrp="1"/>
+          </p:cNvSpPr>
+          <p:nvPr>
+            <p:ph type="ftr" sz="quarter" idx="11"/>
+          </p:nvPr>
+        </p:nvSpPr>
+        <p:spPr/>
+        <p:txBody>
+          <a:bodyPr/>
+          <a:lstStyle/>
+          <a:p>
+            <a:r>
+              <a:rPr lang="en-US" smtClean="0"/>
+              <a:t>Copyright © 2016 ProTech Professional Technical Services, Inc.</a:t>
+            </a:r>
+            <a:endParaRPr lang="en-US" dirty="0"/>
+          </a:p>
+        </p:txBody>
+      </p:sp>
     </p:spTree>
     <p:extLst>
       <p:ext uri="{BB962C8B-B14F-4D97-AF65-F5344CB8AC3E}">
@@ -13300,6 +14282,29 @@
           </a:p>
         </p:txBody>
       </p:sp>
+      <p:sp>
+        <p:nvSpPr>
+          <p:cNvPr id="5" name="Footer Placeholder 4"/>
+          <p:cNvSpPr>
+            <a:spLocks noGrp="1"/>
+          </p:cNvSpPr>
+          <p:nvPr>
+            <p:ph type="ftr" sz="quarter" idx="11"/>
+          </p:nvPr>
+        </p:nvSpPr>
+        <p:spPr/>
+        <p:txBody>
+          <a:bodyPr/>
+          <a:lstStyle/>
+          <a:p>
+            <a:r>
+              <a:rPr lang="en-US" smtClean="0"/>
+              <a:t>Copyright © 2016 ProTech Professional Technical Services, Inc.</a:t>
+            </a:r>
+            <a:endParaRPr lang="en-US" dirty="0"/>
+          </a:p>
+        </p:txBody>
+      </p:sp>
     </p:spTree>
     <p:extLst>
       <p:ext uri="{BB962C8B-B14F-4D97-AF65-F5344CB8AC3E}">
@@ -13462,6 +14467,29 @@
           </a:p>
         </p:txBody>
       </p:sp>
+      <p:sp>
+        <p:nvSpPr>
+          <p:cNvPr id="5" name="Footer Placeholder 4"/>
+          <p:cNvSpPr>
+            <a:spLocks noGrp="1"/>
+          </p:cNvSpPr>
+          <p:nvPr>
+            <p:ph type="ftr" sz="quarter" idx="11"/>
+          </p:nvPr>
+        </p:nvSpPr>
+        <p:spPr/>
+        <p:txBody>
+          <a:bodyPr/>
+          <a:lstStyle/>
+          <a:p>
+            <a:r>
+              <a:rPr lang="en-US" smtClean="0"/>
+              <a:t>Copyright © 2016 ProTech Professional Technical Services, Inc.</a:t>
+            </a:r>
+            <a:endParaRPr lang="en-US" dirty="0"/>
+          </a:p>
+        </p:txBody>
+      </p:sp>
     </p:spTree>
     <p:extLst>
       <p:ext uri="{BB962C8B-B14F-4D97-AF65-F5344CB8AC3E}">
@@ -13611,6 +14639,29 @@
           </a:p>
         </p:txBody>
       </p:sp>
+      <p:sp>
+        <p:nvSpPr>
+          <p:cNvPr id="4" name="Footer Placeholder 3"/>
+          <p:cNvSpPr>
+            <a:spLocks noGrp="1"/>
+          </p:cNvSpPr>
+          <p:nvPr>
+            <p:ph type="ftr" sz="quarter" idx="11"/>
+          </p:nvPr>
+        </p:nvSpPr>
+        <p:spPr/>
+        <p:txBody>
+          <a:bodyPr/>
+          <a:lstStyle/>
+          <a:p>
+            <a:r>
+              <a:rPr lang="en-US" smtClean="0"/>
+              <a:t>Copyright © 2016 ProTech Professional Technical Services, Inc.</a:t>
+            </a:r>
+            <a:endParaRPr lang="en-US" dirty="0"/>
+          </a:p>
+        </p:txBody>
+      </p:sp>
     </p:spTree>
     <p:extLst>
       <p:ext uri="{BB962C8B-B14F-4D97-AF65-F5344CB8AC3E}">
@@ -13845,6 +14896,29 @@
           </a:p>
         </p:txBody>
       </p:sp>
+      <p:sp>
+        <p:nvSpPr>
+          <p:cNvPr id="5" name="Footer Placeholder 4"/>
+          <p:cNvSpPr>
+            <a:spLocks noGrp="1"/>
+          </p:cNvSpPr>
+          <p:nvPr>
+            <p:ph type="ftr" sz="quarter" idx="11"/>
+          </p:nvPr>
+        </p:nvSpPr>
+        <p:spPr/>
+        <p:txBody>
+          <a:bodyPr/>
+          <a:lstStyle/>
+          <a:p>
+            <a:r>
+              <a:rPr lang="en-US" smtClean="0"/>
+              <a:t>Copyright © 2016 ProTech Professional Technical Services, Inc.</a:t>
+            </a:r>
+            <a:endParaRPr lang="en-US" dirty="0"/>
+          </a:p>
+        </p:txBody>
+      </p:sp>
     </p:spTree>
     <p:extLst>
       <p:ext uri="{BB962C8B-B14F-4D97-AF65-F5344CB8AC3E}">
@@ -14047,6 +15121,29 @@
           </a:p>
         </p:txBody>
       </p:sp>
+      <p:sp>
+        <p:nvSpPr>
+          <p:cNvPr id="5" name="Footer Placeholder 4"/>
+          <p:cNvSpPr>
+            <a:spLocks noGrp="1"/>
+          </p:cNvSpPr>
+          <p:nvPr>
+            <p:ph type="ftr" sz="quarter" idx="11"/>
+          </p:nvPr>
+        </p:nvSpPr>
+        <p:spPr/>
+        <p:txBody>
+          <a:bodyPr/>
+          <a:lstStyle/>
+          <a:p>
+            <a:r>
+              <a:rPr lang="en-US" smtClean="0"/>
+              <a:t>Copyright © 2016 ProTech Professional Technical Services, Inc.</a:t>
+            </a:r>
+            <a:endParaRPr lang="en-US" dirty="0"/>
+          </a:p>
+        </p:txBody>
+      </p:sp>
     </p:spTree>
     <p:extLst>
       <p:ext uri="{BB962C8B-B14F-4D97-AF65-F5344CB8AC3E}">
@@ -14318,6 +15415,29 @@
           </a:p>
         </p:txBody>
       </p:sp>
+      <p:sp>
+        <p:nvSpPr>
+          <p:cNvPr id="5" name="Footer Placeholder 4"/>
+          <p:cNvSpPr>
+            <a:spLocks noGrp="1"/>
+          </p:cNvSpPr>
+          <p:nvPr>
+            <p:ph type="ftr" sz="quarter" idx="11"/>
+          </p:nvPr>
+        </p:nvSpPr>
+        <p:spPr/>
+        <p:txBody>
+          <a:bodyPr/>
+          <a:lstStyle/>
+          <a:p>
+            <a:r>
+              <a:rPr lang="en-US" smtClean="0"/>
+              <a:t>Copyright © 2016 ProTech Professional Technical Services, Inc.</a:t>
+            </a:r>
+            <a:endParaRPr lang="en-US" dirty="0"/>
+          </a:p>
+        </p:txBody>
+      </p:sp>
     </p:spTree>
     <p:extLst>
       <p:ext uri="{BB962C8B-B14F-4D97-AF65-F5344CB8AC3E}">
@@ -14558,6 +15678,29 @@
           </a:p>
         </p:txBody>
       </p:sp>
+      <p:sp>
+        <p:nvSpPr>
+          <p:cNvPr id="5" name="Footer Placeholder 4"/>
+          <p:cNvSpPr>
+            <a:spLocks noGrp="1"/>
+          </p:cNvSpPr>
+          <p:nvPr>
+            <p:ph type="ftr" sz="quarter" idx="11"/>
+          </p:nvPr>
+        </p:nvSpPr>
+        <p:spPr/>
+        <p:txBody>
+          <a:bodyPr/>
+          <a:lstStyle/>
+          <a:p>
+            <a:r>
+              <a:rPr lang="en-US" smtClean="0"/>
+              <a:t>Copyright © 2016 ProTech Professional Technical Services, Inc.</a:t>
+            </a:r>
+            <a:endParaRPr lang="en-US" dirty="0"/>
+          </a:p>
+        </p:txBody>
+      </p:sp>
     </p:spTree>
     <p:extLst>
       <p:ext uri="{BB962C8B-B14F-4D97-AF65-F5344CB8AC3E}">
@@ -14782,6 +15925,29 @@
           </a:p>
         </p:txBody>
       </p:sp>
+      <p:sp>
+        <p:nvSpPr>
+          <p:cNvPr id="5" name="Footer Placeholder 4"/>
+          <p:cNvSpPr>
+            <a:spLocks noGrp="1"/>
+          </p:cNvSpPr>
+          <p:nvPr>
+            <p:ph type="ftr" sz="quarter" idx="11"/>
+          </p:nvPr>
+        </p:nvSpPr>
+        <p:spPr/>
+        <p:txBody>
+          <a:bodyPr/>
+          <a:lstStyle/>
+          <a:p>
+            <a:r>
+              <a:rPr lang="en-US" smtClean="0"/>
+              <a:t>Copyright © 2016 ProTech Professional Technical Services, Inc.</a:t>
+            </a:r>
+            <a:endParaRPr lang="en-US" dirty="0"/>
+          </a:p>
+        </p:txBody>
+      </p:sp>
     </p:spTree>
     <p:extLst>
       <p:ext uri="{BB962C8B-B14F-4D97-AF65-F5344CB8AC3E}">
@@ -14979,6 +16145,29 @@
           </a:p>
         </p:txBody>
       </p:sp>
+      <p:sp>
+        <p:nvSpPr>
+          <p:cNvPr id="5" name="Footer Placeholder 4"/>
+          <p:cNvSpPr>
+            <a:spLocks noGrp="1"/>
+          </p:cNvSpPr>
+          <p:nvPr>
+            <p:ph type="ftr" sz="quarter" idx="11"/>
+          </p:nvPr>
+        </p:nvSpPr>
+        <p:spPr/>
+        <p:txBody>
+          <a:bodyPr/>
+          <a:lstStyle/>
+          <a:p>
+            <a:r>
+              <a:rPr lang="en-US" smtClean="0"/>
+              <a:t>Copyright © 2016 ProTech Professional Technical Services, Inc.</a:t>
+            </a:r>
+            <a:endParaRPr lang="en-US" dirty="0"/>
+          </a:p>
+        </p:txBody>
+      </p:sp>
     </p:spTree>
     <p:extLst>
       <p:ext uri="{BB962C8B-B14F-4D97-AF65-F5344CB8AC3E}">
@@ -15154,6 +16343,29 @@
           </a:p>
         </p:txBody>
       </p:sp>
+      <p:sp>
+        <p:nvSpPr>
+          <p:cNvPr id="5" name="Footer Placeholder 4"/>
+          <p:cNvSpPr>
+            <a:spLocks noGrp="1"/>
+          </p:cNvSpPr>
+          <p:nvPr>
+            <p:ph type="ftr" sz="quarter" idx="11"/>
+          </p:nvPr>
+        </p:nvSpPr>
+        <p:spPr/>
+        <p:txBody>
+          <a:bodyPr/>
+          <a:lstStyle/>
+          <a:p>
+            <a:r>
+              <a:rPr lang="en-US" smtClean="0"/>
+              <a:t>Copyright © 2016 ProTech Professional Technical Services, Inc.</a:t>
+            </a:r>
+            <a:endParaRPr lang="en-US" dirty="0"/>
+          </a:p>
+        </p:txBody>
+      </p:sp>
     </p:spTree>
     <p:extLst>
       <p:ext uri="{BB962C8B-B14F-4D97-AF65-F5344CB8AC3E}">
@@ -15305,6 +16517,29 @@
           </a:p>
         </p:txBody>
       </p:sp>
+      <p:sp>
+        <p:nvSpPr>
+          <p:cNvPr id="5" name="Footer Placeholder 4"/>
+          <p:cNvSpPr>
+            <a:spLocks noGrp="1"/>
+          </p:cNvSpPr>
+          <p:nvPr>
+            <p:ph type="ftr" sz="quarter" idx="11"/>
+          </p:nvPr>
+        </p:nvSpPr>
+        <p:spPr/>
+        <p:txBody>
+          <a:bodyPr/>
+          <a:lstStyle/>
+          <a:p>
+            <a:r>
+              <a:rPr lang="en-US" smtClean="0"/>
+              <a:t>Copyright © 2016 ProTech Professional Technical Services, Inc.</a:t>
+            </a:r>
+            <a:endParaRPr lang="en-US" dirty="0"/>
+          </a:p>
+        </p:txBody>
+      </p:sp>
     </p:spTree>
     <p:extLst>
       <p:ext uri="{BB962C8B-B14F-4D97-AF65-F5344CB8AC3E}">
@@ -15466,6 +16701,29 @@
           </a:p>
         </p:txBody>
       </p:sp>
+      <p:sp>
+        <p:nvSpPr>
+          <p:cNvPr id="5" name="Footer Placeholder 4"/>
+          <p:cNvSpPr>
+            <a:spLocks noGrp="1"/>
+          </p:cNvSpPr>
+          <p:nvPr>
+            <p:ph type="ftr" sz="quarter" idx="11"/>
+          </p:nvPr>
+        </p:nvSpPr>
+        <p:spPr/>
+        <p:txBody>
+          <a:bodyPr/>
+          <a:lstStyle/>
+          <a:p>
+            <a:r>
+              <a:rPr lang="en-US" smtClean="0"/>
+              <a:t>Copyright © 2016 ProTech Professional Technical Services, Inc.</a:t>
+            </a:r>
+            <a:endParaRPr lang="en-US" dirty="0"/>
+          </a:p>
+        </p:txBody>
+      </p:sp>
     </p:spTree>
     <p:extLst>
       <p:ext uri="{BB962C8B-B14F-4D97-AF65-F5344CB8AC3E}">
@@ -15678,6 +16936,29 @@
           </a:p>
         </p:txBody>
       </p:sp>
+      <p:sp>
+        <p:nvSpPr>
+          <p:cNvPr id="5" name="Footer Placeholder 4"/>
+          <p:cNvSpPr>
+            <a:spLocks noGrp="1"/>
+          </p:cNvSpPr>
+          <p:nvPr>
+            <p:ph type="ftr" sz="quarter" idx="11"/>
+          </p:nvPr>
+        </p:nvSpPr>
+        <p:spPr/>
+        <p:txBody>
+          <a:bodyPr/>
+          <a:lstStyle/>
+          <a:p>
+            <a:r>
+              <a:rPr lang="en-US" smtClean="0"/>
+              <a:t>Copyright © 2016 ProTech Professional Technical Services, Inc.</a:t>
+            </a:r>
+            <a:endParaRPr lang="en-US" dirty="0"/>
+          </a:p>
+        </p:txBody>
+      </p:sp>
     </p:spTree>
     <p:extLst>
       <p:ext uri="{BB962C8B-B14F-4D97-AF65-F5344CB8AC3E}">
@@ -15863,6 +17144,29 @@
           </a:p>
         </p:txBody>
       </p:sp>
+      <p:sp>
+        <p:nvSpPr>
+          <p:cNvPr id="5" name="Footer Placeholder 4"/>
+          <p:cNvSpPr>
+            <a:spLocks noGrp="1"/>
+          </p:cNvSpPr>
+          <p:nvPr>
+            <p:ph type="ftr" sz="quarter" idx="11"/>
+          </p:nvPr>
+        </p:nvSpPr>
+        <p:spPr/>
+        <p:txBody>
+          <a:bodyPr/>
+          <a:lstStyle/>
+          <a:p>
+            <a:r>
+              <a:rPr lang="en-US" smtClean="0"/>
+              <a:t>Copyright © 2016 ProTech Professional Technical Services, Inc.</a:t>
+            </a:r>
+            <a:endParaRPr lang="en-US" dirty="0"/>
+          </a:p>
+        </p:txBody>
+      </p:sp>
     </p:spTree>
     <p:extLst>
       <p:ext uri="{BB962C8B-B14F-4D97-AF65-F5344CB8AC3E}">
@@ -16051,6 +17355,29 @@
           </a:p>
         </p:txBody>
       </p:sp>
+      <p:sp>
+        <p:nvSpPr>
+          <p:cNvPr id="5" name="Footer Placeholder 4"/>
+          <p:cNvSpPr>
+            <a:spLocks noGrp="1"/>
+          </p:cNvSpPr>
+          <p:nvPr>
+            <p:ph type="ftr" sz="quarter" idx="11"/>
+          </p:nvPr>
+        </p:nvSpPr>
+        <p:spPr/>
+        <p:txBody>
+          <a:bodyPr/>
+          <a:lstStyle/>
+          <a:p>
+            <a:r>
+              <a:rPr lang="en-US" smtClean="0"/>
+              <a:t>Copyright © 2016 ProTech Professional Technical Services, Inc.</a:t>
+            </a:r>
+            <a:endParaRPr lang="en-US" dirty="0"/>
+          </a:p>
+        </p:txBody>
+      </p:sp>
     </p:spTree>
     <p:extLst>
       <p:ext uri="{BB962C8B-B14F-4D97-AF65-F5344CB8AC3E}">
@@ -16215,6 +17542,29 @@
           </a:p>
         </p:txBody>
       </p:sp>
+      <p:sp>
+        <p:nvSpPr>
+          <p:cNvPr id="5" name="Footer Placeholder 4"/>
+          <p:cNvSpPr>
+            <a:spLocks noGrp="1"/>
+          </p:cNvSpPr>
+          <p:nvPr>
+            <p:ph type="ftr" sz="quarter" idx="11"/>
+          </p:nvPr>
+        </p:nvSpPr>
+        <p:spPr/>
+        <p:txBody>
+          <a:bodyPr/>
+          <a:lstStyle/>
+          <a:p>
+            <a:r>
+              <a:rPr lang="en-US" smtClean="0"/>
+              <a:t>Copyright © 2016 ProTech Professional Technical Services, Inc.</a:t>
+            </a:r>
+            <a:endParaRPr lang="en-US" dirty="0"/>
+          </a:p>
+        </p:txBody>
+      </p:sp>
     </p:spTree>
     <p:extLst>
       <p:ext uri="{BB962C8B-B14F-4D97-AF65-F5344CB8AC3E}">
@@ -16357,6 +17707,29 @@
           </a:p>
         </p:txBody>
       </p:sp>
+      <p:sp>
+        <p:nvSpPr>
+          <p:cNvPr id="5" name="Footer Placeholder 4"/>
+          <p:cNvSpPr>
+            <a:spLocks noGrp="1"/>
+          </p:cNvSpPr>
+          <p:nvPr>
+            <p:ph type="ftr" sz="quarter" idx="11"/>
+          </p:nvPr>
+        </p:nvSpPr>
+        <p:spPr/>
+        <p:txBody>
+          <a:bodyPr/>
+          <a:lstStyle/>
+          <a:p>
+            <a:r>
+              <a:rPr lang="en-US" smtClean="0"/>
+              <a:t>Copyright © 2016 ProTech Professional Technical Services, Inc.</a:t>
+            </a:r>
+            <a:endParaRPr lang="en-US" dirty="0"/>
+          </a:p>
+        </p:txBody>
+      </p:sp>
     </p:spTree>
     <p:extLst>
       <p:ext uri="{BB962C8B-B14F-4D97-AF65-F5344CB8AC3E}">
@@ -16516,6 +17889,29 @@
           </a:p>
         </p:txBody>
       </p:sp>
+      <p:sp>
+        <p:nvSpPr>
+          <p:cNvPr id="5" name="Footer Placeholder 4"/>
+          <p:cNvSpPr>
+            <a:spLocks noGrp="1"/>
+          </p:cNvSpPr>
+          <p:nvPr>
+            <p:ph type="ftr" sz="quarter" idx="11"/>
+          </p:nvPr>
+        </p:nvSpPr>
+        <p:spPr/>
+        <p:txBody>
+          <a:bodyPr/>
+          <a:lstStyle/>
+          <a:p>
+            <a:r>
+              <a:rPr lang="en-US" smtClean="0"/>
+              <a:t>Copyright © 2016 ProTech Professional Technical Services, Inc.</a:t>
+            </a:r>
+            <a:endParaRPr lang="en-US" dirty="0"/>
+          </a:p>
+        </p:txBody>
+      </p:sp>
     </p:spTree>
     <p:extLst>
       <p:ext uri="{BB962C8B-B14F-4D97-AF65-F5344CB8AC3E}">
@@ -16677,6 +18073,29 @@
           </a:p>
         </p:txBody>
       </p:sp>
+      <p:sp>
+        <p:nvSpPr>
+          <p:cNvPr id="5" name="Footer Placeholder 4"/>
+          <p:cNvSpPr>
+            <a:spLocks noGrp="1"/>
+          </p:cNvSpPr>
+          <p:nvPr>
+            <p:ph type="ftr" sz="quarter" idx="11"/>
+          </p:nvPr>
+        </p:nvSpPr>
+        <p:spPr/>
+        <p:txBody>
+          <a:bodyPr/>
+          <a:lstStyle/>
+          <a:p>
+            <a:r>
+              <a:rPr lang="en-US" smtClean="0"/>
+              <a:t>Copyright © 2016 ProTech Professional Technical Services, Inc.</a:t>
+            </a:r>
+            <a:endParaRPr lang="en-US" dirty="0"/>
+          </a:p>
+        </p:txBody>
+      </p:sp>
     </p:spTree>
     <p:extLst>
       <p:ext uri="{BB962C8B-B14F-4D97-AF65-F5344CB8AC3E}">
@@ -17012,6 +18431,29 @@
           </a:p>
         </p:txBody>
       </p:sp>
+      <p:sp>
+        <p:nvSpPr>
+          <p:cNvPr id="5" name="Footer Placeholder 4"/>
+          <p:cNvSpPr>
+            <a:spLocks noGrp="1"/>
+          </p:cNvSpPr>
+          <p:nvPr>
+            <p:ph type="ftr" sz="quarter" idx="11"/>
+          </p:nvPr>
+        </p:nvSpPr>
+        <p:spPr/>
+        <p:txBody>
+          <a:bodyPr/>
+          <a:lstStyle/>
+          <a:p>
+            <a:r>
+              <a:rPr lang="en-US" smtClean="0"/>
+              <a:t>Copyright © 2016 ProTech Professional Technical Services, Inc.</a:t>
+            </a:r>
+            <a:endParaRPr lang="en-US" dirty="0"/>
+          </a:p>
+        </p:txBody>
+      </p:sp>
     </p:spTree>
     <p:extLst>
       <p:ext uri="{BB962C8B-B14F-4D97-AF65-F5344CB8AC3E}">
@@ -17145,6 +18587,29 @@
           </a:p>
         </p:txBody>
       </p:sp>
+      <p:sp>
+        <p:nvSpPr>
+          <p:cNvPr id="5" name="Footer Placeholder 4"/>
+          <p:cNvSpPr>
+            <a:spLocks noGrp="1"/>
+          </p:cNvSpPr>
+          <p:nvPr>
+            <p:ph type="ftr" sz="quarter" idx="11"/>
+          </p:nvPr>
+        </p:nvSpPr>
+        <p:spPr/>
+        <p:txBody>
+          <a:bodyPr/>
+          <a:lstStyle/>
+          <a:p>
+            <a:r>
+              <a:rPr lang="en-US" smtClean="0"/>
+              <a:t>Copyright © 2016 ProTech Professional Technical Services, Inc.</a:t>
+            </a:r>
+            <a:endParaRPr lang="en-US" dirty="0"/>
+          </a:p>
+        </p:txBody>
+      </p:sp>
     </p:spTree>
     <p:extLst>
       <p:ext uri="{BB962C8B-B14F-4D97-AF65-F5344CB8AC3E}">
@@ -17328,6 +18793,29 @@
           </a:p>
         </p:txBody>
       </p:sp>
+      <p:sp>
+        <p:nvSpPr>
+          <p:cNvPr id="5" name="Footer Placeholder 4"/>
+          <p:cNvSpPr>
+            <a:spLocks noGrp="1"/>
+          </p:cNvSpPr>
+          <p:nvPr>
+            <p:ph type="ftr" sz="quarter" idx="11"/>
+          </p:nvPr>
+        </p:nvSpPr>
+        <p:spPr/>
+        <p:txBody>
+          <a:bodyPr/>
+          <a:lstStyle/>
+          <a:p>
+            <a:r>
+              <a:rPr lang="en-US" smtClean="0"/>
+              <a:t>Copyright © 2016 ProTech Professional Technical Services, Inc.</a:t>
+            </a:r>
+            <a:endParaRPr lang="en-US" dirty="0"/>
+          </a:p>
+        </p:txBody>
+      </p:sp>
     </p:spTree>
     <p:extLst>
       <p:ext uri="{BB962C8B-B14F-4D97-AF65-F5344CB8AC3E}">
@@ -17521,6 +19009,29 @@
           </a:p>
         </p:txBody>
       </p:sp>
+      <p:sp>
+        <p:nvSpPr>
+          <p:cNvPr id="5" name="Footer Placeholder 4"/>
+          <p:cNvSpPr>
+            <a:spLocks noGrp="1"/>
+          </p:cNvSpPr>
+          <p:nvPr>
+            <p:ph type="ftr" sz="quarter" idx="11"/>
+          </p:nvPr>
+        </p:nvSpPr>
+        <p:spPr/>
+        <p:txBody>
+          <a:bodyPr/>
+          <a:lstStyle/>
+          <a:p>
+            <a:r>
+              <a:rPr lang="en-US" smtClean="0"/>
+              <a:t>Copyright © 2016 ProTech Professional Technical Services, Inc.</a:t>
+            </a:r>
+            <a:endParaRPr lang="en-US" dirty="0"/>
+          </a:p>
+        </p:txBody>
+      </p:sp>
     </p:spTree>
     <p:extLst>
       <p:ext uri="{BB962C8B-B14F-4D97-AF65-F5344CB8AC3E}">
@@ -17706,6 +19217,29 @@
           </a:p>
         </p:txBody>
       </p:sp>
+      <p:sp>
+        <p:nvSpPr>
+          <p:cNvPr id="5" name="Footer Placeholder 4"/>
+          <p:cNvSpPr>
+            <a:spLocks noGrp="1"/>
+          </p:cNvSpPr>
+          <p:nvPr>
+            <p:ph type="ftr" sz="quarter" idx="11"/>
+          </p:nvPr>
+        </p:nvSpPr>
+        <p:spPr/>
+        <p:txBody>
+          <a:bodyPr/>
+          <a:lstStyle/>
+          <a:p>
+            <a:r>
+              <a:rPr lang="en-US" smtClean="0"/>
+              <a:t>Copyright © 2016 ProTech Professional Technical Services, Inc.</a:t>
+            </a:r>
+            <a:endParaRPr lang="en-US" dirty="0"/>
+          </a:p>
+        </p:txBody>
+      </p:sp>
     </p:spTree>
     <p:extLst>
       <p:ext uri="{BB962C8B-B14F-4D97-AF65-F5344CB8AC3E}">
@@ -17857,6 +19391,29 @@
           </a:p>
         </p:txBody>
       </p:sp>
+      <p:sp>
+        <p:nvSpPr>
+          <p:cNvPr id="5" name="Footer Placeholder 4"/>
+          <p:cNvSpPr>
+            <a:spLocks noGrp="1"/>
+          </p:cNvSpPr>
+          <p:nvPr>
+            <p:ph type="ftr" sz="quarter" idx="11"/>
+          </p:nvPr>
+        </p:nvSpPr>
+        <p:spPr/>
+        <p:txBody>
+          <a:bodyPr/>
+          <a:lstStyle/>
+          <a:p>
+            <a:r>
+              <a:rPr lang="en-US" smtClean="0"/>
+              <a:t>Copyright © 2016 ProTech Professional Technical Services, Inc.</a:t>
+            </a:r>
+            <a:endParaRPr lang="en-US" dirty="0"/>
+          </a:p>
+        </p:txBody>
+      </p:sp>
     </p:spTree>
     <p:extLst>
       <p:ext uri="{BB962C8B-B14F-4D97-AF65-F5344CB8AC3E}">
@@ -17981,6 +19538,29 @@
           </a:p>
         </p:txBody>
       </p:sp>
+      <p:sp>
+        <p:nvSpPr>
+          <p:cNvPr id="5" name="Footer Placeholder 4"/>
+          <p:cNvSpPr>
+            <a:spLocks noGrp="1"/>
+          </p:cNvSpPr>
+          <p:nvPr>
+            <p:ph type="ftr" sz="quarter" idx="11"/>
+          </p:nvPr>
+        </p:nvSpPr>
+        <p:spPr/>
+        <p:txBody>
+          <a:bodyPr/>
+          <a:lstStyle/>
+          <a:p>
+            <a:r>
+              <a:rPr lang="en-US" smtClean="0"/>
+              <a:t>Copyright © 2016 ProTech Professional Technical Services, Inc.</a:t>
+            </a:r>
+            <a:endParaRPr lang="en-US" dirty="0"/>
+          </a:p>
+        </p:txBody>
+      </p:sp>
     </p:spTree>
     <p:extLst>
       <p:ext uri="{BB962C8B-B14F-4D97-AF65-F5344CB8AC3E}">
@@ -18139,6 +19719,29 @@
           </a:p>
         </p:txBody>
       </p:sp>
+      <p:sp>
+        <p:nvSpPr>
+          <p:cNvPr id="5" name="Footer Placeholder 4"/>
+          <p:cNvSpPr>
+            <a:spLocks noGrp="1"/>
+          </p:cNvSpPr>
+          <p:nvPr>
+            <p:ph type="ftr" sz="quarter" idx="11"/>
+          </p:nvPr>
+        </p:nvSpPr>
+        <p:spPr/>
+        <p:txBody>
+          <a:bodyPr/>
+          <a:lstStyle/>
+          <a:p>
+            <a:r>
+              <a:rPr lang="en-US" smtClean="0"/>
+              <a:t>Copyright © 2016 ProTech Professional Technical Services, Inc.</a:t>
+            </a:r>
+            <a:endParaRPr lang="en-US" dirty="0"/>
+          </a:p>
+        </p:txBody>
+      </p:sp>
     </p:spTree>
     <p:extLst>
       <p:ext uri="{BB962C8B-B14F-4D97-AF65-F5344CB8AC3E}">
@@ -18318,6 +19921,29 @@
           </a:p>
         </p:txBody>
       </p:sp>
+      <p:sp>
+        <p:nvSpPr>
+          <p:cNvPr id="5" name="Footer Placeholder 4"/>
+          <p:cNvSpPr>
+            <a:spLocks noGrp="1"/>
+          </p:cNvSpPr>
+          <p:nvPr>
+            <p:ph type="ftr" sz="quarter" idx="11"/>
+          </p:nvPr>
+        </p:nvSpPr>
+        <p:spPr/>
+        <p:txBody>
+          <a:bodyPr/>
+          <a:lstStyle/>
+          <a:p>
+            <a:r>
+              <a:rPr lang="en-US" smtClean="0"/>
+              <a:t>Copyright © 2016 ProTech Professional Technical Services, Inc.</a:t>
+            </a:r>
+            <a:endParaRPr lang="en-US" dirty="0"/>
+          </a:p>
+        </p:txBody>
+      </p:sp>
     </p:spTree>
     <p:extLst>
       <p:ext uri="{BB962C8B-B14F-4D97-AF65-F5344CB8AC3E}">
@@ -18461,6 +20087,29 @@
           </a:p>
         </p:txBody>
       </p:sp>
+      <p:sp>
+        <p:nvSpPr>
+          <p:cNvPr id="5" name="Footer Placeholder 4"/>
+          <p:cNvSpPr>
+            <a:spLocks noGrp="1"/>
+          </p:cNvSpPr>
+          <p:nvPr>
+            <p:ph type="ftr" sz="quarter" idx="11"/>
+          </p:nvPr>
+        </p:nvSpPr>
+        <p:spPr/>
+        <p:txBody>
+          <a:bodyPr/>
+          <a:lstStyle/>
+          <a:p>
+            <a:r>
+              <a:rPr lang="en-US" smtClean="0"/>
+              <a:t>Copyright © 2016 ProTech Professional Technical Services, Inc.</a:t>
+            </a:r>
+            <a:endParaRPr lang="en-US" dirty="0"/>
+          </a:p>
+        </p:txBody>
+      </p:sp>
     </p:spTree>
     <p:extLst>
       <p:ext uri="{BB962C8B-B14F-4D97-AF65-F5344CB8AC3E}">
@@ -18627,6 +20276,29 @@
           </a:p>
         </p:txBody>
       </p:sp>
+      <p:sp>
+        <p:nvSpPr>
+          <p:cNvPr id="5" name="Footer Placeholder 4"/>
+          <p:cNvSpPr>
+            <a:spLocks noGrp="1"/>
+          </p:cNvSpPr>
+          <p:nvPr>
+            <p:ph type="ftr" sz="quarter" idx="11"/>
+          </p:nvPr>
+        </p:nvSpPr>
+        <p:spPr/>
+        <p:txBody>
+          <a:bodyPr/>
+          <a:lstStyle/>
+          <a:p>
+            <a:r>
+              <a:rPr lang="en-US" smtClean="0"/>
+              <a:t>Copyright © 2016 ProTech Professional Technical Services, Inc.</a:t>
+            </a:r>
+            <a:endParaRPr lang="en-US" dirty="0"/>
+          </a:p>
+        </p:txBody>
+      </p:sp>
     </p:spTree>
     <p:extLst>
       <p:ext uri="{BB962C8B-B14F-4D97-AF65-F5344CB8AC3E}">
@@ -18805,6 +20477,29 @@
               <a:t>159</a:t>
             </a:fld>
             <a:endParaRPr lang="en-US"/>
+          </a:p>
+        </p:txBody>
+      </p:sp>
+      <p:sp>
+        <p:nvSpPr>
+          <p:cNvPr id="5" name="Footer Placeholder 4"/>
+          <p:cNvSpPr>
+            <a:spLocks noGrp="1"/>
+          </p:cNvSpPr>
+          <p:nvPr>
+            <p:ph type="ftr" sz="quarter" idx="11"/>
+          </p:nvPr>
+        </p:nvSpPr>
+        <p:spPr/>
+        <p:txBody>
+          <a:bodyPr/>
+          <a:lstStyle/>
+          <a:p>
+            <a:r>
+              <a:rPr lang="en-US" smtClean="0"/>
+              <a:t>Copyright © 2016 ProTech Professional Technical Services, Inc.</a:t>
+            </a:r>
+            <a:endParaRPr lang="en-US" dirty="0"/>
           </a:p>
         </p:txBody>
       </p:sp>
@@ -19446,6 +21141,29 @@
           </a:p>
         </p:txBody>
       </p:sp>
+      <p:sp>
+        <p:nvSpPr>
+          <p:cNvPr id="6" name="Footer Placeholder 5"/>
+          <p:cNvSpPr>
+            <a:spLocks noGrp="1"/>
+          </p:cNvSpPr>
+          <p:nvPr>
+            <p:ph type="ftr" sz="quarter" idx="11"/>
+          </p:nvPr>
+        </p:nvSpPr>
+        <p:spPr/>
+        <p:txBody>
+          <a:bodyPr/>
+          <a:lstStyle/>
+          <a:p>
+            <a:r>
+              <a:rPr lang="en-US" smtClean="0"/>
+              <a:t>Copyright © 2016 ProTech Professional Technical Services, Inc.</a:t>
+            </a:r>
+            <a:endParaRPr lang="en-US" dirty="0"/>
+          </a:p>
+        </p:txBody>
+      </p:sp>
     </p:spTree>
     <p:extLst>
       <p:ext uri="{BB962C8B-B14F-4D97-AF65-F5344CB8AC3E}">
@@ -19597,6 +21315,29 @@
           </a:p>
         </p:txBody>
       </p:sp>
+      <p:sp>
+        <p:nvSpPr>
+          <p:cNvPr id="5" name="Footer Placeholder 4"/>
+          <p:cNvSpPr>
+            <a:spLocks noGrp="1"/>
+          </p:cNvSpPr>
+          <p:nvPr>
+            <p:ph type="ftr" sz="quarter" idx="11"/>
+          </p:nvPr>
+        </p:nvSpPr>
+        <p:spPr/>
+        <p:txBody>
+          <a:bodyPr/>
+          <a:lstStyle/>
+          <a:p>
+            <a:r>
+              <a:rPr lang="en-US" smtClean="0"/>
+              <a:t>Copyright © 2016 ProTech Professional Technical Services, Inc.</a:t>
+            </a:r>
+            <a:endParaRPr lang="en-US" dirty="0"/>
+          </a:p>
+        </p:txBody>
+      </p:sp>
     </p:spTree>
     <p:extLst>
       <p:ext uri="{BB962C8B-B14F-4D97-AF65-F5344CB8AC3E}">
@@ -19784,6 +21525,29 @@
           </a:p>
         </p:txBody>
       </p:sp>
+      <p:sp>
+        <p:nvSpPr>
+          <p:cNvPr id="5" name="Footer Placeholder 4"/>
+          <p:cNvSpPr>
+            <a:spLocks noGrp="1"/>
+          </p:cNvSpPr>
+          <p:nvPr>
+            <p:ph type="ftr" sz="quarter" idx="11"/>
+          </p:nvPr>
+        </p:nvSpPr>
+        <p:spPr/>
+        <p:txBody>
+          <a:bodyPr/>
+          <a:lstStyle/>
+          <a:p>
+            <a:r>
+              <a:rPr lang="en-US" smtClean="0"/>
+              <a:t>Copyright © 2016 ProTech Professional Technical Services, Inc.</a:t>
+            </a:r>
+            <a:endParaRPr lang="en-US" dirty="0"/>
+          </a:p>
+        </p:txBody>
+      </p:sp>
     </p:spTree>
     <p:extLst>
       <p:ext uri="{BB962C8B-B14F-4D97-AF65-F5344CB8AC3E}">
@@ -20411,6 +22175,29 @@
           </a:p>
         </p:txBody>
       </p:sp>
+      <p:sp>
+        <p:nvSpPr>
+          <p:cNvPr id="5" name="Footer Placeholder 4"/>
+          <p:cNvSpPr>
+            <a:spLocks noGrp="1"/>
+          </p:cNvSpPr>
+          <p:nvPr>
+            <p:ph type="ftr" sz="quarter" idx="11"/>
+          </p:nvPr>
+        </p:nvSpPr>
+        <p:spPr/>
+        <p:txBody>
+          <a:bodyPr/>
+          <a:lstStyle/>
+          <a:p>
+            <a:r>
+              <a:rPr lang="en-US" smtClean="0"/>
+              <a:t>Copyright © 2016 ProTech Professional Technical Services, Inc.</a:t>
+            </a:r>
+            <a:endParaRPr lang="en-US" dirty="0"/>
+          </a:p>
+        </p:txBody>
+      </p:sp>
     </p:spTree>
     <p:extLst>
       <p:ext uri="{BB962C8B-B14F-4D97-AF65-F5344CB8AC3E}">
@@ -20574,6 +22361,29 @@
           </a:p>
         </p:txBody>
       </p:sp>
+      <p:sp>
+        <p:nvSpPr>
+          <p:cNvPr id="5" name="Footer Placeholder 4"/>
+          <p:cNvSpPr>
+            <a:spLocks noGrp="1"/>
+          </p:cNvSpPr>
+          <p:nvPr>
+            <p:ph type="ftr" sz="quarter" idx="11"/>
+          </p:nvPr>
+        </p:nvSpPr>
+        <p:spPr/>
+        <p:txBody>
+          <a:bodyPr/>
+          <a:lstStyle/>
+          <a:p>
+            <a:r>
+              <a:rPr lang="en-US" smtClean="0"/>
+              <a:t>Copyright © 2016 ProTech Professional Technical Services, Inc.</a:t>
+            </a:r>
+            <a:endParaRPr lang="en-US" dirty="0"/>
+          </a:p>
+        </p:txBody>
+      </p:sp>
     </p:spTree>
     <p:extLst>
       <p:ext uri="{BB962C8B-B14F-4D97-AF65-F5344CB8AC3E}">
@@ -20749,6 +22559,29 @@
           </a:p>
         </p:txBody>
       </p:sp>
+      <p:sp>
+        <p:nvSpPr>
+          <p:cNvPr id="5" name="Footer Placeholder 4"/>
+          <p:cNvSpPr>
+            <a:spLocks noGrp="1"/>
+          </p:cNvSpPr>
+          <p:nvPr>
+            <p:ph type="ftr" sz="quarter" idx="11"/>
+          </p:nvPr>
+        </p:nvSpPr>
+        <p:spPr/>
+        <p:txBody>
+          <a:bodyPr/>
+          <a:lstStyle/>
+          <a:p>
+            <a:r>
+              <a:rPr lang="en-US" smtClean="0"/>
+              <a:t>Copyright © 2016 ProTech Professional Technical Services, Inc.</a:t>
+            </a:r>
+            <a:endParaRPr lang="en-US" dirty="0"/>
+          </a:p>
+        </p:txBody>
+      </p:sp>
     </p:spTree>
     <p:extLst>
       <p:ext uri="{BB962C8B-B14F-4D97-AF65-F5344CB8AC3E}">
@@ -20916,6 +22749,29 @@
           </a:p>
         </p:txBody>
       </p:sp>
+      <p:sp>
+        <p:nvSpPr>
+          <p:cNvPr id="5" name="Footer Placeholder 4"/>
+          <p:cNvSpPr>
+            <a:spLocks noGrp="1"/>
+          </p:cNvSpPr>
+          <p:nvPr>
+            <p:ph type="ftr" sz="quarter" idx="11"/>
+          </p:nvPr>
+        </p:nvSpPr>
+        <p:spPr/>
+        <p:txBody>
+          <a:bodyPr/>
+          <a:lstStyle/>
+          <a:p>
+            <a:r>
+              <a:rPr lang="en-US" smtClean="0"/>
+              <a:t>Copyright © 2016 ProTech Professional Technical Services, Inc.</a:t>
+            </a:r>
+            <a:endParaRPr lang="en-US" dirty="0"/>
+          </a:p>
+        </p:txBody>
+      </p:sp>
     </p:spTree>
     <p:extLst>
       <p:ext uri="{BB962C8B-B14F-4D97-AF65-F5344CB8AC3E}">
@@ -21094,6 +22950,29 @@
           </a:p>
         </p:txBody>
       </p:sp>
+      <p:sp>
+        <p:nvSpPr>
+          <p:cNvPr id="5" name="Footer Placeholder 4"/>
+          <p:cNvSpPr>
+            <a:spLocks noGrp="1"/>
+          </p:cNvSpPr>
+          <p:nvPr>
+            <p:ph type="ftr" sz="quarter" idx="11"/>
+          </p:nvPr>
+        </p:nvSpPr>
+        <p:spPr/>
+        <p:txBody>
+          <a:bodyPr/>
+          <a:lstStyle/>
+          <a:p>
+            <a:r>
+              <a:rPr lang="en-US" smtClean="0"/>
+              <a:t>Copyright © 2016 ProTech Professional Technical Services, Inc.</a:t>
+            </a:r>
+            <a:endParaRPr lang="en-US" dirty="0"/>
+          </a:p>
+        </p:txBody>
+      </p:sp>
     </p:spTree>
     <p:extLst>
       <p:ext uri="{BB962C8B-B14F-4D97-AF65-F5344CB8AC3E}">
@@ -21252,6 +23131,29 @@
           </a:p>
         </p:txBody>
       </p:sp>
+      <p:sp>
+        <p:nvSpPr>
+          <p:cNvPr id="5" name="Footer Placeholder 4"/>
+          <p:cNvSpPr>
+            <a:spLocks noGrp="1"/>
+          </p:cNvSpPr>
+          <p:nvPr>
+            <p:ph type="ftr" sz="quarter" idx="11"/>
+          </p:nvPr>
+        </p:nvSpPr>
+        <p:spPr/>
+        <p:txBody>
+          <a:bodyPr/>
+          <a:lstStyle/>
+          <a:p>
+            <a:r>
+              <a:rPr lang="en-US" smtClean="0"/>
+              <a:t>Copyright © 2016 ProTech Professional Technical Services, Inc.</a:t>
+            </a:r>
+            <a:endParaRPr lang="en-US" dirty="0"/>
+          </a:p>
+        </p:txBody>
+      </p:sp>
     </p:spTree>
     <p:extLst>
       <p:ext uri="{BB962C8B-B14F-4D97-AF65-F5344CB8AC3E}">
@@ -21421,6 +23323,29 @@
           </a:p>
         </p:txBody>
       </p:sp>
+      <p:sp>
+        <p:nvSpPr>
+          <p:cNvPr id="5" name="Footer Placeholder 4"/>
+          <p:cNvSpPr>
+            <a:spLocks noGrp="1"/>
+          </p:cNvSpPr>
+          <p:nvPr>
+            <p:ph type="ftr" sz="quarter" idx="11"/>
+          </p:nvPr>
+        </p:nvSpPr>
+        <p:spPr/>
+        <p:txBody>
+          <a:bodyPr/>
+          <a:lstStyle/>
+          <a:p>
+            <a:r>
+              <a:rPr lang="en-US" smtClean="0"/>
+              <a:t>Copyright © 2016 ProTech Professional Technical Services, Inc.</a:t>
+            </a:r>
+            <a:endParaRPr lang="en-US" dirty="0"/>
+          </a:p>
+        </p:txBody>
+      </p:sp>
     </p:spTree>
     <p:extLst>
       <p:ext uri="{BB962C8B-B14F-4D97-AF65-F5344CB8AC3E}">
@@ -21605,6 +23530,29 @@
           </a:p>
         </p:txBody>
       </p:sp>
+      <p:sp>
+        <p:nvSpPr>
+          <p:cNvPr id="5" name="Footer Placeholder 4"/>
+          <p:cNvSpPr>
+            <a:spLocks noGrp="1"/>
+          </p:cNvSpPr>
+          <p:nvPr>
+            <p:ph type="ftr" sz="quarter" idx="11"/>
+          </p:nvPr>
+        </p:nvSpPr>
+        <p:spPr/>
+        <p:txBody>
+          <a:bodyPr/>
+          <a:lstStyle/>
+          <a:p>
+            <a:r>
+              <a:rPr lang="en-US" smtClean="0"/>
+              <a:t>Copyright © 2016 ProTech Professional Technical Services, Inc.</a:t>
+            </a:r>
+            <a:endParaRPr lang="en-US" dirty="0"/>
+          </a:p>
+        </p:txBody>
+      </p:sp>
     </p:spTree>
     <p:extLst>
       <p:ext uri="{BB962C8B-B14F-4D97-AF65-F5344CB8AC3E}">
@@ -21803,6 +23751,29 @@
           </a:p>
         </p:txBody>
       </p:sp>
+      <p:sp>
+        <p:nvSpPr>
+          <p:cNvPr id="5" name="Footer Placeholder 4"/>
+          <p:cNvSpPr>
+            <a:spLocks noGrp="1"/>
+          </p:cNvSpPr>
+          <p:nvPr>
+            <p:ph type="ftr" sz="quarter" idx="11"/>
+          </p:nvPr>
+        </p:nvSpPr>
+        <p:spPr/>
+        <p:txBody>
+          <a:bodyPr/>
+          <a:lstStyle/>
+          <a:p>
+            <a:r>
+              <a:rPr lang="en-US" smtClean="0"/>
+              <a:t>Copyright © 2016 ProTech Professional Technical Services, Inc.</a:t>
+            </a:r>
+            <a:endParaRPr lang="en-US" dirty="0"/>
+          </a:p>
+        </p:txBody>
+      </p:sp>
     </p:spTree>
     <p:extLst>
       <p:ext uri="{BB962C8B-B14F-4D97-AF65-F5344CB8AC3E}">
@@ -21980,6 +23951,29 @@
           </a:p>
         </p:txBody>
       </p:sp>
+      <p:sp>
+        <p:nvSpPr>
+          <p:cNvPr id="5" name="Footer Placeholder 4"/>
+          <p:cNvSpPr>
+            <a:spLocks noGrp="1"/>
+          </p:cNvSpPr>
+          <p:nvPr>
+            <p:ph type="ftr" sz="quarter" idx="11"/>
+          </p:nvPr>
+        </p:nvSpPr>
+        <p:spPr/>
+        <p:txBody>
+          <a:bodyPr/>
+          <a:lstStyle/>
+          <a:p>
+            <a:r>
+              <a:rPr lang="en-US" smtClean="0"/>
+              <a:t>Copyright © 2016 ProTech Professional Technical Services, Inc.</a:t>
+            </a:r>
+            <a:endParaRPr lang="en-US" dirty="0"/>
+          </a:p>
+        </p:txBody>
+      </p:sp>
     </p:spTree>
     <p:extLst>
       <p:ext uri="{BB962C8B-B14F-4D97-AF65-F5344CB8AC3E}">
@@ -22203,6 +24197,29 @@
           </a:p>
         </p:txBody>
       </p:sp>
+      <p:sp>
+        <p:nvSpPr>
+          <p:cNvPr id="5" name="Footer Placeholder 4"/>
+          <p:cNvSpPr>
+            <a:spLocks noGrp="1"/>
+          </p:cNvSpPr>
+          <p:nvPr>
+            <p:ph type="ftr" sz="quarter" idx="11"/>
+          </p:nvPr>
+        </p:nvSpPr>
+        <p:spPr/>
+        <p:txBody>
+          <a:bodyPr/>
+          <a:lstStyle/>
+          <a:p>
+            <a:r>
+              <a:rPr lang="en-US" smtClean="0"/>
+              <a:t>Copyright © 2016 ProTech Professional Technical Services, Inc.</a:t>
+            </a:r>
+            <a:endParaRPr lang="en-US" dirty="0"/>
+          </a:p>
+        </p:txBody>
+      </p:sp>
     </p:spTree>
     <p:extLst>
       <p:ext uri="{BB962C8B-B14F-4D97-AF65-F5344CB8AC3E}">
@@ -22375,6 +24392,29 @@
           </a:p>
         </p:txBody>
       </p:sp>
+      <p:sp>
+        <p:nvSpPr>
+          <p:cNvPr id="5" name="Footer Placeholder 4"/>
+          <p:cNvSpPr>
+            <a:spLocks noGrp="1"/>
+          </p:cNvSpPr>
+          <p:nvPr>
+            <p:ph type="ftr" sz="quarter" idx="11"/>
+          </p:nvPr>
+        </p:nvSpPr>
+        <p:spPr/>
+        <p:txBody>
+          <a:bodyPr/>
+          <a:lstStyle/>
+          <a:p>
+            <a:r>
+              <a:rPr lang="en-US" smtClean="0"/>
+              <a:t>Copyright © 2016 ProTech Professional Technical Services, Inc.</a:t>
+            </a:r>
+            <a:endParaRPr lang="en-US" dirty="0"/>
+          </a:p>
+        </p:txBody>
+      </p:sp>
     </p:spTree>
     <p:extLst>
       <p:ext uri="{BB962C8B-B14F-4D97-AF65-F5344CB8AC3E}">
@@ -22565,6 +24605,29 @@
           </a:p>
         </p:txBody>
       </p:sp>
+      <p:sp>
+        <p:nvSpPr>
+          <p:cNvPr id="5" name="Footer Placeholder 4"/>
+          <p:cNvSpPr>
+            <a:spLocks noGrp="1"/>
+          </p:cNvSpPr>
+          <p:nvPr>
+            <p:ph type="ftr" sz="quarter" idx="11"/>
+          </p:nvPr>
+        </p:nvSpPr>
+        <p:spPr/>
+        <p:txBody>
+          <a:bodyPr/>
+          <a:lstStyle/>
+          <a:p>
+            <a:r>
+              <a:rPr lang="en-US" smtClean="0"/>
+              <a:t>Copyright © 2016 ProTech Professional Technical Services, Inc.</a:t>
+            </a:r>
+            <a:endParaRPr lang="en-US" dirty="0"/>
+          </a:p>
+        </p:txBody>
+      </p:sp>
     </p:spTree>
     <p:extLst>
       <p:ext uri="{BB962C8B-B14F-4D97-AF65-F5344CB8AC3E}">
@@ -22736,6 +24799,29 @@
           </a:p>
         </p:txBody>
       </p:sp>
+      <p:sp>
+        <p:nvSpPr>
+          <p:cNvPr id="5" name="Footer Placeholder 4"/>
+          <p:cNvSpPr>
+            <a:spLocks noGrp="1"/>
+          </p:cNvSpPr>
+          <p:nvPr>
+            <p:ph type="ftr" sz="quarter" idx="11"/>
+          </p:nvPr>
+        </p:nvSpPr>
+        <p:spPr/>
+        <p:txBody>
+          <a:bodyPr/>
+          <a:lstStyle/>
+          <a:p>
+            <a:r>
+              <a:rPr lang="en-US" smtClean="0"/>
+              <a:t>Copyright © 2016 ProTech Professional Technical Services, Inc.</a:t>
+            </a:r>
+            <a:endParaRPr lang="en-US" dirty="0"/>
+          </a:p>
+        </p:txBody>
+      </p:sp>
     </p:spTree>
     <p:extLst>
       <p:ext uri="{BB962C8B-B14F-4D97-AF65-F5344CB8AC3E}">
@@ -22853,6 +24939,29 @@
           </a:p>
         </p:txBody>
       </p:sp>
+      <p:sp>
+        <p:nvSpPr>
+          <p:cNvPr id="5" name="Footer Placeholder 4"/>
+          <p:cNvSpPr>
+            <a:spLocks noGrp="1"/>
+          </p:cNvSpPr>
+          <p:nvPr>
+            <p:ph type="ftr" sz="quarter" idx="11"/>
+          </p:nvPr>
+        </p:nvSpPr>
+        <p:spPr/>
+        <p:txBody>
+          <a:bodyPr/>
+          <a:lstStyle/>
+          <a:p>
+            <a:r>
+              <a:rPr lang="en-US" smtClean="0"/>
+              <a:t>Copyright © 2016 ProTech Professional Technical Services, Inc.</a:t>
+            </a:r>
+            <a:endParaRPr lang="en-US" dirty="0"/>
+          </a:p>
+        </p:txBody>
+      </p:sp>
     </p:spTree>
     <p:extLst>
       <p:ext uri="{BB962C8B-B14F-4D97-AF65-F5344CB8AC3E}">
@@ -23006,6 +25115,29 @@
           </a:p>
         </p:txBody>
       </p:sp>
+      <p:sp>
+        <p:nvSpPr>
+          <p:cNvPr id="5" name="Footer Placeholder 4"/>
+          <p:cNvSpPr>
+            <a:spLocks noGrp="1"/>
+          </p:cNvSpPr>
+          <p:nvPr>
+            <p:ph type="ftr" sz="quarter" idx="11"/>
+          </p:nvPr>
+        </p:nvSpPr>
+        <p:spPr/>
+        <p:txBody>
+          <a:bodyPr/>
+          <a:lstStyle/>
+          <a:p>
+            <a:r>
+              <a:rPr lang="en-US" smtClean="0"/>
+              <a:t>Copyright © 2016 ProTech Professional Technical Services, Inc.</a:t>
+            </a:r>
+            <a:endParaRPr lang="en-US" dirty="0"/>
+          </a:p>
+        </p:txBody>
+      </p:sp>
     </p:spTree>
     <p:extLst>
       <p:ext uri="{BB962C8B-B14F-4D97-AF65-F5344CB8AC3E}">
@@ -23137,6 +25269,29 @@
           </a:p>
         </p:txBody>
       </p:sp>
+      <p:sp>
+        <p:nvSpPr>
+          <p:cNvPr id="5" name="Footer Placeholder 4"/>
+          <p:cNvSpPr>
+            <a:spLocks noGrp="1"/>
+          </p:cNvSpPr>
+          <p:nvPr>
+            <p:ph type="ftr" sz="quarter" idx="11"/>
+          </p:nvPr>
+        </p:nvSpPr>
+        <p:spPr/>
+        <p:txBody>
+          <a:bodyPr/>
+          <a:lstStyle/>
+          <a:p>
+            <a:r>
+              <a:rPr lang="en-US" smtClean="0"/>
+              <a:t>Copyright © 2016 ProTech Professional Technical Services, Inc.</a:t>
+            </a:r>
+            <a:endParaRPr lang="en-US" dirty="0"/>
+          </a:p>
+        </p:txBody>
+      </p:sp>
     </p:spTree>
     <p:extLst>
       <p:ext uri="{BB962C8B-B14F-4D97-AF65-F5344CB8AC3E}">
@@ -23277,6 +25432,29 @@
           </a:p>
         </p:txBody>
       </p:sp>
+      <p:sp>
+        <p:nvSpPr>
+          <p:cNvPr id="5" name="Footer Placeholder 4"/>
+          <p:cNvSpPr>
+            <a:spLocks noGrp="1"/>
+          </p:cNvSpPr>
+          <p:nvPr>
+            <p:ph type="ftr" sz="quarter" idx="11"/>
+          </p:nvPr>
+        </p:nvSpPr>
+        <p:spPr/>
+        <p:txBody>
+          <a:bodyPr/>
+          <a:lstStyle/>
+          <a:p>
+            <a:r>
+              <a:rPr lang="en-US" smtClean="0"/>
+              <a:t>Copyright © 2016 ProTech Professional Technical Services, Inc.</a:t>
+            </a:r>
+            <a:endParaRPr lang="en-US" dirty="0"/>
+          </a:p>
+        </p:txBody>
+      </p:sp>
     </p:spTree>
     <p:extLst>
       <p:ext uri="{BB962C8B-B14F-4D97-AF65-F5344CB8AC3E}">
@@ -23425,6 +25603,29 @@
           </a:p>
         </p:txBody>
       </p:sp>
+      <p:sp>
+        <p:nvSpPr>
+          <p:cNvPr id="5" name="Footer Placeholder 4"/>
+          <p:cNvSpPr>
+            <a:spLocks noGrp="1"/>
+          </p:cNvSpPr>
+          <p:nvPr>
+            <p:ph type="ftr" sz="quarter" idx="11"/>
+          </p:nvPr>
+        </p:nvSpPr>
+        <p:spPr/>
+        <p:txBody>
+          <a:bodyPr/>
+          <a:lstStyle/>
+          <a:p>
+            <a:r>
+              <a:rPr lang="en-US" smtClean="0"/>
+              <a:t>Copyright © 2016 ProTech Professional Technical Services, Inc.</a:t>
+            </a:r>
+            <a:endParaRPr lang="en-US" dirty="0"/>
+          </a:p>
+        </p:txBody>
+      </p:sp>
     </p:spTree>
     <p:extLst>
       <p:ext uri="{BB962C8B-B14F-4D97-AF65-F5344CB8AC3E}">
@@ -23590,6 +25791,29 @@
           </a:p>
         </p:txBody>
       </p:sp>
+      <p:sp>
+        <p:nvSpPr>
+          <p:cNvPr id="5" name="Footer Placeholder 4"/>
+          <p:cNvSpPr>
+            <a:spLocks noGrp="1"/>
+          </p:cNvSpPr>
+          <p:nvPr>
+            <p:ph type="ftr" sz="quarter" idx="11"/>
+          </p:nvPr>
+        </p:nvSpPr>
+        <p:spPr/>
+        <p:txBody>
+          <a:bodyPr/>
+          <a:lstStyle/>
+          <a:p>
+            <a:r>
+              <a:rPr lang="en-US" smtClean="0"/>
+              <a:t>Copyright © 2016 ProTech Professional Technical Services, Inc.</a:t>
+            </a:r>
+            <a:endParaRPr lang="en-US" dirty="0"/>
+          </a:p>
+        </p:txBody>
+      </p:sp>
     </p:spTree>
     <p:extLst>
       <p:ext uri="{BB962C8B-B14F-4D97-AF65-F5344CB8AC3E}">
@@ -23806,6 +26030,29 @@
           </a:p>
         </p:txBody>
       </p:sp>
+      <p:sp>
+        <p:nvSpPr>
+          <p:cNvPr id="5" name="Footer Placeholder 4"/>
+          <p:cNvSpPr>
+            <a:spLocks noGrp="1"/>
+          </p:cNvSpPr>
+          <p:nvPr>
+            <p:ph type="ftr" sz="quarter" idx="11"/>
+          </p:nvPr>
+        </p:nvSpPr>
+        <p:spPr/>
+        <p:txBody>
+          <a:bodyPr/>
+          <a:lstStyle/>
+          <a:p>
+            <a:r>
+              <a:rPr lang="en-US" smtClean="0"/>
+              <a:t>Copyright © 2016 ProTech Professional Technical Services, Inc.</a:t>
+            </a:r>
+            <a:endParaRPr lang="en-US" dirty="0"/>
+          </a:p>
+        </p:txBody>
+      </p:sp>
     </p:spTree>
     <p:extLst>
       <p:ext uri="{BB962C8B-B14F-4D97-AF65-F5344CB8AC3E}">
@@ -24022,6 +26269,29 @@
           </a:p>
         </p:txBody>
       </p:sp>
+      <p:sp>
+        <p:nvSpPr>
+          <p:cNvPr id="5" name="Footer Placeholder 4"/>
+          <p:cNvSpPr>
+            <a:spLocks noGrp="1"/>
+          </p:cNvSpPr>
+          <p:nvPr>
+            <p:ph type="ftr" sz="quarter" idx="11"/>
+          </p:nvPr>
+        </p:nvSpPr>
+        <p:spPr/>
+        <p:txBody>
+          <a:bodyPr/>
+          <a:lstStyle/>
+          <a:p>
+            <a:r>
+              <a:rPr lang="en-US" smtClean="0"/>
+              <a:t>Copyright © 2016 ProTech Professional Technical Services, Inc.</a:t>
+            </a:r>
+            <a:endParaRPr lang="en-US" dirty="0"/>
+          </a:p>
+        </p:txBody>
+      </p:sp>
     </p:spTree>
     <p:extLst>
       <p:ext uri="{BB962C8B-B14F-4D97-AF65-F5344CB8AC3E}">
@@ -24237,6 +26507,29 @@
           </a:p>
         </p:txBody>
       </p:sp>
+      <p:sp>
+        <p:nvSpPr>
+          <p:cNvPr id="5" name="Footer Placeholder 4"/>
+          <p:cNvSpPr>
+            <a:spLocks noGrp="1"/>
+          </p:cNvSpPr>
+          <p:nvPr>
+            <p:ph type="ftr" sz="quarter" idx="11"/>
+          </p:nvPr>
+        </p:nvSpPr>
+        <p:spPr/>
+        <p:txBody>
+          <a:bodyPr/>
+          <a:lstStyle/>
+          <a:p>
+            <a:r>
+              <a:rPr lang="en-US" smtClean="0"/>
+              <a:t>Copyright © 2016 ProTech Professional Technical Services, Inc.</a:t>
+            </a:r>
+            <a:endParaRPr lang="en-US" dirty="0"/>
+          </a:p>
+        </p:txBody>
+      </p:sp>
     </p:spTree>
     <p:extLst>
       <p:ext uri="{BB962C8B-B14F-4D97-AF65-F5344CB8AC3E}">
@@ -24410,6 +26703,29 @@
           </a:p>
         </p:txBody>
       </p:sp>
+      <p:sp>
+        <p:nvSpPr>
+          <p:cNvPr id="5" name="Footer Placeholder 4"/>
+          <p:cNvSpPr>
+            <a:spLocks noGrp="1"/>
+          </p:cNvSpPr>
+          <p:nvPr>
+            <p:ph type="ftr" sz="quarter" idx="11"/>
+          </p:nvPr>
+        </p:nvSpPr>
+        <p:spPr/>
+        <p:txBody>
+          <a:bodyPr/>
+          <a:lstStyle/>
+          <a:p>
+            <a:r>
+              <a:rPr lang="en-US" smtClean="0"/>
+              <a:t>Copyright © 2016 ProTech Professional Technical Services, Inc.</a:t>
+            </a:r>
+            <a:endParaRPr lang="en-US" dirty="0"/>
+          </a:p>
+        </p:txBody>
+      </p:sp>
     </p:spTree>
     <p:extLst>
       <p:ext uri="{BB962C8B-B14F-4D97-AF65-F5344CB8AC3E}">
@@ -24590,6 +26906,29 @@
           </a:p>
         </p:txBody>
       </p:sp>
+      <p:sp>
+        <p:nvSpPr>
+          <p:cNvPr id="5" name="Footer Placeholder 4"/>
+          <p:cNvSpPr>
+            <a:spLocks noGrp="1"/>
+          </p:cNvSpPr>
+          <p:nvPr>
+            <p:ph type="ftr" sz="quarter" idx="11"/>
+          </p:nvPr>
+        </p:nvSpPr>
+        <p:spPr/>
+        <p:txBody>
+          <a:bodyPr/>
+          <a:lstStyle/>
+          <a:p>
+            <a:r>
+              <a:rPr lang="en-US" smtClean="0"/>
+              <a:t>Copyright © 2016 ProTech Professional Technical Services, Inc.</a:t>
+            </a:r>
+            <a:endParaRPr lang="en-US" dirty="0"/>
+          </a:p>
+        </p:txBody>
+      </p:sp>
     </p:spTree>
     <p:extLst>
       <p:ext uri="{BB962C8B-B14F-4D97-AF65-F5344CB8AC3E}">
@@ -24785,6 +27124,29 @@
           </a:p>
         </p:txBody>
       </p:sp>
+      <p:sp>
+        <p:nvSpPr>
+          <p:cNvPr id="5" name="Footer Placeholder 4"/>
+          <p:cNvSpPr>
+            <a:spLocks noGrp="1"/>
+          </p:cNvSpPr>
+          <p:nvPr>
+            <p:ph type="ftr" sz="quarter" idx="11"/>
+          </p:nvPr>
+        </p:nvSpPr>
+        <p:spPr/>
+        <p:txBody>
+          <a:bodyPr/>
+          <a:lstStyle/>
+          <a:p>
+            <a:r>
+              <a:rPr lang="en-US" smtClean="0"/>
+              <a:t>Copyright © 2016 ProTech Professional Technical Services, Inc.</a:t>
+            </a:r>
+            <a:endParaRPr lang="en-US" dirty="0"/>
+          </a:p>
+        </p:txBody>
+      </p:sp>
     </p:spTree>
     <p:extLst>
       <p:ext uri="{BB962C8B-B14F-4D97-AF65-F5344CB8AC3E}">
@@ -25026,6 +27388,29 @@
           </a:p>
         </p:txBody>
       </p:sp>
+      <p:sp>
+        <p:nvSpPr>
+          <p:cNvPr id="5" name="Footer Placeholder 4"/>
+          <p:cNvSpPr>
+            <a:spLocks noGrp="1"/>
+          </p:cNvSpPr>
+          <p:nvPr>
+            <p:ph type="ftr" sz="quarter" idx="11"/>
+          </p:nvPr>
+        </p:nvSpPr>
+        <p:spPr/>
+        <p:txBody>
+          <a:bodyPr/>
+          <a:lstStyle/>
+          <a:p>
+            <a:r>
+              <a:rPr lang="en-US" smtClean="0"/>
+              <a:t>Copyright © 2016 ProTech Professional Technical Services, Inc.</a:t>
+            </a:r>
+            <a:endParaRPr lang="en-US" dirty="0"/>
+          </a:p>
+        </p:txBody>
+      </p:sp>
     </p:spTree>
     <p:extLst>
       <p:ext uri="{BB962C8B-B14F-4D97-AF65-F5344CB8AC3E}">
@@ -25189,6 +27574,29 @@
           </a:p>
         </p:txBody>
       </p:sp>
+      <p:sp>
+        <p:nvSpPr>
+          <p:cNvPr id="5" name="Footer Placeholder 4"/>
+          <p:cNvSpPr>
+            <a:spLocks noGrp="1"/>
+          </p:cNvSpPr>
+          <p:nvPr>
+            <p:ph type="ftr" sz="quarter" idx="11"/>
+          </p:nvPr>
+        </p:nvSpPr>
+        <p:spPr/>
+        <p:txBody>
+          <a:bodyPr/>
+          <a:lstStyle/>
+          <a:p>
+            <a:r>
+              <a:rPr lang="en-US" smtClean="0"/>
+              <a:t>Copyright © 2016 ProTech Professional Technical Services, Inc.</a:t>
+            </a:r>
+            <a:endParaRPr lang="en-US" dirty="0"/>
+          </a:p>
+        </p:txBody>
+      </p:sp>
     </p:spTree>
     <p:extLst>
       <p:ext uri="{BB962C8B-B14F-4D97-AF65-F5344CB8AC3E}">
@@ -25353,6 +27761,29 @@
           </a:p>
         </p:txBody>
       </p:sp>
+      <p:sp>
+        <p:nvSpPr>
+          <p:cNvPr id="5" name="Footer Placeholder 4"/>
+          <p:cNvSpPr>
+            <a:spLocks noGrp="1"/>
+          </p:cNvSpPr>
+          <p:nvPr>
+            <p:ph type="ftr" sz="quarter" idx="11"/>
+          </p:nvPr>
+        </p:nvSpPr>
+        <p:spPr/>
+        <p:txBody>
+          <a:bodyPr/>
+          <a:lstStyle/>
+          <a:p>
+            <a:r>
+              <a:rPr lang="en-US" smtClean="0"/>
+              <a:t>Copyright © 2016 ProTech Professional Technical Services, Inc.</a:t>
+            </a:r>
+            <a:endParaRPr lang="en-US" dirty="0"/>
+          </a:p>
+        </p:txBody>
+      </p:sp>
     </p:spTree>
     <p:extLst>
       <p:ext uri="{BB962C8B-B14F-4D97-AF65-F5344CB8AC3E}">
@@ -25597,6 +28028,29 @@
           </a:p>
         </p:txBody>
       </p:sp>
+      <p:sp>
+        <p:nvSpPr>
+          <p:cNvPr id="5" name="Footer Placeholder 4"/>
+          <p:cNvSpPr>
+            <a:spLocks noGrp="1"/>
+          </p:cNvSpPr>
+          <p:nvPr>
+            <p:ph type="ftr" sz="quarter" idx="11"/>
+          </p:nvPr>
+        </p:nvSpPr>
+        <p:spPr/>
+        <p:txBody>
+          <a:bodyPr/>
+          <a:lstStyle/>
+          <a:p>
+            <a:r>
+              <a:rPr lang="en-US" smtClean="0"/>
+              <a:t>Copyright © 2016 ProTech Professional Technical Services, Inc.</a:t>
+            </a:r>
+            <a:endParaRPr lang="en-US" dirty="0"/>
+          </a:p>
+        </p:txBody>
+      </p:sp>
     </p:spTree>
     <p:extLst>
       <p:ext uri="{BB962C8B-B14F-4D97-AF65-F5344CB8AC3E}">
@@ -25754,6 +28208,29 @@
           </a:p>
         </p:txBody>
       </p:sp>
+      <p:sp>
+        <p:nvSpPr>
+          <p:cNvPr id="5" name="Footer Placeholder 4"/>
+          <p:cNvSpPr>
+            <a:spLocks noGrp="1"/>
+          </p:cNvSpPr>
+          <p:nvPr>
+            <p:ph type="ftr" sz="quarter" idx="11"/>
+          </p:nvPr>
+        </p:nvSpPr>
+        <p:spPr/>
+        <p:txBody>
+          <a:bodyPr/>
+          <a:lstStyle/>
+          <a:p>
+            <a:r>
+              <a:rPr lang="en-US" smtClean="0"/>
+              <a:t>Copyright © 2016 ProTech Professional Technical Services, Inc.</a:t>
+            </a:r>
+            <a:endParaRPr lang="en-US" dirty="0"/>
+          </a:p>
+        </p:txBody>
+      </p:sp>
     </p:spTree>
     <p:extLst>
       <p:ext uri="{BB962C8B-B14F-4D97-AF65-F5344CB8AC3E}">
@@ -25911,6 +28388,29 @@
           </a:p>
         </p:txBody>
       </p:sp>
+      <p:sp>
+        <p:nvSpPr>
+          <p:cNvPr id="5" name="Footer Placeholder 4"/>
+          <p:cNvSpPr>
+            <a:spLocks noGrp="1"/>
+          </p:cNvSpPr>
+          <p:nvPr>
+            <p:ph type="ftr" sz="quarter" idx="11"/>
+          </p:nvPr>
+        </p:nvSpPr>
+        <p:spPr/>
+        <p:txBody>
+          <a:bodyPr/>
+          <a:lstStyle/>
+          <a:p>
+            <a:r>
+              <a:rPr lang="en-US" smtClean="0"/>
+              <a:t>Copyright © 2016 ProTech Professional Technical Services, Inc.</a:t>
+            </a:r>
+            <a:endParaRPr lang="en-US" dirty="0"/>
+          </a:p>
+        </p:txBody>
+      </p:sp>
     </p:spTree>
     <p:extLst>
       <p:ext uri="{BB962C8B-B14F-4D97-AF65-F5344CB8AC3E}">
@@ -26073,6 +28573,29 @@
           </a:p>
         </p:txBody>
       </p:sp>
+      <p:sp>
+        <p:nvSpPr>
+          <p:cNvPr id="5" name="Footer Placeholder 4"/>
+          <p:cNvSpPr>
+            <a:spLocks noGrp="1"/>
+          </p:cNvSpPr>
+          <p:nvPr>
+            <p:ph type="ftr" sz="quarter" idx="11"/>
+          </p:nvPr>
+        </p:nvSpPr>
+        <p:spPr/>
+        <p:txBody>
+          <a:bodyPr/>
+          <a:lstStyle/>
+          <a:p>
+            <a:r>
+              <a:rPr lang="en-US" smtClean="0"/>
+              <a:t>Copyright © 2016 ProTech Professional Technical Services, Inc.</a:t>
+            </a:r>
+            <a:endParaRPr lang="en-US" dirty="0"/>
+          </a:p>
+        </p:txBody>
+      </p:sp>
     </p:spTree>
     <p:extLst>
       <p:ext uri="{BB962C8B-B14F-4D97-AF65-F5344CB8AC3E}">
@@ -26237,6 +28760,29 @@
           </a:p>
         </p:txBody>
       </p:sp>
+      <p:sp>
+        <p:nvSpPr>
+          <p:cNvPr id="5" name="Footer Placeholder 4"/>
+          <p:cNvSpPr>
+            <a:spLocks noGrp="1"/>
+          </p:cNvSpPr>
+          <p:nvPr>
+            <p:ph type="ftr" sz="quarter" idx="11"/>
+          </p:nvPr>
+        </p:nvSpPr>
+        <p:spPr/>
+        <p:txBody>
+          <a:bodyPr/>
+          <a:lstStyle/>
+          <a:p>
+            <a:r>
+              <a:rPr lang="en-US" smtClean="0"/>
+              <a:t>Copyright © 2016 ProTech Professional Technical Services, Inc.</a:t>
+            </a:r>
+            <a:endParaRPr lang="en-US" dirty="0"/>
+          </a:p>
+        </p:txBody>
+      </p:sp>
     </p:spTree>
     <p:extLst>
       <p:ext uri="{BB962C8B-B14F-4D97-AF65-F5344CB8AC3E}">
@@ -26431,6 +28977,29 @@
           </a:p>
         </p:txBody>
       </p:sp>
+      <p:sp>
+        <p:nvSpPr>
+          <p:cNvPr id="5" name="Footer Placeholder 4"/>
+          <p:cNvSpPr>
+            <a:spLocks noGrp="1"/>
+          </p:cNvSpPr>
+          <p:nvPr>
+            <p:ph type="ftr" sz="quarter" idx="11"/>
+          </p:nvPr>
+        </p:nvSpPr>
+        <p:spPr/>
+        <p:txBody>
+          <a:bodyPr/>
+          <a:lstStyle/>
+          <a:p>
+            <a:r>
+              <a:rPr lang="en-US" smtClean="0"/>
+              <a:t>Copyright © 2016 ProTech Professional Technical Services, Inc.</a:t>
+            </a:r>
+            <a:endParaRPr lang="en-US" dirty="0"/>
+          </a:p>
+        </p:txBody>
+      </p:sp>
     </p:spTree>
     <p:extLst>
       <p:ext uri="{BB962C8B-B14F-4D97-AF65-F5344CB8AC3E}">
@@ -26607,6 +29176,29 @@
           </a:p>
         </p:txBody>
       </p:sp>
+      <p:sp>
+        <p:nvSpPr>
+          <p:cNvPr id="5" name="Footer Placeholder 4"/>
+          <p:cNvSpPr>
+            <a:spLocks noGrp="1"/>
+          </p:cNvSpPr>
+          <p:nvPr>
+            <p:ph type="ftr" sz="quarter" idx="11"/>
+          </p:nvPr>
+        </p:nvSpPr>
+        <p:spPr/>
+        <p:txBody>
+          <a:bodyPr/>
+          <a:lstStyle/>
+          <a:p>
+            <a:r>
+              <a:rPr lang="en-US" smtClean="0"/>
+              <a:t>Copyright © 2016 ProTech Professional Technical Services, Inc.</a:t>
+            </a:r>
+            <a:endParaRPr lang="en-US" dirty="0"/>
+          </a:p>
+        </p:txBody>
+      </p:sp>
     </p:spTree>
     <p:extLst>
       <p:ext uri="{BB962C8B-B14F-4D97-AF65-F5344CB8AC3E}">
@@ -26771,6 +29363,29 @@
           </a:p>
         </p:txBody>
       </p:sp>
+      <p:sp>
+        <p:nvSpPr>
+          <p:cNvPr id="5" name="Footer Placeholder 4"/>
+          <p:cNvSpPr>
+            <a:spLocks noGrp="1"/>
+          </p:cNvSpPr>
+          <p:nvPr>
+            <p:ph type="ftr" sz="quarter" idx="11"/>
+          </p:nvPr>
+        </p:nvSpPr>
+        <p:spPr/>
+        <p:txBody>
+          <a:bodyPr/>
+          <a:lstStyle/>
+          <a:p>
+            <a:r>
+              <a:rPr lang="en-US" smtClean="0"/>
+              <a:t>Copyright © 2016 ProTech Professional Technical Services, Inc.</a:t>
+            </a:r>
+            <a:endParaRPr lang="en-US" dirty="0"/>
+          </a:p>
+        </p:txBody>
+      </p:sp>
     </p:spTree>
     <p:extLst>
       <p:ext uri="{BB962C8B-B14F-4D97-AF65-F5344CB8AC3E}">
@@ -26920,6 +29535,29 @@
           </a:p>
         </p:txBody>
       </p:sp>
+      <p:sp>
+        <p:nvSpPr>
+          <p:cNvPr id="5" name="Footer Placeholder 4"/>
+          <p:cNvSpPr>
+            <a:spLocks noGrp="1"/>
+          </p:cNvSpPr>
+          <p:nvPr>
+            <p:ph type="ftr" sz="quarter" idx="11"/>
+          </p:nvPr>
+        </p:nvSpPr>
+        <p:spPr/>
+        <p:txBody>
+          <a:bodyPr/>
+          <a:lstStyle/>
+          <a:p>
+            <a:r>
+              <a:rPr lang="en-US" smtClean="0"/>
+              <a:t>Copyright © 2016 ProTech Professional Technical Services, Inc.</a:t>
+            </a:r>
+            <a:endParaRPr lang="en-US" dirty="0"/>
+          </a:p>
+        </p:txBody>
+      </p:sp>
     </p:spTree>
     <p:extLst>
       <p:ext uri="{BB962C8B-B14F-4D97-AF65-F5344CB8AC3E}">
@@ -27086,6 +29724,29 @@
           </a:p>
         </p:txBody>
       </p:sp>
+      <p:sp>
+        <p:nvSpPr>
+          <p:cNvPr id="5" name="Footer Placeholder 4"/>
+          <p:cNvSpPr>
+            <a:spLocks noGrp="1"/>
+          </p:cNvSpPr>
+          <p:nvPr>
+            <p:ph type="ftr" sz="quarter" idx="11"/>
+          </p:nvPr>
+        </p:nvSpPr>
+        <p:spPr/>
+        <p:txBody>
+          <a:bodyPr/>
+          <a:lstStyle/>
+          <a:p>
+            <a:r>
+              <a:rPr lang="en-US" smtClean="0"/>
+              <a:t>Copyright © 2016 ProTech Professional Technical Services, Inc.</a:t>
+            </a:r>
+            <a:endParaRPr lang="en-US" dirty="0"/>
+          </a:p>
+        </p:txBody>
+      </p:sp>
     </p:spTree>
     <p:extLst>
       <p:ext uri="{BB962C8B-B14F-4D97-AF65-F5344CB8AC3E}">
@@ -27279,6 +29940,29 @@
           </a:p>
         </p:txBody>
       </p:sp>
+      <p:sp>
+        <p:nvSpPr>
+          <p:cNvPr id="5" name="Footer Placeholder 4"/>
+          <p:cNvSpPr>
+            <a:spLocks noGrp="1"/>
+          </p:cNvSpPr>
+          <p:nvPr>
+            <p:ph type="ftr" sz="quarter" idx="11"/>
+          </p:nvPr>
+        </p:nvSpPr>
+        <p:spPr/>
+        <p:txBody>
+          <a:bodyPr/>
+          <a:lstStyle/>
+          <a:p>
+            <a:r>
+              <a:rPr lang="en-US" smtClean="0"/>
+              <a:t>Copyright © 2016 ProTech Professional Technical Services, Inc.</a:t>
+            </a:r>
+            <a:endParaRPr lang="en-US" dirty="0"/>
+          </a:p>
+        </p:txBody>
+      </p:sp>
     </p:spTree>
     <p:extLst>
       <p:ext uri="{BB962C8B-B14F-4D97-AF65-F5344CB8AC3E}">
@@ -27459,6 +30143,29 @@
           </a:p>
         </p:txBody>
       </p:sp>
+      <p:sp>
+        <p:nvSpPr>
+          <p:cNvPr id="5" name="Footer Placeholder 4"/>
+          <p:cNvSpPr>
+            <a:spLocks noGrp="1"/>
+          </p:cNvSpPr>
+          <p:nvPr>
+            <p:ph type="ftr" sz="quarter" idx="11"/>
+          </p:nvPr>
+        </p:nvSpPr>
+        <p:spPr/>
+        <p:txBody>
+          <a:bodyPr/>
+          <a:lstStyle/>
+          <a:p>
+            <a:r>
+              <a:rPr lang="en-US" smtClean="0"/>
+              <a:t>Copyright © 2016 ProTech Professional Technical Services, Inc.</a:t>
+            </a:r>
+            <a:endParaRPr lang="en-US" dirty="0"/>
+          </a:p>
+        </p:txBody>
+      </p:sp>
     </p:spTree>
     <p:extLst>
       <p:ext uri="{BB962C8B-B14F-4D97-AF65-F5344CB8AC3E}">
@@ -27592,6 +30299,29 @@
               <a:t>2</a:t>
             </a:fld>
             <a:endParaRPr lang="en-US"/>
+          </a:p>
+        </p:txBody>
+      </p:sp>
+      <p:sp>
+        <p:nvSpPr>
+          <p:cNvPr id="5" name="Footer Placeholder 4"/>
+          <p:cNvSpPr>
+            <a:spLocks noGrp="1"/>
+          </p:cNvSpPr>
+          <p:nvPr>
+            <p:ph type="ftr" sz="quarter" idx="11"/>
+          </p:nvPr>
+        </p:nvSpPr>
+        <p:spPr/>
+        <p:txBody>
+          <a:bodyPr/>
+          <a:lstStyle/>
+          <a:p>
+            <a:r>
+              <a:rPr lang="en-US" smtClean="0"/>
+              <a:t>Copyright © 2016 ProTech Professional Technical Services, Inc.</a:t>
+            </a:r>
+            <a:endParaRPr lang="en-US" dirty="0"/>
           </a:p>
         </p:txBody>
       </p:sp>
@@ -28052,6 +30782,29 @@
           </a:p>
         </p:txBody>
       </p:sp>
+      <p:sp>
+        <p:nvSpPr>
+          <p:cNvPr id="12" name="Footer Placeholder 11"/>
+          <p:cNvSpPr>
+            <a:spLocks noGrp="1"/>
+          </p:cNvSpPr>
+          <p:nvPr>
+            <p:ph type="ftr" sz="quarter" idx="11"/>
+          </p:nvPr>
+        </p:nvSpPr>
+        <p:spPr/>
+        <p:txBody>
+          <a:bodyPr/>
+          <a:lstStyle/>
+          <a:p>
+            <a:r>
+              <a:rPr lang="en-US" smtClean="0"/>
+              <a:t>Copyright © 2016 ProTech Professional Technical Services, Inc.</a:t>
+            </a:r>
+            <a:endParaRPr lang="en-US" dirty="0"/>
+          </a:p>
+        </p:txBody>
+      </p:sp>
     </p:spTree>
     <p:extLst>
       <p:ext uri="{BB962C8B-B14F-4D97-AF65-F5344CB8AC3E}">
@@ -28292,6 +31045,29 @@
           </a:p>
         </p:txBody>
       </p:sp>
+      <p:sp>
+        <p:nvSpPr>
+          <p:cNvPr id="5" name="Footer Placeholder 4"/>
+          <p:cNvSpPr>
+            <a:spLocks noGrp="1"/>
+          </p:cNvSpPr>
+          <p:nvPr>
+            <p:ph type="ftr" sz="quarter" idx="11"/>
+          </p:nvPr>
+        </p:nvSpPr>
+        <p:spPr/>
+        <p:txBody>
+          <a:bodyPr/>
+          <a:lstStyle/>
+          <a:p>
+            <a:r>
+              <a:rPr lang="en-US" smtClean="0"/>
+              <a:t>Copyright © 2016 ProTech Professional Technical Services, Inc.</a:t>
+            </a:r>
+            <a:endParaRPr lang="en-US" dirty="0"/>
+          </a:p>
+        </p:txBody>
+      </p:sp>
     </p:spTree>
     <p:extLst>
       <p:ext uri="{BB962C8B-B14F-4D97-AF65-F5344CB8AC3E}">
@@ -28419,6 +31195,29 @@
           </a:p>
         </p:txBody>
       </p:sp>
+      <p:sp>
+        <p:nvSpPr>
+          <p:cNvPr id="5" name="Footer Placeholder 4"/>
+          <p:cNvSpPr>
+            <a:spLocks noGrp="1"/>
+          </p:cNvSpPr>
+          <p:nvPr>
+            <p:ph type="ftr" sz="quarter" idx="11"/>
+          </p:nvPr>
+        </p:nvSpPr>
+        <p:spPr/>
+        <p:txBody>
+          <a:bodyPr/>
+          <a:lstStyle/>
+          <a:p>
+            <a:r>
+              <a:rPr lang="en-US" smtClean="0"/>
+              <a:t>Copyright © 2016 ProTech Professional Technical Services, Inc.</a:t>
+            </a:r>
+            <a:endParaRPr lang="en-US" dirty="0"/>
+          </a:p>
+        </p:txBody>
+      </p:sp>
     </p:spTree>
     <p:extLst>
       <p:ext uri="{BB962C8B-B14F-4D97-AF65-F5344CB8AC3E}">
@@ -28621,6 +31420,29 @@
           </a:p>
         </p:txBody>
       </p:sp>
+      <p:sp>
+        <p:nvSpPr>
+          <p:cNvPr id="5" name="Footer Placeholder 4"/>
+          <p:cNvSpPr>
+            <a:spLocks noGrp="1"/>
+          </p:cNvSpPr>
+          <p:nvPr>
+            <p:ph type="ftr" sz="quarter" idx="11"/>
+          </p:nvPr>
+        </p:nvSpPr>
+        <p:spPr/>
+        <p:txBody>
+          <a:bodyPr/>
+          <a:lstStyle/>
+          <a:p>
+            <a:r>
+              <a:rPr lang="en-US" smtClean="0"/>
+              <a:t>Copyright © 2016 ProTech Professional Technical Services, Inc.</a:t>
+            </a:r>
+            <a:endParaRPr lang="en-US" dirty="0"/>
+          </a:p>
+        </p:txBody>
+      </p:sp>
     </p:spTree>
     <p:extLst>
       <p:ext uri="{BB962C8B-B14F-4D97-AF65-F5344CB8AC3E}">
@@ -28867,6 +31689,29 @@
           </a:p>
         </p:txBody>
       </p:sp>
+      <p:sp>
+        <p:nvSpPr>
+          <p:cNvPr id="5" name="Footer Placeholder 4"/>
+          <p:cNvSpPr>
+            <a:spLocks noGrp="1"/>
+          </p:cNvSpPr>
+          <p:nvPr>
+            <p:ph type="ftr" sz="quarter" idx="11"/>
+          </p:nvPr>
+        </p:nvSpPr>
+        <p:spPr/>
+        <p:txBody>
+          <a:bodyPr/>
+          <a:lstStyle/>
+          <a:p>
+            <a:r>
+              <a:rPr lang="en-US" smtClean="0"/>
+              <a:t>Copyright © 2016 ProTech Professional Technical Services, Inc.</a:t>
+            </a:r>
+            <a:endParaRPr lang="en-US" dirty="0"/>
+          </a:p>
+        </p:txBody>
+      </p:sp>
     </p:spTree>
     <p:extLst>
       <p:ext uri="{BB962C8B-B14F-4D97-AF65-F5344CB8AC3E}">
@@ -29030,6 +31875,29 @@
           </a:p>
         </p:txBody>
       </p:sp>
+      <p:sp>
+        <p:nvSpPr>
+          <p:cNvPr id="5" name="Footer Placeholder 4"/>
+          <p:cNvSpPr>
+            <a:spLocks noGrp="1"/>
+          </p:cNvSpPr>
+          <p:nvPr>
+            <p:ph type="ftr" sz="quarter" idx="11"/>
+          </p:nvPr>
+        </p:nvSpPr>
+        <p:spPr/>
+        <p:txBody>
+          <a:bodyPr/>
+          <a:lstStyle/>
+          <a:p>
+            <a:r>
+              <a:rPr lang="en-US" smtClean="0"/>
+              <a:t>Copyright © 2016 ProTech Professional Technical Services, Inc.</a:t>
+            </a:r>
+            <a:endParaRPr lang="en-US" dirty="0"/>
+          </a:p>
+        </p:txBody>
+      </p:sp>
     </p:spTree>
     <p:extLst>
       <p:ext uri="{BB962C8B-B14F-4D97-AF65-F5344CB8AC3E}">
@@ -29225,6 +32093,29 @@
           </a:p>
         </p:txBody>
       </p:sp>
+      <p:sp>
+        <p:nvSpPr>
+          <p:cNvPr id="5" name="Footer Placeholder 4"/>
+          <p:cNvSpPr>
+            <a:spLocks noGrp="1"/>
+          </p:cNvSpPr>
+          <p:nvPr>
+            <p:ph type="ftr" sz="quarter" idx="11"/>
+          </p:nvPr>
+        </p:nvSpPr>
+        <p:spPr/>
+        <p:txBody>
+          <a:bodyPr/>
+          <a:lstStyle/>
+          <a:p>
+            <a:r>
+              <a:rPr lang="en-US" smtClean="0"/>
+              <a:t>Copyright © 2016 ProTech Professional Technical Services, Inc.</a:t>
+            </a:r>
+            <a:endParaRPr lang="en-US" dirty="0"/>
+          </a:p>
+        </p:txBody>
+      </p:sp>
     </p:spTree>
     <p:extLst>
       <p:ext uri="{BB962C8B-B14F-4D97-AF65-F5344CB8AC3E}">
@@ -29408,6 +32299,29 @@
           </a:p>
         </p:txBody>
       </p:sp>
+      <p:sp>
+        <p:nvSpPr>
+          <p:cNvPr id="5" name="Footer Placeholder 4"/>
+          <p:cNvSpPr>
+            <a:spLocks noGrp="1"/>
+          </p:cNvSpPr>
+          <p:nvPr>
+            <p:ph type="ftr" sz="quarter" idx="11"/>
+          </p:nvPr>
+        </p:nvSpPr>
+        <p:spPr/>
+        <p:txBody>
+          <a:bodyPr/>
+          <a:lstStyle/>
+          <a:p>
+            <a:r>
+              <a:rPr lang="en-US" smtClean="0"/>
+              <a:t>Copyright © 2016 ProTech Professional Technical Services, Inc.</a:t>
+            </a:r>
+            <a:endParaRPr lang="en-US" dirty="0"/>
+          </a:p>
+        </p:txBody>
+      </p:sp>
     </p:spTree>
     <p:extLst>
       <p:ext uri="{BB962C8B-B14F-4D97-AF65-F5344CB8AC3E}">
@@ -29585,6 +32499,29 @@
           </a:p>
         </p:txBody>
       </p:sp>
+      <p:sp>
+        <p:nvSpPr>
+          <p:cNvPr id="5" name="Footer Placeholder 4"/>
+          <p:cNvSpPr>
+            <a:spLocks noGrp="1"/>
+          </p:cNvSpPr>
+          <p:nvPr>
+            <p:ph type="ftr" sz="quarter" idx="11"/>
+          </p:nvPr>
+        </p:nvSpPr>
+        <p:spPr/>
+        <p:txBody>
+          <a:bodyPr/>
+          <a:lstStyle/>
+          <a:p>
+            <a:r>
+              <a:rPr lang="en-US" smtClean="0"/>
+              <a:t>Copyright © 2016 ProTech Professional Technical Services, Inc.</a:t>
+            </a:r>
+            <a:endParaRPr lang="en-US" dirty="0"/>
+          </a:p>
+        </p:txBody>
+      </p:sp>
     </p:spTree>
     <p:extLst>
       <p:ext uri="{BB962C8B-B14F-4D97-AF65-F5344CB8AC3E}">
@@ -29921,6 +32858,29 @@
           </a:p>
         </p:txBody>
       </p:sp>
+      <p:sp>
+        <p:nvSpPr>
+          <p:cNvPr id="5" name="Footer Placeholder 4"/>
+          <p:cNvSpPr>
+            <a:spLocks noGrp="1"/>
+          </p:cNvSpPr>
+          <p:nvPr>
+            <p:ph type="ftr" sz="quarter" idx="11"/>
+          </p:nvPr>
+        </p:nvSpPr>
+        <p:spPr/>
+        <p:txBody>
+          <a:bodyPr/>
+          <a:lstStyle/>
+          <a:p>
+            <a:r>
+              <a:rPr lang="en-US" smtClean="0"/>
+              <a:t>Copyright © 2016 ProTech Professional Technical Services, Inc.</a:t>
+            </a:r>
+            <a:endParaRPr lang="en-US" dirty="0"/>
+          </a:p>
+        </p:txBody>
+      </p:sp>
     </p:spTree>
     <p:extLst>
       <p:ext uri="{BB962C8B-B14F-4D97-AF65-F5344CB8AC3E}">
@@ -30065,6 +33025,29 @@
           </a:p>
         </p:txBody>
       </p:sp>
+      <p:sp>
+        <p:nvSpPr>
+          <p:cNvPr id="5" name="Footer Placeholder 4"/>
+          <p:cNvSpPr>
+            <a:spLocks noGrp="1"/>
+          </p:cNvSpPr>
+          <p:nvPr>
+            <p:ph type="ftr" sz="quarter" idx="11"/>
+          </p:nvPr>
+        </p:nvSpPr>
+        <p:spPr/>
+        <p:txBody>
+          <a:bodyPr/>
+          <a:lstStyle/>
+          <a:p>
+            <a:r>
+              <a:rPr lang="en-US" smtClean="0"/>
+              <a:t>Copyright © 2016 ProTech Professional Technical Services, Inc.</a:t>
+            </a:r>
+            <a:endParaRPr lang="en-US" dirty="0"/>
+          </a:p>
+        </p:txBody>
+      </p:sp>
     </p:spTree>
     <p:extLst>
       <p:ext uri="{BB962C8B-B14F-4D97-AF65-F5344CB8AC3E}">
@@ -30238,6 +33221,29 @@
           </a:p>
         </p:txBody>
       </p:sp>
+      <p:sp>
+        <p:nvSpPr>
+          <p:cNvPr id="5" name="Footer Placeholder 4"/>
+          <p:cNvSpPr>
+            <a:spLocks noGrp="1"/>
+          </p:cNvSpPr>
+          <p:nvPr>
+            <p:ph type="ftr" sz="quarter" idx="11"/>
+          </p:nvPr>
+        </p:nvSpPr>
+        <p:spPr/>
+        <p:txBody>
+          <a:bodyPr/>
+          <a:lstStyle/>
+          <a:p>
+            <a:r>
+              <a:rPr lang="en-US" smtClean="0"/>
+              <a:t>Copyright © 2016 ProTech Professional Technical Services, Inc.</a:t>
+            </a:r>
+            <a:endParaRPr lang="en-US" dirty="0"/>
+          </a:p>
+        </p:txBody>
+      </p:sp>
     </p:spTree>
     <p:extLst>
       <p:ext uri="{BB962C8B-B14F-4D97-AF65-F5344CB8AC3E}">
@@ -30399,6 +33405,29 @@
           </a:p>
         </p:txBody>
       </p:sp>
+      <p:sp>
+        <p:nvSpPr>
+          <p:cNvPr id="5" name="Footer Placeholder 4"/>
+          <p:cNvSpPr>
+            <a:spLocks noGrp="1"/>
+          </p:cNvSpPr>
+          <p:nvPr>
+            <p:ph type="ftr" sz="quarter" idx="11"/>
+          </p:nvPr>
+        </p:nvSpPr>
+        <p:spPr/>
+        <p:txBody>
+          <a:bodyPr/>
+          <a:lstStyle/>
+          <a:p>
+            <a:r>
+              <a:rPr lang="en-US" smtClean="0"/>
+              <a:t>Copyright © 2016 ProTech Professional Technical Services, Inc.</a:t>
+            </a:r>
+            <a:endParaRPr lang="en-US" dirty="0"/>
+          </a:p>
+        </p:txBody>
+      </p:sp>
     </p:spTree>
     <p:extLst>
       <p:ext uri="{BB962C8B-B14F-4D97-AF65-F5344CB8AC3E}">
@@ -30569,6 +33598,29 @@
           </a:p>
         </p:txBody>
       </p:sp>
+      <p:sp>
+        <p:nvSpPr>
+          <p:cNvPr id="5" name="Footer Placeholder 4"/>
+          <p:cNvSpPr>
+            <a:spLocks noGrp="1"/>
+          </p:cNvSpPr>
+          <p:nvPr>
+            <p:ph type="ftr" sz="quarter" idx="11"/>
+          </p:nvPr>
+        </p:nvSpPr>
+        <p:spPr/>
+        <p:txBody>
+          <a:bodyPr/>
+          <a:lstStyle/>
+          <a:p>
+            <a:r>
+              <a:rPr lang="en-US" smtClean="0"/>
+              <a:t>Copyright © 2016 ProTech Professional Technical Services, Inc.</a:t>
+            </a:r>
+            <a:endParaRPr lang="en-US" dirty="0"/>
+          </a:p>
+        </p:txBody>
+      </p:sp>
     </p:spTree>
     <p:extLst>
       <p:ext uri="{BB962C8B-B14F-4D97-AF65-F5344CB8AC3E}">
@@ -30753,6 +33805,29 @@
           </a:p>
         </p:txBody>
       </p:sp>
+      <p:sp>
+        <p:nvSpPr>
+          <p:cNvPr id="5" name="Footer Placeholder 4"/>
+          <p:cNvSpPr>
+            <a:spLocks noGrp="1"/>
+          </p:cNvSpPr>
+          <p:nvPr>
+            <p:ph type="ftr" sz="quarter" idx="11"/>
+          </p:nvPr>
+        </p:nvSpPr>
+        <p:spPr/>
+        <p:txBody>
+          <a:bodyPr/>
+          <a:lstStyle/>
+          <a:p>
+            <a:r>
+              <a:rPr lang="en-US" smtClean="0"/>
+              <a:t>Copyright © 2016 ProTech Professional Technical Services, Inc.</a:t>
+            </a:r>
+            <a:endParaRPr lang="en-US" dirty="0"/>
+          </a:p>
+        </p:txBody>
+      </p:sp>
     </p:spTree>
     <p:extLst>
       <p:ext uri="{BB962C8B-B14F-4D97-AF65-F5344CB8AC3E}">
@@ -30900,6 +33975,29 @@
           </a:p>
         </p:txBody>
       </p:sp>
+      <p:sp>
+        <p:nvSpPr>
+          <p:cNvPr id="5" name="Footer Placeholder 4"/>
+          <p:cNvSpPr>
+            <a:spLocks noGrp="1"/>
+          </p:cNvSpPr>
+          <p:nvPr>
+            <p:ph type="ftr" sz="quarter" idx="11"/>
+          </p:nvPr>
+        </p:nvSpPr>
+        <p:spPr/>
+        <p:txBody>
+          <a:bodyPr/>
+          <a:lstStyle/>
+          <a:p>
+            <a:r>
+              <a:rPr lang="en-US" smtClean="0"/>
+              <a:t>Copyright © 2016 ProTech Professional Technical Services, Inc.</a:t>
+            </a:r>
+            <a:endParaRPr lang="en-US" dirty="0"/>
+          </a:p>
+        </p:txBody>
+      </p:sp>
     </p:spTree>
     <p:extLst>
       <p:ext uri="{BB962C8B-B14F-4D97-AF65-F5344CB8AC3E}">
@@ -31071,6 +34169,29 @@
           </a:p>
         </p:txBody>
       </p:sp>
+      <p:sp>
+        <p:nvSpPr>
+          <p:cNvPr id="5" name="Footer Placeholder 4"/>
+          <p:cNvSpPr>
+            <a:spLocks noGrp="1"/>
+          </p:cNvSpPr>
+          <p:nvPr>
+            <p:ph type="ftr" sz="quarter" idx="11"/>
+          </p:nvPr>
+        </p:nvSpPr>
+        <p:spPr/>
+        <p:txBody>
+          <a:bodyPr/>
+          <a:lstStyle/>
+          <a:p>
+            <a:r>
+              <a:rPr lang="en-US" smtClean="0"/>
+              <a:t>Copyright © 2016 ProTech Professional Technical Services, Inc.</a:t>
+            </a:r>
+            <a:endParaRPr lang="en-US" dirty="0"/>
+          </a:p>
+        </p:txBody>
+      </p:sp>
     </p:spTree>
     <p:extLst>
       <p:ext uri="{BB962C8B-B14F-4D97-AF65-F5344CB8AC3E}">
@@ -31264,6 +34385,29 @@
           </a:p>
         </p:txBody>
       </p:sp>
+      <p:sp>
+        <p:nvSpPr>
+          <p:cNvPr id="5" name="Footer Placeholder 4"/>
+          <p:cNvSpPr>
+            <a:spLocks noGrp="1"/>
+          </p:cNvSpPr>
+          <p:nvPr>
+            <p:ph type="ftr" sz="quarter" idx="11"/>
+          </p:nvPr>
+        </p:nvSpPr>
+        <p:spPr/>
+        <p:txBody>
+          <a:bodyPr/>
+          <a:lstStyle/>
+          <a:p>
+            <a:r>
+              <a:rPr lang="en-US" smtClean="0"/>
+              <a:t>Copyright © 2016 ProTech Professional Technical Services, Inc.</a:t>
+            </a:r>
+            <a:endParaRPr lang="en-US" dirty="0"/>
+          </a:p>
+        </p:txBody>
+      </p:sp>
     </p:spTree>
     <p:extLst>
       <p:ext uri="{BB962C8B-B14F-4D97-AF65-F5344CB8AC3E}">
@@ -31427,6 +34571,29 @@
           </a:p>
         </p:txBody>
       </p:sp>
+      <p:sp>
+        <p:nvSpPr>
+          <p:cNvPr id="5" name="Footer Placeholder 4"/>
+          <p:cNvSpPr>
+            <a:spLocks noGrp="1"/>
+          </p:cNvSpPr>
+          <p:nvPr>
+            <p:ph type="ftr" sz="quarter" idx="11"/>
+          </p:nvPr>
+        </p:nvSpPr>
+        <p:spPr/>
+        <p:txBody>
+          <a:bodyPr/>
+          <a:lstStyle/>
+          <a:p>
+            <a:r>
+              <a:rPr lang="en-US" smtClean="0"/>
+              <a:t>Copyright © 2016 ProTech Professional Technical Services, Inc.</a:t>
+            </a:r>
+            <a:endParaRPr lang="en-US" dirty="0"/>
+          </a:p>
+        </p:txBody>
+      </p:sp>
     </p:spTree>
     <p:extLst>
       <p:ext uri="{BB962C8B-B14F-4D97-AF65-F5344CB8AC3E}">
@@ -31593,6 +34760,29 @@
           </a:p>
         </p:txBody>
       </p:sp>
+      <p:sp>
+        <p:nvSpPr>
+          <p:cNvPr id="5" name="Footer Placeholder 4"/>
+          <p:cNvSpPr>
+            <a:spLocks noGrp="1"/>
+          </p:cNvSpPr>
+          <p:nvPr>
+            <p:ph type="ftr" sz="quarter" idx="11"/>
+          </p:nvPr>
+        </p:nvSpPr>
+        <p:spPr/>
+        <p:txBody>
+          <a:bodyPr/>
+          <a:lstStyle/>
+          <a:p>
+            <a:r>
+              <a:rPr lang="en-US" smtClean="0"/>
+              <a:t>Copyright © 2016 ProTech Professional Technical Services, Inc.</a:t>
+            </a:r>
+            <a:endParaRPr lang="en-US" dirty="0"/>
+          </a:p>
+        </p:txBody>
+      </p:sp>
     </p:spTree>
     <p:extLst>
       <p:ext uri="{BB962C8B-B14F-4D97-AF65-F5344CB8AC3E}">
@@ -31816,6 +35006,29 @@
           </a:p>
         </p:txBody>
       </p:sp>
+      <p:sp>
+        <p:nvSpPr>
+          <p:cNvPr id="5" name="Footer Placeholder 4"/>
+          <p:cNvSpPr>
+            <a:spLocks noGrp="1"/>
+          </p:cNvSpPr>
+          <p:nvPr>
+            <p:ph type="ftr" sz="quarter" idx="11"/>
+          </p:nvPr>
+        </p:nvSpPr>
+        <p:spPr/>
+        <p:txBody>
+          <a:bodyPr/>
+          <a:lstStyle/>
+          <a:p>
+            <a:r>
+              <a:rPr lang="en-US" smtClean="0"/>
+              <a:t>Copyright © 2016 ProTech Professional Technical Services, Inc.</a:t>
+            </a:r>
+            <a:endParaRPr lang="en-US" dirty="0"/>
+          </a:p>
+        </p:txBody>
+      </p:sp>
     </p:spTree>
     <p:extLst>
       <p:ext uri="{BB962C8B-B14F-4D97-AF65-F5344CB8AC3E}">
@@ -32062,6 +35275,29 @@
           </a:p>
         </p:txBody>
       </p:sp>
+      <p:sp>
+        <p:nvSpPr>
+          <p:cNvPr id="5" name="Footer Placeholder 4"/>
+          <p:cNvSpPr>
+            <a:spLocks noGrp="1"/>
+          </p:cNvSpPr>
+          <p:nvPr>
+            <p:ph type="ftr" sz="quarter" idx="11"/>
+          </p:nvPr>
+        </p:nvSpPr>
+        <p:spPr/>
+        <p:txBody>
+          <a:bodyPr/>
+          <a:lstStyle/>
+          <a:p>
+            <a:r>
+              <a:rPr lang="en-US" smtClean="0"/>
+              <a:t>Copyright © 2016 ProTech Professional Technical Services, Inc.</a:t>
+            </a:r>
+            <a:endParaRPr lang="en-US" dirty="0"/>
+          </a:p>
+        </p:txBody>
+      </p:sp>
     </p:spTree>
     <p:extLst>
       <p:ext uri="{BB962C8B-B14F-4D97-AF65-F5344CB8AC3E}">
@@ -32587,6 +35823,29 @@
           </a:p>
         </p:txBody>
       </p:sp>
+      <p:sp>
+        <p:nvSpPr>
+          <p:cNvPr id="6" name="Footer Placeholder 5"/>
+          <p:cNvSpPr>
+            <a:spLocks noGrp="1"/>
+          </p:cNvSpPr>
+          <p:nvPr>
+            <p:ph type="ftr" sz="quarter" idx="11"/>
+          </p:nvPr>
+        </p:nvSpPr>
+        <p:spPr/>
+        <p:txBody>
+          <a:bodyPr/>
+          <a:lstStyle/>
+          <a:p>
+            <a:r>
+              <a:rPr lang="en-US" smtClean="0"/>
+              <a:t>Copyright © 2016 ProTech Professional Technical Services, Inc.</a:t>
+            </a:r>
+            <a:endParaRPr lang="en-US" dirty="0"/>
+          </a:p>
+        </p:txBody>
+      </p:sp>
     </p:spTree>
     <p:extLst>
       <p:ext uri="{BB962C8B-B14F-4D97-AF65-F5344CB8AC3E}">
@@ -32789,6 +36048,29 @@
           </a:p>
         </p:txBody>
       </p:sp>
+      <p:sp>
+        <p:nvSpPr>
+          <p:cNvPr id="5" name="Footer Placeholder 4"/>
+          <p:cNvSpPr>
+            <a:spLocks noGrp="1"/>
+          </p:cNvSpPr>
+          <p:nvPr>
+            <p:ph type="ftr" sz="quarter" idx="11"/>
+          </p:nvPr>
+        </p:nvSpPr>
+        <p:spPr/>
+        <p:txBody>
+          <a:bodyPr/>
+          <a:lstStyle/>
+          <a:p>
+            <a:r>
+              <a:rPr lang="en-US" smtClean="0"/>
+              <a:t>Copyright © 2016 ProTech Professional Technical Services, Inc.</a:t>
+            </a:r>
+            <a:endParaRPr lang="en-US" dirty="0"/>
+          </a:p>
+        </p:txBody>
+      </p:sp>
     </p:spTree>
     <p:extLst>
       <p:ext uri="{BB962C8B-B14F-4D97-AF65-F5344CB8AC3E}">
@@ -32965,6 +36247,29 @@
           </a:p>
         </p:txBody>
       </p:sp>
+      <p:sp>
+        <p:nvSpPr>
+          <p:cNvPr id="5" name="Footer Placeholder 4"/>
+          <p:cNvSpPr>
+            <a:spLocks noGrp="1"/>
+          </p:cNvSpPr>
+          <p:nvPr>
+            <p:ph type="ftr" sz="quarter" idx="11"/>
+          </p:nvPr>
+        </p:nvSpPr>
+        <p:spPr/>
+        <p:txBody>
+          <a:bodyPr/>
+          <a:lstStyle/>
+          <a:p>
+            <a:r>
+              <a:rPr lang="en-US" smtClean="0"/>
+              <a:t>Copyright © 2016 ProTech Professional Technical Services, Inc.</a:t>
+            </a:r>
+            <a:endParaRPr lang="en-US" dirty="0"/>
+          </a:p>
+        </p:txBody>
+      </p:sp>
     </p:spTree>
     <p:extLst>
       <p:ext uri="{BB962C8B-B14F-4D97-AF65-F5344CB8AC3E}">
@@ -33153,6 +36458,29 @@
           </a:p>
         </p:txBody>
       </p:sp>
+      <p:sp>
+        <p:nvSpPr>
+          <p:cNvPr id="5" name="Footer Placeholder 4"/>
+          <p:cNvSpPr>
+            <a:spLocks noGrp="1"/>
+          </p:cNvSpPr>
+          <p:nvPr>
+            <p:ph type="ftr" sz="quarter" idx="11"/>
+          </p:nvPr>
+        </p:nvSpPr>
+        <p:spPr/>
+        <p:txBody>
+          <a:bodyPr/>
+          <a:lstStyle/>
+          <a:p>
+            <a:r>
+              <a:rPr lang="en-US" smtClean="0"/>
+              <a:t>Copyright © 2016 ProTech Professional Technical Services, Inc.</a:t>
+            </a:r>
+            <a:endParaRPr lang="en-US" dirty="0"/>
+          </a:p>
+        </p:txBody>
+      </p:sp>
     </p:spTree>
     <p:extLst>
       <p:ext uri="{BB962C8B-B14F-4D97-AF65-F5344CB8AC3E}">
@@ -33271,6 +36599,29 @@
           </a:p>
         </p:txBody>
       </p:sp>
+      <p:sp>
+        <p:nvSpPr>
+          <p:cNvPr id="5" name="Footer Placeholder 4"/>
+          <p:cNvSpPr>
+            <a:spLocks noGrp="1"/>
+          </p:cNvSpPr>
+          <p:nvPr>
+            <p:ph type="ftr" sz="quarter" idx="11"/>
+          </p:nvPr>
+        </p:nvSpPr>
+        <p:spPr/>
+        <p:txBody>
+          <a:bodyPr/>
+          <a:lstStyle/>
+          <a:p>
+            <a:r>
+              <a:rPr lang="en-US" smtClean="0"/>
+              <a:t>Copyright © 2016 ProTech Professional Technical Services, Inc.</a:t>
+            </a:r>
+            <a:endParaRPr lang="en-US" dirty="0"/>
+          </a:p>
+        </p:txBody>
+      </p:sp>
     </p:spTree>
     <p:extLst>
       <p:ext uri="{BB962C8B-B14F-4D97-AF65-F5344CB8AC3E}">
@@ -33399,6 +36750,29 @@
           </a:p>
         </p:txBody>
       </p:sp>
+      <p:sp>
+        <p:nvSpPr>
+          <p:cNvPr id="5" name="Footer Placeholder 4"/>
+          <p:cNvSpPr>
+            <a:spLocks noGrp="1"/>
+          </p:cNvSpPr>
+          <p:nvPr>
+            <p:ph type="ftr" sz="quarter" idx="11"/>
+          </p:nvPr>
+        </p:nvSpPr>
+        <p:spPr/>
+        <p:txBody>
+          <a:bodyPr/>
+          <a:lstStyle/>
+          <a:p>
+            <a:r>
+              <a:rPr lang="en-US" smtClean="0"/>
+              <a:t>Copyright © 2016 ProTech Professional Technical Services, Inc.</a:t>
+            </a:r>
+            <a:endParaRPr lang="en-US" dirty="0"/>
+          </a:p>
+        </p:txBody>
+      </p:sp>
     </p:spTree>
     <p:extLst>
       <p:ext uri="{BB962C8B-B14F-4D97-AF65-F5344CB8AC3E}">
@@ -33564,6 +36938,29 @@
           </a:p>
         </p:txBody>
       </p:sp>
+      <p:sp>
+        <p:nvSpPr>
+          <p:cNvPr id="5" name="Footer Placeholder 4"/>
+          <p:cNvSpPr>
+            <a:spLocks noGrp="1"/>
+          </p:cNvSpPr>
+          <p:nvPr>
+            <p:ph type="ftr" sz="quarter" idx="11"/>
+          </p:nvPr>
+        </p:nvSpPr>
+        <p:spPr/>
+        <p:txBody>
+          <a:bodyPr/>
+          <a:lstStyle/>
+          <a:p>
+            <a:r>
+              <a:rPr lang="en-US" smtClean="0"/>
+              <a:t>Copyright © 2016 ProTech Professional Technical Services, Inc.</a:t>
+            </a:r>
+            <a:endParaRPr lang="en-US" dirty="0"/>
+          </a:p>
+        </p:txBody>
+      </p:sp>
     </p:spTree>
     <p:extLst>
       <p:ext uri="{BB962C8B-B14F-4D97-AF65-F5344CB8AC3E}">
@@ -33762,6 +37159,29 @@
           </a:p>
         </p:txBody>
       </p:sp>
+      <p:sp>
+        <p:nvSpPr>
+          <p:cNvPr id="5" name="Footer Placeholder 4"/>
+          <p:cNvSpPr>
+            <a:spLocks noGrp="1"/>
+          </p:cNvSpPr>
+          <p:nvPr>
+            <p:ph type="ftr" sz="quarter" idx="11"/>
+          </p:nvPr>
+        </p:nvSpPr>
+        <p:spPr/>
+        <p:txBody>
+          <a:bodyPr/>
+          <a:lstStyle/>
+          <a:p>
+            <a:r>
+              <a:rPr lang="en-US" smtClean="0"/>
+              <a:t>Copyright © 2016 ProTech Professional Technical Services, Inc.</a:t>
+            </a:r>
+            <a:endParaRPr lang="en-US" dirty="0"/>
+          </a:p>
+        </p:txBody>
+      </p:sp>
     </p:spTree>
     <p:extLst>
       <p:ext uri="{BB962C8B-B14F-4D97-AF65-F5344CB8AC3E}">
@@ -33977,6 +37397,29 @@
           </a:p>
         </p:txBody>
       </p:sp>
+      <p:sp>
+        <p:nvSpPr>
+          <p:cNvPr id="5" name="Footer Placeholder 4"/>
+          <p:cNvSpPr>
+            <a:spLocks noGrp="1"/>
+          </p:cNvSpPr>
+          <p:nvPr>
+            <p:ph type="ftr" sz="quarter" idx="11"/>
+          </p:nvPr>
+        </p:nvSpPr>
+        <p:spPr/>
+        <p:txBody>
+          <a:bodyPr/>
+          <a:lstStyle/>
+          <a:p>
+            <a:r>
+              <a:rPr lang="en-US" smtClean="0"/>
+              <a:t>Copyright © 2016 ProTech Professional Technical Services, Inc.</a:t>
+            </a:r>
+            <a:endParaRPr lang="en-US" dirty="0"/>
+          </a:p>
+        </p:txBody>
+      </p:sp>
     </p:spTree>
     <p:extLst>
       <p:ext uri="{BB962C8B-B14F-4D97-AF65-F5344CB8AC3E}">
@@ -34133,6 +37576,29 @@
           </a:p>
         </p:txBody>
       </p:sp>
+      <p:sp>
+        <p:nvSpPr>
+          <p:cNvPr id="5" name="Footer Placeholder 4"/>
+          <p:cNvSpPr>
+            <a:spLocks noGrp="1"/>
+          </p:cNvSpPr>
+          <p:nvPr>
+            <p:ph type="ftr" sz="quarter" idx="11"/>
+          </p:nvPr>
+        </p:nvSpPr>
+        <p:spPr/>
+        <p:txBody>
+          <a:bodyPr/>
+          <a:lstStyle/>
+          <a:p>
+            <a:r>
+              <a:rPr lang="en-US" smtClean="0"/>
+              <a:t>Copyright © 2016 ProTech Professional Technical Services, Inc.</a:t>
+            </a:r>
+            <a:endParaRPr lang="en-US" dirty="0"/>
+          </a:p>
+        </p:txBody>
+      </p:sp>
     </p:spTree>
     <p:extLst>
       <p:ext uri="{BB962C8B-B14F-4D97-AF65-F5344CB8AC3E}">
@@ -34333,6 +37799,29 @@
           </a:p>
         </p:txBody>
       </p:sp>
+      <p:sp>
+        <p:nvSpPr>
+          <p:cNvPr id="5" name="Footer Placeholder 4"/>
+          <p:cNvSpPr>
+            <a:spLocks noGrp="1"/>
+          </p:cNvSpPr>
+          <p:nvPr>
+            <p:ph type="ftr" sz="quarter" idx="11"/>
+          </p:nvPr>
+        </p:nvSpPr>
+        <p:spPr/>
+        <p:txBody>
+          <a:bodyPr/>
+          <a:lstStyle/>
+          <a:p>
+            <a:r>
+              <a:rPr lang="en-US" smtClean="0"/>
+              <a:t>Copyright © 2016 ProTech Professional Technical Services, Inc.</a:t>
+            </a:r>
+            <a:endParaRPr lang="en-US" dirty="0"/>
+          </a:p>
+        </p:txBody>
+      </p:sp>
     </p:spTree>
     <p:extLst>
       <p:ext uri="{BB962C8B-B14F-4D97-AF65-F5344CB8AC3E}">
@@ -34477,6 +37966,29 @@
           </a:p>
         </p:txBody>
       </p:sp>
+      <p:sp>
+        <p:nvSpPr>
+          <p:cNvPr id="5" name="Footer Placeholder 4"/>
+          <p:cNvSpPr>
+            <a:spLocks noGrp="1"/>
+          </p:cNvSpPr>
+          <p:nvPr>
+            <p:ph type="ftr" sz="quarter" idx="11"/>
+          </p:nvPr>
+        </p:nvSpPr>
+        <p:spPr/>
+        <p:txBody>
+          <a:bodyPr/>
+          <a:lstStyle/>
+          <a:p>
+            <a:r>
+              <a:rPr lang="en-US" smtClean="0"/>
+              <a:t>Copyright © 2016 ProTech Professional Technical Services, Inc.</a:t>
+            </a:r>
+            <a:endParaRPr lang="en-US" dirty="0"/>
+          </a:p>
+        </p:txBody>
+      </p:sp>
     </p:spTree>
     <p:extLst>
       <p:ext uri="{BB962C8B-B14F-4D97-AF65-F5344CB8AC3E}">
@@ -34682,6 +38194,29 @@
           </a:p>
         </p:txBody>
       </p:sp>
+      <p:sp>
+        <p:nvSpPr>
+          <p:cNvPr id="5" name="Footer Placeholder 4"/>
+          <p:cNvSpPr>
+            <a:spLocks noGrp="1"/>
+          </p:cNvSpPr>
+          <p:nvPr>
+            <p:ph type="ftr" sz="quarter" idx="11"/>
+          </p:nvPr>
+        </p:nvSpPr>
+        <p:spPr/>
+        <p:txBody>
+          <a:bodyPr/>
+          <a:lstStyle/>
+          <a:p>
+            <a:r>
+              <a:rPr lang="en-US" smtClean="0"/>
+              <a:t>Copyright © 2016 ProTech Professional Technical Services, Inc.</a:t>
+            </a:r>
+            <a:endParaRPr lang="en-US" dirty="0"/>
+          </a:p>
+        </p:txBody>
+      </p:sp>
     </p:spTree>
     <p:extLst>
       <p:ext uri="{BB962C8B-B14F-4D97-AF65-F5344CB8AC3E}">
@@ -34982,6 +38517,29 @@
           </a:p>
         </p:txBody>
       </p:sp>
+      <p:sp>
+        <p:nvSpPr>
+          <p:cNvPr id="5" name="Footer Placeholder 4"/>
+          <p:cNvSpPr>
+            <a:spLocks noGrp="1"/>
+          </p:cNvSpPr>
+          <p:nvPr>
+            <p:ph type="ftr" sz="quarter" idx="11"/>
+          </p:nvPr>
+        </p:nvSpPr>
+        <p:spPr/>
+        <p:txBody>
+          <a:bodyPr/>
+          <a:lstStyle/>
+          <a:p>
+            <a:r>
+              <a:rPr lang="en-US" smtClean="0"/>
+              <a:t>Copyright © 2016 ProTech Professional Technical Services, Inc.</a:t>
+            </a:r>
+            <a:endParaRPr lang="en-US" dirty="0"/>
+          </a:p>
+        </p:txBody>
+      </p:sp>
     </p:spTree>
     <p:extLst>
       <p:ext uri="{BB962C8B-B14F-4D97-AF65-F5344CB8AC3E}">
@@ -35164,6 +38722,29 @@
           </a:p>
         </p:txBody>
       </p:sp>
+      <p:sp>
+        <p:nvSpPr>
+          <p:cNvPr id="5" name="Footer Placeholder 4"/>
+          <p:cNvSpPr>
+            <a:spLocks noGrp="1"/>
+          </p:cNvSpPr>
+          <p:nvPr>
+            <p:ph type="ftr" sz="quarter" idx="11"/>
+          </p:nvPr>
+        </p:nvSpPr>
+        <p:spPr/>
+        <p:txBody>
+          <a:bodyPr/>
+          <a:lstStyle/>
+          <a:p>
+            <a:r>
+              <a:rPr lang="en-US" smtClean="0"/>
+              <a:t>Copyright © 2016 ProTech Professional Technical Services, Inc.</a:t>
+            </a:r>
+            <a:endParaRPr lang="en-US" dirty="0"/>
+          </a:p>
+        </p:txBody>
+      </p:sp>
     </p:spTree>
     <p:extLst>
       <p:ext uri="{BB962C8B-B14F-4D97-AF65-F5344CB8AC3E}">
@@ -35328,6 +38909,29 @@
           </a:p>
         </p:txBody>
       </p:sp>
+      <p:sp>
+        <p:nvSpPr>
+          <p:cNvPr id="5" name="Footer Placeholder 4"/>
+          <p:cNvSpPr>
+            <a:spLocks noGrp="1"/>
+          </p:cNvSpPr>
+          <p:nvPr>
+            <p:ph type="ftr" sz="quarter" idx="11"/>
+          </p:nvPr>
+        </p:nvSpPr>
+        <p:spPr/>
+        <p:txBody>
+          <a:bodyPr/>
+          <a:lstStyle/>
+          <a:p>
+            <a:r>
+              <a:rPr lang="en-US" smtClean="0"/>
+              <a:t>Copyright © 2016 ProTech Professional Technical Services, Inc.</a:t>
+            </a:r>
+            <a:endParaRPr lang="en-US" dirty="0"/>
+          </a:p>
+        </p:txBody>
+      </p:sp>
     </p:spTree>
     <p:extLst>
       <p:ext uri="{BB962C8B-B14F-4D97-AF65-F5344CB8AC3E}">
@@ -35567,6 +39171,29 @@
           </a:p>
         </p:txBody>
       </p:sp>
+      <p:sp>
+        <p:nvSpPr>
+          <p:cNvPr id="5" name="Footer Placeholder 4"/>
+          <p:cNvSpPr>
+            <a:spLocks noGrp="1"/>
+          </p:cNvSpPr>
+          <p:nvPr>
+            <p:ph type="ftr" sz="quarter" idx="11"/>
+          </p:nvPr>
+        </p:nvSpPr>
+        <p:spPr/>
+        <p:txBody>
+          <a:bodyPr/>
+          <a:lstStyle/>
+          <a:p>
+            <a:r>
+              <a:rPr lang="en-US" smtClean="0"/>
+              <a:t>Copyright © 2016 ProTech Professional Technical Services, Inc.</a:t>
+            </a:r>
+            <a:endParaRPr lang="en-US" dirty="0"/>
+          </a:p>
+        </p:txBody>
+      </p:sp>
     </p:spTree>
     <p:extLst>
       <p:ext uri="{BB962C8B-B14F-4D97-AF65-F5344CB8AC3E}">
@@ -35735,6 +39362,29 @@
           </a:p>
         </p:txBody>
       </p:sp>
+      <p:sp>
+        <p:nvSpPr>
+          <p:cNvPr id="5" name="Footer Placeholder 4"/>
+          <p:cNvSpPr>
+            <a:spLocks noGrp="1"/>
+          </p:cNvSpPr>
+          <p:nvPr>
+            <p:ph type="ftr" sz="quarter" idx="11"/>
+          </p:nvPr>
+        </p:nvSpPr>
+        <p:spPr/>
+        <p:txBody>
+          <a:bodyPr/>
+          <a:lstStyle/>
+          <a:p>
+            <a:r>
+              <a:rPr lang="en-US" smtClean="0"/>
+              <a:t>Copyright © 2016 ProTech Professional Technical Services, Inc.</a:t>
+            </a:r>
+            <a:endParaRPr lang="en-US" dirty="0"/>
+          </a:p>
+        </p:txBody>
+      </p:sp>
     </p:spTree>
     <p:extLst>
       <p:ext uri="{BB962C8B-B14F-4D97-AF65-F5344CB8AC3E}">
@@ -35869,6 +39519,29 @@
           </a:p>
         </p:txBody>
       </p:sp>
+      <p:sp>
+        <p:nvSpPr>
+          <p:cNvPr id="5" name="Footer Placeholder 4"/>
+          <p:cNvSpPr>
+            <a:spLocks noGrp="1"/>
+          </p:cNvSpPr>
+          <p:nvPr>
+            <p:ph type="ftr" sz="quarter" idx="11"/>
+          </p:nvPr>
+        </p:nvSpPr>
+        <p:spPr/>
+        <p:txBody>
+          <a:bodyPr/>
+          <a:lstStyle/>
+          <a:p>
+            <a:r>
+              <a:rPr lang="en-US" smtClean="0"/>
+              <a:t>Copyright © 2016 ProTech Professional Technical Services, Inc.</a:t>
+            </a:r>
+            <a:endParaRPr lang="en-US" dirty="0"/>
+          </a:p>
+        </p:txBody>
+      </p:sp>
     </p:spTree>
     <p:extLst>
       <p:ext uri="{BB962C8B-B14F-4D97-AF65-F5344CB8AC3E}">
@@ -36034,6 +39707,29 @@
           </a:p>
         </p:txBody>
       </p:sp>
+      <p:sp>
+        <p:nvSpPr>
+          <p:cNvPr id="5" name="Footer Placeholder 4"/>
+          <p:cNvSpPr>
+            <a:spLocks noGrp="1"/>
+          </p:cNvSpPr>
+          <p:nvPr>
+            <p:ph type="ftr" sz="quarter" idx="11"/>
+          </p:nvPr>
+        </p:nvSpPr>
+        <p:spPr/>
+        <p:txBody>
+          <a:bodyPr/>
+          <a:lstStyle/>
+          <a:p>
+            <a:r>
+              <a:rPr lang="en-US" smtClean="0"/>
+              <a:t>Copyright © 2016 ProTech Professional Technical Services, Inc.</a:t>
+            </a:r>
+            <a:endParaRPr lang="en-US" dirty="0"/>
+          </a:p>
+        </p:txBody>
+      </p:sp>
     </p:spTree>
     <p:extLst>
       <p:ext uri="{BB962C8B-B14F-4D97-AF65-F5344CB8AC3E}">
@@ -36247,6 +39943,29 @@
           </a:p>
         </p:txBody>
       </p:sp>
+      <p:sp>
+        <p:nvSpPr>
+          <p:cNvPr id="5" name="Footer Placeholder 4"/>
+          <p:cNvSpPr>
+            <a:spLocks noGrp="1"/>
+          </p:cNvSpPr>
+          <p:nvPr>
+            <p:ph type="ftr" sz="quarter" idx="11"/>
+          </p:nvPr>
+        </p:nvSpPr>
+        <p:spPr/>
+        <p:txBody>
+          <a:bodyPr/>
+          <a:lstStyle/>
+          <a:p>
+            <a:r>
+              <a:rPr lang="en-US" smtClean="0"/>
+              <a:t>Copyright © 2016 ProTech Professional Technical Services, Inc.</a:t>
+            </a:r>
+            <a:endParaRPr lang="en-US" dirty="0"/>
+          </a:p>
+        </p:txBody>
+      </p:sp>
     </p:spTree>
     <p:extLst>
       <p:ext uri="{BB962C8B-B14F-4D97-AF65-F5344CB8AC3E}">
@@ -36545,6 +40264,29 @@
           </a:p>
         </p:txBody>
       </p:sp>
+      <p:sp>
+        <p:nvSpPr>
+          <p:cNvPr id="5" name="Footer Placeholder 4"/>
+          <p:cNvSpPr>
+            <a:spLocks noGrp="1"/>
+          </p:cNvSpPr>
+          <p:nvPr>
+            <p:ph type="ftr" sz="quarter" idx="11"/>
+          </p:nvPr>
+        </p:nvSpPr>
+        <p:spPr/>
+        <p:txBody>
+          <a:bodyPr/>
+          <a:lstStyle/>
+          <a:p>
+            <a:r>
+              <a:rPr lang="en-US" smtClean="0"/>
+              <a:t>Copyright © 2016 ProTech Professional Technical Services, Inc.</a:t>
+            </a:r>
+            <a:endParaRPr lang="en-US" dirty="0"/>
+          </a:p>
+        </p:txBody>
+      </p:sp>
     </p:spTree>
     <p:extLst>
       <p:ext uri="{BB962C8B-B14F-4D97-AF65-F5344CB8AC3E}">
@@ -36779,6 +40521,29 @@
           </a:p>
         </p:txBody>
       </p:sp>
+      <p:sp>
+        <p:nvSpPr>
+          <p:cNvPr id="5" name="Footer Placeholder 4"/>
+          <p:cNvSpPr>
+            <a:spLocks noGrp="1"/>
+          </p:cNvSpPr>
+          <p:nvPr>
+            <p:ph type="ftr" sz="quarter" idx="11"/>
+          </p:nvPr>
+        </p:nvSpPr>
+        <p:spPr/>
+        <p:txBody>
+          <a:bodyPr/>
+          <a:lstStyle/>
+          <a:p>
+            <a:r>
+              <a:rPr lang="en-US" smtClean="0"/>
+              <a:t>Copyright © 2016 ProTech Professional Technical Services, Inc.</a:t>
+            </a:r>
+            <a:endParaRPr lang="en-US" dirty="0"/>
+          </a:p>
+        </p:txBody>
+      </p:sp>
     </p:spTree>
     <p:extLst>
       <p:ext uri="{BB962C8B-B14F-4D97-AF65-F5344CB8AC3E}">
@@ -36927,6 +40692,29 @@
           </a:p>
         </p:txBody>
       </p:sp>
+      <p:sp>
+        <p:nvSpPr>
+          <p:cNvPr id="5" name="Footer Placeholder 4"/>
+          <p:cNvSpPr>
+            <a:spLocks noGrp="1"/>
+          </p:cNvSpPr>
+          <p:nvPr>
+            <p:ph type="ftr" sz="quarter" idx="11"/>
+          </p:nvPr>
+        </p:nvSpPr>
+        <p:spPr/>
+        <p:txBody>
+          <a:bodyPr/>
+          <a:lstStyle/>
+          <a:p>
+            <a:r>
+              <a:rPr lang="en-US" smtClean="0"/>
+              <a:t>Copyright © 2016 ProTech Professional Technical Services, Inc.</a:t>
+            </a:r>
+            <a:endParaRPr lang="en-US" dirty="0"/>
+          </a:p>
+        </p:txBody>
+      </p:sp>
     </p:spTree>
     <p:extLst>
       <p:ext uri="{BB962C8B-B14F-4D97-AF65-F5344CB8AC3E}">
@@ -37047,6 +40835,29 @@
           </a:p>
         </p:txBody>
       </p:sp>
+      <p:sp>
+        <p:nvSpPr>
+          <p:cNvPr id="5" name="Footer Placeholder 4"/>
+          <p:cNvSpPr>
+            <a:spLocks noGrp="1"/>
+          </p:cNvSpPr>
+          <p:nvPr>
+            <p:ph type="ftr" sz="quarter" idx="11"/>
+          </p:nvPr>
+        </p:nvSpPr>
+        <p:spPr/>
+        <p:txBody>
+          <a:bodyPr/>
+          <a:lstStyle/>
+          <a:p>
+            <a:r>
+              <a:rPr lang="en-US" smtClean="0"/>
+              <a:t>Copyright © 2016 ProTech Professional Technical Services, Inc.</a:t>
+            </a:r>
+            <a:endParaRPr lang="en-US" dirty="0"/>
+          </a:p>
+        </p:txBody>
+      </p:sp>
     </p:spTree>
     <p:extLst>
       <p:ext uri="{BB962C8B-B14F-4D97-AF65-F5344CB8AC3E}">
@@ -37196,6 +41007,29 @@
               <a:t>242</a:t>
             </a:fld>
             <a:endParaRPr lang="en-US"/>
+          </a:p>
+        </p:txBody>
+      </p:sp>
+      <p:sp>
+        <p:nvSpPr>
+          <p:cNvPr id="5" name="Footer Placeholder 4"/>
+          <p:cNvSpPr>
+            <a:spLocks noGrp="1"/>
+          </p:cNvSpPr>
+          <p:nvPr>
+            <p:ph type="ftr" sz="quarter" idx="11"/>
+          </p:nvPr>
+        </p:nvSpPr>
+        <p:spPr/>
+        <p:txBody>
+          <a:bodyPr/>
+          <a:lstStyle/>
+          <a:p>
+            <a:r>
+              <a:rPr lang="en-US" smtClean="0"/>
+              <a:t>Copyright © 2016 ProTech Professional Technical Services, Inc.</a:t>
+            </a:r>
+            <a:endParaRPr lang="en-US" dirty="0"/>
           </a:p>
         </p:txBody>
       </p:sp>
@@ -37385,6 +41219,29 @@
           </a:p>
         </p:txBody>
       </p:sp>
+      <p:sp>
+        <p:nvSpPr>
+          <p:cNvPr id="5" name="Footer Placeholder 4"/>
+          <p:cNvSpPr>
+            <a:spLocks noGrp="1"/>
+          </p:cNvSpPr>
+          <p:nvPr>
+            <p:ph type="ftr" sz="quarter" idx="11"/>
+          </p:nvPr>
+        </p:nvSpPr>
+        <p:spPr/>
+        <p:txBody>
+          <a:bodyPr/>
+          <a:lstStyle/>
+          <a:p>
+            <a:r>
+              <a:rPr lang="en-US" smtClean="0"/>
+              <a:t>Copyright © 2016 ProTech Professional Technical Services, Inc.</a:t>
+            </a:r>
+            <a:endParaRPr lang="en-US" dirty="0"/>
+          </a:p>
+        </p:txBody>
+      </p:sp>
     </p:spTree>
     <p:extLst>
       <p:ext uri="{BB962C8B-B14F-4D97-AF65-F5344CB8AC3E}">
@@ -37508,6 +41365,29 @@
           </a:p>
         </p:txBody>
       </p:sp>
+      <p:sp>
+        <p:nvSpPr>
+          <p:cNvPr id="5" name="Footer Placeholder 4"/>
+          <p:cNvSpPr>
+            <a:spLocks noGrp="1"/>
+          </p:cNvSpPr>
+          <p:nvPr>
+            <p:ph type="ftr" sz="quarter" idx="11"/>
+          </p:nvPr>
+        </p:nvSpPr>
+        <p:spPr/>
+        <p:txBody>
+          <a:bodyPr/>
+          <a:lstStyle/>
+          <a:p>
+            <a:r>
+              <a:rPr lang="en-US" smtClean="0"/>
+              <a:t>Copyright © 2016 ProTech Professional Technical Services, Inc.</a:t>
+            </a:r>
+            <a:endParaRPr lang="en-US" dirty="0"/>
+          </a:p>
+        </p:txBody>
+      </p:sp>
     </p:spTree>
     <p:extLst>
       <p:ext uri="{BB962C8B-B14F-4D97-AF65-F5344CB8AC3E}">
@@ -37649,6 +41529,29 @@
           </a:p>
         </p:txBody>
       </p:sp>
+      <p:sp>
+        <p:nvSpPr>
+          <p:cNvPr id="5" name="Footer Placeholder 4"/>
+          <p:cNvSpPr>
+            <a:spLocks noGrp="1"/>
+          </p:cNvSpPr>
+          <p:nvPr>
+            <p:ph type="ftr" sz="quarter" idx="11"/>
+          </p:nvPr>
+        </p:nvSpPr>
+        <p:spPr/>
+        <p:txBody>
+          <a:bodyPr/>
+          <a:lstStyle/>
+          <a:p>
+            <a:r>
+              <a:rPr lang="en-US" smtClean="0"/>
+              <a:t>Copyright © 2016 ProTech Professional Technical Services, Inc.</a:t>
+            </a:r>
+            <a:endParaRPr lang="en-US" dirty="0"/>
+          </a:p>
+        </p:txBody>
+      </p:sp>
     </p:spTree>
     <p:extLst>
       <p:ext uri="{BB962C8B-B14F-4D97-AF65-F5344CB8AC3E}">
@@ -37847,6 +41750,29 @@
           </a:p>
         </p:txBody>
       </p:sp>
+      <p:sp>
+        <p:nvSpPr>
+          <p:cNvPr id="5" name="Footer Placeholder 4"/>
+          <p:cNvSpPr>
+            <a:spLocks noGrp="1"/>
+          </p:cNvSpPr>
+          <p:nvPr>
+            <p:ph type="ftr" sz="quarter" idx="11"/>
+          </p:nvPr>
+        </p:nvSpPr>
+        <p:spPr/>
+        <p:txBody>
+          <a:bodyPr/>
+          <a:lstStyle/>
+          <a:p>
+            <a:r>
+              <a:rPr lang="en-US" smtClean="0"/>
+              <a:t>Copyright © 2016 ProTech Professional Technical Services, Inc.</a:t>
+            </a:r>
+            <a:endParaRPr lang="en-US" dirty="0"/>
+          </a:p>
+        </p:txBody>
+      </p:sp>
     </p:spTree>
     <p:extLst>
       <p:ext uri="{BB962C8B-B14F-4D97-AF65-F5344CB8AC3E}">
@@ -38028,6 +41954,29 @@
           </a:p>
         </p:txBody>
       </p:sp>
+      <p:sp>
+        <p:nvSpPr>
+          <p:cNvPr id="5" name="Footer Placeholder 4"/>
+          <p:cNvSpPr>
+            <a:spLocks noGrp="1"/>
+          </p:cNvSpPr>
+          <p:nvPr>
+            <p:ph type="ftr" sz="quarter" idx="11"/>
+          </p:nvPr>
+        </p:nvSpPr>
+        <p:spPr/>
+        <p:txBody>
+          <a:bodyPr/>
+          <a:lstStyle/>
+          <a:p>
+            <a:r>
+              <a:rPr lang="en-US" smtClean="0"/>
+              <a:t>Copyright © 2016 ProTech Professional Technical Services, Inc.</a:t>
+            </a:r>
+            <a:endParaRPr lang="en-US" dirty="0"/>
+          </a:p>
+        </p:txBody>
+      </p:sp>
     </p:spTree>
     <p:extLst>
       <p:ext uri="{BB962C8B-B14F-4D97-AF65-F5344CB8AC3E}">
@@ -38158,6 +42107,29 @@
           </a:p>
         </p:txBody>
       </p:sp>
+      <p:sp>
+        <p:nvSpPr>
+          <p:cNvPr id="5" name="Footer Placeholder 4"/>
+          <p:cNvSpPr>
+            <a:spLocks noGrp="1"/>
+          </p:cNvSpPr>
+          <p:nvPr>
+            <p:ph type="ftr" sz="quarter" idx="11"/>
+          </p:nvPr>
+        </p:nvSpPr>
+        <p:spPr/>
+        <p:txBody>
+          <a:bodyPr/>
+          <a:lstStyle/>
+          <a:p>
+            <a:r>
+              <a:rPr lang="en-US" smtClean="0"/>
+              <a:t>Copyright © 2016 ProTech Professional Technical Services, Inc.</a:t>
+            </a:r>
+            <a:endParaRPr lang="en-US" dirty="0"/>
+          </a:p>
+        </p:txBody>
+      </p:sp>
     </p:spTree>
     <p:extLst>
       <p:ext uri="{BB962C8B-B14F-4D97-AF65-F5344CB8AC3E}">
@@ -38293,6 +42265,29 @@
           </a:p>
         </p:txBody>
       </p:sp>
+      <p:sp>
+        <p:nvSpPr>
+          <p:cNvPr id="5" name="Footer Placeholder 4"/>
+          <p:cNvSpPr>
+            <a:spLocks noGrp="1"/>
+          </p:cNvSpPr>
+          <p:nvPr>
+            <p:ph type="ftr" sz="quarter" idx="11"/>
+          </p:nvPr>
+        </p:nvSpPr>
+        <p:spPr/>
+        <p:txBody>
+          <a:bodyPr/>
+          <a:lstStyle/>
+          <a:p>
+            <a:r>
+              <a:rPr lang="en-US" smtClean="0"/>
+              <a:t>Copyright © 2016 ProTech Professional Technical Services, Inc.</a:t>
+            </a:r>
+            <a:endParaRPr lang="en-US" dirty="0"/>
+          </a:p>
+        </p:txBody>
+      </p:sp>
     </p:spTree>
     <p:extLst>
       <p:ext uri="{BB962C8B-B14F-4D97-AF65-F5344CB8AC3E}">
@@ -38514,6 +42509,29 @@
           </a:p>
         </p:txBody>
       </p:sp>
+      <p:sp>
+        <p:nvSpPr>
+          <p:cNvPr id="5" name="Footer Placeholder 4"/>
+          <p:cNvSpPr>
+            <a:spLocks noGrp="1"/>
+          </p:cNvSpPr>
+          <p:nvPr>
+            <p:ph type="ftr" sz="quarter" idx="11"/>
+          </p:nvPr>
+        </p:nvSpPr>
+        <p:spPr/>
+        <p:txBody>
+          <a:bodyPr/>
+          <a:lstStyle/>
+          <a:p>
+            <a:r>
+              <a:rPr lang="en-US" smtClean="0"/>
+              <a:t>Copyright © 2016 ProTech Professional Technical Services, Inc.</a:t>
+            </a:r>
+            <a:endParaRPr lang="en-US" dirty="0"/>
+          </a:p>
+        </p:txBody>
+      </p:sp>
     </p:spTree>
     <p:extLst>
       <p:ext uri="{BB962C8B-B14F-4D97-AF65-F5344CB8AC3E}">
@@ -38686,6 +42704,29 @@
           </a:p>
         </p:txBody>
       </p:sp>
+      <p:sp>
+        <p:nvSpPr>
+          <p:cNvPr id="5" name="Footer Placeholder 4"/>
+          <p:cNvSpPr>
+            <a:spLocks noGrp="1"/>
+          </p:cNvSpPr>
+          <p:nvPr>
+            <p:ph type="ftr" sz="quarter" idx="11"/>
+          </p:nvPr>
+        </p:nvSpPr>
+        <p:spPr/>
+        <p:txBody>
+          <a:bodyPr/>
+          <a:lstStyle/>
+          <a:p>
+            <a:r>
+              <a:rPr lang="en-US" smtClean="0"/>
+              <a:t>Copyright © 2016 ProTech Professional Technical Services, Inc.</a:t>
+            </a:r>
+            <a:endParaRPr lang="en-US" dirty="0"/>
+          </a:p>
+        </p:txBody>
+      </p:sp>
     </p:spTree>
     <p:extLst>
       <p:ext uri="{BB962C8B-B14F-4D97-AF65-F5344CB8AC3E}">
@@ -38982,6 +43023,29 @@
           </a:p>
         </p:txBody>
       </p:sp>
+      <p:sp>
+        <p:nvSpPr>
+          <p:cNvPr id="5" name="Footer Placeholder 4"/>
+          <p:cNvSpPr>
+            <a:spLocks noGrp="1"/>
+          </p:cNvSpPr>
+          <p:nvPr>
+            <p:ph type="ftr" sz="quarter" idx="11"/>
+          </p:nvPr>
+        </p:nvSpPr>
+        <p:spPr/>
+        <p:txBody>
+          <a:bodyPr/>
+          <a:lstStyle/>
+          <a:p>
+            <a:r>
+              <a:rPr lang="en-US" smtClean="0"/>
+              <a:t>Copyright © 2016 ProTech Professional Technical Services, Inc.</a:t>
+            </a:r>
+            <a:endParaRPr lang="en-US" dirty="0"/>
+          </a:p>
+        </p:txBody>
+      </p:sp>
     </p:spTree>
     <p:extLst>
       <p:ext uri="{BB962C8B-B14F-4D97-AF65-F5344CB8AC3E}">
@@ -39173,6 +43237,29 @@
           </a:p>
         </p:txBody>
       </p:sp>
+      <p:sp>
+        <p:nvSpPr>
+          <p:cNvPr id="5" name="Footer Placeholder 4"/>
+          <p:cNvSpPr>
+            <a:spLocks noGrp="1"/>
+          </p:cNvSpPr>
+          <p:nvPr>
+            <p:ph type="ftr" sz="quarter" idx="11"/>
+          </p:nvPr>
+        </p:nvSpPr>
+        <p:spPr/>
+        <p:txBody>
+          <a:bodyPr/>
+          <a:lstStyle/>
+          <a:p>
+            <a:r>
+              <a:rPr lang="en-US" smtClean="0"/>
+              <a:t>Copyright © 2016 ProTech Professional Technical Services, Inc.</a:t>
+            </a:r>
+            <a:endParaRPr lang="en-US" dirty="0"/>
+          </a:p>
+        </p:txBody>
+      </p:sp>
     </p:spTree>
     <p:extLst>
       <p:ext uri="{BB962C8B-B14F-4D97-AF65-F5344CB8AC3E}">
@@ -39369,6 +43456,29 @@
           </a:p>
         </p:txBody>
       </p:sp>
+      <p:sp>
+        <p:nvSpPr>
+          <p:cNvPr id="5" name="Footer Placeholder 4"/>
+          <p:cNvSpPr>
+            <a:spLocks noGrp="1"/>
+          </p:cNvSpPr>
+          <p:nvPr>
+            <p:ph type="ftr" sz="quarter" idx="11"/>
+          </p:nvPr>
+        </p:nvSpPr>
+        <p:spPr/>
+        <p:txBody>
+          <a:bodyPr/>
+          <a:lstStyle/>
+          <a:p>
+            <a:r>
+              <a:rPr lang="en-US" smtClean="0"/>
+              <a:t>Copyright © 2016 ProTech Professional Technical Services, Inc.</a:t>
+            </a:r>
+            <a:endParaRPr lang="en-US" dirty="0"/>
+          </a:p>
+        </p:txBody>
+      </p:sp>
     </p:spTree>
     <p:extLst>
       <p:ext uri="{BB962C8B-B14F-4D97-AF65-F5344CB8AC3E}">
@@ -39635,6 +43745,29 @@
           </a:p>
         </p:txBody>
       </p:sp>
+      <p:sp>
+        <p:nvSpPr>
+          <p:cNvPr id="5" name="Footer Placeholder 4"/>
+          <p:cNvSpPr>
+            <a:spLocks noGrp="1"/>
+          </p:cNvSpPr>
+          <p:nvPr>
+            <p:ph type="ftr" sz="quarter" idx="11"/>
+          </p:nvPr>
+        </p:nvSpPr>
+        <p:spPr/>
+        <p:txBody>
+          <a:bodyPr/>
+          <a:lstStyle/>
+          <a:p>
+            <a:r>
+              <a:rPr lang="en-US" smtClean="0"/>
+              <a:t>Copyright © 2016 ProTech Professional Technical Services, Inc.</a:t>
+            </a:r>
+            <a:endParaRPr lang="en-US" dirty="0"/>
+          </a:p>
+        </p:txBody>
+      </p:sp>
     </p:spTree>
     <p:extLst>
       <p:ext uri="{BB962C8B-B14F-4D97-AF65-F5344CB8AC3E}">
@@ -39791,6 +43924,29 @@
           </a:p>
         </p:txBody>
       </p:sp>
+      <p:sp>
+        <p:nvSpPr>
+          <p:cNvPr id="5" name="Footer Placeholder 4"/>
+          <p:cNvSpPr>
+            <a:spLocks noGrp="1"/>
+          </p:cNvSpPr>
+          <p:nvPr>
+            <p:ph type="ftr" sz="quarter" idx="11"/>
+          </p:nvPr>
+        </p:nvSpPr>
+        <p:spPr/>
+        <p:txBody>
+          <a:bodyPr/>
+          <a:lstStyle/>
+          <a:p>
+            <a:r>
+              <a:rPr lang="en-US" smtClean="0"/>
+              <a:t>Copyright © 2016 ProTech Professional Technical Services, Inc.</a:t>
+            </a:r>
+            <a:endParaRPr lang="en-US" dirty="0"/>
+          </a:p>
+        </p:txBody>
+      </p:sp>
     </p:spTree>
     <p:extLst>
       <p:ext uri="{BB962C8B-B14F-4D97-AF65-F5344CB8AC3E}">
@@ -39982,6 +44138,29 @@
           </a:p>
         </p:txBody>
       </p:sp>
+      <p:sp>
+        <p:nvSpPr>
+          <p:cNvPr id="5" name="Footer Placeholder 4"/>
+          <p:cNvSpPr>
+            <a:spLocks noGrp="1"/>
+          </p:cNvSpPr>
+          <p:nvPr>
+            <p:ph type="ftr" sz="quarter" idx="11"/>
+          </p:nvPr>
+        </p:nvSpPr>
+        <p:spPr/>
+        <p:txBody>
+          <a:bodyPr/>
+          <a:lstStyle/>
+          <a:p>
+            <a:r>
+              <a:rPr lang="en-US" smtClean="0"/>
+              <a:t>Copyright © 2016 ProTech Professional Technical Services, Inc.</a:t>
+            </a:r>
+            <a:endParaRPr lang="en-US" dirty="0"/>
+          </a:p>
+        </p:txBody>
+      </p:sp>
     </p:spTree>
     <p:extLst>
       <p:ext uri="{BB962C8B-B14F-4D97-AF65-F5344CB8AC3E}">
@@ -40201,6 +44380,29 @@
           </a:p>
         </p:txBody>
       </p:sp>
+      <p:sp>
+        <p:nvSpPr>
+          <p:cNvPr id="5" name="Footer Placeholder 4"/>
+          <p:cNvSpPr>
+            <a:spLocks noGrp="1"/>
+          </p:cNvSpPr>
+          <p:nvPr>
+            <p:ph type="ftr" sz="quarter" idx="11"/>
+          </p:nvPr>
+        </p:nvSpPr>
+        <p:spPr/>
+        <p:txBody>
+          <a:bodyPr/>
+          <a:lstStyle/>
+          <a:p>
+            <a:r>
+              <a:rPr lang="en-US" smtClean="0"/>
+              <a:t>Copyright © 2016 ProTech Professional Technical Services, Inc.</a:t>
+            </a:r>
+            <a:endParaRPr lang="en-US" dirty="0"/>
+          </a:p>
+        </p:txBody>
+      </p:sp>
     </p:spTree>
     <p:extLst>
       <p:ext uri="{BB962C8B-B14F-4D97-AF65-F5344CB8AC3E}">
@@ -40361,6 +44563,29 @@
           </a:p>
         </p:txBody>
       </p:sp>
+      <p:sp>
+        <p:nvSpPr>
+          <p:cNvPr id="5" name="Footer Placeholder 4"/>
+          <p:cNvSpPr>
+            <a:spLocks noGrp="1"/>
+          </p:cNvSpPr>
+          <p:nvPr>
+            <p:ph type="ftr" sz="quarter" idx="11"/>
+          </p:nvPr>
+        </p:nvSpPr>
+        <p:spPr/>
+        <p:txBody>
+          <a:bodyPr/>
+          <a:lstStyle/>
+          <a:p>
+            <a:r>
+              <a:rPr lang="en-US" smtClean="0"/>
+              <a:t>Copyright © 2016 ProTech Professional Technical Services, Inc.</a:t>
+            </a:r>
+            <a:endParaRPr lang="en-US" dirty="0"/>
+          </a:p>
+        </p:txBody>
+      </p:sp>
     </p:spTree>
     <p:extLst>
       <p:ext uri="{BB962C8B-B14F-4D97-AF65-F5344CB8AC3E}">
@@ -40514,6 +44739,29 @@
           </a:p>
         </p:txBody>
       </p:sp>
+      <p:sp>
+        <p:nvSpPr>
+          <p:cNvPr id="5" name="Footer Placeholder 4"/>
+          <p:cNvSpPr>
+            <a:spLocks noGrp="1"/>
+          </p:cNvSpPr>
+          <p:nvPr>
+            <p:ph type="ftr" sz="quarter" idx="11"/>
+          </p:nvPr>
+        </p:nvSpPr>
+        <p:spPr/>
+        <p:txBody>
+          <a:bodyPr/>
+          <a:lstStyle/>
+          <a:p>
+            <a:r>
+              <a:rPr lang="en-US" smtClean="0"/>
+              <a:t>Copyright © 2016 ProTech Professional Technical Services, Inc.</a:t>
+            </a:r>
+            <a:endParaRPr lang="en-US" dirty="0"/>
+          </a:p>
+        </p:txBody>
+      </p:sp>
     </p:spTree>
     <p:extLst>
       <p:ext uri="{BB962C8B-B14F-4D97-AF65-F5344CB8AC3E}">
@@ -40728,6 +44976,29 @@
           </a:p>
         </p:txBody>
       </p:sp>
+      <p:sp>
+        <p:nvSpPr>
+          <p:cNvPr id="5" name="Footer Placeholder 4"/>
+          <p:cNvSpPr>
+            <a:spLocks noGrp="1"/>
+          </p:cNvSpPr>
+          <p:nvPr>
+            <p:ph type="ftr" sz="quarter" idx="11"/>
+          </p:nvPr>
+        </p:nvSpPr>
+        <p:spPr/>
+        <p:txBody>
+          <a:bodyPr/>
+          <a:lstStyle/>
+          <a:p>
+            <a:r>
+              <a:rPr lang="en-US" smtClean="0"/>
+              <a:t>Copyright © 2016 ProTech Professional Technical Services, Inc.</a:t>
+            </a:r>
+            <a:endParaRPr lang="en-US" dirty="0"/>
+          </a:p>
+        </p:txBody>
+      </p:sp>
     </p:spTree>
     <p:extLst>
       <p:ext uri="{BB962C8B-B14F-4D97-AF65-F5344CB8AC3E}">
@@ -41030,6 +45301,29 @@
           </a:p>
         </p:txBody>
       </p:sp>
+      <p:sp>
+        <p:nvSpPr>
+          <p:cNvPr id="5" name="Footer Placeholder 4"/>
+          <p:cNvSpPr>
+            <a:spLocks noGrp="1"/>
+          </p:cNvSpPr>
+          <p:nvPr>
+            <p:ph type="ftr" sz="quarter" idx="11"/>
+          </p:nvPr>
+        </p:nvSpPr>
+        <p:spPr/>
+        <p:txBody>
+          <a:bodyPr/>
+          <a:lstStyle/>
+          <a:p>
+            <a:r>
+              <a:rPr lang="en-US" smtClean="0"/>
+              <a:t>Copyright © 2016 ProTech Professional Technical Services, Inc.</a:t>
+            </a:r>
+            <a:endParaRPr lang="en-US" dirty="0"/>
+          </a:p>
+        </p:txBody>
+      </p:sp>
     </p:spTree>
     <p:extLst>
       <p:ext uri="{BB962C8B-B14F-4D97-AF65-F5344CB8AC3E}">
@@ -41193,6 +45487,29 @@
               <a:t>43</a:t>
             </a:fld>
             <a:endParaRPr lang="en-US"/>
+          </a:p>
+        </p:txBody>
+      </p:sp>
+      <p:sp>
+        <p:nvSpPr>
+          <p:cNvPr id="5" name="Footer Placeholder 4"/>
+          <p:cNvSpPr>
+            <a:spLocks noGrp="1"/>
+          </p:cNvSpPr>
+          <p:nvPr>
+            <p:ph type="ftr" sz="quarter" idx="11"/>
+          </p:nvPr>
+        </p:nvSpPr>
+        <p:spPr/>
+        <p:txBody>
+          <a:bodyPr/>
+          <a:lstStyle/>
+          <a:p>
+            <a:r>
+              <a:rPr lang="en-US" smtClean="0"/>
+              <a:t>Copyright © 2016 ProTech Professional Technical Services, Inc.</a:t>
+            </a:r>
+            <a:endParaRPr lang="en-US" dirty="0"/>
           </a:p>
         </p:txBody>
       </p:sp>
@@ -41660,6 +45977,29 @@
           </a:p>
         </p:txBody>
       </p:sp>
+      <p:sp>
+        <p:nvSpPr>
+          <p:cNvPr id="4" name="Footer Placeholder 3"/>
+          <p:cNvSpPr>
+            <a:spLocks noGrp="1"/>
+          </p:cNvSpPr>
+          <p:nvPr>
+            <p:ph type="ftr" sz="quarter" idx="11"/>
+          </p:nvPr>
+        </p:nvSpPr>
+        <p:spPr/>
+        <p:txBody>
+          <a:bodyPr/>
+          <a:lstStyle/>
+          <a:p>
+            <a:r>
+              <a:rPr lang="en-US" smtClean="0"/>
+              <a:t>Copyright © 2016 ProTech Professional Technical Services, Inc.</a:t>
+            </a:r>
+            <a:endParaRPr lang="en-US" dirty="0"/>
+          </a:p>
+        </p:txBody>
+      </p:sp>
     </p:spTree>
     <p:extLst>
       <p:ext uri="{BB962C8B-B14F-4D97-AF65-F5344CB8AC3E}">
@@ -41854,6 +46194,29 @@
           </a:p>
         </p:txBody>
       </p:sp>
+      <p:sp>
+        <p:nvSpPr>
+          <p:cNvPr id="5" name="Footer Placeholder 4"/>
+          <p:cNvSpPr>
+            <a:spLocks noGrp="1"/>
+          </p:cNvSpPr>
+          <p:nvPr>
+            <p:ph type="ftr" sz="quarter" idx="11"/>
+          </p:nvPr>
+        </p:nvSpPr>
+        <p:spPr/>
+        <p:txBody>
+          <a:bodyPr/>
+          <a:lstStyle/>
+          <a:p>
+            <a:r>
+              <a:rPr lang="en-US" smtClean="0"/>
+              <a:t>Copyright © 2016 ProTech Professional Technical Services, Inc.</a:t>
+            </a:r>
+            <a:endParaRPr lang="en-US" dirty="0"/>
+          </a:p>
+        </p:txBody>
+      </p:sp>
     </p:spTree>
     <p:extLst>
       <p:ext uri="{BB962C8B-B14F-4D97-AF65-F5344CB8AC3E}">
@@ -42119,6 +46482,29 @@
               <a:t>46</a:t>
             </a:fld>
             <a:endParaRPr lang="en-US"/>
+          </a:p>
+        </p:txBody>
+      </p:sp>
+      <p:sp>
+        <p:nvSpPr>
+          <p:cNvPr id="5" name="Footer Placeholder 4"/>
+          <p:cNvSpPr>
+            <a:spLocks noGrp="1"/>
+          </p:cNvSpPr>
+          <p:nvPr>
+            <p:ph type="ftr" sz="quarter" idx="11"/>
+          </p:nvPr>
+        </p:nvSpPr>
+        <p:spPr/>
+        <p:txBody>
+          <a:bodyPr/>
+          <a:lstStyle/>
+          <a:p>
+            <a:r>
+              <a:rPr lang="en-US" smtClean="0"/>
+              <a:t>Copyright © 2016 ProTech Professional Technical Services, Inc.</a:t>
+            </a:r>
+            <a:endParaRPr lang="en-US" dirty="0"/>
           </a:p>
         </p:txBody>
       </p:sp>
@@ -42484,6 +46870,29 @@
           </a:p>
         </p:txBody>
       </p:sp>
+      <p:sp>
+        <p:nvSpPr>
+          <p:cNvPr id="6" name="Footer Placeholder 5"/>
+          <p:cNvSpPr>
+            <a:spLocks noGrp="1"/>
+          </p:cNvSpPr>
+          <p:nvPr>
+            <p:ph type="ftr" sz="quarter" idx="11"/>
+          </p:nvPr>
+        </p:nvSpPr>
+        <p:spPr/>
+        <p:txBody>
+          <a:bodyPr/>
+          <a:lstStyle/>
+          <a:p>
+            <a:r>
+              <a:rPr lang="en-US" smtClean="0"/>
+              <a:t>Copyright © 2016 ProTech Professional Technical Services, Inc.</a:t>
+            </a:r>
+            <a:endParaRPr lang="en-US" dirty="0"/>
+          </a:p>
+        </p:txBody>
+      </p:sp>
     </p:spTree>
     <p:extLst>
       <p:ext uri="{BB962C8B-B14F-4D97-AF65-F5344CB8AC3E}">
@@ -42688,6 +47097,29 @@
           </a:p>
         </p:txBody>
       </p:sp>
+      <p:sp>
+        <p:nvSpPr>
+          <p:cNvPr id="5" name="Footer Placeholder 4"/>
+          <p:cNvSpPr>
+            <a:spLocks noGrp="1"/>
+          </p:cNvSpPr>
+          <p:nvPr>
+            <p:ph type="ftr" sz="quarter" idx="11"/>
+          </p:nvPr>
+        </p:nvSpPr>
+        <p:spPr/>
+        <p:txBody>
+          <a:bodyPr/>
+          <a:lstStyle/>
+          <a:p>
+            <a:r>
+              <a:rPr lang="en-US" smtClean="0"/>
+              <a:t>Copyright © 2016 ProTech Professional Technical Services, Inc.</a:t>
+            </a:r>
+            <a:endParaRPr lang="en-US" dirty="0"/>
+          </a:p>
+        </p:txBody>
+      </p:sp>
     </p:spTree>
     <p:extLst>
       <p:ext uri="{BB962C8B-B14F-4D97-AF65-F5344CB8AC3E}">
@@ -42800,6 +47232,29 @@
           </a:p>
         </p:txBody>
       </p:sp>
+      <p:sp>
+        <p:nvSpPr>
+          <p:cNvPr id="5" name="Footer Placeholder 4"/>
+          <p:cNvSpPr>
+            <a:spLocks noGrp="1"/>
+          </p:cNvSpPr>
+          <p:nvPr>
+            <p:ph type="ftr" sz="quarter" idx="11"/>
+          </p:nvPr>
+        </p:nvSpPr>
+        <p:spPr/>
+        <p:txBody>
+          <a:bodyPr/>
+          <a:lstStyle/>
+          <a:p>
+            <a:r>
+              <a:rPr lang="en-US" smtClean="0"/>
+              <a:t>Copyright © 2016 ProTech Professional Technical Services, Inc.</a:t>
+            </a:r>
+            <a:endParaRPr lang="en-US" dirty="0"/>
+          </a:p>
+        </p:txBody>
+      </p:sp>
     </p:spTree>
     <p:extLst>
       <p:ext uri="{BB962C8B-B14F-4D97-AF65-F5344CB8AC3E}">
@@ -42954,6 +47409,29 @@
           </a:p>
         </p:txBody>
       </p:sp>
+      <p:sp>
+        <p:nvSpPr>
+          <p:cNvPr id="5" name="Footer Placeholder 4"/>
+          <p:cNvSpPr>
+            <a:spLocks noGrp="1"/>
+          </p:cNvSpPr>
+          <p:nvPr>
+            <p:ph type="ftr" sz="quarter" idx="11"/>
+          </p:nvPr>
+        </p:nvSpPr>
+        <p:spPr/>
+        <p:txBody>
+          <a:bodyPr/>
+          <a:lstStyle/>
+          <a:p>
+            <a:r>
+              <a:rPr lang="en-US" smtClean="0"/>
+              <a:t>Copyright © 2016 ProTech Professional Technical Services, Inc.</a:t>
+            </a:r>
+            <a:endParaRPr lang="en-US" dirty="0"/>
+          </a:p>
+        </p:txBody>
+      </p:sp>
     </p:spTree>
     <p:extLst>
       <p:ext uri="{BB962C8B-B14F-4D97-AF65-F5344CB8AC3E}">
@@ -43072,6 +47550,29 @@
           </a:p>
         </p:txBody>
       </p:sp>
+      <p:sp>
+        <p:nvSpPr>
+          <p:cNvPr id="5" name="Footer Placeholder 4"/>
+          <p:cNvSpPr>
+            <a:spLocks noGrp="1"/>
+          </p:cNvSpPr>
+          <p:nvPr>
+            <p:ph type="ftr" sz="quarter" idx="11"/>
+          </p:nvPr>
+        </p:nvSpPr>
+        <p:spPr/>
+        <p:txBody>
+          <a:bodyPr/>
+          <a:lstStyle/>
+          <a:p>
+            <a:r>
+              <a:rPr lang="en-US" smtClean="0"/>
+              <a:t>Copyright © 2016 ProTech Professional Technical Services, Inc.</a:t>
+            </a:r>
+            <a:endParaRPr lang="en-US" dirty="0"/>
+          </a:p>
+        </p:txBody>
+      </p:sp>
     </p:spTree>
     <p:extLst>
       <p:ext uri="{BB962C8B-B14F-4D97-AF65-F5344CB8AC3E}">
@@ -43219,6 +47720,29 @@
           </a:p>
         </p:txBody>
       </p:sp>
+      <p:sp>
+        <p:nvSpPr>
+          <p:cNvPr id="5" name="Footer Placeholder 4"/>
+          <p:cNvSpPr>
+            <a:spLocks noGrp="1"/>
+          </p:cNvSpPr>
+          <p:nvPr>
+            <p:ph type="ftr" sz="quarter" idx="11"/>
+          </p:nvPr>
+        </p:nvSpPr>
+        <p:spPr/>
+        <p:txBody>
+          <a:bodyPr/>
+          <a:lstStyle/>
+          <a:p>
+            <a:r>
+              <a:rPr lang="en-US" smtClean="0"/>
+              <a:t>Copyright © 2016 ProTech Professional Technical Services, Inc.</a:t>
+            </a:r>
+            <a:endParaRPr lang="en-US" dirty="0"/>
+          </a:p>
+        </p:txBody>
+      </p:sp>
     </p:spTree>
     <p:extLst>
       <p:ext uri="{BB962C8B-B14F-4D97-AF65-F5344CB8AC3E}">
@@ -43407,6 +47931,29 @@
           </a:p>
         </p:txBody>
       </p:sp>
+      <p:sp>
+        <p:nvSpPr>
+          <p:cNvPr id="5" name="Footer Placeholder 4"/>
+          <p:cNvSpPr>
+            <a:spLocks noGrp="1"/>
+          </p:cNvSpPr>
+          <p:nvPr>
+            <p:ph type="ftr" sz="quarter" idx="11"/>
+          </p:nvPr>
+        </p:nvSpPr>
+        <p:spPr/>
+        <p:txBody>
+          <a:bodyPr/>
+          <a:lstStyle/>
+          <a:p>
+            <a:r>
+              <a:rPr lang="en-US" smtClean="0"/>
+              <a:t>Copyright © 2016 ProTech Professional Technical Services, Inc.</a:t>
+            </a:r>
+            <a:endParaRPr lang="en-US" dirty="0"/>
+          </a:p>
+        </p:txBody>
+      </p:sp>
     </p:spTree>
     <p:extLst>
       <p:ext uri="{BB962C8B-B14F-4D97-AF65-F5344CB8AC3E}">
@@ -44216,6 +48763,29 @@
           </a:p>
         </p:txBody>
       </p:sp>
+      <p:sp>
+        <p:nvSpPr>
+          <p:cNvPr id="5" name="Footer Placeholder 4"/>
+          <p:cNvSpPr>
+            <a:spLocks noGrp="1"/>
+          </p:cNvSpPr>
+          <p:nvPr>
+            <p:ph type="ftr" sz="quarter" idx="11"/>
+          </p:nvPr>
+        </p:nvSpPr>
+        <p:spPr/>
+        <p:txBody>
+          <a:bodyPr/>
+          <a:lstStyle/>
+          <a:p>
+            <a:r>
+              <a:rPr lang="en-US" smtClean="0"/>
+              <a:t>Copyright © 2016 ProTech Professional Technical Services, Inc.</a:t>
+            </a:r>
+            <a:endParaRPr lang="en-US" dirty="0"/>
+          </a:p>
+        </p:txBody>
+      </p:sp>
     </p:spTree>
     <p:extLst>
       <p:ext uri="{BB962C8B-B14F-4D97-AF65-F5344CB8AC3E}">
@@ -44746,6 +49316,29 @@
           </a:p>
         </p:txBody>
       </p:sp>
+      <p:sp>
+        <p:nvSpPr>
+          <p:cNvPr id="11" name="Footer Placeholder 10"/>
+          <p:cNvSpPr>
+            <a:spLocks noGrp="1"/>
+          </p:cNvSpPr>
+          <p:nvPr>
+            <p:ph type="ftr" sz="quarter" idx="11"/>
+          </p:nvPr>
+        </p:nvSpPr>
+        <p:spPr/>
+        <p:txBody>
+          <a:bodyPr/>
+          <a:lstStyle/>
+          <a:p>
+            <a:r>
+              <a:rPr lang="en-US" smtClean="0"/>
+              <a:t>Copyright © 2016 ProTech Professional Technical Services, Inc.</a:t>
+            </a:r>
+            <a:endParaRPr lang="en-US" dirty="0"/>
+          </a:p>
+        </p:txBody>
+      </p:sp>
     </p:spTree>
     <p:extLst>
       <p:ext uri="{BB962C8B-B14F-4D97-AF65-F5344CB8AC3E}">
@@ -44914,6 +49507,29 @@
               <a:t>55</a:t>
             </a:fld>
             <a:endParaRPr lang="en-US"/>
+          </a:p>
+        </p:txBody>
+      </p:sp>
+      <p:sp>
+        <p:nvSpPr>
+          <p:cNvPr id="5" name="Footer Placeholder 4"/>
+          <p:cNvSpPr>
+            <a:spLocks noGrp="1"/>
+          </p:cNvSpPr>
+          <p:nvPr>
+            <p:ph type="ftr" sz="quarter" idx="11"/>
+          </p:nvPr>
+        </p:nvSpPr>
+        <p:spPr/>
+        <p:txBody>
+          <a:bodyPr/>
+          <a:lstStyle/>
+          <a:p>
+            <a:r>
+              <a:rPr lang="en-US" smtClean="0"/>
+              <a:t>Copyright © 2016 ProTech Professional Technical Services, Inc.</a:t>
+            </a:r>
+            <a:endParaRPr lang="en-US" dirty="0"/>
           </a:p>
         </p:txBody>
       </p:sp>
@@ -45361,6 +49977,29 @@
           </a:p>
         </p:txBody>
       </p:sp>
+      <p:sp>
+        <p:nvSpPr>
+          <p:cNvPr id="6" name="Footer Placeholder 5"/>
+          <p:cNvSpPr>
+            <a:spLocks noGrp="1"/>
+          </p:cNvSpPr>
+          <p:nvPr>
+            <p:ph type="ftr" sz="quarter" idx="11"/>
+          </p:nvPr>
+        </p:nvSpPr>
+        <p:spPr/>
+        <p:txBody>
+          <a:bodyPr/>
+          <a:lstStyle/>
+          <a:p>
+            <a:r>
+              <a:rPr lang="en-US" smtClean="0"/>
+              <a:t>Copyright © 2016 ProTech Professional Technical Services, Inc.</a:t>
+            </a:r>
+            <a:endParaRPr lang="en-US" dirty="0"/>
+          </a:p>
+        </p:txBody>
+      </p:sp>
     </p:spTree>
     <p:extLst>
       <p:ext uri="{BB962C8B-B14F-4D97-AF65-F5344CB8AC3E}">
@@ -45523,6 +50162,29 @@
           </a:p>
         </p:txBody>
       </p:sp>
+      <p:sp>
+        <p:nvSpPr>
+          <p:cNvPr id="5" name="Footer Placeholder 4"/>
+          <p:cNvSpPr>
+            <a:spLocks noGrp="1"/>
+          </p:cNvSpPr>
+          <p:nvPr>
+            <p:ph type="ftr" sz="quarter" idx="11"/>
+          </p:nvPr>
+        </p:nvSpPr>
+        <p:spPr/>
+        <p:txBody>
+          <a:bodyPr/>
+          <a:lstStyle/>
+          <a:p>
+            <a:r>
+              <a:rPr lang="en-US" smtClean="0"/>
+              <a:t>Copyright © 2016 ProTech Professional Technical Services, Inc.</a:t>
+            </a:r>
+            <a:endParaRPr lang="en-US" dirty="0"/>
+          </a:p>
+        </p:txBody>
+      </p:sp>
     </p:spTree>
     <p:extLst>
       <p:ext uri="{BB962C8B-B14F-4D97-AF65-F5344CB8AC3E}">
@@ -45647,6 +50309,29 @@
           </a:p>
         </p:txBody>
       </p:sp>
+      <p:sp>
+        <p:nvSpPr>
+          <p:cNvPr id="5" name="Footer Placeholder 4"/>
+          <p:cNvSpPr>
+            <a:spLocks noGrp="1"/>
+          </p:cNvSpPr>
+          <p:nvPr>
+            <p:ph type="ftr" sz="quarter" idx="11"/>
+          </p:nvPr>
+        </p:nvSpPr>
+        <p:spPr/>
+        <p:txBody>
+          <a:bodyPr/>
+          <a:lstStyle/>
+          <a:p>
+            <a:r>
+              <a:rPr lang="en-US" smtClean="0"/>
+              <a:t>Copyright © 2016 ProTech Professional Technical Services, Inc.</a:t>
+            </a:r>
+            <a:endParaRPr lang="en-US" dirty="0"/>
+          </a:p>
+        </p:txBody>
+      </p:sp>
     </p:spTree>
     <p:extLst>
       <p:ext uri="{BB962C8B-B14F-4D97-AF65-F5344CB8AC3E}">
@@ -45861,6 +50546,29 @@
           </a:p>
         </p:txBody>
       </p:sp>
+      <p:sp>
+        <p:nvSpPr>
+          <p:cNvPr id="5" name="Footer Placeholder 4"/>
+          <p:cNvSpPr>
+            <a:spLocks noGrp="1"/>
+          </p:cNvSpPr>
+          <p:nvPr>
+            <p:ph type="ftr" sz="quarter" idx="11"/>
+          </p:nvPr>
+        </p:nvSpPr>
+        <p:spPr/>
+        <p:txBody>
+          <a:bodyPr/>
+          <a:lstStyle/>
+          <a:p>
+            <a:r>
+              <a:rPr lang="en-US" smtClean="0"/>
+              <a:t>Copyright © 2016 ProTech Professional Technical Services, Inc.</a:t>
+            </a:r>
+            <a:endParaRPr lang="en-US" dirty="0"/>
+          </a:p>
+        </p:txBody>
+      </p:sp>
     </p:spTree>
     <p:extLst>
       <p:ext uri="{BB962C8B-B14F-4D97-AF65-F5344CB8AC3E}">
@@ -45990,6 +50698,29 @@
           </a:p>
         </p:txBody>
       </p:sp>
+      <p:sp>
+        <p:nvSpPr>
+          <p:cNvPr id="5" name="Footer Placeholder 4"/>
+          <p:cNvSpPr>
+            <a:spLocks noGrp="1"/>
+          </p:cNvSpPr>
+          <p:nvPr>
+            <p:ph type="ftr" sz="quarter" idx="11"/>
+          </p:nvPr>
+        </p:nvSpPr>
+        <p:spPr/>
+        <p:txBody>
+          <a:bodyPr/>
+          <a:lstStyle/>
+          <a:p>
+            <a:r>
+              <a:rPr lang="en-US" smtClean="0"/>
+              <a:t>Copyright © 2016 ProTech Professional Technical Services, Inc.</a:t>
+            </a:r>
+            <a:endParaRPr lang="en-US" dirty="0"/>
+          </a:p>
+        </p:txBody>
+      </p:sp>
     </p:spTree>
     <p:extLst>
       <p:ext uri="{BB962C8B-B14F-4D97-AF65-F5344CB8AC3E}">
@@ -46156,6 +50887,29 @@
           </a:p>
         </p:txBody>
       </p:sp>
+      <p:sp>
+        <p:nvSpPr>
+          <p:cNvPr id="5" name="Footer Placeholder 4"/>
+          <p:cNvSpPr>
+            <a:spLocks noGrp="1"/>
+          </p:cNvSpPr>
+          <p:nvPr>
+            <p:ph type="ftr" sz="quarter" idx="11"/>
+          </p:nvPr>
+        </p:nvSpPr>
+        <p:spPr/>
+        <p:txBody>
+          <a:bodyPr/>
+          <a:lstStyle/>
+          <a:p>
+            <a:r>
+              <a:rPr lang="en-US" smtClean="0"/>
+              <a:t>Copyright © 2016 ProTech Professional Technical Services, Inc.</a:t>
+            </a:r>
+            <a:endParaRPr lang="en-US" dirty="0"/>
+          </a:p>
+        </p:txBody>
+      </p:sp>
     </p:spTree>
     <p:extLst>
       <p:ext uri="{BB962C8B-B14F-4D97-AF65-F5344CB8AC3E}">
@@ -46376,6 +51130,29 @@
               <a:t>61</a:t>
             </a:fld>
             <a:endParaRPr lang="en-US"/>
+          </a:p>
+        </p:txBody>
+      </p:sp>
+      <p:sp>
+        <p:nvSpPr>
+          <p:cNvPr id="5" name="Footer Placeholder 4"/>
+          <p:cNvSpPr>
+            <a:spLocks noGrp="1"/>
+          </p:cNvSpPr>
+          <p:nvPr>
+            <p:ph type="ftr" sz="quarter" idx="11"/>
+          </p:nvPr>
+        </p:nvSpPr>
+        <p:spPr/>
+        <p:txBody>
+          <a:bodyPr/>
+          <a:lstStyle/>
+          <a:p>
+            <a:r>
+              <a:rPr lang="en-US" smtClean="0"/>
+              <a:t>Copyright © 2016 ProTech Professional Technical Services, Inc.</a:t>
+            </a:r>
+            <a:endParaRPr lang="en-US" dirty="0"/>
           </a:p>
         </p:txBody>
       </p:sp>
@@ -46589,6 +51366,29 @@
           </a:p>
         </p:txBody>
       </p:sp>
+      <p:sp>
+        <p:nvSpPr>
+          <p:cNvPr id="5" name="Footer Placeholder 4"/>
+          <p:cNvSpPr>
+            <a:spLocks noGrp="1"/>
+          </p:cNvSpPr>
+          <p:nvPr>
+            <p:ph type="ftr" sz="quarter" idx="11"/>
+          </p:nvPr>
+        </p:nvSpPr>
+        <p:spPr/>
+        <p:txBody>
+          <a:bodyPr/>
+          <a:lstStyle/>
+          <a:p>
+            <a:r>
+              <a:rPr lang="en-US" smtClean="0"/>
+              <a:t>Copyright © 2016 ProTech Professional Technical Services, Inc.</a:t>
+            </a:r>
+            <a:endParaRPr lang="en-US" dirty="0"/>
+          </a:p>
+        </p:txBody>
+      </p:sp>
     </p:spTree>
     <p:extLst>
       <p:ext uri="{BB962C8B-B14F-4D97-AF65-F5344CB8AC3E}">
@@ -46820,6 +51620,29 @@
           </a:p>
         </p:txBody>
       </p:sp>
+      <p:sp>
+        <p:nvSpPr>
+          <p:cNvPr id="5" name="Footer Placeholder 4"/>
+          <p:cNvSpPr>
+            <a:spLocks noGrp="1"/>
+          </p:cNvSpPr>
+          <p:nvPr>
+            <p:ph type="ftr" sz="quarter" idx="11"/>
+          </p:nvPr>
+        </p:nvSpPr>
+        <p:spPr/>
+        <p:txBody>
+          <a:bodyPr/>
+          <a:lstStyle/>
+          <a:p>
+            <a:r>
+              <a:rPr lang="en-US" smtClean="0"/>
+              <a:t>Copyright © 2016 ProTech Professional Technical Services, Inc.</a:t>
+            </a:r>
+            <a:endParaRPr lang="en-US" dirty="0"/>
+          </a:p>
+        </p:txBody>
+      </p:sp>
     </p:spTree>
     <p:extLst>
       <p:ext uri="{BB962C8B-B14F-4D97-AF65-F5344CB8AC3E}">
@@ -46957,6 +51780,29 @@
           </a:p>
         </p:txBody>
       </p:sp>
+      <p:sp>
+        <p:nvSpPr>
+          <p:cNvPr id="5" name="Footer Placeholder 4"/>
+          <p:cNvSpPr>
+            <a:spLocks noGrp="1"/>
+          </p:cNvSpPr>
+          <p:nvPr>
+            <p:ph type="ftr" sz="quarter" idx="11"/>
+          </p:nvPr>
+        </p:nvSpPr>
+        <p:spPr/>
+        <p:txBody>
+          <a:bodyPr/>
+          <a:lstStyle/>
+          <a:p>
+            <a:r>
+              <a:rPr lang="en-US" smtClean="0"/>
+              <a:t>Copyright © 2016 ProTech Professional Technical Services, Inc.</a:t>
+            </a:r>
+            <a:endParaRPr lang="en-US" dirty="0"/>
+          </a:p>
+        </p:txBody>
+      </p:sp>
     </p:spTree>
     <p:extLst>
       <p:ext uri="{BB962C8B-B14F-4D97-AF65-F5344CB8AC3E}">
@@ -47083,6 +51929,29 @@
           </a:p>
         </p:txBody>
       </p:sp>
+      <p:sp>
+        <p:nvSpPr>
+          <p:cNvPr id="5" name="Footer Placeholder 4"/>
+          <p:cNvSpPr>
+            <a:spLocks noGrp="1"/>
+          </p:cNvSpPr>
+          <p:nvPr>
+            <p:ph type="ftr" sz="quarter" idx="11"/>
+          </p:nvPr>
+        </p:nvSpPr>
+        <p:spPr/>
+        <p:txBody>
+          <a:bodyPr/>
+          <a:lstStyle/>
+          <a:p>
+            <a:r>
+              <a:rPr lang="en-US" smtClean="0"/>
+              <a:t>Copyright © 2016 ProTech Professional Technical Services, Inc.</a:t>
+            </a:r>
+            <a:endParaRPr lang="en-US" dirty="0"/>
+          </a:p>
+        </p:txBody>
+      </p:sp>
     </p:spTree>
     <p:extLst>
       <p:ext uri="{BB962C8B-B14F-4D97-AF65-F5344CB8AC3E}">
@@ -47292,6 +52161,29 @@
           </a:p>
         </p:txBody>
       </p:sp>
+      <p:sp>
+        <p:nvSpPr>
+          <p:cNvPr id="5" name="Footer Placeholder 4"/>
+          <p:cNvSpPr>
+            <a:spLocks noGrp="1"/>
+          </p:cNvSpPr>
+          <p:nvPr>
+            <p:ph type="ftr" sz="quarter" idx="11"/>
+          </p:nvPr>
+        </p:nvSpPr>
+        <p:spPr/>
+        <p:txBody>
+          <a:bodyPr/>
+          <a:lstStyle/>
+          <a:p>
+            <a:r>
+              <a:rPr lang="en-US" smtClean="0"/>
+              <a:t>Copyright © 2016 ProTech Professional Technical Services, Inc.</a:t>
+            </a:r>
+            <a:endParaRPr lang="en-US" dirty="0"/>
+          </a:p>
+        </p:txBody>
+      </p:sp>
     </p:spTree>
     <p:extLst>
       <p:ext uri="{BB962C8B-B14F-4D97-AF65-F5344CB8AC3E}">
@@ -47429,6 +52321,29 @@
           </a:p>
         </p:txBody>
       </p:sp>
+      <p:sp>
+        <p:nvSpPr>
+          <p:cNvPr id="5" name="Footer Placeholder 4"/>
+          <p:cNvSpPr>
+            <a:spLocks noGrp="1"/>
+          </p:cNvSpPr>
+          <p:nvPr>
+            <p:ph type="ftr" sz="quarter" idx="11"/>
+          </p:nvPr>
+        </p:nvSpPr>
+        <p:spPr/>
+        <p:txBody>
+          <a:bodyPr/>
+          <a:lstStyle/>
+          <a:p>
+            <a:r>
+              <a:rPr lang="en-US" smtClean="0"/>
+              <a:t>Copyright © 2016 ProTech Professional Technical Services, Inc.</a:t>
+            </a:r>
+            <a:endParaRPr lang="en-US" dirty="0"/>
+          </a:p>
+        </p:txBody>
+      </p:sp>
     </p:spTree>
     <p:extLst>
       <p:ext uri="{BB962C8B-B14F-4D97-AF65-F5344CB8AC3E}">
@@ -47666,6 +52581,29 @@
           </a:p>
         </p:txBody>
       </p:sp>
+      <p:sp>
+        <p:nvSpPr>
+          <p:cNvPr id="5" name="Footer Placeholder 4"/>
+          <p:cNvSpPr>
+            <a:spLocks noGrp="1"/>
+          </p:cNvSpPr>
+          <p:nvPr>
+            <p:ph type="ftr" sz="quarter" idx="11"/>
+          </p:nvPr>
+        </p:nvSpPr>
+        <p:spPr/>
+        <p:txBody>
+          <a:bodyPr/>
+          <a:lstStyle/>
+          <a:p>
+            <a:r>
+              <a:rPr lang="en-US" smtClean="0"/>
+              <a:t>Copyright © 2016 ProTech Professional Technical Services, Inc.</a:t>
+            </a:r>
+            <a:endParaRPr lang="en-US" dirty="0"/>
+          </a:p>
+        </p:txBody>
+      </p:sp>
     </p:spTree>
     <p:extLst>
       <p:ext uri="{BB962C8B-B14F-4D97-AF65-F5344CB8AC3E}">
@@ -47832,6 +52770,29 @@
           </a:p>
         </p:txBody>
       </p:sp>
+      <p:sp>
+        <p:nvSpPr>
+          <p:cNvPr id="4" name="Footer Placeholder 3"/>
+          <p:cNvSpPr>
+            <a:spLocks noGrp="1"/>
+          </p:cNvSpPr>
+          <p:nvPr>
+            <p:ph type="ftr" sz="quarter" idx="11"/>
+          </p:nvPr>
+        </p:nvSpPr>
+        <p:spPr/>
+        <p:txBody>
+          <a:bodyPr/>
+          <a:lstStyle/>
+          <a:p>
+            <a:r>
+              <a:rPr lang="en-US" smtClean="0"/>
+              <a:t>Copyright © 2016 ProTech Professional Technical Services, Inc.</a:t>
+            </a:r>
+            <a:endParaRPr lang="en-US" dirty="0"/>
+          </a:p>
+        </p:txBody>
+      </p:sp>
     </p:spTree>
     <p:extLst>
       <p:ext uri="{BB962C8B-B14F-4D97-AF65-F5344CB8AC3E}">
@@ -48045,6 +53006,29 @@
           </a:p>
         </p:txBody>
       </p:sp>
+      <p:sp>
+        <p:nvSpPr>
+          <p:cNvPr id="5" name="Footer Placeholder 4"/>
+          <p:cNvSpPr>
+            <a:spLocks noGrp="1"/>
+          </p:cNvSpPr>
+          <p:nvPr>
+            <p:ph type="ftr" sz="quarter" idx="11"/>
+          </p:nvPr>
+        </p:nvSpPr>
+        <p:spPr/>
+        <p:txBody>
+          <a:bodyPr/>
+          <a:lstStyle/>
+          <a:p>
+            <a:r>
+              <a:rPr lang="en-US" smtClean="0"/>
+              <a:t>Copyright © 2016 ProTech Professional Technical Services, Inc.</a:t>
+            </a:r>
+            <a:endParaRPr lang="en-US" dirty="0"/>
+          </a:p>
+        </p:txBody>
+      </p:sp>
     </p:spTree>
     <p:extLst>
       <p:ext uri="{BB962C8B-B14F-4D97-AF65-F5344CB8AC3E}">
@@ -48237,6 +53221,29 @@
           </a:p>
         </p:txBody>
       </p:sp>
+      <p:sp>
+        <p:nvSpPr>
+          <p:cNvPr id="5" name="Footer Placeholder 4"/>
+          <p:cNvSpPr>
+            <a:spLocks noGrp="1"/>
+          </p:cNvSpPr>
+          <p:nvPr>
+            <p:ph type="ftr" sz="quarter" idx="11"/>
+          </p:nvPr>
+        </p:nvSpPr>
+        <p:spPr/>
+        <p:txBody>
+          <a:bodyPr/>
+          <a:lstStyle/>
+          <a:p>
+            <a:r>
+              <a:rPr lang="en-US" smtClean="0"/>
+              <a:t>Copyright © 2016 ProTech Professional Technical Services, Inc.</a:t>
+            </a:r>
+            <a:endParaRPr lang="en-US" dirty="0"/>
+          </a:p>
+        </p:txBody>
+      </p:sp>
     </p:spTree>
     <p:extLst>
       <p:ext uri="{BB962C8B-B14F-4D97-AF65-F5344CB8AC3E}">
@@ -48458,6 +53465,29 @@
           </a:p>
         </p:txBody>
       </p:sp>
+      <p:sp>
+        <p:nvSpPr>
+          <p:cNvPr id="5" name="Footer Placeholder 4"/>
+          <p:cNvSpPr>
+            <a:spLocks noGrp="1"/>
+          </p:cNvSpPr>
+          <p:nvPr>
+            <p:ph type="ftr" sz="quarter" idx="11"/>
+          </p:nvPr>
+        </p:nvSpPr>
+        <p:spPr/>
+        <p:txBody>
+          <a:bodyPr/>
+          <a:lstStyle/>
+          <a:p>
+            <a:r>
+              <a:rPr lang="en-US" smtClean="0"/>
+              <a:t>Copyright © 2016 ProTech Professional Technical Services, Inc.</a:t>
+            </a:r>
+            <a:endParaRPr lang="en-US" dirty="0"/>
+          </a:p>
+        </p:txBody>
+      </p:sp>
     </p:spTree>
     <p:extLst>
       <p:ext uri="{BB962C8B-B14F-4D97-AF65-F5344CB8AC3E}">
@@ -48578,6 +53608,29 @@
           </a:p>
         </p:txBody>
       </p:sp>
+      <p:sp>
+        <p:nvSpPr>
+          <p:cNvPr id="5" name="Footer Placeholder 4"/>
+          <p:cNvSpPr>
+            <a:spLocks noGrp="1"/>
+          </p:cNvSpPr>
+          <p:nvPr>
+            <p:ph type="ftr" sz="quarter" idx="11"/>
+          </p:nvPr>
+        </p:nvSpPr>
+        <p:spPr/>
+        <p:txBody>
+          <a:bodyPr/>
+          <a:lstStyle/>
+          <a:p>
+            <a:r>
+              <a:rPr lang="en-US" smtClean="0"/>
+              <a:t>Copyright © 2016 ProTech Professional Technical Services, Inc.</a:t>
+            </a:r>
+            <a:endParaRPr lang="en-US" dirty="0"/>
+          </a:p>
+        </p:txBody>
+      </p:sp>
     </p:spTree>
     <p:extLst>
       <p:ext uri="{BB962C8B-B14F-4D97-AF65-F5344CB8AC3E}">
@@ -48730,6 +53783,29 @@
           </a:p>
         </p:txBody>
       </p:sp>
+      <p:sp>
+        <p:nvSpPr>
+          <p:cNvPr id="5" name="Footer Placeholder 4"/>
+          <p:cNvSpPr>
+            <a:spLocks noGrp="1"/>
+          </p:cNvSpPr>
+          <p:nvPr>
+            <p:ph type="ftr" sz="quarter" idx="11"/>
+          </p:nvPr>
+        </p:nvSpPr>
+        <p:spPr/>
+        <p:txBody>
+          <a:bodyPr/>
+          <a:lstStyle/>
+          <a:p>
+            <a:r>
+              <a:rPr lang="en-US" smtClean="0"/>
+              <a:t>Copyright © 2016 ProTech Professional Technical Services, Inc.</a:t>
+            </a:r>
+            <a:endParaRPr lang="en-US" dirty="0"/>
+          </a:p>
+        </p:txBody>
+      </p:sp>
     </p:spTree>
     <p:extLst>
       <p:ext uri="{BB962C8B-B14F-4D97-AF65-F5344CB8AC3E}">
@@ -48955,6 +54031,29 @@
           </a:p>
         </p:txBody>
       </p:sp>
+      <p:sp>
+        <p:nvSpPr>
+          <p:cNvPr id="5" name="Footer Placeholder 4"/>
+          <p:cNvSpPr>
+            <a:spLocks noGrp="1"/>
+          </p:cNvSpPr>
+          <p:nvPr>
+            <p:ph type="ftr" sz="quarter" idx="11"/>
+          </p:nvPr>
+        </p:nvSpPr>
+        <p:spPr/>
+        <p:txBody>
+          <a:bodyPr/>
+          <a:lstStyle/>
+          <a:p>
+            <a:r>
+              <a:rPr lang="en-US" smtClean="0"/>
+              <a:t>Copyright © 2016 ProTech Professional Technical Services, Inc.</a:t>
+            </a:r>
+            <a:endParaRPr lang="en-US" dirty="0"/>
+          </a:p>
+        </p:txBody>
+      </p:sp>
     </p:spTree>
     <p:extLst>
       <p:ext uri="{BB962C8B-B14F-4D97-AF65-F5344CB8AC3E}">
@@ -49191,6 +54290,29 @@
           </a:p>
         </p:txBody>
       </p:sp>
+      <p:sp>
+        <p:nvSpPr>
+          <p:cNvPr id="5" name="Footer Placeholder 4"/>
+          <p:cNvSpPr>
+            <a:spLocks noGrp="1"/>
+          </p:cNvSpPr>
+          <p:nvPr>
+            <p:ph type="ftr" sz="quarter" idx="11"/>
+          </p:nvPr>
+        </p:nvSpPr>
+        <p:spPr/>
+        <p:txBody>
+          <a:bodyPr/>
+          <a:lstStyle/>
+          <a:p>
+            <a:r>
+              <a:rPr lang="en-US" smtClean="0"/>
+              <a:t>Copyright © 2016 ProTech Professional Technical Services, Inc.</a:t>
+            </a:r>
+            <a:endParaRPr lang="en-US" dirty="0"/>
+          </a:p>
+        </p:txBody>
+      </p:sp>
     </p:spTree>
     <p:extLst>
       <p:ext uri="{BB962C8B-B14F-4D97-AF65-F5344CB8AC3E}">
@@ -49393,6 +54515,29 @@
           </a:p>
         </p:txBody>
       </p:sp>
+      <p:sp>
+        <p:nvSpPr>
+          <p:cNvPr id="5" name="Footer Placeholder 4"/>
+          <p:cNvSpPr>
+            <a:spLocks noGrp="1"/>
+          </p:cNvSpPr>
+          <p:nvPr>
+            <p:ph type="ftr" sz="quarter" idx="11"/>
+          </p:nvPr>
+        </p:nvSpPr>
+        <p:spPr/>
+        <p:txBody>
+          <a:bodyPr/>
+          <a:lstStyle/>
+          <a:p>
+            <a:r>
+              <a:rPr lang="en-US" smtClean="0"/>
+              <a:t>Copyright © 2016 ProTech Professional Technical Services, Inc.</a:t>
+            </a:r>
+            <a:endParaRPr lang="en-US" dirty="0"/>
+          </a:p>
+        </p:txBody>
+      </p:sp>
     </p:spTree>
     <p:extLst>
       <p:ext uri="{BB962C8B-B14F-4D97-AF65-F5344CB8AC3E}">
@@ -49516,6 +54661,29 @@
               <a:t>77</a:t>
             </a:fld>
             <a:endParaRPr lang="en-US"/>
+          </a:p>
+        </p:txBody>
+      </p:sp>
+      <p:sp>
+        <p:nvSpPr>
+          <p:cNvPr id="5" name="Footer Placeholder 4"/>
+          <p:cNvSpPr>
+            <a:spLocks noGrp="1"/>
+          </p:cNvSpPr>
+          <p:nvPr>
+            <p:ph type="ftr" sz="quarter" idx="11"/>
+          </p:nvPr>
+        </p:nvSpPr>
+        <p:spPr/>
+        <p:txBody>
+          <a:bodyPr/>
+          <a:lstStyle/>
+          <a:p>
+            <a:r>
+              <a:rPr lang="en-US" smtClean="0"/>
+              <a:t>Copyright © 2016 ProTech Professional Technical Services, Inc.</a:t>
+            </a:r>
+            <a:endParaRPr lang="en-US" dirty="0"/>
           </a:p>
         </p:txBody>
       </p:sp>
@@ -49965,6 +55133,29 @@
           </a:p>
         </p:txBody>
       </p:sp>
+      <p:sp>
+        <p:nvSpPr>
+          <p:cNvPr id="3" name="Footer Placeholder 2"/>
+          <p:cNvSpPr>
+            <a:spLocks noGrp="1"/>
+          </p:cNvSpPr>
+          <p:nvPr>
+            <p:ph type="ftr" sz="quarter" idx="11"/>
+          </p:nvPr>
+        </p:nvSpPr>
+        <p:spPr/>
+        <p:txBody>
+          <a:bodyPr/>
+          <a:lstStyle/>
+          <a:p>
+            <a:r>
+              <a:rPr lang="en-US" smtClean="0"/>
+              <a:t>Copyright © 2016 ProTech Professional Technical Services, Inc.</a:t>
+            </a:r>
+            <a:endParaRPr lang="en-US" dirty="0"/>
+          </a:p>
+        </p:txBody>
+      </p:sp>
     </p:spTree>
     <p:extLst>
       <p:ext uri="{BB962C8B-B14F-4D97-AF65-F5344CB8AC3E}">
@@ -50153,6 +55344,29 @@
           </a:p>
         </p:txBody>
       </p:sp>
+      <p:sp>
+        <p:nvSpPr>
+          <p:cNvPr id="5" name="Footer Placeholder 4"/>
+          <p:cNvSpPr>
+            <a:spLocks noGrp="1"/>
+          </p:cNvSpPr>
+          <p:nvPr>
+            <p:ph type="ftr" sz="quarter" idx="11"/>
+          </p:nvPr>
+        </p:nvSpPr>
+        <p:spPr/>
+        <p:txBody>
+          <a:bodyPr/>
+          <a:lstStyle/>
+          <a:p>
+            <a:r>
+              <a:rPr lang="en-US" smtClean="0"/>
+              <a:t>Copyright © 2016 ProTech Professional Technical Services, Inc.</a:t>
+            </a:r>
+            <a:endParaRPr lang="en-US" dirty="0"/>
+          </a:p>
+        </p:txBody>
+      </p:sp>
     </p:spTree>
     <p:extLst>
       <p:ext uri="{BB962C8B-B14F-4D97-AF65-F5344CB8AC3E}">
@@ -50366,6 +55580,29 @@
           </a:p>
         </p:txBody>
       </p:sp>
+      <p:sp>
+        <p:nvSpPr>
+          <p:cNvPr id="5" name="Footer Placeholder 4"/>
+          <p:cNvSpPr>
+            <a:spLocks noGrp="1"/>
+          </p:cNvSpPr>
+          <p:nvPr>
+            <p:ph type="ftr" sz="quarter" idx="11"/>
+          </p:nvPr>
+        </p:nvSpPr>
+        <p:spPr/>
+        <p:txBody>
+          <a:bodyPr/>
+          <a:lstStyle/>
+          <a:p>
+            <a:r>
+              <a:rPr lang="en-US" smtClean="0"/>
+              <a:t>Copyright © 2016 ProTech Professional Technical Services, Inc.</a:t>
+            </a:r>
+            <a:endParaRPr lang="en-US" dirty="0"/>
+          </a:p>
+        </p:txBody>
+      </p:sp>
     </p:spTree>
     <p:extLst>
       <p:ext uri="{BB962C8B-B14F-4D97-AF65-F5344CB8AC3E}">
@@ -50563,6 +55800,29 @@
           </a:p>
         </p:txBody>
       </p:sp>
+      <p:sp>
+        <p:nvSpPr>
+          <p:cNvPr id="5" name="Footer Placeholder 4"/>
+          <p:cNvSpPr>
+            <a:spLocks noGrp="1"/>
+          </p:cNvSpPr>
+          <p:nvPr>
+            <p:ph type="ftr" sz="quarter" idx="11"/>
+          </p:nvPr>
+        </p:nvSpPr>
+        <p:spPr/>
+        <p:txBody>
+          <a:bodyPr/>
+          <a:lstStyle/>
+          <a:p>
+            <a:r>
+              <a:rPr lang="en-US" smtClean="0"/>
+              <a:t>Copyright © 2016 ProTech Professional Technical Services, Inc.</a:t>
+            </a:r>
+            <a:endParaRPr lang="en-US" dirty="0"/>
+          </a:p>
+        </p:txBody>
+      </p:sp>
     </p:spTree>
     <p:extLst>
       <p:ext uri="{BB962C8B-B14F-4D97-AF65-F5344CB8AC3E}">
@@ -50687,6 +55947,29 @@
           </a:p>
         </p:txBody>
       </p:sp>
+      <p:sp>
+        <p:nvSpPr>
+          <p:cNvPr id="5" name="Footer Placeholder 4"/>
+          <p:cNvSpPr>
+            <a:spLocks noGrp="1"/>
+          </p:cNvSpPr>
+          <p:nvPr>
+            <p:ph type="ftr" sz="quarter" idx="11"/>
+          </p:nvPr>
+        </p:nvSpPr>
+        <p:spPr/>
+        <p:txBody>
+          <a:bodyPr/>
+          <a:lstStyle/>
+          <a:p>
+            <a:r>
+              <a:rPr lang="en-US" smtClean="0"/>
+              <a:t>Copyright © 2016 ProTech Professional Technical Services, Inc.</a:t>
+            </a:r>
+            <a:endParaRPr lang="en-US" dirty="0"/>
+          </a:p>
+        </p:txBody>
+      </p:sp>
     </p:spTree>
     <p:extLst>
       <p:ext uri="{BB962C8B-B14F-4D97-AF65-F5344CB8AC3E}">
@@ -50873,6 +56156,29 @@
           </a:p>
         </p:txBody>
       </p:sp>
+      <p:sp>
+        <p:nvSpPr>
+          <p:cNvPr id="5" name="Footer Placeholder 4"/>
+          <p:cNvSpPr>
+            <a:spLocks noGrp="1"/>
+          </p:cNvSpPr>
+          <p:nvPr>
+            <p:ph type="ftr" sz="quarter" idx="11"/>
+          </p:nvPr>
+        </p:nvSpPr>
+        <p:spPr/>
+        <p:txBody>
+          <a:bodyPr/>
+          <a:lstStyle/>
+          <a:p>
+            <a:r>
+              <a:rPr lang="en-US" smtClean="0"/>
+              <a:t>Copyright © 2016 ProTech Professional Technical Services, Inc.</a:t>
+            </a:r>
+            <a:endParaRPr lang="en-US" dirty="0"/>
+          </a:p>
+        </p:txBody>
+      </p:sp>
     </p:spTree>
     <p:extLst>
       <p:ext uri="{BB962C8B-B14F-4D97-AF65-F5344CB8AC3E}">
@@ -51043,6 +56349,29 @@
           </a:p>
         </p:txBody>
       </p:sp>
+      <p:sp>
+        <p:nvSpPr>
+          <p:cNvPr id="5" name="Footer Placeholder 4"/>
+          <p:cNvSpPr>
+            <a:spLocks noGrp="1"/>
+          </p:cNvSpPr>
+          <p:nvPr>
+            <p:ph type="ftr" sz="quarter" idx="11"/>
+          </p:nvPr>
+        </p:nvSpPr>
+        <p:spPr/>
+        <p:txBody>
+          <a:bodyPr/>
+          <a:lstStyle/>
+          <a:p>
+            <a:r>
+              <a:rPr lang="en-US" smtClean="0"/>
+              <a:t>Copyright © 2016 ProTech Professional Technical Services, Inc.</a:t>
+            </a:r>
+            <a:endParaRPr lang="en-US" dirty="0"/>
+          </a:p>
+        </p:txBody>
+      </p:sp>
     </p:spTree>
     <p:extLst>
       <p:ext uri="{BB962C8B-B14F-4D97-AF65-F5344CB8AC3E}">
@@ -51251,6 +56580,29 @@
           </a:p>
         </p:txBody>
       </p:sp>
+      <p:sp>
+        <p:nvSpPr>
+          <p:cNvPr id="5" name="Footer Placeholder 4"/>
+          <p:cNvSpPr>
+            <a:spLocks noGrp="1"/>
+          </p:cNvSpPr>
+          <p:nvPr>
+            <p:ph type="ftr" sz="quarter" idx="11"/>
+          </p:nvPr>
+        </p:nvSpPr>
+        <p:spPr/>
+        <p:txBody>
+          <a:bodyPr/>
+          <a:lstStyle/>
+          <a:p>
+            <a:r>
+              <a:rPr lang="en-US" smtClean="0"/>
+              <a:t>Copyright © 2016 ProTech Professional Technical Services, Inc.</a:t>
+            </a:r>
+            <a:endParaRPr lang="en-US" dirty="0"/>
+          </a:p>
+        </p:txBody>
+      </p:sp>
     </p:spTree>
     <p:extLst>
       <p:ext uri="{BB962C8B-B14F-4D97-AF65-F5344CB8AC3E}">
@@ -51542,6 +56894,29 @@
           </a:p>
         </p:txBody>
       </p:sp>
+      <p:sp>
+        <p:nvSpPr>
+          <p:cNvPr id="5" name="Footer Placeholder 4"/>
+          <p:cNvSpPr>
+            <a:spLocks noGrp="1"/>
+          </p:cNvSpPr>
+          <p:nvPr>
+            <p:ph type="ftr" sz="quarter" idx="11"/>
+          </p:nvPr>
+        </p:nvSpPr>
+        <p:spPr/>
+        <p:txBody>
+          <a:bodyPr/>
+          <a:lstStyle/>
+          <a:p>
+            <a:r>
+              <a:rPr lang="en-US" smtClean="0"/>
+              <a:t>Copyright © 2016 ProTech Professional Technical Services, Inc.</a:t>
+            </a:r>
+            <a:endParaRPr lang="en-US" dirty="0"/>
+          </a:p>
+        </p:txBody>
+      </p:sp>
     </p:spTree>
     <p:extLst>
       <p:ext uri="{BB962C8B-B14F-4D97-AF65-F5344CB8AC3E}">
@@ -51730,6 +57105,29 @@
           </a:p>
         </p:txBody>
       </p:sp>
+      <p:sp>
+        <p:nvSpPr>
+          <p:cNvPr id="5" name="Footer Placeholder 4"/>
+          <p:cNvSpPr>
+            <a:spLocks noGrp="1"/>
+          </p:cNvSpPr>
+          <p:nvPr>
+            <p:ph type="ftr" sz="quarter" idx="11"/>
+          </p:nvPr>
+        </p:nvSpPr>
+        <p:spPr/>
+        <p:txBody>
+          <a:bodyPr/>
+          <a:lstStyle/>
+          <a:p>
+            <a:r>
+              <a:rPr lang="en-US" smtClean="0"/>
+              <a:t>Copyright © 2016 ProTech Professional Technical Services, Inc.</a:t>
+            </a:r>
+            <a:endParaRPr lang="en-US" dirty="0"/>
+          </a:p>
+        </p:txBody>
+      </p:sp>
     </p:spTree>
     <p:extLst>
       <p:ext uri="{BB962C8B-B14F-4D97-AF65-F5344CB8AC3E}">
@@ -51890,6 +57288,29 @@
           </a:p>
         </p:txBody>
       </p:sp>
+      <p:sp>
+        <p:nvSpPr>
+          <p:cNvPr id="5" name="Footer Placeholder 4"/>
+          <p:cNvSpPr>
+            <a:spLocks noGrp="1"/>
+          </p:cNvSpPr>
+          <p:nvPr>
+            <p:ph type="ftr" sz="quarter" idx="11"/>
+          </p:nvPr>
+        </p:nvSpPr>
+        <p:spPr/>
+        <p:txBody>
+          <a:bodyPr/>
+          <a:lstStyle/>
+          <a:p>
+            <a:r>
+              <a:rPr lang="en-US" smtClean="0"/>
+              <a:t>Copyright © 2016 ProTech Professional Technical Services, Inc.</a:t>
+            </a:r>
+            <a:endParaRPr lang="en-US" dirty="0"/>
+          </a:p>
+        </p:txBody>
+      </p:sp>
     </p:spTree>
     <p:extLst>
       <p:ext uri="{BB962C8B-B14F-4D97-AF65-F5344CB8AC3E}">
@@ -52041,6 +57462,29 @@
           </a:p>
         </p:txBody>
       </p:sp>
+      <p:sp>
+        <p:nvSpPr>
+          <p:cNvPr id="5" name="Footer Placeholder 4"/>
+          <p:cNvSpPr>
+            <a:spLocks noGrp="1"/>
+          </p:cNvSpPr>
+          <p:nvPr>
+            <p:ph type="ftr" sz="quarter" idx="11"/>
+          </p:nvPr>
+        </p:nvSpPr>
+        <p:spPr/>
+        <p:txBody>
+          <a:bodyPr/>
+          <a:lstStyle/>
+          <a:p>
+            <a:r>
+              <a:rPr lang="en-US" smtClean="0"/>
+              <a:t>Copyright © 2016 ProTech Professional Technical Services, Inc.</a:t>
+            </a:r>
+            <a:endParaRPr lang="en-US" dirty="0"/>
+          </a:p>
+        </p:txBody>
+      </p:sp>
     </p:spTree>
     <p:extLst>
       <p:ext uri="{BB962C8B-B14F-4D97-AF65-F5344CB8AC3E}">
@@ -52198,6 +57642,29 @@
           </a:p>
         </p:txBody>
       </p:sp>
+      <p:sp>
+        <p:nvSpPr>
+          <p:cNvPr id="5" name="Footer Placeholder 4"/>
+          <p:cNvSpPr>
+            <a:spLocks noGrp="1"/>
+          </p:cNvSpPr>
+          <p:nvPr>
+            <p:ph type="ftr" sz="quarter" idx="11"/>
+          </p:nvPr>
+        </p:nvSpPr>
+        <p:spPr/>
+        <p:txBody>
+          <a:bodyPr/>
+          <a:lstStyle/>
+          <a:p>
+            <a:r>
+              <a:rPr lang="en-US" smtClean="0"/>
+              <a:t>Copyright © 2016 ProTech Professional Technical Services, Inc.</a:t>
+            </a:r>
+            <a:endParaRPr lang="en-US" dirty="0"/>
+          </a:p>
+        </p:txBody>
+      </p:sp>
     </p:spTree>
     <p:extLst>
       <p:ext uri="{BB962C8B-B14F-4D97-AF65-F5344CB8AC3E}">
@@ -52467,6 +57934,29 @@
           </a:p>
         </p:txBody>
       </p:sp>
+      <p:sp>
+        <p:nvSpPr>
+          <p:cNvPr id="5" name="Footer Placeholder 4"/>
+          <p:cNvSpPr>
+            <a:spLocks noGrp="1"/>
+          </p:cNvSpPr>
+          <p:nvPr>
+            <p:ph type="ftr" sz="quarter" idx="11"/>
+          </p:nvPr>
+        </p:nvSpPr>
+        <p:spPr/>
+        <p:txBody>
+          <a:bodyPr/>
+          <a:lstStyle/>
+          <a:p>
+            <a:r>
+              <a:rPr lang="en-US" smtClean="0"/>
+              <a:t>Copyright © 2016 ProTech Professional Technical Services, Inc.</a:t>
+            </a:r>
+            <a:endParaRPr lang="en-US" dirty="0"/>
+          </a:p>
+        </p:txBody>
+      </p:sp>
     </p:spTree>
     <p:extLst>
       <p:ext uri="{BB962C8B-B14F-4D97-AF65-F5344CB8AC3E}">
@@ -52601,6 +58091,29 @@
           </a:p>
         </p:txBody>
       </p:sp>
+      <p:sp>
+        <p:nvSpPr>
+          <p:cNvPr id="5" name="Footer Placeholder 4"/>
+          <p:cNvSpPr>
+            <a:spLocks noGrp="1"/>
+          </p:cNvSpPr>
+          <p:nvPr>
+            <p:ph type="ftr" sz="quarter" idx="11"/>
+          </p:nvPr>
+        </p:nvSpPr>
+        <p:spPr/>
+        <p:txBody>
+          <a:bodyPr/>
+          <a:lstStyle/>
+          <a:p>
+            <a:r>
+              <a:rPr lang="en-US" smtClean="0"/>
+              <a:t>Copyright © 2016 ProTech Professional Technical Services, Inc.</a:t>
+            </a:r>
+            <a:endParaRPr lang="en-US" dirty="0"/>
+          </a:p>
+        </p:txBody>
+      </p:sp>
     </p:spTree>
     <p:extLst>
       <p:ext uri="{BB962C8B-B14F-4D97-AF65-F5344CB8AC3E}">
@@ -52727,6 +58240,29 @@
           </a:p>
         </p:txBody>
       </p:sp>
+      <p:sp>
+        <p:nvSpPr>
+          <p:cNvPr id="5" name="Footer Placeholder 4"/>
+          <p:cNvSpPr>
+            <a:spLocks noGrp="1"/>
+          </p:cNvSpPr>
+          <p:nvPr>
+            <p:ph type="ftr" sz="quarter" idx="11"/>
+          </p:nvPr>
+        </p:nvSpPr>
+        <p:spPr/>
+        <p:txBody>
+          <a:bodyPr/>
+          <a:lstStyle/>
+          <a:p>
+            <a:r>
+              <a:rPr lang="en-US" smtClean="0"/>
+              <a:t>Copyright © 2016 ProTech Professional Technical Services, Inc.</a:t>
+            </a:r>
+            <a:endParaRPr lang="en-US" dirty="0"/>
+          </a:p>
+        </p:txBody>
+      </p:sp>
     </p:spTree>
     <p:extLst>
       <p:ext uri="{BB962C8B-B14F-4D97-AF65-F5344CB8AC3E}">
@@ -52867,6 +58403,29 @@
           </a:p>
         </p:txBody>
       </p:sp>
+      <p:sp>
+        <p:nvSpPr>
+          <p:cNvPr id="5" name="Footer Placeholder 4"/>
+          <p:cNvSpPr>
+            <a:spLocks noGrp="1"/>
+          </p:cNvSpPr>
+          <p:nvPr>
+            <p:ph type="ftr" sz="quarter" idx="11"/>
+          </p:nvPr>
+        </p:nvSpPr>
+        <p:spPr/>
+        <p:txBody>
+          <a:bodyPr/>
+          <a:lstStyle/>
+          <a:p>
+            <a:r>
+              <a:rPr lang="en-US" smtClean="0"/>
+              <a:t>Copyright © 2016 ProTech Professional Technical Services, Inc.</a:t>
+            </a:r>
+            <a:endParaRPr lang="en-US" dirty="0"/>
+          </a:p>
+        </p:txBody>
+      </p:sp>
     </p:spTree>
     <p:extLst>
       <p:ext uri="{BB962C8B-B14F-4D97-AF65-F5344CB8AC3E}">
@@ -53084,6 +58643,29 @@
           </a:p>
         </p:txBody>
       </p:sp>
+      <p:sp>
+        <p:nvSpPr>
+          <p:cNvPr id="5" name="Footer Placeholder 4"/>
+          <p:cNvSpPr>
+            <a:spLocks noGrp="1"/>
+          </p:cNvSpPr>
+          <p:nvPr>
+            <p:ph type="ftr" sz="quarter" idx="11"/>
+          </p:nvPr>
+        </p:nvSpPr>
+        <p:spPr/>
+        <p:txBody>
+          <a:bodyPr/>
+          <a:lstStyle/>
+          <a:p>
+            <a:r>
+              <a:rPr lang="en-US" smtClean="0"/>
+              <a:t>Copyright © 2016 ProTech Professional Technical Services, Inc.</a:t>
+            </a:r>
+            <a:endParaRPr lang="en-US" dirty="0"/>
+          </a:p>
+        </p:txBody>
+      </p:sp>
     </p:spTree>
     <p:extLst>
       <p:ext uri="{BB962C8B-B14F-4D97-AF65-F5344CB8AC3E}">
@@ -53275,6 +58857,29 @@
           </a:p>
         </p:txBody>
       </p:sp>
+      <p:sp>
+        <p:nvSpPr>
+          <p:cNvPr id="5" name="Footer Placeholder 4"/>
+          <p:cNvSpPr>
+            <a:spLocks noGrp="1"/>
+          </p:cNvSpPr>
+          <p:nvPr>
+            <p:ph type="ftr" sz="quarter" idx="11"/>
+          </p:nvPr>
+        </p:nvSpPr>
+        <p:spPr/>
+        <p:txBody>
+          <a:bodyPr/>
+          <a:lstStyle/>
+          <a:p>
+            <a:r>
+              <a:rPr lang="en-US" smtClean="0"/>
+              <a:t>Copyright © 2016 ProTech Professional Technical Services, Inc.</a:t>
+            </a:r>
+            <a:endParaRPr lang="en-US" dirty="0"/>
+          </a:p>
+        </p:txBody>
+      </p:sp>
     </p:spTree>
     <p:extLst>
       <p:ext uri="{BB962C8B-B14F-4D97-AF65-F5344CB8AC3E}">
@@ -53498,6 +59103,29 @@
           </a:p>
         </p:txBody>
       </p:sp>
+      <p:sp>
+        <p:nvSpPr>
+          <p:cNvPr id="4" name="Footer Placeholder 3"/>
+          <p:cNvSpPr>
+            <a:spLocks noGrp="1"/>
+          </p:cNvSpPr>
+          <p:nvPr>
+            <p:ph type="ftr" sz="quarter" idx="11"/>
+          </p:nvPr>
+        </p:nvSpPr>
+        <p:spPr/>
+        <p:txBody>
+          <a:bodyPr/>
+          <a:lstStyle/>
+          <a:p>
+            <a:r>
+              <a:rPr lang="en-US" smtClean="0"/>
+              <a:t>Copyright © 2016 ProTech Professional Technical Services, Inc.</a:t>
+            </a:r>
+            <a:endParaRPr lang="en-US" dirty="0"/>
+          </a:p>
+        </p:txBody>
+      </p:sp>
     </p:spTree>
     <p:extLst>
       <p:ext uri="{BB962C8B-B14F-4D97-AF65-F5344CB8AC3E}">
@@ -53747,6 +59375,29 @@
           </a:p>
         </p:txBody>
       </p:sp>
+      <p:sp>
+        <p:nvSpPr>
+          <p:cNvPr id="4" name="Footer Placeholder 3"/>
+          <p:cNvSpPr>
+            <a:spLocks noGrp="1"/>
+          </p:cNvSpPr>
+          <p:nvPr>
+            <p:ph type="ftr" sz="quarter" idx="11"/>
+          </p:nvPr>
+        </p:nvSpPr>
+        <p:spPr/>
+        <p:txBody>
+          <a:bodyPr/>
+          <a:lstStyle/>
+          <a:p>
+            <a:r>
+              <a:rPr lang="en-US" smtClean="0"/>
+              <a:t>Copyright © 2016 ProTech Professional Technical Services, Inc.</a:t>
+            </a:r>
+            <a:endParaRPr lang="en-US" dirty="0"/>
+          </a:p>
+        </p:txBody>
+      </p:sp>
     </p:spTree>
     <p:extLst>
       <p:ext uri="{BB962C8B-B14F-4D97-AF65-F5344CB8AC3E}">
@@ -54074,6 +59725,29 @@
           </a:p>
         </p:txBody>
       </p:sp>
+      <p:sp>
+        <p:nvSpPr>
+          <p:cNvPr id="5" name="Footer Placeholder 4"/>
+          <p:cNvSpPr>
+            <a:spLocks noGrp="1"/>
+          </p:cNvSpPr>
+          <p:nvPr>
+            <p:ph type="ftr" sz="quarter" idx="11"/>
+          </p:nvPr>
+        </p:nvSpPr>
+        <p:spPr/>
+        <p:txBody>
+          <a:bodyPr/>
+          <a:lstStyle/>
+          <a:p>
+            <a:r>
+              <a:rPr lang="en-US" smtClean="0"/>
+              <a:t>Copyright © 2016 ProTech Professional Technical Services, Inc.</a:t>
+            </a:r>
+            <a:endParaRPr lang="en-US" dirty="0"/>
+          </a:p>
+        </p:txBody>
+      </p:sp>
     </p:spTree>
     <p:extLst>
       <p:ext uri="{BB962C8B-B14F-4D97-AF65-F5344CB8AC3E}">
@@ -54263,6 +59937,29 @@
           </a:p>
         </p:txBody>
       </p:sp>
+      <p:sp>
+        <p:nvSpPr>
+          <p:cNvPr id="5" name="Footer Placeholder 4"/>
+          <p:cNvSpPr>
+            <a:spLocks noGrp="1"/>
+          </p:cNvSpPr>
+          <p:nvPr>
+            <p:ph type="ftr" sz="quarter" idx="11"/>
+          </p:nvPr>
+        </p:nvSpPr>
+        <p:spPr/>
+        <p:txBody>
+          <a:bodyPr/>
+          <a:lstStyle/>
+          <a:p>
+            <a:r>
+              <a:rPr lang="en-US" smtClean="0"/>
+              <a:t>Copyright © 2016 ProTech Professional Technical Services, Inc.</a:t>
+            </a:r>
+            <a:endParaRPr lang="en-US" dirty="0"/>
+          </a:p>
+        </p:txBody>
+      </p:sp>
     </p:spTree>
     <p:extLst>
       <p:ext uri="{BB962C8B-B14F-4D97-AF65-F5344CB8AC3E}">
@@ -54394,6 +60091,29 @@
               <a:t>99</a:t>
             </a:fld>
             <a:endParaRPr lang="en-US"/>
+          </a:p>
+        </p:txBody>
+      </p:sp>
+      <p:sp>
+        <p:nvSpPr>
+          <p:cNvPr id="5" name="Footer Placeholder 4"/>
+          <p:cNvSpPr>
+            <a:spLocks noGrp="1"/>
+          </p:cNvSpPr>
+          <p:nvPr>
+            <p:ph type="ftr" sz="quarter" idx="11"/>
+          </p:nvPr>
+        </p:nvSpPr>
+        <p:spPr/>
+        <p:txBody>
+          <a:bodyPr/>
+          <a:lstStyle/>
+          <a:p>
+            <a:r>
+              <a:rPr lang="en-US" smtClean="0"/>
+              <a:t>Copyright © 2016 ProTech Professional Technical Services, Inc.</a:t>
+            </a:r>
+            <a:endParaRPr lang="en-US" dirty="0"/>
           </a:p>
         </p:txBody>
       </p:sp>
